--- a/Technology Presentation.pptx
+++ b/Technology Presentation.pptx
@@ -11,6 +11,58 @@
     <p:sldId id="259" r:id="rId5"/>
     <p:sldId id="260" r:id="rId6"/>
     <p:sldId id="261" r:id="rId7"/>
+    <p:sldId id="262" r:id="rId8"/>
+    <p:sldId id="263" r:id="rId9"/>
+    <p:sldId id="264" r:id="rId10"/>
+    <p:sldId id="265" r:id="rId11"/>
+    <p:sldId id="266" r:id="rId12"/>
+    <p:sldId id="267" r:id="rId13"/>
+    <p:sldId id="268" r:id="rId14"/>
+    <p:sldId id="269" r:id="rId15"/>
+    <p:sldId id="270" r:id="rId16"/>
+    <p:sldId id="271" r:id="rId17"/>
+    <p:sldId id="272" r:id="rId18"/>
+    <p:sldId id="273" r:id="rId19"/>
+    <p:sldId id="274" r:id="rId20"/>
+    <p:sldId id="275" r:id="rId21"/>
+    <p:sldId id="276" r:id="rId22"/>
+    <p:sldId id="277" r:id="rId23"/>
+    <p:sldId id="278" r:id="rId24"/>
+    <p:sldId id="279" r:id="rId25"/>
+    <p:sldId id="280" r:id="rId26"/>
+    <p:sldId id="281" r:id="rId27"/>
+    <p:sldId id="282" r:id="rId28"/>
+    <p:sldId id="283" r:id="rId29"/>
+    <p:sldId id="284" r:id="rId30"/>
+    <p:sldId id="285" r:id="rId31"/>
+    <p:sldId id="286" r:id="rId32"/>
+    <p:sldId id="287" r:id="rId33"/>
+    <p:sldId id="288" r:id="rId34"/>
+    <p:sldId id="289" r:id="rId35"/>
+    <p:sldId id="290" r:id="rId36"/>
+    <p:sldId id="291" r:id="rId37"/>
+    <p:sldId id="292" r:id="rId38"/>
+    <p:sldId id="293" r:id="rId39"/>
+    <p:sldId id="294" r:id="rId40"/>
+    <p:sldId id="295" r:id="rId41"/>
+    <p:sldId id="296" r:id="rId42"/>
+    <p:sldId id="297" r:id="rId43"/>
+    <p:sldId id="298" r:id="rId44"/>
+    <p:sldId id="299" r:id="rId45"/>
+    <p:sldId id="300" r:id="rId46"/>
+    <p:sldId id="301" r:id="rId47"/>
+    <p:sldId id="302" r:id="rId48"/>
+    <p:sldId id="303" r:id="rId49"/>
+    <p:sldId id="304" r:id="rId50"/>
+    <p:sldId id="305" r:id="rId51"/>
+    <p:sldId id="306" r:id="rId52"/>
+    <p:sldId id="307" r:id="rId53"/>
+    <p:sldId id="308" r:id="rId54"/>
+    <p:sldId id="309" r:id="rId55"/>
+    <p:sldId id="310" r:id="rId56"/>
+    <p:sldId id="311" r:id="rId57"/>
+    <p:sldId id="312" r:id="rId58"/>
+    <p:sldId id="313" r:id="rId59"/>
   </p:sldIdLst>
   <p:sldSz cx="12192000" cy="6858000"/>
   <p:notesSz cx="6858000" cy="9144000"/>
@@ -298,7 +350,7 @@
           <a:p>
             <a:fld id="{4FACE682-7757-4F60-9924-7C54F945BCEE}" type="datetimeFigureOut">
               <a:rPr lang="en-US" smtClean="0"/>
-              <a:t>5/11/2018</a:t>
+              <a:t>11/5/2018</a:t>
             </a:fld>
             <a:endParaRPr lang="en-US"/>
           </a:p>
@@ -573,7 +625,7 @@
           <a:p>
             <a:fld id="{4FACE682-7757-4F60-9924-7C54F945BCEE}" type="datetimeFigureOut">
               <a:rPr lang="en-US" smtClean="0"/>
-              <a:t>5/11/2018</a:t>
+              <a:t>11/5/2018</a:t>
             </a:fld>
             <a:endParaRPr lang="en-US"/>
           </a:p>
@@ -767,7 +819,7 @@
           <a:p>
             <a:fld id="{4FACE682-7757-4F60-9924-7C54F945BCEE}" type="datetimeFigureOut">
               <a:rPr lang="en-US" smtClean="0"/>
-              <a:t>5/11/2018</a:t>
+              <a:t>11/5/2018</a:t>
             </a:fld>
             <a:endParaRPr lang="en-US"/>
           </a:p>
@@ -1040,7 +1092,7 @@
           <a:p>
             <a:fld id="{4FACE682-7757-4F60-9924-7C54F945BCEE}" type="datetimeFigureOut">
               <a:rPr lang="en-US" smtClean="0"/>
-              <a:t>5/11/2018</a:t>
+              <a:t>11/5/2018</a:t>
             </a:fld>
             <a:endParaRPr lang="en-US"/>
           </a:p>
@@ -1381,7 +1433,7 @@
           <a:p>
             <a:fld id="{4FACE682-7757-4F60-9924-7C54F945BCEE}" type="datetimeFigureOut">
               <a:rPr lang="en-US" smtClean="0"/>
-              <a:t>5/11/2018</a:t>
+              <a:t>11/5/2018</a:t>
             </a:fld>
             <a:endParaRPr lang="en-US"/>
           </a:p>
@@ -2004,7 +2056,7 @@
           <a:p>
             <a:fld id="{4FACE682-7757-4F60-9924-7C54F945BCEE}" type="datetimeFigureOut">
               <a:rPr lang="en-US" smtClean="0"/>
-              <a:t>5/11/2018</a:t>
+              <a:t>11/5/2018</a:t>
             </a:fld>
             <a:endParaRPr lang="en-US"/>
           </a:p>
@@ -2864,7 +2916,7 @@
           <a:p>
             <a:fld id="{4FACE682-7757-4F60-9924-7C54F945BCEE}" type="datetimeFigureOut">
               <a:rPr lang="en-US" smtClean="0"/>
-              <a:t>5/11/2018</a:t>
+              <a:t>11/5/2018</a:t>
             </a:fld>
             <a:endParaRPr lang="en-US"/>
           </a:p>
@@ -3034,7 +3086,7 @@
           <a:p>
             <a:fld id="{4FACE682-7757-4F60-9924-7C54F945BCEE}" type="datetimeFigureOut">
               <a:rPr lang="en-US" smtClean="0"/>
-              <a:t>5/11/2018</a:t>
+              <a:t>11/5/2018</a:t>
             </a:fld>
             <a:endParaRPr lang="en-US"/>
           </a:p>
@@ -3214,7 +3266,7 @@
           <a:p>
             <a:fld id="{4FACE682-7757-4F60-9924-7C54F945BCEE}" type="datetimeFigureOut">
               <a:rPr lang="en-US" smtClean="0"/>
-              <a:t>5/11/2018</a:t>
+              <a:t>11/5/2018</a:t>
             </a:fld>
             <a:endParaRPr lang="en-US"/>
           </a:p>
@@ -3384,7 +3436,7 @@
           <a:p>
             <a:fld id="{4FACE682-7757-4F60-9924-7C54F945BCEE}" type="datetimeFigureOut">
               <a:rPr lang="en-US" smtClean="0"/>
-              <a:t>5/11/2018</a:t>
+              <a:t>11/5/2018</a:t>
             </a:fld>
             <a:endParaRPr lang="en-US"/>
           </a:p>
@@ -3631,7 +3683,7 @@
           <a:p>
             <a:fld id="{4FACE682-7757-4F60-9924-7C54F945BCEE}" type="datetimeFigureOut">
               <a:rPr lang="en-US" smtClean="0"/>
-              <a:t>5/11/2018</a:t>
+              <a:t>11/5/2018</a:t>
             </a:fld>
             <a:endParaRPr lang="en-US"/>
           </a:p>
@@ -3923,7 +3975,7 @@
           <a:p>
             <a:fld id="{4FACE682-7757-4F60-9924-7C54F945BCEE}" type="datetimeFigureOut">
               <a:rPr lang="en-US" smtClean="0"/>
-              <a:t>5/11/2018</a:t>
+              <a:t>11/5/2018</a:t>
             </a:fld>
             <a:endParaRPr lang="en-US"/>
           </a:p>
@@ -4367,7 +4419,7 @@
           <a:p>
             <a:fld id="{4FACE682-7757-4F60-9924-7C54F945BCEE}" type="datetimeFigureOut">
               <a:rPr lang="en-US" smtClean="0"/>
-              <a:t>5/11/2018</a:t>
+              <a:t>11/5/2018</a:t>
             </a:fld>
             <a:endParaRPr lang="en-US"/>
           </a:p>
@@ -4485,7 +4537,7 @@
           <a:p>
             <a:fld id="{4FACE682-7757-4F60-9924-7C54F945BCEE}" type="datetimeFigureOut">
               <a:rPr lang="en-US" smtClean="0"/>
-              <a:t>5/11/2018</a:t>
+              <a:t>11/5/2018</a:t>
             </a:fld>
             <a:endParaRPr lang="en-US"/>
           </a:p>
@@ -4580,7 +4632,7 @@
           <a:p>
             <a:fld id="{4FACE682-7757-4F60-9924-7C54F945BCEE}" type="datetimeFigureOut">
               <a:rPr lang="en-US" smtClean="0"/>
-              <a:t>5/11/2018</a:t>
+              <a:t>11/5/2018</a:t>
             </a:fld>
             <a:endParaRPr lang="en-US"/>
           </a:p>
@@ -4859,7 +4911,7 @@
           <a:p>
             <a:fld id="{4FACE682-7757-4F60-9924-7C54F945BCEE}" type="datetimeFigureOut">
               <a:rPr lang="en-US" smtClean="0"/>
-              <a:t>5/11/2018</a:t>
+              <a:t>11/5/2018</a:t>
             </a:fld>
             <a:endParaRPr lang="en-US"/>
           </a:p>
@@ -5134,7 +5186,7 @@
           <a:p>
             <a:fld id="{4FACE682-7757-4F60-9924-7C54F945BCEE}" type="datetimeFigureOut">
               <a:rPr lang="en-US" smtClean="0"/>
-              <a:t>5/11/2018</a:t>
+              <a:t>11/5/2018</a:t>
             </a:fld>
             <a:endParaRPr lang="en-US"/>
           </a:p>
@@ -5563,7 +5615,7 @@
           <a:p>
             <a:fld id="{4FACE682-7757-4F60-9924-7C54F945BCEE}" type="datetimeFigureOut">
               <a:rPr lang="en-US" smtClean="0"/>
-              <a:t>5/11/2018</a:t>
+              <a:t>11/5/2018</a:t>
             </a:fld>
             <a:endParaRPr lang="en-US"/>
           </a:p>
@@ -6096,7 +6148,7 @@
           <p:cNvPr id="2" name="Title 1">
             <a:extLst>
               <a:ext uri="{FF2B5EF4-FFF2-40B4-BE49-F238E27FC236}">
-                <a16:creationId xmlns:a16="http://schemas.microsoft.com/office/drawing/2014/main" id="{40533638-A2BF-47B8-838D-726E138FD140}"/>
+                <a16:creationId xmlns:a16="http://schemas.microsoft.com/office/drawing/2014/main" xmlns="" id="{40533638-A2BF-47B8-838D-726E138FD140}"/>
               </a:ext>
             </a:extLst>
           </p:cNvPr>
@@ -6124,7 +6176,7 @@
           <p:cNvPr id="3" name="Subtitle 2">
             <a:extLst>
               <a:ext uri="{FF2B5EF4-FFF2-40B4-BE49-F238E27FC236}">
-                <a16:creationId xmlns:a16="http://schemas.microsoft.com/office/drawing/2014/main" id="{5137B9E5-8624-498D-A03D-56B25802F41C}"/>
+                <a16:creationId xmlns:a16="http://schemas.microsoft.com/office/drawing/2014/main" xmlns="" id="{5137B9E5-8624-498D-A03D-56B25802F41C}"/>
               </a:ext>
             </a:extLst>
           </p:cNvPr>
@@ -6151,6 +6203,1019 @@
     <p:extLst>
       <p:ext uri="{BB962C8B-B14F-4D97-AF65-F5344CB8AC3E}">
         <p14:creationId xmlns:p14="http://schemas.microsoft.com/office/powerpoint/2010/main" val="1270595119"/>
+      </p:ext>
+    </p:extLst>
+  </p:cSld>
+  <p:clrMapOvr>
+    <a:masterClrMapping/>
+  </p:clrMapOvr>
+  <p:timing>
+    <p:tnLst>
+      <p:par>
+        <p:cTn id="1" dur="indefinite" restart="never" nodeType="tmRoot"/>
+      </p:par>
+    </p:tnLst>
+  </p:timing>
+</p:sld>
+</file>
+
+<file path=ppt/slides/slide10.xml><?xml version="1.0" encoding="utf-8"?>
+<p:sld xmlns:a="http://schemas.openxmlformats.org/drawingml/2006/main" xmlns:r="http://schemas.openxmlformats.org/officeDocument/2006/relationships" xmlns:p="http://schemas.openxmlformats.org/presentationml/2006/main">
+  <p:cSld>
+    <p:spTree>
+      <p:nvGrpSpPr>
+        <p:cNvPr id="1" name=""/>
+        <p:cNvGrpSpPr/>
+        <p:nvPr/>
+      </p:nvGrpSpPr>
+      <p:grpSpPr>
+        <a:xfrm>
+          <a:off x="0" y="0"/>
+          <a:ext cx="0" cy="0"/>
+          <a:chOff x="0" y="0"/>
+          <a:chExt cx="0" cy="0"/>
+        </a:xfrm>
+      </p:grpSpPr>
+      <p:sp>
+        <p:nvSpPr>
+          <p:cNvPr id="2" name="Title 1">
+            <a:extLst>
+              <a:ext uri="{FF2B5EF4-FFF2-40B4-BE49-F238E27FC236}">
+                <a16:creationId xmlns:a16="http://schemas.microsoft.com/office/drawing/2014/main" xmlns="" id="{33182361-C770-430C-97A0-B9298FA3FE50}"/>
+              </a:ext>
+            </a:extLst>
+          </p:cNvPr>
+          <p:cNvSpPr>
+            <a:spLocks noGrp="1"/>
+          </p:cNvSpPr>
+          <p:nvPr>
+            <p:ph type="title"/>
+          </p:nvPr>
+        </p:nvSpPr>
+        <p:spPr/>
+        <p:txBody>
+          <a:bodyPr/>
+          <a:lstStyle/>
+          <a:p>
+            <a:r>
+              <a:rPr lang="en-US" dirty="0"/>
+              <a:t>[Chosen Technology]</a:t>
+            </a:r>
+          </a:p>
+        </p:txBody>
+      </p:sp>
+      <p:sp>
+        <p:nvSpPr>
+          <p:cNvPr id="3" name="Content Placeholder 2">
+            <a:extLst>
+              <a:ext uri="{FF2B5EF4-FFF2-40B4-BE49-F238E27FC236}">
+                <a16:creationId xmlns:a16="http://schemas.microsoft.com/office/drawing/2014/main" xmlns="" id="{6457FBD9-768E-4864-B576-83C1D02FB7F8}"/>
+              </a:ext>
+            </a:extLst>
+          </p:cNvPr>
+          <p:cNvSpPr>
+            <a:spLocks noGrp="1"/>
+          </p:cNvSpPr>
+          <p:nvPr>
+            <p:ph idx="1"/>
+          </p:nvPr>
+        </p:nvSpPr>
+        <p:spPr/>
+        <p:txBody>
+          <a:bodyPr/>
+          <a:lstStyle/>
+          <a:p>
+            <a:r>
+              <a:rPr lang="en-US" dirty="0"/>
+              <a:t>[Reason]</a:t>
+            </a:r>
+          </a:p>
+          <a:p>
+            <a:r>
+              <a:rPr lang="en-US" dirty="0"/>
+              <a:t>[Reason]</a:t>
+            </a:r>
+          </a:p>
+        </p:txBody>
+      </p:sp>
+    </p:spTree>
+    <p:extLst>
+      <p:ext uri="{BB962C8B-B14F-4D97-AF65-F5344CB8AC3E}">
+        <p14:creationId xmlns:p14="http://schemas.microsoft.com/office/powerpoint/2010/main" val="3002344434"/>
+      </p:ext>
+    </p:extLst>
+  </p:cSld>
+  <p:clrMapOvr>
+    <a:masterClrMapping/>
+  </p:clrMapOvr>
+  <p:timing>
+    <p:tnLst>
+      <p:par>
+        <p:cTn id="1" dur="indefinite" restart="never" nodeType="tmRoot"/>
+      </p:par>
+    </p:tnLst>
+  </p:timing>
+</p:sld>
+</file>
+
+<file path=ppt/slides/slide11.xml><?xml version="1.0" encoding="utf-8"?>
+<p:sld xmlns:a="http://schemas.openxmlformats.org/drawingml/2006/main" xmlns:r="http://schemas.openxmlformats.org/officeDocument/2006/relationships" xmlns:p="http://schemas.openxmlformats.org/presentationml/2006/main">
+  <p:cSld>
+    <p:spTree>
+      <p:nvGrpSpPr>
+        <p:cNvPr id="1" name=""/>
+        <p:cNvGrpSpPr/>
+        <p:nvPr/>
+      </p:nvGrpSpPr>
+      <p:grpSpPr>
+        <a:xfrm>
+          <a:off x="0" y="0"/>
+          <a:ext cx="0" cy="0"/>
+          <a:chOff x="0" y="0"/>
+          <a:chExt cx="0" cy="0"/>
+        </a:xfrm>
+      </p:grpSpPr>
+      <p:sp>
+        <p:nvSpPr>
+          <p:cNvPr id="2" name="Title 1">
+            <a:extLst>
+              <a:ext uri="{FF2B5EF4-FFF2-40B4-BE49-F238E27FC236}">
+                <a16:creationId xmlns:a16="http://schemas.microsoft.com/office/drawing/2014/main" xmlns="" id="{ABFE9964-2DD0-4B8C-9324-5C9218DC5DF7}"/>
+              </a:ext>
+            </a:extLst>
+          </p:cNvPr>
+          <p:cNvSpPr>
+            <a:spLocks noGrp="1"/>
+          </p:cNvSpPr>
+          <p:nvPr>
+            <p:ph type="title"/>
+          </p:nvPr>
+        </p:nvSpPr>
+        <p:spPr/>
+        <p:txBody>
+          <a:bodyPr/>
+          <a:lstStyle/>
+          <a:p>
+            <a:r>
+              <a:rPr lang="en-US" sz="5400" dirty="0"/>
+              <a:t>As Tommy the mountain hermit, I want to still be able to use the app even if </a:t>
+            </a:r>
+            <a:r>
+              <a:rPr lang="en-US" sz="5400" dirty="0"/>
+              <a:t>I</a:t>
+            </a:r>
+            <a:r>
+              <a:rPr lang="en-US" sz="5400" dirty="0" smtClean="0"/>
+              <a:t> </a:t>
+            </a:r>
+            <a:r>
+              <a:rPr lang="en-US" sz="5400" dirty="0"/>
+              <a:t>go months without internet access.</a:t>
+            </a:r>
+            <a:endParaRPr lang="en-US" sz="5400" dirty="0"/>
+          </a:p>
+        </p:txBody>
+      </p:sp>
+      <p:sp>
+        <p:nvSpPr>
+          <p:cNvPr id="3" name="Content Placeholder 2">
+            <a:extLst>
+              <a:ext uri="{FF2B5EF4-FFF2-40B4-BE49-F238E27FC236}">
+                <a16:creationId xmlns:a16="http://schemas.microsoft.com/office/drawing/2014/main" xmlns="" id="{361D3B48-B632-4E60-8736-F1558045DB59}"/>
+              </a:ext>
+            </a:extLst>
+          </p:cNvPr>
+          <p:cNvSpPr>
+            <a:spLocks noGrp="1"/>
+          </p:cNvSpPr>
+          <p:nvPr>
+            <p:ph idx="1"/>
+          </p:nvPr>
+        </p:nvSpPr>
+        <p:spPr/>
+        <p:txBody>
+          <a:bodyPr/>
+          <a:lstStyle/>
+          <a:p>
+            <a:endParaRPr lang="en-US" dirty="0"/>
+          </a:p>
+        </p:txBody>
+      </p:sp>
+    </p:spTree>
+    <p:extLst>
+      <p:ext uri="{BB962C8B-B14F-4D97-AF65-F5344CB8AC3E}">
+        <p14:creationId xmlns:p14="http://schemas.microsoft.com/office/powerpoint/2010/main" val="178948568"/>
+      </p:ext>
+    </p:extLst>
+  </p:cSld>
+  <p:clrMapOvr>
+    <a:masterClrMapping/>
+  </p:clrMapOvr>
+  <p:timing>
+    <p:tnLst>
+      <p:par>
+        <p:cTn id="1" dur="indefinite" restart="never" nodeType="tmRoot"/>
+      </p:par>
+    </p:tnLst>
+  </p:timing>
+</p:sld>
+</file>
+
+<file path=ppt/slides/slide12.xml><?xml version="1.0" encoding="utf-8"?>
+<p:sld xmlns:a="http://schemas.openxmlformats.org/drawingml/2006/main" xmlns:r="http://schemas.openxmlformats.org/officeDocument/2006/relationships" xmlns:p="http://schemas.openxmlformats.org/presentationml/2006/main">
+  <p:cSld>
+    <p:spTree>
+      <p:nvGrpSpPr>
+        <p:cNvPr id="1" name=""/>
+        <p:cNvGrpSpPr/>
+        <p:nvPr/>
+      </p:nvGrpSpPr>
+      <p:grpSpPr>
+        <a:xfrm>
+          <a:off x="0" y="0"/>
+          <a:ext cx="0" cy="0"/>
+          <a:chOff x="0" y="0"/>
+          <a:chExt cx="0" cy="0"/>
+        </a:xfrm>
+      </p:grpSpPr>
+      <p:sp>
+        <p:nvSpPr>
+          <p:cNvPr id="2" name="Title 1">
+            <a:extLst>
+              <a:ext uri="{FF2B5EF4-FFF2-40B4-BE49-F238E27FC236}">
+                <a16:creationId xmlns:a16="http://schemas.microsoft.com/office/drawing/2014/main" xmlns="" id="{E66C612F-2F3A-4260-BDBF-80671B0DF2ED}"/>
+              </a:ext>
+            </a:extLst>
+          </p:cNvPr>
+          <p:cNvSpPr>
+            <a:spLocks noGrp="1"/>
+          </p:cNvSpPr>
+          <p:nvPr>
+            <p:ph type="title"/>
+          </p:nvPr>
+        </p:nvSpPr>
+        <p:spPr/>
+        <p:txBody>
+          <a:bodyPr/>
+          <a:lstStyle/>
+          <a:p>
+            <a:r>
+              <a:rPr lang="en-US" dirty="0"/>
+              <a:t>[Feature]</a:t>
+            </a:r>
+          </a:p>
+        </p:txBody>
+      </p:sp>
+      <p:sp>
+        <p:nvSpPr>
+          <p:cNvPr id="3" name="Content Placeholder 2">
+            <a:extLst>
+              <a:ext uri="{FF2B5EF4-FFF2-40B4-BE49-F238E27FC236}">
+                <a16:creationId xmlns:a16="http://schemas.microsoft.com/office/drawing/2014/main" xmlns="" id="{6C61B333-EC15-417A-92E3-D6641D0F3741}"/>
+              </a:ext>
+            </a:extLst>
+          </p:cNvPr>
+          <p:cNvSpPr>
+            <a:spLocks noGrp="1"/>
+          </p:cNvSpPr>
+          <p:nvPr>
+            <p:ph idx="1"/>
+          </p:nvPr>
+        </p:nvSpPr>
+        <p:spPr/>
+        <p:txBody>
+          <a:bodyPr/>
+          <a:lstStyle/>
+          <a:p>
+            <a:endParaRPr lang="en-US"/>
+          </a:p>
+        </p:txBody>
+      </p:sp>
+    </p:spTree>
+    <p:extLst>
+      <p:ext uri="{BB962C8B-B14F-4D97-AF65-F5344CB8AC3E}">
+        <p14:creationId xmlns:p14="http://schemas.microsoft.com/office/powerpoint/2010/main" val="3112083759"/>
+      </p:ext>
+    </p:extLst>
+  </p:cSld>
+  <p:clrMapOvr>
+    <a:masterClrMapping/>
+  </p:clrMapOvr>
+  <p:timing>
+    <p:tnLst>
+      <p:par>
+        <p:cTn id="1" dur="indefinite" restart="never" nodeType="tmRoot"/>
+      </p:par>
+    </p:tnLst>
+  </p:timing>
+</p:sld>
+</file>
+
+<file path=ppt/slides/slide13.xml><?xml version="1.0" encoding="utf-8"?>
+<p:sld xmlns:a="http://schemas.openxmlformats.org/drawingml/2006/main" xmlns:r="http://schemas.openxmlformats.org/officeDocument/2006/relationships" xmlns:p="http://schemas.openxmlformats.org/presentationml/2006/main">
+  <p:cSld>
+    <p:spTree>
+      <p:nvGrpSpPr>
+        <p:cNvPr id="1" name=""/>
+        <p:cNvGrpSpPr/>
+        <p:nvPr/>
+      </p:nvGrpSpPr>
+      <p:grpSpPr>
+        <a:xfrm>
+          <a:off x="0" y="0"/>
+          <a:ext cx="0" cy="0"/>
+          <a:chOff x="0" y="0"/>
+          <a:chExt cx="0" cy="0"/>
+        </a:xfrm>
+      </p:grpSpPr>
+      <p:sp>
+        <p:nvSpPr>
+          <p:cNvPr id="2" name="Title 1">
+            <a:extLst>
+              <a:ext uri="{FF2B5EF4-FFF2-40B4-BE49-F238E27FC236}">
+                <a16:creationId xmlns:a16="http://schemas.microsoft.com/office/drawing/2014/main" xmlns="" id="{BA35D0AB-9A37-479C-9406-C70EC5D04068}"/>
+              </a:ext>
+            </a:extLst>
+          </p:cNvPr>
+          <p:cNvSpPr>
+            <a:spLocks noGrp="1"/>
+          </p:cNvSpPr>
+          <p:nvPr>
+            <p:ph type="title"/>
+          </p:nvPr>
+        </p:nvSpPr>
+        <p:spPr/>
+        <p:txBody>
+          <a:bodyPr/>
+          <a:lstStyle/>
+          <a:p>
+            <a:r>
+              <a:rPr lang="en-US" dirty="0"/>
+              <a:t>[Possible Technology]</a:t>
+            </a:r>
+          </a:p>
+        </p:txBody>
+      </p:sp>
+      <p:sp>
+        <p:nvSpPr>
+          <p:cNvPr id="3" name="Content Placeholder 2">
+            <a:extLst>
+              <a:ext uri="{FF2B5EF4-FFF2-40B4-BE49-F238E27FC236}">
+                <a16:creationId xmlns:a16="http://schemas.microsoft.com/office/drawing/2014/main" xmlns="" id="{C53C1AAE-D52E-4865-94E5-9A746F2B6603}"/>
+              </a:ext>
+            </a:extLst>
+          </p:cNvPr>
+          <p:cNvSpPr>
+            <a:spLocks noGrp="1"/>
+          </p:cNvSpPr>
+          <p:nvPr>
+            <p:ph idx="1"/>
+          </p:nvPr>
+        </p:nvSpPr>
+        <p:spPr/>
+        <p:txBody>
+          <a:bodyPr/>
+          <a:lstStyle/>
+          <a:p>
+            <a:pPr marL="0" indent="0">
+              <a:buNone/>
+            </a:pPr>
+            <a:r>
+              <a:rPr lang="en-US" dirty="0"/>
+              <a:t>Pros</a:t>
+            </a:r>
+          </a:p>
+          <a:p>
+            <a:r>
+              <a:rPr lang="en-US" dirty="0"/>
+              <a:t>[Pro]</a:t>
+            </a:r>
+          </a:p>
+          <a:p>
+            <a:r>
+              <a:rPr lang="en-US" dirty="0"/>
+              <a:t>[Pro]</a:t>
+            </a:r>
+          </a:p>
+          <a:p>
+            <a:endParaRPr lang="en-US" dirty="0"/>
+          </a:p>
+          <a:p>
+            <a:pPr marL="0" indent="0">
+              <a:buNone/>
+            </a:pPr>
+            <a:r>
+              <a:rPr lang="en-US" dirty="0"/>
+              <a:t>Cons</a:t>
+            </a:r>
+          </a:p>
+          <a:p>
+            <a:r>
+              <a:rPr lang="en-US" dirty="0"/>
+              <a:t>[Con]</a:t>
+            </a:r>
+          </a:p>
+          <a:p>
+            <a:r>
+              <a:rPr lang="en-US" dirty="0"/>
+              <a:t>[Con]</a:t>
+            </a:r>
+          </a:p>
+        </p:txBody>
+      </p:sp>
+    </p:spTree>
+    <p:extLst>
+      <p:ext uri="{BB962C8B-B14F-4D97-AF65-F5344CB8AC3E}">
+        <p14:creationId xmlns:p14="http://schemas.microsoft.com/office/powerpoint/2010/main" val="1472652304"/>
+      </p:ext>
+    </p:extLst>
+  </p:cSld>
+  <p:clrMapOvr>
+    <a:masterClrMapping/>
+  </p:clrMapOvr>
+  <p:timing>
+    <p:tnLst>
+      <p:par>
+        <p:cTn id="1" dur="indefinite" restart="never" nodeType="tmRoot"/>
+      </p:par>
+    </p:tnLst>
+  </p:timing>
+</p:sld>
+</file>
+
+<file path=ppt/slides/slide14.xml><?xml version="1.0" encoding="utf-8"?>
+<p:sld xmlns:a="http://schemas.openxmlformats.org/drawingml/2006/main" xmlns:r="http://schemas.openxmlformats.org/officeDocument/2006/relationships" xmlns:p="http://schemas.openxmlformats.org/presentationml/2006/main">
+  <p:cSld>
+    <p:spTree>
+      <p:nvGrpSpPr>
+        <p:cNvPr id="1" name=""/>
+        <p:cNvGrpSpPr/>
+        <p:nvPr/>
+      </p:nvGrpSpPr>
+      <p:grpSpPr>
+        <a:xfrm>
+          <a:off x="0" y="0"/>
+          <a:ext cx="0" cy="0"/>
+          <a:chOff x="0" y="0"/>
+          <a:chExt cx="0" cy="0"/>
+        </a:xfrm>
+      </p:grpSpPr>
+      <p:sp>
+        <p:nvSpPr>
+          <p:cNvPr id="2" name="Title 1">
+            <a:extLst>
+              <a:ext uri="{FF2B5EF4-FFF2-40B4-BE49-F238E27FC236}">
+                <a16:creationId xmlns:a16="http://schemas.microsoft.com/office/drawing/2014/main" xmlns="" id="{33182361-C770-430C-97A0-B9298FA3FE50}"/>
+              </a:ext>
+            </a:extLst>
+          </p:cNvPr>
+          <p:cNvSpPr>
+            <a:spLocks noGrp="1"/>
+          </p:cNvSpPr>
+          <p:nvPr>
+            <p:ph type="title"/>
+          </p:nvPr>
+        </p:nvSpPr>
+        <p:spPr/>
+        <p:txBody>
+          <a:bodyPr/>
+          <a:lstStyle/>
+          <a:p>
+            <a:r>
+              <a:rPr lang="en-US" dirty="0"/>
+              <a:t>[Chosen Technology]</a:t>
+            </a:r>
+          </a:p>
+        </p:txBody>
+      </p:sp>
+      <p:sp>
+        <p:nvSpPr>
+          <p:cNvPr id="3" name="Content Placeholder 2">
+            <a:extLst>
+              <a:ext uri="{FF2B5EF4-FFF2-40B4-BE49-F238E27FC236}">
+                <a16:creationId xmlns:a16="http://schemas.microsoft.com/office/drawing/2014/main" xmlns="" id="{6457FBD9-768E-4864-B576-83C1D02FB7F8}"/>
+              </a:ext>
+            </a:extLst>
+          </p:cNvPr>
+          <p:cNvSpPr>
+            <a:spLocks noGrp="1"/>
+          </p:cNvSpPr>
+          <p:nvPr>
+            <p:ph idx="1"/>
+          </p:nvPr>
+        </p:nvSpPr>
+        <p:spPr/>
+        <p:txBody>
+          <a:bodyPr/>
+          <a:lstStyle/>
+          <a:p>
+            <a:r>
+              <a:rPr lang="en-US" dirty="0"/>
+              <a:t>[Reason]</a:t>
+            </a:r>
+          </a:p>
+          <a:p>
+            <a:r>
+              <a:rPr lang="en-US" dirty="0"/>
+              <a:t>[Reason]</a:t>
+            </a:r>
+          </a:p>
+        </p:txBody>
+      </p:sp>
+    </p:spTree>
+    <p:extLst>
+      <p:ext uri="{BB962C8B-B14F-4D97-AF65-F5344CB8AC3E}">
+        <p14:creationId xmlns:p14="http://schemas.microsoft.com/office/powerpoint/2010/main" val="3002344434"/>
+      </p:ext>
+    </p:extLst>
+  </p:cSld>
+  <p:clrMapOvr>
+    <a:masterClrMapping/>
+  </p:clrMapOvr>
+  <p:timing>
+    <p:tnLst>
+      <p:par>
+        <p:cTn id="1" dur="indefinite" restart="never" nodeType="tmRoot"/>
+      </p:par>
+    </p:tnLst>
+  </p:timing>
+</p:sld>
+</file>
+
+<file path=ppt/slides/slide15.xml><?xml version="1.0" encoding="utf-8"?>
+<p:sld xmlns:a="http://schemas.openxmlformats.org/drawingml/2006/main" xmlns:r="http://schemas.openxmlformats.org/officeDocument/2006/relationships" xmlns:p="http://schemas.openxmlformats.org/presentationml/2006/main">
+  <p:cSld>
+    <p:spTree>
+      <p:nvGrpSpPr>
+        <p:cNvPr id="1" name=""/>
+        <p:cNvGrpSpPr/>
+        <p:nvPr/>
+      </p:nvGrpSpPr>
+      <p:grpSpPr>
+        <a:xfrm>
+          <a:off x="0" y="0"/>
+          <a:ext cx="0" cy="0"/>
+          <a:chOff x="0" y="0"/>
+          <a:chExt cx="0" cy="0"/>
+        </a:xfrm>
+      </p:grpSpPr>
+      <p:sp>
+        <p:nvSpPr>
+          <p:cNvPr id="2" name="Title 1">
+            <a:extLst>
+              <a:ext uri="{FF2B5EF4-FFF2-40B4-BE49-F238E27FC236}">
+                <a16:creationId xmlns:a16="http://schemas.microsoft.com/office/drawing/2014/main" xmlns="" id="{ABFE9964-2DD0-4B8C-9324-5C9218DC5DF7}"/>
+              </a:ext>
+            </a:extLst>
+          </p:cNvPr>
+          <p:cNvSpPr>
+            <a:spLocks noGrp="1"/>
+          </p:cNvSpPr>
+          <p:nvPr>
+            <p:ph type="title"/>
+          </p:nvPr>
+        </p:nvSpPr>
+        <p:spPr/>
+        <p:txBody>
+          <a:bodyPr/>
+          <a:lstStyle/>
+          <a:p>
+            <a:r>
+              <a:rPr lang="en-US" sz="5400" dirty="0"/>
+              <a:t>As Francine the world </a:t>
+            </a:r>
+            <a:r>
+              <a:rPr lang="en-US" sz="5400" dirty="0" err="1"/>
+              <a:t>traveller</a:t>
+            </a:r>
+            <a:r>
+              <a:rPr lang="en-US" sz="5400" dirty="0"/>
+              <a:t>, I want to easily show my friends a quick slideshow style summary of all the places I’ve been.</a:t>
+            </a:r>
+            <a:endParaRPr lang="en-US" sz="5400" dirty="0"/>
+          </a:p>
+        </p:txBody>
+      </p:sp>
+      <p:sp>
+        <p:nvSpPr>
+          <p:cNvPr id="3" name="Content Placeholder 2">
+            <a:extLst>
+              <a:ext uri="{FF2B5EF4-FFF2-40B4-BE49-F238E27FC236}">
+                <a16:creationId xmlns:a16="http://schemas.microsoft.com/office/drawing/2014/main" xmlns="" id="{361D3B48-B632-4E60-8736-F1558045DB59}"/>
+              </a:ext>
+            </a:extLst>
+          </p:cNvPr>
+          <p:cNvSpPr>
+            <a:spLocks noGrp="1"/>
+          </p:cNvSpPr>
+          <p:nvPr>
+            <p:ph idx="1"/>
+          </p:nvPr>
+        </p:nvSpPr>
+        <p:spPr/>
+        <p:txBody>
+          <a:bodyPr/>
+          <a:lstStyle/>
+          <a:p>
+            <a:endParaRPr lang="en-US" dirty="0"/>
+          </a:p>
+        </p:txBody>
+      </p:sp>
+    </p:spTree>
+    <p:extLst>
+      <p:ext uri="{BB962C8B-B14F-4D97-AF65-F5344CB8AC3E}">
+        <p14:creationId xmlns:p14="http://schemas.microsoft.com/office/powerpoint/2010/main" val="178948568"/>
+      </p:ext>
+    </p:extLst>
+  </p:cSld>
+  <p:clrMapOvr>
+    <a:masterClrMapping/>
+  </p:clrMapOvr>
+  <p:timing>
+    <p:tnLst>
+      <p:par>
+        <p:cTn id="1" dur="indefinite" restart="never" nodeType="tmRoot"/>
+      </p:par>
+    </p:tnLst>
+  </p:timing>
+</p:sld>
+</file>
+
+<file path=ppt/slides/slide16.xml><?xml version="1.0" encoding="utf-8"?>
+<p:sld xmlns:a="http://schemas.openxmlformats.org/drawingml/2006/main" xmlns:r="http://schemas.openxmlformats.org/officeDocument/2006/relationships" xmlns:p="http://schemas.openxmlformats.org/presentationml/2006/main">
+  <p:cSld>
+    <p:spTree>
+      <p:nvGrpSpPr>
+        <p:cNvPr id="1" name=""/>
+        <p:cNvGrpSpPr/>
+        <p:nvPr/>
+      </p:nvGrpSpPr>
+      <p:grpSpPr>
+        <a:xfrm>
+          <a:off x="0" y="0"/>
+          <a:ext cx="0" cy="0"/>
+          <a:chOff x="0" y="0"/>
+          <a:chExt cx="0" cy="0"/>
+        </a:xfrm>
+      </p:grpSpPr>
+      <p:sp>
+        <p:nvSpPr>
+          <p:cNvPr id="2" name="Title 1">
+            <a:extLst>
+              <a:ext uri="{FF2B5EF4-FFF2-40B4-BE49-F238E27FC236}">
+                <a16:creationId xmlns:a16="http://schemas.microsoft.com/office/drawing/2014/main" xmlns="" id="{E66C612F-2F3A-4260-BDBF-80671B0DF2ED}"/>
+              </a:ext>
+            </a:extLst>
+          </p:cNvPr>
+          <p:cNvSpPr>
+            <a:spLocks noGrp="1"/>
+          </p:cNvSpPr>
+          <p:nvPr>
+            <p:ph type="title"/>
+          </p:nvPr>
+        </p:nvSpPr>
+        <p:spPr/>
+        <p:txBody>
+          <a:bodyPr/>
+          <a:lstStyle/>
+          <a:p>
+            <a:r>
+              <a:rPr lang="en-US" dirty="0"/>
+              <a:t>[Feature]</a:t>
+            </a:r>
+          </a:p>
+        </p:txBody>
+      </p:sp>
+      <p:sp>
+        <p:nvSpPr>
+          <p:cNvPr id="3" name="Content Placeholder 2">
+            <a:extLst>
+              <a:ext uri="{FF2B5EF4-FFF2-40B4-BE49-F238E27FC236}">
+                <a16:creationId xmlns:a16="http://schemas.microsoft.com/office/drawing/2014/main" xmlns="" id="{6C61B333-EC15-417A-92E3-D6641D0F3741}"/>
+              </a:ext>
+            </a:extLst>
+          </p:cNvPr>
+          <p:cNvSpPr>
+            <a:spLocks noGrp="1"/>
+          </p:cNvSpPr>
+          <p:nvPr>
+            <p:ph idx="1"/>
+          </p:nvPr>
+        </p:nvSpPr>
+        <p:spPr/>
+        <p:txBody>
+          <a:bodyPr/>
+          <a:lstStyle/>
+          <a:p>
+            <a:endParaRPr lang="en-US"/>
+          </a:p>
+        </p:txBody>
+      </p:sp>
+    </p:spTree>
+    <p:extLst>
+      <p:ext uri="{BB962C8B-B14F-4D97-AF65-F5344CB8AC3E}">
+        <p14:creationId xmlns:p14="http://schemas.microsoft.com/office/powerpoint/2010/main" val="3112083759"/>
+      </p:ext>
+    </p:extLst>
+  </p:cSld>
+  <p:clrMapOvr>
+    <a:masterClrMapping/>
+  </p:clrMapOvr>
+</p:sld>
+</file>
+
+<file path=ppt/slides/slide17.xml><?xml version="1.0" encoding="utf-8"?>
+<p:sld xmlns:a="http://schemas.openxmlformats.org/drawingml/2006/main" xmlns:r="http://schemas.openxmlformats.org/officeDocument/2006/relationships" xmlns:p="http://schemas.openxmlformats.org/presentationml/2006/main">
+  <p:cSld>
+    <p:spTree>
+      <p:nvGrpSpPr>
+        <p:cNvPr id="1" name=""/>
+        <p:cNvGrpSpPr/>
+        <p:nvPr/>
+      </p:nvGrpSpPr>
+      <p:grpSpPr>
+        <a:xfrm>
+          <a:off x="0" y="0"/>
+          <a:ext cx="0" cy="0"/>
+          <a:chOff x="0" y="0"/>
+          <a:chExt cx="0" cy="0"/>
+        </a:xfrm>
+      </p:grpSpPr>
+      <p:sp>
+        <p:nvSpPr>
+          <p:cNvPr id="2" name="Title 1">
+            <a:extLst>
+              <a:ext uri="{FF2B5EF4-FFF2-40B4-BE49-F238E27FC236}">
+                <a16:creationId xmlns:a16="http://schemas.microsoft.com/office/drawing/2014/main" xmlns="" id="{BA35D0AB-9A37-479C-9406-C70EC5D04068}"/>
+              </a:ext>
+            </a:extLst>
+          </p:cNvPr>
+          <p:cNvSpPr>
+            <a:spLocks noGrp="1"/>
+          </p:cNvSpPr>
+          <p:nvPr>
+            <p:ph type="title"/>
+          </p:nvPr>
+        </p:nvSpPr>
+        <p:spPr/>
+        <p:txBody>
+          <a:bodyPr/>
+          <a:lstStyle/>
+          <a:p>
+            <a:r>
+              <a:rPr lang="en-US" dirty="0"/>
+              <a:t>[Possible Technology]</a:t>
+            </a:r>
+          </a:p>
+        </p:txBody>
+      </p:sp>
+      <p:sp>
+        <p:nvSpPr>
+          <p:cNvPr id="3" name="Content Placeholder 2">
+            <a:extLst>
+              <a:ext uri="{FF2B5EF4-FFF2-40B4-BE49-F238E27FC236}">
+                <a16:creationId xmlns:a16="http://schemas.microsoft.com/office/drawing/2014/main" xmlns="" id="{C53C1AAE-D52E-4865-94E5-9A746F2B6603}"/>
+              </a:ext>
+            </a:extLst>
+          </p:cNvPr>
+          <p:cNvSpPr>
+            <a:spLocks noGrp="1"/>
+          </p:cNvSpPr>
+          <p:nvPr>
+            <p:ph idx="1"/>
+          </p:nvPr>
+        </p:nvSpPr>
+        <p:spPr/>
+        <p:txBody>
+          <a:bodyPr/>
+          <a:lstStyle/>
+          <a:p>
+            <a:pPr marL="0" indent="0">
+              <a:buNone/>
+            </a:pPr>
+            <a:r>
+              <a:rPr lang="en-US" dirty="0"/>
+              <a:t>Pros</a:t>
+            </a:r>
+          </a:p>
+          <a:p>
+            <a:r>
+              <a:rPr lang="en-US" dirty="0"/>
+              <a:t>[Pro]</a:t>
+            </a:r>
+          </a:p>
+          <a:p>
+            <a:r>
+              <a:rPr lang="en-US" dirty="0"/>
+              <a:t>[Pro]</a:t>
+            </a:r>
+          </a:p>
+          <a:p>
+            <a:endParaRPr lang="en-US" dirty="0"/>
+          </a:p>
+          <a:p>
+            <a:pPr marL="0" indent="0">
+              <a:buNone/>
+            </a:pPr>
+            <a:r>
+              <a:rPr lang="en-US" dirty="0"/>
+              <a:t>Cons</a:t>
+            </a:r>
+          </a:p>
+          <a:p>
+            <a:r>
+              <a:rPr lang="en-US" dirty="0"/>
+              <a:t>[Con]</a:t>
+            </a:r>
+          </a:p>
+          <a:p>
+            <a:r>
+              <a:rPr lang="en-US" dirty="0"/>
+              <a:t>[Con]</a:t>
+            </a:r>
+          </a:p>
+        </p:txBody>
+      </p:sp>
+    </p:spTree>
+    <p:extLst>
+      <p:ext uri="{BB962C8B-B14F-4D97-AF65-F5344CB8AC3E}">
+        <p14:creationId xmlns:p14="http://schemas.microsoft.com/office/powerpoint/2010/main" val="1472652304"/>
+      </p:ext>
+    </p:extLst>
+  </p:cSld>
+  <p:clrMapOvr>
+    <a:masterClrMapping/>
+  </p:clrMapOvr>
+</p:sld>
+</file>
+
+<file path=ppt/slides/slide18.xml><?xml version="1.0" encoding="utf-8"?>
+<p:sld xmlns:a="http://schemas.openxmlformats.org/drawingml/2006/main" xmlns:r="http://schemas.openxmlformats.org/officeDocument/2006/relationships" xmlns:p="http://schemas.openxmlformats.org/presentationml/2006/main">
+  <p:cSld>
+    <p:spTree>
+      <p:nvGrpSpPr>
+        <p:cNvPr id="1" name=""/>
+        <p:cNvGrpSpPr/>
+        <p:nvPr/>
+      </p:nvGrpSpPr>
+      <p:grpSpPr>
+        <a:xfrm>
+          <a:off x="0" y="0"/>
+          <a:ext cx="0" cy="0"/>
+          <a:chOff x="0" y="0"/>
+          <a:chExt cx="0" cy="0"/>
+        </a:xfrm>
+      </p:grpSpPr>
+      <p:sp>
+        <p:nvSpPr>
+          <p:cNvPr id="2" name="Title 1">
+            <a:extLst>
+              <a:ext uri="{FF2B5EF4-FFF2-40B4-BE49-F238E27FC236}">
+                <a16:creationId xmlns:a16="http://schemas.microsoft.com/office/drawing/2014/main" xmlns="" id="{33182361-C770-430C-97A0-B9298FA3FE50}"/>
+              </a:ext>
+            </a:extLst>
+          </p:cNvPr>
+          <p:cNvSpPr>
+            <a:spLocks noGrp="1"/>
+          </p:cNvSpPr>
+          <p:nvPr>
+            <p:ph type="title"/>
+          </p:nvPr>
+        </p:nvSpPr>
+        <p:spPr/>
+        <p:txBody>
+          <a:bodyPr/>
+          <a:lstStyle/>
+          <a:p>
+            <a:r>
+              <a:rPr lang="en-US" dirty="0"/>
+              <a:t>[Chosen Technology]</a:t>
+            </a:r>
+          </a:p>
+        </p:txBody>
+      </p:sp>
+      <p:sp>
+        <p:nvSpPr>
+          <p:cNvPr id="3" name="Content Placeholder 2">
+            <a:extLst>
+              <a:ext uri="{FF2B5EF4-FFF2-40B4-BE49-F238E27FC236}">
+                <a16:creationId xmlns:a16="http://schemas.microsoft.com/office/drawing/2014/main" xmlns="" id="{6457FBD9-768E-4864-B576-83C1D02FB7F8}"/>
+              </a:ext>
+            </a:extLst>
+          </p:cNvPr>
+          <p:cNvSpPr>
+            <a:spLocks noGrp="1"/>
+          </p:cNvSpPr>
+          <p:nvPr>
+            <p:ph idx="1"/>
+          </p:nvPr>
+        </p:nvSpPr>
+        <p:spPr/>
+        <p:txBody>
+          <a:bodyPr/>
+          <a:lstStyle/>
+          <a:p>
+            <a:r>
+              <a:rPr lang="en-US" dirty="0"/>
+              <a:t>[Reason]</a:t>
+            </a:r>
+          </a:p>
+          <a:p>
+            <a:r>
+              <a:rPr lang="en-US" dirty="0"/>
+              <a:t>[Reason]</a:t>
+            </a:r>
+          </a:p>
+        </p:txBody>
+      </p:sp>
+    </p:spTree>
+    <p:extLst>
+      <p:ext uri="{BB962C8B-B14F-4D97-AF65-F5344CB8AC3E}">
+        <p14:creationId xmlns:p14="http://schemas.microsoft.com/office/powerpoint/2010/main" val="3002344434"/>
+      </p:ext>
+    </p:extLst>
+  </p:cSld>
+  <p:clrMapOvr>
+    <a:masterClrMapping/>
+  </p:clrMapOvr>
+</p:sld>
+</file>
+
+<file path=ppt/slides/slide19.xml><?xml version="1.0" encoding="utf-8"?>
+<p:sld xmlns:a="http://schemas.openxmlformats.org/drawingml/2006/main" xmlns:r="http://schemas.openxmlformats.org/officeDocument/2006/relationships" xmlns:p="http://schemas.openxmlformats.org/presentationml/2006/main">
+  <p:cSld>
+    <p:spTree>
+      <p:nvGrpSpPr>
+        <p:cNvPr id="1" name=""/>
+        <p:cNvGrpSpPr/>
+        <p:nvPr/>
+      </p:nvGrpSpPr>
+      <p:grpSpPr>
+        <a:xfrm>
+          <a:off x="0" y="0"/>
+          <a:ext cx="0" cy="0"/>
+          <a:chOff x="0" y="0"/>
+          <a:chExt cx="0" cy="0"/>
+        </a:xfrm>
+      </p:grpSpPr>
+      <p:sp>
+        <p:nvSpPr>
+          <p:cNvPr id="2" name="Title 1">
+            <a:extLst>
+              <a:ext uri="{FF2B5EF4-FFF2-40B4-BE49-F238E27FC236}">
+                <a16:creationId xmlns:a16="http://schemas.microsoft.com/office/drawing/2014/main" xmlns="" id="{ABFE9964-2DD0-4B8C-9324-5C9218DC5DF7}"/>
+              </a:ext>
+            </a:extLst>
+          </p:cNvPr>
+          <p:cNvSpPr>
+            <a:spLocks noGrp="1"/>
+          </p:cNvSpPr>
+          <p:nvPr>
+            <p:ph type="title"/>
+          </p:nvPr>
+        </p:nvSpPr>
+        <p:spPr/>
+        <p:txBody>
+          <a:bodyPr/>
+          <a:lstStyle/>
+          <a:p>
+            <a:r>
+              <a:rPr lang="en-US" sz="5400" dirty="0"/>
+              <a:t>As Dora the explorer, I want to save personal notes about my trips to landmarks.</a:t>
+            </a:r>
+            <a:endParaRPr lang="en-US" sz="5400" dirty="0"/>
+          </a:p>
+        </p:txBody>
+      </p:sp>
+      <p:sp>
+        <p:nvSpPr>
+          <p:cNvPr id="3" name="Content Placeholder 2">
+            <a:extLst>
+              <a:ext uri="{FF2B5EF4-FFF2-40B4-BE49-F238E27FC236}">
+                <a16:creationId xmlns:a16="http://schemas.microsoft.com/office/drawing/2014/main" xmlns="" id="{361D3B48-B632-4E60-8736-F1558045DB59}"/>
+              </a:ext>
+            </a:extLst>
+          </p:cNvPr>
+          <p:cNvSpPr>
+            <a:spLocks noGrp="1"/>
+          </p:cNvSpPr>
+          <p:nvPr>
+            <p:ph idx="1"/>
+          </p:nvPr>
+        </p:nvSpPr>
+        <p:spPr/>
+        <p:txBody>
+          <a:bodyPr/>
+          <a:lstStyle/>
+          <a:p>
+            <a:endParaRPr lang="en-US" dirty="0"/>
+          </a:p>
+        </p:txBody>
+      </p:sp>
+    </p:spTree>
+    <p:extLst>
+      <p:ext uri="{BB962C8B-B14F-4D97-AF65-F5344CB8AC3E}">
+        <p14:creationId xmlns:p14="http://schemas.microsoft.com/office/powerpoint/2010/main" val="178948568"/>
       </p:ext>
     </p:extLst>
   </p:cSld>
@@ -6182,7 +7247,7 @@
           <p:cNvPr id="2" name="Title 1">
             <a:extLst>
               <a:ext uri="{FF2B5EF4-FFF2-40B4-BE49-F238E27FC236}">
-                <a16:creationId xmlns:a16="http://schemas.microsoft.com/office/drawing/2014/main" id="{601EE2DE-996E-49C9-9283-71E6DF47AD8B}"/>
+                <a16:creationId xmlns:a16="http://schemas.microsoft.com/office/drawing/2014/main" xmlns="" id="{601EE2DE-996E-49C9-9283-71E6DF47AD8B}"/>
               </a:ext>
             </a:extLst>
           </p:cNvPr>
@@ -6210,7 +7275,7 @@
           <p:cNvPr id="3" name="Content Placeholder 2">
             <a:extLst>
               <a:ext uri="{FF2B5EF4-FFF2-40B4-BE49-F238E27FC236}">
-                <a16:creationId xmlns:a16="http://schemas.microsoft.com/office/drawing/2014/main" id="{EB37BA83-D073-4F36-B3A6-8F7EBB4E1483}"/>
+                <a16:creationId xmlns:a16="http://schemas.microsoft.com/office/drawing/2014/main" xmlns="" id="{EB37BA83-D073-4F36-B3A6-8F7EBB4E1483}"/>
               </a:ext>
             </a:extLst>
           </p:cNvPr>
@@ -6234,6 +7299,1005 @@
     <p:extLst>
       <p:ext uri="{BB962C8B-B14F-4D97-AF65-F5344CB8AC3E}">
         <p14:creationId xmlns:p14="http://schemas.microsoft.com/office/powerpoint/2010/main" val="2911317470"/>
+      </p:ext>
+    </p:extLst>
+  </p:cSld>
+  <p:clrMapOvr>
+    <a:masterClrMapping/>
+  </p:clrMapOvr>
+  <p:timing>
+    <p:tnLst>
+      <p:par>
+        <p:cTn id="1" dur="indefinite" restart="never" nodeType="tmRoot"/>
+      </p:par>
+    </p:tnLst>
+  </p:timing>
+</p:sld>
+</file>
+
+<file path=ppt/slides/slide20.xml><?xml version="1.0" encoding="utf-8"?>
+<p:sld xmlns:a="http://schemas.openxmlformats.org/drawingml/2006/main" xmlns:r="http://schemas.openxmlformats.org/officeDocument/2006/relationships" xmlns:p="http://schemas.openxmlformats.org/presentationml/2006/main">
+  <p:cSld>
+    <p:spTree>
+      <p:nvGrpSpPr>
+        <p:cNvPr id="1" name=""/>
+        <p:cNvGrpSpPr/>
+        <p:nvPr/>
+      </p:nvGrpSpPr>
+      <p:grpSpPr>
+        <a:xfrm>
+          <a:off x="0" y="0"/>
+          <a:ext cx="0" cy="0"/>
+          <a:chOff x="0" y="0"/>
+          <a:chExt cx="0" cy="0"/>
+        </a:xfrm>
+      </p:grpSpPr>
+      <p:sp>
+        <p:nvSpPr>
+          <p:cNvPr id="2" name="Title 1">
+            <a:extLst>
+              <a:ext uri="{FF2B5EF4-FFF2-40B4-BE49-F238E27FC236}">
+                <a16:creationId xmlns:a16="http://schemas.microsoft.com/office/drawing/2014/main" xmlns="" id="{E66C612F-2F3A-4260-BDBF-80671B0DF2ED}"/>
+              </a:ext>
+            </a:extLst>
+          </p:cNvPr>
+          <p:cNvSpPr>
+            <a:spLocks noGrp="1"/>
+          </p:cNvSpPr>
+          <p:nvPr>
+            <p:ph type="title"/>
+          </p:nvPr>
+        </p:nvSpPr>
+        <p:spPr/>
+        <p:txBody>
+          <a:bodyPr/>
+          <a:lstStyle/>
+          <a:p>
+            <a:r>
+              <a:rPr lang="en-US" dirty="0"/>
+              <a:t>[Feature]</a:t>
+            </a:r>
+          </a:p>
+        </p:txBody>
+      </p:sp>
+      <p:sp>
+        <p:nvSpPr>
+          <p:cNvPr id="3" name="Content Placeholder 2">
+            <a:extLst>
+              <a:ext uri="{FF2B5EF4-FFF2-40B4-BE49-F238E27FC236}">
+                <a16:creationId xmlns:a16="http://schemas.microsoft.com/office/drawing/2014/main" xmlns="" id="{6C61B333-EC15-417A-92E3-D6641D0F3741}"/>
+              </a:ext>
+            </a:extLst>
+          </p:cNvPr>
+          <p:cNvSpPr>
+            <a:spLocks noGrp="1"/>
+          </p:cNvSpPr>
+          <p:nvPr>
+            <p:ph idx="1"/>
+          </p:nvPr>
+        </p:nvSpPr>
+        <p:spPr/>
+        <p:txBody>
+          <a:bodyPr/>
+          <a:lstStyle/>
+          <a:p>
+            <a:endParaRPr lang="en-US"/>
+          </a:p>
+        </p:txBody>
+      </p:sp>
+    </p:spTree>
+    <p:extLst>
+      <p:ext uri="{BB962C8B-B14F-4D97-AF65-F5344CB8AC3E}">
+        <p14:creationId xmlns:p14="http://schemas.microsoft.com/office/powerpoint/2010/main" val="3112083759"/>
+      </p:ext>
+    </p:extLst>
+  </p:cSld>
+  <p:clrMapOvr>
+    <a:masterClrMapping/>
+  </p:clrMapOvr>
+</p:sld>
+</file>
+
+<file path=ppt/slides/slide21.xml><?xml version="1.0" encoding="utf-8"?>
+<p:sld xmlns:a="http://schemas.openxmlformats.org/drawingml/2006/main" xmlns:r="http://schemas.openxmlformats.org/officeDocument/2006/relationships" xmlns:p="http://schemas.openxmlformats.org/presentationml/2006/main">
+  <p:cSld>
+    <p:spTree>
+      <p:nvGrpSpPr>
+        <p:cNvPr id="1" name=""/>
+        <p:cNvGrpSpPr/>
+        <p:nvPr/>
+      </p:nvGrpSpPr>
+      <p:grpSpPr>
+        <a:xfrm>
+          <a:off x="0" y="0"/>
+          <a:ext cx="0" cy="0"/>
+          <a:chOff x="0" y="0"/>
+          <a:chExt cx="0" cy="0"/>
+        </a:xfrm>
+      </p:grpSpPr>
+      <p:sp>
+        <p:nvSpPr>
+          <p:cNvPr id="2" name="Title 1">
+            <a:extLst>
+              <a:ext uri="{FF2B5EF4-FFF2-40B4-BE49-F238E27FC236}">
+                <a16:creationId xmlns:a16="http://schemas.microsoft.com/office/drawing/2014/main" xmlns="" id="{BA35D0AB-9A37-479C-9406-C70EC5D04068}"/>
+              </a:ext>
+            </a:extLst>
+          </p:cNvPr>
+          <p:cNvSpPr>
+            <a:spLocks noGrp="1"/>
+          </p:cNvSpPr>
+          <p:nvPr>
+            <p:ph type="title"/>
+          </p:nvPr>
+        </p:nvSpPr>
+        <p:spPr/>
+        <p:txBody>
+          <a:bodyPr/>
+          <a:lstStyle/>
+          <a:p>
+            <a:r>
+              <a:rPr lang="en-US" dirty="0"/>
+              <a:t>[Possible Technology]</a:t>
+            </a:r>
+          </a:p>
+        </p:txBody>
+      </p:sp>
+      <p:sp>
+        <p:nvSpPr>
+          <p:cNvPr id="3" name="Content Placeholder 2">
+            <a:extLst>
+              <a:ext uri="{FF2B5EF4-FFF2-40B4-BE49-F238E27FC236}">
+                <a16:creationId xmlns:a16="http://schemas.microsoft.com/office/drawing/2014/main" xmlns="" id="{C53C1AAE-D52E-4865-94E5-9A746F2B6603}"/>
+              </a:ext>
+            </a:extLst>
+          </p:cNvPr>
+          <p:cNvSpPr>
+            <a:spLocks noGrp="1"/>
+          </p:cNvSpPr>
+          <p:nvPr>
+            <p:ph idx="1"/>
+          </p:nvPr>
+        </p:nvSpPr>
+        <p:spPr/>
+        <p:txBody>
+          <a:bodyPr/>
+          <a:lstStyle/>
+          <a:p>
+            <a:pPr marL="0" indent="0">
+              <a:buNone/>
+            </a:pPr>
+            <a:r>
+              <a:rPr lang="en-US" dirty="0"/>
+              <a:t>Pros</a:t>
+            </a:r>
+          </a:p>
+          <a:p>
+            <a:r>
+              <a:rPr lang="en-US" dirty="0"/>
+              <a:t>[Pro]</a:t>
+            </a:r>
+          </a:p>
+          <a:p>
+            <a:r>
+              <a:rPr lang="en-US" dirty="0"/>
+              <a:t>[Pro]</a:t>
+            </a:r>
+          </a:p>
+          <a:p>
+            <a:endParaRPr lang="en-US" dirty="0"/>
+          </a:p>
+          <a:p>
+            <a:pPr marL="0" indent="0">
+              <a:buNone/>
+            </a:pPr>
+            <a:r>
+              <a:rPr lang="en-US" dirty="0"/>
+              <a:t>Cons</a:t>
+            </a:r>
+          </a:p>
+          <a:p>
+            <a:r>
+              <a:rPr lang="en-US" dirty="0"/>
+              <a:t>[Con]</a:t>
+            </a:r>
+          </a:p>
+          <a:p>
+            <a:r>
+              <a:rPr lang="en-US" dirty="0"/>
+              <a:t>[Con]</a:t>
+            </a:r>
+          </a:p>
+        </p:txBody>
+      </p:sp>
+    </p:spTree>
+    <p:extLst>
+      <p:ext uri="{BB962C8B-B14F-4D97-AF65-F5344CB8AC3E}">
+        <p14:creationId xmlns:p14="http://schemas.microsoft.com/office/powerpoint/2010/main" val="1472652304"/>
+      </p:ext>
+    </p:extLst>
+  </p:cSld>
+  <p:clrMapOvr>
+    <a:masterClrMapping/>
+  </p:clrMapOvr>
+</p:sld>
+</file>
+
+<file path=ppt/slides/slide22.xml><?xml version="1.0" encoding="utf-8"?>
+<p:sld xmlns:a="http://schemas.openxmlformats.org/drawingml/2006/main" xmlns:r="http://schemas.openxmlformats.org/officeDocument/2006/relationships" xmlns:p="http://schemas.openxmlformats.org/presentationml/2006/main">
+  <p:cSld>
+    <p:spTree>
+      <p:nvGrpSpPr>
+        <p:cNvPr id="1" name=""/>
+        <p:cNvGrpSpPr/>
+        <p:nvPr/>
+      </p:nvGrpSpPr>
+      <p:grpSpPr>
+        <a:xfrm>
+          <a:off x="0" y="0"/>
+          <a:ext cx="0" cy="0"/>
+          <a:chOff x="0" y="0"/>
+          <a:chExt cx="0" cy="0"/>
+        </a:xfrm>
+      </p:grpSpPr>
+      <p:sp>
+        <p:nvSpPr>
+          <p:cNvPr id="2" name="Title 1">
+            <a:extLst>
+              <a:ext uri="{FF2B5EF4-FFF2-40B4-BE49-F238E27FC236}">
+                <a16:creationId xmlns:a16="http://schemas.microsoft.com/office/drawing/2014/main" xmlns="" id="{33182361-C770-430C-97A0-B9298FA3FE50}"/>
+              </a:ext>
+            </a:extLst>
+          </p:cNvPr>
+          <p:cNvSpPr>
+            <a:spLocks noGrp="1"/>
+          </p:cNvSpPr>
+          <p:nvPr>
+            <p:ph type="title"/>
+          </p:nvPr>
+        </p:nvSpPr>
+        <p:spPr/>
+        <p:txBody>
+          <a:bodyPr/>
+          <a:lstStyle/>
+          <a:p>
+            <a:r>
+              <a:rPr lang="en-US" dirty="0"/>
+              <a:t>[Chosen Technology]</a:t>
+            </a:r>
+          </a:p>
+        </p:txBody>
+      </p:sp>
+      <p:sp>
+        <p:nvSpPr>
+          <p:cNvPr id="3" name="Content Placeholder 2">
+            <a:extLst>
+              <a:ext uri="{FF2B5EF4-FFF2-40B4-BE49-F238E27FC236}">
+                <a16:creationId xmlns:a16="http://schemas.microsoft.com/office/drawing/2014/main" xmlns="" id="{6457FBD9-768E-4864-B576-83C1D02FB7F8}"/>
+              </a:ext>
+            </a:extLst>
+          </p:cNvPr>
+          <p:cNvSpPr>
+            <a:spLocks noGrp="1"/>
+          </p:cNvSpPr>
+          <p:nvPr>
+            <p:ph idx="1"/>
+          </p:nvPr>
+        </p:nvSpPr>
+        <p:spPr/>
+        <p:txBody>
+          <a:bodyPr/>
+          <a:lstStyle/>
+          <a:p>
+            <a:r>
+              <a:rPr lang="en-US" dirty="0"/>
+              <a:t>[Reason]</a:t>
+            </a:r>
+          </a:p>
+          <a:p>
+            <a:r>
+              <a:rPr lang="en-US" dirty="0"/>
+              <a:t>[Reason]</a:t>
+            </a:r>
+          </a:p>
+        </p:txBody>
+      </p:sp>
+    </p:spTree>
+    <p:extLst>
+      <p:ext uri="{BB962C8B-B14F-4D97-AF65-F5344CB8AC3E}">
+        <p14:creationId xmlns:p14="http://schemas.microsoft.com/office/powerpoint/2010/main" val="3002344434"/>
+      </p:ext>
+    </p:extLst>
+  </p:cSld>
+  <p:clrMapOvr>
+    <a:masterClrMapping/>
+  </p:clrMapOvr>
+</p:sld>
+</file>
+
+<file path=ppt/slides/slide23.xml><?xml version="1.0" encoding="utf-8"?>
+<p:sld xmlns:a="http://schemas.openxmlformats.org/drawingml/2006/main" xmlns:r="http://schemas.openxmlformats.org/officeDocument/2006/relationships" xmlns:p="http://schemas.openxmlformats.org/presentationml/2006/main">
+  <p:cSld>
+    <p:spTree>
+      <p:nvGrpSpPr>
+        <p:cNvPr id="1" name=""/>
+        <p:cNvGrpSpPr/>
+        <p:nvPr/>
+      </p:nvGrpSpPr>
+      <p:grpSpPr>
+        <a:xfrm>
+          <a:off x="0" y="0"/>
+          <a:ext cx="0" cy="0"/>
+          <a:chOff x="0" y="0"/>
+          <a:chExt cx="0" cy="0"/>
+        </a:xfrm>
+      </p:grpSpPr>
+      <p:sp>
+        <p:nvSpPr>
+          <p:cNvPr id="2" name="Title 1">
+            <a:extLst>
+              <a:ext uri="{FF2B5EF4-FFF2-40B4-BE49-F238E27FC236}">
+                <a16:creationId xmlns:a16="http://schemas.microsoft.com/office/drawing/2014/main" xmlns="" id="{ABFE9964-2DD0-4B8C-9324-5C9218DC5DF7}"/>
+              </a:ext>
+            </a:extLst>
+          </p:cNvPr>
+          <p:cNvSpPr>
+            <a:spLocks noGrp="1"/>
+          </p:cNvSpPr>
+          <p:nvPr>
+            <p:ph type="title"/>
+          </p:nvPr>
+        </p:nvSpPr>
+        <p:spPr/>
+        <p:txBody>
+          <a:bodyPr/>
+          <a:lstStyle/>
+          <a:p>
+            <a:r>
+              <a:rPr lang="en-US" sz="5400" dirty="0"/>
+              <a:t>As Tina the fisherman I want to privately save a great spot </a:t>
+            </a:r>
+            <a:r>
+              <a:rPr lang="en-US" sz="5400" dirty="0" err="1"/>
+              <a:t>i</a:t>
+            </a:r>
+            <a:r>
+              <a:rPr lang="en-US" sz="5400" dirty="0"/>
+              <a:t> found that so </a:t>
+            </a:r>
+            <a:r>
+              <a:rPr lang="en-US" sz="5400" dirty="0" err="1"/>
+              <a:t>i</a:t>
+            </a:r>
+            <a:r>
+              <a:rPr lang="en-US" sz="5400" dirty="0"/>
+              <a:t> can get back to it in the future.</a:t>
+            </a:r>
+            <a:endParaRPr lang="en-US" sz="5400" dirty="0"/>
+          </a:p>
+        </p:txBody>
+      </p:sp>
+      <p:sp>
+        <p:nvSpPr>
+          <p:cNvPr id="3" name="Content Placeholder 2">
+            <a:extLst>
+              <a:ext uri="{FF2B5EF4-FFF2-40B4-BE49-F238E27FC236}">
+                <a16:creationId xmlns:a16="http://schemas.microsoft.com/office/drawing/2014/main" xmlns="" id="{361D3B48-B632-4E60-8736-F1558045DB59}"/>
+              </a:ext>
+            </a:extLst>
+          </p:cNvPr>
+          <p:cNvSpPr>
+            <a:spLocks noGrp="1"/>
+          </p:cNvSpPr>
+          <p:nvPr>
+            <p:ph idx="1"/>
+          </p:nvPr>
+        </p:nvSpPr>
+        <p:spPr/>
+        <p:txBody>
+          <a:bodyPr/>
+          <a:lstStyle/>
+          <a:p>
+            <a:endParaRPr lang="en-US" dirty="0"/>
+          </a:p>
+        </p:txBody>
+      </p:sp>
+    </p:spTree>
+    <p:extLst>
+      <p:ext uri="{BB962C8B-B14F-4D97-AF65-F5344CB8AC3E}">
+        <p14:creationId xmlns:p14="http://schemas.microsoft.com/office/powerpoint/2010/main" val="178948568"/>
+      </p:ext>
+    </p:extLst>
+  </p:cSld>
+  <p:clrMapOvr>
+    <a:masterClrMapping/>
+  </p:clrMapOvr>
+</p:sld>
+</file>
+
+<file path=ppt/slides/slide24.xml><?xml version="1.0" encoding="utf-8"?>
+<p:sld xmlns:a="http://schemas.openxmlformats.org/drawingml/2006/main" xmlns:r="http://schemas.openxmlformats.org/officeDocument/2006/relationships" xmlns:p="http://schemas.openxmlformats.org/presentationml/2006/main">
+  <p:cSld>
+    <p:spTree>
+      <p:nvGrpSpPr>
+        <p:cNvPr id="1" name=""/>
+        <p:cNvGrpSpPr/>
+        <p:nvPr/>
+      </p:nvGrpSpPr>
+      <p:grpSpPr>
+        <a:xfrm>
+          <a:off x="0" y="0"/>
+          <a:ext cx="0" cy="0"/>
+          <a:chOff x="0" y="0"/>
+          <a:chExt cx="0" cy="0"/>
+        </a:xfrm>
+      </p:grpSpPr>
+      <p:sp>
+        <p:nvSpPr>
+          <p:cNvPr id="2" name="Title 1">
+            <a:extLst>
+              <a:ext uri="{FF2B5EF4-FFF2-40B4-BE49-F238E27FC236}">
+                <a16:creationId xmlns:a16="http://schemas.microsoft.com/office/drawing/2014/main" xmlns="" id="{E66C612F-2F3A-4260-BDBF-80671B0DF2ED}"/>
+              </a:ext>
+            </a:extLst>
+          </p:cNvPr>
+          <p:cNvSpPr>
+            <a:spLocks noGrp="1"/>
+          </p:cNvSpPr>
+          <p:nvPr>
+            <p:ph type="title"/>
+          </p:nvPr>
+        </p:nvSpPr>
+        <p:spPr/>
+        <p:txBody>
+          <a:bodyPr/>
+          <a:lstStyle/>
+          <a:p>
+            <a:r>
+              <a:rPr lang="en-US" dirty="0"/>
+              <a:t>[Feature]</a:t>
+            </a:r>
+          </a:p>
+        </p:txBody>
+      </p:sp>
+      <p:sp>
+        <p:nvSpPr>
+          <p:cNvPr id="3" name="Content Placeholder 2">
+            <a:extLst>
+              <a:ext uri="{FF2B5EF4-FFF2-40B4-BE49-F238E27FC236}">
+                <a16:creationId xmlns:a16="http://schemas.microsoft.com/office/drawing/2014/main" xmlns="" id="{6C61B333-EC15-417A-92E3-D6641D0F3741}"/>
+              </a:ext>
+            </a:extLst>
+          </p:cNvPr>
+          <p:cNvSpPr>
+            <a:spLocks noGrp="1"/>
+          </p:cNvSpPr>
+          <p:nvPr>
+            <p:ph idx="1"/>
+          </p:nvPr>
+        </p:nvSpPr>
+        <p:spPr/>
+        <p:txBody>
+          <a:bodyPr/>
+          <a:lstStyle/>
+          <a:p>
+            <a:endParaRPr lang="en-US"/>
+          </a:p>
+        </p:txBody>
+      </p:sp>
+    </p:spTree>
+    <p:extLst>
+      <p:ext uri="{BB962C8B-B14F-4D97-AF65-F5344CB8AC3E}">
+        <p14:creationId xmlns:p14="http://schemas.microsoft.com/office/powerpoint/2010/main" val="3112083759"/>
+      </p:ext>
+    </p:extLst>
+  </p:cSld>
+  <p:clrMapOvr>
+    <a:masterClrMapping/>
+  </p:clrMapOvr>
+</p:sld>
+</file>
+
+<file path=ppt/slides/slide25.xml><?xml version="1.0" encoding="utf-8"?>
+<p:sld xmlns:a="http://schemas.openxmlformats.org/drawingml/2006/main" xmlns:r="http://schemas.openxmlformats.org/officeDocument/2006/relationships" xmlns:p="http://schemas.openxmlformats.org/presentationml/2006/main">
+  <p:cSld>
+    <p:spTree>
+      <p:nvGrpSpPr>
+        <p:cNvPr id="1" name=""/>
+        <p:cNvGrpSpPr/>
+        <p:nvPr/>
+      </p:nvGrpSpPr>
+      <p:grpSpPr>
+        <a:xfrm>
+          <a:off x="0" y="0"/>
+          <a:ext cx="0" cy="0"/>
+          <a:chOff x="0" y="0"/>
+          <a:chExt cx="0" cy="0"/>
+        </a:xfrm>
+      </p:grpSpPr>
+      <p:sp>
+        <p:nvSpPr>
+          <p:cNvPr id="2" name="Title 1">
+            <a:extLst>
+              <a:ext uri="{FF2B5EF4-FFF2-40B4-BE49-F238E27FC236}">
+                <a16:creationId xmlns:a16="http://schemas.microsoft.com/office/drawing/2014/main" xmlns="" id="{BA35D0AB-9A37-479C-9406-C70EC5D04068}"/>
+              </a:ext>
+            </a:extLst>
+          </p:cNvPr>
+          <p:cNvSpPr>
+            <a:spLocks noGrp="1"/>
+          </p:cNvSpPr>
+          <p:nvPr>
+            <p:ph type="title"/>
+          </p:nvPr>
+        </p:nvSpPr>
+        <p:spPr/>
+        <p:txBody>
+          <a:bodyPr/>
+          <a:lstStyle/>
+          <a:p>
+            <a:r>
+              <a:rPr lang="en-US" dirty="0"/>
+              <a:t>[Possible Technology]</a:t>
+            </a:r>
+          </a:p>
+        </p:txBody>
+      </p:sp>
+      <p:sp>
+        <p:nvSpPr>
+          <p:cNvPr id="3" name="Content Placeholder 2">
+            <a:extLst>
+              <a:ext uri="{FF2B5EF4-FFF2-40B4-BE49-F238E27FC236}">
+                <a16:creationId xmlns:a16="http://schemas.microsoft.com/office/drawing/2014/main" xmlns="" id="{C53C1AAE-D52E-4865-94E5-9A746F2B6603}"/>
+              </a:ext>
+            </a:extLst>
+          </p:cNvPr>
+          <p:cNvSpPr>
+            <a:spLocks noGrp="1"/>
+          </p:cNvSpPr>
+          <p:nvPr>
+            <p:ph idx="1"/>
+          </p:nvPr>
+        </p:nvSpPr>
+        <p:spPr/>
+        <p:txBody>
+          <a:bodyPr/>
+          <a:lstStyle/>
+          <a:p>
+            <a:pPr marL="0" indent="0">
+              <a:buNone/>
+            </a:pPr>
+            <a:r>
+              <a:rPr lang="en-US" dirty="0"/>
+              <a:t>Pros</a:t>
+            </a:r>
+          </a:p>
+          <a:p>
+            <a:r>
+              <a:rPr lang="en-US" dirty="0"/>
+              <a:t>[Pro]</a:t>
+            </a:r>
+          </a:p>
+          <a:p>
+            <a:r>
+              <a:rPr lang="en-US" dirty="0"/>
+              <a:t>[Pro]</a:t>
+            </a:r>
+          </a:p>
+          <a:p>
+            <a:endParaRPr lang="en-US" dirty="0"/>
+          </a:p>
+          <a:p>
+            <a:pPr marL="0" indent="0">
+              <a:buNone/>
+            </a:pPr>
+            <a:r>
+              <a:rPr lang="en-US" dirty="0"/>
+              <a:t>Cons</a:t>
+            </a:r>
+          </a:p>
+          <a:p>
+            <a:r>
+              <a:rPr lang="en-US" dirty="0"/>
+              <a:t>[Con]</a:t>
+            </a:r>
+          </a:p>
+          <a:p>
+            <a:r>
+              <a:rPr lang="en-US" dirty="0"/>
+              <a:t>[Con]</a:t>
+            </a:r>
+          </a:p>
+        </p:txBody>
+      </p:sp>
+    </p:spTree>
+    <p:extLst>
+      <p:ext uri="{BB962C8B-B14F-4D97-AF65-F5344CB8AC3E}">
+        <p14:creationId xmlns:p14="http://schemas.microsoft.com/office/powerpoint/2010/main" val="1472652304"/>
+      </p:ext>
+    </p:extLst>
+  </p:cSld>
+  <p:clrMapOvr>
+    <a:masterClrMapping/>
+  </p:clrMapOvr>
+</p:sld>
+</file>
+
+<file path=ppt/slides/slide26.xml><?xml version="1.0" encoding="utf-8"?>
+<p:sld xmlns:a="http://schemas.openxmlformats.org/drawingml/2006/main" xmlns:r="http://schemas.openxmlformats.org/officeDocument/2006/relationships" xmlns:p="http://schemas.openxmlformats.org/presentationml/2006/main">
+  <p:cSld>
+    <p:spTree>
+      <p:nvGrpSpPr>
+        <p:cNvPr id="1" name=""/>
+        <p:cNvGrpSpPr/>
+        <p:nvPr/>
+      </p:nvGrpSpPr>
+      <p:grpSpPr>
+        <a:xfrm>
+          <a:off x="0" y="0"/>
+          <a:ext cx="0" cy="0"/>
+          <a:chOff x="0" y="0"/>
+          <a:chExt cx="0" cy="0"/>
+        </a:xfrm>
+      </p:grpSpPr>
+      <p:sp>
+        <p:nvSpPr>
+          <p:cNvPr id="2" name="Title 1">
+            <a:extLst>
+              <a:ext uri="{FF2B5EF4-FFF2-40B4-BE49-F238E27FC236}">
+                <a16:creationId xmlns:a16="http://schemas.microsoft.com/office/drawing/2014/main" xmlns="" id="{33182361-C770-430C-97A0-B9298FA3FE50}"/>
+              </a:ext>
+            </a:extLst>
+          </p:cNvPr>
+          <p:cNvSpPr>
+            <a:spLocks noGrp="1"/>
+          </p:cNvSpPr>
+          <p:nvPr>
+            <p:ph type="title"/>
+          </p:nvPr>
+        </p:nvSpPr>
+        <p:spPr/>
+        <p:txBody>
+          <a:bodyPr/>
+          <a:lstStyle/>
+          <a:p>
+            <a:r>
+              <a:rPr lang="en-US" dirty="0"/>
+              <a:t>[Chosen Technology]</a:t>
+            </a:r>
+          </a:p>
+        </p:txBody>
+      </p:sp>
+      <p:sp>
+        <p:nvSpPr>
+          <p:cNvPr id="3" name="Content Placeholder 2">
+            <a:extLst>
+              <a:ext uri="{FF2B5EF4-FFF2-40B4-BE49-F238E27FC236}">
+                <a16:creationId xmlns:a16="http://schemas.microsoft.com/office/drawing/2014/main" xmlns="" id="{6457FBD9-768E-4864-B576-83C1D02FB7F8}"/>
+              </a:ext>
+            </a:extLst>
+          </p:cNvPr>
+          <p:cNvSpPr>
+            <a:spLocks noGrp="1"/>
+          </p:cNvSpPr>
+          <p:nvPr>
+            <p:ph idx="1"/>
+          </p:nvPr>
+        </p:nvSpPr>
+        <p:spPr/>
+        <p:txBody>
+          <a:bodyPr/>
+          <a:lstStyle/>
+          <a:p>
+            <a:r>
+              <a:rPr lang="en-US" dirty="0"/>
+              <a:t>[Reason]</a:t>
+            </a:r>
+          </a:p>
+          <a:p>
+            <a:r>
+              <a:rPr lang="en-US" dirty="0"/>
+              <a:t>[Reason]</a:t>
+            </a:r>
+          </a:p>
+        </p:txBody>
+      </p:sp>
+    </p:spTree>
+    <p:extLst>
+      <p:ext uri="{BB962C8B-B14F-4D97-AF65-F5344CB8AC3E}">
+        <p14:creationId xmlns:p14="http://schemas.microsoft.com/office/powerpoint/2010/main" val="3002344434"/>
+      </p:ext>
+    </p:extLst>
+  </p:cSld>
+  <p:clrMapOvr>
+    <a:masterClrMapping/>
+  </p:clrMapOvr>
+</p:sld>
+</file>
+
+<file path=ppt/slides/slide27.xml><?xml version="1.0" encoding="utf-8"?>
+<p:sld xmlns:a="http://schemas.openxmlformats.org/drawingml/2006/main" xmlns:r="http://schemas.openxmlformats.org/officeDocument/2006/relationships" xmlns:p="http://schemas.openxmlformats.org/presentationml/2006/main">
+  <p:cSld>
+    <p:spTree>
+      <p:nvGrpSpPr>
+        <p:cNvPr id="1" name=""/>
+        <p:cNvGrpSpPr/>
+        <p:nvPr/>
+      </p:nvGrpSpPr>
+      <p:grpSpPr>
+        <a:xfrm>
+          <a:off x="0" y="0"/>
+          <a:ext cx="0" cy="0"/>
+          <a:chOff x="0" y="0"/>
+          <a:chExt cx="0" cy="0"/>
+        </a:xfrm>
+      </p:grpSpPr>
+      <p:sp>
+        <p:nvSpPr>
+          <p:cNvPr id="2" name="Title 1">
+            <a:extLst>
+              <a:ext uri="{FF2B5EF4-FFF2-40B4-BE49-F238E27FC236}">
+                <a16:creationId xmlns:a16="http://schemas.microsoft.com/office/drawing/2014/main" xmlns="" id="{ABFE9964-2DD0-4B8C-9324-5C9218DC5DF7}"/>
+              </a:ext>
+            </a:extLst>
+          </p:cNvPr>
+          <p:cNvSpPr>
+            <a:spLocks noGrp="1"/>
+          </p:cNvSpPr>
+          <p:nvPr>
+            <p:ph type="title"/>
+          </p:nvPr>
+        </p:nvSpPr>
+        <p:spPr/>
+        <p:txBody>
+          <a:bodyPr/>
+          <a:lstStyle/>
+          <a:p>
+            <a:r>
+              <a:rPr lang="en-US" sz="5400" dirty="0"/>
+              <a:t>As Jane the college aged woman I want to social media blast this location to everyone in my circle.</a:t>
+            </a:r>
+            <a:endParaRPr lang="en-US" sz="5400" dirty="0"/>
+          </a:p>
+        </p:txBody>
+      </p:sp>
+      <p:sp>
+        <p:nvSpPr>
+          <p:cNvPr id="3" name="Content Placeholder 2">
+            <a:extLst>
+              <a:ext uri="{FF2B5EF4-FFF2-40B4-BE49-F238E27FC236}">
+                <a16:creationId xmlns:a16="http://schemas.microsoft.com/office/drawing/2014/main" xmlns="" id="{361D3B48-B632-4E60-8736-F1558045DB59}"/>
+              </a:ext>
+            </a:extLst>
+          </p:cNvPr>
+          <p:cNvSpPr>
+            <a:spLocks noGrp="1"/>
+          </p:cNvSpPr>
+          <p:nvPr>
+            <p:ph idx="1"/>
+          </p:nvPr>
+        </p:nvSpPr>
+        <p:spPr/>
+        <p:txBody>
+          <a:bodyPr/>
+          <a:lstStyle/>
+          <a:p>
+            <a:endParaRPr lang="en-US" dirty="0"/>
+          </a:p>
+        </p:txBody>
+      </p:sp>
+    </p:spTree>
+    <p:extLst>
+      <p:ext uri="{BB962C8B-B14F-4D97-AF65-F5344CB8AC3E}">
+        <p14:creationId xmlns:p14="http://schemas.microsoft.com/office/powerpoint/2010/main" val="3607745468"/>
+      </p:ext>
+    </p:extLst>
+  </p:cSld>
+  <p:clrMapOvr>
+    <a:masterClrMapping/>
+  </p:clrMapOvr>
+</p:sld>
+</file>
+
+<file path=ppt/slides/slide28.xml><?xml version="1.0" encoding="utf-8"?>
+<p:sld xmlns:a="http://schemas.openxmlformats.org/drawingml/2006/main" xmlns:r="http://schemas.openxmlformats.org/officeDocument/2006/relationships" xmlns:p="http://schemas.openxmlformats.org/presentationml/2006/main">
+  <p:cSld>
+    <p:spTree>
+      <p:nvGrpSpPr>
+        <p:cNvPr id="1" name=""/>
+        <p:cNvGrpSpPr/>
+        <p:nvPr/>
+      </p:nvGrpSpPr>
+      <p:grpSpPr>
+        <a:xfrm>
+          <a:off x="0" y="0"/>
+          <a:ext cx="0" cy="0"/>
+          <a:chOff x="0" y="0"/>
+          <a:chExt cx="0" cy="0"/>
+        </a:xfrm>
+      </p:grpSpPr>
+      <p:sp>
+        <p:nvSpPr>
+          <p:cNvPr id="2" name="Title 1">
+            <a:extLst>
+              <a:ext uri="{FF2B5EF4-FFF2-40B4-BE49-F238E27FC236}">
+                <a16:creationId xmlns:a16="http://schemas.microsoft.com/office/drawing/2014/main" xmlns="" id="{E66C612F-2F3A-4260-BDBF-80671B0DF2ED}"/>
+              </a:ext>
+            </a:extLst>
+          </p:cNvPr>
+          <p:cNvSpPr>
+            <a:spLocks noGrp="1"/>
+          </p:cNvSpPr>
+          <p:nvPr>
+            <p:ph type="title"/>
+          </p:nvPr>
+        </p:nvSpPr>
+        <p:spPr/>
+        <p:txBody>
+          <a:bodyPr/>
+          <a:lstStyle/>
+          <a:p>
+            <a:r>
+              <a:rPr lang="en-US" dirty="0"/>
+              <a:t>[Feature]</a:t>
+            </a:r>
+          </a:p>
+        </p:txBody>
+      </p:sp>
+      <p:sp>
+        <p:nvSpPr>
+          <p:cNvPr id="3" name="Content Placeholder 2">
+            <a:extLst>
+              <a:ext uri="{FF2B5EF4-FFF2-40B4-BE49-F238E27FC236}">
+                <a16:creationId xmlns:a16="http://schemas.microsoft.com/office/drawing/2014/main" xmlns="" id="{6C61B333-EC15-417A-92E3-D6641D0F3741}"/>
+              </a:ext>
+            </a:extLst>
+          </p:cNvPr>
+          <p:cNvSpPr>
+            <a:spLocks noGrp="1"/>
+          </p:cNvSpPr>
+          <p:nvPr>
+            <p:ph idx="1"/>
+          </p:nvPr>
+        </p:nvSpPr>
+        <p:spPr/>
+        <p:txBody>
+          <a:bodyPr/>
+          <a:lstStyle/>
+          <a:p>
+            <a:endParaRPr lang="en-US"/>
+          </a:p>
+        </p:txBody>
+      </p:sp>
+    </p:spTree>
+    <p:extLst>
+      <p:ext uri="{BB962C8B-B14F-4D97-AF65-F5344CB8AC3E}">
+        <p14:creationId xmlns:p14="http://schemas.microsoft.com/office/powerpoint/2010/main" val="4091944108"/>
+      </p:ext>
+    </p:extLst>
+  </p:cSld>
+  <p:clrMapOvr>
+    <a:masterClrMapping/>
+  </p:clrMapOvr>
+</p:sld>
+</file>
+
+<file path=ppt/slides/slide29.xml><?xml version="1.0" encoding="utf-8"?>
+<p:sld xmlns:a="http://schemas.openxmlformats.org/drawingml/2006/main" xmlns:r="http://schemas.openxmlformats.org/officeDocument/2006/relationships" xmlns:p="http://schemas.openxmlformats.org/presentationml/2006/main">
+  <p:cSld>
+    <p:spTree>
+      <p:nvGrpSpPr>
+        <p:cNvPr id="1" name=""/>
+        <p:cNvGrpSpPr/>
+        <p:nvPr/>
+      </p:nvGrpSpPr>
+      <p:grpSpPr>
+        <a:xfrm>
+          <a:off x="0" y="0"/>
+          <a:ext cx="0" cy="0"/>
+          <a:chOff x="0" y="0"/>
+          <a:chExt cx="0" cy="0"/>
+        </a:xfrm>
+      </p:grpSpPr>
+      <p:sp>
+        <p:nvSpPr>
+          <p:cNvPr id="2" name="Title 1">
+            <a:extLst>
+              <a:ext uri="{FF2B5EF4-FFF2-40B4-BE49-F238E27FC236}">
+                <a16:creationId xmlns:a16="http://schemas.microsoft.com/office/drawing/2014/main" xmlns="" id="{BA35D0AB-9A37-479C-9406-C70EC5D04068}"/>
+              </a:ext>
+            </a:extLst>
+          </p:cNvPr>
+          <p:cNvSpPr>
+            <a:spLocks noGrp="1"/>
+          </p:cNvSpPr>
+          <p:nvPr>
+            <p:ph type="title"/>
+          </p:nvPr>
+        </p:nvSpPr>
+        <p:spPr/>
+        <p:txBody>
+          <a:bodyPr/>
+          <a:lstStyle/>
+          <a:p>
+            <a:r>
+              <a:rPr lang="en-US" dirty="0"/>
+              <a:t>[Possible Technology]</a:t>
+            </a:r>
+          </a:p>
+        </p:txBody>
+      </p:sp>
+      <p:sp>
+        <p:nvSpPr>
+          <p:cNvPr id="3" name="Content Placeholder 2">
+            <a:extLst>
+              <a:ext uri="{FF2B5EF4-FFF2-40B4-BE49-F238E27FC236}">
+                <a16:creationId xmlns:a16="http://schemas.microsoft.com/office/drawing/2014/main" xmlns="" id="{C53C1AAE-D52E-4865-94E5-9A746F2B6603}"/>
+              </a:ext>
+            </a:extLst>
+          </p:cNvPr>
+          <p:cNvSpPr>
+            <a:spLocks noGrp="1"/>
+          </p:cNvSpPr>
+          <p:nvPr>
+            <p:ph idx="1"/>
+          </p:nvPr>
+        </p:nvSpPr>
+        <p:spPr/>
+        <p:txBody>
+          <a:bodyPr/>
+          <a:lstStyle/>
+          <a:p>
+            <a:pPr marL="0" indent="0">
+              <a:buNone/>
+            </a:pPr>
+            <a:r>
+              <a:rPr lang="en-US" dirty="0"/>
+              <a:t>Pros</a:t>
+            </a:r>
+          </a:p>
+          <a:p>
+            <a:r>
+              <a:rPr lang="en-US" dirty="0"/>
+              <a:t>[Pro]</a:t>
+            </a:r>
+          </a:p>
+          <a:p>
+            <a:r>
+              <a:rPr lang="en-US" dirty="0"/>
+              <a:t>[Pro]</a:t>
+            </a:r>
+          </a:p>
+          <a:p>
+            <a:endParaRPr lang="en-US" dirty="0"/>
+          </a:p>
+          <a:p>
+            <a:pPr marL="0" indent="0">
+              <a:buNone/>
+            </a:pPr>
+            <a:r>
+              <a:rPr lang="en-US" dirty="0"/>
+              <a:t>Cons</a:t>
+            </a:r>
+          </a:p>
+          <a:p>
+            <a:r>
+              <a:rPr lang="en-US" dirty="0"/>
+              <a:t>[Con]</a:t>
+            </a:r>
+          </a:p>
+          <a:p>
+            <a:r>
+              <a:rPr lang="en-US" dirty="0"/>
+              <a:t>[Con]</a:t>
+            </a:r>
+          </a:p>
+        </p:txBody>
+      </p:sp>
+    </p:spTree>
+    <p:extLst>
+      <p:ext uri="{BB962C8B-B14F-4D97-AF65-F5344CB8AC3E}">
+        <p14:creationId xmlns:p14="http://schemas.microsoft.com/office/powerpoint/2010/main" val="2797289848"/>
       </p:ext>
     </p:extLst>
   </p:cSld>
@@ -6265,7 +8329,7 @@
           <p:cNvPr id="2" name="Title 1">
             <a:extLst>
               <a:ext uri="{FF2B5EF4-FFF2-40B4-BE49-F238E27FC236}">
-                <a16:creationId xmlns:a16="http://schemas.microsoft.com/office/drawing/2014/main" id="{ABFE9964-2DD0-4B8C-9324-5C9218DC5DF7}"/>
+                <a16:creationId xmlns:a16="http://schemas.microsoft.com/office/drawing/2014/main" xmlns="" id="{ABFE9964-2DD0-4B8C-9324-5C9218DC5DF7}"/>
               </a:ext>
             </a:extLst>
           </p:cNvPr>
@@ -6282,9 +8346,26 @@
           <a:lstStyle/>
           <a:p>
             <a:r>
-              <a:rPr lang="en-US" dirty="0"/>
-              <a:t>[User Story]</a:t>
-            </a:r>
+              <a:rPr lang="en-US" sz="4800" dirty="0"/>
+              <a:t>As </a:t>
+            </a:r>
+            <a:r>
+              <a:rPr lang="en-US" sz="4800" dirty="0" smtClean="0"/>
+              <a:t>Timmy the </a:t>
+            </a:r>
+            <a:r>
+              <a:rPr lang="en-US" sz="4800" dirty="0"/>
+              <a:t>user, </a:t>
+            </a:r>
+            <a:r>
+              <a:rPr lang="en-US" sz="4800" dirty="0" smtClean="0"/>
+              <a:t>I want to </a:t>
+            </a:r>
+            <a:r>
+              <a:rPr lang="en-US" sz="4800" dirty="0"/>
+              <a:t>point my phone at a landmark and find information about it.</a:t>
+            </a:r>
+            <a:endParaRPr lang="en-US" sz="4800" dirty="0"/>
           </a:p>
         </p:txBody>
       </p:sp>
@@ -6293,7 +8374,7 @@
           <p:cNvPr id="3" name="Content Placeholder 2">
             <a:extLst>
               <a:ext uri="{FF2B5EF4-FFF2-40B4-BE49-F238E27FC236}">
-                <a16:creationId xmlns:a16="http://schemas.microsoft.com/office/drawing/2014/main" id="{361D3B48-B632-4E60-8736-F1558045DB59}"/>
+                <a16:creationId xmlns:a16="http://schemas.microsoft.com/office/drawing/2014/main" xmlns="" id="{361D3B48-B632-4E60-8736-F1558045DB59}"/>
               </a:ext>
             </a:extLst>
           </p:cNvPr>
@@ -6304,12 +8385,17 @@
             <p:ph idx="1"/>
           </p:nvPr>
         </p:nvSpPr>
-        <p:spPr/>
-        <p:txBody>
-          <a:bodyPr/>
-          <a:lstStyle/>
-          <a:p>
-            <a:endParaRPr lang="en-US"/>
+        <p:spPr>
+          <a:xfrm>
+            <a:off x="1103312" y="3559126"/>
+            <a:ext cx="8946541" cy="2689273"/>
+          </a:xfrm>
+        </p:spPr>
+        <p:txBody>
+          <a:bodyPr/>
+          <a:lstStyle/>
+          <a:p>
+            <a:endParaRPr lang="en-US" dirty="0"/>
           </a:p>
         </p:txBody>
       </p:sp>
@@ -6317,6 +8403,962 @@
     <p:extLst>
       <p:ext uri="{BB962C8B-B14F-4D97-AF65-F5344CB8AC3E}">
         <p14:creationId xmlns:p14="http://schemas.microsoft.com/office/powerpoint/2010/main" val="2684567444"/>
+      </p:ext>
+    </p:extLst>
+  </p:cSld>
+  <p:clrMapOvr>
+    <a:masterClrMapping/>
+  </p:clrMapOvr>
+  <p:timing>
+    <p:tnLst>
+      <p:par>
+        <p:cTn id="1" dur="indefinite" restart="never" nodeType="tmRoot"/>
+      </p:par>
+    </p:tnLst>
+  </p:timing>
+</p:sld>
+</file>
+
+<file path=ppt/slides/slide30.xml><?xml version="1.0" encoding="utf-8"?>
+<p:sld xmlns:a="http://schemas.openxmlformats.org/drawingml/2006/main" xmlns:r="http://schemas.openxmlformats.org/officeDocument/2006/relationships" xmlns:p="http://schemas.openxmlformats.org/presentationml/2006/main">
+  <p:cSld>
+    <p:spTree>
+      <p:nvGrpSpPr>
+        <p:cNvPr id="1" name=""/>
+        <p:cNvGrpSpPr/>
+        <p:nvPr/>
+      </p:nvGrpSpPr>
+      <p:grpSpPr>
+        <a:xfrm>
+          <a:off x="0" y="0"/>
+          <a:ext cx="0" cy="0"/>
+          <a:chOff x="0" y="0"/>
+          <a:chExt cx="0" cy="0"/>
+        </a:xfrm>
+      </p:grpSpPr>
+      <p:sp>
+        <p:nvSpPr>
+          <p:cNvPr id="2" name="Title 1">
+            <a:extLst>
+              <a:ext uri="{FF2B5EF4-FFF2-40B4-BE49-F238E27FC236}">
+                <a16:creationId xmlns:a16="http://schemas.microsoft.com/office/drawing/2014/main" xmlns="" id="{33182361-C770-430C-97A0-B9298FA3FE50}"/>
+              </a:ext>
+            </a:extLst>
+          </p:cNvPr>
+          <p:cNvSpPr>
+            <a:spLocks noGrp="1"/>
+          </p:cNvSpPr>
+          <p:nvPr>
+            <p:ph type="title"/>
+          </p:nvPr>
+        </p:nvSpPr>
+        <p:spPr/>
+        <p:txBody>
+          <a:bodyPr/>
+          <a:lstStyle/>
+          <a:p>
+            <a:r>
+              <a:rPr lang="en-US" dirty="0"/>
+              <a:t>[Chosen Technology]</a:t>
+            </a:r>
+          </a:p>
+        </p:txBody>
+      </p:sp>
+      <p:sp>
+        <p:nvSpPr>
+          <p:cNvPr id="3" name="Content Placeholder 2">
+            <a:extLst>
+              <a:ext uri="{FF2B5EF4-FFF2-40B4-BE49-F238E27FC236}">
+                <a16:creationId xmlns:a16="http://schemas.microsoft.com/office/drawing/2014/main" xmlns="" id="{6457FBD9-768E-4864-B576-83C1D02FB7F8}"/>
+              </a:ext>
+            </a:extLst>
+          </p:cNvPr>
+          <p:cNvSpPr>
+            <a:spLocks noGrp="1"/>
+          </p:cNvSpPr>
+          <p:nvPr>
+            <p:ph idx="1"/>
+          </p:nvPr>
+        </p:nvSpPr>
+        <p:spPr/>
+        <p:txBody>
+          <a:bodyPr/>
+          <a:lstStyle/>
+          <a:p>
+            <a:r>
+              <a:rPr lang="en-US" dirty="0"/>
+              <a:t>[Reason]</a:t>
+            </a:r>
+          </a:p>
+          <a:p>
+            <a:r>
+              <a:rPr lang="en-US" dirty="0"/>
+              <a:t>[Reason]</a:t>
+            </a:r>
+          </a:p>
+        </p:txBody>
+      </p:sp>
+    </p:spTree>
+    <p:extLst>
+      <p:ext uri="{BB962C8B-B14F-4D97-AF65-F5344CB8AC3E}">
+        <p14:creationId xmlns:p14="http://schemas.microsoft.com/office/powerpoint/2010/main" val="3688776126"/>
+      </p:ext>
+    </p:extLst>
+  </p:cSld>
+  <p:clrMapOvr>
+    <a:masterClrMapping/>
+  </p:clrMapOvr>
+</p:sld>
+</file>
+
+<file path=ppt/slides/slide31.xml><?xml version="1.0" encoding="utf-8"?>
+<p:sld xmlns:a="http://schemas.openxmlformats.org/drawingml/2006/main" xmlns:r="http://schemas.openxmlformats.org/officeDocument/2006/relationships" xmlns:p="http://schemas.openxmlformats.org/presentationml/2006/main">
+  <p:cSld>
+    <p:spTree>
+      <p:nvGrpSpPr>
+        <p:cNvPr id="1" name=""/>
+        <p:cNvGrpSpPr/>
+        <p:nvPr/>
+      </p:nvGrpSpPr>
+      <p:grpSpPr>
+        <a:xfrm>
+          <a:off x="0" y="0"/>
+          <a:ext cx="0" cy="0"/>
+          <a:chOff x="0" y="0"/>
+          <a:chExt cx="0" cy="0"/>
+        </a:xfrm>
+      </p:grpSpPr>
+      <p:sp>
+        <p:nvSpPr>
+          <p:cNvPr id="2" name="Title 1">
+            <a:extLst>
+              <a:ext uri="{FF2B5EF4-FFF2-40B4-BE49-F238E27FC236}">
+                <a16:creationId xmlns:a16="http://schemas.microsoft.com/office/drawing/2014/main" xmlns="" id="{ABFE9964-2DD0-4B8C-9324-5C9218DC5DF7}"/>
+              </a:ext>
+            </a:extLst>
+          </p:cNvPr>
+          <p:cNvSpPr>
+            <a:spLocks noGrp="1"/>
+          </p:cNvSpPr>
+          <p:nvPr>
+            <p:ph type="title"/>
+          </p:nvPr>
+        </p:nvSpPr>
+        <p:spPr/>
+        <p:txBody>
+          <a:bodyPr/>
+          <a:lstStyle/>
+          <a:p>
+            <a:r>
+              <a:rPr lang="en-US" sz="4800" dirty="0"/>
+              <a:t>As George the photographer, I want all the pictures taken at each location to be associated with the location they were taken at.</a:t>
+            </a:r>
+            <a:endParaRPr lang="en-US" sz="4800" dirty="0"/>
+          </a:p>
+        </p:txBody>
+      </p:sp>
+      <p:sp>
+        <p:nvSpPr>
+          <p:cNvPr id="3" name="Content Placeholder 2">
+            <a:extLst>
+              <a:ext uri="{FF2B5EF4-FFF2-40B4-BE49-F238E27FC236}">
+                <a16:creationId xmlns:a16="http://schemas.microsoft.com/office/drawing/2014/main" xmlns="" id="{361D3B48-B632-4E60-8736-F1558045DB59}"/>
+              </a:ext>
+            </a:extLst>
+          </p:cNvPr>
+          <p:cNvSpPr>
+            <a:spLocks noGrp="1"/>
+          </p:cNvSpPr>
+          <p:nvPr>
+            <p:ph idx="1"/>
+          </p:nvPr>
+        </p:nvSpPr>
+        <p:spPr/>
+        <p:txBody>
+          <a:bodyPr/>
+          <a:lstStyle/>
+          <a:p>
+            <a:endParaRPr lang="en-US" dirty="0"/>
+          </a:p>
+        </p:txBody>
+      </p:sp>
+    </p:spTree>
+    <p:extLst>
+      <p:ext uri="{BB962C8B-B14F-4D97-AF65-F5344CB8AC3E}">
+        <p14:creationId xmlns:p14="http://schemas.microsoft.com/office/powerpoint/2010/main" val="3607745468"/>
+      </p:ext>
+    </p:extLst>
+  </p:cSld>
+  <p:clrMapOvr>
+    <a:masterClrMapping/>
+  </p:clrMapOvr>
+</p:sld>
+</file>
+
+<file path=ppt/slides/slide32.xml><?xml version="1.0" encoding="utf-8"?>
+<p:sld xmlns:a="http://schemas.openxmlformats.org/drawingml/2006/main" xmlns:r="http://schemas.openxmlformats.org/officeDocument/2006/relationships" xmlns:p="http://schemas.openxmlformats.org/presentationml/2006/main">
+  <p:cSld>
+    <p:spTree>
+      <p:nvGrpSpPr>
+        <p:cNvPr id="1" name=""/>
+        <p:cNvGrpSpPr/>
+        <p:nvPr/>
+      </p:nvGrpSpPr>
+      <p:grpSpPr>
+        <a:xfrm>
+          <a:off x="0" y="0"/>
+          <a:ext cx="0" cy="0"/>
+          <a:chOff x="0" y="0"/>
+          <a:chExt cx="0" cy="0"/>
+        </a:xfrm>
+      </p:grpSpPr>
+      <p:sp>
+        <p:nvSpPr>
+          <p:cNvPr id="2" name="Title 1">
+            <a:extLst>
+              <a:ext uri="{FF2B5EF4-FFF2-40B4-BE49-F238E27FC236}">
+                <a16:creationId xmlns:a16="http://schemas.microsoft.com/office/drawing/2014/main" xmlns="" id="{E66C612F-2F3A-4260-BDBF-80671B0DF2ED}"/>
+              </a:ext>
+            </a:extLst>
+          </p:cNvPr>
+          <p:cNvSpPr>
+            <a:spLocks noGrp="1"/>
+          </p:cNvSpPr>
+          <p:nvPr>
+            <p:ph type="title"/>
+          </p:nvPr>
+        </p:nvSpPr>
+        <p:spPr/>
+        <p:txBody>
+          <a:bodyPr/>
+          <a:lstStyle/>
+          <a:p>
+            <a:r>
+              <a:rPr lang="en-US" dirty="0"/>
+              <a:t>[Feature]</a:t>
+            </a:r>
+          </a:p>
+        </p:txBody>
+      </p:sp>
+      <p:sp>
+        <p:nvSpPr>
+          <p:cNvPr id="3" name="Content Placeholder 2">
+            <a:extLst>
+              <a:ext uri="{FF2B5EF4-FFF2-40B4-BE49-F238E27FC236}">
+                <a16:creationId xmlns:a16="http://schemas.microsoft.com/office/drawing/2014/main" xmlns="" id="{6C61B333-EC15-417A-92E3-D6641D0F3741}"/>
+              </a:ext>
+            </a:extLst>
+          </p:cNvPr>
+          <p:cNvSpPr>
+            <a:spLocks noGrp="1"/>
+          </p:cNvSpPr>
+          <p:nvPr>
+            <p:ph idx="1"/>
+          </p:nvPr>
+        </p:nvSpPr>
+        <p:spPr/>
+        <p:txBody>
+          <a:bodyPr/>
+          <a:lstStyle/>
+          <a:p>
+            <a:endParaRPr lang="en-US"/>
+          </a:p>
+        </p:txBody>
+      </p:sp>
+    </p:spTree>
+    <p:extLst>
+      <p:ext uri="{BB962C8B-B14F-4D97-AF65-F5344CB8AC3E}">
+        <p14:creationId xmlns:p14="http://schemas.microsoft.com/office/powerpoint/2010/main" val="4091944108"/>
+      </p:ext>
+    </p:extLst>
+  </p:cSld>
+  <p:clrMapOvr>
+    <a:masterClrMapping/>
+  </p:clrMapOvr>
+</p:sld>
+</file>
+
+<file path=ppt/slides/slide33.xml><?xml version="1.0" encoding="utf-8"?>
+<p:sld xmlns:a="http://schemas.openxmlformats.org/drawingml/2006/main" xmlns:r="http://schemas.openxmlformats.org/officeDocument/2006/relationships" xmlns:p="http://schemas.openxmlformats.org/presentationml/2006/main">
+  <p:cSld>
+    <p:spTree>
+      <p:nvGrpSpPr>
+        <p:cNvPr id="1" name=""/>
+        <p:cNvGrpSpPr/>
+        <p:nvPr/>
+      </p:nvGrpSpPr>
+      <p:grpSpPr>
+        <a:xfrm>
+          <a:off x="0" y="0"/>
+          <a:ext cx="0" cy="0"/>
+          <a:chOff x="0" y="0"/>
+          <a:chExt cx="0" cy="0"/>
+        </a:xfrm>
+      </p:grpSpPr>
+      <p:sp>
+        <p:nvSpPr>
+          <p:cNvPr id="2" name="Title 1">
+            <a:extLst>
+              <a:ext uri="{FF2B5EF4-FFF2-40B4-BE49-F238E27FC236}">
+                <a16:creationId xmlns:a16="http://schemas.microsoft.com/office/drawing/2014/main" xmlns="" id="{BA35D0AB-9A37-479C-9406-C70EC5D04068}"/>
+              </a:ext>
+            </a:extLst>
+          </p:cNvPr>
+          <p:cNvSpPr>
+            <a:spLocks noGrp="1"/>
+          </p:cNvSpPr>
+          <p:nvPr>
+            <p:ph type="title"/>
+          </p:nvPr>
+        </p:nvSpPr>
+        <p:spPr/>
+        <p:txBody>
+          <a:bodyPr/>
+          <a:lstStyle/>
+          <a:p>
+            <a:r>
+              <a:rPr lang="en-US" dirty="0"/>
+              <a:t>[Possible Technology]</a:t>
+            </a:r>
+          </a:p>
+        </p:txBody>
+      </p:sp>
+      <p:sp>
+        <p:nvSpPr>
+          <p:cNvPr id="3" name="Content Placeholder 2">
+            <a:extLst>
+              <a:ext uri="{FF2B5EF4-FFF2-40B4-BE49-F238E27FC236}">
+                <a16:creationId xmlns:a16="http://schemas.microsoft.com/office/drawing/2014/main" xmlns="" id="{C53C1AAE-D52E-4865-94E5-9A746F2B6603}"/>
+              </a:ext>
+            </a:extLst>
+          </p:cNvPr>
+          <p:cNvSpPr>
+            <a:spLocks noGrp="1"/>
+          </p:cNvSpPr>
+          <p:nvPr>
+            <p:ph idx="1"/>
+          </p:nvPr>
+        </p:nvSpPr>
+        <p:spPr/>
+        <p:txBody>
+          <a:bodyPr/>
+          <a:lstStyle/>
+          <a:p>
+            <a:pPr marL="0" indent="0">
+              <a:buNone/>
+            </a:pPr>
+            <a:r>
+              <a:rPr lang="en-US" dirty="0"/>
+              <a:t>Pros</a:t>
+            </a:r>
+          </a:p>
+          <a:p>
+            <a:r>
+              <a:rPr lang="en-US" dirty="0"/>
+              <a:t>[Pro]</a:t>
+            </a:r>
+          </a:p>
+          <a:p>
+            <a:r>
+              <a:rPr lang="en-US" dirty="0"/>
+              <a:t>[Pro]</a:t>
+            </a:r>
+          </a:p>
+          <a:p>
+            <a:endParaRPr lang="en-US" dirty="0"/>
+          </a:p>
+          <a:p>
+            <a:pPr marL="0" indent="0">
+              <a:buNone/>
+            </a:pPr>
+            <a:r>
+              <a:rPr lang="en-US" dirty="0"/>
+              <a:t>Cons</a:t>
+            </a:r>
+          </a:p>
+          <a:p>
+            <a:r>
+              <a:rPr lang="en-US" dirty="0"/>
+              <a:t>[Con]</a:t>
+            </a:r>
+          </a:p>
+          <a:p>
+            <a:r>
+              <a:rPr lang="en-US" dirty="0"/>
+              <a:t>[Con]</a:t>
+            </a:r>
+          </a:p>
+        </p:txBody>
+      </p:sp>
+    </p:spTree>
+    <p:extLst>
+      <p:ext uri="{BB962C8B-B14F-4D97-AF65-F5344CB8AC3E}">
+        <p14:creationId xmlns:p14="http://schemas.microsoft.com/office/powerpoint/2010/main" val="2797289848"/>
+      </p:ext>
+    </p:extLst>
+  </p:cSld>
+  <p:clrMapOvr>
+    <a:masterClrMapping/>
+  </p:clrMapOvr>
+</p:sld>
+</file>
+
+<file path=ppt/slides/slide34.xml><?xml version="1.0" encoding="utf-8"?>
+<p:sld xmlns:a="http://schemas.openxmlformats.org/drawingml/2006/main" xmlns:r="http://schemas.openxmlformats.org/officeDocument/2006/relationships" xmlns:p="http://schemas.openxmlformats.org/presentationml/2006/main">
+  <p:cSld>
+    <p:spTree>
+      <p:nvGrpSpPr>
+        <p:cNvPr id="1" name=""/>
+        <p:cNvGrpSpPr/>
+        <p:nvPr/>
+      </p:nvGrpSpPr>
+      <p:grpSpPr>
+        <a:xfrm>
+          <a:off x="0" y="0"/>
+          <a:ext cx="0" cy="0"/>
+          <a:chOff x="0" y="0"/>
+          <a:chExt cx="0" cy="0"/>
+        </a:xfrm>
+      </p:grpSpPr>
+      <p:sp>
+        <p:nvSpPr>
+          <p:cNvPr id="2" name="Title 1">
+            <a:extLst>
+              <a:ext uri="{FF2B5EF4-FFF2-40B4-BE49-F238E27FC236}">
+                <a16:creationId xmlns:a16="http://schemas.microsoft.com/office/drawing/2014/main" xmlns="" id="{33182361-C770-430C-97A0-B9298FA3FE50}"/>
+              </a:ext>
+            </a:extLst>
+          </p:cNvPr>
+          <p:cNvSpPr>
+            <a:spLocks noGrp="1"/>
+          </p:cNvSpPr>
+          <p:nvPr>
+            <p:ph type="title"/>
+          </p:nvPr>
+        </p:nvSpPr>
+        <p:spPr/>
+        <p:txBody>
+          <a:bodyPr/>
+          <a:lstStyle/>
+          <a:p>
+            <a:r>
+              <a:rPr lang="en-US" dirty="0"/>
+              <a:t>[Chosen Technology]</a:t>
+            </a:r>
+          </a:p>
+        </p:txBody>
+      </p:sp>
+      <p:sp>
+        <p:nvSpPr>
+          <p:cNvPr id="3" name="Content Placeholder 2">
+            <a:extLst>
+              <a:ext uri="{FF2B5EF4-FFF2-40B4-BE49-F238E27FC236}">
+                <a16:creationId xmlns:a16="http://schemas.microsoft.com/office/drawing/2014/main" xmlns="" id="{6457FBD9-768E-4864-B576-83C1D02FB7F8}"/>
+              </a:ext>
+            </a:extLst>
+          </p:cNvPr>
+          <p:cNvSpPr>
+            <a:spLocks noGrp="1"/>
+          </p:cNvSpPr>
+          <p:nvPr>
+            <p:ph idx="1"/>
+          </p:nvPr>
+        </p:nvSpPr>
+        <p:spPr/>
+        <p:txBody>
+          <a:bodyPr/>
+          <a:lstStyle/>
+          <a:p>
+            <a:r>
+              <a:rPr lang="en-US" dirty="0"/>
+              <a:t>[Reason]</a:t>
+            </a:r>
+          </a:p>
+          <a:p>
+            <a:r>
+              <a:rPr lang="en-US" dirty="0"/>
+              <a:t>[Reason]</a:t>
+            </a:r>
+          </a:p>
+        </p:txBody>
+      </p:sp>
+    </p:spTree>
+    <p:extLst>
+      <p:ext uri="{BB962C8B-B14F-4D97-AF65-F5344CB8AC3E}">
+        <p14:creationId xmlns:p14="http://schemas.microsoft.com/office/powerpoint/2010/main" val="3688776126"/>
+      </p:ext>
+    </p:extLst>
+  </p:cSld>
+  <p:clrMapOvr>
+    <a:masterClrMapping/>
+  </p:clrMapOvr>
+</p:sld>
+</file>
+
+<file path=ppt/slides/slide35.xml><?xml version="1.0" encoding="utf-8"?>
+<p:sld xmlns:a="http://schemas.openxmlformats.org/drawingml/2006/main" xmlns:r="http://schemas.openxmlformats.org/officeDocument/2006/relationships" xmlns:p="http://schemas.openxmlformats.org/presentationml/2006/main">
+  <p:cSld>
+    <p:spTree>
+      <p:nvGrpSpPr>
+        <p:cNvPr id="1" name=""/>
+        <p:cNvGrpSpPr/>
+        <p:nvPr/>
+      </p:nvGrpSpPr>
+      <p:grpSpPr>
+        <a:xfrm>
+          <a:off x="0" y="0"/>
+          <a:ext cx="0" cy="0"/>
+          <a:chOff x="0" y="0"/>
+          <a:chExt cx="0" cy="0"/>
+        </a:xfrm>
+      </p:grpSpPr>
+      <p:sp>
+        <p:nvSpPr>
+          <p:cNvPr id="2" name="Title 1">
+            <a:extLst>
+              <a:ext uri="{FF2B5EF4-FFF2-40B4-BE49-F238E27FC236}">
+                <a16:creationId xmlns:a16="http://schemas.microsoft.com/office/drawing/2014/main" xmlns="" id="{ABFE9964-2DD0-4B8C-9324-5C9218DC5DF7}"/>
+              </a:ext>
+            </a:extLst>
+          </p:cNvPr>
+          <p:cNvSpPr>
+            <a:spLocks noGrp="1"/>
+          </p:cNvSpPr>
+          <p:nvPr>
+            <p:ph type="title"/>
+          </p:nvPr>
+        </p:nvSpPr>
+        <p:spPr>
+          <a:xfrm>
+            <a:off x="716449" y="452718"/>
+            <a:ext cx="9404723" cy="1400530"/>
+          </a:xfrm>
+        </p:spPr>
+        <p:txBody>
+          <a:bodyPr/>
+          <a:lstStyle/>
+          <a:p>
+            <a:r>
+              <a:rPr lang="en-US" sz="4800" dirty="0"/>
+              <a:t>As Hannah the avid hiker, I want to rate locations so that newcomers to the area know where to go. </a:t>
+            </a:r>
+            <a:endParaRPr lang="en-US" sz="4800" dirty="0"/>
+          </a:p>
+        </p:txBody>
+      </p:sp>
+      <p:sp>
+        <p:nvSpPr>
+          <p:cNvPr id="3" name="Content Placeholder 2">
+            <a:extLst>
+              <a:ext uri="{FF2B5EF4-FFF2-40B4-BE49-F238E27FC236}">
+                <a16:creationId xmlns:a16="http://schemas.microsoft.com/office/drawing/2014/main" xmlns="" id="{361D3B48-B632-4E60-8736-F1558045DB59}"/>
+              </a:ext>
+            </a:extLst>
+          </p:cNvPr>
+          <p:cNvSpPr>
+            <a:spLocks noGrp="1"/>
+          </p:cNvSpPr>
+          <p:nvPr>
+            <p:ph idx="1"/>
+          </p:nvPr>
+        </p:nvSpPr>
+        <p:spPr/>
+        <p:txBody>
+          <a:bodyPr/>
+          <a:lstStyle/>
+          <a:p>
+            <a:endParaRPr lang="en-US" dirty="0"/>
+          </a:p>
+        </p:txBody>
+      </p:sp>
+    </p:spTree>
+    <p:extLst>
+      <p:ext uri="{BB962C8B-B14F-4D97-AF65-F5344CB8AC3E}">
+        <p14:creationId xmlns:p14="http://schemas.microsoft.com/office/powerpoint/2010/main" val="3607745468"/>
+      </p:ext>
+    </p:extLst>
+  </p:cSld>
+  <p:clrMapOvr>
+    <a:masterClrMapping/>
+  </p:clrMapOvr>
+</p:sld>
+</file>
+
+<file path=ppt/slides/slide36.xml><?xml version="1.0" encoding="utf-8"?>
+<p:sld xmlns:a="http://schemas.openxmlformats.org/drawingml/2006/main" xmlns:r="http://schemas.openxmlformats.org/officeDocument/2006/relationships" xmlns:p="http://schemas.openxmlformats.org/presentationml/2006/main">
+  <p:cSld>
+    <p:spTree>
+      <p:nvGrpSpPr>
+        <p:cNvPr id="1" name=""/>
+        <p:cNvGrpSpPr/>
+        <p:nvPr/>
+      </p:nvGrpSpPr>
+      <p:grpSpPr>
+        <a:xfrm>
+          <a:off x="0" y="0"/>
+          <a:ext cx="0" cy="0"/>
+          <a:chOff x="0" y="0"/>
+          <a:chExt cx="0" cy="0"/>
+        </a:xfrm>
+      </p:grpSpPr>
+      <p:sp>
+        <p:nvSpPr>
+          <p:cNvPr id="2" name="Title 1">
+            <a:extLst>
+              <a:ext uri="{FF2B5EF4-FFF2-40B4-BE49-F238E27FC236}">
+                <a16:creationId xmlns:a16="http://schemas.microsoft.com/office/drawing/2014/main" xmlns="" id="{E66C612F-2F3A-4260-BDBF-80671B0DF2ED}"/>
+              </a:ext>
+            </a:extLst>
+          </p:cNvPr>
+          <p:cNvSpPr>
+            <a:spLocks noGrp="1"/>
+          </p:cNvSpPr>
+          <p:nvPr>
+            <p:ph type="title"/>
+          </p:nvPr>
+        </p:nvSpPr>
+        <p:spPr/>
+        <p:txBody>
+          <a:bodyPr/>
+          <a:lstStyle/>
+          <a:p>
+            <a:r>
+              <a:rPr lang="en-US" dirty="0"/>
+              <a:t>[Feature]</a:t>
+            </a:r>
+          </a:p>
+        </p:txBody>
+      </p:sp>
+      <p:sp>
+        <p:nvSpPr>
+          <p:cNvPr id="3" name="Content Placeholder 2">
+            <a:extLst>
+              <a:ext uri="{FF2B5EF4-FFF2-40B4-BE49-F238E27FC236}">
+                <a16:creationId xmlns:a16="http://schemas.microsoft.com/office/drawing/2014/main" xmlns="" id="{6C61B333-EC15-417A-92E3-D6641D0F3741}"/>
+              </a:ext>
+            </a:extLst>
+          </p:cNvPr>
+          <p:cNvSpPr>
+            <a:spLocks noGrp="1"/>
+          </p:cNvSpPr>
+          <p:nvPr>
+            <p:ph idx="1"/>
+          </p:nvPr>
+        </p:nvSpPr>
+        <p:spPr/>
+        <p:txBody>
+          <a:bodyPr/>
+          <a:lstStyle/>
+          <a:p>
+            <a:endParaRPr lang="en-US"/>
+          </a:p>
+        </p:txBody>
+      </p:sp>
+    </p:spTree>
+    <p:extLst>
+      <p:ext uri="{BB962C8B-B14F-4D97-AF65-F5344CB8AC3E}">
+        <p14:creationId xmlns:p14="http://schemas.microsoft.com/office/powerpoint/2010/main" val="4091944108"/>
+      </p:ext>
+    </p:extLst>
+  </p:cSld>
+  <p:clrMapOvr>
+    <a:masterClrMapping/>
+  </p:clrMapOvr>
+</p:sld>
+</file>
+
+<file path=ppt/slides/slide37.xml><?xml version="1.0" encoding="utf-8"?>
+<p:sld xmlns:a="http://schemas.openxmlformats.org/drawingml/2006/main" xmlns:r="http://schemas.openxmlformats.org/officeDocument/2006/relationships" xmlns:p="http://schemas.openxmlformats.org/presentationml/2006/main">
+  <p:cSld>
+    <p:spTree>
+      <p:nvGrpSpPr>
+        <p:cNvPr id="1" name=""/>
+        <p:cNvGrpSpPr/>
+        <p:nvPr/>
+      </p:nvGrpSpPr>
+      <p:grpSpPr>
+        <a:xfrm>
+          <a:off x="0" y="0"/>
+          <a:ext cx="0" cy="0"/>
+          <a:chOff x="0" y="0"/>
+          <a:chExt cx="0" cy="0"/>
+        </a:xfrm>
+      </p:grpSpPr>
+      <p:sp>
+        <p:nvSpPr>
+          <p:cNvPr id="2" name="Title 1">
+            <a:extLst>
+              <a:ext uri="{FF2B5EF4-FFF2-40B4-BE49-F238E27FC236}">
+                <a16:creationId xmlns:a16="http://schemas.microsoft.com/office/drawing/2014/main" xmlns="" id="{BA35D0AB-9A37-479C-9406-C70EC5D04068}"/>
+              </a:ext>
+            </a:extLst>
+          </p:cNvPr>
+          <p:cNvSpPr>
+            <a:spLocks noGrp="1"/>
+          </p:cNvSpPr>
+          <p:nvPr>
+            <p:ph type="title"/>
+          </p:nvPr>
+        </p:nvSpPr>
+        <p:spPr/>
+        <p:txBody>
+          <a:bodyPr/>
+          <a:lstStyle/>
+          <a:p>
+            <a:r>
+              <a:rPr lang="en-US" dirty="0"/>
+              <a:t>[Possible Technology]</a:t>
+            </a:r>
+          </a:p>
+        </p:txBody>
+      </p:sp>
+      <p:sp>
+        <p:nvSpPr>
+          <p:cNvPr id="3" name="Content Placeholder 2">
+            <a:extLst>
+              <a:ext uri="{FF2B5EF4-FFF2-40B4-BE49-F238E27FC236}">
+                <a16:creationId xmlns:a16="http://schemas.microsoft.com/office/drawing/2014/main" xmlns="" id="{C53C1AAE-D52E-4865-94E5-9A746F2B6603}"/>
+              </a:ext>
+            </a:extLst>
+          </p:cNvPr>
+          <p:cNvSpPr>
+            <a:spLocks noGrp="1"/>
+          </p:cNvSpPr>
+          <p:nvPr>
+            <p:ph idx="1"/>
+          </p:nvPr>
+        </p:nvSpPr>
+        <p:spPr/>
+        <p:txBody>
+          <a:bodyPr/>
+          <a:lstStyle/>
+          <a:p>
+            <a:pPr marL="0" indent="0">
+              <a:buNone/>
+            </a:pPr>
+            <a:r>
+              <a:rPr lang="en-US" dirty="0"/>
+              <a:t>Pros</a:t>
+            </a:r>
+          </a:p>
+          <a:p>
+            <a:r>
+              <a:rPr lang="en-US" dirty="0"/>
+              <a:t>[Pro]</a:t>
+            </a:r>
+          </a:p>
+          <a:p>
+            <a:r>
+              <a:rPr lang="en-US" dirty="0"/>
+              <a:t>[Pro]</a:t>
+            </a:r>
+          </a:p>
+          <a:p>
+            <a:endParaRPr lang="en-US" dirty="0"/>
+          </a:p>
+          <a:p>
+            <a:pPr marL="0" indent="0">
+              <a:buNone/>
+            </a:pPr>
+            <a:r>
+              <a:rPr lang="en-US" dirty="0"/>
+              <a:t>Cons</a:t>
+            </a:r>
+          </a:p>
+          <a:p>
+            <a:r>
+              <a:rPr lang="en-US" dirty="0"/>
+              <a:t>[Con]</a:t>
+            </a:r>
+          </a:p>
+          <a:p>
+            <a:r>
+              <a:rPr lang="en-US" dirty="0"/>
+              <a:t>[Con]</a:t>
+            </a:r>
+          </a:p>
+        </p:txBody>
+      </p:sp>
+    </p:spTree>
+    <p:extLst>
+      <p:ext uri="{BB962C8B-B14F-4D97-AF65-F5344CB8AC3E}">
+        <p14:creationId xmlns:p14="http://schemas.microsoft.com/office/powerpoint/2010/main" val="2797289848"/>
+      </p:ext>
+    </p:extLst>
+  </p:cSld>
+  <p:clrMapOvr>
+    <a:masterClrMapping/>
+  </p:clrMapOvr>
+</p:sld>
+</file>
+
+<file path=ppt/slides/slide38.xml><?xml version="1.0" encoding="utf-8"?>
+<p:sld xmlns:a="http://schemas.openxmlformats.org/drawingml/2006/main" xmlns:r="http://schemas.openxmlformats.org/officeDocument/2006/relationships" xmlns:p="http://schemas.openxmlformats.org/presentationml/2006/main">
+  <p:cSld>
+    <p:spTree>
+      <p:nvGrpSpPr>
+        <p:cNvPr id="1" name=""/>
+        <p:cNvGrpSpPr/>
+        <p:nvPr/>
+      </p:nvGrpSpPr>
+      <p:grpSpPr>
+        <a:xfrm>
+          <a:off x="0" y="0"/>
+          <a:ext cx="0" cy="0"/>
+          <a:chOff x="0" y="0"/>
+          <a:chExt cx="0" cy="0"/>
+        </a:xfrm>
+      </p:grpSpPr>
+      <p:sp>
+        <p:nvSpPr>
+          <p:cNvPr id="2" name="Title 1">
+            <a:extLst>
+              <a:ext uri="{FF2B5EF4-FFF2-40B4-BE49-F238E27FC236}">
+                <a16:creationId xmlns:a16="http://schemas.microsoft.com/office/drawing/2014/main" xmlns="" id="{33182361-C770-430C-97A0-B9298FA3FE50}"/>
+              </a:ext>
+            </a:extLst>
+          </p:cNvPr>
+          <p:cNvSpPr>
+            <a:spLocks noGrp="1"/>
+          </p:cNvSpPr>
+          <p:nvPr>
+            <p:ph type="title"/>
+          </p:nvPr>
+        </p:nvSpPr>
+        <p:spPr/>
+        <p:txBody>
+          <a:bodyPr/>
+          <a:lstStyle/>
+          <a:p>
+            <a:r>
+              <a:rPr lang="en-US" dirty="0"/>
+              <a:t>[Chosen Technology]</a:t>
+            </a:r>
+          </a:p>
+        </p:txBody>
+      </p:sp>
+      <p:sp>
+        <p:nvSpPr>
+          <p:cNvPr id="3" name="Content Placeholder 2">
+            <a:extLst>
+              <a:ext uri="{FF2B5EF4-FFF2-40B4-BE49-F238E27FC236}">
+                <a16:creationId xmlns:a16="http://schemas.microsoft.com/office/drawing/2014/main" xmlns="" id="{6457FBD9-768E-4864-B576-83C1D02FB7F8}"/>
+              </a:ext>
+            </a:extLst>
+          </p:cNvPr>
+          <p:cNvSpPr>
+            <a:spLocks noGrp="1"/>
+          </p:cNvSpPr>
+          <p:nvPr>
+            <p:ph idx="1"/>
+          </p:nvPr>
+        </p:nvSpPr>
+        <p:spPr/>
+        <p:txBody>
+          <a:bodyPr/>
+          <a:lstStyle/>
+          <a:p>
+            <a:r>
+              <a:rPr lang="en-US" dirty="0"/>
+              <a:t>[Reason]</a:t>
+            </a:r>
+          </a:p>
+          <a:p>
+            <a:r>
+              <a:rPr lang="en-US" dirty="0"/>
+              <a:t>[Reason]</a:t>
+            </a:r>
+          </a:p>
+        </p:txBody>
+      </p:sp>
+    </p:spTree>
+    <p:extLst>
+      <p:ext uri="{BB962C8B-B14F-4D97-AF65-F5344CB8AC3E}">
+        <p14:creationId xmlns:p14="http://schemas.microsoft.com/office/powerpoint/2010/main" val="3688776126"/>
+      </p:ext>
+    </p:extLst>
+  </p:cSld>
+  <p:clrMapOvr>
+    <a:masterClrMapping/>
+  </p:clrMapOvr>
+</p:sld>
+</file>
+
+<file path=ppt/slides/slide39.xml><?xml version="1.0" encoding="utf-8"?>
+<p:sld xmlns:a="http://schemas.openxmlformats.org/drawingml/2006/main" xmlns:r="http://schemas.openxmlformats.org/officeDocument/2006/relationships" xmlns:p="http://schemas.openxmlformats.org/presentationml/2006/main">
+  <p:cSld>
+    <p:spTree>
+      <p:nvGrpSpPr>
+        <p:cNvPr id="1" name=""/>
+        <p:cNvGrpSpPr/>
+        <p:nvPr/>
+      </p:nvGrpSpPr>
+      <p:grpSpPr>
+        <a:xfrm>
+          <a:off x="0" y="0"/>
+          <a:ext cx="0" cy="0"/>
+          <a:chOff x="0" y="0"/>
+          <a:chExt cx="0" cy="0"/>
+        </a:xfrm>
+      </p:grpSpPr>
+      <p:sp>
+        <p:nvSpPr>
+          <p:cNvPr id="2" name="Title 1">
+            <a:extLst>
+              <a:ext uri="{FF2B5EF4-FFF2-40B4-BE49-F238E27FC236}">
+                <a16:creationId xmlns:a16="http://schemas.microsoft.com/office/drawing/2014/main" xmlns="" id="{ABFE9964-2DD0-4B8C-9324-5C9218DC5DF7}"/>
+              </a:ext>
+            </a:extLst>
+          </p:cNvPr>
+          <p:cNvSpPr>
+            <a:spLocks noGrp="1"/>
+          </p:cNvSpPr>
+          <p:nvPr>
+            <p:ph type="title"/>
+          </p:nvPr>
+        </p:nvSpPr>
+        <p:spPr/>
+        <p:txBody>
+          <a:bodyPr/>
+          <a:lstStyle/>
+          <a:p>
+            <a:r>
+              <a:rPr lang="en-US" sz="4800" dirty="0"/>
+              <a:t>As Dan the introverted hiker, I want to know the traffic of a landmark so that I can avoid busy places.</a:t>
+            </a:r>
+            <a:endParaRPr lang="en-US" sz="4800" dirty="0"/>
+          </a:p>
+        </p:txBody>
+      </p:sp>
+      <p:sp>
+        <p:nvSpPr>
+          <p:cNvPr id="3" name="Content Placeholder 2">
+            <a:extLst>
+              <a:ext uri="{FF2B5EF4-FFF2-40B4-BE49-F238E27FC236}">
+                <a16:creationId xmlns:a16="http://schemas.microsoft.com/office/drawing/2014/main" xmlns="" id="{361D3B48-B632-4E60-8736-F1558045DB59}"/>
+              </a:ext>
+            </a:extLst>
+          </p:cNvPr>
+          <p:cNvSpPr>
+            <a:spLocks noGrp="1"/>
+          </p:cNvSpPr>
+          <p:nvPr>
+            <p:ph idx="1"/>
+          </p:nvPr>
+        </p:nvSpPr>
+        <p:spPr/>
+        <p:txBody>
+          <a:bodyPr/>
+          <a:lstStyle/>
+          <a:p>
+            <a:endParaRPr lang="en-US" dirty="0"/>
+          </a:p>
+        </p:txBody>
+      </p:sp>
+    </p:spTree>
+    <p:extLst>
+      <p:ext uri="{BB962C8B-B14F-4D97-AF65-F5344CB8AC3E}">
+        <p14:creationId xmlns:p14="http://schemas.microsoft.com/office/powerpoint/2010/main" val="3607745468"/>
       </p:ext>
     </p:extLst>
   </p:cSld>
@@ -6348,7 +9390,7 @@
           <p:cNvPr id="2" name="Title 1">
             <a:extLst>
               <a:ext uri="{FF2B5EF4-FFF2-40B4-BE49-F238E27FC236}">
-                <a16:creationId xmlns:a16="http://schemas.microsoft.com/office/drawing/2014/main" id="{E66C612F-2F3A-4260-BDBF-80671B0DF2ED}"/>
+                <a16:creationId xmlns:a16="http://schemas.microsoft.com/office/drawing/2014/main" xmlns="" id="{E66C612F-2F3A-4260-BDBF-80671B0DF2ED}"/>
               </a:ext>
             </a:extLst>
           </p:cNvPr>
@@ -6376,7 +9418,7 @@
           <p:cNvPr id="3" name="Content Placeholder 2">
             <a:extLst>
               <a:ext uri="{FF2B5EF4-FFF2-40B4-BE49-F238E27FC236}">
-                <a16:creationId xmlns:a16="http://schemas.microsoft.com/office/drawing/2014/main" id="{6C61B333-EC15-417A-92E3-D6641D0F3741}"/>
+                <a16:creationId xmlns:a16="http://schemas.microsoft.com/office/drawing/2014/main" xmlns="" id="{6C61B333-EC15-417A-92E3-D6641D0F3741}"/>
               </a:ext>
             </a:extLst>
           </p:cNvPr>
@@ -6400,6 +9442,997 @@
     <p:extLst>
       <p:ext uri="{BB962C8B-B14F-4D97-AF65-F5344CB8AC3E}">
         <p14:creationId xmlns:p14="http://schemas.microsoft.com/office/powerpoint/2010/main" val="4277202190"/>
+      </p:ext>
+    </p:extLst>
+  </p:cSld>
+  <p:clrMapOvr>
+    <a:masterClrMapping/>
+  </p:clrMapOvr>
+  <p:timing>
+    <p:tnLst>
+      <p:par>
+        <p:cTn id="1" dur="indefinite" restart="never" nodeType="tmRoot"/>
+      </p:par>
+    </p:tnLst>
+  </p:timing>
+</p:sld>
+</file>
+
+<file path=ppt/slides/slide40.xml><?xml version="1.0" encoding="utf-8"?>
+<p:sld xmlns:a="http://schemas.openxmlformats.org/drawingml/2006/main" xmlns:r="http://schemas.openxmlformats.org/officeDocument/2006/relationships" xmlns:p="http://schemas.openxmlformats.org/presentationml/2006/main">
+  <p:cSld>
+    <p:spTree>
+      <p:nvGrpSpPr>
+        <p:cNvPr id="1" name=""/>
+        <p:cNvGrpSpPr/>
+        <p:nvPr/>
+      </p:nvGrpSpPr>
+      <p:grpSpPr>
+        <a:xfrm>
+          <a:off x="0" y="0"/>
+          <a:ext cx="0" cy="0"/>
+          <a:chOff x="0" y="0"/>
+          <a:chExt cx="0" cy="0"/>
+        </a:xfrm>
+      </p:grpSpPr>
+      <p:sp>
+        <p:nvSpPr>
+          <p:cNvPr id="2" name="Title 1">
+            <a:extLst>
+              <a:ext uri="{FF2B5EF4-FFF2-40B4-BE49-F238E27FC236}">
+                <a16:creationId xmlns:a16="http://schemas.microsoft.com/office/drawing/2014/main" xmlns="" id="{E66C612F-2F3A-4260-BDBF-80671B0DF2ED}"/>
+              </a:ext>
+            </a:extLst>
+          </p:cNvPr>
+          <p:cNvSpPr>
+            <a:spLocks noGrp="1"/>
+          </p:cNvSpPr>
+          <p:nvPr>
+            <p:ph type="title"/>
+          </p:nvPr>
+        </p:nvSpPr>
+        <p:spPr/>
+        <p:txBody>
+          <a:bodyPr/>
+          <a:lstStyle/>
+          <a:p>
+            <a:r>
+              <a:rPr lang="en-US" dirty="0"/>
+              <a:t>[Feature]</a:t>
+            </a:r>
+          </a:p>
+        </p:txBody>
+      </p:sp>
+      <p:sp>
+        <p:nvSpPr>
+          <p:cNvPr id="3" name="Content Placeholder 2">
+            <a:extLst>
+              <a:ext uri="{FF2B5EF4-FFF2-40B4-BE49-F238E27FC236}">
+                <a16:creationId xmlns:a16="http://schemas.microsoft.com/office/drawing/2014/main" xmlns="" id="{6C61B333-EC15-417A-92E3-D6641D0F3741}"/>
+              </a:ext>
+            </a:extLst>
+          </p:cNvPr>
+          <p:cNvSpPr>
+            <a:spLocks noGrp="1"/>
+          </p:cNvSpPr>
+          <p:nvPr>
+            <p:ph idx="1"/>
+          </p:nvPr>
+        </p:nvSpPr>
+        <p:spPr/>
+        <p:txBody>
+          <a:bodyPr/>
+          <a:lstStyle/>
+          <a:p>
+            <a:endParaRPr lang="en-US"/>
+          </a:p>
+        </p:txBody>
+      </p:sp>
+    </p:spTree>
+    <p:extLst>
+      <p:ext uri="{BB962C8B-B14F-4D97-AF65-F5344CB8AC3E}">
+        <p14:creationId xmlns:p14="http://schemas.microsoft.com/office/powerpoint/2010/main" val="4091944108"/>
+      </p:ext>
+    </p:extLst>
+  </p:cSld>
+  <p:clrMapOvr>
+    <a:masterClrMapping/>
+  </p:clrMapOvr>
+</p:sld>
+</file>
+
+<file path=ppt/slides/slide41.xml><?xml version="1.0" encoding="utf-8"?>
+<p:sld xmlns:a="http://schemas.openxmlformats.org/drawingml/2006/main" xmlns:r="http://schemas.openxmlformats.org/officeDocument/2006/relationships" xmlns:p="http://schemas.openxmlformats.org/presentationml/2006/main">
+  <p:cSld>
+    <p:spTree>
+      <p:nvGrpSpPr>
+        <p:cNvPr id="1" name=""/>
+        <p:cNvGrpSpPr/>
+        <p:nvPr/>
+      </p:nvGrpSpPr>
+      <p:grpSpPr>
+        <a:xfrm>
+          <a:off x="0" y="0"/>
+          <a:ext cx="0" cy="0"/>
+          <a:chOff x="0" y="0"/>
+          <a:chExt cx="0" cy="0"/>
+        </a:xfrm>
+      </p:grpSpPr>
+      <p:sp>
+        <p:nvSpPr>
+          <p:cNvPr id="2" name="Title 1">
+            <a:extLst>
+              <a:ext uri="{FF2B5EF4-FFF2-40B4-BE49-F238E27FC236}">
+                <a16:creationId xmlns:a16="http://schemas.microsoft.com/office/drawing/2014/main" xmlns="" id="{BA35D0AB-9A37-479C-9406-C70EC5D04068}"/>
+              </a:ext>
+            </a:extLst>
+          </p:cNvPr>
+          <p:cNvSpPr>
+            <a:spLocks noGrp="1"/>
+          </p:cNvSpPr>
+          <p:nvPr>
+            <p:ph type="title"/>
+          </p:nvPr>
+        </p:nvSpPr>
+        <p:spPr/>
+        <p:txBody>
+          <a:bodyPr/>
+          <a:lstStyle/>
+          <a:p>
+            <a:r>
+              <a:rPr lang="en-US" dirty="0"/>
+              <a:t>[Possible Technology]</a:t>
+            </a:r>
+          </a:p>
+        </p:txBody>
+      </p:sp>
+      <p:sp>
+        <p:nvSpPr>
+          <p:cNvPr id="3" name="Content Placeholder 2">
+            <a:extLst>
+              <a:ext uri="{FF2B5EF4-FFF2-40B4-BE49-F238E27FC236}">
+                <a16:creationId xmlns:a16="http://schemas.microsoft.com/office/drawing/2014/main" xmlns="" id="{C53C1AAE-D52E-4865-94E5-9A746F2B6603}"/>
+              </a:ext>
+            </a:extLst>
+          </p:cNvPr>
+          <p:cNvSpPr>
+            <a:spLocks noGrp="1"/>
+          </p:cNvSpPr>
+          <p:nvPr>
+            <p:ph idx="1"/>
+          </p:nvPr>
+        </p:nvSpPr>
+        <p:spPr/>
+        <p:txBody>
+          <a:bodyPr/>
+          <a:lstStyle/>
+          <a:p>
+            <a:pPr marL="0" indent="0">
+              <a:buNone/>
+            </a:pPr>
+            <a:r>
+              <a:rPr lang="en-US" dirty="0"/>
+              <a:t>Pros</a:t>
+            </a:r>
+          </a:p>
+          <a:p>
+            <a:r>
+              <a:rPr lang="en-US" dirty="0"/>
+              <a:t>[Pro]</a:t>
+            </a:r>
+          </a:p>
+          <a:p>
+            <a:r>
+              <a:rPr lang="en-US" dirty="0"/>
+              <a:t>[Pro]</a:t>
+            </a:r>
+          </a:p>
+          <a:p>
+            <a:endParaRPr lang="en-US" dirty="0"/>
+          </a:p>
+          <a:p>
+            <a:pPr marL="0" indent="0">
+              <a:buNone/>
+            </a:pPr>
+            <a:r>
+              <a:rPr lang="en-US" dirty="0"/>
+              <a:t>Cons</a:t>
+            </a:r>
+          </a:p>
+          <a:p>
+            <a:r>
+              <a:rPr lang="en-US" dirty="0"/>
+              <a:t>[Con]</a:t>
+            </a:r>
+          </a:p>
+          <a:p>
+            <a:r>
+              <a:rPr lang="en-US" dirty="0"/>
+              <a:t>[Con]</a:t>
+            </a:r>
+          </a:p>
+        </p:txBody>
+      </p:sp>
+    </p:spTree>
+    <p:extLst>
+      <p:ext uri="{BB962C8B-B14F-4D97-AF65-F5344CB8AC3E}">
+        <p14:creationId xmlns:p14="http://schemas.microsoft.com/office/powerpoint/2010/main" val="2797289848"/>
+      </p:ext>
+    </p:extLst>
+  </p:cSld>
+  <p:clrMapOvr>
+    <a:masterClrMapping/>
+  </p:clrMapOvr>
+</p:sld>
+</file>
+
+<file path=ppt/slides/slide42.xml><?xml version="1.0" encoding="utf-8"?>
+<p:sld xmlns:a="http://schemas.openxmlformats.org/drawingml/2006/main" xmlns:r="http://schemas.openxmlformats.org/officeDocument/2006/relationships" xmlns:p="http://schemas.openxmlformats.org/presentationml/2006/main">
+  <p:cSld>
+    <p:spTree>
+      <p:nvGrpSpPr>
+        <p:cNvPr id="1" name=""/>
+        <p:cNvGrpSpPr/>
+        <p:nvPr/>
+      </p:nvGrpSpPr>
+      <p:grpSpPr>
+        <a:xfrm>
+          <a:off x="0" y="0"/>
+          <a:ext cx="0" cy="0"/>
+          <a:chOff x="0" y="0"/>
+          <a:chExt cx="0" cy="0"/>
+        </a:xfrm>
+      </p:grpSpPr>
+      <p:sp>
+        <p:nvSpPr>
+          <p:cNvPr id="2" name="Title 1">
+            <a:extLst>
+              <a:ext uri="{FF2B5EF4-FFF2-40B4-BE49-F238E27FC236}">
+                <a16:creationId xmlns:a16="http://schemas.microsoft.com/office/drawing/2014/main" xmlns="" id="{33182361-C770-430C-97A0-B9298FA3FE50}"/>
+              </a:ext>
+            </a:extLst>
+          </p:cNvPr>
+          <p:cNvSpPr>
+            <a:spLocks noGrp="1"/>
+          </p:cNvSpPr>
+          <p:nvPr>
+            <p:ph type="title"/>
+          </p:nvPr>
+        </p:nvSpPr>
+        <p:spPr/>
+        <p:txBody>
+          <a:bodyPr/>
+          <a:lstStyle/>
+          <a:p>
+            <a:r>
+              <a:rPr lang="en-US" dirty="0"/>
+              <a:t>[Chosen Technology]</a:t>
+            </a:r>
+          </a:p>
+        </p:txBody>
+      </p:sp>
+      <p:sp>
+        <p:nvSpPr>
+          <p:cNvPr id="3" name="Content Placeholder 2">
+            <a:extLst>
+              <a:ext uri="{FF2B5EF4-FFF2-40B4-BE49-F238E27FC236}">
+                <a16:creationId xmlns:a16="http://schemas.microsoft.com/office/drawing/2014/main" xmlns="" id="{6457FBD9-768E-4864-B576-83C1D02FB7F8}"/>
+              </a:ext>
+            </a:extLst>
+          </p:cNvPr>
+          <p:cNvSpPr>
+            <a:spLocks noGrp="1"/>
+          </p:cNvSpPr>
+          <p:nvPr>
+            <p:ph idx="1"/>
+          </p:nvPr>
+        </p:nvSpPr>
+        <p:spPr/>
+        <p:txBody>
+          <a:bodyPr/>
+          <a:lstStyle/>
+          <a:p>
+            <a:r>
+              <a:rPr lang="en-US" dirty="0"/>
+              <a:t>[Reason]</a:t>
+            </a:r>
+          </a:p>
+          <a:p>
+            <a:r>
+              <a:rPr lang="en-US" dirty="0"/>
+              <a:t>[Reason]</a:t>
+            </a:r>
+          </a:p>
+        </p:txBody>
+      </p:sp>
+    </p:spTree>
+    <p:extLst>
+      <p:ext uri="{BB962C8B-B14F-4D97-AF65-F5344CB8AC3E}">
+        <p14:creationId xmlns:p14="http://schemas.microsoft.com/office/powerpoint/2010/main" val="3688776126"/>
+      </p:ext>
+    </p:extLst>
+  </p:cSld>
+  <p:clrMapOvr>
+    <a:masterClrMapping/>
+  </p:clrMapOvr>
+</p:sld>
+</file>
+
+<file path=ppt/slides/slide43.xml><?xml version="1.0" encoding="utf-8"?>
+<p:sld xmlns:a="http://schemas.openxmlformats.org/drawingml/2006/main" xmlns:r="http://schemas.openxmlformats.org/officeDocument/2006/relationships" xmlns:p="http://schemas.openxmlformats.org/presentationml/2006/main">
+  <p:cSld>
+    <p:spTree>
+      <p:nvGrpSpPr>
+        <p:cNvPr id="1" name=""/>
+        <p:cNvGrpSpPr/>
+        <p:nvPr/>
+      </p:nvGrpSpPr>
+      <p:grpSpPr>
+        <a:xfrm>
+          <a:off x="0" y="0"/>
+          <a:ext cx="0" cy="0"/>
+          <a:chOff x="0" y="0"/>
+          <a:chExt cx="0" cy="0"/>
+        </a:xfrm>
+      </p:grpSpPr>
+      <p:sp>
+        <p:nvSpPr>
+          <p:cNvPr id="2" name="Title 1">
+            <a:extLst>
+              <a:ext uri="{FF2B5EF4-FFF2-40B4-BE49-F238E27FC236}">
+                <a16:creationId xmlns:a16="http://schemas.microsoft.com/office/drawing/2014/main" xmlns="" id="{ABFE9964-2DD0-4B8C-9324-5C9218DC5DF7}"/>
+              </a:ext>
+            </a:extLst>
+          </p:cNvPr>
+          <p:cNvSpPr>
+            <a:spLocks noGrp="1"/>
+          </p:cNvSpPr>
+          <p:nvPr>
+            <p:ph type="title"/>
+          </p:nvPr>
+        </p:nvSpPr>
+        <p:spPr/>
+        <p:txBody>
+          <a:bodyPr/>
+          <a:lstStyle/>
+          <a:p>
+            <a:r>
+              <a:rPr lang="en-US" sz="4800" dirty="0"/>
+              <a:t>As Gina the historian, I want some historical information about the landmark.</a:t>
+            </a:r>
+            <a:endParaRPr lang="en-US" sz="4800" dirty="0"/>
+          </a:p>
+        </p:txBody>
+      </p:sp>
+      <p:sp>
+        <p:nvSpPr>
+          <p:cNvPr id="3" name="Content Placeholder 2">
+            <a:extLst>
+              <a:ext uri="{FF2B5EF4-FFF2-40B4-BE49-F238E27FC236}">
+                <a16:creationId xmlns:a16="http://schemas.microsoft.com/office/drawing/2014/main" xmlns="" id="{361D3B48-B632-4E60-8736-F1558045DB59}"/>
+              </a:ext>
+            </a:extLst>
+          </p:cNvPr>
+          <p:cNvSpPr>
+            <a:spLocks noGrp="1"/>
+          </p:cNvSpPr>
+          <p:nvPr>
+            <p:ph idx="1"/>
+          </p:nvPr>
+        </p:nvSpPr>
+        <p:spPr/>
+        <p:txBody>
+          <a:bodyPr/>
+          <a:lstStyle/>
+          <a:p>
+            <a:endParaRPr lang="en-US" dirty="0"/>
+          </a:p>
+        </p:txBody>
+      </p:sp>
+    </p:spTree>
+    <p:extLst>
+      <p:ext uri="{BB962C8B-B14F-4D97-AF65-F5344CB8AC3E}">
+        <p14:creationId xmlns:p14="http://schemas.microsoft.com/office/powerpoint/2010/main" val="3607745468"/>
+      </p:ext>
+    </p:extLst>
+  </p:cSld>
+  <p:clrMapOvr>
+    <a:masterClrMapping/>
+  </p:clrMapOvr>
+</p:sld>
+</file>
+
+<file path=ppt/slides/slide44.xml><?xml version="1.0" encoding="utf-8"?>
+<p:sld xmlns:a="http://schemas.openxmlformats.org/drawingml/2006/main" xmlns:r="http://schemas.openxmlformats.org/officeDocument/2006/relationships" xmlns:p="http://schemas.openxmlformats.org/presentationml/2006/main">
+  <p:cSld>
+    <p:spTree>
+      <p:nvGrpSpPr>
+        <p:cNvPr id="1" name=""/>
+        <p:cNvGrpSpPr/>
+        <p:nvPr/>
+      </p:nvGrpSpPr>
+      <p:grpSpPr>
+        <a:xfrm>
+          <a:off x="0" y="0"/>
+          <a:ext cx="0" cy="0"/>
+          <a:chOff x="0" y="0"/>
+          <a:chExt cx="0" cy="0"/>
+        </a:xfrm>
+      </p:grpSpPr>
+      <p:sp>
+        <p:nvSpPr>
+          <p:cNvPr id="2" name="Title 1">
+            <a:extLst>
+              <a:ext uri="{FF2B5EF4-FFF2-40B4-BE49-F238E27FC236}">
+                <a16:creationId xmlns:a16="http://schemas.microsoft.com/office/drawing/2014/main" xmlns="" id="{E66C612F-2F3A-4260-BDBF-80671B0DF2ED}"/>
+              </a:ext>
+            </a:extLst>
+          </p:cNvPr>
+          <p:cNvSpPr>
+            <a:spLocks noGrp="1"/>
+          </p:cNvSpPr>
+          <p:nvPr>
+            <p:ph type="title"/>
+          </p:nvPr>
+        </p:nvSpPr>
+        <p:spPr/>
+        <p:txBody>
+          <a:bodyPr/>
+          <a:lstStyle/>
+          <a:p>
+            <a:r>
+              <a:rPr lang="en-US" dirty="0"/>
+              <a:t>[Feature]</a:t>
+            </a:r>
+          </a:p>
+        </p:txBody>
+      </p:sp>
+      <p:sp>
+        <p:nvSpPr>
+          <p:cNvPr id="3" name="Content Placeholder 2">
+            <a:extLst>
+              <a:ext uri="{FF2B5EF4-FFF2-40B4-BE49-F238E27FC236}">
+                <a16:creationId xmlns:a16="http://schemas.microsoft.com/office/drawing/2014/main" xmlns="" id="{6C61B333-EC15-417A-92E3-D6641D0F3741}"/>
+              </a:ext>
+            </a:extLst>
+          </p:cNvPr>
+          <p:cNvSpPr>
+            <a:spLocks noGrp="1"/>
+          </p:cNvSpPr>
+          <p:nvPr>
+            <p:ph idx="1"/>
+          </p:nvPr>
+        </p:nvSpPr>
+        <p:spPr/>
+        <p:txBody>
+          <a:bodyPr/>
+          <a:lstStyle/>
+          <a:p>
+            <a:endParaRPr lang="en-US"/>
+          </a:p>
+        </p:txBody>
+      </p:sp>
+    </p:spTree>
+    <p:extLst>
+      <p:ext uri="{BB962C8B-B14F-4D97-AF65-F5344CB8AC3E}">
+        <p14:creationId xmlns:p14="http://schemas.microsoft.com/office/powerpoint/2010/main" val="4091944108"/>
+      </p:ext>
+    </p:extLst>
+  </p:cSld>
+  <p:clrMapOvr>
+    <a:masterClrMapping/>
+  </p:clrMapOvr>
+</p:sld>
+</file>
+
+<file path=ppt/slides/slide45.xml><?xml version="1.0" encoding="utf-8"?>
+<p:sld xmlns:a="http://schemas.openxmlformats.org/drawingml/2006/main" xmlns:r="http://schemas.openxmlformats.org/officeDocument/2006/relationships" xmlns:p="http://schemas.openxmlformats.org/presentationml/2006/main">
+  <p:cSld>
+    <p:spTree>
+      <p:nvGrpSpPr>
+        <p:cNvPr id="1" name=""/>
+        <p:cNvGrpSpPr/>
+        <p:nvPr/>
+      </p:nvGrpSpPr>
+      <p:grpSpPr>
+        <a:xfrm>
+          <a:off x="0" y="0"/>
+          <a:ext cx="0" cy="0"/>
+          <a:chOff x="0" y="0"/>
+          <a:chExt cx="0" cy="0"/>
+        </a:xfrm>
+      </p:grpSpPr>
+      <p:sp>
+        <p:nvSpPr>
+          <p:cNvPr id="2" name="Title 1">
+            <a:extLst>
+              <a:ext uri="{FF2B5EF4-FFF2-40B4-BE49-F238E27FC236}">
+                <a16:creationId xmlns:a16="http://schemas.microsoft.com/office/drawing/2014/main" xmlns="" id="{BA35D0AB-9A37-479C-9406-C70EC5D04068}"/>
+              </a:ext>
+            </a:extLst>
+          </p:cNvPr>
+          <p:cNvSpPr>
+            <a:spLocks noGrp="1"/>
+          </p:cNvSpPr>
+          <p:nvPr>
+            <p:ph type="title"/>
+          </p:nvPr>
+        </p:nvSpPr>
+        <p:spPr/>
+        <p:txBody>
+          <a:bodyPr/>
+          <a:lstStyle/>
+          <a:p>
+            <a:r>
+              <a:rPr lang="en-US" dirty="0"/>
+              <a:t>[Possible Technology]</a:t>
+            </a:r>
+          </a:p>
+        </p:txBody>
+      </p:sp>
+      <p:sp>
+        <p:nvSpPr>
+          <p:cNvPr id="3" name="Content Placeholder 2">
+            <a:extLst>
+              <a:ext uri="{FF2B5EF4-FFF2-40B4-BE49-F238E27FC236}">
+                <a16:creationId xmlns:a16="http://schemas.microsoft.com/office/drawing/2014/main" xmlns="" id="{C53C1AAE-D52E-4865-94E5-9A746F2B6603}"/>
+              </a:ext>
+            </a:extLst>
+          </p:cNvPr>
+          <p:cNvSpPr>
+            <a:spLocks noGrp="1"/>
+          </p:cNvSpPr>
+          <p:nvPr>
+            <p:ph idx="1"/>
+          </p:nvPr>
+        </p:nvSpPr>
+        <p:spPr/>
+        <p:txBody>
+          <a:bodyPr/>
+          <a:lstStyle/>
+          <a:p>
+            <a:pPr marL="0" indent="0">
+              <a:buNone/>
+            </a:pPr>
+            <a:r>
+              <a:rPr lang="en-US" dirty="0"/>
+              <a:t>Pros</a:t>
+            </a:r>
+          </a:p>
+          <a:p>
+            <a:r>
+              <a:rPr lang="en-US" dirty="0"/>
+              <a:t>[Pro]</a:t>
+            </a:r>
+          </a:p>
+          <a:p>
+            <a:r>
+              <a:rPr lang="en-US" dirty="0"/>
+              <a:t>[Pro]</a:t>
+            </a:r>
+          </a:p>
+          <a:p>
+            <a:endParaRPr lang="en-US" dirty="0"/>
+          </a:p>
+          <a:p>
+            <a:pPr marL="0" indent="0">
+              <a:buNone/>
+            </a:pPr>
+            <a:r>
+              <a:rPr lang="en-US" dirty="0"/>
+              <a:t>Cons</a:t>
+            </a:r>
+          </a:p>
+          <a:p>
+            <a:r>
+              <a:rPr lang="en-US" dirty="0"/>
+              <a:t>[Con]</a:t>
+            </a:r>
+          </a:p>
+          <a:p>
+            <a:r>
+              <a:rPr lang="en-US" dirty="0"/>
+              <a:t>[Con]</a:t>
+            </a:r>
+          </a:p>
+        </p:txBody>
+      </p:sp>
+    </p:spTree>
+    <p:extLst>
+      <p:ext uri="{BB962C8B-B14F-4D97-AF65-F5344CB8AC3E}">
+        <p14:creationId xmlns:p14="http://schemas.microsoft.com/office/powerpoint/2010/main" val="2797289848"/>
+      </p:ext>
+    </p:extLst>
+  </p:cSld>
+  <p:clrMapOvr>
+    <a:masterClrMapping/>
+  </p:clrMapOvr>
+</p:sld>
+</file>
+
+<file path=ppt/slides/slide46.xml><?xml version="1.0" encoding="utf-8"?>
+<p:sld xmlns:a="http://schemas.openxmlformats.org/drawingml/2006/main" xmlns:r="http://schemas.openxmlformats.org/officeDocument/2006/relationships" xmlns:p="http://schemas.openxmlformats.org/presentationml/2006/main">
+  <p:cSld>
+    <p:spTree>
+      <p:nvGrpSpPr>
+        <p:cNvPr id="1" name=""/>
+        <p:cNvGrpSpPr/>
+        <p:nvPr/>
+      </p:nvGrpSpPr>
+      <p:grpSpPr>
+        <a:xfrm>
+          <a:off x="0" y="0"/>
+          <a:ext cx="0" cy="0"/>
+          <a:chOff x="0" y="0"/>
+          <a:chExt cx="0" cy="0"/>
+        </a:xfrm>
+      </p:grpSpPr>
+      <p:sp>
+        <p:nvSpPr>
+          <p:cNvPr id="2" name="Title 1">
+            <a:extLst>
+              <a:ext uri="{FF2B5EF4-FFF2-40B4-BE49-F238E27FC236}">
+                <a16:creationId xmlns:a16="http://schemas.microsoft.com/office/drawing/2014/main" xmlns="" id="{33182361-C770-430C-97A0-B9298FA3FE50}"/>
+              </a:ext>
+            </a:extLst>
+          </p:cNvPr>
+          <p:cNvSpPr>
+            <a:spLocks noGrp="1"/>
+          </p:cNvSpPr>
+          <p:nvPr>
+            <p:ph type="title"/>
+          </p:nvPr>
+        </p:nvSpPr>
+        <p:spPr/>
+        <p:txBody>
+          <a:bodyPr/>
+          <a:lstStyle/>
+          <a:p>
+            <a:r>
+              <a:rPr lang="en-US" dirty="0"/>
+              <a:t>[Chosen Technology]</a:t>
+            </a:r>
+          </a:p>
+        </p:txBody>
+      </p:sp>
+      <p:sp>
+        <p:nvSpPr>
+          <p:cNvPr id="3" name="Content Placeholder 2">
+            <a:extLst>
+              <a:ext uri="{FF2B5EF4-FFF2-40B4-BE49-F238E27FC236}">
+                <a16:creationId xmlns:a16="http://schemas.microsoft.com/office/drawing/2014/main" xmlns="" id="{6457FBD9-768E-4864-B576-83C1D02FB7F8}"/>
+              </a:ext>
+            </a:extLst>
+          </p:cNvPr>
+          <p:cNvSpPr>
+            <a:spLocks noGrp="1"/>
+          </p:cNvSpPr>
+          <p:nvPr>
+            <p:ph idx="1"/>
+          </p:nvPr>
+        </p:nvSpPr>
+        <p:spPr/>
+        <p:txBody>
+          <a:bodyPr/>
+          <a:lstStyle/>
+          <a:p>
+            <a:r>
+              <a:rPr lang="en-US" dirty="0"/>
+              <a:t>[Reason]</a:t>
+            </a:r>
+          </a:p>
+          <a:p>
+            <a:r>
+              <a:rPr lang="en-US" dirty="0"/>
+              <a:t>[Reason]</a:t>
+            </a:r>
+          </a:p>
+        </p:txBody>
+      </p:sp>
+    </p:spTree>
+    <p:extLst>
+      <p:ext uri="{BB962C8B-B14F-4D97-AF65-F5344CB8AC3E}">
+        <p14:creationId xmlns:p14="http://schemas.microsoft.com/office/powerpoint/2010/main" val="3688776126"/>
+      </p:ext>
+    </p:extLst>
+  </p:cSld>
+  <p:clrMapOvr>
+    <a:masterClrMapping/>
+  </p:clrMapOvr>
+</p:sld>
+</file>
+
+<file path=ppt/slides/slide47.xml><?xml version="1.0" encoding="utf-8"?>
+<p:sld xmlns:a="http://schemas.openxmlformats.org/drawingml/2006/main" xmlns:r="http://schemas.openxmlformats.org/officeDocument/2006/relationships" xmlns:p="http://schemas.openxmlformats.org/presentationml/2006/main">
+  <p:cSld>
+    <p:spTree>
+      <p:nvGrpSpPr>
+        <p:cNvPr id="1" name=""/>
+        <p:cNvGrpSpPr/>
+        <p:nvPr/>
+      </p:nvGrpSpPr>
+      <p:grpSpPr>
+        <a:xfrm>
+          <a:off x="0" y="0"/>
+          <a:ext cx="0" cy="0"/>
+          <a:chOff x="0" y="0"/>
+          <a:chExt cx="0" cy="0"/>
+        </a:xfrm>
+      </p:grpSpPr>
+      <p:sp>
+        <p:nvSpPr>
+          <p:cNvPr id="2" name="Title 1">
+            <a:extLst>
+              <a:ext uri="{FF2B5EF4-FFF2-40B4-BE49-F238E27FC236}">
+                <a16:creationId xmlns:a16="http://schemas.microsoft.com/office/drawing/2014/main" xmlns="" id="{ABFE9964-2DD0-4B8C-9324-5C9218DC5DF7}"/>
+              </a:ext>
+            </a:extLst>
+          </p:cNvPr>
+          <p:cNvSpPr>
+            <a:spLocks noGrp="1"/>
+          </p:cNvSpPr>
+          <p:nvPr>
+            <p:ph type="title"/>
+          </p:nvPr>
+        </p:nvSpPr>
+        <p:spPr/>
+        <p:txBody>
+          <a:bodyPr/>
+          <a:lstStyle/>
+          <a:p>
+            <a:r>
+              <a:rPr lang="en-US" sz="4800" dirty="0"/>
+              <a:t>As Nancy the frequent user, I want to have a list of all the landmarks </a:t>
+            </a:r>
+            <a:r>
+              <a:rPr lang="en-US" sz="4800" dirty="0" err="1"/>
+              <a:t>i’ve</a:t>
+            </a:r>
+            <a:r>
+              <a:rPr lang="en-US" sz="4800" dirty="0"/>
+              <a:t> visited.</a:t>
+            </a:r>
+            <a:endParaRPr lang="en-US" sz="4800" dirty="0"/>
+          </a:p>
+        </p:txBody>
+      </p:sp>
+      <p:sp>
+        <p:nvSpPr>
+          <p:cNvPr id="3" name="Content Placeholder 2">
+            <a:extLst>
+              <a:ext uri="{FF2B5EF4-FFF2-40B4-BE49-F238E27FC236}">
+                <a16:creationId xmlns:a16="http://schemas.microsoft.com/office/drawing/2014/main" xmlns="" id="{361D3B48-B632-4E60-8736-F1558045DB59}"/>
+              </a:ext>
+            </a:extLst>
+          </p:cNvPr>
+          <p:cNvSpPr>
+            <a:spLocks noGrp="1"/>
+          </p:cNvSpPr>
+          <p:nvPr>
+            <p:ph idx="1"/>
+          </p:nvPr>
+        </p:nvSpPr>
+        <p:spPr/>
+        <p:txBody>
+          <a:bodyPr/>
+          <a:lstStyle/>
+          <a:p>
+            <a:endParaRPr lang="en-US" dirty="0"/>
+          </a:p>
+        </p:txBody>
+      </p:sp>
+    </p:spTree>
+    <p:extLst>
+      <p:ext uri="{BB962C8B-B14F-4D97-AF65-F5344CB8AC3E}">
+        <p14:creationId xmlns:p14="http://schemas.microsoft.com/office/powerpoint/2010/main" val="3607745468"/>
+      </p:ext>
+    </p:extLst>
+  </p:cSld>
+  <p:clrMapOvr>
+    <a:masterClrMapping/>
+  </p:clrMapOvr>
+</p:sld>
+</file>
+
+<file path=ppt/slides/slide48.xml><?xml version="1.0" encoding="utf-8"?>
+<p:sld xmlns:a="http://schemas.openxmlformats.org/drawingml/2006/main" xmlns:r="http://schemas.openxmlformats.org/officeDocument/2006/relationships" xmlns:p="http://schemas.openxmlformats.org/presentationml/2006/main">
+  <p:cSld>
+    <p:spTree>
+      <p:nvGrpSpPr>
+        <p:cNvPr id="1" name=""/>
+        <p:cNvGrpSpPr/>
+        <p:nvPr/>
+      </p:nvGrpSpPr>
+      <p:grpSpPr>
+        <a:xfrm>
+          <a:off x="0" y="0"/>
+          <a:ext cx="0" cy="0"/>
+          <a:chOff x="0" y="0"/>
+          <a:chExt cx="0" cy="0"/>
+        </a:xfrm>
+      </p:grpSpPr>
+      <p:sp>
+        <p:nvSpPr>
+          <p:cNvPr id="2" name="Title 1">
+            <a:extLst>
+              <a:ext uri="{FF2B5EF4-FFF2-40B4-BE49-F238E27FC236}">
+                <a16:creationId xmlns:a16="http://schemas.microsoft.com/office/drawing/2014/main" xmlns="" id="{E66C612F-2F3A-4260-BDBF-80671B0DF2ED}"/>
+              </a:ext>
+            </a:extLst>
+          </p:cNvPr>
+          <p:cNvSpPr>
+            <a:spLocks noGrp="1"/>
+          </p:cNvSpPr>
+          <p:nvPr>
+            <p:ph type="title"/>
+          </p:nvPr>
+        </p:nvSpPr>
+        <p:spPr/>
+        <p:txBody>
+          <a:bodyPr/>
+          <a:lstStyle/>
+          <a:p>
+            <a:r>
+              <a:rPr lang="en-US" dirty="0"/>
+              <a:t>[Feature]</a:t>
+            </a:r>
+          </a:p>
+        </p:txBody>
+      </p:sp>
+      <p:sp>
+        <p:nvSpPr>
+          <p:cNvPr id="3" name="Content Placeholder 2">
+            <a:extLst>
+              <a:ext uri="{FF2B5EF4-FFF2-40B4-BE49-F238E27FC236}">
+                <a16:creationId xmlns:a16="http://schemas.microsoft.com/office/drawing/2014/main" xmlns="" id="{6C61B333-EC15-417A-92E3-D6641D0F3741}"/>
+              </a:ext>
+            </a:extLst>
+          </p:cNvPr>
+          <p:cNvSpPr>
+            <a:spLocks noGrp="1"/>
+          </p:cNvSpPr>
+          <p:nvPr>
+            <p:ph idx="1"/>
+          </p:nvPr>
+        </p:nvSpPr>
+        <p:spPr/>
+        <p:txBody>
+          <a:bodyPr/>
+          <a:lstStyle/>
+          <a:p>
+            <a:endParaRPr lang="en-US"/>
+          </a:p>
+        </p:txBody>
+      </p:sp>
+    </p:spTree>
+    <p:extLst>
+      <p:ext uri="{BB962C8B-B14F-4D97-AF65-F5344CB8AC3E}">
+        <p14:creationId xmlns:p14="http://schemas.microsoft.com/office/powerpoint/2010/main" val="4091944108"/>
+      </p:ext>
+    </p:extLst>
+  </p:cSld>
+  <p:clrMapOvr>
+    <a:masterClrMapping/>
+  </p:clrMapOvr>
+</p:sld>
+</file>
+
+<file path=ppt/slides/slide49.xml><?xml version="1.0" encoding="utf-8"?>
+<p:sld xmlns:a="http://schemas.openxmlformats.org/drawingml/2006/main" xmlns:r="http://schemas.openxmlformats.org/officeDocument/2006/relationships" xmlns:p="http://schemas.openxmlformats.org/presentationml/2006/main">
+  <p:cSld>
+    <p:spTree>
+      <p:nvGrpSpPr>
+        <p:cNvPr id="1" name=""/>
+        <p:cNvGrpSpPr/>
+        <p:nvPr/>
+      </p:nvGrpSpPr>
+      <p:grpSpPr>
+        <a:xfrm>
+          <a:off x="0" y="0"/>
+          <a:ext cx="0" cy="0"/>
+          <a:chOff x="0" y="0"/>
+          <a:chExt cx="0" cy="0"/>
+        </a:xfrm>
+      </p:grpSpPr>
+      <p:sp>
+        <p:nvSpPr>
+          <p:cNvPr id="2" name="Title 1">
+            <a:extLst>
+              <a:ext uri="{FF2B5EF4-FFF2-40B4-BE49-F238E27FC236}">
+                <a16:creationId xmlns:a16="http://schemas.microsoft.com/office/drawing/2014/main" xmlns="" id="{BA35D0AB-9A37-479C-9406-C70EC5D04068}"/>
+              </a:ext>
+            </a:extLst>
+          </p:cNvPr>
+          <p:cNvSpPr>
+            <a:spLocks noGrp="1"/>
+          </p:cNvSpPr>
+          <p:nvPr>
+            <p:ph type="title"/>
+          </p:nvPr>
+        </p:nvSpPr>
+        <p:spPr/>
+        <p:txBody>
+          <a:bodyPr/>
+          <a:lstStyle/>
+          <a:p>
+            <a:r>
+              <a:rPr lang="en-US" dirty="0"/>
+              <a:t>[Possible Technology]</a:t>
+            </a:r>
+          </a:p>
+        </p:txBody>
+      </p:sp>
+      <p:sp>
+        <p:nvSpPr>
+          <p:cNvPr id="3" name="Content Placeholder 2">
+            <a:extLst>
+              <a:ext uri="{FF2B5EF4-FFF2-40B4-BE49-F238E27FC236}">
+                <a16:creationId xmlns:a16="http://schemas.microsoft.com/office/drawing/2014/main" xmlns="" id="{C53C1AAE-D52E-4865-94E5-9A746F2B6603}"/>
+              </a:ext>
+            </a:extLst>
+          </p:cNvPr>
+          <p:cNvSpPr>
+            <a:spLocks noGrp="1"/>
+          </p:cNvSpPr>
+          <p:nvPr>
+            <p:ph idx="1"/>
+          </p:nvPr>
+        </p:nvSpPr>
+        <p:spPr/>
+        <p:txBody>
+          <a:bodyPr/>
+          <a:lstStyle/>
+          <a:p>
+            <a:pPr marL="0" indent="0">
+              <a:buNone/>
+            </a:pPr>
+            <a:r>
+              <a:rPr lang="en-US" dirty="0"/>
+              <a:t>Pros</a:t>
+            </a:r>
+          </a:p>
+          <a:p>
+            <a:r>
+              <a:rPr lang="en-US" dirty="0"/>
+              <a:t>[Pro]</a:t>
+            </a:r>
+          </a:p>
+          <a:p>
+            <a:r>
+              <a:rPr lang="en-US" dirty="0"/>
+              <a:t>[Pro]</a:t>
+            </a:r>
+          </a:p>
+          <a:p>
+            <a:endParaRPr lang="en-US" dirty="0"/>
+          </a:p>
+          <a:p>
+            <a:pPr marL="0" indent="0">
+              <a:buNone/>
+            </a:pPr>
+            <a:r>
+              <a:rPr lang="en-US" dirty="0"/>
+              <a:t>Cons</a:t>
+            </a:r>
+          </a:p>
+          <a:p>
+            <a:r>
+              <a:rPr lang="en-US" dirty="0"/>
+              <a:t>[Con]</a:t>
+            </a:r>
+          </a:p>
+          <a:p>
+            <a:r>
+              <a:rPr lang="en-US" dirty="0"/>
+              <a:t>[Con]</a:t>
+            </a:r>
+          </a:p>
+        </p:txBody>
+      </p:sp>
+    </p:spTree>
+    <p:extLst>
+      <p:ext uri="{BB962C8B-B14F-4D97-AF65-F5344CB8AC3E}">
+        <p14:creationId xmlns:p14="http://schemas.microsoft.com/office/powerpoint/2010/main" val="2797289848"/>
       </p:ext>
     </p:extLst>
   </p:cSld>
@@ -6431,7 +10464,7 @@
           <p:cNvPr id="2" name="Title 1">
             <a:extLst>
               <a:ext uri="{FF2B5EF4-FFF2-40B4-BE49-F238E27FC236}">
-                <a16:creationId xmlns:a16="http://schemas.microsoft.com/office/drawing/2014/main" id="{BA35D0AB-9A37-479C-9406-C70EC5D04068}"/>
+                <a16:creationId xmlns:a16="http://schemas.microsoft.com/office/drawing/2014/main" xmlns="" id="{BA35D0AB-9A37-479C-9406-C70EC5D04068}"/>
               </a:ext>
             </a:extLst>
           </p:cNvPr>
@@ -6459,7 +10492,7 @@
           <p:cNvPr id="3" name="Content Placeholder 2">
             <a:extLst>
               <a:ext uri="{FF2B5EF4-FFF2-40B4-BE49-F238E27FC236}">
-                <a16:creationId xmlns:a16="http://schemas.microsoft.com/office/drawing/2014/main" id="{C53C1AAE-D52E-4865-94E5-9A746F2B6603}"/>
+                <a16:creationId xmlns:a16="http://schemas.microsoft.com/office/drawing/2014/main" xmlns="" id="{C53C1AAE-D52E-4865-94E5-9A746F2B6603}"/>
               </a:ext>
             </a:extLst>
           </p:cNvPr>
@@ -6525,6 +10558,891 @@
     <p:extLst>
       <p:ext uri="{BB962C8B-B14F-4D97-AF65-F5344CB8AC3E}">
         <p14:creationId xmlns:p14="http://schemas.microsoft.com/office/powerpoint/2010/main" val="1956119296"/>
+      </p:ext>
+    </p:extLst>
+  </p:cSld>
+  <p:clrMapOvr>
+    <a:masterClrMapping/>
+  </p:clrMapOvr>
+  <p:timing>
+    <p:tnLst>
+      <p:par>
+        <p:cTn id="1" dur="indefinite" restart="never" nodeType="tmRoot"/>
+      </p:par>
+    </p:tnLst>
+  </p:timing>
+</p:sld>
+</file>
+
+<file path=ppt/slides/slide50.xml><?xml version="1.0" encoding="utf-8"?>
+<p:sld xmlns:a="http://schemas.openxmlformats.org/drawingml/2006/main" xmlns:r="http://schemas.openxmlformats.org/officeDocument/2006/relationships" xmlns:p="http://schemas.openxmlformats.org/presentationml/2006/main">
+  <p:cSld>
+    <p:spTree>
+      <p:nvGrpSpPr>
+        <p:cNvPr id="1" name=""/>
+        <p:cNvGrpSpPr/>
+        <p:nvPr/>
+      </p:nvGrpSpPr>
+      <p:grpSpPr>
+        <a:xfrm>
+          <a:off x="0" y="0"/>
+          <a:ext cx="0" cy="0"/>
+          <a:chOff x="0" y="0"/>
+          <a:chExt cx="0" cy="0"/>
+        </a:xfrm>
+      </p:grpSpPr>
+      <p:sp>
+        <p:nvSpPr>
+          <p:cNvPr id="2" name="Title 1">
+            <a:extLst>
+              <a:ext uri="{FF2B5EF4-FFF2-40B4-BE49-F238E27FC236}">
+                <a16:creationId xmlns:a16="http://schemas.microsoft.com/office/drawing/2014/main" xmlns="" id="{33182361-C770-430C-97A0-B9298FA3FE50}"/>
+              </a:ext>
+            </a:extLst>
+          </p:cNvPr>
+          <p:cNvSpPr>
+            <a:spLocks noGrp="1"/>
+          </p:cNvSpPr>
+          <p:nvPr>
+            <p:ph type="title"/>
+          </p:nvPr>
+        </p:nvSpPr>
+        <p:spPr/>
+        <p:txBody>
+          <a:bodyPr/>
+          <a:lstStyle/>
+          <a:p>
+            <a:r>
+              <a:rPr lang="en-US" dirty="0"/>
+              <a:t>[Chosen Technology]</a:t>
+            </a:r>
+          </a:p>
+        </p:txBody>
+      </p:sp>
+      <p:sp>
+        <p:nvSpPr>
+          <p:cNvPr id="3" name="Content Placeholder 2">
+            <a:extLst>
+              <a:ext uri="{FF2B5EF4-FFF2-40B4-BE49-F238E27FC236}">
+                <a16:creationId xmlns:a16="http://schemas.microsoft.com/office/drawing/2014/main" xmlns="" id="{6457FBD9-768E-4864-B576-83C1D02FB7F8}"/>
+              </a:ext>
+            </a:extLst>
+          </p:cNvPr>
+          <p:cNvSpPr>
+            <a:spLocks noGrp="1"/>
+          </p:cNvSpPr>
+          <p:nvPr>
+            <p:ph idx="1"/>
+          </p:nvPr>
+        </p:nvSpPr>
+        <p:spPr/>
+        <p:txBody>
+          <a:bodyPr/>
+          <a:lstStyle/>
+          <a:p>
+            <a:r>
+              <a:rPr lang="en-US" dirty="0"/>
+              <a:t>[Reason]</a:t>
+            </a:r>
+          </a:p>
+          <a:p>
+            <a:r>
+              <a:rPr lang="en-US" dirty="0"/>
+              <a:t>[Reason]</a:t>
+            </a:r>
+          </a:p>
+        </p:txBody>
+      </p:sp>
+    </p:spTree>
+    <p:extLst>
+      <p:ext uri="{BB962C8B-B14F-4D97-AF65-F5344CB8AC3E}">
+        <p14:creationId xmlns:p14="http://schemas.microsoft.com/office/powerpoint/2010/main" val="3688776126"/>
+      </p:ext>
+    </p:extLst>
+  </p:cSld>
+  <p:clrMapOvr>
+    <a:masterClrMapping/>
+  </p:clrMapOvr>
+</p:sld>
+</file>
+
+<file path=ppt/slides/slide51.xml><?xml version="1.0" encoding="utf-8"?>
+<p:sld xmlns:a="http://schemas.openxmlformats.org/drawingml/2006/main" xmlns:r="http://schemas.openxmlformats.org/officeDocument/2006/relationships" xmlns:p="http://schemas.openxmlformats.org/presentationml/2006/main">
+  <p:cSld>
+    <p:spTree>
+      <p:nvGrpSpPr>
+        <p:cNvPr id="1" name=""/>
+        <p:cNvGrpSpPr/>
+        <p:nvPr/>
+      </p:nvGrpSpPr>
+      <p:grpSpPr>
+        <a:xfrm>
+          <a:off x="0" y="0"/>
+          <a:ext cx="0" cy="0"/>
+          <a:chOff x="0" y="0"/>
+          <a:chExt cx="0" cy="0"/>
+        </a:xfrm>
+      </p:grpSpPr>
+      <p:sp>
+        <p:nvSpPr>
+          <p:cNvPr id="2" name="Title 1">
+            <a:extLst>
+              <a:ext uri="{FF2B5EF4-FFF2-40B4-BE49-F238E27FC236}">
+                <a16:creationId xmlns:a16="http://schemas.microsoft.com/office/drawing/2014/main" xmlns="" id="{ABFE9964-2DD0-4B8C-9324-5C9218DC5DF7}"/>
+              </a:ext>
+            </a:extLst>
+          </p:cNvPr>
+          <p:cNvSpPr>
+            <a:spLocks noGrp="1"/>
+          </p:cNvSpPr>
+          <p:nvPr>
+            <p:ph type="title"/>
+          </p:nvPr>
+        </p:nvSpPr>
+        <p:spPr>
+          <a:xfrm>
+            <a:off x="674246" y="452718"/>
+            <a:ext cx="9404723" cy="1400530"/>
+          </a:xfrm>
+        </p:spPr>
+        <p:txBody>
+          <a:bodyPr/>
+          <a:lstStyle/>
+          <a:p>
+            <a:r>
+              <a:rPr lang="en-US" sz="4800" dirty="0"/>
+              <a:t>As Jimmy the user, I want some visual representations to appear on the screen as </a:t>
+            </a:r>
+            <a:r>
+              <a:rPr lang="en-US" sz="4800" dirty="0" err="1"/>
+              <a:t>i</a:t>
+            </a:r>
+            <a:r>
+              <a:rPr lang="en-US" sz="4800" dirty="0"/>
+              <a:t> dial in to a landmark</a:t>
+            </a:r>
+            <a:endParaRPr lang="en-US" sz="4800" dirty="0"/>
+          </a:p>
+        </p:txBody>
+      </p:sp>
+      <p:sp>
+        <p:nvSpPr>
+          <p:cNvPr id="3" name="Content Placeholder 2">
+            <a:extLst>
+              <a:ext uri="{FF2B5EF4-FFF2-40B4-BE49-F238E27FC236}">
+                <a16:creationId xmlns:a16="http://schemas.microsoft.com/office/drawing/2014/main" xmlns="" id="{361D3B48-B632-4E60-8736-F1558045DB59}"/>
+              </a:ext>
+            </a:extLst>
+          </p:cNvPr>
+          <p:cNvSpPr>
+            <a:spLocks noGrp="1"/>
+          </p:cNvSpPr>
+          <p:nvPr>
+            <p:ph idx="1"/>
+          </p:nvPr>
+        </p:nvSpPr>
+        <p:spPr/>
+        <p:txBody>
+          <a:bodyPr/>
+          <a:lstStyle/>
+          <a:p>
+            <a:endParaRPr lang="en-US" dirty="0"/>
+          </a:p>
+        </p:txBody>
+      </p:sp>
+    </p:spTree>
+    <p:extLst>
+      <p:ext uri="{BB962C8B-B14F-4D97-AF65-F5344CB8AC3E}">
+        <p14:creationId xmlns:p14="http://schemas.microsoft.com/office/powerpoint/2010/main" val="3607745468"/>
+      </p:ext>
+    </p:extLst>
+  </p:cSld>
+  <p:clrMapOvr>
+    <a:masterClrMapping/>
+  </p:clrMapOvr>
+</p:sld>
+</file>
+
+<file path=ppt/slides/slide52.xml><?xml version="1.0" encoding="utf-8"?>
+<p:sld xmlns:a="http://schemas.openxmlformats.org/drawingml/2006/main" xmlns:r="http://schemas.openxmlformats.org/officeDocument/2006/relationships" xmlns:p="http://schemas.openxmlformats.org/presentationml/2006/main">
+  <p:cSld>
+    <p:spTree>
+      <p:nvGrpSpPr>
+        <p:cNvPr id="1" name=""/>
+        <p:cNvGrpSpPr/>
+        <p:nvPr/>
+      </p:nvGrpSpPr>
+      <p:grpSpPr>
+        <a:xfrm>
+          <a:off x="0" y="0"/>
+          <a:ext cx="0" cy="0"/>
+          <a:chOff x="0" y="0"/>
+          <a:chExt cx="0" cy="0"/>
+        </a:xfrm>
+      </p:grpSpPr>
+      <p:sp>
+        <p:nvSpPr>
+          <p:cNvPr id="2" name="Title 1">
+            <a:extLst>
+              <a:ext uri="{FF2B5EF4-FFF2-40B4-BE49-F238E27FC236}">
+                <a16:creationId xmlns:a16="http://schemas.microsoft.com/office/drawing/2014/main" xmlns="" id="{E66C612F-2F3A-4260-BDBF-80671B0DF2ED}"/>
+              </a:ext>
+            </a:extLst>
+          </p:cNvPr>
+          <p:cNvSpPr>
+            <a:spLocks noGrp="1"/>
+          </p:cNvSpPr>
+          <p:nvPr>
+            <p:ph type="title"/>
+          </p:nvPr>
+        </p:nvSpPr>
+        <p:spPr/>
+        <p:txBody>
+          <a:bodyPr/>
+          <a:lstStyle/>
+          <a:p>
+            <a:r>
+              <a:rPr lang="en-US" dirty="0"/>
+              <a:t>[Feature]</a:t>
+            </a:r>
+          </a:p>
+        </p:txBody>
+      </p:sp>
+      <p:sp>
+        <p:nvSpPr>
+          <p:cNvPr id="3" name="Content Placeholder 2">
+            <a:extLst>
+              <a:ext uri="{FF2B5EF4-FFF2-40B4-BE49-F238E27FC236}">
+                <a16:creationId xmlns:a16="http://schemas.microsoft.com/office/drawing/2014/main" xmlns="" id="{6C61B333-EC15-417A-92E3-D6641D0F3741}"/>
+              </a:ext>
+            </a:extLst>
+          </p:cNvPr>
+          <p:cNvSpPr>
+            <a:spLocks noGrp="1"/>
+          </p:cNvSpPr>
+          <p:nvPr>
+            <p:ph idx="1"/>
+          </p:nvPr>
+        </p:nvSpPr>
+        <p:spPr/>
+        <p:txBody>
+          <a:bodyPr/>
+          <a:lstStyle/>
+          <a:p>
+            <a:endParaRPr lang="en-US"/>
+          </a:p>
+        </p:txBody>
+      </p:sp>
+    </p:spTree>
+    <p:extLst>
+      <p:ext uri="{BB962C8B-B14F-4D97-AF65-F5344CB8AC3E}">
+        <p14:creationId xmlns:p14="http://schemas.microsoft.com/office/powerpoint/2010/main" val="4091944108"/>
+      </p:ext>
+    </p:extLst>
+  </p:cSld>
+  <p:clrMapOvr>
+    <a:masterClrMapping/>
+  </p:clrMapOvr>
+</p:sld>
+</file>
+
+<file path=ppt/slides/slide53.xml><?xml version="1.0" encoding="utf-8"?>
+<p:sld xmlns:a="http://schemas.openxmlformats.org/drawingml/2006/main" xmlns:r="http://schemas.openxmlformats.org/officeDocument/2006/relationships" xmlns:p="http://schemas.openxmlformats.org/presentationml/2006/main">
+  <p:cSld>
+    <p:spTree>
+      <p:nvGrpSpPr>
+        <p:cNvPr id="1" name=""/>
+        <p:cNvGrpSpPr/>
+        <p:nvPr/>
+      </p:nvGrpSpPr>
+      <p:grpSpPr>
+        <a:xfrm>
+          <a:off x="0" y="0"/>
+          <a:ext cx="0" cy="0"/>
+          <a:chOff x="0" y="0"/>
+          <a:chExt cx="0" cy="0"/>
+        </a:xfrm>
+      </p:grpSpPr>
+      <p:sp>
+        <p:nvSpPr>
+          <p:cNvPr id="2" name="Title 1">
+            <a:extLst>
+              <a:ext uri="{FF2B5EF4-FFF2-40B4-BE49-F238E27FC236}">
+                <a16:creationId xmlns:a16="http://schemas.microsoft.com/office/drawing/2014/main" xmlns="" id="{BA35D0AB-9A37-479C-9406-C70EC5D04068}"/>
+              </a:ext>
+            </a:extLst>
+          </p:cNvPr>
+          <p:cNvSpPr>
+            <a:spLocks noGrp="1"/>
+          </p:cNvSpPr>
+          <p:nvPr>
+            <p:ph type="title"/>
+          </p:nvPr>
+        </p:nvSpPr>
+        <p:spPr/>
+        <p:txBody>
+          <a:bodyPr/>
+          <a:lstStyle/>
+          <a:p>
+            <a:r>
+              <a:rPr lang="en-US" dirty="0"/>
+              <a:t>[Possible Technology]</a:t>
+            </a:r>
+          </a:p>
+        </p:txBody>
+      </p:sp>
+      <p:sp>
+        <p:nvSpPr>
+          <p:cNvPr id="3" name="Content Placeholder 2">
+            <a:extLst>
+              <a:ext uri="{FF2B5EF4-FFF2-40B4-BE49-F238E27FC236}">
+                <a16:creationId xmlns:a16="http://schemas.microsoft.com/office/drawing/2014/main" xmlns="" id="{C53C1AAE-D52E-4865-94E5-9A746F2B6603}"/>
+              </a:ext>
+            </a:extLst>
+          </p:cNvPr>
+          <p:cNvSpPr>
+            <a:spLocks noGrp="1"/>
+          </p:cNvSpPr>
+          <p:nvPr>
+            <p:ph idx="1"/>
+          </p:nvPr>
+        </p:nvSpPr>
+        <p:spPr/>
+        <p:txBody>
+          <a:bodyPr/>
+          <a:lstStyle/>
+          <a:p>
+            <a:pPr marL="0" indent="0">
+              <a:buNone/>
+            </a:pPr>
+            <a:r>
+              <a:rPr lang="en-US" dirty="0"/>
+              <a:t>Pros</a:t>
+            </a:r>
+          </a:p>
+          <a:p>
+            <a:r>
+              <a:rPr lang="en-US" dirty="0"/>
+              <a:t>[Pro]</a:t>
+            </a:r>
+          </a:p>
+          <a:p>
+            <a:r>
+              <a:rPr lang="en-US" dirty="0"/>
+              <a:t>[Pro]</a:t>
+            </a:r>
+          </a:p>
+          <a:p>
+            <a:endParaRPr lang="en-US" dirty="0"/>
+          </a:p>
+          <a:p>
+            <a:pPr marL="0" indent="0">
+              <a:buNone/>
+            </a:pPr>
+            <a:r>
+              <a:rPr lang="en-US" dirty="0"/>
+              <a:t>Cons</a:t>
+            </a:r>
+          </a:p>
+          <a:p>
+            <a:r>
+              <a:rPr lang="en-US" dirty="0"/>
+              <a:t>[Con]</a:t>
+            </a:r>
+          </a:p>
+          <a:p>
+            <a:r>
+              <a:rPr lang="en-US" dirty="0"/>
+              <a:t>[Con]</a:t>
+            </a:r>
+          </a:p>
+        </p:txBody>
+      </p:sp>
+    </p:spTree>
+    <p:extLst>
+      <p:ext uri="{BB962C8B-B14F-4D97-AF65-F5344CB8AC3E}">
+        <p14:creationId xmlns:p14="http://schemas.microsoft.com/office/powerpoint/2010/main" val="2797289848"/>
+      </p:ext>
+    </p:extLst>
+  </p:cSld>
+  <p:clrMapOvr>
+    <a:masterClrMapping/>
+  </p:clrMapOvr>
+</p:sld>
+</file>
+
+<file path=ppt/slides/slide54.xml><?xml version="1.0" encoding="utf-8"?>
+<p:sld xmlns:a="http://schemas.openxmlformats.org/drawingml/2006/main" xmlns:r="http://schemas.openxmlformats.org/officeDocument/2006/relationships" xmlns:p="http://schemas.openxmlformats.org/presentationml/2006/main">
+  <p:cSld>
+    <p:spTree>
+      <p:nvGrpSpPr>
+        <p:cNvPr id="1" name=""/>
+        <p:cNvGrpSpPr/>
+        <p:nvPr/>
+      </p:nvGrpSpPr>
+      <p:grpSpPr>
+        <a:xfrm>
+          <a:off x="0" y="0"/>
+          <a:ext cx="0" cy="0"/>
+          <a:chOff x="0" y="0"/>
+          <a:chExt cx="0" cy="0"/>
+        </a:xfrm>
+      </p:grpSpPr>
+      <p:sp>
+        <p:nvSpPr>
+          <p:cNvPr id="2" name="Title 1">
+            <a:extLst>
+              <a:ext uri="{FF2B5EF4-FFF2-40B4-BE49-F238E27FC236}">
+                <a16:creationId xmlns:a16="http://schemas.microsoft.com/office/drawing/2014/main" xmlns="" id="{33182361-C770-430C-97A0-B9298FA3FE50}"/>
+              </a:ext>
+            </a:extLst>
+          </p:cNvPr>
+          <p:cNvSpPr>
+            <a:spLocks noGrp="1"/>
+          </p:cNvSpPr>
+          <p:nvPr>
+            <p:ph type="title"/>
+          </p:nvPr>
+        </p:nvSpPr>
+        <p:spPr/>
+        <p:txBody>
+          <a:bodyPr/>
+          <a:lstStyle/>
+          <a:p>
+            <a:r>
+              <a:rPr lang="en-US" dirty="0"/>
+              <a:t>[Chosen Technology]</a:t>
+            </a:r>
+          </a:p>
+        </p:txBody>
+      </p:sp>
+      <p:sp>
+        <p:nvSpPr>
+          <p:cNvPr id="3" name="Content Placeholder 2">
+            <a:extLst>
+              <a:ext uri="{FF2B5EF4-FFF2-40B4-BE49-F238E27FC236}">
+                <a16:creationId xmlns:a16="http://schemas.microsoft.com/office/drawing/2014/main" xmlns="" id="{6457FBD9-768E-4864-B576-83C1D02FB7F8}"/>
+              </a:ext>
+            </a:extLst>
+          </p:cNvPr>
+          <p:cNvSpPr>
+            <a:spLocks noGrp="1"/>
+          </p:cNvSpPr>
+          <p:nvPr>
+            <p:ph idx="1"/>
+          </p:nvPr>
+        </p:nvSpPr>
+        <p:spPr/>
+        <p:txBody>
+          <a:bodyPr/>
+          <a:lstStyle/>
+          <a:p>
+            <a:r>
+              <a:rPr lang="en-US" dirty="0"/>
+              <a:t>[Reason]</a:t>
+            </a:r>
+          </a:p>
+          <a:p>
+            <a:r>
+              <a:rPr lang="en-US" dirty="0"/>
+              <a:t>[Reason]</a:t>
+            </a:r>
+          </a:p>
+        </p:txBody>
+      </p:sp>
+    </p:spTree>
+    <p:extLst>
+      <p:ext uri="{BB962C8B-B14F-4D97-AF65-F5344CB8AC3E}">
+        <p14:creationId xmlns:p14="http://schemas.microsoft.com/office/powerpoint/2010/main" val="3688776126"/>
+      </p:ext>
+    </p:extLst>
+  </p:cSld>
+  <p:clrMapOvr>
+    <a:masterClrMapping/>
+  </p:clrMapOvr>
+</p:sld>
+</file>
+
+<file path=ppt/slides/slide55.xml><?xml version="1.0" encoding="utf-8"?>
+<p:sld xmlns:a="http://schemas.openxmlformats.org/drawingml/2006/main" xmlns:r="http://schemas.openxmlformats.org/officeDocument/2006/relationships" xmlns:p="http://schemas.openxmlformats.org/presentationml/2006/main">
+  <p:cSld>
+    <p:spTree>
+      <p:nvGrpSpPr>
+        <p:cNvPr id="1" name=""/>
+        <p:cNvGrpSpPr/>
+        <p:nvPr/>
+      </p:nvGrpSpPr>
+      <p:grpSpPr>
+        <a:xfrm>
+          <a:off x="0" y="0"/>
+          <a:ext cx="0" cy="0"/>
+          <a:chOff x="0" y="0"/>
+          <a:chExt cx="0" cy="0"/>
+        </a:xfrm>
+      </p:grpSpPr>
+      <p:sp>
+        <p:nvSpPr>
+          <p:cNvPr id="2" name="Title 1">
+            <a:extLst>
+              <a:ext uri="{FF2B5EF4-FFF2-40B4-BE49-F238E27FC236}">
+                <a16:creationId xmlns:a16="http://schemas.microsoft.com/office/drawing/2014/main" xmlns="" id="{ABFE9964-2DD0-4B8C-9324-5C9218DC5DF7}"/>
+              </a:ext>
+            </a:extLst>
+          </p:cNvPr>
+          <p:cNvSpPr>
+            <a:spLocks noGrp="1"/>
+          </p:cNvSpPr>
+          <p:nvPr>
+            <p:ph type="title"/>
+          </p:nvPr>
+        </p:nvSpPr>
+        <p:spPr>
+          <a:xfrm>
+            <a:off x="674246" y="452718"/>
+            <a:ext cx="9404723" cy="1400530"/>
+          </a:xfrm>
+        </p:spPr>
+        <p:txBody>
+          <a:bodyPr/>
+          <a:lstStyle/>
+          <a:p>
+            <a:r>
+              <a:rPr lang="en-US" sz="4800" dirty="0"/>
+              <a:t>As Billy the new user, I want to log into an account for this app.</a:t>
+            </a:r>
+            <a:endParaRPr lang="en-US" sz="4800" dirty="0"/>
+          </a:p>
+        </p:txBody>
+      </p:sp>
+      <p:sp>
+        <p:nvSpPr>
+          <p:cNvPr id="3" name="Content Placeholder 2">
+            <a:extLst>
+              <a:ext uri="{FF2B5EF4-FFF2-40B4-BE49-F238E27FC236}">
+                <a16:creationId xmlns:a16="http://schemas.microsoft.com/office/drawing/2014/main" xmlns="" id="{361D3B48-B632-4E60-8736-F1558045DB59}"/>
+              </a:ext>
+            </a:extLst>
+          </p:cNvPr>
+          <p:cNvSpPr>
+            <a:spLocks noGrp="1"/>
+          </p:cNvSpPr>
+          <p:nvPr>
+            <p:ph idx="1"/>
+          </p:nvPr>
+        </p:nvSpPr>
+        <p:spPr/>
+        <p:txBody>
+          <a:bodyPr/>
+          <a:lstStyle/>
+          <a:p>
+            <a:endParaRPr lang="en-US" dirty="0"/>
+          </a:p>
+        </p:txBody>
+      </p:sp>
+    </p:spTree>
+    <p:extLst>
+      <p:ext uri="{BB962C8B-B14F-4D97-AF65-F5344CB8AC3E}">
+        <p14:creationId xmlns:p14="http://schemas.microsoft.com/office/powerpoint/2010/main" val="3999603580"/>
+      </p:ext>
+    </p:extLst>
+  </p:cSld>
+  <p:clrMapOvr>
+    <a:masterClrMapping/>
+  </p:clrMapOvr>
+</p:sld>
+</file>
+
+<file path=ppt/slides/slide56.xml><?xml version="1.0" encoding="utf-8"?>
+<p:sld xmlns:a="http://schemas.openxmlformats.org/drawingml/2006/main" xmlns:r="http://schemas.openxmlformats.org/officeDocument/2006/relationships" xmlns:p="http://schemas.openxmlformats.org/presentationml/2006/main">
+  <p:cSld>
+    <p:spTree>
+      <p:nvGrpSpPr>
+        <p:cNvPr id="1" name=""/>
+        <p:cNvGrpSpPr/>
+        <p:nvPr/>
+      </p:nvGrpSpPr>
+      <p:grpSpPr>
+        <a:xfrm>
+          <a:off x="0" y="0"/>
+          <a:ext cx="0" cy="0"/>
+          <a:chOff x="0" y="0"/>
+          <a:chExt cx="0" cy="0"/>
+        </a:xfrm>
+      </p:grpSpPr>
+      <p:sp>
+        <p:nvSpPr>
+          <p:cNvPr id="2" name="Title 1">
+            <a:extLst>
+              <a:ext uri="{FF2B5EF4-FFF2-40B4-BE49-F238E27FC236}">
+                <a16:creationId xmlns:a16="http://schemas.microsoft.com/office/drawing/2014/main" xmlns="" id="{E66C612F-2F3A-4260-BDBF-80671B0DF2ED}"/>
+              </a:ext>
+            </a:extLst>
+          </p:cNvPr>
+          <p:cNvSpPr>
+            <a:spLocks noGrp="1"/>
+          </p:cNvSpPr>
+          <p:nvPr>
+            <p:ph type="title"/>
+          </p:nvPr>
+        </p:nvSpPr>
+        <p:spPr/>
+        <p:txBody>
+          <a:bodyPr/>
+          <a:lstStyle/>
+          <a:p>
+            <a:r>
+              <a:rPr lang="en-US" dirty="0"/>
+              <a:t>[Feature]</a:t>
+            </a:r>
+          </a:p>
+        </p:txBody>
+      </p:sp>
+      <p:sp>
+        <p:nvSpPr>
+          <p:cNvPr id="3" name="Content Placeholder 2">
+            <a:extLst>
+              <a:ext uri="{FF2B5EF4-FFF2-40B4-BE49-F238E27FC236}">
+                <a16:creationId xmlns:a16="http://schemas.microsoft.com/office/drawing/2014/main" xmlns="" id="{6C61B333-EC15-417A-92E3-D6641D0F3741}"/>
+              </a:ext>
+            </a:extLst>
+          </p:cNvPr>
+          <p:cNvSpPr>
+            <a:spLocks noGrp="1"/>
+          </p:cNvSpPr>
+          <p:nvPr>
+            <p:ph idx="1"/>
+          </p:nvPr>
+        </p:nvSpPr>
+        <p:spPr/>
+        <p:txBody>
+          <a:bodyPr/>
+          <a:lstStyle/>
+          <a:p>
+            <a:endParaRPr lang="en-US"/>
+          </a:p>
+        </p:txBody>
+      </p:sp>
+    </p:spTree>
+    <p:extLst>
+      <p:ext uri="{BB962C8B-B14F-4D97-AF65-F5344CB8AC3E}">
+        <p14:creationId xmlns:p14="http://schemas.microsoft.com/office/powerpoint/2010/main" val="2596080019"/>
+      </p:ext>
+    </p:extLst>
+  </p:cSld>
+  <p:clrMapOvr>
+    <a:masterClrMapping/>
+  </p:clrMapOvr>
+</p:sld>
+</file>
+
+<file path=ppt/slides/slide57.xml><?xml version="1.0" encoding="utf-8"?>
+<p:sld xmlns:a="http://schemas.openxmlformats.org/drawingml/2006/main" xmlns:r="http://schemas.openxmlformats.org/officeDocument/2006/relationships" xmlns:p="http://schemas.openxmlformats.org/presentationml/2006/main">
+  <p:cSld>
+    <p:spTree>
+      <p:nvGrpSpPr>
+        <p:cNvPr id="1" name=""/>
+        <p:cNvGrpSpPr/>
+        <p:nvPr/>
+      </p:nvGrpSpPr>
+      <p:grpSpPr>
+        <a:xfrm>
+          <a:off x="0" y="0"/>
+          <a:ext cx="0" cy="0"/>
+          <a:chOff x="0" y="0"/>
+          <a:chExt cx="0" cy="0"/>
+        </a:xfrm>
+      </p:grpSpPr>
+      <p:sp>
+        <p:nvSpPr>
+          <p:cNvPr id="2" name="Title 1">
+            <a:extLst>
+              <a:ext uri="{FF2B5EF4-FFF2-40B4-BE49-F238E27FC236}">
+                <a16:creationId xmlns:a16="http://schemas.microsoft.com/office/drawing/2014/main" xmlns="" id="{BA35D0AB-9A37-479C-9406-C70EC5D04068}"/>
+              </a:ext>
+            </a:extLst>
+          </p:cNvPr>
+          <p:cNvSpPr>
+            <a:spLocks noGrp="1"/>
+          </p:cNvSpPr>
+          <p:nvPr>
+            <p:ph type="title"/>
+          </p:nvPr>
+        </p:nvSpPr>
+        <p:spPr/>
+        <p:txBody>
+          <a:bodyPr/>
+          <a:lstStyle/>
+          <a:p>
+            <a:r>
+              <a:rPr lang="en-US" dirty="0"/>
+              <a:t>[Possible Technology]</a:t>
+            </a:r>
+          </a:p>
+        </p:txBody>
+      </p:sp>
+      <p:sp>
+        <p:nvSpPr>
+          <p:cNvPr id="3" name="Content Placeholder 2">
+            <a:extLst>
+              <a:ext uri="{FF2B5EF4-FFF2-40B4-BE49-F238E27FC236}">
+                <a16:creationId xmlns:a16="http://schemas.microsoft.com/office/drawing/2014/main" xmlns="" id="{C53C1AAE-D52E-4865-94E5-9A746F2B6603}"/>
+              </a:ext>
+            </a:extLst>
+          </p:cNvPr>
+          <p:cNvSpPr>
+            <a:spLocks noGrp="1"/>
+          </p:cNvSpPr>
+          <p:nvPr>
+            <p:ph idx="1"/>
+          </p:nvPr>
+        </p:nvSpPr>
+        <p:spPr/>
+        <p:txBody>
+          <a:bodyPr/>
+          <a:lstStyle/>
+          <a:p>
+            <a:pPr marL="0" indent="0">
+              <a:buNone/>
+            </a:pPr>
+            <a:r>
+              <a:rPr lang="en-US" dirty="0"/>
+              <a:t>Pros</a:t>
+            </a:r>
+          </a:p>
+          <a:p>
+            <a:r>
+              <a:rPr lang="en-US" dirty="0"/>
+              <a:t>[Pro]</a:t>
+            </a:r>
+          </a:p>
+          <a:p>
+            <a:r>
+              <a:rPr lang="en-US" dirty="0"/>
+              <a:t>[Pro]</a:t>
+            </a:r>
+          </a:p>
+          <a:p>
+            <a:endParaRPr lang="en-US" dirty="0"/>
+          </a:p>
+          <a:p>
+            <a:pPr marL="0" indent="0">
+              <a:buNone/>
+            </a:pPr>
+            <a:r>
+              <a:rPr lang="en-US" dirty="0"/>
+              <a:t>Cons</a:t>
+            </a:r>
+          </a:p>
+          <a:p>
+            <a:r>
+              <a:rPr lang="en-US" dirty="0"/>
+              <a:t>[Con]</a:t>
+            </a:r>
+          </a:p>
+          <a:p>
+            <a:r>
+              <a:rPr lang="en-US" dirty="0"/>
+              <a:t>[Con]</a:t>
+            </a:r>
+          </a:p>
+        </p:txBody>
+      </p:sp>
+    </p:spTree>
+    <p:extLst>
+      <p:ext uri="{BB962C8B-B14F-4D97-AF65-F5344CB8AC3E}">
+        <p14:creationId xmlns:p14="http://schemas.microsoft.com/office/powerpoint/2010/main" val="3722766767"/>
+      </p:ext>
+    </p:extLst>
+  </p:cSld>
+  <p:clrMapOvr>
+    <a:masterClrMapping/>
+  </p:clrMapOvr>
+</p:sld>
+</file>
+
+<file path=ppt/slides/slide58.xml><?xml version="1.0" encoding="utf-8"?>
+<p:sld xmlns:a="http://schemas.openxmlformats.org/drawingml/2006/main" xmlns:r="http://schemas.openxmlformats.org/officeDocument/2006/relationships" xmlns:p="http://schemas.openxmlformats.org/presentationml/2006/main">
+  <p:cSld>
+    <p:spTree>
+      <p:nvGrpSpPr>
+        <p:cNvPr id="1" name=""/>
+        <p:cNvGrpSpPr/>
+        <p:nvPr/>
+      </p:nvGrpSpPr>
+      <p:grpSpPr>
+        <a:xfrm>
+          <a:off x="0" y="0"/>
+          <a:ext cx="0" cy="0"/>
+          <a:chOff x="0" y="0"/>
+          <a:chExt cx="0" cy="0"/>
+        </a:xfrm>
+      </p:grpSpPr>
+      <p:sp>
+        <p:nvSpPr>
+          <p:cNvPr id="2" name="Title 1">
+            <a:extLst>
+              <a:ext uri="{FF2B5EF4-FFF2-40B4-BE49-F238E27FC236}">
+                <a16:creationId xmlns:a16="http://schemas.microsoft.com/office/drawing/2014/main" xmlns="" id="{33182361-C770-430C-97A0-B9298FA3FE50}"/>
+              </a:ext>
+            </a:extLst>
+          </p:cNvPr>
+          <p:cNvSpPr>
+            <a:spLocks noGrp="1"/>
+          </p:cNvSpPr>
+          <p:nvPr>
+            <p:ph type="title"/>
+          </p:nvPr>
+        </p:nvSpPr>
+        <p:spPr/>
+        <p:txBody>
+          <a:bodyPr/>
+          <a:lstStyle/>
+          <a:p>
+            <a:r>
+              <a:rPr lang="en-US" dirty="0"/>
+              <a:t>[Chosen Technology]</a:t>
+            </a:r>
+          </a:p>
+        </p:txBody>
+      </p:sp>
+      <p:sp>
+        <p:nvSpPr>
+          <p:cNvPr id="3" name="Content Placeholder 2">
+            <a:extLst>
+              <a:ext uri="{FF2B5EF4-FFF2-40B4-BE49-F238E27FC236}">
+                <a16:creationId xmlns:a16="http://schemas.microsoft.com/office/drawing/2014/main" xmlns="" id="{6457FBD9-768E-4864-B576-83C1D02FB7F8}"/>
+              </a:ext>
+            </a:extLst>
+          </p:cNvPr>
+          <p:cNvSpPr>
+            <a:spLocks noGrp="1"/>
+          </p:cNvSpPr>
+          <p:nvPr>
+            <p:ph idx="1"/>
+          </p:nvPr>
+        </p:nvSpPr>
+        <p:spPr/>
+        <p:txBody>
+          <a:bodyPr/>
+          <a:lstStyle/>
+          <a:p>
+            <a:r>
+              <a:rPr lang="en-US" dirty="0"/>
+              <a:t>[Reason]</a:t>
+            </a:r>
+          </a:p>
+          <a:p>
+            <a:r>
+              <a:rPr lang="en-US" dirty="0"/>
+              <a:t>[Reason]</a:t>
+            </a:r>
+          </a:p>
+        </p:txBody>
+      </p:sp>
+    </p:spTree>
+    <p:extLst>
+      <p:ext uri="{BB962C8B-B14F-4D97-AF65-F5344CB8AC3E}">
+        <p14:creationId xmlns:p14="http://schemas.microsoft.com/office/powerpoint/2010/main" val="3787987362"/>
       </p:ext>
     </p:extLst>
   </p:cSld>
@@ -6556,7 +11474,7 @@
           <p:cNvPr id="2" name="Title 1">
             <a:extLst>
               <a:ext uri="{FF2B5EF4-FFF2-40B4-BE49-F238E27FC236}">
-                <a16:creationId xmlns:a16="http://schemas.microsoft.com/office/drawing/2014/main" id="{33182361-C770-430C-97A0-B9298FA3FE50}"/>
+                <a16:creationId xmlns:a16="http://schemas.microsoft.com/office/drawing/2014/main" xmlns="" id="{33182361-C770-430C-97A0-B9298FA3FE50}"/>
               </a:ext>
             </a:extLst>
           </p:cNvPr>
@@ -6584,7 +11502,7 @@
           <p:cNvPr id="3" name="Content Placeholder 2">
             <a:extLst>
               <a:ext uri="{FF2B5EF4-FFF2-40B4-BE49-F238E27FC236}">
-                <a16:creationId xmlns:a16="http://schemas.microsoft.com/office/drawing/2014/main" id="{6457FBD9-768E-4864-B576-83C1D02FB7F8}"/>
+                <a16:creationId xmlns:a16="http://schemas.microsoft.com/office/drawing/2014/main" xmlns="" id="{6457FBD9-768E-4864-B576-83C1D02FB7F8}"/>
               </a:ext>
             </a:extLst>
           </p:cNvPr>
@@ -6623,6 +11541,334 @@
   <p:clrMapOvr>
     <a:masterClrMapping/>
   </p:clrMapOvr>
+  <p:timing>
+    <p:tnLst>
+      <p:par>
+        <p:cTn id="1" dur="indefinite" restart="never" nodeType="tmRoot"/>
+      </p:par>
+    </p:tnLst>
+  </p:timing>
+</p:sld>
+</file>
+
+<file path=ppt/slides/slide7.xml><?xml version="1.0" encoding="utf-8"?>
+<p:sld xmlns:a="http://schemas.openxmlformats.org/drawingml/2006/main" xmlns:r="http://schemas.openxmlformats.org/officeDocument/2006/relationships" xmlns:p="http://schemas.openxmlformats.org/presentationml/2006/main">
+  <p:cSld>
+    <p:spTree>
+      <p:nvGrpSpPr>
+        <p:cNvPr id="1" name=""/>
+        <p:cNvGrpSpPr/>
+        <p:nvPr/>
+      </p:nvGrpSpPr>
+      <p:grpSpPr>
+        <a:xfrm>
+          <a:off x="0" y="0"/>
+          <a:ext cx="0" cy="0"/>
+          <a:chOff x="0" y="0"/>
+          <a:chExt cx="0" cy="0"/>
+        </a:xfrm>
+      </p:grpSpPr>
+      <p:sp>
+        <p:nvSpPr>
+          <p:cNvPr id="2" name="Title 1">
+            <a:extLst>
+              <a:ext uri="{FF2B5EF4-FFF2-40B4-BE49-F238E27FC236}">
+                <a16:creationId xmlns:a16="http://schemas.microsoft.com/office/drawing/2014/main" xmlns="" id="{ABFE9964-2DD0-4B8C-9324-5C9218DC5DF7}"/>
+              </a:ext>
+            </a:extLst>
+          </p:cNvPr>
+          <p:cNvSpPr>
+            <a:spLocks noGrp="1"/>
+          </p:cNvSpPr>
+          <p:nvPr>
+            <p:ph type="title"/>
+          </p:nvPr>
+        </p:nvSpPr>
+        <p:spPr/>
+        <p:txBody>
+          <a:bodyPr/>
+          <a:lstStyle/>
+          <a:p>
+            <a:r>
+              <a:rPr lang="en-US" sz="5400" dirty="0"/>
+              <a:t>As Rick the user, </a:t>
+            </a:r>
+            <a:r>
+              <a:rPr lang="en-US" sz="5400" dirty="0" err="1"/>
+              <a:t>i’d</a:t>
+            </a:r>
+            <a:r>
+              <a:rPr lang="en-US" sz="5400" dirty="0"/>
+              <a:t> like a nice measuring tool on the screen to help me pinpoint my target.</a:t>
+            </a:r>
+            <a:endParaRPr lang="en-US" sz="5400" dirty="0"/>
+          </a:p>
+        </p:txBody>
+      </p:sp>
+      <p:sp>
+        <p:nvSpPr>
+          <p:cNvPr id="3" name="Content Placeholder 2">
+            <a:extLst>
+              <a:ext uri="{FF2B5EF4-FFF2-40B4-BE49-F238E27FC236}">
+                <a16:creationId xmlns:a16="http://schemas.microsoft.com/office/drawing/2014/main" xmlns="" id="{361D3B48-B632-4E60-8736-F1558045DB59}"/>
+              </a:ext>
+            </a:extLst>
+          </p:cNvPr>
+          <p:cNvSpPr>
+            <a:spLocks noGrp="1"/>
+          </p:cNvSpPr>
+          <p:nvPr>
+            <p:ph idx="1"/>
+          </p:nvPr>
+        </p:nvSpPr>
+        <p:spPr/>
+        <p:txBody>
+          <a:bodyPr/>
+          <a:lstStyle/>
+          <a:p>
+            <a:endParaRPr lang="en-US" dirty="0"/>
+          </a:p>
+        </p:txBody>
+      </p:sp>
+    </p:spTree>
+    <p:extLst>
+      <p:ext uri="{BB962C8B-B14F-4D97-AF65-F5344CB8AC3E}">
+        <p14:creationId xmlns:p14="http://schemas.microsoft.com/office/powerpoint/2010/main" val="178948568"/>
+      </p:ext>
+    </p:extLst>
+  </p:cSld>
+  <p:clrMapOvr>
+    <a:masterClrMapping/>
+  </p:clrMapOvr>
+  <p:timing>
+    <p:tnLst>
+      <p:par>
+        <p:cTn id="1" dur="indefinite" restart="never" nodeType="tmRoot"/>
+      </p:par>
+    </p:tnLst>
+  </p:timing>
+</p:sld>
+</file>
+
+<file path=ppt/slides/slide8.xml><?xml version="1.0" encoding="utf-8"?>
+<p:sld xmlns:a="http://schemas.openxmlformats.org/drawingml/2006/main" xmlns:r="http://schemas.openxmlformats.org/officeDocument/2006/relationships" xmlns:p="http://schemas.openxmlformats.org/presentationml/2006/main">
+  <p:cSld>
+    <p:spTree>
+      <p:nvGrpSpPr>
+        <p:cNvPr id="1" name=""/>
+        <p:cNvGrpSpPr/>
+        <p:nvPr/>
+      </p:nvGrpSpPr>
+      <p:grpSpPr>
+        <a:xfrm>
+          <a:off x="0" y="0"/>
+          <a:ext cx="0" cy="0"/>
+          <a:chOff x="0" y="0"/>
+          <a:chExt cx="0" cy="0"/>
+        </a:xfrm>
+      </p:grpSpPr>
+      <p:sp>
+        <p:nvSpPr>
+          <p:cNvPr id="2" name="Title 1">
+            <a:extLst>
+              <a:ext uri="{FF2B5EF4-FFF2-40B4-BE49-F238E27FC236}">
+                <a16:creationId xmlns:a16="http://schemas.microsoft.com/office/drawing/2014/main" xmlns="" id="{E66C612F-2F3A-4260-BDBF-80671B0DF2ED}"/>
+              </a:ext>
+            </a:extLst>
+          </p:cNvPr>
+          <p:cNvSpPr>
+            <a:spLocks noGrp="1"/>
+          </p:cNvSpPr>
+          <p:nvPr>
+            <p:ph type="title"/>
+          </p:nvPr>
+        </p:nvSpPr>
+        <p:spPr/>
+        <p:txBody>
+          <a:bodyPr/>
+          <a:lstStyle/>
+          <a:p>
+            <a:r>
+              <a:rPr lang="en-US" dirty="0"/>
+              <a:t>[Feature]</a:t>
+            </a:r>
+          </a:p>
+        </p:txBody>
+      </p:sp>
+      <p:sp>
+        <p:nvSpPr>
+          <p:cNvPr id="3" name="Content Placeholder 2">
+            <a:extLst>
+              <a:ext uri="{FF2B5EF4-FFF2-40B4-BE49-F238E27FC236}">
+                <a16:creationId xmlns:a16="http://schemas.microsoft.com/office/drawing/2014/main" xmlns="" id="{6C61B333-EC15-417A-92E3-D6641D0F3741}"/>
+              </a:ext>
+            </a:extLst>
+          </p:cNvPr>
+          <p:cNvSpPr>
+            <a:spLocks noGrp="1"/>
+          </p:cNvSpPr>
+          <p:nvPr>
+            <p:ph idx="1"/>
+          </p:nvPr>
+        </p:nvSpPr>
+        <p:spPr/>
+        <p:txBody>
+          <a:bodyPr/>
+          <a:lstStyle/>
+          <a:p>
+            <a:endParaRPr lang="en-US"/>
+          </a:p>
+        </p:txBody>
+      </p:sp>
+    </p:spTree>
+    <p:extLst>
+      <p:ext uri="{BB962C8B-B14F-4D97-AF65-F5344CB8AC3E}">
+        <p14:creationId xmlns:p14="http://schemas.microsoft.com/office/powerpoint/2010/main" val="3112083759"/>
+      </p:ext>
+    </p:extLst>
+  </p:cSld>
+  <p:clrMapOvr>
+    <a:masterClrMapping/>
+  </p:clrMapOvr>
+  <p:timing>
+    <p:tnLst>
+      <p:par>
+        <p:cTn id="1" dur="indefinite" restart="never" nodeType="tmRoot"/>
+      </p:par>
+    </p:tnLst>
+  </p:timing>
+</p:sld>
+</file>
+
+<file path=ppt/slides/slide9.xml><?xml version="1.0" encoding="utf-8"?>
+<p:sld xmlns:a="http://schemas.openxmlformats.org/drawingml/2006/main" xmlns:r="http://schemas.openxmlformats.org/officeDocument/2006/relationships" xmlns:p="http://schemas.openxmlformats.org/presentationml/2006/main">
+  <p:cSld>
+    <p:spTree>
+      <p:nvGrpSpPr>
+        <p:cNvPr id="1" name=""/>
+        <p:cNvGrpSpPr/>
+        <p:nvPr/>
+      </p:nvGrpSpPr>
+      <p:grpSpPr>
+        <a:xfrm>
+          <a:off x="0" y="0"/>
+          <a:ext cx="0" cy="0"/>
+          <a:chOff x="0" y="0"/>
+          <a:chExt cx="0" cy="0"/>
+        </a:xfrm>
+      </p:grpSpPr>
+      <p:sp>
+        <p:nvSpPr>
+          <p:cNvPr id="2" name="Title 1">
+            <a:extLst>
+              <a:ext uri="{FF2B5EF4-FFF2-40B4-BE49-F238E27FC236}">
+                <a16:creationId xmlns:a16="http://schemas.microsoft.com/office/drawing/2014/main" xmlns="" id="{BA35D0AB-9A37-479C-9406-C70EC5D04068}"/>
+              </a:ext>
+            </a:extLst>
+          </p:cNvPr>
+          <p:cNvSpPr>
+            <a:spLocks noGrp="1"/>
+          </p:cNvSpPr>
+          <p:nvPr>
+            <p:ph type="title"/>
+          </p:nvPr>
+        </p:nvSpPr>
+        <p:spPr/>
+        <p:txBody>
+          <a:bodyPr/>
+          <a:lstStyle/>
+          <a:p>
+            <a:r>
+              <a:rPr lang="en-US" dirty="0"/>
+              <a:t>[Possible Technology]</a:t>
+            </a:r>
+          </a:p>
+        </p:txBody>
+      </p:sp>
+      <p:sp>
+        <p:nvSpPr>
+          <p:cNvPr id="3" name="Content Placeholder 2">
+            <a:extLst>
+              <a:ext uri="{FF2B5EF4-FFF2-40B4-BE49-F238E27FC236}">
+                <a16:creationId xmlns:a16="http://schemas.microsoft.com/office/drawing/2014/main" xmlns="" id="{C53C1AAE-D52E-4865-94E5-9A746F2B6603}"/>
+              </a:ext>
+            </a:extLst>
+          </p:cNvPr>
+          <p:cNvSpPr>
+            <a:spLocks noGrp="1"/>
+          </p:cNvSpPr>
+          <p:nvPr>
+            <p:ph idx="1"/>
+          </p:nvPr>
+        </p:nvSpPr>
+        <p:spPr/>
+        <p:txBody>
+          <a:bodyPr/>
+          <a:lstStyle/>
+          <a:p>
+            <a:pPr marL="0" indent="0">
+              <a:buNone/>
+            </a:pPr>
+            <a:r>
+              <a:rPr lang="en-US" dirty="0"/>
+              <a:t>Pros</a:t>
+            </a:r>
+          </a:p>
+          <a:p>
+            <a:r>
+              <a:rPr lang="en-US" dirty="0"/>
+              <a:t>[Pro]</a:t>
+            </a:r>
+          </a:p>
+          <a:p>
+            <a:r>
+              <a:rPr lang="en-US" dirty="0"/>
+              <a:t>[Pro]</a:t>
+            </a:r>
+          </a:p>
+          <a:p>
+            <a:endParaRPr lang="en-US" dirty="0"/>
+          </a:p>
+          <a:p>
+            <a:pPr marL="0" indent="0">
+              <a:buNone/>
+            </a:pPr>
+            <a:r>
+              <a:rPr lang="en-US" dirty="0"/>
+              <a:t>Cons</a:t>
+            </a:r>
+          </a:p>
+          <a:p>
+            <a:r>
+              <a:rPr lang="en-US" dirty="0"/>
+              <a:t>[Con]</a:t>
+            </a:r>
+          </a:p>
+          <a:p>
+            <a:r>
+              <a:rPr lang="en-US" dirty="0"/>
+              <a:t>[Con]</a:t>
+            </a:r>
+          </a:p>
+        </p:txBody>
+      </p:sp>
+    </p:spTree>
+    <p:extLst>
+      <p:ext uri="{BB962C8B-B14F-4D97-AF65-F5344CB8AC3E}">
+        <p14:creationId xmlns:p14="http://schemas.microsoft.com/office/powerpoint/2010/main" val="1472652304"/>
+      </p:ext>
+    </p:extLst>
+  </p:cSld>
+  <p:clrMapOvr>
+    <a:masterClrMapping/>
+  </p:clrMapOvr>
+  <p:timing>
+    <p:tnLst>
+      <p:par>
+        <p:cTn id="1" dur="indefinite" restart="never" nodeType="tmRoot"/>
+      </p:par>
+    </p:tnLst>
+  </p:timing>
 </p:sld>
 </file>
 
@@ -6886,7 +12132,7 @@
   <a:extraClrSchemeLst/>
   <a:extLst>
     <a:ext uri="{05A4C25C-085E-4340-85A3-A5531E510DB2}">
-      <thm15:themeFamily xmlns:thm15="http://schemas.microsoft.com/office/thememl/2012/main" name="Ion" id="{B8441ADB-2E43-4AF7-B97A-BD870242C6A8}" vid="{292E63A9-BB86-4E3D-B92A-7223C6510D2E}"/>
+      <thm15:themeFamily xmlns:thm15="http://schemas.microsoft.com/office/thememl/2012/main" xmlns="" name="Ion" id="{B8441ADB-2E43-4AF7-B97A-BD870242C6A8}" vid="{292E63A9-BB86-4E3D-B92A-7223C6510D2E}"/>
     </a:ext>
   </a:extLst>
 </a:theme>

--- a/Technology Presentation.pptx
+++ b/Technology Presentation.pptx
@@ -161,6 +161,22 @@
       </a:defRPr>
     </a:lvl9pPr>
   </p:defaultTextStyle>
+  <p:extLst>
+    <p:ext uri="{EFAFB233-063F-42B5-8137-9DF3F51BA10A}">
+      <p15:sldGuideLst xmlns:p15="http://schemas.microsoft.com/office/powerpoint/2012/main">
+        <p15:guide id="1" orient="horz" pos="2160">
+          <p15:clr>
+            <a:srgbClr val="A4A3A4"/>
+          </p15:clr>
+        </p15:guide>
+        <p15:guide id="2" pos="3840">
+          <p15:clr>
+            <a:srgbClr val="A4A3A4"/>
+          </p15:clr>
+        </p15:guide>
+      </p15:sldGuideLst>
+    </p:ext>
+  </p:extLst>
 </p:presentation>
 </file>
 
@@ -350,7 +366,7 @@
           <a:p>
             <a:fld id="{4FACE682-7757-4F60-9924-7C54F945BCEE}" type="datetimeFigureOut">
               <a:rPr lang="en-US" smtClean="0"/>
-              <a:t>11/5/2018</a:t>
+              <a:t>5/11/2018</a:t>
             </a:fld>
             <a:endParaRPr lang="en-US"/>
           </a:p>
@@ -625,7 +641,7 @@
           <a:p>
             <a:fld id="{4FACE682-7757-4F60-9924-7C54F945BCEE}" type="datetimeFigureOut">
               <a:rPr lang="en-US" smtClean="0"/>
-              <a:t>11/5/2018</a:t>
+              <a:t>5/11/2018</a:t>
             </a:fld>
             <a:endParaRPr lang="en-US"/>
           </a:p>
@@ -819,7 +835,7 @@
           <a:p>
             <a:fld id="{4FACE682-7757-4F60-9924-7C54F945BCEE}" type="datetimeFigureOut">
               <a:rPr lang="en-US" smtClean="0"/>
-              <a:t>11/5/2018</a:t>
+              <a:t>5/11/2018</a:t>
             </a:fld>
             <a:endParaRPr lang="en-US"/>
           </a:p>
@@ -1092,7 +1108,7 @@
           <a:p>
             <a:fld id="{4FACE682-7757-4F60-9924-7C54F945BCEE}" type="datetimeFigureOut">
               <a:rPr lang="en-US" smtClean="0"/>
-              <a:t>11/5/2018</a:t>
+              <a:t>5/11/2018</a:t>
             </a:fld>
             <a:endParaRPr lang="en-US"/>
           </a:p>
@@ -1433,7 +1449,7 @@
           <a:p>
             <a:fld id="{4FACE682-7757-4F60-9924-7C54F945BCEE}" type="datetimeFigureOut">
               <a:rPr lang="en-US" smtClean="0"/>
-              <a:t>11/5/2018</a:t>
+              <a:t>5/11/2018</a:t>
             </a:fld>
             <a:endParaRPr lang="en-US"/>
           </a:p>
@@ -2056,7 +2072,7 @@
           <a:p>
             <a:fld id="{4FACE682-7757-4F60-9924-7C54F945BCEE}" type="datetimeFigureOut">
               <a:rPr lang="en-US" smtClean="0"/>
-              <a:t>11/5/2018</a:t>
+              <a:t>5/11/2018</a:t>
             </a:fld>
             <a:endParaRPr lang="en-US"/>
           </a:p>
@@ -2916,7 +2932,7 @@
           <a:p>
             <a:fld id="{4FACE682-7757-4F60-9924-7C54F945BCEE}" type="datetimeFigureOut">
               <a:rPr lang="en-US" smtClean="0"/>
-              <a:t>11/5/2018</a:t>
+              <a:t>5/11/2018</a:t>
             </a:fld>
             <a:endParaRPr lang="en-US"/>
           </a:p>
@@ -3086,7 +3102,7 @@
           <a:p>
             <a:fld id="{4FACE682-7757-4F60-9924-7C54F945BCEE}" type="datetimeFigureOut">
               <a:rPr lang="en-US" smtClean="0"/>
-              <a:t>11/5/2018</a:t>
+              <a:t>5/11/2018</a:t>
             </a:fld>
             <a:endParaRPr lang="en-US"/>
           </a:p>
@@ -3266,7 +3282,7 @@
           <a:p>
             <a:fld id="{4FACE682-7757-4F60-9924-7C54F945BCEE}" type="datetimeFigureOut">
               <a:rPr lang="en-US" smtClean="0"/>
-              <a:t>11/5/2018</a:t>
+              <a:t>5/11/2018</a:t>
             </a:fld>
             <a:endParaRPr lang="en-US"/>
           </a:p>
@@ -3436,7 +3452,7 @@
           <a:p>
             <a:fld id="{4FACE682-7757-4F60-9924-7C54F945BCEE}" type="datetimeFigureOut">
               <a:rPr lang="en-US" smtClean="0"/>
-              <a:t>11/5/2018</a:t>
+              <a:t>5/11/2018</a:t>
             </a:fld>
             <a:endParaRPr lang="en-US"/>
           </a:p>
@@ -3683,7 +3699,7 @@
           <a:p>
             <a:fld id="{4FACE682-7757-4F60-9924-7C54F945BCEE}" type="datetimeFigureOut">
               <a:rPr lang="en-US" smtClean="0"/>
-              <a:t>11/5/2018</a:t>
+              <a:t>5/11/2018</a:t>
             </a:fld>
             <a:endParaRPr lang="en-US"/>
           </a:p>
@@ -3975,7 +3991,7 @@
           <a:p>
             <a:fld id="{4FACE682-7757-4F60-9924-7C54F945BCEE}" type="datetimeFigureOut">
               <a:rPr lang="en-US" smtClean="0"/>
-              <a:t>11/5/2018</a:t>
+              <a:t>5/11/2018</a:t>
             </a:fld>
             <a:endParaRPr lang="en-US"/>
           </a:p>
@@ -4419,7 +4435,7 @@
           <a:p>
             <a:fld id="{4FACE682-7757-4F60-9924-7C54F945BCEE}" type="datetimeFigureOut">
               <a:rPr lang="en-US" smtClean="0"/>
-              <a:t>11/5/2018</a:t>
+              <a:t>5/11/2018</a:t>
             </a:fld>
             <a:endParaRPr lang="en-US"/>
           </a:p>
@@ -4537,7 +4553,7 @@
           <a:p>
             <a:fld id="{4FACE682-7757-4F60-9924-7C54F945BCEE}" type="datetimeFigureOut">
               <a:rPr lang="en-US" smtClean="0"/>
-              <a:t>11/5/2018</a:t>
+              <a:t>5/11/2018</a:t>
             </a:fld>
             <a:endParaRPr lang="en-US"/>
           </a:p>
@@ -4632,7 +4648,7 @@
           <a:p>
             <a:fld id="{4FACE682-7757-4F60-9924-7C54F945BCEE}" type="datetimeFigureOut">
               <a:rPr lang="en-US" smtClean="0"/>
-              <a:t>11/5/2018</a:t>
+              <a:t>5/11/2018</a:t>
             </a:fld>
             <a:endParaRPr lang="en-US"/>
           </a:p>
@@ -4911,7 +4927,7 @@
           <a:p>
             <a:fld id="{4FACE682-7757-4F60-9924-7C54F945BCEE}" type="datetimeFigureOut">
               <a:rPr lang="en-US" smtClean="0"/>
-              <a:t>11/5/2018</a:t>
+              <a:t>5/11/2018</a:t>
             </a:fld>
             <a:endParaRPr lang="en-US"/>
           </a:p>
@@ -5186,7 +5202,7 @@
           <a:p>
             <a:fld id="{4FACE682-7757-4F60-9924-7C54F945BCEE}" type="datetimeFigureOut">
               <a:rPr lang="en-US" smtClean="0"/>
-              <a:t>11/5/2018</a:t>
+              <a:t>5/11/2018</a:t>
             </a:fld>
             <a:endParaRPr lang="en-US"/>
           </a:p>
@@ -5615,7 +5631,7 @@
           <a:p>
             <a:fld id="{4FACE682-7757-4F60-9924-7C54F945BCEE}" type="datetimeFigureOut">
               <a:rPr lang="en-US" smtClean="0"/>
-              <a:t>11/5/2018</a:t>
+              <a:t>5/11/2018</a:t>
             </a:fld>
             <a:endParaRPr lang="en-US"/>
           </a:p>
@@ -6148,7 +6164,7 @@
           <p:cNvPr id="2" name="Title 1">
             <a:extLst>
               <a:ext uri="{FF2B5EF4-FFF2-40B4-BE49-F238E27FC236}">
-                <a16:creationId xmlns:a16="http://schemas.microsoft.com/office/drawing/2014/main" xmlns="" id="{40533638-A2BF-47B8-838D-726E138FD140}"/>
+                <a16:creationId xmlns:a16="http://schemas.microsoft.com/office/drawing/2014/main" id="{40533638-A2BF-47B8-838D-726E138FD140}"/>
               </a:ext>
             </a:extLst>
           </p:cNvPr>
@@ -6176,7 +6192,7 @@
           <p:cNvPr id="3" name="Subtitle 2">
             <a:extLst>
               <a:ext uri="{FF2B5EF4-FFF2-40B4-BE49-F238E27FC236}">
-                <a16:creationId xmlns:a16="http://schemas.microsoft.com/office/drawing/2014/main" xmlns="" id="{5137B9E5-8624-498D-A03D-56B25802F41C}"/>
+                <a16:creationId xmlns:a16="http://schemas.microsoft.com/office/drawing/2014/main" id="{5137B9E5-8624-498D-A03D-56B25802F41C}"/>
               </a:ext>
             </a:extLst>
           </p:cNvPr>
@@ -6209,13 +6225,6 @@
   <p:clrMapOvr>
     <a:masterClrMapping/>
   </p:clrMapOvr>
-  <p:timing>
-    <p:tnLst>
-      <p:par>
-        <p:cTn id="1" dur="indefinite" restart="never" nodeType="tmRoot"/>
-      </p:par>
-    </p:tnLst>
-  </p:timing>
 </p:sld>
 </file>
 
@@ -6241,7 +6250,7 @@
           <p:cNvPr id="2" name="Title 1">
             <a:extLst>
               <a:ext uri="{FF2B5EF4-FFF2-40B4-BE49-F238E27FC236}">
-                <a16:creationId xmlns:a16="http://schemas.microsoft.com/office/drawing/2014/main" xmlns="" id="{33182361-C770-430C-97A0-B9298FA3FE50}"/>
+                <a16:creationId xmlns:a16="http://schemas.microsoft.com/office/drawing/2014/main" id="{33182361-C770-430C-97A0-B9298FA3FE50}"/>
               </a:ext>
             </a:extLst>
           </p:cNvPr>
@@ -6269,7 +6278,7 @@
           <p:cNvPr id="3" name="Content Placeholder 2">
             <a:extLst>
               <a:ext uri="{FF2B5EF4-FFF2-40B4-BE49-F238E27FC236}">
-                <a16:creationId xmlns:a16="http://schemas.microsoft.com/office/drawing/2014/main" xmlns="" id="{6457FBD9-768E-4864-B576-83C1D02FB7F8}"/>
+                <a16:creationId xmlns:a16="http://schemas.microsoft.com/office/drawing/2014/main" id="{6457FBD9-768E-4864-B576-83C1D02FB7F8}"/>
               </a:ext>
             </a:extLst>
           </p:cNvPr>
@@ -6308,13 +6317,6 @@
   <p:clrMapOvr>
     <a:masterClrMapping/>
   </p:clrMapOvr>
-  <p:timing>
-    <p:tnLst>
-      <p:par>
-        <p:cTn id="1" dur="indefinite" restart="never" nodeType="tmRoot"/>
-      </p:par>
-    </p:tnLst>
-  </p:timing>
 </p:sld>
 </file>
 
@@ -6340,7 +6342,7 @@
           <p:cNvPr id="2" name="Title 1">
             <a:extLst>
               <a:ext uri="{FF2B5EF4-FFF2-40B4-BE49-F238E27FC236}">
-                <a16:creationId xmlns:a16="http://schemas.microsoft.com/office/drawing/2014/main" xmlns="" id="{ABFE9964-2DD0-4B8C-9324-5C9218DC5DF7}"/>
+                <a16:creationId xmlns:a16="http://schemas.microsoft.com/office/drawing/2014/main" id="{ABFE9964-2DD0-4B8C-9324-5C9218DC5DF7}"/>
               </a:ext>
             </a:extLst>
           </p:cNvPr>
@@ -6358,21 +6360,8 @@
           <a:p>
             <a:r>
               <a:rPr lang="en-US" sz="5400" dirty="0"/>
-              <a:t>As Tommy the mountain hermit, I want to still be able to use the app even if </a:t>
-            </a:r>
-            <a:r>
-              <a:rPr lang="en-US" sz="5400" dirty="0"/>
-              <a:t>I</a:t>
-            </a:r>
-            <a:r>
-              <a:rPr lang="en-US" sz="5400" dirty="0" smtClean="0"/>
-              <a:t> </a:t>
-            </a:r>
-            <a:r>
-              <a:rPr lang="en-US" sz="5400" dirty="0"/>
-              <a:t>go months without internet access.</a:t>
-            </a:r>
-            <a:endParaRPr lang="en-US" sz="5400" dirty="0"/>
+              <a:t>As Tommy the mountain hermit, I want to still be able to use the app even if I go months without internet access.</a:t>
+            </a:r>
           </a:p>
         </p:txBody>
       </p:sp>
@@ -6381,7 +6370,7 @@
           <p:cNvPr id="3" name="Content Placeholder 2">
             <a:extLst>
               <a:ext uri="{FF2B5EF4-FFF2-40B4-BE49-F238E27FC236}">
-                <a16:creationId xmlns:a16="http://schemas.microsoft.com/office/drawing/2014/main" xmlns="" id="{361D3B48-B632-4E60-8736-F1558045DB59}"/>
+                <a16:creationId xmlns:a16="http://schemas.microsoft.com/office/drawing/2014/main" id="{361D3B48-B632-4E60-8736-F1558045DB59}"/>
               </a:ext>
             </a:extLst>
           </p:cNvPr>
@@ -6411,13 +6400,6 @@
   <p:clrMapOvr>
     <a:masterClrMapping/>
   </p:clrMapOvr>
-  <p:timing>
-    <p:tnLst>
-      <p:par>
-        <p:cTn id="1" dur="indefinite" restart="never" nodeType="tmRoot"/>
-      </p:par>
-    </p:tnLst>
-  </p:timing>
 </p:sld>
 </file>
 
@@ -6443,7 +6425,7 @@
           <p:cNvPr id="2" name="Title 1">
             <a:extLst>
               <a:ext uri="{FF2B5EF4-FFF2-40B4-BE49-F238E27FC236}">
-                <a16:creationId xmlns:a16="http://schemas.microsoft.com/office/drawing/2014/main" xmlns="" id="{E66C612F-2F3A-4260-BDBF-80671B0DF2ED}"/>
+                <a16:creationId xmlns:a16="http://schemas.microsoft.com/office/drawing/2014/main" id="{E66C612F-2F3A-4260-BDBF-80671B0DF2ED}"/>
               </a:ext>
             </a:extLst>
           </p:cNvPr>
@@ -6461,7 +6443,7 @@
           <a:p>
             <a:r>
               <a:rPr lang="en-US" dirty="0"/>
-              <a:t>[Feature]</a:t>
+              <a:t>[Local Storage]</a:t>
             </a:r>
           </a:p>
         </p:txBody>
@@ -6471,7 +6453,7 @@
           <p:cNvPr id="3" name="Content Placeholder 2">
             <a:extLst>
               <a:ext uri="{FF2B5EF4-FFF2-40B4-BE49-F238E27FC236}">
-                <a16:creationId xmlns:a16="http://schemas.microsoft.com/office/drawing/2014/main" xmlns="" id="{6C61B333-EC15-417A-92E3-D6641D0F3741}"/>
+                <a16:creationId xmlns:a16="http://schemas.microsoft.com/office/drawing/2014/main" id="{6C61B333-EC15-417A-92E3-D6641D0F3741}"/>
               </a:ext>
             </a:extLst>
           </p:cNvPr>
@@ -6501,13 +6483,6 @@
   <p:clrMapOvr>
     <a:masterClrMapping/>
   </p:clrMapOvr>
-  <p:timing>
-    <p:tnLst>
-      <p:par>
-        <p:cTn id="1" dur="indefinite" restart="never" nodeType="tmRoot"/>
-      </p:par>
-    </p:tnLst>
-  </p:timing>
 </p:sld>
 </file>
 
@@ -6533,7 +6508,7 @@
           <p:cNvPr id="2" name="Title 1">
             <a:extLst>
               <a:ext uri="{FF2B5EF4-FFF2-40B4-BE49-F238E27FC236}">
-                <a16:creationId xmlns:a16="http://schemas.microsoft.com/office/drawing/2014/main" xmlns="" id="{BA35D0AB-9A37-479C-9406-C70EC5D04068}"/>
+                <a16:creationId xmlns:a16="http://schemas.microsoft.com/office/drawing/2014/main" id="{BA35D0AB-9A37-479C-9406-C70EC5D04068}"/>
               </a:ext>
             </a:extLst>
           </p:cNvPr>
@@ -6561,7 +6536,7 @@
           <p:cNvPr id="3" name="Content Placeholder 2">
             <a:extLst>
               <a:ext uri="{FF2B5EF4-FFF2-40B4-BE49-F238E27FC236}">
-                <a16:creationId xmlns:a16="http://schemas.microsoft.com/office/drawing/2014/main" xmlns="" id="{C53C1AAE-D52E-4865-94E5-9A746F2B6603}"/>
+                <a16:creationId xmlns:a16="http://schemas.microsoft.com/office/drawing/2014/main" id="{C53C1AAE-D52E-4865-94E5-9A746F2B6603}"/>
               </a:ext>
             </a:extLst>
           </p:cNvPr>
@@ -6633,13 +6608,6 @@
   <p:clrMapOvr>
     <a:masterClrMapping/>
   </p:clrMapOvr>
-  <p:timing>
-    <p:tnLst>
-      <p:par>
-        <p:cTn id="1" dur="indefinite" restart="never" nodeType="tmRoot"/>
-      </p:par>
-    </p:tnLst>
-  </p:timing>
 </p:sld>
 </file>
 
@@ -6665,7 +6633,7 @@
           <p:cNvPr id="2" name="Title 1">
             <a:extLst>
               <a:ext uri="{FF2B5EF4-FFF2-40B4-BE49-F238E27FC236}">
-                <a16:creationId xmlns:a16="http://schemas.microsoft.com/office/drawing/2014/main" xmlns="" id="{33182361-C770-430C-97A0-B9298FA3FE50}"/>
+                <a16:creationId xmlns:a16="http://schemas.microsoft.com/office/drawing/2014/main" id="{33182361-C770-430C-97A0-B9298FA3FE50}"/>
               </a:ext>
             </a:extLst>
           </p:cNvPr>
@@ -6693,7 +6661,7 @@
           <p:cNvPr id="3" name="Content Placeholder 2">
             <a:extLst>
               <a:ext uri="{FF2B5EF4-FFF2-40B4-BE49-F238E27FC236}">
-                <a16:creationId xmlns:a16="http://schemas.microsoft.com/office/drawing/2014/main" xmlns="" id="{6457FBD9-768E-4864-B576-83C1D02FB7F8}"/>
+                <a16:creationId xmlns:a16="http://schemas.microsoft.com/office/drawing/2014/main" id="{6457FBD9-768E-4864-B576-83C1D02FB7F8}"/>
               </a:ext>
             </a:extLst>
           </p:cNvPr>
@@ -6732,13 +6700,6 @@
   <p:clrMapOvr>
     <a:masterClrMapping/>
   </p:clrMapOvr>
-  <p:timing>
-    <p:tnLst>
-      <p:par>
-        <p:cTn id="1" dur="indefinite" restart="never" nodeType="tmRoot"/>
-      </p:par>
-    </p:tnLst>
-  </p:timing>
 </p:sld>
 </file>
 
@@ -6764,7 +6725,7 @@
           <p:cNvPr id="2" name="Title 1">
             <a:extLst>
               <a:ext uri="{FF2B5EF4-FFF2-40B4-BE49-F238E27FC236}">
-                <a16:creationId xmlns:a16="http://schemas.microsoft.com/office/drawing/2014/main" xmlns="" id="{ABFE9964-2DD0-4B8C-9324-5C9218DC5DF7}"/>
+                <a16:creationId xmlns:a16="http://schemas.microsoft.com/office/drawing/2014/main" id="{ABFE9964-2DD0-4B8C-9324-5C9218DC5DF7}"/>
               </a:ext>
             </a:extLst>
           </p:cNvPr>
@@ -6792,32 +6753,6 @@
               <a:rPr lang="en-US" sz="5400" dirty="0"/>
               <a:t>, I want to easily show my friends a quick slideshow style summary of all the places I’ve been.</a:t>
             </a:r>
-            <a:endParaRPr lang="en-US" sz="5400" dirty="0"/>
-          </a:p>
-        </p:txBody>
-      </p:sp>
-      <p:sp>
-        <p:nvSpPr>
-          <p:cNvPr id="3" name="Content Placeholder 2">
-            <a:extLst>
-              <a:ext uri="{FF2B5EF4-FFF2-40B4-BE49-F238E27FC236}">
-                <a16:creationId xmlns:a16="http://schemas.microsoft.com/office/drawing/2014/main" xmlns="" id="{361D3B48-B632-4E60-8736-F1558045DB59}"/>
-              </a:ext>
-            </a:extLst>
-          </p:cNvPr>
-          <p:cNvSpPr>
-            <a:spLocks noGrp="1"/>
-          </p:cNvSpPr>
-          <p:nvPr>
-            <p:ph idx="1"/>
-          </p:nvPr>
-        </p:nvSpPr>
-        <p:spPr/>
-        <p:txBody>
-          <a:bodyPr/>
-          <a:lstStyle/>
-          <a:p>
-            <a:endParaRPr lang="en-US" dirty="0"/>
           </a:p>
         </p:txBody>
       </p:sp>
@@ -6831,13 +6766,6 @@
   <p:clrMapOvr>
     <a:masterClrMapping/>
   </p:clrMapOvr>
-  <p:timing>
-    <p:tnLst>
-      <p:par>
-        <p:cTn id="1" dur="indefinite" restart="never" nodeType="tmRoot"/>
-      </p:par>
-    </p:tnLst>
-  </p:timing>
 </p:sld>
 </file>
 
@@ -6863,7 +6791,7 @@
           <p:cNvPr id="2" name="Title 1">
             <a:extLst>
               <a:ext uri="{FF2B5EF4-FFF2-40B4-BE49-F238E27FC236}">
-                <a16:creationId xmlns:a16="http://schemas.microsoft.com/office/drawing/2014/main" xmlns="" id="{E66C612F-2F3A-4260-BDBF-80671B0DF2ED}"/>
+                <a16:creationId xmlns:a16="http://schemas.microsoft.com/office/drawing/2014/main" id="{E66C612F-2F3A-4260-BDBF-80671B0DF2ED}"/>
               </a:ext>
             </a:extLst>
           </p:cNvPr>
@@ -6881,7 +6809,7 @@
           <a:p>
             <a:r>
               <a:rPr lang="en-US" dirty="0"/>
-              <a:t>[Feature]</a:t>
+              <a:t>[Slideshow Summary]</a:t>
             </a:r>
           </a:p>
         </p:txBody>
@@ -6891,7 +6819,7 @@
           <p:cNvPr id="3" name="Content Placeholder 2">
             <a:extLst>
               <a:ext uri="{FF2B5EF4-FFF2-40B4-BE49-F238E27FC236}">
-                <a16:creationId xmlns:a16="http://schemas.microsoft.com/office/drawing/2014/main" xmlns="" id="{6C61B333-EC15-417A-92E3-D6641D0F3741}"/>
+                <a16:creationId xmlns:a16="http://schemas.microsoft.com/office/drawing/2014/main" id="{6C61B333-EC15-417A-92E3-D6641D0F3741}"/>
               </a:ext>
             </a:extLst>
           </p:cNvPr>
@@ -6946,7 +6874,7 @@
           <p:cNvPr id="2" name="Title 1">
             <a:extLst>
               <a:ext uri="{FF2B5EF4-FFF2-40B4-BE49-F238E27FC236}">
-                <a16:creationId xmlns:a16="http://schemas.microsoft.com/office/drawing/2014/main" xmlns="" id="{BA35D0AB-9A37-479C-9406-C70EC5D04068}"/>
+                <a16:creationId xmlns:a16="http://schemas.microsoft.com/office/drawing/2014/main" id="{BA35D0AB-9A37-479C-9406-C70EC5D04068}"/>
               </a:ext>
             </a:extLst>
           </p:cNvPr>
@@ -6974,7 +6902,7 @@
           <p:cNvPr id="3" name="Content Placeholder 2">
             <a:extLst>
               <a:ext uri="{FF2B5EF4-FFF2-40B4-BE49-F238E27FC236}">
-                <a16:creationId xmlns:a16="http://schemas.microsoft.com/office/drawing/2014/main" xmlns="" id="{C53C1AAE-D52E-4865-94E5-9A746F2B6603}"/>
+                <a16:creationId xmlns:a16="http://schemas.microsoft.com/office/drawing/2014/main" id="{C53C1AAE-D52E-4865-94E5-9A746F2B6603}"/>
               </a:ext>
             </a:extLst>
           </p:cNvPr>
@@ -7071,7 +6999,7 @@
           <p:cNvPr id="2" name="Title 1">
             <a:extLst>
               <a:ext uri="{FF2B5EF4-FFF2-40B4-BE49-F238E27FC236}">
-                <a16:creationId xmlns:a16="http://schemas.microsoft.com/office/drawing/2014/main" xmlns="" id="{33182361-C770-430C-97A0-B9298FA3FE50}"/>
+                <a16:creationId xmlns:a16="http://schemas.microsoft.com/office/drawing/2014/main" id="{33182361-C770-430C-97A0-B9298FA3FE50}"/>
               </a:ext>
             </a:extLst>
           </p:cNvPr>
@@ -7099,7 +7027,7 @@
           <p:cNvPr id="3" name="Content Placeholder 2">
             <a:extLst>
               <a:ext uri="{FF2B5EF4-FFF2-40B4-BE49-F238E27FC236}">
-                <a16:creationId xmlns:a16="http://schemas.microsoft.com/office/drawing/2014/main" xmlns="" id="{6457FBD9-768E-4864-B576-83C1D02FB7F8}"/>
+                <a16:creationId xmlns:a16="http://schemas.microsoft.com/office/drawing/2014/main" id="{6457FBD9-768E-4864-B576-83C1D02FB7F8}"/>
               </a:ext>
             </a:extLst>
           </p:cNvPr>
@@ -7163,7 +7091,7 @@
           <p:cNvPr id="2" name="Title 1">
             <a:extLst>
               <a:ext uri="{FF2B5EF4-FFF2-40B4-BE49-F238E27FC236}">
-                <a16:creationId xmlns:a16="http://schemas.microsoft.com/office/drawing/2014/main" xmlns="" id="{ABFE9964-2DD0-4B8C-9324-5C9218DC5DF7}"/>
+                <a16:creationId xmlns:a16="http://schemas.microsoft.com/office/drawing/2014/main" id="{ABFE9964-2DD0-4B8C-9324-5C9218DC5DF7}"/>
               </a:ext>
             </a:extLst>
           </p:cNvPr>
@@ -7183,7 +7111,6 @@
               <a:rPr lang="en-US" sz="5400" dirty="0"/>
               <a:t>As Dora the explorer, I want to save personal notes about my trips to landmarks.</a:t>
             </a:r>
-            <a:endParaRPr lang="en-US" sz="5400" dirty="0"/>
           </a:p>
         </p:txBody>
       </p:sp>
@@ -7192,7 +7119,7 @@
           <p:cNvPr id="3" name="Content Placeholder 2">
             <a:extLst>
               <a:ext uri="{FF2B5EF4-FFF2-40B4-BE49-F238E27FC236}">
-                <a16:creationId xmlns:a16="http://schemas.microsoft.com/office/drawing/2014/main" xmlns="" id="{361D3B48-B632-4E60-8736-F1558045DB59}"/>
+                <a16:creationId xmlns:a16="http://schemas.microsoft.com/office/drawing/2014/main" id="{361D3B48-B632-4E60-8736-F1558045DB59}"/>
               </a:ext>
             </a:extLst>
           </p:cNvPr>
@@ -7247,7 +7174,7 @@
           <p:cNvPr id="2" name="Title 1">
             <a:extLst>
               <a:ext uri="{FF2B5EF4-FFF2-40B4-BE49-F238E27FC236}">
-                <a16:creationId xmlns:a16="http://schemas.microsoft.com/office/drawing/2014/main" xmlns="" id="{601EE2DE-996E-49C9-9283-71E6DF47AD8B}"/>
+                <a16:creationId xmlns:a16="http://schemas.microsoft.com/office/drawing/2014/main" id="{601EE2DE-996E-49C9-9283-71E6DF47AD8B}"/>
               </a:ext>
             </a:extLst>
           </p:cNvPr>
@@ -7275,7 +7202,7 @@
           <p:cNvPr id="3" name="Content Placeholder 2">
             <a:extLst>
               <a:ext uri="{FF2B5EF4-FFF2-40B4-BE49-F238E27FC236}">
-                <a16:creationId xmlns:a16="http://schemas.microsoft.com/office/drawing/2014/main" xmlns="" id="{EB37BA83-D073-4F36-B3A6-8F7EBB4E1483}"/>
+                <a16:creationId xmlns:a16="http://schemas.microsoft.com/office/drawing/2014/main" id="{EB37BA83-D073-4F36-B3A6-8F7EBB4E1483}"/>
               </a:ext>
             </a:extLst>
           </p:cNvPr>
@@ -7305,13 +7232,6 @@
   <p:clrMapOvr>
     <a:masterClrMapping/>
   </p:clrMapOvr>
-  <p:timing>
-    <p:tnLst>
-      <p:par>
-        <p:cTn id="1" dur="indefinite" restart="never" nodeType="tmRoot"/>
-      </p:par>
-    </p:tnLst>
-  </p:timing>
 </p:sld>
 </file>
 
@@ -7337,7 +7257,7 @@
           <p:cNvPr id="2" name="Title 1">
             <a:extLst>
               <a:ext uri="{FF2B5EF4-FFF2-40B4-BE49-F238E27FC236}">
-                <a16:creationId xmlns:a16="http://schemas.microsoft.com/office/drawing/2014/main" xmlns="" id="{E66C612F-2F3A-4260-BDBF-80671B0DF2ED}"/>
+                <a16:creationId xmlns:a16="http://schemas.microsoft.com/office/drawing/2014/main" id="{E66C612F-2F3A-4260-BDBF-80671B0DF2ED}"/>
               </a:ext>
             </a:extLst>
           </p:cNvPr>
@@ -7355,7 +7275,7 @@
           <a:p>
             <a:r>
               <a:rPr lang="en-US" dirty="0"/>
-              <a:t>[Feature]</a:t>
+              <a:t>[Saved Notes]</a:t>
             </a:r>
           </a:p>
         </p:txBody>
@@ -7365,7 +7285,7 @@
           <p:cNvPr id="3" name="Content Placeholder 2">
             <a:extLst>
               <a:ext uri="{FF2B5EF4-FFF2-40B4-BE49-F238E27FC236}">
-                <a16:creationId xmlns:a16="http://schemas.microsoft.com/office/drawing/2014/main" xmlns="" id="{6C61B333-EC15-417A-92E3-D6641D0F3741}"/>
+                <a16:creationId xmlns:a16="http://schemas.microsoft.com/office/drawing/2014/main" id="{6C61B333-EC15-417A-92E3-D6641D0F3741}"/>
               </a:ext>
             </a:extLst>
           </p:cNvPr>
@@ -7420,7 +7340,7 @@
           <p:cNvPr id="2" name="Title 1">
             <a:extLst>
               <a:ext uri="{FF2B5EF4-FFF2-40B4-BE49-F238E27FC236}">
-                <a16:creationId xmlns:a16="http://schemas.microsoft.com/office/drawing/2014/main" xmlns="" id="{BA35D0AB-9A37-479C-9406-C70EC5D04068}"/>
+                <a16:creationId xmlns:a16="http://schemas.microsoft.com/office/drawing/2014/main" id="{BA35D0AB-9A37-479C-9406-C70EC5D04068}"/>
               </a:ext>
             </a:extLst>
           </p:cNvPr>
@@ -7448,7 +7368,7 @@
           <p:cNvPr id="3" name="Content Placeholder 2">
             <a:extLst>
               <a:ext uri="{FF2B5EF4-FFF2-40B4-BE49-F238E27FC236}">
-                <a16:creationId xmlns:a16="http://schemas.microsoft.com/office/drawing/2014/main" xmlns="" id="{C53C1AAE-D52E-4865-94E5-9A746F2B6603}"/>
+                <a16:creationId xmlns:a16="http://schemas.microsoft.com/office/drawing/2014/main" id="{C53C1AAE-D52E-4865-94E5-9A746F2B6603}"/>
               </a:ext>
             </a:extLst>
           </p:cNvPr>
@@ -7545,7 +7465,7 @@
           <p:cNvPr id="2" name="Title 1">
             <a:extLst>
               <a:ext uri="{FF2B5EF4-FFF2-40B4-BE49-F238E27FC236}">
-                <a16:creationId xmlns:a16="http://schemas.microsoft.com/office/drawing/2014/main" xmlns="" id="{33182361-C770-430C-97A0-B9298FA3FE50}"/>
+                <a16:creationId xmlns:a16="http://schemas.microsoft.com/office/drawing/2014/main" id="{33182361-C770-430C-97A0-B9298FA3FE50}"/>
               </a:ext>
             </a:extLst>
           </p:cNvPr>
@@ -7573,7 +7493,7 @@
           <p:cNvPr id="3" name="Content Placeholder 2">
             <a:extLst>
               <a:ext uri="{FF2B5EF4-FFF2-40B4-BE49-F238E27FC236}">
-                <a16:creationId xmlns:a16="http://schemas.microsoft.com/office/drawing/2014/main" xmlns="" id="{6457FBD9-768E-4864-B576-83C1D02FB7F8}"/>
+                <a16:creationId xmlns:a16="http://schemas.microsoft.com/office/drawing/2014/main" id="{6457FBD9-768E-4864-B576-83C1D02FB7F8}"/>
               </a:ext>
             </a:extLst>
           </p:cNvPr>
@@ -7637,7 +7557,7 @@
           <p:cNvPr id="2" name="Title 1">
             <a:extLst>
               <a:ext uri="{FF2B5EF4-FFF2-40B4-BE49-F238E27FC236}">
-                <a16:creationId xmlns:a16="http://schemas.microsoft.com/office/drawing/2014/main" xmlns="" id="{ABFE9964-2DD0-4B8C-9324-5C9218DC5DF7}"/>
+                <a16:creationId xmlns:a16="http://schemas.microsoft.com/office/drawing/2014/main" id="{ABFE9964-2DD0-4B8C-9324-5C9218DC5DF7}"/>
               </a:ext>
             </a:extLst>
           </p:cNvPr>
@@ -7673,7 +7593,6 @@
               <a:rPr lang="en-US" sz="5400" dirty="0"/>
               <a:t> can get back to it in the future.</a:t>
             </a:r>
-            <a:endParaRPr lang="en-US" sz="5400" dirty="0"/>
           </a:p>
         </p:txBody>
       </p:sp>
@@ -7682,7 +7601,7 @@
           <p:cNvPr id="3" name="Content Placeholder 2">
             <a:extLst>
               <a:ext uri="{FF2B5EF4-FFF2-40B4-BE49-F238E27FC236}">
-                <a16:creationId xmlns:a16="http://schemas.microsoft.com/office/drawing/2014/main" xmlns="" id="{361D3B48-B632-4E60-8736-F1558045DB59}"/>
+                <a16:creationId xmlns:a16="http://schemas.microsoft.com/office/drawing/2014/main" id="{361D3B48-B632-4E60-8736-F1558045DB59}"/>
               </a:ext>
             </a:extLst>
           </p:cNvPr>
@@ -7737,7 +7656,7 @@
           <p:cNvPr id="2" name="Title 1">
             <a:extLst>
               <a:ext uri="{FF2B5EF4-FFF2-40B4-BE49-F238E27FC236}">
-                <a16:creationId xmlns:a16="http://schemas.microsoft.com/office/drawing/2014/main" xmlns="" id="{E66C612F-2F3A-4260-BDBF-80671B0DF2ED}"/>
+                <a16:creationId xmlns:a16="http://schemas.microsoft.com/office/drawing/2014/main" id="{E66C612F-2F3A-4260-BDBF-80671B0DF2ED}"/>
               </a:ext>
             </a:extLst>
           </p:cNvPr>
@@ -7755,7 +7674,7 @@
           <a:p>
             <a:r>
               <a:rPr lang="en-US" dirty="0"/>
-              <a:t>[Feature]</a:t>
+              <a:t>[Custom Landmarks]</a:t>
             </a:r>
           </a:p>
         </p:txBody>
@@ -7765,7 +7684,7 @@
           <p:cNvPr id="3" name="Content Placeholder 2">
             <a:extLst>
               <a:ext uri="{FF2B5EF4-FFF2-40B4-BE49-F238E27FC236}">
-                <a16:creationId xmlns:a16="http://schemas.microsoft.com/office/drawing/2014/main" xmlns="" id="{6C61B333-EC15-417A-92E3-D6641D0F3741}"/>
+                <a16:creationId xmlns:a16="http://schemas.microsoft.com/office/drawing/2014/main" id="{6C61B333-EC15-417A-92E3-D6641D0F3741}"/>
               </a:ext>
             </a:extLst>
           </p:cNvPr>
@@ -7820,7 +7739,7 @@
           <p:cNvPr id="2" name="Title 1">
             <a:extLst>
               <a:ext uri="{FF2B5EF4-FFF2-40B4-BE49-F238E27FC236}">
-                <a16:creationId xmlns:a16="http://schemas.microsoft.com/office/drawing/2014/main" xmlns="" id="{BA35D0AB-9A37-479C-9406-C70EC5D04068}"/>
+                <a16:creationId xmlns:a16="http://schemas.microsoft.com/office/drawing/2014/main" id="{BA35D0AB-9A37-479C-9406-C70EC5D04068}"/>
               </a:ext>
             </a:extLst>
           </p:cNvPr>
@@ -7848,7 +7767,7 @@
           <p:cNvPr id="3" name="Content Placeholder 2">
             <a:extLst>
               <a:ext uri="{FF2B5EF4-FFF2-40B4-BE49-F238E27FC236}">
-                <a16:creationId xmlns:a16="http://schemas.microsoft.com/office/drawing/2014/main" xmlns="" id="{C53C1AAE-D52E-4865-94E5-9A746F2B6603}"/>
+                <a16:creationId xmlns:a16="http://schemas.microsoft.com/office/drawing/2014/main" id="{C53C1AAE-D52E-4865-94E5-9A746F2B6603}"/>
               </a:ext>
             </a:extLst>
           </p:cNvPr>
@@ -7945,7 +7864,7 @@
           <p:cNvPr id="2" name="Title 1">
             <a:extLst>
               <a:ext uri="{FF2B5EF4-FFF2-40B4-BE49-F238E27FC236}">
-                <a16:creationId xmlns:a16="http://schemas.microsoft.com/office/drawing/2014/main" xmlns="" id="{33182361-C770-430C-97A0-B9298FA3FE50}"/>
+                <a16:creationId xmlns:a16="http://schemas.microsoft.com/office/drawing/2014/main" id="{33182361-C770-430C-97A0-B9298FA3FE50}"/>
               </a:ext>
             </a:extLst>
           </p:cNvPr>
@@ -7973,7 +7892,7 @@
           <p:cNvPr id="3" name="Content Placeholder 2">
             <a:extLst>
               <a:ext uri="{FF2B5EF4-FFF2-40B4-BE49-F238E27FC236}">
-                <a16:creationId xmlns:a16="http://schemas.microsoft.com/office/drawing/2014/main" xmlns="" id="{6457FBD9-768E-4864-B576-83C1D02FB7F8}"/>
+                <a16:creationId xmlns:a16="http://schemas.microsoft.com/office/drawing/2014/main" id="{6457FBD9-768E-4864-B576-83C1D02FB7F8}"/>
               </a:ext>
             </a:extLst>
           </p:cNvPr>
@@ -8037,7 +7956,7 @@
           <p:cNvPr id="2" name="Title 1">
             <a:extLst>
               <a:ext uri="{FF2B5EF4-FFF2-40B4-BE49-F238E27FC236}">
-                <a16:creationId xmlns:a16="http://schemas.microsoft.com/office/drawing/2014/main" xmlns="" id="{ABFE9964-2DD0-4B8C-9324-5C9218DC5DF7}"/>
+                <a16:creationId xmlns:a16="http://schemas.microsoft.com/office/drawing/2014/main" id="{ABFE9964-2DD0-4B8C-9324-5C9218DC5DF7}"/>
               </a:ext>
             </a:extLst>
           </p:cNvPr>
@@ -8057,7 +7976,6 @@
               <a:rPr lang="en-US" sz="5400" dirty="0"/>
               <a:t>As Jane the college aged woman I want to social media blast this location to everyone in my circle.</a:t>
             </a:r>
-            <a:endParaRPr lang="en-US" sz="5400" dirty="0"/>
           </a:p>
         </p:txBody>
       </p:sp>
@@ -8066,7 +7984,7 @@
           <p:cNvPr id="3" name="Content Placeholder 2">
             <a:extLst>
               <a:ext uri="{FF2B5EF4-FFF2-40B4-BE49-F238E27FC236}">
-                <a16:creationId xmlns:a16="http://schemas.microsoft.com/office/drawing/2014/main" xmlns="" id="{361D3B48-B632-4E60-8736-F1558045DB59}"/>
+                <a16:creationId xmlns:a16="http://schemas.microsoft.com/office/drawing/2014/main" id="{361D3B48-B632-4E60-8736-F1558045DB59}"/>
               </a:ext>
             </a:extLst>
           </p:cNvPr>
@@ -8121,7 +8039,7 @@
           <p:cNvPr id="2" name="Title 1">
             <a:extLst>
               <a:ext uri="{FF2B5EF4-FFF2-40B4-BE49-F238E27FC236}">
-                <a16:creationId xmlns:a16="http://schemas.microsoft.com/office/drawing/2014/main" xmlns="" id="{E66C612F-2F3A-4260-BDBF-80671B0DF2ED}"/>
+                <a16:creationId xmlns:a16="http://schemas.microsoft.com/office/drawing/2014/main" id="{E66C612F-2F3A-4260-BDBF-80671B0DF2ED}"/>
               </a:ext>
             </a:extLst>
           </p:cNvPr>
@@ -8139,7 +8057,7 @@
           <a:p>
             <a:r>
               <a:rPr lang="en-US" dirty="0"/>
-              <a:t>[Feature]</a:t>
+              <a:t>[Social Media Integration]</a:t>
             </a:r>
           </a:p>
         </p:txBody>
@@ -8149,7 +8067,7 @@
           <p:cNvPr id="3" name="Content Placeholder 2">
             <a:extLst>
               <a:ext uri="{FF2B5EF4-FFF2-40B4-BE49-F238E27FC236}">
-                <a16:creationId xmlns:a16="http://schemas.microsoft.com/office/drawing/2014/main" xmlns="" id="{6C61B333-EC15-417A-92E3-D6641D0F3741}"/>
+                <a16:creationId xmlns:a16="http://schemas.microsoft.com/office/drawing/2014/main" id="{6C61B333-EC15-417A-92E3-D6641D0F3741}"/>
               </a:ext>
             </a:extLst>
           </p:cNvPr>
@@ -8204,7 +8122,7 @@
           <p:cNvPr id="2" name="Title 1">
             <a:extLst>
               <a:ext uri="{FF2B5EF4-FFF2-40B4-BE49-F238E27FC236}">
-                <a16:creationId xmlns:a16="http://schemas.microsoft.com/office/drawing/2014/main" xmlns="" id="{BA35D0AB-9A37-479C-9406-C70EC5D04068}"/>
+                <a16:creationId xmlns:a16="http://schemas.microsoft.com/office/drawing/2014/main" id="{BA35D0AB-9A37-479C-9406-C70EC5D04068}"/>
               </a:ext>
             </a:extLst>
           </p:cNvPr>
@@ -8232,7 +8150,7 @@
           <p:cNvPr id="3" name="Content Placeholder 2">
             <a:extLst>
               <a:ext uri="{FF2B5EF4-FFF2-40B4-BE49-F238E27FC236}">
-                <a16:creationId xmlns:a16="http://schemas.microsoft.com/office/drawing/2014/main" xmlns="" id="{C53C1AAE-D52E-4865-94E5-9A746F2B6603}"/>
+                <a16:creationId xmlns:a16="http://schemas.microsoft.com/office/drawing/2014/main" id="{C53C1AAE-D52E-4865-94E5-9A746F2B6603}"/>
               </a:ext>
             </a:extLst>
           </p:cNvPr>
@@ -8329,7 +8247,7 @@
           <p:cNvPr id="2" name="Title 1">
             <a:extLst>
               <a:ext uri="{FF2B5EF4-FFF2-40B4-BE49-F238E27FC236}">
-                <a16:creationId xmlns:a16="http://schemas.microsoft.com/office/drawing/2014/main" xmlns="" id="{ABFE9964-2DD0-4B8C-9324-5C9218DC5DF7}"/>
+                <a16:creationId xmlns:a16="http://schemas.microsoft.com/office/drawing/2014/main" id="{ABFE9964-2DD0-4B8C-9324-5C9218DC5DF7}"/>
               </a:ext>
             </a:extLst>
           </p:cNvPr>
@@ -8347,25 +8265,8 @@
           <a:p>
             <a:r>
               <a:rPr lang="en-US" sz="4800" dirty="0"/>
-              <a:t>As </a:t>
-            </a:r>
-            <a:r>
-              <a:rPr lang="en-US" sz="4800" dirty="0" smtClean="0"/>
-              <a:t>Timmy the </a:t>
-            </a:r>
-            <a:r>
-              <a:rPr lang="en-US" sz="4800" dirty="0"/>
-              <a:t>user, </a:t>
-            </a:r>
-            <a:r>
-              <a:rPr lang="en-US" sz="4800" dirty="0" smtClean="0"/>
-              <a:t>I want to </a:t>
-            </a:r>
-            <a:r>
-              <a:rPr lang="en-US" sz="4800" dirty="0"/>
-              <a:t>point my phone at a landmark and find information about it.</a:t>
-            </a:r>
-            <a:endParaRPr lang="en-US" sz="4800" dirty="0"/>
+              <a:t>As Timmy the user, I want to point my phone at a landmark and find information about it.</a:t>
+            </a:r>
           </a:p>
         </p:txBody>
       </p:sp>
@@ -8374,7 +8275,7 @@
           <p:cNvPr id="3" name="Content Placeholder 2">
             <a:extLst>
               <a:ext uri="{FF2B5EF4-FFF2-40B4-BE49-F238E27FC236}">
-                <a16:creationId xmlns:a16="http://schemas.microsoft.com/office/drawing/2014/main" xmlns="" id="{361D3B48-B632-4E60-8736-F1558045DB59}"/>
+                <a16:creationId xmlns:a16="http://schemas.microsoft.com/office/drawing/2014/main" id="{361D3B48-B632-4E60-8736-F1558045DB59}"/>
               </a:ext>
             </a:extLst>
           </p:cNvPr>
@@ -8409,13 +8310,6 @@
   <p:clrMapOvr>
     <a:masterClrMapping/>
   </p:clrMapOvr>
-  <p:timing>
-    <p:tnLst>
-      <p:par>
-        <p:cTn id="1" dur="indefinite" restart="never" nodeType="tmRoot"/>
-      </p:par>
-    </p:tnLst>
-  </p:timing>
 </p:sld>
 </file>
 
@@ -8441,7 +8335,7 @@
           <p:cNvPr id="2" name="Title 1">
             <a:extLst>
               <a:ext uri="{FF2B5EF4-FFF2-40B4-BE49-F238E27FC236}">
-                <a16:creationId xmlns:a16="http://schemas.microsoft.com/office/drawing/2014/main" xmlns="" id="{33182361-C770-430C-97A0-B9298FA3FE50}"/>
+                <a16:creationId xmlns:a16="http://schemas.microsoft.com/office/drawing/2014/main" id="{33182361-C770-430C-97A0-B9298FA3FE50}"/>
               </a:ext>
             </a:extLst>
           </p:cNvPr>
@@ -8469,7 +8363,7 @@
           <p:cNvPr id="3" name="Content Placeholder 2">
             <a:extLst>
               <a:ext uri="{FF2B5EF4-FFF2-40B4-BE49-F238E27FC236}">
-                <a16:creationId xmlns:a16="http://schemas.microsoft.com/office/drawing/2014/main" xmlns="" id="{6457FBD9-768E-4864-B576-83C1D02FB7F8}"/>
+                <a16:creationId xmlns:a16="http://schemas.microsoft.com/office/drawing/2014/main" id="{6457FBD9-768E-4864-B576-83C1D02FB7F8}"/>
               </a:ext>
             </a:extLst>
           </p:cNvPr>
@@ -8533,7 +8427,7 @@
           <p:cNvPr id="2" name="Title 1">
             <a:extLst>
               <a:ext uri="{FF2B5EF4-FFF2-40B4-BE49-F238E27FC236}">
-                <a16:creationId xmlns:a16="http://schemas.microsoft.com/office/drawing/2014/main" xmlns="" id="{ABFE9964-2DD0-4B8C-9324-5C9218DC5DF7}"/>
+                <a16:creationId xmlns:a16="http://schemas.microsoft.com/office/drawing/2014/main" id="{ABFE9964-2DD0-4B8C-9324-5C9218DC5DF7}"/>
               </a:ext>
             </a:extLst>
           </p:cNvPr>
@@ -8553,7 +8447,6 @@
               <a:rPr lang="en-US" sz="4800" dirty="0"/>
               <a:t>As George the photographer, I want all the pictures taken at each location to be associated with the location they were taken at.</a:t>
             </a:r>
-            <a:endParaRPr lang="en-US" sz="4800" dirty="0"/>
           </a:p>
         </p:txBody>
       </p:sp>
@@ -8562,7 +8455,7 @@
           <p:cNvPr id="3" name="Content Placeholder 2">
             <a:extLst>
               <a:ext uri="{FF2B5EF4-FFF2-40B4-BE49-F238E27FC236}">
-                <a16:creationId xmlns:a16="http://schemas.microsoft.com/office/drawing/2014/main" xmlns="" id="{361D3B48-B632-4E60-8736-F1558045DB59}"/>
+                <a16:creationId xmlns:a16="http://schemas.microsoft.com/office/drawing/2014/main" id="{361D3B48-B632-4E60-8736-F1558045DB59}"/>
               </a:ext>
             </a:extLst>
           </p:cNvPr>
@@ -8617,7 +8510,7 @@
           <p:cNvPr id="2" name="Title 1">
             <a:extLst>
               <a:ext uri="{FF2B5EF4-FFF2-40B4-BE49-F238E27FC236}">
-                <a16:creationId xmlns:a16="http://schemas.microsoft.com/office/drawing/2014/main" xmlns="" id="{E66C612F-2F3A-4260-BDBF-80671B0DF2ED}"/>
+                <a16:creationId xmlns:a16="http://schemas.microsoft.com/office/drawing/2014/main" id="{E66C612F-2F3A-4260-BDBF-80671B0DF2ED}"/>
               </a:ext>
             </a:extLst>
           </p:cNvPr>
@@ -8635,7 +8528,7 @@
           <a:p>
             <a:r>
               <a:rPr lang="en-US" dirty="0"/>
-              <a:t>[Feature]</a:t>
+              <a:t>[Associated Photos]</a:t>
             </a:r>
           </a:p>
         </p:txBody>
@@ -8645,7 +8538,7 @@
           <p:cNvPr id="3" name="Content Placeholder 2">
             <a:extLst>
               <a:ext uri="{FF2B5EF4-FFF2-40B4-BE49-F238E27FC236}">
-                <a16:creationId xmlns:a16="http://schemas.microsoft.com/office/drawing/2014/main" xmlns="" id="{6C61B333-EC15-417A-92E3-D6641D0F3741}"/>
+                <a16:creationId xmlns:a16="http://schemas.microsoft.com/office/drawing/2014/main" id="{6C61B333-EC15-417A-92E3-D6641D0F3741}"/>
               </a:ext>
             </a:extLst>
           </p:cNvPr>
@@ -8700,7 +8593,7 @@
           <p:cNvPr id="2" name="Title 1">
             <a:extLst>
               <a:ext uri="{FF2B5EF4-FFF2-40B4-BE49-F238E27FC236}">
-                <a16:creationId xmlns:a16="http://schemas.microsoft.com/office/drawing/2014/main" xmlns="" id="{BA35D0AB-9A37-479C-9406-C70EC5D04068}"/>
+                <a16:creationId xmlns:a16="http://schemas.microsoft.com/office/drawing/2014/main" id="{BA35D0AB-9A37-479C-9406-C70EC5D04068}"/>
               </a:ext>
             </a:extLst>
           </p:cNvPr>
@@ -8728,7 +8621,7 @@
           <p:cNvPr id="3" name="Content Placeholder 2">
             <a:extLst>
               <a:ext uri="{FF2B5EF4-FFF2-40B4-BE49-F238E27FC236}">
-                <a16:creationId xmlns:a16="http://schemas.microsoft.com/office/drawing/2014/main" xmlns="" id="{C53C1AAE-D52E-4865-94E5-9A746F2B6603}"/>
+                <a16:creationId xmlns:a16="http://schemas.microsoft.com/office/drawing/2014/main" id="{C53C1AAE-D52E-4865-94E5-9A746F2B6603}"/>
               </a:ext>
             </a:extLst>
           </p:cNvPr>
@@ -8825,7 +8718,7 @@
           <p:cNvPr id="2" name="Title 1">
             <a:extLst>
               <a:ext uri="{FF2B5EF4-FFF2-40B4-BE49-F238E27FC236}">
-                <a16:creationId xmlns:a16="http://schemas.microsoft.com/office/drawing/2014/main" xmlns="" id="{33182361-C770-430C-97A0-B9298FA3FE50}"/>
+                <a16:creationId xmlns:a16="http://schemas.microsoft.com/office/drawing/2014/main" id="{33182361-C770-430C-97A0-B9298FA3FE50}"/>
               </a:ext>
             </a:extLst>
           </p:cNvPr>
@@ -8853,7 +8746,7 @@
           <p:cNvPr id="3" name="Content Placeholder 2">
             <a:extLst>
               <a:ext uri="{FF2B5EF4-FFF2-40B4-BE49-F238E27FC236}">
-                <a16:creationId xmlns:a16="http://schemas.microsoft.com/office/drawing/2014/main" xmlns="" id="{6457FBD9-768E-4864-B576-83C1D02FB7F8}"/>
+                <a16:creationId xmlns:a16="http://schemas.microsoft.com/office/drawing/2014/main" id="{6457FBD9-768E-4864-B576-83C1D02FB7F8}"/>
               </a:ext>
             </a:extLst>
           </p:cNvPr>
@@ -8917,7 +8810,7 @@
           <p:cNvPr id="2" name="Title 1">
             <a:extLst>
               <a:ext uri="{FF2B5EF4-FFF2-40B4-BE49-F238E27FC236}">
-                <a16:creationId xmlns:a16="http://schemas.microsoft.com/office/drawing/2014/main" xmlns="" id="{ABFE9964-2DD0-4B8C-9324-5C9218DC5DF7}"/>
+                <a16:creationId xmlns:a16="http://schemas.microsoft.com/office/drawing/2014/main" id="{ABFE9964-2DD0-4B8C-9324-5C9218DC5DF7}"/>
               </a:ext>
             </a:extLst>
           </p:cNvPr>
@@ -8942,7 +8835,6 @@
               <a:rPr lang="en-US" sz="4800" dirty="0"/>
               <a:t>As Hannah the avid hiker, I want to rate locations so that newcomers to the area know where to go. </a:t>
             </a:r>
-            <a:endParaRPr lang="en-US" sz="4800" dirty="0"/>
           </a:p>
         </p:txBody>
       </p:sp>
@@ -8951,7 +8843,7 @@
           <p:cNvPr id="3" name="Content Placeholder 2">
             <a:extLst>
               <a:ext uri="{FF2B5EF4-FFF2-40B4-BE49-F238E27FC236}">
-                <a16:creationId xmlns:a16="http://schemas.microsoft.com/office/drawing/2014/main" xmlns="" id="{361D3B48-B632-4E60-8736-F1558045DB59}"/>
+                <a16:creationId xmlns:a16="http://schemas.microsoft.com/office/drawing/2014/main" id="{361D3B48-B632-4E60-8736-F1558045DB59}"/>
               </a:ext>
             </a:extLst>
           </p:cNvPr>
@@ -9006,7 +8898,7 @@
           <p:cNvPr id="2" name="Title 1">
             <a:extLst>
               <a:ext uri="{FF2B5EF4-FFF2-40B4-BE49-F238E27FC236}">
-                <a16:creationId xmlns:a16="http://schemas.microsoft.com/office/drawing/2014/main" xmlns="" id="{E66C612F-2F3A-4260-BDBF-80671B0DF2ED}"/>
+                <a16:creationId xmlns:a16="http://schemas.microsoft.com/office/drawing/2014/main" id="{E66C612F-2F3A-4260-BDBF-80671B0DF2ED}"/>
               </a:ext>
             </a:extLst>
           </p:cNvPr>
@@ -9024,7 +8916,7 @@
           <a:p>
             <a:r>
               <a:rPr lang="en-US" dirty="0"/>
-              <a:t>[Feature]</a:t>
+              <a:t>[Rating System]</a:t>
             </a:r>
           </a:p>
         </p:txBody>
@@ -9034,7 +8926,7 @@
           <p:cNvPr id="3" name="Content Placeholder 2">
             <a:extLst>
               <a:ext uri="{FF2B5EF4-FFF2-40B4-BE49-F238E27FC236}">
-                <a16:creationId xmlns:a16="http://schemas.microsoft.com/office/drawing/2014/main" xmlns="" id="{6C61B333-EC15-417A-92E3-D6641D0F3741}"/>
+                <a16:creationId xmlns:a16="http://schemas.microsoft.com/office/drawing/2014/main" id="{6C61B333-EC15-417A-92E3-D6641D0F3741}"/>
               </a:ext>
             </a:extLst>
           </p:cNvPr>
@@ -9089,7 +8981,7 @@
           <p:cNvPr id="2" name="Title 1">
             <a:extLst>
               <a:ext uri="{FF2B5EF4-FFF2-40B4-BE49-F238E27FC236}">
-                <a16:creationId xmlns:a16="http://schemas.microsoft.com/office/drawing/2014/main" xmlns="" id="{BA35D0AB-9A37-479C-9406-C70EC5D04068}"/>
+                <a16:creationId xmlns:a16="http://schemas.microsoft.com/office/drawing/2014/main" id="{BA35D0AB-9A37-479C-9406-C70EC5D04068}"/>
               </a:ext>
             </a:extLst>
           </p:cNvPr>
@@ -9117,7 +9009,7 @@
           <p:cNvPr id="3" name="Content Placeholder 2">
             <a:extLst>
               <a:ext uri="{FF2B5EF4-FFF2-40B4-BE49-F238E27FC236}">
-                <a16:creationId xmlns:a16="http://schemas.microsoft.com/office/drawing/2014/main" xmlns="" id="{C53C1AAE-D52E-4865-94E5-9A746F2B6603}"/>
+                <a16:creationId xmlns:a16="http://schemas.microsoft.com/office/drawing/2014/main" id="{C53C1AAE-D52E-4865-94E5-9A746F2B6603}"/>
               </a:ext>
             </a:extLst>
           </p:cNvPr>
@@ -9214,7 +9106,7 @@
           <p:cNvPr id="2" name="Title 1">
             <a:extLst>
               <a:ext uri="{FF2B5EF4-FFF2-40B4-BE49-F238E27FC236}">
-                <a16:creationId xmlns:a16="http://schemas.microsoft.com/office/drawing/2014/main" xmlns="" id="{33182361-C770-430C-97A0-B9298FA3FE50}"/>
+                <a16:creationId xmlns:a16="http://schemas.microsoft.com/office/drawing/2014/main" id="{33182361-C770-430C-97A0-B9298FA3FE50}"/>
               </a:ext>
             </a:extLst>
           </p:cNvPr>
@@ -9242,7 +9134,7 @@
           <p:cNvPr id="3" name="Content Placeholder 2">
             <a:extLst>
               <a:ext uri="{FF2B5EF4-FFF2-40B4-BE49-F238E27FC236}">
-                <a16:creationId xmlns:a16="http://schemas.microsoft.com/office/drawing/2014/main" xmlns="" id="{6457FBD9-768E-4864-B576-83C1D02FB7F8}"/>
+                <a16:creationId xmlns:a16="http://schemas.microsoft.com/office/drawing/2014/main" id="{6457FBD9-768E-4864-B576-83C1D02FB7F8}"/>
               </a:ext>
             </a:extLst>
           </p:cNvPr>
@@ -9306,7 +9198,7 @@
           <p:cNvPr id="2" name="Title 1">
             <a:extLst>
               <a:ext uri="{FF2B5EF4-FFF2-40B4-BE49-F238E27FC236}">
-                <a16:creationId xmlns:a16="http://schemas.microsoft.com/office/drawing/2014/main" xmlns="" id="{ABFE9964-2DD0-4B8C-9324-5C9218DC5DF7}"/>
+                <a16:creationId xmlns:a16="http://schemas.microsoft.com/office/drawing/2014/main" id="{ABFE9964-2DD0-4B8C-9324-5C9218DC5DF7}"/>
               </a:ext>
             </a:extLst>
           </p:cNvPr>
@@ -9326,7 +9218,6 @@
               <a:rPr lang="en-US" sz="4800" dirty="0"/>
               <a:t>As Dan the introverted hiker, I want to know the traffic of a landmark so that I can avoid busy places.</a:t>
             </a:r>
-            <a:endParaRPr lang="en-US" sz="4800" dirty="0"/>
           </a:p>
         </p:txBody>
       </p:sp>
@@ -9335,7 +9226,7 @@
           <p:cNvPr id="3" name="Content Placeholder 2">
             <a:extLst>
               <a:ext uri="{FF2B5EF4-FFF2-40B4-BE49-F238E27FC236}">
-                <a16:creationId xmlns:a16="http://schemas.microsoft.com/office/drawing/2014/main" xmlns="" id="{361D3B48-B632-4E60-8736-F1558045DB59}"/>
+                <a16:creationId xmlns:a16="http://schemas.microsoft.com/office/drawing/2014/main" id="{361D3B48-B632-4E60-8736-F1558045DB59}"/>
               </a:ext>
             </a:extLst>
           </p:cNvPr>
@@ -9390,7 +9281,7 @@
           <p:cNvPr id="2" name="Title 1">
             <a:extLst>
               <a:ext uri="{FF2B5EF4-FFF2-40B4-BE49-F238E27FC236}">
-                <a16:creationId xmlns:a16="http://schemas.microsoft.com/office/drawing/2014/main" xmlns="" id="{E66C612F-2F3A-4260-BDBF-80671B0DF2ED}"/>
+                <a16:creationId xmlns:a16="http://schemas.microsoft.com/office/drawing/2014/main" id="{E66C612F-2F3A-4260-BDBF-80671B0DF2ED}"/>
               </a:ext>
             </a:extLst>
           </p:cNvPr>
@@ -9408,7 +9299,7 @@
           <a:p>
             <a:r>
               <a:rPr lang="en-US" dirty="0"/>
-              <a:t>[Feature]</a:t>
+              <a:t>[Mobile App]</a:t>
             </a:r>
           </a:p>
         </p:txBody>
@@ -9418,7 +9309,7 @@
           <p:cNvPr id="3" name="Content Placeholder 2">
             <a:extLst>
               <a:ext uri="{FF2B5EF4-FFF2-40B4-BE49-F238E27FC236}">
-                <a16:creationId xmlns:a16="http://schemas.microsoft.com/office/drawing/2014/main" xmlns="" id="{6C61B333-EC15-417A-92E3-D6641D0F3741}"/>
+                <a16:creationId xmlns:a16="http://schemas.microsoft.com/office/drawing/2014/main" id="{6C61B333-EC15-417A-92E3-D6641D0F3741}"/>
               </a:ext>
             </a:extLst>
           </p:cNvPr>
@@ -9448,13 +9339,6 @@
   <p:clrMapOvr>
     <a:masterClrMapping/>
   </p:clrMapOvr>
-  <p:timing>
-    <p:tnLst>
-      <p:par>
-        <p:cTn id="1" dur="indefinite" restart="never" nodeType="tmRoot"/>
-      </p:par>
-    </p:tnLst>
-  </p:timing>
 </p:sld>
 </file>
 
@@ -9480,7 +9364,7 @@
           <p:cNvPr id="2" name="Title 1">
             <a:extLst>
               <a:ext uri="{FF2B5EF4-FFF2-40B4-BE49-F238E27FC236}">
-                <a16:creationId xmlns:a16="http://schemas.microsoft.com/office/drawing/2014/main" xmlns="" id="{E66C612F-2F3A-4260-BDBF-80671B0DF2ED}"/>
+                <a16:creationId xmlns:a16="http://schemas.microsoft.com/office/drawing/2014/main" id="{E66C612F-2F3A-4260-BDBF-80671B0DF2ED}"/>
               </a:ext>
             </a:extLst>
           </p:cNvPr>
@@ -9498,7 +9382,7 @@
           <a:p>
             <a:r>
               <a:rPr lang="en-US" dirty="0"/>
-              <a:t>[Feature]</a:t>
+              <a:t>[Popularity System]</a:t>
             </a:r>
           </a:p>
         </p:txBody>
@@ -9508,7 +9392,7 @@
           <p:cNvPr id="3" name="Content Placeholder 2">
             <a:extLst>
               <a:ext uri="{FF2B5EF4-FFF2-40B4-BE49-F238E27FC236}">
-                <a16:creationId xmlns:a16="http://schemas.microsoft.com/office/drawing/2014/main" xmlns="" id="{6C61B333-EC15-417A-92E3-D6641D0F3741}"/>
+                <a16:creationId xmlns:a16="http://schemas.microsoft.com/office/drawing/2014/main" id="{6C61B333-EC15-417A-92E3-D6641D0F3741}"/>
               </a:ext>
             </a:extLst>
           </p:cNvPr>
@@ -9563,7 +9447,7 @@
           <p:cNvPr id="2" name="Title 1">
             <a:extLst>
               <a:ext uri="{FF2B5EF4-FFF2-40B4-BE49-F238E27FC236}">
-                <a16:creationId xmlns:a16="http://schemas.microsoft.com/office/drawing/2014/main" xmlns="" id="{BA35D0AB-9A37-479C-9406-C70EC5D04068}"/>
+                <a16:creationId xmlns:a16="http://schemas.microsoft.com/office/drawing/2014/main" id="{BA35D0AB-9A37-479C-9406-C70EC5D04068}"/>
               </a:ext>
             </a:extLst>
           </p:cNvPr>
@@ -9591,7 +9475,7 @@
           <p:cNvPr id="3" name="Content Placeholder 2">
             <a:extLst>
               <a:ext uri="{FF2B5EF4-FFF2-40B4-BE49-F238E27FC236}">
-                <a16:creationId xmlns:a16="http://schemas.microsoft.com/office/drawing/2014/main" xmlns="" id="{C53C1AAE-D52E-4865-94E5-9A746F2B6603}"/>
+                <a16:creationId xmlns:a16="http://schemas.microsoft.com/office/drawing/2014/main" id="{C53C1AAE-D52E-4865-94E5-9A746F2B6603}"/>
               </a:ext>
             </a:extLst>
           </p:cNvPr>
@@ -9688,7 +9572,7 @@
           <p:cNvPr id="2" name="Title 1">
             <a:extLst>
               <a:ext uri="{FF2B5EF4-FFF2-40B4-BE49-F238E27FC236}">
-                <a16:creationId xmlns:a16="http://schemas.microsoft.com/office/drawing/2014/main" xmlns="" id="{33182361-C770-430C-97A0-B9298FA3FE50}"/>
+                <a16:creationId xmlns:a16="http://schemas.microsoft.com/office/drawing/2014/main" id="{33182361-C770-430C-97A0-B9298FA3FE50}"/>
               </a:ext>
             </a:extLst>
           </p:cNvPr>
@@ -9716,7 +9600,7 @@
           <p:cNvPr id="3" name="Content Placeholder 2">
             <a:extLst>
               <a:ext uri="{FF2B5EF4-FFF2-40B4-BE49-F238E27FC236}">
-                <a16:creationId xmlns:a16="http://schemas.microsoft.com/office/drawing/2014/main" xmlns="" id="{6457FBD9-768E-4864-B576-83C1D02FB7F8}"/>
+                <a16:creationId xmlns:a16="http://schemas.microsoft.com/office/drawing/2014/main" id="{6457FBD9-768E-4864-B576-83C1D02FB7F8}"/>
               </a:ext>
             </a:extLst>
           </p:cNvPr>
@@ -9780,7 +9664,7 @@
           <p:cNvPr id="2" name="Title 1">
             <a:extLst>
               <a:ext uri="{FF2B5EF4-FFF2-40B4-BE49-F238E27FC236}">
-                <a16:creationId xmlns:a16="http://schemas.microsoft.com/office/drawing/2014/main" xmlns="" id="{ABFE9964-2DD0-4B8C-9324-5C9218DC5DF7}"/>
+                <a16:creationId xmlns:a16="http://schemas.microsoft.com/office/drawing/2014/main" id="{ABFE9964-2DD0-4B8C-9324-5C9218DC5DF7}"/>
               </a:ext>
             </a:extLst>
           </p:cNvPr>
@@ -9800,7 +9684,6 @@
               <a:rPr lang="en-US" sz="4800" dirty="0"/>
               <a:t>As Gina the historian, I want some historical information about the landmark.</a:t>
             </a:r>
-            <a:endParaRPr lang="en-US" sz="4800" dirty="0"/>
           </a:p>
         </p:txBody>
       </p:sp>
@@ -9809,7 +9692,7 @@
           <p:cNvPr id="3" name="Content Placeholder 2">
             <a:extLst>
               <a:ext uri="{FF2B5EF4-FFF2-40B4-BE49-F238E27FC236}">
-                <a16:creationId xmlns:a16="http://schemas.microsoft.com/office/drawing/2014/main" xmlns="" id="{361D3B48-B632-4E60-8736-F1558045DB59}"/>
+                <a16:creationId xmlns:a16="http://schemas.microsoft.com/office/drawing/2014/main" id="{361D3B48-B632-4E60-8736-F1558045DB59}"/>
               </a:ext>
             </a:extLst>
           </p:cNvPr>
@@ -9864,7 +9747,7 @@
           <p:cNvPr id="2" name="Title 1">
             <a:extLst>
               <a:ext uri="{FF2B5EF4-FFF2-40B4-BE49-F238E27FC236}">
-                <a16:creationId xmlns:a16="http://schemas.microsoft.com/office/drawing/2014/main" xmlns="" id="{E66C612F-2F3A-4260-BDBF-80671B0DF2ED}"/>
+                <a16:creationId xmlns:a16="http://schemas.microsoft.com/office/drawing/2014/main" id="{E66C612F-2F3A-4260-BDBF-80671B0DF2ED}"/>
               </a:ext>
             </a:extLst>
           </p:cNvPr>
@@ -9882,7 +9765,7 @@
           <a:p>
             <a:r>
               <a:rPr lang="en-US" dirty="0"/>
-              <a:t>[Feature]</a:t>
+              <a:t>[Historical Information]</a:t>
             </a:r>
           </a:p>
         </p:txBody>
@@ -9892,7 +9775,7 @@
           <p:cNvPr id="3" name="Content Placeholder 2">
             <a:extLst>
               <a:ext uri="{FF2B5EF4-FFF2-40B4-BE49-F238E27FC236}">
-                <a16:creationId xmlns:a16="http://schemas.microsoft.com/office/drawing/2014/main" xmlns="" id="{6C61B333-EC15-417A-92E3-D6641D0F3741}"/>
+                <a16:creationId xmlns:a16="http://schemas.microsoft.com/office/drawing/2014/main" id="{6C61B333-EC15-417A-92E3-D6641D0F3741}"/>
               </a:ext>
             </a:extLst>
           </p:cNvPr>
@@ -9947,7 +9830,7 @@
           <p:cNvPr id="2" name="Title 1">
             <a:extLst>
               <a:ext uri="{FF2B5EF4-FFF2-40B4-BE49-F238E27FC236}">
-                <a16:creationId xmlns:a16="http://schemas.microsoft.com/office/drawing/2014/main" xmlns="" id="{BA35D0AB-9A37-479C-9406-C70EC5D04068}"/>
+                <a16:creationId xmlns:a16="http://schemas.microsoft.com/office/drawing/2014/main" id="{BA35D0AB-9A37-479C-9406-C70EC5D04068}"/>
               </a:ext>
             </a:extLst>
           </p:cNvPr>
@@ -9975,7 +9858,7 @@
           <p:cNvPr id="3" name="Content Placeholder 2">
             <a:extLst>
               <a:ext uri="{FF2B5EF4-FFF2-40B4-BE49-F238E27FC236}">
-                <a16:creationId xmlns:a16="http://schemas.microsoft.com/office/drawing/2014/main" xmlns="" id="{C53C1AAE-D52E-4865-94E5-9A746F2B6603}"/>
+                <a16:creationId xmlns:a16="http://schemas.microsoft.com/office/drawing/2014/main" id="{C53C1AAE-D52E-4865-94E5-9A746F2B6603}"/>
               </a:ext>
             </a:extLst>
           </p:cNvPr>
@@ -10072,7 +9955,7 @@
           <p:cNvPr id="2" name="Title 1">
             <a:extLst>
               <a:ext uri="{FF2B5EF4-FFF2-40B4-BE49-F238E27FC236}">
-                <a16:creationId xmlns:a16="http://schemas.microsoft.com/office/drawing/2014/main" xmlns="" id="{33182361-C770-430C-97A0-B9298FA3FE50}"/>
+                <a16:creationId xmlns:a16="http://schemas.microsoft.com/office/drawing/2014/main" id="{33182361-C770-430C-97A0-B9298FA3FE50}"/>
               </a:ext>
             </a:extLst>
           </p:cNvPr>
@@ -10100,7 +9983,7 @@
           <p:cNvPr id="3" name="Content Placeholder 2">
             <a:extLst>
               <a:ext uri="{FF2B5EF4-FFF2-40B4-BE49-F238E27FC236}">
-                <a16:creationId xmlns:a16="http://schemas.microsoft.com/office/drawing/2014/main" xmlns="" id="{6457FBD9-768E-4864-B576-83C1D02FB7F8}"/>
+                <a16:creationId xmlns:a16="http://schemas.microsoft.com/office/drawing/2014/main" id="{6457FBD9-768E-4864-B576-83C1D02FB7F8}"/>
               </a:ext>
             </a:extLst>
           </p:cNvPr>
@@ -10164,7 +10047,7 @@
           <p:cNvPr id="2" name="Title 1">
             <a:extLst>
               <a:ext uri="{FF2B5EF4-FFF2-40B4-BE49-F238E27FC236}">
-                <a16:creationId xmlns:a16="http://schemas.microsoft.com/office/drawing/2014/main" xmlns="" id="{ABFE9964-2DD0-4B8C-9324-5C9218DC5DF7}"/>
+                <a16:creationId xmlns:a16="http://schemas.microsoft.com/office/drawing/2014/main" id="{ABFE9964-2DD0-4B8C-9324-5C9218DC5DF7}"/>
               </a:ext>
             </a:extLst>
           </p:cNvPr>
@@ -10192,7 +10075,6 @@
               <a:rPr lang="en-US" sz="4800" dirty="0"/>
               <a:t> visited.</a:t>
             </a:r>
-            <a:endParaRPr lang="en-US" sz="4800" dirty="0"/>
           </a:p>
         </p:txBody>
       </p:sp>
@@ -10201,7 +10083,7 @@
           <p:cNvPr id="3" name="Content Placeholder 2">
             <a:extLst>
               <a:ext uri="{FF2B5EF4-FFF2-40B4-BE49-F238E27FC236}">
-                <a16:creationId xmlns:a16="http://schemas.microsoft.com/office/drawing/2014/main" xmlns="" id="{361D3B48-B632-4E60-8736-F1558045DB59}"/>
+                <a16:creationId xmlns:a16="http://schemas.microsoft.com/office/drawing/2014/main" id="{361D3B48-B632-4E60-8736-F1558045DB59}"/>
               </a:ext>
             </a:extLst>
           </p:cNvPr>
@@ -10256,7 +10138,7 @@
           <p:cNvPr id="2" name="Title 1">
             <a:extLst>
               <a:ext uri="{FF2B5EF4-FFF2-40B4-BE49-F238E27FC236}">
-                <a16:creationId xmlns:a16="http://schemas.microsoft.com/office/drawing/2014/main" xmlns="" id="{E66C612F-2F3A-4260-BDBF-80671B0DF2ED}"/>
+                <a16:creationId xmlns:a16="http://schemas.microsoft.com/office/drawing/2014/main" id="{E66C612F-2F3A-4260-BDBF-80671B0DF2ED}"/>
               </a:ext>
             </a:extLst>
           </p:cNvPr>
@@ -10274,7 +10156,7 @@
           <a:p>
             <a:r>
               <a:rPr lang="en-US" dirty="0"/>
-              <a:t>[Feature]</a:t>
+              <a:t>[Landmark History]</a:t>
             </a:r>
           </a:p>
         </p:txBody>
@@ -10284,7 +10166,7 @@
           <p:cNvPr id="3" name="Content Placeholder 2">
             <a:extLst>
               <a:ext uri="{FF2B5EF4-FFF2-40B4-BE49-F238E27FC236}">
-                <a16:creationId xmlns:a16="http://schemas.microsoft.com/office/drawing/2014/main" xmlns="" id="{6C61B333-EC15-417A-92E3-D6641D0F3741}"/>
+                <a16:creationId xmlns:a16="http://schemas.microsoft.com/office/drawing/2014/main" id="{6C61B333-EC15-417A-92E3-D6641D0F3741}"/>
               </a:ext>
             </a:extLst>
           </p:cNvPr>
@@ -10339,7 +10221,7 @@
           <p:cNvPr id="2" name="Title 1">
             <a:extLst>
               <a:ext uri="{FF2B5EF4-FFF2-40B4-BE49-F238E27FC236}">
-                <a16:creationId xmlns:a16="http://schemas.microsoft.com/office/drawing/2014/main" xmlns="" id="{BA35D0AB-9A37-479C-9406-C70EC5D04068}"/>
+                <a16:creationId xmlns:a16="http://schemas.microsoft.com/office/drawing/2014/main" id="{BA35D0AB-9A37-479C-9406-C70EC5D04068}"/>
               </a:ext>
             </a:extLst>
           </p:cNvPr>
@@ -10367,7 +10249,7 @@
           <p:cNvPr id="3" name="Content Placeholder 2">
             <a:extLst>
               <a:ext uri="{FF2B5EF4-FFF2-40B4-BE49-F238E27FC236}">
-                <a16:creationId xmlns:a16="http://schemas.microsoft.com/office/drawing/2014/main" xmlns="" id="{C53C1AAE-D52E-4865-94E5-9A746F2B6603}"/>
+                <a16:creationId xmlns:a16="http://schemas.microsoft.com/office/drawing/2014/main" id="{C53C1AAE-D52E-4865-94E5-9A746F2B6603}"/>
               </a:ext>
             </a:extLst>
           </p:cNvPr>
@@ -10464,7 +10346,7 @@
           <p:cNvPr id="2" name="Title 1">
             <a:extLst>
               <a:ext uri="{FF2B5EF4-FFF2-40B4-BE49-F238E27FC236}">
-                <a16:creationId xmlns:a16="http://schemas.microsoft.com/office/drawing/2014/main" xmlns="" id="{BA35D0AB-9A37-479C-9406-C70EC5D04068}"/>
+                <a16:creationId xmlns:a16="http://schemas.microsoft.com/office/drawing/2014/main" id="{BA35D0AB-9A37-479C-9406-C70EC5D04068}"/>
               </a:ext>
             </a:extLst>
           </p:cNvPr>
@@ -10492,7 +10374,7 @@
           <p:cNvPr id="3" name="Content Placeholder 2">
             <a:extLst>
               <a:ext uri="{FF2B5EF4-FFF2-40B4-BE49-F238E27FC236}">
-                <a16:creationId xmlns:a16="http://schemas.microsoft.com/office/drawing/2014/main" xmlns="" id="{C53C1AAE-D52E-4865-94E5-9A746F2B6603}"/>
+                <a16:creationId xmlns:a16="http://schemas.microsoft.com/office/drawing/2014/main" id="{C53C1AAE-D52E-4865-94E5-9A746F2B6603}"/>
               </a:ext>
             </a:extLst>
           </p:cNvPr>
@@ -10564,13 +10446,6 @@
   <p:clrMapOvr>
     <a:masterClrMapping/>
   </p:clrMapOvr>
-  <p:timing>
-    <p:tnLst>
-      <p:par>
-        <p:cTn id="1" dur="indefinite" restart="never" nodeType="tmRoot"/>
-      </p:par>
-    </p:tnLst>
-  </p:timing>
 </p:sld>
 </file>
 
@@ -10596,7 +10471,7 @@
           <p:cNvPr id="2" name="Title 1">
             <a:extLst>
               <a:ext uri="{FF2B5EF4-FFF2-40B4-BE49-F238E27FC236}">
-                <a16:creationId xmlns:a16="http://schemas.microsoft.com/office/drawing/2014/main" xmlns="" id="{33182361-C770-430C-97A0-B9298FA3FE50}"/>
+                <a16:creationId xmlns:a16="http://schemas.microsoft.com/office/drawing/2014/main" id="{33182361-C770-430C-97A0-B9298FA3FE50}"/>
               </a:ext>
             </a:extLst>
           </p:cNvPr>
@@ -10624,7 +10499,7 @@
           <p:cNvPr id="3" name="Content Placeholder 2">
             <a:extLst>
               <a:ext uri="{FF2B5EF4-FFF2-40B4-BE49-F238E27FC236}">
-                <a16:creationId xmlns:a16="http://schemas.microsoft.com/office/drawing/2014/main" xmlns="" id="{6457FBD9-768E-4864-B576-83C1D02FB7F8}"/>
+                <a16:creationId xmlns:a16="http://schemas.microsoft.com/office/drawing/2014/main" id="{6457FBD9-768E-4864-B576-83C1D02FB7F8}"/>
               </a:ext>
             </a:extLst>
           </p:cNvPr>
@@ -10688,7 +10563,7 @@
           <p:cNvPr id="2" name="Title 1">
             <a:extLst>
               <a:ext uri="{FF2B5EF4-FFF2-40B4-BE49-F238E27FC236}">
-                <a16:creationId xmlns:a16="http://schemas.microsoft.com/office/drawing/2014/main" xmlns="" id="{ABFE9964-2DD0-4B8C-9324-5C9218DC5DF7}"/>
+                <a16:creationId xmlns:a16="http://schemas.microsoft.com/office/drawing/2014/main" id="{ABFE9964-2DD0-4B8C-9324-5C9218DC5DF7}"/>
               </a:ext>
             </a:extLst>
           </p:cNvPr>
@@ -10721,7 +10596,6 @@
               <a:rPr lang="en-US" sz="4800" dirty="0"/>
               <a:t> dial in to a landmark</a:t>
             </a:r>
-            <a:endParaRPr lang="en-US" sz="4800" dirty="0"/>
           </a:p>
         </p:txBody>
       </p:sp>
@@ -10730,7 +10604,7 @@
           <p:cNvPr id="3" name="Content Placeholder 2">
             <a:extLst>
               <a:ext uri="{FF2B5EF4-FFF2-40B4-BE49-F238E27FC236}">
-                <a16:creationId xmlns:a16="http://schemas.microsoft.com/office/drawing/2014/main" xmlns="" id="{361D3B48-B632-4E60-8736-F1558045DB59}"/>
+                <a16:creationId xmlns:a16="http://schemas.microsoft.com/office/drawing/2014/main" id="{361D3B48-B632-4E60-8736-F1558045DB59}"/>
               </a:ext>
             </a:extLst>
           </p:cNvPr>
@@ -10785,7 +10659,7 @@
           <p:cNvPr id="2" name="Title 1">
             <a:extLst>
               <a:ext uri="{FF2B5EF4-FFF2-40B4-BE49-F238E27FC236}">
-                <a16:creationId xmlns:a16="http://schemas.microsoft.com/office/drawing/2014/main" xmlns="" id="{E66C612F-2F3A-4260-BDBF-80671B0DF2ED}"/>
+                <a16:creationId xmlns:a16="http://schemas.microsoft.com/office/drawing/2014/main" id="{E66C612F-2F3A-4260-BDBF-80671B0DF2ED}"/>
               </a:ext>
             </a:extLst>
           </p:cNvPr>
@@ -10803,7 +10677,7 @@
           <a:p>
             <a:r>
               <a:rPr lang="en-US" dirty="0"/>
-              <a:t>[Feature]</a:t>
+              <a:t>[Augmented Landmarks]</a:t>
             </a:r>
           </a:p>
         </p:txBody>
@@ -10813,7 +10687,7 @@
           <p:cNvPr id="3" name="Content Placeholder 2">
             <a:extLst>
               <a:ext uri="{FF2B5EF4-FFF2-40B4-BE49-F238E27FC236}">
-                <a16:creationId xmlns:a16="http://schemas.microsoft.com/office/drawing/2014/main" xmlns="" id="{6C61B333-EC15-417A-92E3-D6641D0F3741}"/>
+                <a16:creationId xmlns:a16="http://schemas.microsoft.com/office/drawing/2014/main" id="{6C61B333-EC15-417A-92E3-D6641D0F3741}"/>
               </a:ext>
             </a:extLst>
           </p:cNvPr>
@@ -10868,7 +10742,7 @@
           <p:cNvPr id="2" name="Title 1">
             <a:extLst>
               <a:ext uri="{FF2B5EF4-FFF2-40B4-BE49-F238E27FC236}">
-                <a16:creationId xmlns:a16="http://schemas.microsoft.com/office/drawing/2014/main" xmlns="" id="{BA35D0AB-9A37-479C-9406-C70EC5D04068}"/>
+                <a16:creationId xmlns:a16="http://schemas.microsoft.com/office/drawing/2014/main" id="{BA35D0AB-9A37-479C-9406-C70EC5D04068}"/>
               </a:ext>
             </a:extLst>
           </p:cNvPr>
@@ -10896,7 +10770,7 @@
           <p:cNvPr id="3" name="Content Placeholder 2">
             <a:extLst>
               <a:ext uri="{FF2B5EF4-FFF2-40B4-BE49-F238E27FC236}">
-                <a16:creationId xmlns:a16="http://schemas.microsoft.com/office/drawing/2014/main" xmlns="" id="{C53C1AAE-D52E-4865-94E5-9A746F2B6603}"/>
+                <a16:creationId xmlns:a16="http://schemas.microsoft.com/office/drawing/2014/main" id="{C53C1AAE-D52E-4865-94E5-9A746F2B6603}"/>
               </a:ext>
             </a:extLst>
           </p:cNvPr>
@@ -10993,7 +10867,7 @@
           <p:cNvPr id="2" name="Title 1">
             <a:extLst>
               <a:ext uri="{FF2B5EF4-FFF2-40B4-BE49-F238E27FC236}">
-                <a16:creationId xmlns:a16="http://schemas.microsoft.com/office/drawing/2014/main" xmlns="" id="{33182361-C770-430C-97A0-B9298FA3FE50}"/>
+                <a16:creationId xmlns:a16="http://schemas.microsoft.com/office/drawing/2014/main" id="{33182361-C770-430C-97A0-B9298FA3FE50}"/>
               </a:ext>
             </a:extLst>
           </p:cNvPr>
@@ -11021,7 +10895,7 @@
           <p:cNvPr id="3" name="Content Placeholder 2">
             <a:extLst>
               <a:ext uri="{FF2B5EF4-FFF2-40B4-BE49-F238E27FC236}">
-                <a16:creationId xmlns:a16="http://schemas.microsoft.com/office/drawing/2014/main" xmlns="" id="{6457FBD9-768E-4864-B576-83C1D02FB7F8}"/>
+                <a16:creationId xmlns:a16="http://schemas.microsoft.com/office/drawing/2014/main" id="{6457FBD9-768E-4864-B576-83C1D02FB7F8}"/>
               </a:ext>
             </a:extLst>
           </p:cNvPr>
@@ -11085,7 +10959,7 @@
           <p:cNvPr id="2" name="Title 1">
             <a:extLst>
               <a:ext uri="{FF2B5EF4-FFF2-40B4-BE49-F238E27FC236}">
-                <a16:creationId xmlns:a16="http://schemas.microsoft.com/office/drawing/2014/main" xmlns="" id="{ABFE9964-2DD0-4B8C-9324-5C9218DC5DF7}"/>
+                <a16:creationId xmlns:a16="http://schemas.microsoft.com/office/drawing/2014/main" id="{ABFE9964-2DD0-4B8C-9324-5C9218DC5DF7}"/>
               </a:ext>
             </a:extLst>
           </p:cNvPr>
@@ -11110,7 +10984,6 @@
               <a:rPr lang="en-US" sz="4800" dirty="0"/>
               <a:t>As Billy the new user, I want to log into an account for this app.</a:t>
             </a:r>
-            <a:endParaRPr lang="en-US" sz="4800" dirty="0"/>
           </a:p>
         </p:txBody>
       </p:sp>
@@ -11119,7 +10992,7 @@
           <p:cNvPr id="3" name="Content Placeholder 2">
             <a:extLst>
               <a:ext uri="{FF2B5EF4-FFF2-40B4-BE49-F238E27FC236}">
-                <a16:creationId xmlns:a16="http://schemas.microsoft.com/office/drawing/2014/main" xmlns="" id="{361D3B48-B632-4E60-8736-F1558045DB59}"/>
+                <a16:creationId xmlns:a16="http://schemas.microsoft.com/office/drawing/2014/main" id="{361D3B48-B632-4E60-8736-F1558045DB59}"/>
               </a:ext>
             </a:extLst>
           </p:cNvPr>
@@ -11174,7 +11047,7 @@
           <p:cNvPr id="2" name="Title 1">
             <a:extLst>
               <a:ext uri="{FF2B5EF4-FFF2-40B4-BE49-F238E27FC236}">
-                <a16:creationId xmlns:a16="http://schemas.microsoft.com/office/drawing/2014/main" xmlns="" id="{E66C612F-2F3A-4260-BDBF-80671B0DF2ED}"/>
+                <a16:creationId xmlns:a16="http://schemas.microsoft.com/office/drawing/2014/main" id="{E66C612F-2F3A-4260-BDBF-80671B0DF2ED}"/>
               </a:ext>
             </a:extLst>
           </p:cNvPr>
@@ -11192,7 +11065,7 @@
           <a:p>
             <a:r>
               <a:rPr lang="en-US" dirty="0"/>
-              <a:t>[Feature]</a:t>
+              <a:t>[User Accounts]</a:t>
             </a:r>
           </a:p>
         </p:txBody>
@@ -11202,7 +11075,7 @@
           <p:cNvPr id="3" name="Content Placeholder 2">
             <a:extLst>
               <a:ext uri="{FF2B5EF4-FFF2-40B4-BE49-F238E27FC236}">
-                <a16:creationId xmlns:a16="http://schemas.microsoft.com/office/drawing/2014/main" xmlns="" id="{6C61B333-EC15-417A-92E3-D6641D0F3741}"/>
+                <a16:creationId xmlns:a16="http://schemas.microsoft.com/office/drawing/2014/main" id="{6C61B333-EC15-417A-92E3-D6641D0F3741}"/>
               </a:ext>
             </a:extLst>
           </p:cNvPr>
@@ -11257,7 +11130,7 @@
           <p:cNvPr id="2" name="Title 1">
             <a:extLst>
               <a:ext uri="{FF2B5EF4-FFF2-40B4-BE49-F238E27FC236}">
-                <a16:creationId xmlns:a16="http://schemas.microsoft.com/office/drawing/2014/main" xmlns="" id="{BA35D0AB-9A37-479C-9406-C70EC5D04068}"/>
+                <a16:creationId xmlns:a16="http://schemas.microsoft.com/office/drawing/2014/main" id="{BA35D0AB-9A37-479C-9406-C70EC5D04068}"/>
               </a:ext>
             </a:extLst>
           </p:cNvPr>
@@ -11285,7 +11158,7 @@
           <p:cNvPr id="3" name="Content Placeholder 2">
             <a:extLst>
               <a:ext uri="{FF2B5EF4-FFF2-40B4-BE49-F238E27FC236}">
-                <a16:creationId xmlns:a16="http://schemas.microsoft.com/office/drawing/2014/main" xmlns="" id="{C53C1AAE-D52E-4865-94E5-9A746F2B6603}"/>
+                <a16:creationId xmlns:a16="http://schemas.microsoft.com/office/drawing/2014/main" id="{C53C1AAE-D52E-4865-94E5-9A746F2B6603}"/>
               </a:ext>
             </a:extLst>
           </p:cNvPr>
@@ -11382,7 +11255,7 @@
           <p:cNvPr id="2" name="Title 1">
             <a:extLst>
               <a:ext uri="{FF2B5EF4-FFF2-40B4-BE49-F238E27FC236}">
-                <a16:creationId xmlns:a16="http://schemas.microsoft.com/office/drawing/2014/main" xmlns="" id="{33182361-C770-430C-97A0-B9298FA3FE50}"/>
+                <a16:creationId xmlns:a16="http://schemas.microsoft.com/office/drawing/2014/main" id="{33182361-C770-430C-97A0-B9298FA3FE50}"/>
               </a:ext>
             </a:extLst>
           </p:cNvPr>
@@ -11410,7 +11283,7 @@
           <p:cNvPr id="3" name="Content Placeholder 2">
             <a:extLst>
               <a:ext uri="{FF2B5EF4-FFF2-40B4-BE49-F238E27FC236}">
-                <a16:creationId xmlns:a16="http://schemas.microsoft.com/office/drawing/2014/main" xmlns="" id="{6457FBD9-768E-4864-B576-83C1D02FB7F8}"/>
+                <a16:creationId xmlns:a16="http://schemas.microsoft.com/office/drawing/2014/main" id="{6457FBD9-768E-4864-B576-83C1D02FB7F8}"/>
               </a:ext>
             </a:extLst>
           </p:cNvPr>
@@ -11474,7 +11347,7 @@
           <p:cNvPr id="2" name="Title 1">
             <a:extLst>
               <a:ext uri="{FF2B5EF4-FFF2-40B4-BE49-F238E27FC236}">
-                <a16:creationId xmlns:a16="http://schemas.microsoft.com/office/drawing/2014/main" xmlns="" id="{33182361-C770-430C-97A0-B9298FA3FE50}"/>
+                <a16:creationId xmlns:a16="http://schemas.microsoft.com/office/drawing/2014/main" id="{33182361-C770-430C-97A0-B9298FA3FE50}"/>
               </a:ext>
             </a:extLst>
           </p:cNvPr>
@@ -11502,7 +11375,7 @@
           <p:cNvPr id="3" name="Content Placeholder 2">
             <a:extLst>
               <a:ext uri="{FF2B5EF4-FFF2-40B4-BE49-F238E27FC236}">
-                <a16:creationId xmlns:a16="http://schemas.microsoft.com/office/drawing/2014/main" xmlns="" id="{6457FBD9-768E-4864-B576-83C1D02FB7F8}"/>
+                <a16:creationId xmlns:a16="http://schemas.microsoft.com/office/drawing/2014/main" id="{6457FBD9-768E-4864-B576-83C1D02FB7F8}"/>
               </a:ext>
             </a:extLst>
           </p:cNvPr>
@@ -11541,13 +11414,6 @@
   <p:clrMapOvr>
     <a:masterClrMapping/>
   </p:clrMapOvr>
-  <p:timing>
-    <p:tnLst>
-      <p:par>
-        <p:cTn id="1" dur="indefinite" restart="never" nodeType="tmRoot"/>
-      </p:par>
-    </p:tnLst>
-  </p:timing>
 </p:sld>
 </file>
 
@@ -11573,7 +11439,7 @@
           <p:cNvPr id="2" name="Title 1">
             <a:extLst>
               <a:ext uri="{FF2B5EF4-FFF2-40B4-BE49-F238E27FC236}">
-                <a16:creationId xmlns:a16="http://schemas.microsoft.com/office/drawing/2014/main" xmlns="" id="{ABFE9964-2DD0-4B8C-9324-5C9218DC5DF7}"/>
+                <a16:creationId xmlns:a16="http://schemas.microsoft.com/office/drawing/2014/main" id="{ABFE9964-2DD0-4B8C-9324-5C9218DC5DF7}"/>
               </a:ext>
             </a:extLst>
           </p:cNvPr>
@@ -11601,7 +11467,6 @@
               <a:rPr lang="en-US" sz="5400" dirty="0"/>
               <a:t> like a nice measuring tool on the screen to help me pinpoint my target.</a:t>
             </a:r>
-            <a:endParaRPr lang="en-US" sz="5400" dirty="0"/>
           </a:p>
         </p:txBody>
       </p:sp>
@@ -11610,7 +11475,7 @@
           <p:cNvPr id="3" name="Content Placeholder 2">
             <a:extLst>
               <a:ext uri="{FF2B5EF4-FFF2-40B4-BE49-F238E27FC236}">
-                <a16:creationId xmlns:a16="http://schemas.microsoft.com/office/drawing/2014/main" xmlns="" id="{361D3B48-B632-4E60-8736-F1558045DB59}"/>
+                <a16:creationId xmlns:a16="http://schemas.microsoft.com/office/drawing/2014/main" id="{361D3B48-B632-4E60-8736-F1558045DB59}"/>
               </a:ext>
             </a:extLst>
           </p:cNvPr>
@@ -11640,13 +11505,6 @@
   <p:clrMapOvr>
     <a:masterClrMapping/>
   </p:clrMapOvr>
-  <p:timing>
-    <p:tnLst>
-      <p:par>
-        <p:cTn id="1" dur="indefinite" restart="never" nodeType="tmRoot"/>
-      </p:par>
-    </p:tnLst>
-  </p:timing>
 </p:sld>
 </file>
 
@@ -11672,7 +11530,7 @@
           <p:cNvPr id="2" name="Title 1">
             <a:extLst>
               <a:ext uri="{FF2B5EF4-FFF2-40B4-BE49-F238E27FC236}">
-                <a16:creationId xmlns:a16="http://schemas.microsoft.com/office/drawing/2014/main" xmlns="" id="{E66C612F-2F3A-4260-BDBF-80671B0DF2ED}"/>
+                <a16:creationId xmlns:a16="http://schemas.microsoft.com/office/drawing/2014/main" id="{E66C612F-2F3A-4260-BDBF-80671B0DF2ED}"/>
               </a:ext>
             </a:extLst>
           </p:cNvPr>
@@ -11690,7 +11548,7 @@
           <a:p>
             <a:r>
               <a:rPr lang="en-US" dirty="0"/>
-              <a:t>[Feature]</a:t>
+              <a:t>[Measurement Tool]</a:t>
             </a:r>
           </a:p>
         </p:txBody>
@@ -11700,7 +11558,7 @@
           <p:cNvPr id="3" name="Content Placeholder 2">
             <a:extLst>
               <a:ext uri="{FF2B5EF4-FFF2-40B4-BE49-F238E27FC236}">
-                <a16:creationId xmlns:a16="http://schemas.microsoft.com/office/drawing/2014/main" xmlns="" id="{6C61B333-EC15-417A-92E3-D6641D0F3741}"/>
+                <a16:creationId xmlns:a16="http://schemas.microsoft.com/office/drawing/2014/main" id="{6C61B333-EC15-417A-92E3-D6641D0F3741}"/>
               </a:ext>
             </a:extLst>
           </p:cNvPr>
@@ -11730,13 +11588,6 @@
   <p:clrMapOvr>
     <a:masterClrMapping/>
   </p:clrMapOvr>
-  <p:timing>
-    <p:tnLst>
-      <p:par>
-        <p:cTn id="1" dur="indefinite" restart="never" nodeType="tmRoot"/>
-      </p:par>
-    </p:tnLst>
-  </p:timing>
 </p:sld>
 </file>
 
@@ -11762,7 +11613,7 @@
           <p:cNvPr id="2" name="Title 1">
             <a:extLst>
               <a:ext uri="{FF2B5EF4-FFF2-40B4-BE49-F238E27FC236}">
-                <a16:creationId xmlns:a16="http://schemas.microsoft.com/office/drawing/2014/main" xmlns="" id="{BA35D0AB-9A37-479C-9406-C70EC5D04068}"/>
+                <a16:creationId xmlns:a16="http://schemas.microsoft.com/office/drawing/2014/main" id="{BA35D0AB-9A37-479C-9406-C70EC5D04068}"/>
               </a:ext>
             </a:extLst>
           </p:cNvPr>
@@ -11790,7 +11641,7 @@
           <p:cNvPr id="3" name="Content Placeholder 2">
             <a:extLst>
               <a:ext uri="{FF2B5EF4-FFF2-40B4-BE49-F238E27FC236}">
-                <a16:creationId xmlns:a16="http://schemas.microsoft.com/office/drawing/2014/main" xmlns="" id="{C53C1AAE-D52E-4865-94E5-9A746F2B6603}"/>
+                <a16:creationId xmlns:a16="http://schemas.microsoft.com/office/drawing/2014/main" id="{C53C1AAE-D52E-4865-94E5-9A746F2B6603}"/>
               </a:ext>
             </a:extLst>
           </p:cNvPr>
@@ -11862,13 +11713,6 @@
   <p:clrMapOvr>
     <a:masterClrMapping/>
   </p:clrMapOvr>
-  <p:timing>
-    <p:tnLst>
-      <p:par>
-        <p:cTn id="1" dur="indefinite" restart="never" nodeType="tmRoot"/>
-      </p:par>
-    </p:tnLst>
-  </p:timing>
 </p:sld>
 </file>
 
@@ -12132,7 +11976,7 @@
   <a:extraClrSchemeLst/>
   <a:extLst>
     <a:ext uri="{05A4C25C-085E-4340-85A3-A5531E510DB2}">
-      <thm15:themeFamily xmlns:thm15="http://schemas.microsoft.com/office/thememl/2012/main" xmlns="" name="Ion" id="{B8441ADB-2E43-4AF7-B97A-BD870242C6A8}" vid="{292E63A9-BB86-4E3D-B92A-7223C6510D2E}"/>
+      <thm15:themeFamily xmlns:thm15="http://schemas.microsoft.com/office/thememl/2012/main" name="Ion" id="{B8441ADB-2E43-4AF7-B97A-BD870242C6A8}" vid="{292E63A9-BB86-4E3D-B92A-7223C6510D2E}"/>
     </a:ext>
   </a:extLst>
 </a:theme>

--- a/Technology Presentation.pptx
+++ b/Technology Presentation.pptx
@@ -63,6 +63,10 @@
     <p:sldId id="311" r:id="rId57"/>
     <p:sldId id="312" r:id="rId58"/>
     <p:sldId id="313" r:id="rId59"/>
+    <p:sldId id="314" r:id="rId60"/>
+    <p:sldId id="315" r:id="rId61"/>
+    <p:sldId id="316" r:id="rId62"/>
+    <p:sldId id="317" r:id="rId63"/>
   </p:sldIdLst>
   <p:sldSz cx="12192000" cy="6858000"/>
   <p:notesSz cx="6858000" cy="9144000"/>
@@ -366,7 +370,7 @@
           <a:p>
             <a:fld id="{4FACE682-7757-4F60-9924-7C54F945BCEE}" type="datetimeFigureOut">
               <a:rPr lang="en-US" smtClean="0"/>
-              <a:t>5/11/2018</a:t>
+              <a:t>11/5/2018</a:t>
             </a:fld>
             <a:endParaRPr lang="en-US"/>
           </a:p>
@@ -641,7 +645,7 @@
           <a:p>
             <a:fld id="{4FACE682-7757-4F60-9924-7C54F945BCEE}" type="datetimeFigureOut">
               <a:rPr lang="en-US" smtClean="0"/>
-              <a:t>5/11/2018</a:t>
+              <a:t>11/5/2018</a:t>
             </a:fld>
             <a:endParaRPr lang="en-US"/>
           </a:p>
@@ -835,7 +839,7 @@
           <a:p>
             <a:fld id="{4FACE682-7757-4F60-9924-7C54F945BCEE}" type="datetimeFigureOut">
               <a:rPr lang="en-US" smtClean="0"/>
-              <a:t>5/11/2018</a:t>
+              <a:t>11/5/2018</a:t>
             </a:fld>
             <a:endParaRPr lang="en-US"/>
           </a:p>
@@ -1108,7 +1112,7 @@
           <a:p>
             <a:fld id="{4FACE682-7757-4F60-9924-7C54F945BCEE}" type="datetimeFigureOut">
               <a:rPr lang="en-US" smtClean="0"/>
-              <a:t>5/11/2018</a:t>
+              <a:t>11/5/2018</a:t>
             </a:fld>
             <a:endParaRPr lang="en-US"/>
           </a:p>
@@ -1449,7 +1453,7 @@
           <a:p>
             <a:fld id="{4FACE682-7757-4F60-9924-7C54F945BCEE}" type="datetimeFigureOut">
               <a:rPr lang="en-US" smtClean="0"/>
-              <a:t>5/11/2018</a:t>
+              <a:t>11/5/2018</a:t>
             </a:fld>
             <a:endParaRPr lang="en-US"/>
           </a:p>
@@ -2072,7 +2076,7 @@
           <a:p>
             <a:fld id="{4FACE682-7757-4F60-9924-7C54F945BCEE}" type="datetimeFigureOut">
               <a:rPr lang="en-US" smtClean="0"/>
-              <a:t>5/11/2018</a:t>
+              <a:t>11/5/2018</a:t>
             </a:fld>
             <a:endParaRPr lang="en-US"/>
           </a:p>
@@ -2932,7 +2936,7 @@
           <a:p>
             <a:fld id="{4FACE682-7757-4F60-9924-7C54F945BCEE}" type="datetimeFigureOut">
               <a:rPr lang="en-US" smtClean="0"/>
-              <a:t>5/11/2018</a:t>
+              <a:t>11/5/2018</a:t>
             </a:fld>
             <a:endParaRPr lang="en-US"/>
           </a:p>
@@ -3102,7 +3106,7 @@
           <a:p>
             <a:fld id="{4FACE682-7757-4F60-9924-7C54F945BCEE}" type="datetimeFigureOut">
               <a:rPr lang="en-US" smtClean="0"/>
-              <a:t>5/11/2018</a:t>
+              <a:t>11/5/2018</a:t>
             </a:fld>
             <a:endParaRPr lang="en-US"/>
           </a:p>
@@ -3282,7 +3286,7 @@
           <a:p>
             <a:fld id="{4FACE682-7757-4F60-9924-7C54F945BCEE}" type="datetimeFigureOut">
               <a:rPr lang="en-US" smtClean="0"/>
-              <a:t>5/11/2018</a:t>
+              <a:t>11/5/2018</a:t>
             </a:fld>
             <a:endParaRPr lang="en-US"/>
           </a:p>
@@ -3452,7 +3456,7 @@
           <a:p>
             <a:fld id="{4FACE682-7757-4F60-9924-7C54F945BCEE}" type="datetimeFigureOut">
               <a:rPr lang="en-US" smtClean="0"/>
-              <a:t>5/11/2018</a:t>
+              <a:t>11/5/2018</a:t>
             </a:fld>
             <a:endParaRPr lang="en-US"/>
           </a:p>
@@ -3699,7 +3703,7 @@
           <a:p>
             <a:fld id="{4FACE682-7757-4F60-9924-7C54F945BCEE}" type="datetimeFigureOut">
               <a:rPr lang="en-US" smtClean="0"/>
-              <a:t>5/11/2018</a:t>
+              <a:t>11/5/2018</a:t>
             </a:fld>
             <a:endParaRPr lang="en-US"/>
           </a:p>
@@ -3991,7 +3995,7 @@
           <a:p>
             <a:fld id="{4FACE682-7757-4F60-9924-7C54F945BCEE}" type="datetimeFigureOut">
               <a:rPr lang="en-US" smtClean="0"/>
-              <a:t>5/11/2018</a:t>
+              <a:t>11/5/2018</a:t>
             </a:fld>
             <a:endParaRPr lang="en-US"/>
           </a:p>
@@ -4435,7 +4439,7 @@
           <a:p>
             <a:fld id="{4FACE682-7757-4F60-9924-7C54F945BCEE}" type="datetimeFigureOut">
               <a:rPr lang="en-US" smtClean="0"/>
-              <a:t>5/11/2018</a:t>
+              <a:t>11/5/2018</a:t>
             </a:fld>
             <a:endParaRPr lang="en-US"/>
           </a:p>
@@ -4553,7 +4557,7 @@
           <a:p>
             <a:fld id="{4FACE682-7757-4F60-9924-7C54F945BCEE}" type="datetimeFigureOut">
               <a:rPr lang="en-US" smtClean="0"/>
-              <a:t>5/11/2018</a:t>
+              <a:t>11/5/2018</a:t>
             </a:fld>
             <a:endParaRPr lang="en-US"/>
           </a:p>
@@ -4648,7 +4652,7 @@
           <a:p>
             <a:fld id="{4FACE682-7757-4F60-9924-7C54F945BCEE}" type="datetimeFigureOut">
               <a:rPr lang="en-US" smtClean="0"/>
-              <a:t>5/11/2018</a:t>
+              <a:t>11/5/2018</a:t>
             </a:fld>
             <a:endParaRPr lang="en-US"/>
           </a:p>
@@ -4927,7 +4931,7 @@
           <a:p>
             <a:fld id="{4FACE682-7757-4F60-9924-7C54F945BCEE}" type="datetimeFigureOut">
               <a:rPr lang="en-US" smtClean="0"/>
-              <a:t>5/11/2018</a:t>
+              <a:t>11/5/2018</a:t>
             </a:fld>
             <a:endParaRPr lang="en-US"/>
           </a:p>
@@ -5202,7 +5206,7 @@
           <a:p>
             <a:fld id="{4FACE682-7757-4F60-9924-7C54F945BCEE}" type="datetimeFigureOut">
               <a:rPr lang="en-US" smtClean="0"/>
-              <a:t>5/11/2018</a:t>
+              <a:t>11/5/2018</a:t>
             </a:fld>
             <a:endParaRPr lang="en-US"/>
           </a:p>
@@ -5631,7 +5635,7 @@
           <a:p>
             <a:fld id="{4FACE682-7757-4F60-9924-7C54F945BCEE}" type="datetimeFigureOut">
               <a:rPr lang="en-US" smtClean="0"/>
-              <a:t>5/11/2018</a:t>
+              <a:t>11/5/2018</a:t>
             </a:fld>
             <a:endParaRPr lang="en-US"/>
           </a:p>
@@ -11325,6 +11329,95 @@
 </p:sld>
 </file>
 
+<file path=ppt/slides/slide59.xml><?xml version="1.0" encoding="utf-8"?>
+<p:sld xmlns:a="http://schemas.openxmlformats.org/drawingml/2006/main" xmlns:r="http://schemas.openxmlformats.org/officeDocument/2006/relationships" xmlns:p="http://schemas.openxmlformats.org/presentationml/2006/main">
+  <p:cSld>
+    <p:spTree>
+      <p:nvGrpSpPr>
+        <p:cNvPr id="1" name=""/>
+        <p:cNvGrpSpPr/>
+        <p:nvPr/>
+      </p:nvGrpSpPr>
+      <p:grpSpPr>
+        <a:xfrm>
+          <a:off x="0" y="0"/>
+          <a:ext cx="0" cy="0"/>
+          <a:chOff x="0" y="0"/>
+          <a:chExt cx="0" cy="0"/>
+        </a:xfrm>
+      </p:grpSpPr>
+      <p:sp>
+        <p:nvSpPr>
+          <p:cNvPr id="2" name="Title 1">
+            <a:extLst>
+              <a:ext uri="{FF2B5EF4-FFF2-40B4-BE49-F238E27FC236}">
+                <a16:creationId xmlns:a16="http://schemas.microsoft.com/office/drawing/2014/main" id="{ABFE9964-2DD0-4B8C-9324-5C9218DC5DF7}"/>
+              </a:ext>
+            </a:extLst>
+          </p:cNvPr>
+          <p:cNvSpPr>
+            <a:spLocks noGrp="1"/>
+          </p:cNvSpPr>
+          <p:nvPr>
+            <p:ph type="title"/>
+          </p:nvPr>
+        </p:nvSpPr>
+        <p:spPr>
+          <a:xfrm>
+            <a:off x="674246" y="452718"/>
+            <a:ext cx="9404723" cy="1400530"/>
+          </a:xfrm>
+        </p:spPr>
+        <p:txBody>
+          <a:bodyPr/>
+          <a:lstStyle/>
+          <a:p>
+            <a:r>
+              <a:rPr lang="en-US" dirty="0"/>
+              <a:t>As Kara the dedicated user, I want to save my landmarks online so I can access them from another device.</a:t>
+            </a:r>
+            <a:endParaRPr lang="en-US" sz="4800" dirty="0"/>
+          </a:p>
+        </p:txBody>
+      </p:sp>
+      <p:sp>
+        <p:nvSpPr>
+          <p:cNvPr id="3" name="Content Placeholder 2">
+            <a:extLst>
+              <a:ext uri="{FF2B5EF4-FFF2-40B4-BE49-F238E27FC236}">
+                <a16:creationId xmlns:a16="http://schemas.microsoft.com/office/drawing/2014/main" id="{361D3B48-B632-4E60-8736-F1558045DB59}"/>
+              </a:ext>
+            </a:extLst>
+          </p:cNvPr>
+          <p:cNvSpPr>
+            <a:spLocks noGrp="1"/>
+          </p:cNvSpPr>
+          <p:nvPr>
+            <p:ph idx="1"/>
+          </p:nvPr>
+        </p:nvSpPr>
+        <p:spPr/>
+        <p:txBody>
+          <a:bodyPr/>
+          <a:lstStyle/>
+          <a:p>
+            <a:endParaRPr lang="en-US" dirty="0"/>
+          </a:p>
+        </p:txBody>
+      </p:sp>
+    </p:spTree>
+    <p:extLst>
+      <p:ext uri="{BB962C8B-B14F-4D97-AF65-F5344CB8AC3E}">
+        <p14:creationId xmlns:p14="http://schemas.microsoft.com/office/powerpoint/2010/main" val="4265448321"/>
+      </p:ext>
+    </p:extLst>
+  </p:cSld>
+  <p:clrMapOvr>
+    <a:masterClrMapping/>
+  </p:clrMapOvr>
+</p:sld>
+</file>
+
 <file path=ppt/slides/slide6.xml><?xml version="1.0" encoding="utf-8"?>
 <p:sld xmlns:a="http://schemas.openxmlformats.org/drawingml/2006/main" xmlns:r="http://schemas.openxmlformats.org/officeDocument/2006/relationships" xmlns:p="http://schemas.openxmlformats.org/presentationml/2006/main">
   <p:cSld>
@@ -11408,6 +11501,306 @@
     <p:extLst>
       <p:ext uri="{BB962C8B-B14F-4D97-AF65-F5344CB8AC3E}">
         <p14:creationId xmlns:p14="http://schemas.microsoft.com/office/powerpoint/2010/main" val="1370581020"/>
+      </p:ext>
+    </p:extLst>
+  </p:cSld>
+  <p:clrMapOvr>
+    <a:masterClrMapping/>
+  </p:clrMapOvr>
+</p:sld>
+</file>
+
+<file path=ppt/slides/slide60.xml><?xml version="1.0" encoding="utf-8"?>
+<p:sld xmlns:a="http://schemas.openxmlformats.org/drawingml/2006/main" xmlns:r="http://schemas.openxmlformats.org/officeDocument/2006/relationships" xmlns:p="http://schemas.openxmlformats.org/presentationml/2006/main">
+  <p:cSld>
+    <p:spTree>
+      <p:nvGrpSpPr>
+        <p:cNvPr id="1" name=""/>
+        <p:cNvGrpSpPr/>
+        <p:nvPr/>
+      </p:nvGrpSpPr>
+      <p:grpSpPr>
+        <a:xfrm>
+          <a:off x="0" y="0"/>
+          <a:ext cx="0" cy="0"/>
+          <a:chOff x="0" y="0"/>
+          <a:chExt cx="0" cy="0"/>
+        </a:xfrm>
+      </p:grpSpPr>
+      <p:sp>
+        <p:nvSpPr>
+          <p:cNvPr id="2" name="Title 1">
+            <a:extLst>
+              <a:ext uri="{FF2B5EF4-FFF2-40B4-BE49-F238E27FC236}">
+                <a16:creationId xmlns:a16="http://schemas.microsoft.com/office/drawing/2014/main" id="{E66C612F-2F3A-4260-BDBF-80671B0DF2ED}"/>
+              </a:ext>
+            </a:extLst>
+          </p:cNvPr>
+          <p:cNvSpPr>
+            <a:spLocks noGrp="1"/>
+          </p:cNvSpPr>
+          <p:nvPr>
+            <p:ph type="title"/>
+          </p:nvPr>
+        </p:nvSpPr>
+        <p:spPr/>
+        <p:txBody>
+          <a:bodyPr/>
+          <a:lstStyle/>
+          <a:p>
+            <a:r>
+              <a:rPr lang="en-US" dirty="0"/>
+              <a:t>[User Accounts]</a:t>
+            </a:r>
+          </a:p>
+        </p:txBody>
+      </p:sp>
+      <p:sp>
+        <p:nvSpPr>
+          <p:cNvPr id="3" name="Content Placeholder 2">
+            <a:extLst>
+              <a:ext uri="{FF2B5EF4-FFF2-40B4-BE49-F238E27FC236}">
+                <a16:creationId xmlns:a16="http://schemas.microsoft.com/office/drawing/2014/main" id="{6C61B333-EC15-417A-92E3-D6641D0F3741}"/>
+              </a:ext>
+            </a:extLst>
+          </p:cNvPr>
+          <p:cNvSpPr>
+            <a:spLocks noGrp="1"/>
+          </p:cNvSpPr>
+          <p:nvPr>
+            <p:ph idx="1"/>
+          </p:nvPr>
+        </p:nvSpPr>
+        <p:spPr/>
+        <p:txBody>
+          <a:bodyPr/>
+          <a:lstStyle/>
+          <a:p>
+            <a:endParaRPr lang="en-US"/>
+          </a:p>
+        </p:txBody>
+      </p:sp>
+    </p:spTree>
+    <p:extLst>
+      <p:ext uri="{BB962C8B-B14F-4D97-AF65-F5344CB8AC3E}">
+        <p14:creationId xmlns:p14="http://schemas.microsoft.com/office/powerpoint/2010/main" val="1435937211"/>
+      </p:ext>
+    </p:extLst>
+  </p:cSld>
+  <p:clrMapOvr>
+    <a:masterClrMapping/>
+  </p:clrMapOvr>
+</p:sld>
+</file>
+
+<file path=ppt/slides/slide61.xml><?xml version="1.0" encoding="utf-8"?>
+<p:sld xmlns:a="http://schemas.openxmlformats.org/drawingml/2006/main" xmlns:r="http://schemas.openxmlformats.org/officeDocument/2006/relationships" xmlns:p="http://schemas.openxmlformats.org/presentationml/2006/main">
+  <p:cSld>
+    <p:spTree>
+      <p:nvGrpSpPr>
+        <p:cNvPr id="1" name=""/>
+        <p:cNvGrpSpPr/>
+        <p:nvPr/>
+      </p:nvGrpSpPr>
+      <p:grpSpPr>
+        <a:xfrm>
+          <a:off x="0" y="0"/>
+          <a:ext cx="0" cy="0"/>
+          <a:chOff x="0" y="0"/>
+          <a:chExt cx="0" cy="0"/>
+        </a:xfrm>
+      </p:grpSpPr>
+      <p:sp>
+        <p:nvSpPr>
+          <p:cNvPr id="2" name="Title 1">
+            <a:extLst>
+              <a:ext uri="{FF2B5EF4-FFF2-40B4-BE49-F238E27FC236}">
+                <a16:creationId xmlns:a16="http://schemas.microsoft.com/office/drawing/2014/main" id="{BA35D0AB-9A37-479C-9406-C70EC5D04068}"/>
+              </a:ext>
+            </a:extLst>
+          </p:cNvPr>
+          <p:cNvSpPr>
+            <a:spLocks noGrp="1"/>
+          </p:cNvSpPr>
+          <p:nvPr>
+            <p:ph type="title"/>
+          </p:nvPr>
+        </p:nvSpPr>
+        <p:spPr/>
+        <p:txBody>
+          <a:bodyPr/>
+          <a:lstStyle/>
+          <a:p>
+            <a:r>
+              <a:rPr lang="en-US" dirty="0"/>
+              <a:t>[Possible Technology]</a:t>
+            </a:r>
+          </a:p>
+        </p:txBody>
+      </p:sp>
+      <p:sp>
+        <p:nvSpPr>
+          <p:cNvPr id="3" name="Content Placeholder 2">
+            <a:extLst>
+              <a:ext uri="{FF2B5EF4-FFF2-40B4-BE49-F238E27FC236}">
+                <a16:creationId xmlns:a16="http://schemas.microsoft.com/office/drawing/2014/main" id="{C53C1AAE-D52E-4865-94E5-9A746F2B6603}"/>
+              </a:ext>
+            </a:extLst>
+          </p:cNvPr>
+          <p:cNvSpPr>
+            <a:spLocks noGrp="1"/>
+          </p:cNvSpPr>
+          <p:nvPr>
+            <p:ph idx="1"/>
+          </p:nvPr>
+        </p:nvSpPr>
+        <p:spPr/>
+        <p:txBody>
+          <a:bodyPr/>
+          <a:lstStyle/>
+          <a:p>
+            <a:pPr marL="0" indent="0">
+              <a:buNone/>
+            </a:pPr>
+            <a:r>
+              <a:rPr lang="en-US" dirty="0"/>
+              <a:t>Pros</a:t>
+            </a:r>
+          </a:p>
+          <a:p>
+            <a:r>
+              <a:rPr lang="en-US" dirty="0"/>
+              <a:t>[Pro]</a:t>
+            </a:r>
+          </a:p>
+          <a:p>
+            <a:r>
+              <a:rPr lang="en-US" dirty="0"/>
+              <a:t>[Pro]</a:t>
+            </a:r>
+          </a:p>
+          <a:p>
+            <a:endParaRPr lang="en-US" dirty="0"/>
+          </a:p>
+          <a:p>
+            <a:pPr marL="0" indent="0">
+              <a:buNone/>
+            </a:pPr>
+            <a:r>
+              <a:rPr lang="en-US" dirty="0"/>
+              <a:t>Cons</a:t>
+            </a:r>
+          </a:p>
+          <a:p>
+            <a:r>
+              <a:rPr lang="en-US" dirty="0"/>
+              <a:t>[Con]</a:t>
+            </a:r>
+          </a:p>
+          <a:p>
+            <a:r>
+              <a:rPr lang="en-US" dirty="0"/>
+              <a:t>[Con]</a:t>
+            </a:r>
+          </a:p>
+        </p:txBody>
+      </p:sp>
+    </p:spTree>
+    <p:extLst>
+      <p:ext uri="{BB962C8B-B14F-4D97-AF65-F5344CB8AC3E}">
+        <p14:creationId xmlns:p14="http://schemas.microsoft.com/office/powerpoint/2010/main" val="732696724"/>
+      </p:ext>
+    </p:extLst>
+  </p:cSld>
+  <p:clrMapOvr>
+    <a:masterClrMapping/>
+  </p:clrMapOvr>
+</p:sld>
+</file>
+
+<file path=ppt/slides/slide62.xml><?xml version="1.0" encoding="utf-8"?>
+<p:sld xmlns:a="http://schemas.openxmlformats.org/drawingml/2006/main" xmlns:r="http://schemas.openxmlformats.org/officeDocument/2006/relationships" xmlns:p="http://schemas.openxmlformats.org/presentationml/2006/main">
+  <p:cSld>
+    <p:spTree>
+      <p:nvGrpSpPr>
+        <p:cNvPr id="1" name=""/>
+        <p:cNvGrpSpPr/>
+        <p:nvPr/>
+      </p:nvGrpSpPr>
+      <p:grpSpPr>
+        <a:xfrm>
+          <a:off x="0" y="0"/>
+          <a:ext cx="0" cy="0"/>
+          <a:chOff x="0" y="0"/>
+          <a:chExt cx="0" cy="0"/>
+        </a:xfrm>
+      </p:grpSpPr>
+      <p:sp>
+        <p:nvSpPr>
+          <p:cNvPr id="2" name="Title 1">
+            <a:extLst>
+              <a:ext uri="{FF2B5EF4-FFF2-40B4-BE49-F238E27FC236}">
+                <a16:creationId xmlns:a16="http://schemas.microsoft.com/office/drawing/2014/main" id="{33182361-C770-430C-97A0-B9298FA3FE50}"/>
+              </a:ext>
+            </a:extLst>
+          </p:cNvPr>
+          <p:cNvSpPr>
+            <a:spLocks noGrp="1"/>
+          </p:cNvSpPr>
+          <p:nvPr>
+            <p:ph type="title"/>
+          </p:nvPr>
+        </p:nvSpPr>
+        <p:spPr/>
+        <p:txBody>
+          <a:bodyPr/>
+          <a:lstStyle/>
+          <a:p>
+            <a:r>
+              <a:rPr lang="en-US" dirty="0"/>
+              <a:t>[Chosen Technology]</a:t>
+            </a:r>
+          </a:p>
+        </p:txBody>
+      </p:sp>
+      <p:sp>
+        <p:nvSpPr>
+          <p:cNvPr id="3" name="Content Placeholder 2">
+            <a:extLst>
+              <a:ext uri="{FF2B5EF4-FFF2-40B4-BE49-F238E27FC236}">
+                <a16:creationId xmlns:a16="http://schemas.microsoft.com/office/drawing/2014/main" id="{6457FBD9-768E-4864-B576-83C1D02FB7F8}"/>
+              </a:ext>
+            </a:extLst>
+          </p:cNvPr>
+          <p:cNvSpPr>
+            <a:spLocks noGrp="1"/>
+          </p:cNvSpPr>
+          <p:nvPr>
+            <p:ph idx="1"/>
+          </p:nvPr>
+        </p:nvSpPr>
+        <p:spPr/>
+        <p:txBody>
+          <a:bodyPr/>
+          <a:lstStyle/>
+          <a:p>
+            <a:r>
+              <a:rPr lang="en-US" dirty="0"/>
+              <a:t>[Reason]</a:t>
+            </a:r>
+          </a:p>
+          <a:p>
+            <a:r>
+              <a:rPr lang="en-US" dirty="0"/>
+              <a:t>[Reason]</a:t>
+            </a:r>
+          </a:p>
+        </p:txBody>
+      </p:sp>
+    </p:spTree>
+    <p:extLst>
+      <p:ext uri="{BB962C8B-B14F-4D97-AF65-F5344CB8AC3E}">
+        <p14:creationId xmlns:p14="http://schemas.microsoft.com/office/powerpoint/2010/main" val="588317044"/>
       </p:ext>
     </p:extLst>
   </p:cSld>

--- a/Technology Presentation.pptx
+++ b/Technology Presentation.pptx
@@ -13,60 +13,38 @@
     <p:sldId id="261" r:id="rId7"/>
     <p:sldId id="262" r:id="rId8"/>
     <p:sldId id="263" r:id="rId9"/>
-    <p:sldId id="264" r:id="rId10"/>
-    <p:sldId id="265" r:id="rId11"/>
-    <p:sldId id="266" r:id="rId12"/>
-    <p:sldId id="267" r:id="rId13"/>
-    <p:sldId id="268" r:id="rId14"/>
-    <p:sldId id="269" r:id="rId15"/>
-    <p:sldId id="270" r:id="rId16"/>
-    <p:sldId id="271" r:id="rId17"/>
-    <p:sldId id="272" r:id="rId18"/>
-    <p:sldId id="273" r:id="rId19"/>
-    <p:sldId id="274" r:id="rId20"/>
-    <p:sldId id="275" r:id="rId21"/>
-    <p:sldId id="276" r:id="rId22"/>
-    <p:sldId id="277" r:id="rId23"/>
-    <p:sldId id="278" r:id="rId24"/>
-    <p:sldId id="279" r:id="rId25"/>
-    <p:sldId id="280" r:id="rId26"/>
-    <p:sldId id="281" r:id="rId27"/>
-    <p:sldId id="282" r:id="rId28"/>
-    <p:sldId id="283" r:id="rId29"/>
-    <p:sldId id="284" r:id="rId30"/>
-    <p:sldId id="285" r:id="rId31"/>
-    <p:sldId id="286" r:id="rId32"/>
-    <p:sldId id="287" r:id="rId33"/>
-    <p:sldId id="288" r:id="rId34"/>
-    <p:sldId id="289" r:id="rId35"/>
-    <p:sldId id="290" r:id="rId36"/>
-    <p:sldId id="291" r:id="rId37"/>
-    <p:sldId id="292" r:id="rId38"/>
-    <p:sldId id="293" r:id="rId39"/>
-    <p:sldId id="294" r:id="rId40"/>
-    <p:sldId id="295" r:id="rId41"/>
-    <p:sldId id="296" r:id="rId42"/>
-    <p:sldId id="297" r:id="rId43"/>
-    <p:sldId id="298" r:id="rId44"/>
-    <p:sldId id="299" r:id="rId45"/>
-    <p:sldId id="300" r:id="rId46"/>
-    <p:sldId id="301" r:id="rId47"/>
-    <p:sldId id="302" r:id="rId48"/>
-    <p:sldId id="303" r:id="rId49"/>
-    <p:sldId id="304" r:id="rId50"/>
-    <p:sldId id="305" r:id="rId51"/>
-    <p:sldId id="306" r:id="rId52"/>
-    <p:sldId id="307" r:id="rId53"/>
-    <p:sldId id="308" r:id="rId54"/>
-    <p:sldId id="309" r:id="rId55"/>
-    <p:sldId id="310" r:id="rId56"/>
-    <p:sldId id="311" r:id="rId57"/>
-    <p:sldId id="312" r:id="rId58"/>
-    <p:sldId id="313" r:id="rId59"/>
-    <p:sldId id="314" r:id="rId60"/>
-    <p:sldId id="315" r:id="rId61"/>
-    <p:sldId id="316" r:id="rId62"/>
-    <p:sldId id="317" r:id="rId63"/>
+    <p:sldId id="266" r:id="rId10"/>
+    <p:sldId id="267" r:id="rId11"/>
+    <p:sldId id="270" r:id="rId12"/>
+    <p:sldId id="271" r:id="rId13"/>
+    <p:sldId id="274" r:id="rId14"/>
+    <p:sldId id="275" r:id="rId15"/>
+    <p:sldId id="278" r:id="rId16"/>
+    <p:sldId id="279" r:id="rId17"/>
+    <p:sldId id="280" r:id="rId18"/>
+    <p:sldId id="281" r:id="rId19"/>
+    <p:sldId id="282" r:id="rId20"/>
+    <p:sldId id="283" r:id="rId21"/>
+    <p:sldId id="286" r:id="rId22"/>
+    <p:sldId id="287" r:id="rId23"/>
+    <p:sldId id="290" r:id="rId24"/>
+    <p:sldId id="291" r:id="rId25"/>
+    <p:sldId id="294" r:id="rId26"/>
+    <p:sldId id="295" r:id="rId27"/>
+    <p:sldId id="298" r:id="rId28"/>
+    <p:sldId id="299" r:id="rId29"/>
+    <p:sldId id="300" r:id="rId30"/>
+    <p:sldId id="301" r:id="rId31"/>
+    <p:sldId id="302" r:id="rId32"/>
+    <p:sldId id="303" r:id="rId33"/>
+    <p:sldId id="306" r:id="rId34"/>
+    <p:sldId id="307" r:id="rId35"/>
+    <p:sldId id="308" r:id="rId36"/>
+    <p:sldId id="309" r:id="rId37"/>
+    <p:sldId id="310" r:id="rId38"/>
+    <p:sldId id="311" r:id="rId39"/>
+    <p:sldId id="314" r:id="rId40"/>
+    <p:sldId id="315" r:id="rId41"/>
   </p:sldIdLst>
   <p:sldSz cx="12192000" cy="6858000"/>
   <p:notesSz cx="6858000" cy="9144000"/>
@@ -6254,7 +6232,7 @@
           <p:cNvPr id="2" name="Title 1">
             <a:extLst>
               <a:ext uri="{FF2B5EF4-FFF2-40B4-BE49-F238E27FC236}">
-                <a16:creationId xmlns:a16="http://schemas.microsoft.com/office/drawing/2014/main" id="{33182361-C770-430C-97A0-B9298FA3FE50}"/>
+                <a16:creationId xmlns:a16="http://schemas.microsoft.com/office/drawing/2014/main" id="{E66C612F-2F3A-4260-BDBF-80671B0DF2ED}"/>
               </a:ext>
             </a:extLst>
           </p:cNvPr>
@@ -6272,7 +6250,7 @@
           <a:p>
             <a:r>
               <a:rPr lang="en-US" dirty="0"/>
-              <a:t>[Chosen Technology]</a:t>
+              <a:t>[Local Storage]</a:t>
             </a:r>
           </a:p>
         </p:txBody>
@@ -6282,7 +6260,7 @@
           <p:cNvPr id="3" name="Content Placeholder 2">
             <a:extLst>
               <a:ext uri="{FF2B5EF4-FFF2-40B4-BE49-F238E27FC236}">
-                <a16:creationId xmlns:a16="http://schemas.microsoft.com/office/drawing/2014/main" id="{6457FBD9-768E-4864-B576-83C1D02FB7F8}"/>
+                <a16:creationId xmlns:a16="http://schemas.microsoft.com/office/drawing/2014/main" id="{6C61B333-EC15-417A-92E3-D6641D0F3741}"/>
               </a:ext>
             </a:extLst>
           </p:cNvPr>
@@ -6298,23 +6276,14 @@
           <a:bodyPr/>
           <a:lstStyle/>
           <a:p>
-            <a:r>
-              <a:rPr lang="en-US" dirty="0"/>
-              <a:t>[Reason]</a:t>
-            </a:r>
-          </a:p>
-          <a:p>
-            <a:r>
-              <a:rPr lang="en-US" dirty="0"/>
-              <a:t>[Reason]</a:t>
-            </a:r>
+            <a:endParaRPr lang="en-US"/>
           </a:p>
         </p:txBody>
       </p:sp>
     </p:spTree>
     <p:extLst>
       <p:ext uri="{BB962C8B-B14F-4D97-AF65-F5344CB8AC3E}">
-        <p14:creationId xmlns:p14="http://schemas.microsoft.com/office/powerpoint/2010/main" val="3002344434"/>
+        <p14:creationId xmlns:p14="http://schemas.microsoft.com/office/powerpoint/2010/main" val="3112083759"/>
       </p:ext>
     </p:extLst>
   </p:cSld>
@@ -6364,33 +6333,16 @@
           <a:p>
             <a:r>
               <a:rPr lang="en-US" sz="5400" dirty="0"/>
-              <a:t>As Tommy the mountain hermit, I want to still be able to use the app even if I go months without internet access.</a:t>
-            </a:r>
-          </a:p>
-        </p:txBody>
-      </p:sp>
-      <p:sp>
-        <p:nvSpPr>
-          <p:cNvPr id="3" name="Content Placeholder 2">
-            <a:extLst>
-              <a:ext uri="{FF2B5EF4-FFF2-40B4-BE49-F238E27FC236}">
-                <a16:creationId xmlns:a16="http://schemas.microsoft.com/office/drawing/2014/main" id="{361D3B48-B632-4E60-8736-F1558045DB59}"/>
-              </a:ext>
-            </a:extLst>
-          </p:cNvPr>
-          <p:cNvSpPr>
-            <a:spLocks noGrp="1"/>
-          </p:cNvSpPr>
-          <p:nvPr>
-            <p:ph idx="1"/>
-          </p:nvPr>
-        </p:nvSpPr>
-        <p:spPr/>
-        <p:txBody>
-          <a:bodyPr/>
-          <a:lstStyle/>
-          <a:p>
-            <a:endParaRPr lang="en-US" dirty="0"/>
+              <a:t>As Francine the world </a:t>
+            </a:r>
+            <a:r>
+              <a:rPr lang="en-US" sz="5400" dirty="0" err="1"/>
+              <a:t>traveller</a:t>
+            </a:r>
+            <a:r>
+              <a:rPr lang="en-US" sz="5400" dirty="0"/>
+              <a:t>, I want to easily show my friends a quick slideshow style summary of all the places I’ve been.</a:t>
+            </a:r>
           </a:p>
         </p:txBody>
       </p:sp>
@@ -6447,7 +6399,7 @@
           <a:p>
             <a:r>
               <a:rPr lang="en-US" dirty="0"/>
-              <a:t>[Local Storage]</a:t>
+              <a:t>[Slideshow Summary]</a:t>
             </a:r>
           </a:p>
         </p:txBody>
@@ -6512,7 +6464,7 @@
           <p:cNvPr id="2" name="Title 1">
             <a:extLst>
               <a:ext uri="{FF2B5EF4-FFF2-40B4-BE49-F238E27FC236}">
-                <a16:creationId xmlns:a16="http://schemas.microsoft.com/office/drawing/2014/main" id="{BA35D0AB-9A37-479C-9406-C70EC5D04068}"/>
+                <a16:creationId xmlns:a16="http://schemas.microsoft.com/office/drawing/2014/main" id="{ABFE9964-2DD0-4B8C-9324-5C9218DC5DF7}"/>
               </a:ext>
             </a:extLst>
           </p:cNvPr>
@@ -6529,8 +6481,8 @@
           <a:lstStyle/>
           <a:p>
             <a:r>
-              <a:rPr lang="en-US" dirty="0"/>
-              <a:t>[Possible Technology]</a:t>
+              <a:rPr lang="en-US" sz="5400" dirty="0"/>
+              <a:t>As Dora the explorer, I want to save personal notes about my trips to landmarks.</a:t>
             </a:r>
           </a:p>
         </p:txBody>
@@ -6540,7 +6492,7 @@
           <p:cNvPr id="3" name="Content Placeholder 2">
             <a:extLst>
               <a:ext uri="{FF2B5EF4-FFF2-40B4-BE49-F238E27FC236}">
-                <a16:creationId xmlns:a16="http://schemas.microsoft.com/office/drawing/2014/main" id="{C53C1AAE-D52E-4865-94E5-9A746F2B6603}"/>
+                <a16:creationId xmlns:a16="http://schemas.microsoft.com/office/drawing/2014/main" id="{361D3B48-B632-4E60-8736-F1558045DB59}"/>
               </a:ext>
             </a:extLst>
           </p:cNvPr>
@@ -6556,56 +6508,14 @@
           <a:bodyPr/>
           <a:lstStyle/>
           <a:p>
-            <a:pPr marL="0" indent="0">
-              <a:buNone/>
-            </a:pPr>
-            <a:r>
-              <a:rPr lang="en-US" dirty="0"/>
-              <a:t>Pros</a:t>
-            </a:r>
-          </a:p>
-          <a:p>
-            <a:r>
-              <a:rPr lang="en-US" dirty="0"/>
-              <a:t>[Pro]</a:t>
-            </a:r>
-          </a:p>
-          <a:p>
-            <a:r>
-              <a:rPr lang="en-US" dirty="0"/>
-              <a:t>[Pro]</a:t>
-            </a:r>
-          </a:p>
-          <a:p>
             <a:endParaRPr lang="en-US" dirty="0"/>
-          </a:p>
-          <a:p>
-            <a:pPr marL="0" indent="0">
-              <a:buNone/>
-            </a:pPr>
-            <a:r>
-              <a:rPr lang="en-US" dirty="0"/>
-              <a:t>Cons</a:t>
-            </a:r>
-          </a:p>
-          <a:p>
-            <a:r>
-              <a:rPr lang="en-US" dirty="0"/>
-              <a:t>[Con]</a:t>
-            </a:r>
-          </a:p>
-          <a:p>
-            <a:r>
-              <a:rPr lang="en-US" dirty="0"/>
-              <a:t>[Con]</a:t>
-            </a:r>
           </a:p>
         </p:txBody>
       </p:sp>
     </p:spTree>
     <p:extLst>
       <p:ext uri="{BB962C8B-B14F-4D97-AF65-F5344CB8AC3E}">
-        <p14:creationId xmlns:p14="http://schemas.microsoft.com/office/powerpoint/2010/main" val="1472652304"/>
+        <p14:creationId xmlns:p14="http://schemas.microsoft.com/office/powerpoint/2010/main" val="178948568"/>
       </p:ext>
     </p:extLst>
   </p:cSld>
@@ -6637,7 +6547,7 @@
           <p:cNvPr id="2" name="Title 1">
             <a:extLst>
               <a:ext uri="{FF2B5EF4-FFF2-40B4-BE49-F238E27FC236}">
-                <a16:creationId xmlns:a16="http://schemas.microsoft.com/office/drawing/2014/main" id="{33182361-C770-430C-97A0-B9298FA3FE50}"/>
+                <a16:creationId xmlns:a16="http://schemas.microsoft.com/office/drawing/2014/main" id="{E66C612F-2F3A-4260-BDBF-80671B0DF2ED}"/>
               </a:ext>
             </a:extLst>
           </p:cNvPr>
@@ -6655,7 +6565,7 @@
           <a:p>
             <a:r>
               <a:rPr lang="en-US" dirty="0"/>
-              <a:t>[Chosen Technology]</a:t>
+              <a:t>[Saved Notes]</a:t>
             </a:r>
           </a:p>
         </p:txBody>
@@ -6665,7 +6575,7 @@
           <p:cNvPr id="3" name="Content Placeholder 2">
             <a:extLst>
               <a:ext uri="{FF2B5EF4-FFF2-40B4-BE49-F238E27FC236}">
-                <a16:creationId xmlns:a16="http://schemas.microsoft.com/office/drawing/2014/main" id="{6457FBD9-768E-4864-B576-83C1D02FB7F8}"/>
+                <a16:creationId xmlns:a16="http://schemas.microsoft.com/office/drawing/2014/main" id="{6C61B333-EC15-417A-92E3-D6641D0F3741}"/>
               </a:ext>
             </a:extLst>
           </p:cNvPr>
@@ -6681,23 +6591,14 @@
           <a:bodyPr/>
           <a:lstStyle/>
           <a:p>
-            <a:r>
-              <a:rPr lang="en-US" dirty="0"/>
-              <a:t>[Reason]</a:t>
-            </a:r>
-          </a:p>
-          <a:p>
-            <a:r>
-              <a:rPr lang="en-US" dirty="0"/>
-              <a:t>[Reason]</a:t>
-            </a:r>
+            <a:endParaRPr lang="en-US"/>
           </a:p>
         </p:txBody>
       </p:sp>
     </p:spTree>
     <p:extLst>
       <p:ext uri="{BB962C8B-B14F-4D97-AF65-F5344CB8AC3E}">
-        <p14:creationId xmlns:p14="http://schemas.microsoft.com/office/powerpoint/2010/main" val="3002344434"/>
+        <p14:creationId xmlns:p14="http://schemas.microsoft.com/office/powerpoint/2010/main" val="3112083759"/>
       </p:ext>
     </p:extLst>
   </p:cSld>
@@ -6747,16 +6648,33 @@
           <a:p>
             <a:r>
               <a:rPr lang="en-US" sz="5400" dirty="0"/>
-              <a:t>As Francine the world </a:t>
-            </a:r>
-            <a:r>
-              <a:rPr lang="en-US" sz="5400" dirty="0" err="1"/>
-              <a:t>traveller</a:t>
-            </a:r>
-            <a:r>
-              <a:rPr lang="en-US" sz="5400" dirty="0"/>
-              <a:t>, I want to easily show my friends a quick slideshow style summary of all the places I’ve been.</a:t>
-            </a:r>
+              <a:t>As Tina the fisherman I want to privately save a great spot I found that so I can get back to it in the future.</a:t>
+            </a:r>
+          </a:p>
+        </p:txBody>
+      </p:sp>
+      <p:sp>
+        <p:nvSpPr>
+          <p:cNvPr id="3" name="Content Placeholder 2">
+            <a:extLst>
+              <a:ext uri="{FF2B5EF4-FFF2-40B4-BE49-F238E27FC236}">
+                <a16:creationId xmlns:a16="http://schemas.microsoft.com/office/drawing/2014/main" id="{361D3B48-B632-4E60-8736-F1558045DB59}"/>
+              </a:ext>
+            </a:extLst>
+          </p:cNvPr>
+          <p:cNvSpPr>
+            <a:spLocks noGrp="1"/>
+          </p:cNvSpPr>
+          <p:nvPr>
+            <p:ph idx="1"/>
+          </p:nvPr>
+        </p:nvSpPr>
+        <p:spPr/>
+        <p:txBody>
+          <a:bodyPr/>
+          <a:lstStyle/>
+          <a:p>
+            <a:endParaRPr lang="en-US" dirty="0"/>
           </a:p>
         </p:txBody>
       </p:sp>
@@ -6813,7 +6731,7 @@
           <a:p>
             <a:r>
               <a:rPr lang="en-US" dirty="0"/>
-              <a:t>[Slideshow Summary]</a:t>
+              <a:t>[Custom Landmarks]</a:t>
             </a:r>
           </a:p>
         </p:txBody>
@@ -6896,7 +6814,7 @@
           <a:p>
             <a:r>
               <a:rPr lang="en-US" dirty="0"/>
-              <a:t>[Possible Technology]</a:t>
+              <a:t>SQL Server</a:t>
             </a:r>
           </a:p>
         </p:txBody>
@@ -6933,13 +6851,13 @@
           <a:p>
             <a:r>
               <a:rPr lang="en-US" dirty="0"/>
-              <a:t>[Pro]</a:t>
+              <a:t>Free Edition</a:t>
             </a:r>
           </a:p>
           <a:p>
             <a:r>
               <a:rPr lang="en-US" dirty="0"/>
-              <a:t>[Pro]</a:t>
+              <a:t>Widely supported</a:t>
             </a:r>
           </a:p>
           <a:p>
@@ -6957,14 +6875,17 @@
           <a:p>
             <a:r>
               <a:rPr lang="en-US" dirty="0"/>
-              <a:t>[Con]</a:t>
+              <a:t>Windows-Only</a:t>
             </a:r>
           </a:p>
           <a:p>
             <a:r>
               <a:rPr lang="en-US" dirty="0"/>
-              <a:t>[Con]</a:t>
-            </a:r>
+              <a:t>Requires Windows machine for deployment</a:t>
+            </a:r>
+          </a:p>
+          <a:p>
+            <a:endParaRPr lang="en-US" dirty="0"/>
           </a:p>
         </p:txBody>
       </p:sp>
@@ -7113,7 +7034,7 @@
           <a:p>
             <a:r>
               <a:rPr lang="en-US" sz="5400" dirty="0"/>
-              <a:t>As Dora the explorer, I want to save personal notes about my trips to landmarks.</a:t>
+              <a:t>As Jane the college aged woman I want to social media blast this location to everyone in my circle.</a:t>
             </a:r>
           </a:p>
         </p:txBody>
@@ -7146,7 +7067,7 @@
     </p:spTree>
     <p:extLst>
       <p:ext uri="{BB962C8B-B14F-4D97-AF65-F5344CB8AC3E}">
-        <p14:creationId xmlns:p14="http://schemas.microsoft.com/office/powerpoint/2010/main" val="178948568"/>
+        <p14:creationId xmlns:p14="http://schemas.microsoft.com/office/powerpoint/2010/main" val="3607745468"/>
       </p:ext>
     </p:extLst>
   </p:cSld>
@@ -7279,7 +7200,7 @@
           <a:p>
             <a:r>
               <a:rPr lang="en-US" dirty="0"/>
-              <a:t>[Saved Notes]</a:t>
+              <a:t>[Social Media Integration]</a:t>
             </a:r>
           </a:p>
         </p:txBody>
@@ -7312,7 +7233,7 @@
     </p:spTree>
     <p:extLst>
       <p:ext uri="{BB962C8B-B14F-4D97-AF65-F5344CB8AC3E}">
-        <p14:creationId xmlns:p14="http://schemas.microsoft.com/office/powerpoint/2010/main" val="3112083759"/>
+        <p14:creationId xmlns:p14="http://schemas.microsoft.com/office/powerpoint/2010/main" val="4091944108"/>
       </p:ext>
     </p:extLst>
   </p:cSld>
@@ -7344,7 +7265,7 @@
           <p:cNvPr id="2" name="Title 1">
             <a:extLst>
               <a:ext uri="{FF2B5EF4-FFF2-40B4-BE49-F238E27FC236}">
-                <a16:creationId xmlns:a16="http://schemas.microsoft.com/office/drawing/2014/main" id="{BA35D0AB-9A37-479C-9406-C70EC5D04068}"/>
+                <a16:creationId xmlns:a16="http://schemas.microsoft.com/office/drawing/2014/main" id="{ABFE9964-2DD0-4B8C-9324-5C9218DC5DF7}"/>
               </a:ext>
             </a:extLst>
           </p:cNvPr>
@@ -7361,8 +7282,8 @@
           <a:lstStyle/>
           <a:p>
             <a:r>
-              <a:rPr lang="en-US" dirty="0"/>
-              <a:t>[Possible Technology]</a:t>
+              <a:rPr lang="en-US" sz="4800" dirty="0"/>
+              <a:t>As George the photographer, I want all the pictures taken at each location to be associated with the location they were taken at.</a:t>
             </a:r>
           </a:p>
         </p:txBody>
@@ -7372,7 +7293,7 @@
           <p:cNvPr id="3" name="Content Placeholder 2">
             <a:extLst>
               <a:ext uri="{FF2B5EF4-FFF2-40B4-BE49-F238E27FC236}">
-                <a16:creationId xmlns:a16="http://schemas.microsoft.com/office/drawing/2014/main" id="{C53C1AAE-D52E-4865-94E5-9A746F2B6603}"/>
+                <a16:creationId xmlns:a16="http://schemas.microsoft.com/office/drawing/2014/main" id="{361D3B48-B632-4E60-8736-F1558045DB59}"/>
               </a:ext>
             </a:extLst>
           </p:cNvPr>
@@ -7388,56 +7309,14 @@
           <a:bodyPr/>
           <a:lstStyle/>
           <a:p>
-            <a:pPr marL="0" indent="0">
-              <a:buNone/>
-            </a:pPr>
-            <a:r>
-              <a:rPr lang="en-US" dirty="0"/>
-              <a:t>Pros</a:t>
-            </a:r>
-          </a:p>
-          <a:p>
-            <a:r>
-              <a:rPr lang="en-US" dirty="0"/>
-              <a:t>[Pro]</a:t>
-            </a:r>
-          </a:p>
-          <a:p>
-            <a:r>
-              <a:rPr lang="en-US" dirty="0"/>
-              <a:t>[Pro]</a:t>
-            </a:r>
-          </a:p>
-          <a:p>
             <a:endParaRPr lang="en-US" dirty="0"/>
-          </a:p>
-          <a:p>
-            <a:pPr marL="0" indent="0">
-              <a:buNone/>
-            </a:pPr>
-            <a:r>
-              <a:rPr lang="en-US" dirty="0"/>
-              <a:t>Cons</a:t>
-            </a:r>
-          </a:p>
-          <a:p>
-            <a:r>
-              <a:rPr lang="en-US" dirty="0"/>
-              <a:t>[Con]</a:t>
-            </a:r>
-          </a:p>
-          <a:p>
-            <a:r>
-              <a:rPr lang="en-US" dirty="0"/>
-              <a:t>[Con]</a:t>
-            </a:r>
           </a:p>
         </p:txBody>
       </p:sp>
     </p:spTree>
     <p:extLst>
       <p:ext uri="{BB962C8B-B14F-4D97-AF65-F5344CB8AC3E}">
-        <p14:creationId xmlns:p14="http://schemas.microsoft.com/office/powerpoint/2010/main" val="1472652304"/>
+        <p14:creationId xmlns:p14="http://schemas.microsoft.com/office/powerpoint/2010/main" val="3607745468"/>
       </p:ext>
     </p:extLst>
   </p:cSld>
@@ -7469,7 +7348,7 @@
           <p:cNvPr id="2" name="Title 1">
             <a:extLst>
               <a:ext uri="{FF2B5EF4-FFF2-40B4-BE49-F238E27FC236}">
-                <a16:creationId xmlns:a16="http://schemas.microsoft.com/office/drawing/2014/main" id="{33182361-C770-430C-97A0-B9298FA3FE50}"/>
+                <a16:creationId xmlns:a16="http://schemas.microsoft.com/office/drawing/2014/main" id="{E66C612F-2F3A-4260-BDBF-80671B0DF2ED}"/>
               </a:ext>
             </a:extLst>
           </p:cNvPr>
@@ -7487,7 +7366,7 @@
           <a:p>
             <a:r>
               <a:rPr lang="en-US" dirty="0"/>
-              <a:t>[Chosen Technology]</a:t>
+              <a:t>[Associated Photos]</a:t>
             </a:r>
           </a:p>
         </p:txBody>
@@ -7497,7 +7376,7 @@
           <p:cNvPr id="3" name="Content Placeholder 2">
             <a:extLst>
               <a:ext uri="{FF2B5EF4-FFF2-40B4-BE49-F238E27FC236}">
-                <a16:creationId xmlns:a16="http://schemas.microsoft.com/office/drawing/2014/main" id="{6457FBD9-768E-4864-B576-83C1D02FB7F8}"/>
+                <a16:creationId xmlns:a16="http://schemas.microsoft.com/office/drawing/2014/main" id="{6C61B333-EC15-417A-92E3-D6641D0F3741}"/>
               </a:ext>
             </a:extLst>
           </p:cNvPr>
@@ -7513,23 +7392,14 @@
           <a:bodyPr/>
           <a:lstStyle/>
           <a:p>
-            <a:r>
-              <a:rPr lang="en-US" dirty="0"/>
-              <a:t>[Reason]</a:t>
-            </a:r>
-          </a:p>
-          <a:p>
-            <a:r>
-              <a:rPr lang="en-US" dirty="0"/>
-              <a:t>[Reason]</a:t>
-            </a:r>
+            <a:endParaRPr lang="en-US"/>
           </a:p>
         </p:txBody>
       </p:sp>
     </p:spTree>
     <p:extLst>
       <p:ext uri="{BB962C8B-B14F-4D97-AF65-F5344CB8AC3E}">
-        <p14:creationId xmlns:p14="http://schemas.microsoft.com/office/powerpoint/2010/main" val="3002344434"/>
+        <p14:creationId xmlns:p14="http://schemas.microsoft.com/office/powerpoint/2010/main" val="4091944108"/>
       </p:ext>
     </p:extLst>
   </p:cSld>
@@ -7572,30 +7442,19 @@
             <p:ph type="title"/>
           </p:nvPr>
         </p:nvSpPr>
-        <p:spPr/>
-        <p:txBody>
-          <a:bodyPr/>
-          <a:lstStyle/>
-          <a:p>
-            <a:r>
-              <a:rPr lang="en-US" sz="5400" dirty="0"/>
-              <a:t>As Tina the fisherman I want to privately save a great spot </a:t>
-            </a:r>
-            <a:r>
-              <a:rPr lang="en-US" sz="5400" dirty="0" err="1"/>
-              <a:t>i</a:t>
-            </a:r>
-            <a:r>
-              <a:rPr lang="en-US" sz="5400" dirty="0"/>
-              <a:t> found that so </a:t>
-            </a:r>
-            <a:r>
-              <a:rPr lang="en-US" sz="5400" dirty="0" err="1"/>
-              <a:t>i</a:t>
-            </a:r>
-            <a:r>
-              <a:rPr lang="en-US" sz="5400" dirty="0"/>
-              <a:t> can get back to it in the future.</a:t>
+        <p:spPr>
+          <a:xfrm>
+            <a:off x="716449" y="452718"/>
+            <a:ext cx="9404723" cy="1400530"/>
+          </a:xfrm>
+        </p:spPr>
+        <p:txBody>
+          <a:bodyPr/>
+          <a:lstStyle/>
+          <a:p>
+            <a:r>
+              <a:rPr lang="en-US" sz="4800" dirty="0"/>
+              <a:t>As Hannah the avid hiker, I want to rate locations so that newcomers to the area know where to go. </a:t>
             </a:r>
           </a:p>
         </p:txBody>
@@ -7628,7 +7487,7 @@
     </p:spTree>
     <p:extLst>
       <p:ext uri="{BB962C8B-B14F-4D97-AF65-F5344CB8AC3E}">
-        <p14:creationId xmlns:p14="http://schemas.microsoft.com/office/powerpoint/2010/main" val="178948568"/>
+        <p14:creationId xmlns:p14="http://schemas.microsoft.com/office/powerpoint/2010/main" val="3607745468"/>
       </p:ext>
     </p:extLst>
   </p:cSld>
@@ -7678,7 +7537,7 @@
           <a:p>
             <a:r>
               <a:rPr lang="en-US" dirty="0"/>
-              <a:t>[Custom Landmarks]</a:t>
+              <a:t>[Rating System]</a:t>
             </a:r>
           </a:p>
         </p:txBody>
@@ -7711,7 +7570,7 @@
     </p:spTree>
     <p:extLst>
       <p:ext uri="{BB962C8B-B14F-4D97-AF65-F5344CB8AC3E}">
-        <p14:creationId xmlns:p14="http://schemas.microsoft.com/office/powerpoint/2010/main" val="3112083759"/>
+        <p14:creationId xmlns:p14="http://schemas.microsoft.com/office/powerpoint/2010/main" val="4091944108"/>
       </p:ext>
     </p:extLst>
   </p:cSld>
@@ -7743,7 +7602,7 @@
           <p:cNvPr id="2" name="Title 1">
             <a:extLst>
               <a:ext uri="{FF2B5EF4-FFF2-40B4-BE49-F238E27FC236}">
-                <a16:creationId xmlns:a16="http://schemas.microsoft.com/office/drawing/2014/main" id="{BA35D0AB-9A37-479C-9406-C70EC5D04068}"/>
+                <a16:creationId xmlns:a16="http://schemas.microsoft.com/office/drawing/2014/main" id="{ABFE9964-2DD0-4B8C-9324-5C9218DC5DF7}"/>
               </a:ext>
             </a:extLst>
           </p:cNvPr>
@@ -7760,8 +7619,8 @@
           <a:lstStyle/>
           <a:p>
             <a:r>
-              <a:rPr lang="en-US" dirty="0"/>
-              <a:t>[Possible Technology]</a:t>
+              <a:rPr lang="en-US" sz="4800" dirty="0"/>
+              <a:t>As Dan the introverted hiker, I want to know the traffic of a landmark so that I can avoid busy places.</a:t>
             </a:r>
           </a:p>
         </p:txBody>
@@ -7771,7 +7630,7 @@
           <p:cNvPr id="3" name="Content Placeholder 2">
             <a:extLst>
               <a:ext uri="{FF2B5EF4-FFF2-40B4-BE49-F238E27FC236}">
-                <a16:creationId xmlns:a16="http://schemas.microsoft.com/office/drawing/2014/main" id="{C53C1AAE-D52E-4865-94E5-9A746F2B6603}"/>
+                <a16:creationId xmlns:a16="http://schemas.microsoft.com/office/drawing/2014/main" id="{361D3B48-B632-4E60-8736-F1558045DB59}"/>
               </a:ext>
             </a:extLst>
           </p:cNvPr>
@@ -7787,56 +7646,14 @@
           <a:bodyPr/>
           <a:lstStyle/>
           <a:p>
-            <a:pPr marL="0" indent="0">
-              <a:buNone/>
-            </a:pPr>
-            <a:r>
-              <a:rPr lang="en-US" dirty="0"/>
-              <a:t>Pros</a:t>
-            </a:r>
-          </a:p>
-          <a:p>
-            <a:r>
-              <a:rPr lang="en-US" dirty="0"/>
-              <a:t>[Pro]</a:t>
-            </a:r>
-          </a:p>
-          <a:p>
-            <a:r>
-              <a:rPr lang="en-US" dirty="0"/>
-              <a:t>[Pro]</a:t>
-            </a:r>
-          </a:p>
-          <a:p>
             <a:endParaRPr lang="en-US" dirty="0"/>
-          </a:p>
-          <a:p>
-            <a:pPr marL="0" indent="0">
-              <a:buNone/>
-            </a:pPr>
-            <a:r>
-              <a:rPr lang="en-US" dirty="0"/>
-              <a:t>Cons</a:t>
-            </a:r>
-          </a:p>
-          <a:p>
-            <a:r>
-              <a:rPr lang="en-US" dirty="0"/>
-              <a:t>[Con]</a:t>
-            </a:r>
-          </a:p>
-          <a:p>
-            <a:r>
-              <a:rPr lang="en-US" dirty="0"/>
-              <a:t>[Con]</a:t>
-            </a:r>
           </a:p>
         </p:txBody>
       </p:sp>
     </p:spTree>
     <p:extLst>
       <p:ext uri="{BB962C8B-B14F-4D97-AF65-F5344CB8AC3E}">
-        <p14:creationId xmlns:p14="http://schemas.microsoft.com/office/powerpoint/2010/main" val="1472652304"/>
+        <p14:creationId xmlns:p14="http://schemas.microsoft.com/office/powerpoint/2010/main" val="3607745468"/>
       </p:ext>
     </p:extLst>
   </p:cSld>
@@ -7868,7 +7685,7 @@
           <p:cNvPr id="2" name="Title 1">
             <a:extLst>
               <a:ext uri="{FF2B5EF4-FFF2-40B4-BE49-F238E27FC236}">
-                <a16:creationId xmlns:a16="http://schemas.microsoft.com/office/drawing/2014/main" id="{33182361-C770-430C-97A0-B9298FA3FE50}"/>
+                <a16:creationId xmlns:a16="http://schemas.microsoft.com/office/drawing/2014/main" id="{E66C612F-2F3A-4260-BDBF-80671B0DF2ED}"/>
               </a:ext>
             </a:extLst>
           </p:cNvPr>
@@ -7886,7 +7703,7 @@
           <a:p>
             <a:r>
               <a:rPr lang="en-US" dirty="0"/>
-              <a:t>[Chosen Technology]</a:t>
+              <a:t>[Popularity System]</a:t>
             </a:r>
           </a:p>
         </p:txBody>
@@ -7896,7 +7713,7 @@
           <p:cNvPr id="3" name="Content Placeholder 2">
             <a:extLst>
               <a:ext uri="{FF2B5EF4-FFF2-40B4-BE49-F238E27FC236}">
-                <a16:creationId xmlns:a16="http://schemas.microsoft.com/office/drawing/2014/main" id="{6457FBD9-768E-4864-B576-83C1D02FB7F8}"/>
+                <a16:creationId xmlns:a16="http://schemas.microsoft.com/office/drawing/2014/main" id="{6C61B333-EC15-417A-92E3-D6641D0F3741}"/>
               </a:ext>
             </a:extLst>
           </p:cNvPr>
@@ -7912,23 +7729,14 @@
           <a:bodyPr/>
           <a:lstStyle/>
           <a:p>
-            <a:r>
-              <a:rPr lang="en-US" dirty="0"/>
-              <a:t>[Reason]</a:t>
-            </a:r>
-          </a:p>
-          <a:p>
-            <a:r>
-              <a:rPr lang="en-US" dirty="0"/>
-              <a:t>[Reason]</a:t>
-            </a:r>
+            <a:endParaRPr lang="en-US"/>
           </a:p>
         </p:txBody>
       </p:sp>
     </p:spTree>
     <p:extLst>
       <p:ext uri="{BB962C8B-B14F-4D97-AF65-F5344CB8AC3E}">
-        <p14:creationId xmlns:p14="http://schemas.microsoft.com/office/powerpoint/2010/main" val="3002344434"/>
+        <p14:creationId xmlns:p14="http://schemas.microsoft.com/office/powerpoint/2010/main" val="4091944108"/>
       </p:ext>
     </p:extLst>
   </p:cSld>
@@ -7977,8 +7785,8 @@
           <a:lstStyle/>
           <a:p>
             <a:r>
-              <a:rPr lang="en-US" sz="5400" dirty="0"/>
-              <a:t>As Jane the college aged woman I want to social media blast this location to everyone in my circle.</a:t>
+              <a:rPr lang="en-US" sz="4800" dirty="0"/>
+              <a:t>As Gina the historian, I want some historical information about the landmark.</a:t>
             </a:r>
           </a:p>
         </p:txBody>
@@ -8061,7 +7869,7 @@
           <a:p>
             <a:r>
               <a:rPr lang="en-US" dirty="0"/>
-              <a:t>[Social Media Integration]</a:t>
+              <a:t>[Historical Information]</a:t>
             </a:r>
           </a:p>
         </p:txBody>
@@ -8143,8 +7951,12 @@
           <a:lstStyle/>
           <a:p>
             <a:r>
+              <a:rPr lang="en-US" dirty="0" err="1"/>
+              <a:t>MediaWiki</a:t>
+            </a:r>
+            <a:r>
               <a:rPr lang="en-US" dirty="0"/>
-              <a:t>[Possible Technology]</a:t>
+              <a:t> API</a:t>
             </a:r>
           </a:p>
         </p:txBody>
@@ -8181,13 +7993,13 @@
           <a:p>
             <a:r>
               <a:rPr lang="en-US" dirty="0"/>
-              <a:t>[Pro]</a:t>
+              <a:t>Able to pull information from Wikipedia</a:t>
             </a:r>
           </a:p>
           <a:p>
             <a:r>
               <a:rPr lang="en-US" dirty="0"/>
-              <a:t>[Pro]</a:t>
+              <a:t>Easy to use and well documented</a:t>
             </a:r>
           </a:p>
           <a:p>
@@ -8205,13 +8017,13 @@
           <a:p>
             <a:r>
               <a:rPr lang="en-US" dirty="0"/>
-              <a:t>[Con]</a:t>
+              <a:t>Not directly from Wikipedia, but the platform they are built on.</a:t>
             </a:r>
           </a:p>
           <a:p>
             <a:r>
               <a:rPr lang="en-US" dirty="0"/>
-              <a:t>[Con]</a:t>
+              <a:t>Requires a pre-fetch or internet access to function properly.</a:t>
             </a:r>
           </a:p>
         </p:txBody>
@@ -8449,7 +8261,7 @@
           <a:p>
             <a:r>
               <a:rPr lang="en-US" sz="4800" dirty="0"/>
-              <a:t>As George the photographer, I want all the pictures taken at each location to be associated with the location they were taken at.</a:t>
+              <a:t>As Nancy the frequent user, I want to have a list of all the landmarks I’ve visited.</a:t>
             </a:r>
           </a:p>
         </p:txBody>
@@ -8532,7 +8344,7 @@
           <a:p>
             <a:r>
               <a:rPr lang="en-US" dirty="0"/>
-              <a:t>[Associated Photos]</a:t>
+              <a:t>[Landmark History]</a:t>
             </a:r>
           </a:p>
         </p:txBody>
@@ -8597,7 +8409,7 @@
           <p:cNvPr id="2" name="Title 1">
             <a:extLst>
               <a:ext uri="{FF2B5EF4-FFF2-40B4-BE49-F238E27FC236}">
-                <a16:creationId xmlns:a16="http://schemas.microsoft.com/office/drawing/2014/main" id="{BA35D0AB-9A37-479C-9406-C70EC5D04068}"/>
+                <a16:creationId xmlns:a16="http://schemas.microsoft.com/office/drawing/2014/main" id="{ABFE9964-2DD0-4B8C-9324-5C9218DC5DF7}"/>
               </a:ext>
             </a:extLst>
           </p:cNvPr>
@@ -8608,14 +8420,27 @@
             <p:ph type="title"/>
           </p:nvPr>
         </p:nvSpPr>
-        <p:spPr/>
-        <p:txBody>
-          <a:bodyPr/>
-          <a:lstStyle/>
-          <a:p>
-            <a:r>
-              <a:rPr lang="en-US" dirty="0"/>
-              <a:t>[Possible Technology]</a:t>
+        <p:spPr>
+          <a:xfrm>
+            <a:off x="674246" y="452718"/>
+            <a:ext cx="9404723" cy="1400530"/>
+          </a:xfrm>
+        </p:spPr>
+        <p:txBody>
+          <a:bodyPr/>
+          <a:lstStyle/>
+          <a:p>
+            <a:r>
+              <a:rPr lang="en-US" sz="4800" dirty="0"/>
+              <a:t>As Jimmy the user, I want some visual representations to appear on the screen as </a:t>
+            </a:r>
+            <a:r>
+              <a:rPr lang="en-US" sz="4800" dirty="0" err="1"/>
+              <a:t>i</a:t>
+            </a:r>
+            <a:r>
+              <a:rPr lang="en-US" sz="4800" dirty="0"/>
+              <a:t> dial in to a landmark</a:t>
             </a:r>
           </a:p>
         </p:txBody>
@@ -8625,7 +8450,7 @@
           <p:cNvPr id="3" name="Content Placeholder 2">
             <a:extLst>
               <a:ext uri="{FF2B5EF4-FFF2-40B4-BE49-F238E27FC236}">
-                <a16:creationId xmlns:a16="http://schemas.microsoft.com/office/drawing/2014/main" id="{C53C1AAE-D52E-4865-94E5-9A746F2B6603}"/>
+                <a16:creationId xmlns:a16="http://schemas.microsoft.com/office/drawing/2014/main" id="{361D3B48-B632-4E60-8736-F1558045DB59}"/>
               </a:ext>
             </a:extLst>
           </p:cNvPr>
@@ -8641,56 +8466,14 @@
           <a:bodyPr/>
           <a:lstStyle/>
           <a:p>
-            <a:pPr marL="0" indent="0">
-              <a:buNone/>
-            </a:pPr>
-            <a:r>
-              <a:rPr lang="en-US" dirty="0"/>
-              <a:t>Pros</a:t>
-            </a:r>
-          </a:p>
-          <a:p>
-            <a:r>
-              <a:rPr lang="en-US" dirty="0"/>
-              <a:t>[Pro]</a:t>
-            </a:r>
-          </a:p>
-          <a:p>
-            <a:r>
-              <a:rPr lang="en-US" dirty="0"/>
-              <a:t>[Pro]</a:t>
-            </a:r>
-          </a:p>
-          <a:p>
             <a:endParaRPr lang="en-US" dirty="0"/>
-          </a:p>
-          <a:p>
-            <a:pPr marL="0" indent="0">
-              <a:buNone/>
-            </a:pPr>
-            <a:r>
-              <a:rPr lang="en-US" dirty="0"/>
-              <a:t>Cons</a:t>
-            </a:r>
-          </a:p>
-          <a:p>
-            <a:r>
-              <a:rPr lang="en-US" dirty="0"/>
-              <a:t>[Con]</a:t>
-            </a:r>
-          </a:p>
-          <a:p>
-            <a:r>
-              <a:rPr lang="en-US" dirty="0"/>
-              <a:t>[Con]</a:t>
-            </a:r>
           </a:p>
         </p:txBody>
       </p:sp>
     </p:spTree>
     <p:extLst>
       <p:ext uri="{BB962C8B-B14F-4D97-AF65-F5344CB8AC3E}">
-        <p14:creationId xmlns:p14="http://schemas.microsoft.com/office/powerpoint/2010/main" val="2797289848"/>
+        <p14:creationId xmlns:p14="http://schemas.microsoft.com/office/powerpoint/2010/main" val="3607745468"/>
       </p:ext>
     </p:extLst>
   </p:cSld>
@@ -8722,7 +8505,7 @@
           <p:cNvPr id="2" name="Title 1">
             <a:extLst>
               <a:ext uri="{FF2B5EF4-FFF2-40B4-BE49-F238E27FC236}">
-                <a16:creationId xmlns:a16="http://schemas.microsoft.com/office/drawing/2014/main" id="{33182361-C770-430C-97A0-B9298FA3FE50}"/>
+                <a16:creationId xmlns:a16="http://schemas.microsoft.com/office/drawing/2014/main" id="{E66C612F-2F3A-4260-BDBF-80671B0DF2ED}"/>
               </a:ext>
             </a:extLst>
           </p:cNvPr>
@@ -8740,7 +8523,7 @@
           <a:p>
             <a:r>
               <a:rPr lang="en-US" dirty="0"/>
-              <a:t>[Chosen Technology]</a:t>
+              <a:t>[Augmented Landmarks]</a:t>
             </a:r>
           </a:p>
         </p:txBody>
@@ -8750,7 +8533,7 @@
           <p:cNvPr id="3" name="Content Placeholder 2">
             <a:extLst>
               <a:ext uri="{FF2B5EF4-FFF2-40B4-BE49-F238E27FC236}">
-                <a16:creationId xmlns:a16="http://schemas.microsoft.com/office/drawing/2014/main" id="{6457FBD9-768E-4864-B576-83C1D02FB7F8}"/>
+                <a16:creationId xmlns:a16="http://schemas.microsoft.com/office/drawing/2014/main" id="{6C61B333-EC15-417A-92E3-D6641D0F3741}"/>
               </a:ext>
             </a:extLst>
           </p:cNvPr>
@@ -8766,23 +8549,14 @@
           <a:bodyPr/>
           <a:lstStyle/>
           <a:p>
-            <a:r>
-              <a:rPr lang="en-US" dirty="0"/>
-              <a:t>[Reason]</a:t>
-            </a:r>
-          </a:p>
-          <a:p>
-            <a:r>
-              <a:rPr lang="en-US" dirty="0"/>
-              <a:t>[Reason]</a:t>
-            </a:r>
+            <a:endParaRPr lang="en-US"/>
           </a:p>
         </p:txBody>
       </p:sp>
     </p:spTree>
     <p:extLst>
       <p:ext uri="{BB962C8B-B14F-4D97-AF65-F5344CB8AC3E}">
-        <p14:creationId xmlns:p14="http://schemas.microsoft.com/office/powerpoint/2010/main" val="3688776126"/>
+        <p14:creationId xmlns:p14="http://schemas.microsoft.com/office/powerpoint/2010/main" val="4091944108"/>
       </p:ext>
     </p:extLst>
   </p:cSld>
@@ -8814,7 +8588,7 @@
           <p:cNvPr id="2" name="Title 1">
             <a:extLst>
               <a:ext uri="{FF2B5EF4-FFF2-40B4-BE49-F238E27FC236}">
-                <a16:creationId xmlns:a16="http://schemas.microsoft.com/office/drawing/2014/main" id="{ABFE9964-2DD0-4B8C-9324-5C9218DC5DF7}"/>
+                <a16:creationId xmlns:a16="http://schemas.microsoft.com/office/drawing/2014/main" id="{BA35D0AB-9A37-479C-9406-C70EC5D04068}"/>
               </a:ext>
             </a:extLst>
           </p:cNvPr>
@@ -8825,19 +8599,18 @@
             <p:ph type="title"/>
           </p:nvPr>
         </p:nvSpPr>
-        <p:spPr>
-          <a:xfrm>
-            <a:off x="716449" y="452718"/>
-            <a:ext cx="9404723" cy="1400530"/>
-          </a:xfrm>
-        </p:spPr>
-        <p:txBody>
-          <a:bodyPr/>
-          <a:lstStyle/>
-          <a:p>
-            <a:r>
-              <a:rPr lang="en-US" sz="4800" dirty="0"/>
-              <a:t>As Hannah the avid hiker, I want to rate locations so that newcomers to the area know where to go. </a:t>
+        <p:spPr/>
+        <p:txBody>
+          <a:bodyPr/>
+          <a:lstStyle/>
+          <a:p>
+            <a:r>
+              <a:rPr lang="en-US" dirty="0" err="1"/>
+              <a:t>MapBox</a:t>
+            </a:r>
+            <a:r>
+              <a:rPr lang="en-US" dirty="0"/>
+              <a:t> AR API</a:t>
             </a:r>
           </a:p>
         </p:txBody>
@@ -8847,7 +8620,7 @@
           <p:cNvPr id="3" name="Content Placeholder 2">
             <a:extLst>
               <a:ext uri="{FF2B5EF4-FFF2-40B4-BE49-F238E27FC236}">
-                <a16:creationId xmlns:a16="http://schemas.microsoft.com/office/drawing/2014/main" id="{361D3B48-B632-4E60-8736-F1558045DB59}"/>
+                <a16:creationId xmlns:a16="http://schemas.microsoft.com/office/drawing/2014/main" id="{C53C1AAE-D52E-4865-94E5-9A746F2B6603}"/>
               </a:ext>
             </a:extLst>
           </p:cNvPr>
@@ -8863,14 +8636,56 @@
           <a:bodyPr/>
           <a:lstStyle/>
           <a:p>
+            <a:pPr marL="0" indent="0">
+              <a:buNone/>
+            </a:pPr>
+            <a:r>
+              <a:rPr lang="en-US" dirty="0"/>
+              <a:t>Pros</a:t>
+            </a:r>
+          </a:p>
+          <a:p>
+            <a:r>
+              <a:rPr lang="en-US" dirty="0"/>
+              <a:t>Built into our map data and display system.</a:t>
+            </a:r>
+          </a:p>
+          <a:p>
+            <a:r>
+              <a:rPr lang="en-US" dirty="0"/>
+              <a:t>Well documented and priced.</a:t>
+            </a:r>
+          </a:p>
+          <a:p>
             <a:endParaRPr lang="en-US" dirty="0"/>
+          </a:p>
+          <a:p>
+            <a:pPr marL="0" indent="0">
+              <a:buNone/>
+            </a:pPr>
+            <a:r>
+              <a:rPr lang="en-US" dirty="0"/>
+              <a:t>Cons</a:t>
+            </a:r>
+          </a:p>
+          <a:p>
+            <a:r>
+              <a:rPr lang="en-US" dirty="0"/>
+              <a:t>Difficult to implement.</a:t>
+            </a:r>
+          </a:p>
+          <a:p>
+            <a:r>
+              <a:rPr lang="en-US" dirty="0"/>
+              <a:t>Significant resource overhead.,</a:t>
+            </a:r>
           </a:p>
         </p:txBody>
       </p:sp>
     </p:spTree>
     <p:extLst>
       <p:ext uri="{BB962C8B-B14F-4D97-AF65-F5344CB8AC3E}">
-        <p14:creationId xmlns:p14="http://schemas.microsoft.com/office/powerpoint/2010/main" val="3607745468"/>
+        <p14:creationId xmlns:p14="http://schemas.microsoft.com/office/powerpoint/2010/main" val="2797289848"/>
       </p:ext>
     </p:extLst>
   </p:cSld>
@@ -8902,7 +8717,7 @@
           <p:cNvPr id="2" name="Title 1">
             <a:extLst>
               <a:ext uri="{FF2B5EF4-FFF2-40B4-BE49-F238E27FC236}">
-                <a16:creationId xmlns:a16="http://schemas.microsoft.com/office/drawing/2014/main" id="{E66C612F-2F3A-4260-BDBF-80671B0DF2ED}"/>
+                <a16:creationId xmlns:a16="http://schemas.microsoft.com/office/drawing/2014/main" id="{33182361-C770-430C-97A0-B9298FA3FE50}"/>
               </a:ext>
             </a:extLst>
           </p:cNvPr>
@@ -8920,7 +8735,7 @@
           <a:p>
             <a:r>
               <a:rPr lang="en-US" dirty="0"/>
-              <a:t>[Rating System]</a:t>
+              <a:t>[Chosen Technology]</a:t>
             </a:r>
           </a:p>
         </p:txBody>
@@ -8930,7 +8745,7 @@
           <p:cNvPr id="3" name="Content Placeholder 2">
             <a:extLst>
               <a:ext uri="{FF2B5EF4-FFF2-40B4-BE49-F238E27FC236}">
-                <a16:creationId xmlns:a16="http://schemas.microsoft.com/office/drawing/2014/main" id="{6C61B333-EC15-417A-92E3-D6641D0F3741}"/>
+                <a16:creationId xmlns:a16="http://schemas.microsoft.com/office/drawing/2014/main" id="{6457FBD9-768E-4864-B576-83C1D02FB7F8}"/>
               </a:ext>
             </a:extLst>
           </p:cNvPr>
@@ -8946,14 +8761,23 @@
           <a:bodyPr/>
           <a:lstStyle/>
           <a:p>
-            <a:endParaRPr lang="en-US"/>
+            <a:r>
+              <a:rPr lang="en-US" dirty="0"/>
+              <a:t>[Reason]</a:t>
+            </a:r>
+          </a:p>
+          <a:p>
+            <a:r>
+              <a:rPr lang="en-US" dirty="0"/>
+              <a:t>[Reason]</a:t>
+            </a:r>
           </a:p>
         </p:txBody>
       </p:sp>
     </p:spTree>
     <p:extLst>
       <p:ext uri="{BB962C8B-B14F-4D97-AF65-F5344CB8AC3E}">
-        <p14:creationId xmlns:p14="http://schemas.microsoft.com/office/powerpoint/2010/main" val="4091944108"/>
+        <p14:creationId xmlns:p14="http://schemas.microsoft.com/office/powerpoint/2010/main" val="3688776126"/>
       </p:ext>
     </p:extLst>
   </p:cSld>
@@ -8985,7 +8809,7 @@
           <p:cNvPr id="2" name="Title 1">
             <a:extLst>
               <a:ext uri="{FF2B5EF4-FFF2-40B4-BE49-F238E27FC236}">
-                <a16:creationId xmlns:a16="http://schemas.microsoft.com/office/drawing/2014/main" id="{BA35D0AB-9A37-479C-9406-C70EC5D04068}"/>
+                <a16:creationId xmlns:a16="http://schemas.microsoft.com/office/drawing/2014/main" id="{ABFE9964-2DD0-4B8C-9324-5C9218DC5DF7}"/>
               </a:ext>
             </a:extLst>
           </p:cNvPr>
@@ -8996,14 +8820,19 @@
             <p:ph type="title"/>
           </p:nvPr>
         </p:nvSpPr>
-        <p:spPr/>
-        <p:txBody>
-          <a:bodyPr/>
-          <a:lstStyle/>
-          <a:p>
-            <a:r>
-              <a:rPr lang="en-US" dirty="0"/>
-              <a:t>[Possible Technology]</a:t>
+        <p:spPr>
+          <a:xfrm>
+            <a:off x="674246" y="452718"/>
+            <a:ext cx="9404723" cy="1400530"/>
+          </a:xfrm>
+        </p:spPr>
+        <p:txBody>
+          <a:bodyPr/>
+          <a:lstStyle/>
+          <a:p>
+            <a:r>
+              <a:rPr lang="en-US" sz="4800" dirty="0"/>
+              <a:t>As Billy the new user, I want to log into an account for this app.</a:t>
             </a:r>
           </a:p>
         </p:txBody>
@@ -9013,7 +8842,7 @@
           <p:cNvPr id="3" name="Content Placeholder 2">
             <a:extLst>
               <a:ext uri="{FF2B5EF4-FFF2-40B4-BE49-F238E27FC236}">
-                <a16:creationId xmlns:a16="http://schemas.microsoft.com/office/drawing/2014/main" id="{C53C1AAE-D52E-4865-94E5-9A746F2B6603}"/>
+                <a16:creationId xmlns:a16="http://schemas.microsoft.com/office/drawing/2014/main" id="{361D3B48-B632-4E60-8736-F1558045DB59}"/>
               </a:ext>
             </a:extLst>
           </p:cNvPr>
@@ -9029,56 +8858,14 @@
           <a:bodyPr/>
           <a:lstStyle/>
           <a:p>
-            <a:pPr marL="0" indent="0">
-              <a:buNone/>
-            </a:pPr>
-            <a:r>
-              <a:rPr lang="en-US" dirty="0"/>
-              <a:t>Pros</a:t>
-            </a:r>
-          </a:p>
-          <a:p>
-            <a:r>
-              <a:rPr lang="en-US" dirty="0"/>
-              <a:t>[Pro]</a:t>
-            </a:r>
-          </a:p>
-          <a:p>
-            <a:r>
-              <a:rPr lang="en-US" dirty="0"/>
-              <a:t>[Pro]</a:t>
-            </a:r>
-          </a:p>
-          <a:p>
             <a:endParaRPr lang="en-US" dirty="0"/>
-          </a:p>
-          <a:p>
-            <a:pPr marL="0" indent="0">
-              <a:buNone/>
-            </a:pPr>
-            <a:r>
-              <a:rPr lang="en-US" dirty="0"/>
-              <a:t>Cons</a:t>
-            </a:r>
-          </a:p>
-          <a:p>
-            <a:r>
-              <a:rPr lang="en-US" dirty="0"/>
-              <a:t>[Con]</a:t>
-            </a:r>
-          </a:p>
-          <a:p>
-            <a:r>
-              <a:rPr lang="en-US" dirty="0"/>
-              <a:t>[Con]</a:t>
-            </a:r>
           </a:p>
         </p:txBody>
       </p:sp>
     </p:spTree>
     <p:extLst>
       <p:ext uri="{BB962C8B-B14F-4D97-AF65-F5344CB8AC3E}">
-        <p14:creationId xmlns:p14="http://schemas.microsoft.com/office/powerpoint/2010/main" val="2797289848"/>
+        <p14:creationId xmlns:p14="http://schemas.microsoft.com/office/powerpoint/2010/main" val="3999603580"/>
       </p:ext>
     </p:extLst>
   </p:cSld>
@@ -9110,7 +8897,7 @@
           <p:cNvPr id="2" name="Title 1">
             <a:extLst>
               <a:ext uri="{FF2B5EF4-FFF2-40B4-BE49-F238E27FC236}">
-                <a16:creationId xmlns:a16="http://schemas.microsoft.com/office/drawing/2014/main" id="{33182361-C770-430C-97A0-B9298FA3FE50}"/>
+                <a16:creationId xmlns:a16="http://schemas.microsoft.com/office/drawing/2014/main" id="{E66C612F-2F3A-4260-BDBF-80671B0DF2ED}"/>
               </a:ext>
             </a:extLst>
           </p:cNvPr>
@@ -9128,7 +8915,7 @@
           <a:p>
             <a:r>
               <a:rPr lang="en-US" dirty="0"/>
-              <a:t>[Chosen Technology]</a:t>
+              <a:t>[User Accounts]</a:t>
             </a:r>
           </a:p>
         </p:txBody>
@@ -9138,7 +8925,7 @@
           <p:cNvPr id="3" name="Content Placeholder 2">
             <a:extLst>
               <a:ext uri="{FF2B5EF4-FFF2-40B4-BE49-F238E27FC236}">
-                <a16:creationId xmlns:a16="http://schemas.microsoft.com/office/drawing/2014/main" id="{6457FBD9-768E-4864-B576-83C1D02FB7F8}"/>
+                <a16:creationId xmlns:a16="http://schemas.microsoft.com/office/drawing/2014/main" id="{6C61B333-EC15-417A-92E3-D6641D0F3741}"/>
               </a:ext>
             </a:extLst>
           </p:cNvPr>
@@ -9154,23 +8941,14 @@
           <a:bodyPr/>
           <a:lstStyle/>
           <a:p>
-            <a:r>
-              <a:rPr lang="en-US" dirty="0"/>
-              <a:t>[Reason]</a:t>
-            </a:r>
-          </a:p>
-          <a:p>
-            <a:r>
-              <a:rPr lang="en-US" dirty="0"/>
-              <a:t>[Reason]</a:t>
-            </a:r>
+            <a:endParaRPr lang="en-US"/>
           </a:p>
         </p:txBody>
       </p:sp>
     </p:spTree>
     <p:extLst>
       <p:ext uri="{BB962C8B-B14F-4D97-AF65-F5344CB8AC3E}">
-        <p14:creationId xmlns:p14="http://schemas.microsoft.com/office/powerpoint/2010/main" val="3688776126"/>
+        <p14:creationId xmlns:p14="http://schemas.microsoft.com/office/powerpoint/2010/main" val="2596080019"/>
       </p:ext>
     </p:extLst>
   </p:cSld>
@@ -9213,15 +8991,21 @@
             <p:ph type="title"/>
           </p:nvPr>
         </p:nvSpPr>
-        <p:spPr/>
-        <p:txBody>
-          <a:bodyPr/>
-          <a:lstStyle/>
-          <a:p>
-            <a:r>
-              <a:rPr lang="en-US" sz="4800" dirty="0"/>
-              <a:t>As Dan the introverted hiker, I want to know the traffic of a landmark so that I can avoid busy places.</a:t>
-            </a:r>
+        <p:spPr>
+          <a:xfrm>
+            <a:off x="674246" y="452718"/>
+            <a:ext cx="9404723" cy="1400530"/>
+          </a:xfrm>
+        </p:spPr>
+        <p:txBody>
+          <a:bodyPr/>
+          <a:lstStyle/>
+          <a:p>
+            <a:r>
+              <a:rPr lang="en-US" dirty="0"/>
+              <a:t>As Kara the dedicated user, I want to save my landmarks online so I can access them from another device.</a:t>
+            </a:r>
+            <a:endParaRPr lang="en-US" sz="4800" dirty="0"/>
           </a:p>
         </p:txBody>
       </p:sp>
@@ -9253,7 +9037,7 @@
     </p:spTree>
     <p:extLst>
       <p:ext uri="{BB962C8B-B14F-4D97-AF65-F5344CB8AC3E}">
-        <p14:creationId xmlns:p14="http://schemas.microsoft.com/office/powerpoint/2010/main" val="3607745468"/>
+        <p14:creationId xmlns:p14="http://schemas.microsoft.com/office/powerpoint/2010/main" val="4265448321"/>
       </p:ext>
     </p:extLst>
   </p:cSld>
@@ -9386,7 +9170,7 @@
           <a:p>
             <a:r>
               <a:rPr lang="en-US" dirty="0"/>
-              <a:t>[Popularity System]</a:t>
+              <a:t>[User Accounts]</a:t>
             </a:r>
           </a:p>
         </p:txBody>
@@ -9419,906 +9203,7 @@
     </p:spTree>
     <p:extLst>
       <p:ext uri="{BB962C8B-B14F-4D97-AF65-F5344CB8AC3E}">
-        <p14:creationId xmlns:p14="http://schemas.microsoft.com/office/powerpoint/2010/main" val="4091944108"/>
-      </p:ext>
-    </p:extLst>
-  </p:cSld>
-  <p:clrMapOvr>
-    <a:masterClrMapping/>
-  </p:clrMapOvr>
-</p:sld>
-</file>
-
-<file path=ppt/slides/slide41.xml><?xml version="1.0" encoding="utf-8"?>
-<p:sld xmlns:a="http://schemas.openxmlformats.org/drawingml/2006/main" xmlns:r="http://schemas.openxmlformats.org/officeDocument/2006/relationships" xmlns:p="http://schemas.openxmlformats.org/presentationml/2006/main">
-  <p:cSld>
-    <p:spTree>
-      <p:nvGrpSpPr>
-        <p:cNvPr id="1" name=""/>
-        <p:cNvGrpSpPr/>
-        <p:nvPr/>
-      </p:nvGrpSpPr>
-      <p:grpSpPr>
-        <a:xfrm>
-          <a:off x="0" y="0"/>
-          <a:ext cx="0" cy="0"/>
-          <a:chOff x="0" y="0"/>
-          <a:chExt cx="0" cy="0"/>
-        </a:xfrm>
-      </p:grpSpPr>
-      <p:sp>
-        <p:nvSpPr>
-          <p:cNvPr id="2" name="Title 1">
-            <a:extLst>
-              <a:ext uri="{FF2B5EF4-FFF2-40B4-BE49-F238E27FC236}">
-                <a16:creationId xmlns:a16="http://schemas.microsoft.com/office/drawing/2014/main" id="{BA35D0AB-9A37-479C-9406-C70EC5D04068}"/>
-              </a:ext>
-            </a:extLst>
-          </p:cNvPr>
-          <p:cNvSpPr>
-            <a:spLocks noGrp="1"/>
-          </p:cNvSpPr>
-          <p:nvPr>
-            <p:ph type="title"/>
-          </p:nvPr>
-        </p:nvSpPr>
-        <p:spPr/>
-        <p:txBody>
-          <a:bodyPr/>
-          <a:lstStyle/>
-          <a:p>
-            <a:r>
-              <a:rPr lang="en-US" dirty="0"/>
-              <a:t>[Possible Technology]</a:t>
-            </a:r>
-          </a:p>
-        </p:txBody>
-      </p:sp>
-      <p:sp>
-        <p:nvSpPr>
-          <p:cNvPr id="3" name="Content Placeholder 2">
-            <a:extLst>
-              <a:ext uri="{FF2B5EF4-FFF2-40B4-BE49-F238E27FC236}">
-                <a16:creationId xmlns:a16="http://schemas.microsoft.com/office/drawing/2014/main" id="{C53C1AAE-D52E-4865-94E5-9A746F2B6603}"/>
-              </a:ext>
-            </a:extLst>
-          </p:cNvPr>
-          <p:cNvSpPr>
-            <a:spLocks noGrp="1"/>
-          </p:cNvSpPr>
-          <p:nvPr>
-            <p:ph idx="1"/>
-          </p:nvPr>
-        </p:nvSpPr>
-        <p:spPr/>
-        <p:txBody>
-          <a:bodyPr/>
-          <a:lstStyle/>
-          <a:p>
-            <a:pPr marL="0" indent="0">
-              <a:buNone/>
-            </a:pPr>
-            <a:r>
-              <a:rPr lang="en-US" dirty="0"/>
-              <a:t>Pros</a:t>
-            </a:r>
-          </a:p>
-          <a:p>
-            <a:r>
-              <a:rPr lang="en-US" dirty="0"/>
-              <a:t>[Pro]</a:t>
-            </a:r>
-          </a:p>
-          <a:p>
-            <a:r>
-              <a:rPr lang="en-US" dirty="0"/>
-              <a:t>[Pro]</a:t>
-            </a:r>
-          </a:p>
-          <a:p>
-            <a:endParaRPr lang="en-US" dirty="0"/>
-          </a:p>
-          <a:p>
-            <a:pPr marL="0" indent="0">
-              <a:buNone/>
-            </a:pPr>
-            <a:r>
-              <a:rPr lang="en-US" dirty="0"/>
-              <a:t>Cons</a:t>
-            </a:r>
-          </a:p>
-          <a:p>
-            <a:r>
-              <a:rPr lang="en-US" dirty="0"/>
-              <a:t>[Con]</a:t>
-            </a:r>
-          </a:p>
-          <a:p>
-            <a:r>
-              <a:rPr lang="en-US" dirty="0"/>
-              <a:t>[Con]</a:t>
-            </a:r>
-          </a:p>
-        </p:txBody>
-      </p:sp>
-    </p:spTree>
-    <p:extLst>
-      <p:ext uri="{BB962C8B-B14F-4D97-AF65-F5344CB8AC3E}">
-        <p14:creationId xmlns:p14="http://schemas.microsoft.com/office/powerpoint/2010/main" val="2797289848"/>
-      </p:ext>
-    </p:extLst>
-  </p:cSld>
-  <p:clrMapOvr>
-    <a:masterClrMapping/>
-  </p:clrMapOvr>
-</p:sld>
-</file>
-
-<file path=ppt/slides/slide42.xml><?xml version="1.0" encoding="utf-8"?>
-<p:sld xmlns:a="http://schemas.openxmlformats.org/drawingml/2006/main" xmlns:r="http://schemas.openxmlformats.org/officeDocument/2006/relationships" xmlns:p="http://schemas.openxmlformats.org/presentationml/2006/main">
-  <p:cSld>
-    <p:spTree>
-      <p:nvGrpSpPr>
-        <p:cNvPr id="1" name=""/>
-        <p:cNvGrpSpPr/>
-        <p:nvPr/>
-      </p:nvGrpSpPr>
-      <p:grpSpPr>
-        <a:xfrm>
-          <a:off x="0" y="0"/>
-          <a:ext cx="0" cy="0"/>
-          <a:chOff x="0" y="0"/>
-          <a:chExt cx="0" cy="0"/>
-        </a:xfrm>
-      </p:grpSpPr>
-      <p:sp>
-        <p:nvSpPr>
-          <p:cNvPr id="2" name="Title 1">
-            <a:extLst>
-              <a:ext uri="{FF2B5EF4-FFF2-40B4-BE49-F238E27FC236}">
-                <a16:creationId xmlns:a16="http://schemas.microsoft.com/office/drawing/2014/main" id="{33182361-C770-430C-97A0-B9298FA3FE50}"/>
-              </a:ext>
-            </a:extLst>
-          </p:cNvPr>
-          <p:cNvSpPr>
-            <a:spLocks noGrp="1"/>
-          </p:cNvSpPr>
-          <p:nvPr>
-            <p:ph type="title"/>
-          </p:nvPr>
-        </p:nvSpPr>
-        <p:spPr/>
-        <p:txBody>
-          <a:bodyPr/>
-          <a:lstStyle/>
-          <a:p>
-            <a:r>
-              <a:rPr lang="en-US" dirty="0"/>
-              <a:t>[Chosen Technology]</a:t>
-            </a:r>
-          </a:p>
-        </p:txBody>
-      </p:sp>
-      <p:sp>
-        <p:nvSpPr>
-          <p:cNvPr id="3" name="Content Placeholder 2">
-            <a:extLst>
-              <a:ext uri="{FF2B5EF4-FFF2-40B4-BE49-F238E27FC236}">
-                <a16:creationId xmlns:a16="http://schemas.microsoft.com/office/drawing/2014/main" id="{6457FBD9-768E-4864-B576-83C1D02FB7F8}"/>
-              </a:ext>
-            </a:extLst>
-          </p:cNvPr>
-          <p:cNvSpPr>
-            <a:spLocks noGrp="1"/>
-          </p:cNvSpPr>
-          <p:nvPr>
-            <p:ph idx="1"/>
-          </p:nvPr>
-        </p:nvSpPr>
-        <p:spPr/>
-        <p:txBody>
-          <a:bodyPr/>
-          <a:lstStyle/>
-          <a:p>
-            <a:r>
-              <a:rPr lang="en-US" dirty="0"/>
-              <a:t>[Reason]</a:t>
-            </a:r>
-          </a:p>
-          <a:p>
-            <a:r>
-              <a:rPr lang="en-US" dirty="0"/>
-              <a:t>[Reason]</a:t>
-            </a:r>
-          </a:p>
-        </p:txBody>
-      </p:sp>
-    </p:spTree>
-    <p:extLst>
-      <p:ext uri="{BB962C8B-B14F-4D97-AF65-F5344CB8AC3E}">
-        <p14:creationId xmlns:p14="http://schemas.microsoft.com/office/powerpoint/2010/main" val="3688776126"/>
-      </p:ext>
-    </p:extLst>
-  </p:cSld>
-  <p:clrMapOvr>
-    <a:masterClrMapping/>
-  </p:clrMapOvr>
-</p:sld>
-</file>
-
-<file path=ppt/slides/slide43.xml><?xml version="1.0" encoding="utf-8"?>
-<p:sld xmlns:a="http://schemas.openxmlformats.org/drawingml/2006/main" xmlns:r="http://schemas.openxmlformats.org/officeDocument/2006/relationships" xmlns:p="http://schemas.openxmlformats.org/presentationml/2006/main">
-  <p:cSld>
-    <p:spTree>
-      <p:nvGrpSpPr>
-        <p:cNvPr id="1" name=""/>
-        <p:cNvGrpSpPr/>
-        <p:nvPr/>
-      </p:nvGrpSpPr>
-      <p:grpSpPr>
-        <a:xfrm>
-          <a:off x="0" y="0"/>
-          <a:ext cx="0" cy="0"/>
-          <a:chOff x="0" y="0"/>
-          <a:chExt cx="0" cy="0"/>
-        </a:xfrm>
-      </p:grpSpPr>
-      <p:sp>
-        <p:nvSpPr>
-          <p:cNvPr id="2" name="Title 1">
-            <a:extLst>
-              <a:ext uri="{FF2B5EF4-FFF2-40B4-BE49-F238E27FC236}">
-                <a16:creationId xmlns:a16="http://schemas.microsoft.com/office/drawing/2014/main" id="{ABFE9964-2DD0-4B8C-9324-5C9218DC5DF7}"/>
-              </a:ext>
-            </a:extLst>
-          </p:cNvPr>
-          <p:cNvSpPr>
-            <a:spLocks noGrp="1"/>
-          </p:cNvSpPr>
-          <p:nvPr>
-            <p:ph type="title"/>
-          </p:nvPr>
-        </p:nvSpPr>
-        <p:spPr/>
-        <p:txBody>
-          <a:bodyPr/>
-          <a:lstStyle/>
-          <a:p>
-            <a:r>
-              <a:rPr lang="en-US" sz="4800" dirty="0"/>
-              <a:t>As Gina the historian, I want some historical information about the landmark.</a:t>
-            </a:r>
-          </a:p>
-        </p:txBody>
-      </p:sp>
-      <p:sp>
-        <p:nvSpPr>
-          <p:cNvPr id="3" name="Content Placeholder 2">
-            <a:extLst>
-              <a:ext uri="{FF2B5EF4-FFF2-40B4-BE49-F238E27FC236}">
-                <a16:creationId xmlns:a16="http://schemas.microsoft.com/office/drawing/2014/main" id="{361D3B48-B632-4E60-8736-F1558045DB59}"/>
-              </a:ext>
-            </a:extLst>
-          </p:cNvPr>
-          <p:cNvSpPr>
-            <a:spLocks noGrp="1"/>
-          </p:cNvSpPr>
-          <p:nvPr>
-            <p:ph idx="1"/>
-          </p:nvPr>
-        </p:nvSpPr>
-        <p:spPr/>
-        <p:txBody>
-          <a:bodyPr/>
-          <a:lstStyle/>
-          <a:p>
-            <a:endParaRPr lang="en-US" dirty="0"/>
-          </a:p>
-        </p:txBody>
-      </p:sp>
-    </p:spTree>
-    <p:extLst>
-      <p:ext uri="{BB962C8B-B14F-4D97-AF65-F5344CB8AC3E}">
-        <p14:creationId xmlns:p14="http://schemas.microsoft.com/office/powerpoint/2010/main" val="3607745468"/>
-      </p:ext>
-    </p:extLst>
-  </p:cSld>
-  <p:clrMapOvr>
-    <a:masterClrMapping/>
-  </p:clrMapOvr>
-</p:sld>
-</file>
-
-<file path=ppt/slides/slide44.xml><?xml version="1.0" encoding="utf-8"?>
-<p:sld xmlns:a="http://schemas.openxmlformats.org/drawingml/2006/main" xmlns:r="http://schemas.openxmlformats.org/officeDocument/2006/relationships" xmlns:p="http://schemas.openxmlformats.org/presentationml/2006/main">
-  <p:cSld>
-    <p:spTree>
-      <p:nvGrpSpPr>
-        <p:cNvPr id="1" name=""/>
-        <p:cNvGrpSpPr/>
-        <p:nvPr/>
-      </p:nvGrpSpPr>
-      <p:grpSpPr>
-        <a:xfrm>
-          <a:off x="0" y="0"/>
-          <a:ext cx="0" cy="0"/>
-          <a:chOff x="0" y="0"/>
-          <a:chExt cx="0" cy="0"/>
-        </a:xfrm>
-      </p:grpSpPr>
-      <p:sp>
-        <p:nvSpPr>
-          <p:cNvPr id="2" name="Title 1">
-            <a:extLst>
-              <a:ext uri="{FF2B5EF4-FFF2-40B4-BE49-F238E27FC236}">
-                <a16:creationId xmlns:a16="http://schemas.microsoft.com/office/drawing/2014/main" id="{E66C612F-2F3A-4260-BDBF-80671B0DF2ED}"/>
-              </a:ext>
-            </a:extLst>
-          </p:cNvPr>
-          <p:cNvSpPr>
-            <a:spLocks noGrp="1"/>
-          </p:cNvSpPr>
-          <p:nvPr>
-            <p:ph type="title"/>
-          </p:nvPr>
-        </p:nvSpPr>
-        <p:spPr/>
-        <p:txBody>
-          <a:bodyPr/>
-          <a:lstStyle/>
-          <a:p>
-            <a:r>
-              <a:rPr lang="en-US" dirty="0"/>
-              <a:t>[Historical Information]</a:t>
-            </a:r>
-          </a:p>
-        </p:txBody>
-      </p:sp>
-      <p:sp>
-        <p:nvSpPr>
-          <p:cNvPr id="3" name="Content Placeholder 2">
-            <a:extLst>
-              <a:ext uri="{FF2B5EF4-FFF2-40B4-BE49-F238E27FC236}">
-                <a16:creationId xmlns:a16="http://schemas.microsoft.com/office/drawing/2014/main" id="{6C61B333-EC15-417A-92E3-D6641D0F3741}"/>
-              </a:ext>
-            </a:extLst>
-          </p:cNvPr>
-          <p:cNvSpPr>
-            <a:spLocks noGrp="1"/>
-          </p:cNvSpPr>
-          <p:nvPr>
-            <p:ph idx="1"/>
-          </p:nvPr>
-        </p:nvSpPr>
-        <p:spPr/>
-        <p:txBody>
-          <a:bodyPr/>
-          <a:lstStyle/>
-          <a:p>
-            <a:endParaRPr lang="en-US"/>
-          </a:p>
-        </p:txBody>
-      </p:sp>
-    </p:spTree>
-    <p:extLst>
-      <p:ext uri="{BB962C8B-B14F-4D97-AF65-F5344CB8AC3E}">
-        <p14:creationId xmlns:p14="http://schemas.microsoft.com/office/powerpoint/2010/main" val="4091944108"/>
-      </p:ext>
-    </p:extLst>
-  </p:cSld>
-  <p:clrMapOvr>
-    <a:masterClrMapping/>
-  </p:clrMapOvr>
-</p:sld>
-</file>
-
-<file path=ppt/slides/slide45.xml><?xml version="1.0" encoding="utf-8"?>
-<p:sld xmlns:a="http://schemas.openxmlformats.org/drawingml/2006/main" xmlns:r="http://schemas.openxmlformats.org/officeDocument/2006/relationships" xmlns:p="http://schemas.openxmlformats.org/presentationml/2006/main">
-  <p:cSld>
-    <p:spTree>
-      <p:nvGrpSpPr>
-        <p:cNvPr id="1" name=""/>
-        <p:cNvGrpSpPr/>
-        <p:nvPr/>
-      </p:nvGrpSpPr>
-      <p:grpSpPr>
-        <a:xfrm>
-          <a:off x="0" y="0"/>
-          <a:ext cx="0" cy="0"/>
-          <a:chOff x="0" y="0"/>
-          <a:chExt cx="0" cy="0"/>
-        </a:xfrm>
-      </p:grpSpPr>
-      <p:sp>
-        <p:nvSpPr>
-          <p:cNvPr id="2" name="Title 1">
-            <a:extLst>
-              <a:ext uri="{FF2B5EF4-FFF2-40B4-BE49-F238E27FC236}">
-                <a16:creationId xmlns:a16="http://schemas.microsoft.com/office/drawing/2014/main" id="{BA35D0AB-9A37-479C-9406-C70EC5D04068}"/>
-              </a:ext>
-            </a:extLst>
-          </p:cNvPr>
-          <p:cNvSpPr>
-            <a:spLocks noGrp="1"/>
-          </p:cNvSpPr>
-          <p:nvPr>
-            <p:ph type="title"/>
-          </p:nvPr>
-        </p:nvSpPr>
-        <p:spPr/>
-        <p:txBody>
-          <a:bodyPr/>
-          <a:lstStyle/>
-          <a:p>
-            <a:r>
-              <a:rPr lang="en-US" dirty="0"/>
-              <a:t>[Possible Technology]</a:t>
-            </a:r>
-          </a:p>
-        </p:txBody>
-      </p:sp>
-      <p:sp>
-        <p:nvSpPr>
-          <p:cNvPr id="3" name="Content Placeholder 2">
-            <a:extLst>
-              <a:ext uri="{FF2B5EF4-FFF2-40B4-BE49-F238E27FC236}">
-                <a16:creationId xmlns:a16="http://schemas.microsoft.com/office/drawing/2014/main" id="{C53C1AAE-D52E-4865-94E5-9A746F2B6603}"/>
-              </a:ext>
-            </a:extLst>
-          </p:cNvPr>
-          <p:cNvSpPr>
-            <a:spLocks noGrp="1"/>
-          </p:cNvSpPr>
-          <p:nvPr>
-            <p:ph idx="1"/>
-          </p:nvPr>
-        </p:nvSpPr>
-        <p:spPr/>
-        <p:txBody>
-          <a:bodyPr/>
-          <a:lstStyle/>
-          <a:p>
-            <a:pPr marL="0" indent="0">
-              <a:buNone/>
-            </a:pPr>
-            <a:r>
-              <a:rPr lang="en-US" dirty="0"/>
-              <a:t>Pros</a:t>
-            </a:r>
-          </a:p>
-          <a:p>
-            <a:r>
-              <a:rPr lang="en-US" dirty="0"/>
-              <a:t>[Pro]</a:t>
-            </a:r>
-          </a:p>
-          <a:p>
-            <a:r>
-              <a:rPr lang="en-US" dirty="0"/>
-              <a:t>[Pro]</a:t>
-            </a:r>
-          </a:p>
-          <a:p>
-            <a:endParaRPr lang="en-US" dirty="0"/>
-          </a:p>
-          <a:p>
-            <a:pPr marL="0" indent="0">
-              <a:buNone/>
-            </a:pPr>
-            <a:r>
-              <a:rPr lang="en-US" dirty="0"/>
-              <a:t>Cons</a:t>
-            </a:r>
-          </a:p>
-          <a:p>
-            <a:r>
-              <a:rPr lang="en-US" dirty="0"/>
-              <a:t>[Con]</a:t>
-            </a:r>
-          </a:p>
-          <a:p>
-            <a:r>
-              <a:rPr lang="en-US" dirty="0"/>
-              <a:t>[Con]</a:t>
-            </a:r>
-          </a:p>
-        </p:txBody>
-      </p:sp>
-    </p:spTree>
-    <p:extLst>
-      <p:ext uri="{BB962C8B-B14F-4D97-AF65-F5344CB8AC3E}">
-        <p14:creationId xmlns:p14="http://schemas.microsoft.com/office/powerpoint/2010/main" val="2797289848"/>
-      </p:ext>
-    </p:extLst>
-  </p:cSld>
-  <p:clrMapOvr>
-    <a:masterClrMapping/>
-  </p:clrMapOvr>
-</p:sld>
-</file>
-
-<file path=ppt/slides/slide46.xml><?xml version="1.0" encoding="utf-8"?>
-<p:sld xmlns:a="http://schemas.openxmlformats.org/drawingml/2006/main" xmlns:r="http://schemas.openxmlformats.org/officeDocument/2006/relationships" xmlns:p="http://schemas.openxmlformats.org/presentationml/2006/main">
-  <p:cSld>
-    <p:spTree>
-      <p:nvGrpSpPr>
-        <p:cNvPr id="1" name=""/>
-        <p:cNvGrpSpPr/>
-        <p:nvPr/>
-      </p:nvGrpSpPr>
-      <p:grpSpPr>
-        <a:xfrm>
-          <a:off x="0" y="0"/>
-          <a:ext cx="0" cy="0"/>
-          <a:chOff x="0" y="0"/>
-          <a:chExt cx="0" cy="0"/>
-        </a:xfrm>
-      </p:grpSpPr>
-      <p:sp>
-        <p:nvSpPr>
-          <p:cNvPr id="2" name="Title 1">
-            <a:extLst>
-              <a:ext uri="{FF2B5EF4-FFF2-40B4-BE49-F238E27FC236}">
-                <a16:creationId xmlns:a16="http://schemas.microsoft.com/office/drawing/2014/main" id="{33182361-C770-430C-97A0-B9298FA3FE50}"/>
-              </a:ext>
-            </a:extLst>
-          </p:cNvPr>
-          <p:cNvSpPr>
-            <a:spLocks noGrp="1"/>
-          </p:cNvSpPr>
-          <p:nvPr>
-            <p:ph type="title"/>
-          </p:nvPr>
-        </p:nvSpPr>
-        <p:spPr/>
-        <p:txBody>
-          <a:bodyPr/>
-          <a:lstStyle/>
-          <a:p>
-            <a:r>
-              <a:rPr lang="en-US" dirty="0"/>
-              <a:t>[Chosen Technology]</a:t>
-            </a:r>
-          </a:p>
-        </p:txBody>
-      </p:sp>
-      <p:sp>
-        <p:nvSpPr>
-          <p:cNvPr id="3" name="Content Placeholder 2">
-            <a:extLst>
-              <a:ext uri="{FF2B5EF4-FFF2-40B4-BE49-F238E27FC236}">
-                <a16:creationId xmlns:a16="http://schemas.microsoft.com/office/drawing/2014/main" id="{6457FBD9-768E-4864-B576-83C1D02FB7F8}"/>
-              </a:ext>
-            </a:extLst>
-          </p:cNvPr>
-          <p:cNvSpPr>
-            <a:spLocks noGrp="1"/>
-          </p:cNvSpPr>
-          <p:nvPr>
-            <p:ph idx="1"/>
-          </p:nvPr>
-        </p:nvSpPr>
-        <p:spPr/>
-        <p:txBody>
-          <a:bodyPr/>
-          <a:lstStyle/>
-          <a:p>
-            <a:r>
-              <a:rPr lang="en-US" dirty="0"/>
-              <a:t>[Reason]</a:t>
-            </a:r>
-          </a:p>
-          <a:p>
-            <a:r>
-              <a:rPr lang="en-US" dirty="0"/>
-              <a:t>[Reason]</a:t>
-            </a:r>
-          </a:p>
-        </p:txBody>
-      </p:sp>
-    </p:spTree>
-    <p:extLst>
-      <p:ext uri="{BB962C8B-B14F-4D97-AF65-F5344CB8AC3E}">
-        <p14:creationId xmlns:p14="http://schemas.microsoft.com/office/powerpoint/2010/main" val="3688776126"/>
-      </p:ext>
-    </p:extLst>
-  </p:cSld>
-  <p:clrMapOvr>
-    <a:masterClrMapping/>
-  </p:clrMapOvr>
-</p:sld>
-</file>
-
-<file path=ppt/slides/slide47.xml><?xml version="1.0" encoding="utf-8"?>
-<p:sld xmlns:a="http://schemas.openxmlformats.org/drawingml/2006/main" xmlns:r="http://schemas.openxmlformats.org/officeDocument/2006/relationships" xmlns:p="http://schemas.openxmlformats.org/presentationml/2006/main">
-  <p:cSld>
-    <p:spTree>
-      <p:nvGrpSpPr>
-        <p:cNvPr id="1" name=""/>
-        <p:cNvGrpSpPr/>
-        <p:nvPr/>
-      </p:nvGrpSpPr>
-      <p:grpSpPr>
-        <a:xfrm>
-          <a:off x="0" y="0"/>
-          <a:ext cx="0" cy="0"/>
-          <a:chOff x="0" y="0"/>
-          <a:chExt cx="0" cy="0"/>
-        </a:xfrm>
-      </p:grpSpPr>
-      <p:sp>
-        <p:nvSpPr>
-          <p:cNvPr id="2" name="Title 1">
-            <a:extLst>
-              <a:ext uri="{FF2B5EF4-FFF2-40B4-BE49-F238E27FC236}">
-                <a16:creationId xmlns:a16="http://schemas.microsoft.com/office/drawing/2014/main" id="{ABFE9964-2DD0-4B8C-9324-5C9218DC5DF7}"/>
-              </a:ext>
-            </a:extLst>
-          </p:cNvPr>
-          <p:cNvSpPr>
-            <a:spLocks noGrp="1"/>
-          </p:cNvSpPr>
-          <p:nvPr>
-            <p:ph type="title"/>
-          </p:nvPr>
-        </p:nvSpPr>
-        <p:spPr/>
-        <p:txBody>
-          <a:bodyPr/>
-          <a:lstStyle/>
-          <a:p>
-            <a:r>
-              <a:rPr lang="en-US" sz="4800" dirty="0"/>
-              <a:t>As Nancy the frequent user, I want to have a list of all the landmarks </a:t>
-            </a:r>
-            <a:r>
-              <a:rPr lang="en-US" sz="4800" dirty="0" err="1"/>
-              <a:t>i’ve</a:t>
-            </a:r>
-            <a:r>
-              <a:rPr lang="en-US" sz="4800" dirty="0"/>
-              <a:t> visited.</a:t>
-            </a:r>
-          </a:p>
-        </p:txBody>
-      </p:sp>
-      <p:sp>
-        <p:nvSpPr>
-          <p:cNvPr id="3" name="Content Placeholder 2">
-            <a:extLst>
-              <a:ext uri="{FF2B5EF4-FFF2-40B4-BE49-F238E27FC236}">
-                <a16:creationId xmlns:a16="http://schemas.microsoft.com/office/drawing/2014/main" id="{361D3B48-B632-4E60-8736-F1558045DB59}"/>
-              </a:ext>
-            </a:extLst>
-          </p:cNvPr>
-          <p:cNvSpPr>
-            <a:spLocks noGrp="1"/>
-          </p:cNvSpPr>
-          <p:nvPr>
-            <p:ph idx="1"/>
-          </p:nvPr>
-        </p:nvSpPr>
-        <p:spPr/>
-        <p:txBody>
-          <a:bodyPr/>
-          <a:lstStyle/>
-          <a:p>
-            <a:endParaRPr lang="en-US" dirty="0"/>
-          </a:p>
-        </p:txBody>
-      </p:sp>
-    </p:spTree>
-    <p:extLst>
-      <p:ext uri="{BB962C8B-B14F-4D97-AF65-F5344CB8AC3E}">
-        <p14:creationId xmlns:p14="http://schemas.microsoft.com/office/powerpoint/2010/main" val="3607745468"/>
-      </p:ext>
-    </p:extLst>
-  </p:cSld>
-  <p:clrMapOvr>
-    <a:masterClrMapping/>
-  </p:clrMapOvr>
-</p:sld>
-</file>
-
-<file path=ppt/slides/slide48.xml><?xml version="1.0" encoding="utf-8"?>
-<p:sld xmlns:a="http://schemas.openxmlformats.org/drawingml/2006/main" xmlns:r="http://schemas.openxmlformats.org/officeDocument/2006/relationships" xmlns:p="http://schemas.openxmlformats.org/presentationml/2006/main">
-  <p:cSld>
-    <p:spTree>
-      <p:nvGrpSpPr>
-        <p:cNvPr id="1" name=""/>
-        <p:cNvGrpSpPr/>
-        <p:nvPr/>
-      </p:nvGrpSpPr>
-      <p:grpSpPr>
-        <a:xfrm>
-          <a:off x="0" y="0"/>
-          <a:ext cx="0" cy="0"/>
-          <a:chOff x="0" y="0"/>
-          <a:chExt cx="0" cy="0"/>
-        </a:xfrm>
-      </p:grpSpPr>
-      <p:sp>
-        <p:nvSpPr>
-          <p:cNvPr id="2" name="Title 1">
-            <a:extLst>
-              <a:ext uri="{FF2B5EF4-FFF2-40B4-BE49-F238E27FC236}">
-                <a16:creationId xmlns:a16="http://schemas.microsoft.com/office/drawing/2014/main" id="{E66C612F-2F3A-4260-BDBF-80671B0DF2ED}"/>
-              </a:ext>
-            </a:extLst>
-          </p:cNvPr>
-          <p:cNvSpPr>
-            <a:spLocks noGrp="1"/>
-          </p:cNvSpPr>
-          <p:nvPr>
-            <p:ph type="title"/>
-          </p:nvPr>
-        </p:nvSpPr>
-        <p:spPr/>
-        <p:txBody>
-          <a:bodyPr/>
-          <a:lstStyle/>
-          <a:p>
-            <a:r>
-              <a:rPr lang="en-US" dirty="0"/>
-              <a:t>[Landmark History]</a:t>
-            </a:r>
-          </a:p>
-        </p:txBody>
-      </p:sp>
-      <p:sp>
-        <p:nvSpPr>
-          <p:cNvPr id="3" name="Content Placeholder 2">
-            <a:extLst>
-              <a:ext uri="{FF2B5EF4-FFF2-40B4-BE49-F238E27FC236}">
-                <a16:creationId xmlns:a16="http://schemas.microsoft.com/office/drawing/2014/main" id="{6C61B333-EC15-417A-92E3-D6641D0F3741}"/>
-              </a:ext>
-            </a:extLst>
-          </p:cNvPr>
-          <p:cNvSpPr>
-            <a:spLocks noGrp="1"/>
-          </p:cNvSpPr>
-          <p:nvPr>
-            <p:ph idx="1"/>
-          </p:nvPr>
-        </p:nvSpPr>
-        <p:spPr/>
-        <p:txBody>
-          <a:bodyPr/>
-          <a:lstStyle/>
-          <a:p>
-            <a:endParaRPr lang="en-US"/>
-          </a:p>
-        </p:txBody>
-      </p:sp>
-    </p:spTree>
-    <p:extLst>
-      <p:ext uri="{BB962C8B-B14F-4D97-AF65-F5344CB8AC3E}">
-        <p14:creationId xmlns:p14="http://schemas.microsoft.com/office/powerpoint/2010/main" val="4091944108"/>
-      </p:ext>
-    </p:extLst>
-  </p:cSld>
-  <p:clrMapOvr>
-    <a:masterClrMapping/>
-  </p:clrMapOvr>
-</p:sld>
-</file>
-
-<file path=ppt/slides/slide49.xml><?xml version="1.0" encoding="utf-8"?>
-<p:sld xmlns:a="http://schemas.openxmlformats.org/drawingml/2006/main" xmlns:r="http://schemas.openxmlformats.org/officeDocument/2006/relationships" xmlns:p="http://schemas.openxmlformats.org/presentationml/2006/main">
-  <p:cSld>
-    <p:spTree>
-      <p:nvGrpSpPr>
-        <p:cNvPr id="1" name=""/>
-        <p:cNvGrpSpPr/>
-        <p:nvPr/>
-      </p:nvGrpSpPr>
-      <p:grpSpPr>
-        <a:xfrm>
-          <a:off x="0" y="0"/>
-          <a:ext cx="0" cy="0"/>
-          <a:chOff x="0" y="0"/>
-          <a:chExt cx="0" cy="0"/>
-        </a:xfrm>
-      </p:grpSpPr>
-      <p:sp>
-        <p:nvSpPr>
-          <p:cNvPr id="2" name="Title 1">
-            <a:extLst>
-              <a:ext uri="{FF2B5EF4-FFF2-40B4-BE49-F238E27FC236}">
-                <a16:creationId xmlns:a16="http://schemas.microsoft.com/office/drawing/2014/main" id="{BA35D0AB-9A37-479C-9406-C70EC5D04068}"/>
-              </a:ext>
-            </a:extLst>
-          </p:cNvPr>
-          <p:cNvSpPr>
-            <a:spLocks noGrp="1"/>
-          </p:cNvSpPr>
-          <p:nvPr>
-            <p:ph type="title"/>
-          </p:nvPr>
-        </p:nvSpPr>
-        <p:spPr/>
-        <p:txBody>
-          <a:bodyPr/>
-          <a:lstStyle/>
-          <a:p>
-            <a:r>
-              <a:rPr lang="en-US" dirty="0"/>
-              <a:t>[Possible Technology]</a:t>
-            </a:r>
-          </a:p>
-        </p:txBody>
-      </p:sp>
-      <p:sp>
-        <p:nvSpPr>
-          <p:cNvPr id="3" name="Content Placeholder 2">
-            <a:extLst>
-              <a:ext uri="{FF2B5EF4-FFF2-40B4-BE49-F238E27FC236}">
-                <a16:creationId xmlns:a16="http://schemas.microsoft.com/office/drawing/2014/main" id="{C53C1AAE-D52E-4865-94E5-9A746F2B6603}"/>
-              </a:ext>
-            </a:extLst>
-          </p:cNvPr>
-          <p:cNvSpPr>
-            <a:spLocks noGrp="1"/>
-          </p:cNvSpPr>
-          <p:nvPr>
-            <p:ph idx="1"/>
-          </p:nvPr>
-        </p:nvSpPr>
-        <p:spPr/>
-        <p:txBody>
-          <a:bodyPr/>
-          <a:lstStyle/>
-          <a:p>
-            <a:pPr marL="0" indent="0">
-              <a:buNone/>
-            </a:pPr>
-            <a:r>
-              <a:rPr lang="en-US" dirty="0"/>
-              <a:t>Pros</a:t>
-            </a:r>
-          </a:p>
-          <a:p>
-            <a:r>
-              <a:rPr lang="en-US" dirty="0"/>
-              <a:t>[Pro]</a:t>
-            </a:r>
-          </a:p>
-          <a:p>
-            <a:r>
-              <a:rPr lang="en-US" dirty="0"/>
-              <a:t>[Pro]</a:t>
-            </a:r>
-          </a:p>
-          <a:p>
-            <a:endParaRPr lang="en-US" dirty="0"/>
-          </a:p>
-          <a:p>
-            <a:pPr marL="0" indent="0">
-              <a:buNone/>
-            </a:pPr>
-            <a:r>
-              <a:rPr lang="en-US" dirty="0"/>
-              <a:t>Cons</a:t>
-            </a:r>
-          </a:p>
-          <a:p>
-            <a:r>
-              <a:rPr lang="en-US" dirty="0"/>
-              <a:t>[Con]</a:t>
-            </a:r>
-          </a:p>
-          <a:p>
-            <a:r>
-              <a:rPr lang="en-US" dirty="0"/>
-              <a:t>[Con]</a:t>
-            </a:r>
-          </a:p>
-        </p:txBody>
-      </p:sp>
-    </p:spTree>
-    <p:extLst>
-      <p:ext uri="{BB962C8B-B14F-4D97-AF65-F5344CB8AC3E}">
-        <p14:creationId xmlns:p14="http://schemas.microsoft.com/office/powerpoint/2010/main" val="2797289848"/>
+        <p14:creationId xmlns:p14="http://schemas.microsoft.com/office/powerpoint/2010/main" val="1435937211"/>
       </p:ext>
     </p:extLst>
   </p:cSld>
@@ -10368,7 +9253,7 @@
           <a:p>
             <a:r>
               <a:rPr lang="en-US" dirty="0"/>
-              <a:t>[Possible Technology]</a:t>
+              <a:t>Google Maps Platform</a:t>
             </a:r>
           </a:p>
         </p:txBody>
@@ -10405,13 +9290,13 @@
           <a:p>
             <a:r>
               <a:rPr lang="en-US" dirty="0"/>
-              <a:t>[Pro]</a:t>
+              <a:t>Extensive information available</a:t>
             </a:r>
           </a:p>
           <a:p>
             <a:r>
               <a:rPr lang="en-US" dirty="0"/>
-              <a:t>[Pro]</a:t>
+              <a:t>Most complete platform</a:t>
             </a:r>
           </a:p>
           <a:p>
@@ -10429,13 +9314,13 @@
           <a:p>
             <a:r>
               <a:rPr lang="en-US" dirty="0"/>
-              <a:t>[Con]</a:t>
+              <a:t>Heavy cost</a:t>
             </a:r>
           </a:p>
           <a:p>
             <a:r>
               <a:rPr lang="en-US" dirty="0"/>
-              <a:t>[Con]</a:t>
+              <a:t>Might need to interact with multiple, separate APIs to obtain elevation data. This may increase overhead.</a:t>
             </a:r>
           </a:p>
         </p:txBody>
@@ -10444,971 +9329,6 @@
     <p:extLst>
       <p:ext uri="{BB962C8B-B14F-4D97-AF65-F5344CB8AC3E}">
         <p14:creationId xmlns:p14="http://schemas.microsoft.com/office/powerpoint/2010/main" val="1956119296"/>
-      </p:ext>
-    </p:extLst>
-  </p:cSld>
-  <p:clrMapOvr>
-    <a:masterClrMapping/>
-  </p:clrMapOvr>
-</p:sld>
-</file>
-
-<file path=ppt/slides/slide50.xml><?xml version="1.0" encoding="utf-8"?>
-<p:sld xmlns:a="http://schemas.openxmlformats.org/drawingml/2006/main" xmlns:r="http://schemas.openxmlformats.org/officeDocument/2006/relationships" xmlns:p="http://schemas.openxmlformats.org/presentationml/2006/main">
-  <p:cSld>
-    <p:spTree>
-      <p:nvGrpSpPr>
-        <p:cNvPr id="1" name=""/>
-        <p:cNvGrpSpPr/>
-        <p:nvPr/>
-      </p:nvGrpSpPr>
-      <p:grpSpPr>
-        <a:xfrm>
-          <a:off x="0" y="0"/>
-          <a:ext cx="0" cy="0"/>
-          <a:chOff x="0" y="0"/>
-          <a:chExt cx="0" cy="0"/>
-        </a:xfrm>
-      </p:grpSpPr>
-      <p:sp>
-        <p:nvSpPr>
-          <p:cNvPr id="2" name="Title 1">
-            <a:extLst>
-              <a:ext uri="{FF2B5EF4-FFF2-40B4-BE49-F238E27FC236}">
-                <a16:creationId xmlns:a16="http://schemas.microsoft.com/office/drawing/2014/main" id="{33182361-C770-430C-97A0-B9298FA3FE50}"/>
-              </a:ext>
-            </a:extLst>
-          </p:cNvPr>
-          <p:cNvSpPr>
-            <a:spLocks noGrp="1"/>
-          </p:cNvSpPr>
-          <p:nvPr>
-            <p:ph type="title"/>
-          </p:nvPr>
-        </p:nvSpPr>
-        <p:spPr/>
-        <p:txBody>
-          <a:bodyPr/>
-          <a:lstStyle/>
-          <a:p>
-            <a:r>
-              <a:rPr lang="en-US" dirty="0"/>
-              <a:t>[Chosen Technology]</a:t>
-            </a:r>
-          </a:p>
-        </p:txBody>
-      </p:sp>
-      <p:sp>
-        <p:nvSpPr>
-          <p:cNvPr id="3" name="Content Placeholder 2">
-            <a:extLst>
-              <a:ext uri="{FF2B5EF4-FFF2-40B4-BE49-F238E27FC236}">
-                <a16:creationId xmlns:a16="http://schemas.microsoft.com/office/drawing/2014/main" id="{6457FBD9-768E-4864-B576-83C1D02FB7F8}"/>
-              </a:ext>
-            </a:extLst>
-          </p:cNvPr>
-          <p:cNvSpPr>
-            <a:spLocks noGrp="1"/>
-          </p:cNvSpPr>
-          <p:nvPr>
-            <p:ph idx="1"/>
-          </p:nvPr>
-        </p:nvSpPr>
-        <p:spPr/>
-        <p:txBody>
-          <a:bodyPr/>
-          <a:lstStyle/>
-          <a:p>
-            <a:r>
-              <a:rPr lang="en-US" dirty="0"/>
-              <a:t>[Reason]</a:t>
-            </a:r>
-          </a:p>
-          <a:p>
-            <a:r>
-              <a:rPr lang="en-US" dirty="0"/>
-              <a:t>[Reason]</a:t>
-            </a:r>
-          </a:p>
-        </p:txBody>
-      </p:sp>
-    </p:spTree>
-    <p:extLst>
-      <p:ext uri="{BB962C8B-B14F-4D97-AF65-F5344CB8AC3E}">
-        <p14:creationId xmlns:p14="http://schemas.microsoft.com/office/powerpoint/2010/main" val="3688776126"/>
-      </p:ext>
-    </p:extLst>
-  </p:cSld>
-  <p:clrMapOvr>
-    <a:masterClrMapping/>
-  </p:clrMapOvr>
-</p:sld>
-</file>
-
-<file path=ppt/slides/slide51.xml><?xml version="1.0" encoding="utf-8"?>
-<p:sld xmlns:a="http://schemas.openxmlformats.org/drawingml/2006/main" xmlns:r="http://schemas.openxmlformats.org/officeDocument/2006/relationships" xmlns:p="http://schemas.openxmlformats.org/presentationml/2006/main">
-  <p:cSld>
-    <p:spTree>
-      <p:nvGrpSpPr>
-        <p:cNvPr id="1" name=""/>
-        <p:cNvGrpSpPr/>
-        <p:nvPr/>
-      </p:nvGrpSpPr>
-      <p:grpSpPr>
-        <a:xfrm>
-          <a:off x="0" y="0"/>
-          <a:ext cx="0" cy="0"/>
-          <a:chOff x="0" y="0"/>
-          <a:chExt cx="0" cy="0"/>
-        </a:xfrm>
-      </p:grpSpPr>
-      <p:sp>
-        <p:nvSpPr>
-          <p:cNvPr id="2" name="Title 1">
-            <a:extLst>
-              <a:ext uri="{FF2B5EF4-FFF2-40B4-BE49-F238E27FC236}">
-                <a16:creationId xmlns:a16="http://schemas.microsoft.com/office/drawing/2014/main" id="{ABFE9964-2DD0-4B8C-9324-5C9218DC5DF7}"/>
-              </a:ext>
-            </a:extLst>
-          </p:cNvPr>
-          <p:cNvSpPr>
-            <a:spLocks noGrp="1"/>
-          </p:cNvSpPr>
-          <p:nvPr>
-            <p:ph type="title"/>
-          </p:nvPr>
-        </p:nvSpPr>
-        <p:spPr>
-          <a:xfrm>
-            <a:off x="674246" y="452718"/>
-            <a:ext cx="9404723" cy="1400530"/>
-          </a:xfrm>
-        </p:spPr>
-        <p:txBody>
-          <a:bodyPr/>
-          <a:lstStyle/>
-          <a:p>
-            <a:r>
-              <a:rPr lang="en-US" sz="4800" dirty="0"/>
-              <a:t>As Jimmy the user, I want some visual representations to appear on the screen as </a:t>
-            </a:r>
-            <a:r>
-              <a:rPr lang="en-US" sz="4800" dirty="0" err="1"/>
-              <a:t>i</a:t>
-            </a:r>
-            <a:r>
-              <a:rPr lang="en-US" sz="4800" dirty="0"/>
-              <a:t> dial in to a landmark</a:t>
-            </a:r>
-          </a:p>
-        </p:txBody>
-      </p:sp>
-      <p:sp>
-        <p:nvSpPr>
-          <p:cNvPr id="3" name="Content Placeholder 2">
-            <a:extLst>
-              <a:ext uri="{FF2B5EF4-FFF2-40B4-BE49-F238E27FC236}">
-                <a16:creationId xmlns:a16="http://schemas.microsoft.com/office/drawing/2014/main" id="{361D3B48-B632-4E60-8736-F1558045DB59}"/>
-              </a:ext>
-            </a:extLst>
-          </p:cNvPr>
-          <p:cNvSpPr>
-            <a:spLocks noGrp="1"/>
-          </p:cNvSpPr>
-          <p:nvPr>
-            <p:ph idx="1"/>
-          </p:nvPr>
-        </p:nvSpPr>
-        <p:spPr/>
-        <p:txBody>
-          <a:bodyPr/>
-          <a:lstStyle/>
-          <a:p>
-            <a:endParaRPr lang="en-US" dirty="0"/>
-          </a:p>
-        </p:txBody>
-      </p:sp>
-    </p:spTree>
-    <p:extLst>
-      <p:ext uri="{BB962C8B-B14F-4D97-AF65-F5344CB8AC3E}">
-        <p14:creationId xmlns:p14="http://schemas.microsoft.com/office/powerpoint/2010/main" val="3607745468"/>
-      </p:ext>
-    </p:extLst>
-  </p:cSld>
-  <p:clrMapOvr>
-    <a:masterClrMapping/>
-  </p:clrMapOvr>
-</p:sld>
-</file>
-
-<file path=ppt/slides/slide52.xml><?xml version="1.0" encoding="utf-8"?>
-<p:sld xmlns:a="http://schemas.openxmlformats.org/drawingml/2006/main" xmlns:r="http://schemas.openxmlformats.org/officeDocument/2006/relationships" xmlns:p="http://schemas.openxmlformats.org/presentationml/2006/main">
-  <p:cSld>
-    <p:spTree>
-      <p:nvGrpSpPr>
-        <p:cNvPr id="1" name=""/>
-        <p:cNvGrpSpPr/>
-        <p:nvPr/>
-      </p:nvGrpSpPr>
-      <p:grpSpPr>
-        <a:xfrm>
-          <a:off x="0" y="0"/>
-          <a:ext cx="0" cy="0"/>
-          <a:chOff x="0" y="0"/>
-          <a:chExt cx="0" cy="0"/>
-        </a:xfrm>
-      </p:grpSpPr>
-      <p:sp>
-        <p:nvSpPr>
-          <p:cNvPr id="2" name="Title 1">
-            <a:extLst>
-              <a:ext uri="{FF2B5EF4-FFF2-40B4-BE49-F238E27FC236}">
-                <a16:creationId xmlns:a16="http://schemas.microsoft.com/office/drawing/2014/main" id="{E66C612F-2F3A-4260-BDBF-80671B0DF2ED}"/>
-              </a:ext>
-            </a:extLst>
-          </p:cNvPr>
-          <p:cNvSpPr>
-            <a:spLocks noGrp="1"/>
-          </p:cNvSpPr>
-          <p:nvPr>
-            <p:ph type="title"/>
-          </p:nvPr>
-        </p:nvSpPr>
-        <p:spPr/>
-        <p:txBody>
-          <a:bodyPr/>
-          <a:lstStyle/>
-          <a:p>
-            <a:r>
-              <a:rPr lang="en-US" dirty="0"/>
-              <a:t>[Augmented Landmarks]</a:t>
-            </a:r>
-          </a:p>
-        </p:txBody>
-      </p:sp>
-      <p:sp>
-        <p:nvSpPr>
-          <p:cNvPr id="3" name="Content Placeholder 2">
-            <a:extLst>
-              <a:ext uri="{FF2B5EF4-FFF2-40B4-BE49-F238E27FC236}">
-                <a16:creationId xmlns:a16="http://schemas.microsoft.com/office/drawing/2014/main" id="{6C61B333-EC15-417A-92E3-D6641D0F3741}"/>
-              </a:ext>
-            </a:extLst>
-          </p:cNvPr>
-          <p:cNvSpPr>
-            <a:spLocks noGrp="1"/>
-          </p:cNvSpPr>
-          <p:nvPr>
-            <p:ph idx="1"/>
-          </p:nvPr>
-        </p:nvSpPr>
-        <p:spPr/>
-        <p:txBody>
-          <a:bodyPr/>
-          <a:lstStyle/>
-          <a:p>
-            <a:endParaRPr lang="en-US"/>
-          </a:p>
-        </p:txBody>
-      </p:sp>
-    </p:spTree>
-    <p:extLst>
-      <p:ext uri="{BB962C8B-B14F-4D97-AF65-F5344CB8AC3E}">
-        <p14:creationId xmlns:p14="http://schemas.microsoft.com/office/powerpoint/2010/main" val="4091944108"/>
-      </p:ext>
-    </p:extLst>
-  </p:cSld>
-  <p:clrMapOvr>
-    <a:masterClrMapping/>
-  </p:clrMapOvr>
-</p:sld>
-</file>
-
-<file path=ppt/slides/slide53.xml><?xml version="1.0" encoding="utf-8"?>
-<p:sld xmlns:a="http://schemas.openxmlformats.org/drawingml/2006/main" xmlns:r="http://schemas.openxmlformats.org/officeDocument/2006/relationships" xmlns:p="http://schemas.openxmlformats.org/presentationml/2006/main">
-  <p:cSld>
-    <p:spTree>
-      <p:nvGrpSpPr>
-        <p:cNvPr id="1" name=""/>
-        <p:cNvGrpSpPr/>
-        <p:nvPr/>
-      </p:nvGrpSpPr>
-      <p:grpSpPr>
-        <a:xfrm>
-          <a:off x="0" y="0"/>
-          <a:ext cx="0" cy="0"/>
-          <a:chOff x="0" y="0"/>
-          <a:chExt cx="0" cy="0"/>
-        </a:xfrm>
-      </p:grpSpPr>
-      <p:sp>
-        <p:nvSpPr>
-          <p:cNvPr id="2" name="Title 1">
-            <a:extLst>
-              <a:ext uri="{FF2B5EF4-FFF2-40B4-BE49-F238E27FC236}">
-                <a16:creationId xmlns:a16="http://schemas.microsoft.com/office/drawing/2014/main" id="{BA35D0AB-9A37-479C-9406-C70EC5D04068}"/>
-              </a:ext>
-            </a:extLst>
-          </p:cNvPr>
-          <p:cNvSpPr>
-            <a:spLocks noGrp="1"/>
-          </p:cNvSpPr>
-          <p:nvPr>
-            <p:ph type="title"/>
-          </p:nvPr>
-        </p:nvSpPr>
-        <p:spPr/>
-        <p:txBody>
-          <a:bodyPr/>
-          <a:lstStyle/>
-          <a:p>
-            <a:r>
-              <a:rPr lang="en-US" dirty="0"/>
-              <a:t>[Possible Technology]</a:t>
-            </a:r>
-          </a:p>
-        </p:txBody>
-      </p:sp>
-      <p:sp>
-        <p:nvSpPr>
-          <p:cNvPr id="3" name="Content Placeholder 2">
-            <a:extLst>
-              <a:ext uri="{FF2B5EF4-FFF2-40B4-BE49-F238E27FC236}">
-                <a16:creationId xmlns:a16="http://schemas.microsoft.com/office/drawing/2014/main" id="{C53C1AAE-D52E-4865-94E5-9A746F2B6603}"/>
-              </a:ext>
-            </a:extLst>
-          </p:cNvPr>
-          <p:cNvSpPr>
-            <a:spLocks noGrp="1"/>
-          </p:cNvSpPr>
-          <p:nvPr>
-            <p:ph idx="1"/>
-          </p:nvPr>
-        </p:nvSpPr>
-        <p:spPr/>
-        <p:txBody>
-          <a:bodyPr/>
-          <a:lstStyle/>
-          <a:p>
-            <a:pPr marL="0" indent="0">
-              <a:buNone/>
-            </a:pPr>
-            <a:r>
-              <a:rPr lang="en-US" dirty="0"/>
-              <a:t>Pros</a:t>
-            </a:r>
-          </a:p>
-          <a:p>
-            <a:r>
-              <a:rPr lang="en-US" dirty="0"/>
-              <a:t>[Pro]</a:t>
-            </a:r>
-          </a:p>
-          <a:p>
-            <a:r>
-              <a:rPr lang="en-US" dirty="0"/>
-              <a:t>[Pro]</a:t>
-            </a:r>
-          </a:p>
-          <a:p>
-            <a:endParaRPr lang="en-US" dirty="0"/>
-          </a:p>
-          <a:p>
-            <a:pPr marL="0" indent="0">
-              <a:buNone/>
-            </a:pPr>
-            <a:r>
-              <a:rPr lang="en-US" dirty="0"/>
-              <a:t>Cons</a:t>
-            </a:r>
-          </a:p>
-          <a:p>
-            <a:r>
-              <a:rPr lang="en-US" dirty="0"/>
-              <a:t>[Con]</a:t>
-            </a:r>
-          </a:p>
-          <a:p>
-            <a:r>
-              <a:rPr lang="en-US" dirty="0"/>
-              <a:t>[Con]</a:t>
-            </a:r>
-          </a:p>
-        </p:txBody>
-      </p:sp>
-    </p:spTree>
-    <p:extLst>
-      <p:ext uri="{BB962C8B-B14F-4D97-AF65-F5344CB8AC3E}">
-        <p14:creationId xmlns:p14="http://schemas.microsoft.com/office/powerpoint/2010/main" val="2797289848"/>
-      </p:ext>
-    </p:extLst>
-  </p:cSld>
-  <p:clrMapOvr>
-    <a:masterClrMapping/>
-  </p:clrMapOvr>
-</p:sld>
-</file>
-
-<file path=ppt/slides/slide54.xml><?xml version="1.0" encoding="utf-8"?>
-<p:sld xmlns:a="http://schemas.openxmlformats.org/drawingml/2006/main" xmlns:r="http://schemas.openxmlformats.org/officeDocument/2006/relationships" xmlns:p="http://schemas.openxmlformats.org/presentationml/2006/main">
-  <p:cSld>
-    <p:spTree>
-      <p:nvGrpSpPr>
-        <p:cNvPr id="1" name=""/>
-        <p:cNvGrpSpPr/>
-        <p:nvPr/>
-      </p:nvGrpSpPr>
-      <p:grpSpPr>
-        <a:xfrm>
-          <a:off x="0" y="0"/>
-          <a:ext cx="0" cy="0"/>
-          <a:chOff x="0" y="0"/>
-          <a:chExt cx="0" cy="0"/>
-        </a:xfrm>
-      </p:grpSpPr>
-      <p:sp>
-        <p:nvSpPr>
-          <p:cNvPr id="2" name="Title 1">
-            <a:extLst>
-              <a:ext uri="{FF2B5EF4-FFF2-40B4-BE49-F238E27FC236}">
-                <a16:creationId xmlns:a16="http://schemas.microsoft.com/office/drawing/2014/main" id="{33182361-C770-430C-97A0-B9298FA3FE50}"/>
-              </a:ext>
-            </a:extLst>
-          </p:cNvPr>
-          <p:cNvSpPr>
-            <a:spLocks noGrp="1"/>
-          </p:cNvSpPr>
-          <p:nvPr>
-            <p:ph type="title"/>
-          </p:nvPr>
-        </p:nvSpPr>
-        <p:spPr/>
-        <p:txBody>
-          <a:bodyPr/>
-          <a:lstStyle/>
-          <a:p>
-            <a:r>
-              <a:rPr lang="en-US" dirty="0"/>
-              <a:t>[Chosen Technology]</a:t>
-            </a:r>
-          </a:p>
-        </p:txBody>
-      </p:sp>
-      <p:sp>
-        <p:nvSpPr>
-          <p:cNvPr id="3" name="Content Placeholder 2">
-            <a:extLst>
-              <a:ext uri="{FF2B5EF4-FFF2-40B4-BE49-F238E27FC236}">
-                <a16:creationId xmlns:a16="http://schemas.microsoft.com/office/drawing/2014/main" id="{6457FBD9-768E-4864-B576-83C1D02FB7F8}"/>
-              </a:ext>
-            </a:extLst>
-          </p:cNvPr>
-          <p:cNvSpPr>
-            <a:spLocks noGrp="1"/>
-          </p:cNvSpPr>
-          <p:nvPr>
-            <p:ph idx="1"/>
-          </p:nvPr>
-        </p:nvSpPr>
-        <p:spPr/>
-        <p:txBody>
-          <a:bodyPr/>
-          <a:lstStyle/>
-          <a:p>
-            <a:r>
-              <a:rPr lang="en-US" dirty="0"/>
-              <a:t>[Reason]</a:t>
-            </a:r>
-          </a:p>
-          <a:p>
-            <a:r>
-              <a:rPr lang="en-US" dirty="0"/>
-              <a:t>[Reason]</a:t>
-            </a:r>
-          </a:p>
-        </p:txBody>
-      </p:sp>
-    </p:spTree>
-    <p:extLst>
-      <p:ext uri="{BB962C8B-B14F-4D97-AF65-F5344CB8AC3E}">
-        <p14:creationId xmlns:p14="http://schemas.microsoft.com/office/powerpoint/2010/main" val="3688776126"/>
-      </p:ext>
-    </p:extLst>
-  </p:cSld>
-  <p:clrMapOvr>
-    <a:masterClrMapping/>
-  </p:clrMapOvr>
-</p:sld>
-</file>
-
-<file path=ppt/slides/slide55.xml><?xml version="1.0" encoding="utf-8"?>
-<p:sld xmlns:a="http://schemas.openxmlformats.org/drawingml/2006/main" xmlns:r="http://schemas.openxmlformats.org/officeDocument/2006/relationships" xmlns:p="http://schemas.openxmlformats.org/presentationml/2006/main">
-  <p:cSld>
-    <p:spTree>
-      <p:nvGrpSpPr>
-        <p:cNvPr id="1" name=""/>
-        <p:cNvGrpSpPr/>
-        <p:nvPr/>
-      </p:nvGrpSpPr>
-      <p:grpSpPr>
-        <a:xfrm>
-          <a:off x="0" y="0"/>
-          <a:ext cx="0" cy="0"/>
-          <a:chOff x="0" y="0"/>
-          <a:chExt cx="0" cy="0"/>
-        </a:xfrm>
-      </p:grpSpPr>
-      <p:sp>
-        <p:nvSpPr>
-          <p:cNvPr id="2" name="Title 1">
-            <a:extLst>
-              <a:ext uri="{FF2B5EF4-FFF2-40B4-BE49-F238E27FC236}">
-                <a16:creationId xmlns:a16="http://schemas.microsoft.com/office/drawing/2014/main" id="{ABFE9964-2DD0-4B8C-9324-5C9218DC5DF7}"/>
-              </a:ext>
-            </a:extLst>
-          </p:cNvPr>
-          <p:cNvSpPr>
-            <a:spLocks noGrp="1"/>
-          </p:cNvSpPr>
-          <p:nvPr>
-            <p:ph type="title"/>
-          </p:nvPr>
-        </p:nvSpPr>
-        <p:spPr>
-          <a:xfrm>
-            <a:off x="674246" y="452718"/>
-            <a:ext cx="9404723" cy="1400530"/>
-          </a:xfrm>
-        </p:spPr>
-        <p:txBody>
-          <a:bodyPr/>
-          <a:lstStyle/>
-          <a:p>
-            <a:r>
-              <a:rPr lang="en-US" sz="4800" dirty="0"/>
-              <a:t>As Billy the new user, I want to log into an account for this app.</a:t>
-            </a:r>
-          </a:p>
-        </p:txBody>
-      </p:sp>
-      <p:sp>
-        <p:nvSpPr>
-          <p:cNvPr id="3" name="Content Placeholder 2">
-            <a:extLst>
-              <a:ext uri="{FF2B5EF4-FFF2-40B4-BE49-F238E27FC236}">
-                <a16:creationId xmlns:a16="http://schemas.microsoft.com/office/drawing/2014/main" id="{361D3B48-B632-4E60-8736-F1558045DB59}"/>
-              </a:ext>
-            </a:extLst>
-          </p:cNvPr>
-          <p:cNvSpPr>
-            <a:spLocks noGrp="1"/>
-          </p:cNvSpPr>
-          <p:nvPr>
-            <p:ph idx="1"/>
-          </p:nvPr>
-        </p:nvSpPr>
-        <p:spPr/>
-        <p:txBody>
-          <a:bodyPr/>
-          <a:lstStyle/>
-          <a:p>
-            <a:endParaRPr lang="en-US" dirty="0"/>
-          </a:p>
-        </p:txBody>
-      </p:sp>
-    </p:spTree>
-    <p:extLst>
-      <p:ext uri="{BB962C8B-B14F-4D97-AF65-F5344CB8AC3E}">
-        <p14:creationId xmlns:p14="http://schemas.microsoft.com/office/powerpoint/2010/main" val="3999603580"/>
-      </p:ext>
-    </p:extLst>
-  </p:cSld>
-  <p:clrMapOvr>
-    <a:masterClrMapping/>
-  </p:clrMapOvr>
-</p:sld>
-</file>
-
-<file path=ppt/slides/slide56.xml><?xml version="1.0" encoding="utf-8"?>
-<p:sld xmlns:a="http://schemas.openxmlformats.org/drawingml/2006/main" xmlns:r="http://schemas.openxmlformats.org/officeDocument/2006/relationships" xmlns:p="http://schemas.openxmlformats.org/presentationml/2006/main">
-  <p:cSld>
-    <p:spTree>
-      <p:nvGrpSpPr>
-        <p:cNvPr id="1" name=""/>
-        <p:cNvGrpSpPr/>
-        <p:nvPr/>
-      </p:nvGrpSpPr>
-      <p:grpSpPr>
-        <a:xfrm>
-          <a:off x="0" y="0"/>
-          <a:ext cx="0" cy="0"/>
-          <a:chOff x="0" y="0"/>
-          <a:chExt cx="0" cy="0"/>
-        </a:xfrm>
-      </p:grpSpPr>
-      <p:sp>
-        <p:nvSpPr>
-          <p:cNvPr id="2" name="Title 1">
-            <a:extLst>
-              <a:ext uri="{FF2B5EF4-FFF2-40B4-BE49-F238E27FC236}">
-                <a16:creationId xmlns:a16="http://schemas.microsoft.com/office/drawing/2014/main" id="{E66C612F-2F3A-4260-BDBF-80671B0DF2ED}"/>
-              </a:ext>
-            </a:extLst>
-          </p:cNvPr>
-          <p:cNvSpPr>
-            <a:spLocks noGrp="1"/>
-          </p:cNvSpPr>
-          <p:nvPr>
-            <p:ph type="title"/>
-          </p:nvPr>
-        </p:nvSpPr>
-        <p:spPr/>
-        <p:txBody>
-          <a:bodyPr/>
-          <a:lstStyle/>
-          <a:p>
-            <a:r>
-              <a:rPr lang="en-US" dirty="0"/>
-              <a:t>[User Accounts]</a:t>
-            </a:r>
-          </a:p>
-        </p:txBody>
-      </p:sp>
-      <p:sp>
-        <p:nvSpPr>
-          <p:cNvPr id="3" name="Content Placeholder 2">
-            <a:extLst>
-              <a:ext uri="{FF2B5EF4-FFF2-40B4-BE49-F238E27FC236}">
-                <a16:creationId xmlns:a16="http://schemas.microsoft.com/office/drawing/2014/main" id="{6C61B333-EC15-417A-92E3-D6641D0F3741}"/>
-              </a:ext>
-            </a:extLst>
-          </p:cNvPr>
-          <p:cNvSpPr>
-            <a:spLocks noGrp="1"/>
-          </p:cNvSpPr>
-          <p:nvPr>
-            <p:ph idx="1"/>
-          </p:nvPr>
-        </p:nvSpPr>
-        <p:spPr/>
-        <p:txBody>
-          <a:bodyPr/>
-          <a:lstStyle/>
-          <a:p>
-            <a:endParaRPr lang="en-US"/>
-          </a:p>
-        </p:txBody>
-      </p:sp>
-    </p:spTree>
-    <p:extLst>
-      <p:ext uri="{BB962C8B-B14F-4D97-AF65-F5344CB8AC3E}">
-        <p14:creationId xmlns:p14="http://schemas.microsoft.com/office/powerpoint/2010/main" val="2596080019"/>
-      </p:ext>
-    </p:extLst>
-  </p:cSld>
-  <p:clrMapOvr>
-    <a:masterClrMapping/>
-  </p:clrMapOvr>
-</p:sld>
-</file>
-
-<file path=ppt/slides/slide57.xml><?xml version="1.0" encoding="utf-8"?>
-<p:sld xmlns:a="http://schemas.openxmlformats.org/drawingml/2006/main" xmlns:r="http://schemas.openxmlformats.org/officeDocument/2006/relationships" xmlns:p="http://schemas.openxmlformats.org/presentationml/2006/main">
-  <p:cSld>
-    <p:spTree>
-      <p:nvGrpSpPr>
-        <p:cNvPr id="1" name=""/>
-        <p:cNvGrpSpPr/>
-        <p:nvPr/>
-      </p:nvGrpSpPr>
-      <p:grpSpPr>
-        <a:xfrm>
-          <a:off x="0" y="0"/>
-          <a:ext cx="0" cy="0"/>
-          <a:chOff x="0" y="0"/>
-          <a:chExt cx="0" cy="0"/>
-        </a:xfrm>
-      </p:grpSpPr>
-      <p:sp>
-        <p:nvSpPr>
-          <p:cNvPr id="2" name="Title 1">
-            <a:extLst>
-              <a:ext uri="{FF2B5EF4-FFF2-40B4-BE49-F238E27FC236}">
-                <a16:creationId xmlns:a16="http://schemas.microsoft.com/office/drawing/2014/main" id="{BA35D0AB-9A37-479C-9406-C70EC5D04068}"/>
-              </a:ext>
-            </a:extLst>
-          </p:cNvPr>
-          <p:cNvSpPr>
-            <a:spLocks noGrp="1"/>
-          </p:cNvSpPr>
-          <p:nvPr>
-            <p:ph type="title"/>
-          </p:nvPr>
-        </p:nvSpPr>
-        <p:spPr/>
-        <p:txBody>
-          <a:bodyPr/>
-          <a:lstStyle/>
-          <a:p>
-            <a:r>
-              <a:rPr lang="en-US" dirty="0"/>
-              <a:t>[Possible Technology]</a:t>
-            </a:r>
-          </a:p>
-        </p:txBody>
-      </p:sp>
-      <p:sp>
-        <p:nvSpPr>
-          <p:cNvPr id="3" name="Content Placeholder 2">
-            <a:extLst>
-              <a:ext uri="{FF2B5EF4-FFF2-40B4-BE49-F238E27FC236}">
-                <a16:creationId xmlns:a16="http://schemas.microsoft.com/office/drawing/2014/main" id="{C53C1AAE-D52E-4865-94E5-9A746F2B6603}"/>
-              </a:ext>
-            </a:extLst>
-          </p:cNvPr>
-          <p:cNvSpPr>
-            <a:spLocks noGrp="1"/>
-          </p:cNvSpPr>
-          <p:nvPr>
-            <p:ph idx="1"/>
-          </p:nvPr>
-        </p:nvSpPr>
-        <p:spPr/>
-        <p:txBody>
-          <a:bodyPr/>
-          <a:lstStyle/>
-          <a:p>
-            <a:pPr marL="0" indent="0">
-              <a:buNone/>
-            </a:pPr>
-            <a:r>
-              <a:rPr lang="en-US" dirty="0"/>
-              <a:t>Pros</a:t>
-            </a:r>
-          </a:p>
-          <a:p>
-            <a:r>
-              <a:rPr lang="en-US" dirty="0"/>
-              <a:t>[Pro]</a:t>
-            </a:r>
-          </a:p>
-          <a:p>
-            <a:r>
-              <a:rPr lang="en-US" dirty="0"/>
-              <a:t>[Pro]</a:t>
-            </a:r>
-          </a:p>
-          <a:p>
-            <a:endParaRPr lang="en-US" dirty="0"/>
-          </a:p>
-          <a:p>
-            <a:pPr marL="0" indent="0">
-              <a:buNone/>
-            </a:pPr>
-            <a:r>
-              <a:rPr lang="en-US" dirty="0"/>
-              <a:t>Cons</a:t>
-            </a:r>
-          </a:p>
-          <a:p>
-            <a:r>
-              <a:rPr lang="en-US" dirty="0"/>
-              <a:t>[Con]</a:t>
-            </a:r>
-          </a:p>
-          <a:p>
-            <a:r>
-              <a:rPr lang="en-US" dirty="0"/>
-              <a:t>[Con]</a:t>
-            </a:r>
-          </a:p>
-        </p:txBody>
-      </p:sp>
-    </p:spTree>
-    <p:extLst>
-      <p:ext uri="{BB962C8B-B14F-4D97-AF65-F5344CB8AC3E}">
-        <p14:creationId xmlns:p14="http://schemas.microsoft.com/office/powerpoint/2010/main" val="3722766767"/>
-      </p:ext>
-    </p:extLst>
-  </p:cSld>
-  <p:clrMapOvr>
-    <a:masterClrMapping/>
-  </p:clrMapOvr>
-</p:sld>
-</file>
-
-<file path=ppt/slides/slide58.xml><?xml version="1.0" encoding="utf-8"?>
-<p:sld xmlns:a="http://schemas.openxmlformats.org/drawingml/2006/main" xmlns:r="http://schemas.openxmlformats.org/officeDocument/2006/relationships" xmlns:p="http://schemas.openxmlformats.org/presentationml/2006/main">
-  <p:cSld>
-    <p:spTree>
-      <p:nvGrpSpPr>
-        <p:cNvPr id="1" name=""/>
-        <p:cNvGrpSpPr/>
-        <p:nvPr/>
-      </p:nvGrpSpPr>
-      <p:grpSpPr>
-        <a:xfrm>
-          <a:off x="0" y="0"/>
-          <a:ext cx="0" cy="0"/>
-          <a:chOff x="0" y="0"/>
-          <a:chExt cx="0" cy="0"/>
-        </a:xfrm>
-      </p:grpSpPr>
-      <p:sp>
-        <p:nvSpPr>
-          <p:cNvPr id="2" name="Title 1">
-            <a:extLst>
-              <a:ext uri="{FF2B5EF4-FFF2-40B4-BE49-F238E27FC236}">
-                <a16:creationId xmlns:a16="http://schemas.microsoft.com/office/drawing/2014/main" id="{33182361-C770-430C-97A0-B9298FA3FE50}"/>
-              </a:ext>
-            </a:extLst>
-          </p:cNvPr>
-          <p:cNvSpPr>
-            <a:spLocks noGrp="1"/>
-          </p:cNvSpPr>
-          <p:nvPr>
-            <p:ph type="title"/>
-          </p:nvPr>
-        </p:nvSpPr>
-        <p:spPr/>
-        <p:txBody>
-          <a:bodyPr/>
-          <a:lstStyle/>
-          <a:p>
-            <a:r>
-              <a:rPr lang="en-US" dirty="0"/>
-              <a:t>[Chosen Technology]</a:t>
-            </a:r>
-          </a:p>
-        </p:txBody>
-      </p:sp>
-      <p:sp>
-        <p:nvSpPr>
-          <p:cNvPr id="3" name="Content Placeholder 2">
-            <a:extLst>
-              <a:ext uri="{FF2B5EF4-FFF2-40B4-BE49-F238E27FC236}">
-                <a16:creationId xmlns:a16="http://schemas.microsoft.com/office/drawing/2014/main" id="{6457FBD9-768E-4864-B576-83C1D02FB7F8}"/>
-              </a:ext>
-            </a:extLst>
-          </p:cNvPr>
-          <p:cNvSpPr>
-            <a:spLocks noGrp="1"/>
-          </p:cNvSpPr>
-          <p:nvPr>
-            <p:ph idx="1"/>
-          </p:nvPr>
-        </p:nvSpPr>
-        <p:spPr/>
-        <p:txBody>
-          <a:bodyPr/>
-          <a:lstStyle/>
-          <a:p>
-            <a:r>
-              <a:rPr lang="en-US" dirty="0"/>
-              <a:t>[Reason]</a:t>
-            </a:r>
-          </a:p>
-          <a:p>
-            <a:r>
-              <a:rPr lang="en-US" dirty="0"/>
-              <a:t>[Reason]</a:t>
-            </a:r>
-          </a:p>
-        </p:txBody>
-      </p:sp>
-    </p:spTree>
-    <p:extLst>
-      <p:ext uri="{BB962C8B-B14F-4D97-AF65-F5344CB8AC3E}">
-        <p14:creationId xmlns:p14="http://schemas.microsoft.com/office/powerpoint/2010/main" val="3787987362"/>
-      </p:ext>
-    </p:extLst>
-  </p:cSld>
-  <p:clrMapOvr>
-    <a:masterClrMapping/>
-  </p:clrMapOvr>
-</p:sld>
-</file>
-
-<file path=ppt/slides/slide59.xml><?xml version="1.0" encoding="utf-8"?>
-<p:sld xmlns:a="http://schemas.openxmlformats.org/drawingml/2006/main" xmlns:r="http://schemas.openxmlformats.org/officeDocument/2006/relationships" xmlns:p="http://schemas.openxmlformats.org/presentationml/2006/main">
-  <p:cSld>
-    <p:spTree>
-      <p:nvGrpSpPr>
-        <p:cNvPr id="1" name=""/>
-        <p:cNvGrpSpPr/>
-        <p:nvPr/>
-      </p:nvGrpSpPr>
-      <p:grpSpPr>
-        <a:xfrm>
-          <a:off x="0" y="0"/>
-          <a:ext cx="0" cy="0"/>
-          <a:chOff x="0" y="0"/>
-          <a:chExt cx="0" cy="0"/>
-        </a:xfrm>
-      </p:grpSpPr>
-      <p:sp>
-        <p:nvSpPr>
-          <p:cNvPr id="2" name="Title 1">
-            <a:extLst>
-              <a:ext uri="{FF2B5EF4-FFF2-40B4-BE49-F238E27FC236}">
-                <a16:creationId xmlns:a16="http://schemas.microsoft.com/office/drawing/2014/main" id="{ABFE9964-2DD0-4B8C-9324-5C9218DC5DF7}"/>
-              </a:ext>
-            </a:extLst>
-          </p:cNvPr>
-          <p:cNvSpPr>
-            <a:spLocks noGrp="1"/>
-          </p:cNvSpPr>
-          <p:nvPr>
-            <p:ph type="title"/>
-          </p:nvPr>
-        </p:nvSpPr>
-        <p:spPr>
-          <a:xfrm>
-            <a:off x="674246" y="452718"/>
-            <a:ext cx="9404723" cy="1400530"/>
-          </a:xfrm>
-        </p:spPr>
-        <p:txBody>
-          <a:bodyPr/>
-          <a:lstStyle/>
-          <a:p>
-            <a:r>
-              <a:rPr lang="en-US" dirty="0"/>
-              <a:t>As Kara the dedicated user, I want to save my landmarks online so I can access them from another device.</a:t>
-            </a:r>
-            <a:endParaRPr lang="en-US" sz="4800" dirty="0"/>
-          </a:p>
-        </p:txBody>
-      </p:sp>
-      <p:sp>
-        <p:nvSpPr>
-          <p:cNvPr id="3" name="Content Placeholder 2">
-            <a:extLst>
-              <a:ext uri="{FF2B5EF4-FFF2-40B4-BE49-F238E27FC236}">
-                <a16:creationId xmlns:a16="http://schemas.microsoft.com/office/drawing/2014/main" id="{361D3B48-B632-4E60-8736-F1558045DB59}"/>
-              </a:ext>
-            </a:extLst>
-          </p:cNvPr>
-          <p:cNvSpPr>
-            <a:spLocks noGrp="1"/>
-          </p:cNvSpPr>
-          <p:nvPr>
-            <p:ph idx="1"/>
-          </p:nvPr>
-        </p:nvSpPr>
-        <p:spPr/>
-        <p:txBody>
-          <a:bodyPr/>
-          <a:lstStyle/>
-          <a:p>
-            <a:endParaRPr lang="en-US" dirty="0"/>
-          </a:p>
-        </p:txBody>
-      </p:sp>
-    </p:spTree>
-    <p:extLst>
-      <p:ext uri="{BB962C8B-B14F-4D97-AF65-F5344CB8AC3E}">
-        <p14:creationId xmlns:p14="http://schemas.microsoft.com/office/powerpoint/2010/main" val="4265448321"/>
       </p:ext>
     </p:extLst>
   </p:cSld>
@@ -11510,306 +9430,6 @@
 </p:sld>
 </file>
 
-<file path=ppt/slides/slide60.xml><?xml version="1.0" encoding="utf-8"?>
-<p:sld xmlns:a="http://schemas.openxmlformats.org/drawingml/2006/main" xmlns:r="http://schemas.openxmlformats.org/officeDocument/2006/relationships" xmlns:p="http://schemas.openxmlformats.org/presentationml/2006/main">
-  <p:cSld>
-    <p:spTree>
-      <p:nvGrpSpPr>
-        <p:cNvPr id="1" name=""/>
-        <p:cNvGrpSpPr/>
-        <p:nvPr/>
-      </p:nvGrpSpPr>
-      <p:grpSpPr>
-        <a:xfrm>
-          <a:off x="0" y="0"/>
-          <a:ext cx="0" cy="0"/>
-          <a:chOff x="0" y="0"/>
-          <a:chExt cx="0" cy="0"/>
-        </a:xfrm>
-      </p:grpSpPr>
-      <p:sp>
-        <p:nvSpPr>
-          <p:cNvPr id="2" name="Title 1">
-            <a:extLst>
-              <a:ext uri="{FF2B5EF4-FFF2-40B4-BE49-F238E27FC236}">
-                <a16:creationId xmlns:a16="http://schemas.microsoft.com/office/drawing/2014/main" id="{E66C612F-2F3A-4260-BDBF-80671B0DF2ED}"/>
-              </a:ext>
-            </a:extLst>
-          </p:cNvPr>
-          <p:cNvSpPr>
-            <a:spLocks noGrp="1"/>
-          </p:cNvSpPr>
-          <p:nvPr>
-            <p:ph type="title"/>
-          </p:nvPr>
-        </p:nvSpPr>
-        <p:spPr/>
-        <p:txBody>
-          <a:bodyPr/>
-          <a:lstStyle/>
-          <a:p>
-            <a:r>
-              <a:rPr lang="en-US" dirty="0"/>
-              <a:t>[User Accounts]</a:t>
-            </a:r>
-          </a:p>
-        </p:txBody>
-      </p:sp>
-      <p:sp>
-        <p:nvSpPr>
-          <p:cNvPr id="3" name="Content Placeholder 2">
-            <a:extLst>
-              <a:ext uri="{FF2B5EF4-FFF2-40B4-BE49-F238E27FC236}">
-                <a16:creationId xmlns:a16="http://schemas.microsoft.com/office/drawing/2014/main" id="{6C61B333-EC15-417A-92E3-D6641D0F3741}"/>
-              </a:ext>
-            </a:extLst>
-          </p:cNvPr>
-          <p:cNvSpPr>
-            <a:spLocks noGrp="1"/>
-          </p:cNvSpPr>
-          <p:nvPr>
-            <p:ph idx="1"/>
-          </p:nvPr>
-        </p:nvSpPr>
-        <p:spPr/>
-        <p:txBody>
-          <a:bodyPr/>
-          <a:lstStyle/>
-          <a:p>
-            <a:endParaRPr lang="en-US"/>
-          </a:p>
-        </p:txBody>
-      </p:sp>
-    </p:spTree>
-    <p:extLst>
-      <p:ext uri="{BB962C8B-B14F-4D97-AF65-F5344CB8AC3E}">
-        <p14:creationId xmlns:p14="http://schemas.microsoft.com/office/powerpoint/2010/main" val="1435937211"/>
-      </p:ext>
-    </p:extLst>
-  </p:cSld>
-  <p:clrMapOvr>
-    <a:masterClrMapping/>
-  </p:clrMapOvr>
-</p:sld>
-</file>
-
-<file path=ppt/slides/slide61.xml><?xml version="1.0" encoding="utf-8"?>
-<p:sld xmlns:a="http://schemas.openxmlformats.org/drawingml/2006/main" xmlns:r="http://schemas.openxmlformats.org/officeDocument/2006/relationships" xmlns:p="http://schemas.openxmlformats.org/presentationml/2006/main">
-  <p:cSld>
-    <p:spTree>
-      <p:nvGrpSpPr>
-        <p:cNvPr id="1" name=""/>
-        <p:cNvGrpSpPr/>
-        <p:nvPr/>
-      </p:nvGrpSpPr>
-      <p:grpSpPr>
-        <a:xfrm>
-          <a:off x="0" y="0"/>
-          <a:ext cx="0" cy="0"/>
-          <a:chOff x="0" y="0"/>
-          <a:chExt cx="0" cy="0"/>
-        </a:xfrm>
-      </p:grpSpPr>
-      <p:sp>
-        <p:nvSpPr>
-          <p:cNvPr id="2" name="Title 1">
-            <a:extLst>
-              <a:ext uri="{FF2B5EF4-FFF2-40B4-BE49-F238E27FC236}">
-                <a16:creationId xmlns:a16="http://schemas.microsoft.com/office/drawing/2014/main" id="{BA35D0AB-9A37-479C-9406-C70EC5D04068}"/>
-              </a:ext>
-            </a:extLst>
-          </p:cNvPr>
-          <p:cNvSpPr>
-            <a:spLocks noGrp="1"/>
-          </p:cNvSpPr>
-          <p:nvPr>
-            <p:ph type="title"/>
-          </p:nvPr>
-        </p:nvSpPr>
-        <p:spPr/>
-        <p:txBody>
-          <a:bodyPr/>
-          <a:lstStyle/>
-          <a:p>
-            <a:r>
-              <a:rPr lang="en-US" dirty="0"/>
-              <a:t>[Possible Technology]</a:t>
-            </a:r>
-          </a:p>
-        </p:txBody>
-      </p:sp>
-      <p:sp>
-        <p:nvSpPr>
-          <p:cNvPr id="3" name="Content Placeholder 2">
-            <a:extLst>
-              <a:ext uri="{FF2B5EF4-FFF2-40B4-BE49-F238E27FC236}">
-                <a16:creationId xmlns:a16="http://schemas.microsoft.com/office/drawing/2014/main" id="{C53C1AAE-D52E-4865-94E5-9A746F2B6603}"/>
-              </a:ext>
-            </a:extLst>
-          </p:cNvPr>
-          <p:cNvSpPr>
-            <a:spLocks noGrp="1"/>
-          </p:cNvSpPr>
-          <p:nvPr>
-            <p:ph idx="1"/>
-          </p:nvPr>
-        </p:nvSpPr>
-        <p:spPr/>
-        <p:txBody>
-          <a:bodyPr/>
-          <a:lstStyle/>
-          <a:p>
-            <a:pPr marL="0" indent="0">
-              <a:buNone/>
-            </a:pPr>
-            <a:r>
-              <a:rPr lang="en-US" dirty="0"/>
-              <a:t>Pros</a:t>
-            </a:r>
-          </a:p>
-          <a:p>
-            <a:r>
-              <a:rPr lang="en-US" dirty="0"/>
-              <a:t>[Pro]</a:t>
-            </a:r>
-          </a:p>
-          <a:p>
-            <a:r>
-              <a:rPr lang="en-US" dirty="0"/>
-              <a:t>[Pro]</a:t>
-            </a:r>
-          </a:p>
-          <a:p>
-            <a:endParaRPr lang="en-US" dirty="0"/>
-          </a:p>
-          <a:p>
-            <a:pPr marL="0" indent="0">
-              <a:buNone/>
-            </a:pPr>
-            <a:r>
-              <a:rPr lang="en-US" dirty="0"/>
-              <a:t>Cons</a:t>
-            </a:r>
-          </a:p>
-          <a:p>
-            <a:r>
-              <a:rPr lang="en-US" dirty="0"/>
-              <a:t>[Con]</a:t>
-            </a:r>
-          </a:p>
-          <a:p>
-            <a:r>
-              <a:rPr lang="en-US" dirty="0"/>
-              <a:t>[Con]</a:t>
-            </a:r>
-          </a:p>
-        </p:txBody>
-      </p:sp>
-    </p:spTree>
-    <p:extLst>
-      <p:ext uri="{BB962C8B-B14F-4D97-AF65-F5344CB8AC3E}">
-        <p14:creationId xmlns:p14="http://schemas.microsoft.com/office/powerpoint/2010/main" val="732696724"/>
-      </p:ext>
-    </p:extLst>
-  </p:cSld>
-  <p:clrMapOvr>
-    <a:masterClrMapping/>
-  </p:clrMapOvr>
-</p:sld>
-</file>
-
-<file path=ppt/slides/slide62.xml><?xml version="1.0" encoding="utf-8"?>
-<p:sld xmlns:a="http://schemas.openxmlformats.org/drawingml/2006/main" xmlns:r="http://schemas.openxmlformats.org/officeDocument/2006/relationships" xmlns:p="http://schemas.openxmlformats.org/presentationml/2006/main">
-  <p:cSld>
-    <p:spTree>
-      <p:nvGrpSpPr>
-        <p:cNvPr id="1" name=""/>
-        <p:cNvGrpSpPr/>
-        <p:nvPr/>
-      </p:nvGrpSpPr>
-      <p:grpSpPr>
-        <a:xfrm>
-          <a:off x="0" y="0"/>
-          <a:ext cx="0" cy="0"/>
-          <a:chOff x="0" y="0"/>
-          <a:chExt cx="0" cy="0"/>
-        </a:xfrm>
-      </p:grpSpPr>
-      <p:sp>
-        <p:nvSpPr>
-          <p:cNvPr id="2" name="Title 1">
-            <a:extLst>
-              <a:ext uri="{FF2B5EF4-FFF2-40B4-BE49-F238E27FC236}">
-                <a16:creationId xmlns:a16="http://schemas.microsoft.com/office/drawing/2014/main" id="{33182361-C770-430C-97A0-B9298FA3FE50}"/>
-              </a:ext>
-            </a:extLst>
-          </p:cNvPr>
-          <p:cNvSpPr>
-            <a:spLocks noGrp="1"/>
-          </p:cNvSpPr>
-          <p:nvPr>
-            <p:ph type="title"/>
-          </p:nvPr>
-        </p:nvSpPr>
-        <p:spPr/>
-        <p:txBody>
-          <a:bodyPr/>
-          <a:lstStyle/>
-          <a:p>
-            <a:r>
-              <a:rPr lang="en-US" dirty="0"/>
-              <a:t>[Chosen Technology]</a:t>
-            </a:r>
-          </a:p>
-        </p:txBody>
-      </p:sp>
-      <p:sp>
-        <p:nvSpPr>
-          <p:cNvPr id="3" name="Content Placeholder 2">
-            <a:extLst>
-              <a:ext uri="{FF2B5EF4-FFF2-40B4-BE49-F238E27FC236}">
-                <a16:creationId xmlns:a16="http://schemas.microsoft.com/office/drawing/2014/main" id="{6457FBD9-768E-4864-B576-83C1D02FB7F8}"/>
-              </a:ext>
-            </a:extLst>
-          </p:cNvPr>
-          <p:cNvSpPr>
-            <a:spLocks noGrp="1"/>
-          </p:cNvSpPr>
-          <p:nvPr>
-            <p:ph idx="1"/>
-          </p:nvPr>
-        </p:nvSpPr>
-        <p:spPr/>
-        <p:txBody>
-          <a:bodyPr/>
-          <a:lstStyle/>
-          <a:p>
-            <a:r>
-              <a:rPr lang="en-US" dirty="0"/>
-              <a:t>[Reason]</a:t>
-            </a:r>
-          </a:p>
-          <a:p>
-            <a:r>
-              <a:rPr lang="en-US" dirty="0"/>
-              <a:t>[Reason]</a:t>
-            </a:r>
-          </a:p>
-        </p:txBody>
-      </p:sp>
-    </p:spTree>
-    <p:extLst>
-      <p:ext uri="{BB962C8B-B14F-4D97-AF65-F5344CB8AC3E}">
-        <p14:creationId xmlns:p14="http://schemas.microsoft.com/office/powerpoint/2010/main" val="588317044"/>
-      </p:ext>
-    </p:extLst>
-  </p:cSld>
-  <p:clrMapOvr>
-    <a:masterClrMapping/>
-  </p:clrMapOvr>
-</p:sld>
-</file>
-
 <file path=ppt/slides/slide7.xml><?xml version="1.0" encoding="utf-8"?>
 <p:sld xmlns:a="http://schemas.openxmlformats.org/drawingml/2006/main" xmlns:r="http://schemas.openxmlformats.org/officeDocument/2006/relationships" xmlns:p="http://schemas.openxmlformats.org/presentationml/2006/main">
   <p:cSld>
@@ -11850,15 +9470,7 @@
           <a:p>
             <a:r>
               <a:rPr lang="en-US" sz="5400" dirty="0"/>
-              <a:t>As Rick the user, </a:t>
-            </a:r>
-            <a:r>
-              <a:rPr lang="en-US" sz="5400" dirty="0" err="1"/>
-              <a:t>i’d</a:t>
-            </a:r>
-            <a:r>
-              <a:rPr lang="en-US" sz="5400" dirty="0"/>
-              <a:t> like a nice measuring tool on the screen to help me pinpoint my target.</a:t>
+              <a:t>As Rick the user, I’d like a nice measuring tool on the screen to help me pinpoint my target.</a:t>
             </a:r>
           </a:p>
         </p:txBody>
@@ -12006,7 +9618,7 @@
           <p:cNvPr id="2" name="Title 1">
             <a:extLst>
               <a:ext uri="{FF2B5EF4-FFF2-40B4-BE49-F238E27FC236}">
-                <a16:creationId xmlns:a16="http://schemas.microsoft.com/office/drawing/2014/main" id="{BA35D0AB-9A37-479C-9406-C70EC5D04068}"/>
+                <a16:creationId xmlns:a16="http://schemas.microsoft.com/office/drawing/2014/main" id="{ABFE9964-2DD0-4B8C-9324-5C9218DC5DF7}"/>
               </a:ext>
             </a:extLst>
           </p:cNvPr>
@@ -12023,8 +9635,8 @@
           <a:lstStyle/>
           <a:p>
             <a:r>
-              <a:rPr lang="en-US" dirty="0"/>
-              <a:t>[Possible Technology]</a:t>
+              <a:rPr lang="en-US" sz="5400" dirty="0"/>
+              <a:t>As Tommy the mountain hermit, I want to still be able to use the app even if I go months without internet access.</a:t>
             </a:r>
           </a:p>
         </p:txBody>
@@ -12034,7 +9646,7 @@
           <p:cNvPr id="3" name="Content Placeholder 2">
             <a:extLst>
               <a:ext uri="{FF2B5EF4-FFF2-40B4-BE49-F238E27FC236}">
-                <a16:creationId xmlns:a16="http://schemas.microsoft.com/office/drawing/2014/main" id="{C53C1AAE-D52E-4865-94E5-9A746F2B6603}"/>
+                <a16:creationId xmlns:a16="http://schemas.microsoft.com/office/drawing/2014/main" id="{361D3B48-B632-4E60-8736-F1558045DB59}"/>
               </a:ext>
             </a:extLst>
           </p:cNvPr>
@@ -12050,56 +9662,14 @@
           <a:bodyPr/>
           <a:lstStyle/>
           <a:p>
-            <a:pPr marL="0" indent="0">
-              <a:buNone/>
-            </a:pPr>
-            <a:r>
-              <a:rPr lang="en-US" dirty="0"/>
-              <a:t>Pros</a:t>
-            </a:r>
-          </a:p>
-          <a:p>
-            <a:r>
-              <a:rPr lang="en-US" dirty="0"/>
-              <a:t>[Pro]</a:t>
-            </a:r>
-          </a:p>
-          <a:p>
-            <a:r>
-              <a:rPr lang="en-US" dirty="0"/>
-              <a:t>[Pro]</a:t>
-            </a:r>
-          </a:p>
-          <a:p>
             <a:endParaRPr lang="en-US" dirty="0"/>
-          </a:p>
-          <a:p>
-            <a:pPr marL="0" indent="0">
-              <a:buNone/>
-            </a:pPr>
-            <a:r>
-              <a:rPr lang="en-US" dirty="0"/>
-              <a:t>Cons</a:t>
-            </a:r>
-          </a:p>
-          <a:p>
-            <a:r>
-              <a:rPr lang="en-US" dirty="0"/>
-              <a:t>[Con]</a:t>
-            </a:r>
-          </a:p>
-          <a:p>
-            <a:r>
-              <a:rPr lang="en-US" dirty="0"/>
-              <a:t>[Con]</a:t>
-            </a:r>
           </a:p>
         </p:txBody>
       </p:sp>
     </p:spTree>
     <p:extLst>
       <p:ext uri="{BB962C8B-B14F-4D97-AF65-F5344CB8AC3E}">
-        <p14:creationId xmlns:p14="http://schemas.microsoft.com/office/powerpoint/2010/main" val="1472652304"/>
+        <p14:creationId xmlns:p14="http://schemas.microsoft.com/office/powerpoint/2010/main" val="178948568"/>
       </p:ext>
     </p:extLst>
   </p:cSld>

--- a/Technology Presentation.pptx
+++ b/Technology Presentation.pptx
@@ -2,49 +2,40 @@
 <file path=ppt/presentation.xml><?xml version="1.0" encoding="utf-8"?>
 <p:presentation xmlns:a="http://schemas.openxmlformats.org/drawingml/2006/main" xmlns:r="http://schemas.openxmlformats.org/officeDocument/2006/relationships" xmlns:p="http://schemas.openxmlformats.org/presentationml/2006/main" saveSubsetFonts="1">
   <p:sldMasterIdLst>
-    <p:sldMasterId id="2147483678" r:id="rId1"/>
+    <p:sldMasterId id="2147483660" r:id="rId1"/>
   </p:sldMasterIdLst>
   <p:sldIdLst>
-    <p:sldId id="256" r:id="rId2"/>
-    <p:sldId id="257" r:id="rId3"/>
-    <p:sldId id="258" r:id="rId4"/>
+    <p:sldId id="257" r:id="rId2"/>
+    <p:sldId id="258" r:id="rId3"/>
+    <p:sldId id="272" r:id="rId4"/>
     <p:sldId id="259" r:id="rId5"/>
-    <p:sldId id="260" r:id="rId6"/>
-    <p:sldId id="261" r:id="rId7"/>
-    <p:sldId id="262" r:id="rId8"/>
-    <p:sldId id="263" r:id="rId9"/>
+    <p:sldId id="283" r:id="rId6"/>
+    <p:sldId id="285" r:id="rId7"/>
+    <p:sldId id="286" r:id="rId8"/>
+    <p:sldId id="287" r:id="rId9"/>
     <p:sldId id="266" r:id="rId10"/>
-    <p:sldId id="267" r:id="rId11"/>
-    <p:sldId id="270" r:id="rId12"/>
-    <p:sldId id="271" r:id="rId13"/>
-    <p:sldId id="274" r:id="rId14"/>
-    <p:sldId id="275" r:id="rId15"/>
-    <p:sldId id="278" r:id="rId16"/>
-    <p:sldId id="279" r:id="rId17"/>
-    <p:sldId id="280" r:id="rId18"/>
-    <p:sldId id="281" r:id="rId19"/>
-    <p:sldId id="282" r:id="rId20"/>
-    <p:sldId id="283" r:id="rId21"/>
-    <p:sldId id="286" r:id="rId22"/>
-    <p:sldId id="287" r:id="rId23"/>
-    <p:sldId id="290" r:id="rId24"/>
-    <p:sldId id="291" r:id="rId25"/>
-    <p:sldId id="294" r:id="rId26"/>
-    <p:sldId id="295" r:id="rId27"/>
-    <p:sldId id="298" r:id="rId28"/>
-    <p:sldId id="299" r:id="rId29"/>
-    <p:sldId id="300" r:id="rId30"/>
-    <p:sldId id="301" r:id="rId31"/>
-    <p:sldId id="302" r:id="rId32"/>
-    <p:sldId id="303" r:id="rId33"/>
-    <p:sldId id="306" r:id="rId34"/>
-    <p:sldId id="307" r:id="rId35"/>
-    <p:sldId id="308" r:id="rId36"/>
-    <p:sldId id="309" r:id="rId37"/>
-    <p:sldId id="310" r:id="rId38"/>
-    <p:sldId id="311" r:id="rId39"/>
-    <p:sldId id="314" r:id="rId40"/>
-    <p:sldId id="315" r:id="rId41"/>
+    <p:sldId id="264" r:id="rId11"/>
+    <p:sldId id="262" r:id="rId12"/>
+    <p:sldId id="263" r:id="rId13"/>
+    <p:sldId id="267" r:id="rId14"/>
+    <p:sldId id="270" r:id="rId15"/>
+    <p:sldId id="268" r:id="rId16"/>
+    <p:sldId id="273" r:id="rId17"/>
+    <p:sldId id="284" r:id="rId18"/>
+    <p:sldId id="260" r:id="rId19"/>
+    <p:sldId id="265" r:id="rId20"/>
+    <p:sldId id="261" r:id="rId21"/>
+    <p:sldId id="269" r:id="rId22"/>
+    <p:sldId id="274" r:id="rId23"/>
+    <p:sldId id="278" r:id="rId24"/>
+    <p:sldId id="277" r:id="rId25"/>
+    <p:sldId id="276" r:id="rId26"/>
+    <p:sldId id="275" r:id="rId27"/>
+    <p:sldId id="271" r:id="rId28"/>
+    <p:sldId id="279" r:id="rId29"/>
+    <p:sldId id="280" r:id="rId30"/>
+    <p:sldId id="281" r:id="rId31"/>
+    <p:sldId id="282" r:id="rId32"/>
   </p:sldIdLst>
   <p:sldSz cx="12192000" cy="6858000"/>
   <p:notesSz cx="6858000" cy="9144000"/>
@@ -52,7 +43,7 @@
     <a:defPPr>
       <a:defRPr lang="en-US"/>
     </a:defPPr>
-    <a:lvl1pPr marL="0" algn="l" defTabSz="457200" rtl="0" eaLnBrk="1" latinLnBrk="0" hangingPunct="1">
+    <a:lvl1pPr marL="0" algn="l" defTabSz="914400" rtl="0" eaLnBrk="1" latinLnBrk="0" hangingPunct="1">
       <a:defRPr sz="1800" kern="1200">
         <a:solidFill>
           <a:schemeClr val="tx1"/>
@@ -62,7 +53,7 @@
         <a:cs typeface="+mn-cs"/>
       </a:defRPr>
     </a:lvl1pPr>
-    <a:lvl2pPr marL="457200" algn="l" defTabSz="457200" rtl="0" eaLnBrk="1" latinLnBrk="0" hangingPunct="1">
+    <a:lvl2pPr marL="457200" algn="l" defTabSz="914400" rtl="0" eaLnBrk="1" latinLnBrk="0" hangingPunct="1">
       <a:defRPr sz="1800" kern="1200">
         <a:solidFill>
           <a:schemeClr val="tx1"/>
@@ -72,7 +63,7 @@
         <a:cs typeface="+mn-cs"/>
       </a:defRPr>
     </a:lvl2pPr>
-    <a:lvl3pPr marL="914400" algn="l" defTabSz="457200" rtl="0" eaLnBrk="1" latinLnBrk="0" hangingPunct="1">
+    <a:lvl3pPr marL="914400" algn="l" defTabSz="914400" rtl="0" eaLnBrk="1" latinLnBrk="0" hangingPunct="1">
       <a:defRPr sz="1800" kern="1200">
         <a:solidFill>
           <a:schemeClr val="tx1"/>
@@ -82,7 +73,7 @@
         <a:cs typeface="+mn-cs"/>
       </a:defRPr>
     </a:lvl3pPr>
-    <a:lvl4pPr marL="1371600" algn="l" defTabSz="457200" rtl="0" eaLnBrk="1" latinLnBrk="0" hangingPunct="1">
+    <a:lvl4pPr marL="1371600" algn="l" defTabSz="914400" rtl="0" eaLnBrk="1" latinLnBrk="0" hangingPunct="1">
       <a:defRPr sz="1800" kern="1200">
         <a:solidFill>
           <a:schemeClr val="tx1"/>
@@ -92,7 +83,7 @@
         <a:cs typeface="+mn-cs"/>
       </a:defRPr>
     </a:lvl4pPr>
-    <a:lvl5pPr marL="1828800" algn="l" defTabSz="457200" rtl="0" eaLnBrk="1" latinLnBrk="0" hangingPunct="1">
+    <a:lvl5pPr marL="1828800" algn="l" defTabSz="914400" rtl="0" eaLnBrk="1" latinLnBrk="0" hangingPunct="1">
       <a:defRPr sz="1800" kern="1200">
         <a:solidFill>
           <a:schemeClr val="tx1"/>
@@ -102,7 +93,7 @@
         <a:cs typeface="+mn-cs"/>
       </a:defRPr>
     </a:lvl5pPr>
-    <a:lvl6pPr marL="2286000" algn="l" defTabSz="457200" rtl="0" eaLnBrk="1" latinLnBrk="0" hangingPunct="1">
+    <a:lvl6pPr marL="2286000" algn="l" defTabSz="914400" rtl="0" eaLnBrk="1" latinLnBrk="0" hangingPunct="1">
       <a:defRPr sz="1800" kern="1200">
         <a:solidFill>
           <a:schemeClr val="tx1"/>
@@ -112,7 +103,7 @@
         <a:cs typeface="+mn-cs"/>
       </a:defRPr>
     </a:lvl6pPr>
-    <a:lvl7pPr marL="2743200" algn="l" defTabSz="457200" rtl="0" eaLnBrk="1" latinLnBrk="0" hangingPunct="1">
+    <a:lvl7pPr marL="2743200" algn="l" defTabSz="914400" rtl="0" eaLnBrk="1" latinLnBrk="0" hangingPunct="1">
       <a:defRPr sz="1800" kern="1200">
         <a:solidFill>
           <a:schemeClr val="tx1"/>
@@ -122,7 +113,7 @@
         <a:cs typeface="+mn-cs"/>
       </a:defRPr>
     </a:lvl7pPr>
-    <a:lvl8pPr marL="3200400" algn="l" defTabSz="457200" rtl="0" eaLnBrk="1" latinLnBrk="0" hangingPunct="1">
+    <a:lvl8pPr marL="3200400" algn="l" defTabSz="914400" rtl="0" eaLnBrk="1" latinLnBrk="0" hangingPunct="1">
       <a:defRPr sz="1800" kern="1200">
         <a:solidFill>
           <a:schemeClr val="tx1"/>
@@ -132,7 +123,7 @@
         <a:cs typeface="+mn-cs"/>
       </a:defRPr>
     </a:lvl8pPr>
-    <a:lvl9pPr marL="3657600" algn="l" defTabSz="457200" rtl="0" eaLnBrk="1" latinLnBrk="0" hangingPunct="1">
+    <a:lvl9pPr marL="3657600" algn="l" defTabSz="914400" rtl="0" eaLnBrk="1" latinLnBrk="0" hangingPunct="1">
       <a:defRPr sz="1800" kern="1200">
         <a:solidFill>
           <a:schemeClr val="tx1"/>
@@ -144,19 +135,60 @@
     </a:lvl9pPr>
   </p:defaultTextStyle>
   <p:extLst>
-    <p:ext uri="{EFAFB233-063F-42B5-8137-9DF3F51BA10A}">
-      <p15:sldGuideLst xmlns:p15="http://schemas.microsoft.com/office/powerpoint/2012/main">
-        <p15:guide id="1" orient="horz" pos="2160">
-          <p15:clr>
-            <a:srgbClr val="A4A3A4"/>
-          </p15:clr>
-        </p15:guide>
-        <p15:guide id="2" pos="3840">
-          <p15:clr>
-            <a:srgbClr val="A4A3A4"/>
-          </p15:clr>
-        </p15:guide>
-      </p15:sldGuideLst>
+    <p:ext uri="{521415D9-36F7-43E2-AB2F-B90AF26B5E84}">
+      <p14:sectionLst xmlns:p14="http://schemas.microsoft.com/office/powerpoint/2010/main">
+        <p14:section name="Default Section" id="{4DA1CC33-31A7-4305-930D-29BEA3B002ED}">
+          <p14:sldIdLst>
+            <p14:sldId id="257"/>
+            <p14:sldId id="258"/>
+          </p14:sldIdLst>
+        </p14:section>
+        <p14:section name="Mobile App" id="{3506C4E0-A1CE-4403-AB2F-A6A518FA48E8}">
+          <p14:sldIdLst>
+            <p14:sldId id="272"/>
+            <p14:sldId id="259"/>
+            <p14:sldId id="283"/>
+            <p14:sldId id="285"/>
+            <p14:sldId id="286"/>
+            <p14:sldId id="287"/>
+          </p14:sldIdLst>
+        </p14:section>
+        <p14:section name="Database" id="{776900BF-56F2-4C74-9E07-51E0CCFB0B9A}">
+          <p14:sldIdLst>
+            <p14:sldId id="266"/>
+            <p14:sldId id="264"/>
+            <p14:sldId id="262"/>
+            <p14:sldId id="263"/>
+            <p14:sldId id="267"/>
+            <p14:sldId id="270"/>
+            <p14:sldId id="268"/>
+            <p14:sldId id="273"/>
+            <p14:sldId id="284"/>
+          </p14:sldIdLst>
+        </p14:section>
+        <p14:section name="APIs" id="{6FAC944D-8EE9-4352-987A-586435CFB719}">
+          <p14:sldIdLst>
+            <p14:sldId id="260"/>
+            <p14:sldId id="265"/>
+            <p14:sldId id="261"/>
+            <p14:sldId id="269"/>
+            <p14:sldId id="274"/>
+            <p14:sldId id="278"/>
+            <p14:sldId id="277"/>
+            <p14:sldId id="276"/>
+            <p14:sldId id="275"/>
+          </p14:sldIdLst>
+        </p14:section>
+        <p14:section name="GUI" id="{E3EC1C53-F493-414C-AB58-186B1388D829}">
+          <p14:sldIdLst>
+            <p14:sldId id="271"/>
+            <p14:sldId id="279"/>
+            <p14:sldId id="280"/>
+            <p14:sldId id="281"/>
+            <p14:sldId id="282"/>
+          </p14:sldIdLst>
+        </p14:section>
+      </p14:sectionLst>
     </p:ext>
   </p:extLst>
 </p:presentation>
@@ -399,7 +431,7 @@
     </p:spTree>
     <p:extLst>
       <p:ext uri="{BB962C8B-B14F-4D97-AF65-F5344CB8AC3E}">
-        <p14:creationId xmlns:p14="http://schemas.microsoft.com/office/powerpoint/2010/main" val="417581623"/>
+        <p14:creationId xmlns:p14="http://schemas.microsoft.com/office/powerpoint/2010/main" val="2882941387"/>
       </p:ext>
     </p:extLst>
   </p:cSld>
@@ -674,7 +706,7 @@
     </p:spTree>
     <p:extLst>
       <p:ext uri="{BB962C8B-B14F-4D97-AF65-F5344CB8AC3E}">
-        <p14:creationId xmlns:p14="http://schemas.microsoft.com/office/powerpoint/2010/main" val="143701450"/>
+        <p14:creationId xmlns:p14="http://schemas.microsoft.com/office/powerpoint/2010/main" val="3665527533"/>
       </p:ext>
     </p:extLst>
   </p:cSld>
@@ -868,7 +900,7 @@
     </p:spTree>
     <p:extLst>
       <p:ext uri="{BB962C8B-B14F-4D97-AF65-F5344CB8AC3E}">
-        <p14:creationId xmlns:p14="http://schemas.microsoft.com/office/powerpoint/2010/main" val="3665377545"/>
+        <p14:creationId xmlns:p14="http://schemas.microsoft.com/office/powerpoint/2010/main" val="3442573155"/>
       </p:ext>
     </p:extLst>
   </p:cSld>
@@ -1235,7 +1267,7 @@
     </p:spTree>
     <p:extLst>
       <p:ext uri="{BB962C8B-B14F-4D97-AF65-F5344CB8AC3E}">
-        <p14:creationId xmlns:p14="http://schemas.microsoft.com/office/powerpoint/2010/main" val="3628770404"/>
+        <p14:creationId xmlns:p14="http://schemas.microsoft.com/office/powerpoint/2010/main" val="4142118440"/>
       </p:ext>
     </p:extLst>
   </p:cSld>
@@ -1482,7 +1514,7 @@
     </p:spTree>
     <p:extLst>
       <p:ext uri="{BB962C8B-B14F-4D97-AF65-F5344CB8AC3E}">
-        <p14:creationId xmlns:p14="http://schemas.microsoft.com/office/powerpoint/2010/main" val="1824023234"/>
+        <p14:creationId xmlns:p14="http://schemas.microsoft.com/office/powerpoint/2010/main" val="2206296465"/>
       </p:ext>
     </p:extLst>
   </p:cSld>
@@ -2105,7 +2137,7 @@
     </p:spTree>
     <p:extLst>
       <p:ext uri="{BB962C8B-B14F-4D97-AF65-F5344CB8AC3E}">
-        <p14:creationId xmlns:p14="http://schemas.microsoft.com/office/powerpoint/2010/main" val="2199891098"/>
+        <p14:creationId xmlns:p14="http://schemas.microsoft.com/office/powerpoint/2010/main" val="4059214648"/>
       </p:ext>
     </p:extLst>
   </p:cSld>
@@ -2965,7 +2997,7 @@
     </p:spTree>
     <p:extLst>
       <p:ext uri="{BB962C8B-B14F-4D97-AF65-F5344CB8AC3E}">
-        <p14:creationId xmlns:p14="http://schemas.microsoft.com/office/powerpoint/2010/main" val="816983083"/>
+        <p14:creationId xmlns:p14="http://schemas.microsoft.com/office/powerpoint/2010/main" val="3301957672"/>
       </p:ext>
     </p:extLst>
   </p:cSld>
@@ -3135,7 +3167,7 @@
     </p:spTree>
     <p:extLst>
       <p:ext uri="{BB962C8B-B14F-4D97-AF65-F5344CB8AC3E}">
-        <p14:creationId xmlns:p14="http://schemas.microsoft.com/office/powerpoint/2010/main" val="1521338134"/>
+        <p14:creationId xmlns:p14="http://schemas.microsoft.com/office/powerpoint/2010/main" val="2811564664"/>
       </p:ext>
     </p:extLst>
   </p:cSld>
@@ -3315,7 +3347,7 @@
     </p:spTree>
     <p:extLst>
       <p:ext uri="{BB962C8B-B14F-4D97-AF65-F5344CB8AC3E}">
-        <p14:creationId xmlns:p14="http://schemas.microsoft.com/office/powerpoint/2010/main" val="4118857034"/>
+        <p14:creationId xmlns:p14="http://schemas.microsoft.com/office/powerpoint/2010/main" val="3858118998"/>
       </p:ext>
     </p:extLst>
   </p:cSld>
@@ -3485,7 +3517,7 @@
     </p:spTree>
     <p:extLst>
       <p:ext uri="{BB962C8B-B14F-4D97-AF65-F5344CB8AC3E}">
-        <p14:creationId xmlns:p14="http://schemas.microsoft.com/office/powerpoint/2010/main" val="4137806637"/>
+        <p14:creationId xmlns:p14="http://schemas.microsoft.com/office/powerpoint/2010/main" val="2069603162"/>
       </p:ext>
     </p:extLst>
   </p:cSld>
@@ -3732,7 +3764,7 @@
     </p:spTree>
     <p:extLst>
       <p:ext uri="{BB962C8B-B14F-4D97-AF65-F5344CB8AC3E}">
-        <p14:creationId xmlns:p14="http://schemas.microsoft.com/office/powerpoint/2010/main" val="1935555260"/>
+        <p14:creationId xmlns:p14="http://schemas.microsoft.com/office/powerpoint/2010/main" val="3977532417"/>
       </p:ext>
     </p:extLst>
   </p:cSld>
@@ -4024,7 +4056,7 @@
     </p:spTree>
     <p:extLst>
       <p:ext uri="{BB962C8B-B14F-4D97-AF65-F5344CB8AC3E}">
-        <p14:creationId xmlns:p14="http://schemas.microsoft.com/office/powerpoint/2010/main" val="3116064820"/>
+        <p14:creationId xmlns:p14="http://schemas.microsoft.com/office/powerpoint/2010/main" val="2887333027"/>
       </p:ext>
     </p:extLst>
   </p:cSld>
@@ -4468,7 +4500,7 @@
     </p:spTree>
     <p:extLst>
       <p:ext uri="{BB962C8B-B14F-4D97-AF65-F5344CB8AC3E}">
-        <p14:creationId xmlns:p14="http://schemas.microsoft.com/office/powerpoint/2010/main" val="1561561046"/>
+        <p14:creationId xmlns:p14="http://schemas.microsoft.com/office/powerpoint/2010/main" val="2270081972"/>
       </p:ext>
     </p:extLst>
   </p:cSld>
@@ -4586,7 +4618,7 @@
     </p:spTree>
     <p:extLst>
       <p:ext uri="{BB962C8B-B14F-4D97-AF65-F5344CB8AC3E}">
-        <p14:creationId xmlns:p14="http://schemas.microsoft.com/office/powerpoint/2010/main" val="2930755011"/>
+        <p14:creationId xmlns:p14="http://schemas.microsoft.com/office/powerpoint/2010/main" val="821803404"/>
       </p:ext>
     </p:extLst>
   </p:cSld>
@@ -4681,7 +4713,7 @@
     </p:spTree>
     <p:extLst>
       <p:ext uri="{BB962C8B-B14F-4D97-AF65-F5344CB8AC3E}">
-        <p14:creationId xmlns:p14="http://schemas.microsoft.com/office/powerpoint/2010/main" val="3075618445"/>
+        <p14:creationId xmlns:p14="http://schemas.microsoft.com/office/powerpoint/2010/main" val="4147124324"/>
       </p:ext>
     </p:extLst>
   </p:cSld>
@@ -4960,7 +4992,7 @@
     </p:spTree>
     <p:extLst>
       <p:ext uri="{BB962C8B-B14F-4D97-AF65-F5344CB8AC3E}">
-        <p14:creationId xmlns:p14="http://schemas.microsoft.com/office/powerpoint/2010/main" val="2105100977"/>
+        <p14:creationId xmlns:p14="http://schemas.microsoft.com/office/powerpoint/2010/main" val="4160829066"/>
       </p:ext>
     </p:extLst>
   </p:cSld>
@@ -5235,7 +5267,7 @@
     </p:spTree>
     <p:extLst>
       <p:ext uri="{BB962C8B-B14F-4D97-AF65-F5344CB8AC3E}">
-        <p14:creationId xmlns:p14="http://schemas.microsoft.com/office/powerpoint/2010/main" val="789284088"/>
+        <p14:creationId xmlns:p14="http://schemas.microsoft.com/office/powerpoint/2010/main" val="3148404240"/>
       </p:ext>
     </p:extLst>
   </p:cSld>
@@ -5701,29 +5733,29 @@
     </p:spTree>
     <p:extLst>
       <p:ext uri="{BB962C8B-B14F-4D97-AF65-F5344CB8AC3E}">
-        <p14:creationId xmlns:p14="http://schemas.microsoft.com/office/powerpoint/2010/main" val="3932748320"/>
+        <p14:creationId xmlns:p14="http://schemas.microsoft.com/office/powerpoint/2010/main" val="2291141605"/>
       </p:ext>
     </p:extLst>
   </p:cSld>
   <p:clrMap bg1="dk1" tx1="lt1" bg2="dk2" tx2="lt2" accent1="accent1" accent2="accent2" accent3="accent3" accent4="accent4" accent5="accent5" accent6="accent6" hlink="hlink" folHlink="folHlink"/>
   <p:sldLayoutIdLst>
-    <p:sldLayoutId id="2147483679" r:id="rId1"/>
-    <p:sldLayoutId id="2147483680" r:id="rId2"/>
-    <p:sldLayoutId id="2147483681" r:id="rId3"/>
-    <p:sldLayoutId id="2147483682" r:id="rId4"/>
-    <p:sldLayoutId id="2147483683" r:id="rId5"/>
-    <p:sldLayoutId id="2147483684" r:id="rId6"/>
-    <p:sldLayoutId id="2147483685" r:id="rId7"/>
-    <p:sldLayoutId id="2147483686" r:id="rId8"/>
-    <p:sldLayoutId id="2147483687" r:id="rId9"/>
-    <p:sldLayoutId id="2147483688" r:id="rId10"/>
-    <p:sldLayoutId id="2147483689" r:id="rId11"/>
-    <p:sldLayoutId id="2147483690" r:id="rId12"/>
-    <p:sldLayoutId id="2147483691" r:id="rId13"/>
-    <p:sldLayoutId id="2147483692" r:id="rId14"/>
-    <p:sldLayoutId id="2147483693" r:id="rId15"/>
-    <p:sldLayoutId id="2147483694" r:id="rId16"/>
-    <p:sldLayoutId id="2147483695" r:id="rId17"/>
+    <p:sldLayoutId id="2147483661" r:id="rId1"/>
+    <p:sldLayoutId id="2147483662" r:id="rId2"/>
+    <p:sldLayoutId id="2147483663" r:id="rId3"/>
+    <p:sldLayoutId id="2147483664" r:id="rId4"/>
+    <p:sldLayoutId id="2147483665" r:id="rId5"/>
+    <p:sldLayoutId id="2147483666" r:id="rId6"/>
+    <p:sldLayoutId id="2147483667" r:id="rId7"/>
+    <p:sldLayoutId id="2147483668" r:id="rId8"/>
+    <p:sldLayoutId id="2147483669" r:id="rId9"/>
+    <p:sldLayoutId id="2147483670" r:id="rId10"/>
+    <p:sldLayoutId id="2147483671" r:id="rId11"/>
+    <p:sldLayoutId id="2147483672" r:id="rId12"/>
+    <p:sldLayoutId id="2147483673" r:id="rId13"/>
+    <p:sldLayoutId id="2147483674" r:id="rId14"/>
+    <p:sldLayoutId id="2147483675" r:id="rId15"/>
+    <p:sldLayoutId id="2147483676" r:id="rId16"/>
+    <p:sldLayoutId id="2147483677" r:id="rId17"/>
   </p:sldLayoutIdLst>
   <p:txStyles>
     <p:titleStyle>
@@ -6200,7 +6232,7 @@
     </p:spTree>
     <p:extLst>
       <p:ext uri="{BB962C8B-B14F-4D97-AF65-F5344CB8AC3E}">
-        <p14:creationId xmlns:p14="http://schemas.microsoft.com/office/powerpoint/2010/main" val="1270595119"/>
+        <p14:creationId xmlns:p14="http://schemas.microsoft.com/office/powerpoint/2010/main" val="3275381250"/>
       </p:ext>
     </p:extLst>
   </p:cSld>
@@ -6232,7 +6264,7 @@
           <p:cNvPr id="2" name="Title 1">
             <a:extLst>
               <a:ext uri="{FF2B5EF4-FFF2-40B4-BE49-F238E27FC236}">
-                <a16:creationId xmlns:a16="http://schemas.microsoft.com/office/drawing/2014/main" id="{E66C612F-2F3A-4260-BDBF-80671B0DF2ED}"/>
+                <a16:creationId xmlns:a16="http://schemas.microsoft.com/office/drawing/2014/main" id="{ABFE9964-2DD0-4B8C-9324-5C9218DC5DF7}"/>
               </a:ext>
             </a:extLst>
           </p:cNvPr>
@@ -6249,8 +6281,8 @@
           <a:lstStyle/>
           <a:p>
             <a:r>
-              <a:rPr lang="en-US" dirty="0"/>
-              <a:t>[Local Storage]</a:t>
+              <a:rPr lang="en-US" sz="5400" dirty="0"/>
+              <a:t>As Tina the fisherman I want to privately save a great spot I found that so I can get back to it in the future.</a:t>
             </a:r>
           </a:p>
         </p:txBody>
@@ -6260,7 +6292,7 @@
           <p:cNvPr id="3" name="Content Placeholder 2">
             <a:extLst>
               <a:ext uri="{FF2B5EF4-FFF2-40B4-BE49-F238E27FC236}">
-                <a16:creationId xmlns:a16="http://schemas.microsoft.com/office/drawing/2014/main" id="{6C61B333-EC15-417A-92E3-D6641D0F3741}"/>
+                <a16:creationId xmlns:a16="http://schemas.microsoft.com/office/drawing/2014/main" id="{361D3B48-B632-4E60-8736-F1558045DB59}"/>
               </a:ext>
             </a:extLst>
           </p:cNvPr>
@@ -6276,14 +6308,14 @@
           <a:bodyPr/>
           <a:lstStyle/>
           <a:p>
-            <a:endParaRPr lang="en-US"/>
+            <a:endParaRPr lang="en-US" dirty="0"/>
           </a:p>
         </p:txBody>
       </p:sp>
     </p:spTree>
     <p:extLst>
       <p:ext uri="{BB962C8B-B14F-4D97-AF65-F5344CB8AC3E}">
-        <p14:creationId xmlns:p14="http://schemas.microsoft.com/office/powerpoint/2010/main" val="3112083759"/>
+        <p14:creationId xmlns:p14="http://schemas.microsoft.com/office/powerpoint/2010/main" val="2394297851"/>
       </p:ext>
     </p:extLst>
   </p:cSld>
@@ -6336,12 +6368,12 @@
               <a:t>As Francine the world </a:t>
             </a:r>
             <a:r>
-              <a:rPr lang="en-US" sz="5400" dirty="0" err="1"/>
-              <a:t>traveller</a:t>
+              <a:rPr lang="en-US" sz="5400" dirty="0" smtClean="0"/>
+              <a:t>traveler, </a:t>
             </a:r>
             <a:r>
               <a:rPr lang="en-US" sz="5400" dirty="0"/>
-              <a:t>, I want to easily show my friends a quick slideshow style summary of all the places I’ve been.</a:t>
+              <a:t>I want to easily show my friends a quick slideshow style summary of all the places I’ve been.</a:t>
             </a:r>
           </a:p>
         </p:txBody>
@@ -6349,7 +6381,7 @@
     </p:spTree>
     <p:extLst>
       <p:ext uri="{BB962C8B-B14F-4D97-AF65-F5344CB8AC3E}">
-        <p14:creationId xmlns:p14="http://schemas.microsoft.com/office/powerpoint/2010/main" val="178948568"/>
+        <p14:creationId xmlns:p14="http://schemas.microsoft.com/office/powerpoint/2010/main" val="83345420"/>
       </p:ext>
     </p:extLst>
   </p:cSld>
@@ -6381,7 +6413,7 @@
           <p:cNvPr id="2" name="Title 1">
             <a:extLst>
               <a:ext uri="{FF2B5EF4-FFF2-40B4-BE49-F238E27FC236}">
-                <a16:creationId xmlns:a16="http://schemas.microsoft.com/office/drawing/2014/main" id="{E66C612F-2F3A-4260-BDBF-80671B0DF2ED}"/>
+                <a16:creationId xmlns:a16="http://schemas.microsoft.com/office/drawing/2014/main" id="{ABFE9964-2DD0-4B8C-9324-5C9218DC5DF7}"/>
               </a:ext>
             </a:extLst>
           </p:cNvPr>
@@ -6398,8 +6430,8 @@
           <a:lstStyle/>
           <a:p>
             <a:r>
-              <a:rPr lang="en-US" dirty="0"/>
-              <a:t>[Slideshow Summary]</a:t>
+              <a:rPr lang="en-US" sz="5400" dirty="0"/>
+              <a:t>As Dora the explorer, I want to save personal notes about my trips to landmarks.</a:t>
             </a:r>
           </a:p>
         </p:txBody>
@@ -6409,7 +6441,7 @@
           <p:cNvPr id="3" name="Content Placeholder 2">
             <a:extLst>
               <a:ext uri="{FF2B5EF4-FFF2-40B4-BE49-F238E27FC236}">
-                <a16:creationId xmlns:a16="http://schemas.microsoft.com/office/drawing/2014/main" id="{6C61B333-EC15-417A-92E3-D6641D0F3741}"/>
+                <a16:creationId xmlns:a16="http://schemas.microsoft.com/office/drawing/2014/main" id="{361D3B48-B632-4E60-8736-F1558045DB59}"/>
               </a:ext>
             </a:extLst>
           </p:cNvPr>
@@ -6425,14 +6457,14 @@
           <a:bodyPr/>
           <a:lstStyle/>
           <a:p>
-            <a:endParaRPr lang="en-US"/>
+            <a:endParaRPr lang="en-US" dirty="0"/>
           </a:p>
         </p:txBody>
       </p:sp>
     </p:spTree>
     <p:extLst>
       <p:ext uri="{BB962C8B-B14F-4D97-AF65-F5344CB8AC3E}">
-        <p14:creationId xmlns:p14="http://schemas.microsoft.com/office/powerpoint/2010/main" val="3112083759"/>
+        <p14:creationId xmlns:p14="http://schemas.microsoft.com/office/powerpoint/2010/main" val="1860043813"/>
       </p:ext>
     </p:extLst>
   </p:cSld>
@@ -6475,14 +6507,19 @@
             <p:ph type="title"/>
           </p:nvPr>
         </p:nvSpPr>
-        <p:spPr/>
-        <p:txBody>
-          <a:bodyPr/>
-          <a:lstStyle/>
-          <a:p>
-            <a:r>
-              <a:rPr lang="en-US" sz="5400" dirty="0"/>
-              <a:t>As Dora the explorer, I want to save personal notes about my trips to landmarks.</a:t>
+        <p:spPr>
+          <a:xfrm>
+            <a:off x="716449" y="452718"/>
+            <a:ext cx="9404723" cy="1400530"/>
+          </a:xfrm>
+        </p:spPr>
+        <p:txBody>
+          <a:bodyPr/>
+          <a:lstStyle/>
+          <a:p>
+            <a:r>
+              <a:rPr lang="en-US" sz="4800" dirty="0"/>
+              <a:t>As Hannah the avid hiker, I want to rate locations so that newcomers to the area know where to go. </a:t>
             </a:r>
           </a:p>
         </p:txBody>
@@ -6515,7 +6552,7 @@
     </p:spTree>
     <p:extLst>
       <p:ext uri="{BB962C8B-B14F-4D97-AF65-F5344CB8AC3E}">
-        <p14:creationId xmlns:p14="http://schemas.microsoft.com/office/powerpoint/2010/main" val="178948568"/>
+        <p14:creationId xmlns:p14="http://schemas.microsoft.com/office/powerpoint/2010/main" val="371364707"/>
       </p:ext>
     </p:extLst>
   </p:cSld>
@@ -6547,7 +6584,7 @@
           <p:cNvPr id="2" name="Title 1">
             <a:extLst>
               <a:ext uri="{FF2B5EF4-FFF2-40B4-BE49-F238E27FC236}">
-                <a16:creationId xmlns:a16="http://schemas.microsoft.com/office/drawing/2014/main" id="{E66C612F-2F3A-4260-BDBF-80671B0DF2ED}"/>
+                <a16:creationId xmlns:a16="http://schemas.microsoft.com/office/drawing/2014/main" id="{ABFE9964-2DD0-4B8C-9324-5C9218DC5DF7}"/>
               </a:ext>
             </a:extLst>
           </p:cNvPr>
@@ -6564,8 +6601,8 @@
           <a:lstStyle/>
           <a:p>
             <a:r>
-              <a:rPr lang="en-US" dirty="0"/>
-              <a:t>[Saved Notes]</a:t>
+              <a:rPr lang="en-US" sz="4800" dirty="0"/>
+              <a:t>As Nancy the frequent user, I want to have a list of all the landmarks I’ve visited.</a:t>
             </a:r>
           </a:p>
         </p:txBody>
@@ -6575,7 +6612,7 @@
           <p:cNvPr id="3" name="Content Placeholder 2">
             <a:extLst>
               <a:ext uri="{FF2B5EF4-FFF2-40B4-BE49-F238E27FC236}">
-                <a16:creationId xmlns:a16="http://schemas.microsoft.com/office/drawing/2014/main" id="{6C61B333-EC15-417A-92E3-D6641D0F3741}"/>
+                <a16:creationId xmlns:a16="http://schemas.microsoft.com/office/drawing/2014/main" id="{361D3B48-B632-4E60-8736-F1558045DB59}"/>
               </a:ext>
             </a:extLst>
           </p:cNvPr>
@@ -6591,14 +6628,14 @@
           <a:bodyPr/>
           <a:lstStyle/>
           <a:p>
-            <a:endParaRPr lang="en-US"/>
+            <a:endParaRPr lang="en-US" dirty="0"/>
           </a:p>
         </p:txBody>
       </p:sp>
     </p:spTree>
     <p:extLst>
       <p:ext uri="{BB962C8B-B14F-4D97-AF65-F5344CB8AC3E}">
-        <p14:creationId xmlns:p14="http://schemas.microsoft.com/office/powerpoint/2010/main" val="3112083759"/>
+        <p14:creationId xmlns:p14="http://schemas.microsoft.com/office/powerpoint/2010/main" val="2401975838"/>
       </p:ext>
     </p:extLst>
   </p:cSld>
@@ -6647,8 +6684,8 @@
           <a:lstStyle/>
           <a:p>
             <a:r>
-              <a:rPr lang="en-US" sz="5400" dirty="0"/>
-              <a:t>As Tina the fisherman I want to privately save a great spot I found that so I can get back to it in the future.</a:t>
+              <a:rPr lang="en-US" sz="4800" dirty="0"/>
+              <a:t>As Dan the introverted hiker, I want to know the traffic of a landmark so that I can avoid busy places.</a:t>
             </a:r>
           </a:p>
         </p:txBody>
@@ -6681,7 +6718,7 @@
     </p:spTree>
     <p:extLst>
       <p:ext uri="{BB962C8B-B14F-4D97-AF65-F5344CB8AC3E}">
-        <p14:creationId xmlns:p14="http://schemas.microsoft.com/office/powerpoint/2010/main" val="178948568"/>
+        <p14:creationId xmlns:p14="http://schemas.microsoft.com/office/powerpoint/2010/main" val="2379561662"/>
       </p:ext>
     </p:extLst>
   </p:cSld>
@@ -6713,7 +6750,7 @@
           <p:cNvPr id="2" name="Title 1">
             <a:extLst>
               <a:ext uri="{FF2B5EF4-FFF2-40B4-BE49-F238E27FC236}">
-                <a16:creationId xmlns:a16="http://schemas.microsoft.com/office/drawing/2014/main" id="{E66C612F-2F3A-4260-BDBF-80671B0DF2ED}"/>
+                <a16:creationId xmlns:a16="http://schemas.microsoft.com/office/drawing/2014/main" id="{ABFE9964-2DD0-4B8C-9324-5C9218DC5DF7}"/>
               </a:ext>
             </a:extLst>
           </p:cNvPr>
@@ -6724,15 +6761,21 @@
             <p:ph type="title"/>
           </p:nvPr>
         </p:nvSpPr>
-        <p:spPr/>
+        <p:spPr>
+          <a:xfrm>
+            <a:off x="674246" y="452718"/>
+            <a:ext cx="9404723" cy="1400530"/>
+          </a:xfrm>
+        </p:spPr>
         <p:txBody>
           <a:bodyPr/>
           <a:lstStyle/>
           <a:p>
             <a:r>
               <a:rPr lang="en-US" dirty="0"/>
-              <a:t>[Custom Landmarks]</a:t>
-            </a:r>
+              <a:t>As Kara the dedicated user, I want to save my landmarks online so I can access them from another device.</a:t>
+            </a:r>
+            <a:endParaRPr lang="en-US" sz="4800" dirty="0"/>
           </a:p>
         </p:txBody>
       </p:sp>
@@ -6741,7 +6784,7 @@
           <p:cNvPr id="3" name="Content Placeholder 2">
             <a:extLst>
               <a:ext uri="{FF2B5EF4-FFF2-40B4-BE49-F238E27FC236}">
-                <a16:creationId xmlns:a16="http://schemas.microsoft.com/office/drawing/2014/main" id="{6C61B333-EC15-417A-92E3-D6641D0F3741}"/>
+                <a16:creationId xmlns:a16="http://schemas.microsoft.com/office/drawing/2014/main" id="{361D3B48-B632-4E60-8736-F1558045DB59}"/>
               </a:ext>
             </a:extLst>
           </p:cNvPr>
@@ -6757,14 +6800,14 @@
           <a:bodyPr/>
           <a:lstStyle/>
           <a:p>
-            <a:endParaRPr lang="en-US"/>
+            <a:endParaRPr lang="en-US" dirty="0"/>
           </a:p>
         </p:txBody>
       </p:sp>
     </p:spTree>
     <p:extLst>
       <p:ext uri="{BB962C8B-B14F-4D97-AF65-F5344CB8AC3E}">
-        <p14:creationId xmlns:p14="http://schemas.microsoft.com/office/powerpoint/2010/main" val="3112083759"/>
+        <p14:creationId xmlns:p14="http://schemas.microsoft.com/office/powerpoint/2010/main" val="2994192456"/>
       </p:ext>
     </p:extLst>
   </p:cSld>
@@ -6892,7 +6935,7 @@
     </p:spTree>
     <p:extLst>
       <p:ext uri="{BB962C8B-B14F-4D97-AF65-F5344CB8AC3E}">
-        <p14:creationId xmlns:p14="http://schemas.microsoft.com/office/powerpoint/2010/main" val="1472652304"/>
+        <p14:creationId xmlns:p14="http://schemas.microsoft.com/office/powerpoint/2010/main" val="2936361029"/>
       </p:ext>
     </p:extLst>
   </p:cSld>
@@ -6924,7 +6967,7 @@
           <p:cNvPr id="2" name="Title 1">
             <a:extLst>
               <a:ext uri="{FF2B5EF4-FFF2-40B4-BE49-F238E27FC236}">
-                <a16:creationId xmlns:a16="http://schemas.microsoft.com/office/drawing/2014/main" id="{33182361-C770-430C-97A0-B9298FA3FE50}"/>
+                <a16:creationId xmlns:a16="http://schemas.microsoft.com/office/drawing/2014/main" id="{ABFE9964-2DD0-4B8C-9324-5C9218DC5DF7}"/>
               </a:ext>
             </a:extLst>
           </p:cNvPr>
@@ -6941,8 +6984,8 @@
           <a:lstStyle/>
           <a:p>
             <a:r>
-              <a:rPr lang="en-US" dirty="0"/>
-              <a:t>[Chosen Technology]</a:t>
+              <a:rPr lang="en-US" sz="5400" dirty="0"/>
+              <a:t>As Rick the user, I’d like a nice measuring tool on the screen to help me pinpoint my target.</a:t>
             </a:r>
           </a:p>
         </p:txBody>
@@ -6952,7 +6995,7 @@
           <p:cNvPr id="3" name="Content Placeholder 2">
             <a:extLst>
               <a:ext uri="{FF2B5EF4-FFF2-40B4-BE49-F238E27FC236}">
-                <a16:creationId xmlns:a16="http://schemas.microsoft.com/office/drawing/2014/main" id="{6457FBD9-768E-4864-B576-83C1D02FB7F8}"/>
+                <a16:creationId xmlns:a16="http://schemas.microsoft.com/office/drawing/2014/main" id="{361D3B48-B632-4E60-8736-F1558045DB59}"/>
               </a:ext>
             </a:extLst>
           </p:cNvPr>
@@ -6968,23 +7011,14 @@
           <a:bodyPr/>
           <a:lstStyle/>
           <a:p>
-            <a:r>
-              <a:rPr lang="en-US" dirty="0"/>
-              <a:t>[Reason]</a:t>
-            </a:r>
-          </a:p>
-          <a:p>
-            <a:r>
-              <a:rPr lang="en-US" dirty="0"/>
-              <a:t>[Reason]</a:t>
-            </a:r>
+            <a:endParaRPr lang="en-US" dirty="0"/>
           </a:p>
         </p:txBody>
       </p:sp>
     </p:spTree>
     <p:extLst>
       <p:ext uri="{BB962C8B-B14F-4D97-AF65-F5344CB8AC3E}">
-        <p14:creationId xmlns:p14="http://schemas.microsoft.com/office/powerpoint/2010/main" val="3002344434"/>
+        <p14:creationId xmlns:p14="http://schemas.microsoft.com/office/powerpoint/2010/main" val="1052882010"/>
       </p:ext>
     </p:extLst>
   </p:cSld>
@@ -7067,7 +7101,7 @@
     </p:spTree>
     <p:extLst>
       <p:ext uri="{BB962C8B-B14F-4D97-AF65-F5344CB8AC3E}">
-        <p14:creationId xmlns:p14="http://schemas.microsoft.com/office/powerpoint/2010/main" val="3607745468"/>
+        <p14:creationId xmlns:p14="http://schemas.microsoft.com/office/powerpoint/2010/main" val="4231841049"/>
       </p:ext>
     </p:extLst>
   </p:cSld>
@@ -7150,7 +7184,7 @@
     </p:spTree>
     <p:extLst>
       <p:ext uri="{BB962C8B-B14F-4D97-AF65-F5344CB8AC3E}">
-        <p14:creationId xmlns:p14="http://schemas.microsoft.com/office/powerpoint/2010/main" val="2911317470"/>
+        <p14:creationId xmlns:p14="http://schemas.microsoft.com/office/powerpoint/2010/main" val="882682997"/>
       </p:ext>
     </p:extLst>
   </p:cSld>
@@ -7182,7 +7216,7 @@
           <p:cNvPr id="2" name="Title 1">
             <a:extLst>
               <a:ext uri="{FF2B5EF4-FFF2-40B4-BE49-F238E27FC236}">
-                <a16:creationId xmlns:a16="http://schemas.microsoft.com/office/drawing/2014/main" id="{E66C612F-2F3A-4260-BDBF-80671B0DF2ED}"/>
+                <a16:creationId xmlns:a16="http://schemas.microsoft.com/office/drawing/2014/main" id="{ABFE9964-2DD0-4B8C-9324-5C9218DC5DF7}"/>
               </a:ext>
             </a:extLst>
           </p:cNvPr>
@@ -7199,8 +7233,8 @@
           <a:lstStyle/>
           <a:p>
             <a:r>
-              <a:rPr lang="en-US" dirty="0"/>
-              <a:t>[Social Media Integration]</a:t>
+              <a:rPr lang="en-US" sz="5400" dirty="0"/>
+              <a:t>As Tommy the mountain hermit, I want to still be able to use the app even if I go months without internet access.</a:t>
             </a:r>
           </a:p>
         </p:txBody>
@@ -7210,7 +7244,7 @@
           <p:cNvPr id="3" name="Content Placeholder 2">
             <a:extLst>
               <a:ext uri="{FF2B5EF4-FFF2-40B4-BE49-F238E27FC236}">
-                <a16:creationId xmlns:a16="http://schemas.microsoft.com/office/drawing/2014/main" id="{6C61B333-EC15-417A-92E3-D6641D0F3741}"/>
+                <a16:creationId xmlns:a16="http://schemas.microsoft.com/office/drawing/2014/main" id="{361D3B48-B632-4E60-8736-F1558045DB59}"/>
               </a:ext>
             </a:extLst>
           </p:cNvPr>
@@ -7226,14 +7260,14 @@
           <a:bodyPr/>
           <a:lstStyle/>
           <a:p>
-            <a:endParaRPr lang="en-US"/>
+            <a:endParaRPr lang="en-US" dirty="0"/>
           </a:p>
         </p:txBody>
       </p:sp>
     </p:spTree>
     <p:extLst>
       <p:ext uri="{BB962C8B-B14F-4D97-AF65-F5344CB8AC3E}">
-        <p14:creationId xmlns:p14="http://schemas.microsoft.com/office/powerpoint/2010/main" val="4091944108"/>
+        <p14:creationId xmlns:p14="http://schemas.microsoft.com/office/powerpoint/2010/main" val="3951988803"/>
       </p:ext>
     </p:extLst>
   </p:cSld>
@@ -7283,7 +7317,7 @@
           <a:p>
             <a:r>
               <a:rPr lang="en-US" sz="4800" dirty="0"/>
-              <a:t>As George the photographer, I want all the pictures taken at each location to be associated with the location they were taken at.</a:t>
+              <a:t>As Gina the historian, I want some historical information about the landmark.</a:t>
             </a:r>
           </a:p>
         </p:txBody>
@@ -7316,7 +7350,7 @@
     </p:spTree>
     <p:extLst>
       <p:ext uri="{BB962C8B-B14F-4D97-AF65-F5344CB8AC3E}">
-        <p14:creationId xmlns:p14="http://schemas.microsoft.com/office/powerpoint/2010/main" val="3607745468"/>
+        <p14:creationId xmlns:p14="http://schemas.microsoft.com/office/powerpoint/2010/main" val="611718315"/>
       </p:ext>
     </p:extLst>
   </p:cSld>
@@ -7348,7 +7382,7 @@
           <p:cNvPr id="2" name="Title 1">
             <a:extLst>
               <a:ext uri="{FF2B5EF4-FFF2-40B4-BE49-F238E27FC236}">
-                <a16:creationId xmlns:a16="http://schemas.microsoft.com/office/drawing/2014/main" id="{E66C612F-2F3A-4260-BDBF-80671B0DF2ED}"/>
+                <a16:creationId xmlns:a16="http://schemas.microsoft.com/office/drawing/2014/main" id="{BA35D0AB-9A37-479C-9406-C70EC5D04068}"/>
               </a:ext>
             </a:extLst>
           </p:cNvPr>
@@ -7366,7 +7400,7 @@
           <a:p>
             <a:r>
               <a:rPr lang="en-US" dirty="0"/>
-              <a:t>[Associated Photos]</a:t>
+              <a:t>Google Maps Platform</a:t>
             </a:r>
           </a:p>
         </p:txBody>
@@ -7376,7 +7410,7 @@
           <p:cNvPr id="3" name="Content Placeholder 2">
             <a:extLst>
               <a:ext uri="{FF2B5EF4-FFF2-40B4-BE49-F238E27FC236}">
-                <a16:creationId xmlns:a16="http://schemas.microsoft.com/office/drawing/2014/main" id="{6C61B333-EC15-417A-92E3-D6641D0F3741}"/>
+                <a16:creationId xmlns:a16="http://schemas.microsoft.com/office/drawing/2014/main" id="{C53C1AAE-D52E-4865-94E5-9A746F2B6603}"/>
               </a:ext>
             </a:extLst>
           </p:cNvPr>
@@ -7392,14 +7426,56 @@
           <a:bodyPr/>
           <a:lstStyle/>
           <a:p>
-            <a:endParaRPr lang="en-US"/>
+            <a:pPr marL="0" indent="0">
+              <a:buNone/>
+            </a:pPr>
+            <a:r>
+              <a:rPr lang="en-US" dirty="0"/>
+              <a:t>Pros</a:t>
+            </a:r>
+          </a:p>
+          <a:p>
+            <a:r>
+              <a:rPr lang="en-US" dirty="0"/>
+              <a:t>Extensive information available</a:t>
+            </a:r>
+          </a:p>
+          <a:p>
+            <a:r>
+              <a:rPr lang="en-US" dirty="0"/>
+              <a:t>Most complete platform</a:t>
+            </a:r>
+          </a:p>
+          <a:p>
+            <a:endParaRPr lang="en-US" dirty="0"/>
+          </a:p>
+          <a:p>
+            <a:pPr marL="0" indent="0">
+              <a:buNone/>
+            </a:pPr>
+            <a:r>
+              <a:rPr lang="en-US" dirty="0"/>
+              <a:t>Cons</a:t>
+            </a:r>
+          </a:p>
+          <a:p>
+            <a:r>
+              <a:rPr lang="en-US" dirty="0"/>
+              <a:t>Heavy cost</a:t>
+            </a:r>
+          </a:p>
+          <a:p>
+            <a:r>
+              <a:rPr lang="en-US" dirty="0"/>
+              <a:t>Might need to interact with multiple, separate APIs to obtain elevation data. This may increase overhead.</a:t>
+            </a:r>
           </a:p>
         </p:txBody>
       </p:sp>
     </p:spTree>
     <p:extLst>
       <p:ext uri="{BB962C8B-B14F-4D97-AF65-F5344CB8AC3E}">
-        <p14:creationId xmlns:p14="http://schemas.microsoft.com/office/powerpoint/2010/main" val="4091944108"/>
+        <p14:creationId xmlns:p14="http://schemas.microsoft.com/office/powerpoint/2010/main" val="2611106842"/>
       </p:ext>
     </p:extLst>
   </p:cSld>
@@ -7431,7 +7507,7 @@
           <p:cNvPr id="2" name="Title 1">
             <a:extLst>
               <a:ext uri="{FF2B5EF4-FFF2-40B4-BE49-F238E27FC236}">
-                <a16:creationId xmlns:a16="http://schemas.microsoft.com/office/drawing/2014/main" id="{ABFE9964-2DD0-4B8C-9324-5C9218DC5DF7}"/>
+                <a16:creationId xmlns:a16="http://schemas.microsoft.com/office/drawing/2014/main" id="{BA35D0AB-9A37-479C-9406-C70EC5D04068}"/>
               </a:ext>
             </a:extLst>
           </p:cNvPr>
@@ -7442,20 +7518,16 @@
             <p:ph type="title"/>
           </p:nvPr>
         </p:nvSpPr>
-        <p:spPr>
-          <a:xfrm>
-            <a:off x="716449" y="452718"/>
-            <a:ext cx="9404723" cy="1400530"/>
-          </a:xfrm>
-        </p:spPr>
-        <p:txBody>
-          <a:bodyPr/>
-          <a:lstStyle/>
-          <a:p>
-            <a:r>
-              <a:rPr lang="en-US" sz="4800" dirty="0"/>
-              <a:t>As Hannah the avid hiker, I want to rate locations so that newcomers to the area know where to go. </a:t>
-            </a:r>
+        <p:spPr/>
+        <p:txBody>
+          <a:bodyPr/>
+          <a:lstStyle/>
+          <a:p>
+            <a:r>
+              <a:rPr lang="en-US" dirty="0" smtClean="0"/>
+              <a:t>Bing Maps</a:t>
+            </a:r>
+            <a:endParaRPr lang="en-US" dirty="0"/>
           </a:p>
         </p:txBody>
       </p:sp>
@@ -7464,7 +7536,7 @@
           <p:cNvPr id="3" name="Content Placeholder 2">
             <a:extLst>
               <a:ext uri="{FF2B5EF4-FFF2-40B4-BE49-F238E27FC236}">
-                <a16:creationId xmlns:a16="http://schemas.microsoft.com/office/drawing/2014/main" id="{361D3B48-B632-4E60-8736-F1558045DB59}"/>
+                <a16:creationId xmlns:a16="http://schemas.microsoft.com/office/drawing/2014/main" id="{C53C1AAE-D52E-4865-94E5-9A746F2B6603}"/>
               </a:ext>
             </a:extLst>
           </p:cNvPr>
@@ -7480,6 +7552,67 @@
           <a:bodyPr/>
           <a:lstStyle/>
           <a:p>
+            <a:pPr marL="0" indent="0">
+              <a:buNone/>
+            </a:pPr>
+            <a:r>
+              <a:rPr lang="en-US" dirty="0"/>
+              <a:t>Pros</a:t>
+            </a:r>
+          </a:p>
+          <a:p>
+            <a:r>
+              <a:rPr lang="en-US" dirty="0" smtClean="0"/>
+              <a:t>Very well documented</a:t>
+            </a:r>
+          </a:p>
+          <a:p>
+            <a:r>
+              <a:rPr lang="en-US" dirty="0" smtClean="0"/>
+              <a:t>Not as expensive as </a:t>
+            </a:r>
+            <a:r>
+              <a:rPr lang="en-US" dirty="0" smtClean="0"/>
+              <a:t>G</a:t>
+            </a:r>
+            <a:r>
+              <a:rPr lang="en-US" dirty="0" smtClean="0"/>
+              <a:t>oogle</a:t>
+            </a:r>
+            <a:endParaRPr lang="en-US" dirty="0"/>
+          </a:p>
+          <a:p>
+            <a:pPr marL="0" indent="0">
+              <a:buNone/>
+            </a:pPr>
+            <a:endParaRPr lang="en-US" dirty="0"/>
+          </a:p>
+          <a:p>
+            <a:pPr marL="0" indent="0">
+              <a:buNone/>
+            </a:pPr>
+            <a:r>
+              <a:rPr lang="en-US" dirty="0"/>
+              <a:t>Cons</a:t>
+            </a:r>
+          </a:p>
+          <a:p>
+            <a:r>
+              <a:rPr lang="en-US" dirty="0" smtClean="0"/>
+              <a:t>Still relatively expensive</a:t>
+            </a:r>
+          </a:p>
+          <a:p>
+            <a:r>
+              <a:rPr lang="en-US" dirty="0" smtClean="0"/>
+              <a:t>Resource intensive</a:t>
+            </a:r>
+          </a:p>
+          <a:p>
+            <a:r>
+              <a:rPr lang="en-US" dirty="0" smtClean="0"/>
+              <a:t>Not as customizable</a:t>
+            </a:r>
             <a:endParaRPr lang="en-US" dirty="0"/>
           </a:p>
         </p:txBody>
@@ -7487,7 +7620,7 @@
     </p:spTree>
     <p:extLst>
       <p:ext uri="{BB962C8B-B14F-4D97-AF65-F5344CB8AC3E}">
-        <p14:creationId xmlns:p14="http://schemas.microsoft.com/office/powerpoint/2010/main" val="3607745468"/>
+        <p14:creationId xmlns:p14="http://schemas.microsoft.com/office/powerpoint/2010/main" val="2646868906"/>
       </p:ext>
     </p:extLst>
   </p:cSld>
@@ -7519,7 +7652,7 @@
           <p:cNvPr id="2" name="Title 1">
             <a:extLst>
               <a:ext uri="{FF2B5EF4-FFF2-40B4-BE49-F238E27FC236}">
-                <a16:creationId xmlns:a16="http://schemas.microsoft.com/office/drawing/2014/main" id="{E66C612F-2F3A-4260-BDBF-80671B0DF2ED}"/>
+                <a16:creationId xmlns:a16="http://schemas.microsoft.com/office/drawing/2014/main" id="{BA35D0AB-9A37-479C-9406-C70EC5D04068}"/>
               </a:ext>
             </a:extLst>
           </p:cNvPr>
@@ -7536,9 +7669,10 @@
           <a:lstStyle/>
           <a:p>
             <a:r>
-              <a:rPr lang="en-US" dirty="0"/>
-              <a:t>[Rating System]</a:t>
-            </a:r>
+              <a:rPr lang="en-US" dirty="0" smtClean="0"/>
+              <a:t>TomTom</a:t>
+            </a:r>
+            <a:endParaRPr lang="en-US" dirty="0"/>
           </a:p>
         </p:txBody>
       </p:sp>
@@ -7547,7 +7681,7 @@
           <p:cNvPr id="3" name="Content Placeholder 2">
             <a:extLst>
               <a:ext uri="{FF2B5EF4-FFF2-40B4-BE49-F238E27FC236}">
-                <a16:creationId xmlns:a16="http://schemas.microsoft.com/office/drawing/2014/main" id="{6C61B333-EC15-417A-92E3-D6641D0F3741}"/>
+                <a16:creationId xmlns:a16="http://schemas.microsoft.com/office/drawing/2014/main" id="{C53C1AAE-D52E-4865-94E5-9A746F2B6603}"/>
               </a:ext>
             </a:extLst>
           </p:cNvPr>
@@ -7563,14 +7697,63 @@
           <a:bodyPr/>
           <a:lstStyle/>
           <a:p>
-            <a:endParaRPr lang="en-US"/>
+            <a:pPr marL="0" indent="0">
+              <a:buNone/>
+            </a:pPr>
+            <a:r>
+              <a:rPr lang="en-US" dirty="0"/>
+              <a:t>Pros</a:t>
+            </a:r>
+          </a:p>
+          <a:p>
+            <a:r>
+              <a:rPr lang="en-US" dirty="0" smtClean="0"/>
+              <a:t>Good cost structure (2500 free API calls/day)</a:t>
+            </a:r>
+          </a:p>
+          <a:p>
+            <a:r>
+              <a:rPr lang="en-US" dirty="0" smtClean="0"/>
+              <a:t>Widely used</a:t>
+            </a:r>
+          </a:p>
+          <a:p>
+            <a:r>
+              <a:rPr lang="en-US" dirty="0" smtClean="0"/>
+              <a:t>Has points of interest database</a:t>
+            </a:r>
+            <a:endParaRPr lang="en-US" dirty="0" smtClean="0"/>
+          </a:p>
+          <a:p>
+            <a:endParaRPr lang="en-US" dirty="0"/>
+          </a:p>
+          <a:p>
+            <a:pPr marL="0" indent="0">
+              <a:buNone/>
+            </a:pPr>
+            <a:r>
+              <a:rPr lang="en-US" dirty="0" smtClean="0"/>
+              <a:t>Cons</a:t>
+            </a:r>
+          </a:p>
+          <a:p>
+            <a:r>
+              <a:rPr lang="en-US" dirty="0" smtClean="0"/>
+              <a:t>Daily calls will limit how much we can test in one day</a:t>
+            </a:r>
+          </a:p>
+          <a:p>
+            <a:r>
+              <a:rPr lang="en-US" dirty="0" smtClean="0"/>
+              <a:t>General downward trend in popularity</a:t>
+            </a:r>
           </a:p>
         </p:txBody>
       </p:sp>
     </p:spTree>
     <p:extLst>
       <p:ext uri="{BB962C8B-B14F-4D97-AF65-F5344CB8AC3E}">
-        <p14:creationId xmlns:p14="http://schemas.microsoft.com/office/powerpoint/2010/main" val="4091944108"/>
+        <p14:creationId xmlns:p14="http://schemas.microsoft.com/office/powerpoint/2010/main" val="848853006"/>
       </p:ext>
     </p:extLst>
   </p:cSld>
@@ -7602,7 +7785,7 @@
           <p:cNvPr id="2" name="Title 1">
             <a:extLst>
               <a:ext uri="{FF2B5EF4-FFF2-40B4-BE49-F238E27FC236}">
-                <a16:creationId xmlns:a16="http://schemas.microsoft.com/office/drawing/2014/main" id="{ABFE9964-2DD0-4B8C-9324-5C9218DC5DF7}"/>
+                <a16:creationId xmlns:a16="http://schemas.microsoft.com/office/drawing/2014/main" id="{BA35D0AB-9A37-479C-9406-C70EC5D04068}"/>
               </a:ext>
             </a:extLst>
           </p:cNvPr>
@@ -7619,9 +7802,10 @@
           <a:lstStyle/>
           <a:p>
             <a:r>
-              <a:rPr lang="en-US" sz="4800" dirty="0"/>
-              <a:t>As Dan the introverted hiker, I want to know the traffic of a landmark so that I can avoid busy places.</a:t>
-            </a:r>
+              <a:rPr lang="en-US" dirty="0" err="1" smtClean="0"/>
+              <a:t>Mapbox</a:t>
+            </a:r>
+            <a:endParaRPr lang="en-US" dirty="0"/>
           </a:p>
         </p:txBody>
       </p:sp>
@@ -7630,7 +7814,7 @@
           <p:cNvPr id="3" name="Content Placeholder 2">
             <a:extLst>
               <a:ext uri="{FF2B5EF4-FFF2-40B4-BE49-F238E27FC236}">
-                <a16:creationId xmlns:a16="http://schemas.microsoft.com/office/drawing/2014/main" id="{361D3B48-B632-4E60-8736-F1558045DB59}"/>
+                <a16:creationId xmlns:a16="http://schemas.microsoft.com/office/drawing/2014/main" id="{C53C1AAE-D52E-4865-94E5-9A746F2B6603}"/>
               </a:ext>
             </a:extLst>
           </p:cNvPr>
@@ -7646,14 +7830,50 @@
           <a:bodyPr/>
           <a:lstStyle/>
           <a:p>
+            <a:pPr marL="0" indent="0">
+              <a:buNone/>
+            </a:pPr>
+            <a:r>
+              <a:rPr lang="en-US" dirty="0" smtClean="0"/>
+              <a:t>Pros</a:t>
+            </a:r>
+          </a:p>
+          <a:p>
+            <a:r>
+              <a:rPr lang="en-US" dirty="0" smtClean="0"/>
+              <a:t>Upward popularity trend</a:t>
+            </a:r>
+          </a:p>
+          <a:p>
+            <a:r>
+              <a:rPr lang="en-US" dirty="0" smtClean="0"/>
+              <a:t>Cross-Platform</a:t>
+            </a:r>
+          </a:p>
+          <a:p>
             <a:endParaRPr lang="en-US" dirty="0"/>
+          </a:p>
+          <a:p>
+            <a:pPr marL="0" indent="0">
+              <a:buNone/>
+            </a:pPr>
+            <a:r>
+              <a:rPr lang="en-US" dirty="0" smtClean="0"/>
+              <a:t>Cons</a:t>
+            </a:r>
+          </a:p>
+          <a:p>
+            <a:r>
+              <a:rPr lang="en-US" dirty="0" smtClean="0"/>
+              <a:t>Rather resource intensive</a:t>
+            </a:r>
           </a:p>
         </p:txBody>
       </p:sp>
     </p:spTree>
     <p:extLst>
       <p:ext uri="{BB962C8B-B14F-4D97-AF65-F5344CB8AC3E}">
-        <p14:creationId xmlns:p14="http://schemas.microsoft.com/office/powerpoint/2010/main" val="3607745468"/>
+        <p14:creationId xmlns:p14="http://schemas.microsoft.com/office/powerpoint/2010/main" val="1549002469"/>
       </p:ext>
     </p:extLst>
   </p:cSld>
@@ -7685,7 +7905,7 @@
           <p:cNvPr id="2" name="Title 1">
             <a:extLst>
               <a:ext uri="{FF2B5EF4-FFF2-40B4-BE49-F238E27FC236}">
-                <a16:creationId xmlns:a16="http://schemas.microsoft.com/office/drawing/2014/main" id="{E66C612F-2F3A-4260-BDBF-80671B0DF2ED}"/>
+                <a16:creationId xmlns:a16="http://schemas.microsoft.com/office/drawing/2014/main" id="{33182361-C770-430C-97A0-B9298FA3FE50}"/>
               </a:ext>
             </a:extLst>
           </p:cNvPr>
@@ -7702,9 +7922,17 @@
           <a:lstStyle/>
           <a:p>
             <a:r>
-              <a:rPr lang="en-US" dirty="0"/>
-              <a:t>[Popularity System]</a:t>
-            </a:r>
+              <a:rPr lang="en-US" dirty="0" smtClean="0"/>
+              <a:t>Chosen Technology:</a:t>
+            </a:r>
+            <a:br>
+              <a:rPr lang="en-US" dirty="0" smtClean="0"/>
+            </a:br>
+            <a:r>
+              <a:rPr lang="en-US" dirty="0" err="1" smtClean="0"/>
+              <a:t>Mapbox</a:t>
+            </a:r>
+            <a:endParaRPr lang="en-US" dirty="0"/>
           </a:p>
         </p:txBody>
       </p:sp>
@@ -7713,7 +7941,7 @@
           <p:cNvPr id="3" name="Content Placeholder 2">
             <a:extLst>
               <a:ext uri="{FF2B5EF4-FFF2-40B4-BE49-F238E27FC236}">
-                <a16:creationId xmlns:a16="http://schemas.microsoft.com/office/drawing/2014/main" id="{6C61B333-EC15-417A-92E3-D6641D0F3741}"/>
+                <a16:creationId xmlns:a16="http://schemas.microsoft.com/office/drawing/2014/main" id="{6457FBD9-768E-4864-B576-83C1D02FB7F8}"/>
               </a:ext>
             </a:extLst>
           </p:cNvPr>
@@ -7729,14 +7957,104 @@
           <a:bodyPr/>
           <a:lstStyle/>
           <a:p>
-            <a:endParaRPr lang="en-US"/>
+            <a:r>
+              <a:rPr lang="en-US" dirty="0" smtClean="0"/>
+              <a:t>Not unreasonably expensive</a:t>
+            </a:r>
+          </a:p>
+          <a:p>
+            <a:pPr lvl="1"/>
+            <a:r>
+              <a:rPr lang="en-US" dirty="0" smtClean="0"/>
+              <a:t>Free Tier</a:t>
+            </a:r>
+          </a:p>
+          <a:p>
+            <a:pPr lvl="2"/>
+            <a:r>
+              <a:rPr lang="en-US" dirty="0" smtClean="0"/>
+              <a:t>50k </a:t>
+            </a:r>
+            <a:r>
+              <a:rPr lang="en-US" dirty="0"/>
+              <a:t>monthly active users</a:t>
+            </a:r>
+          </a:p>
+          <a:p>
+            <a:pPr lvl="2"/>
+            <a:r>
+              <a:rPr lang="en-US" dirty="0" smtClean="0"/>
+              <a:t>50k </a:t>
+            </a:r>
+            <a:r>
+              <a:rPr lang="en-US" dirty="0"/>
+              <a:t>geocode requests / </a:t>
+            </a:r>
+            <a:r>
+              <a:rPr lang="en-US" dirty="0" smtClean="0"/>
+              <a:t>month</a:t>
+            </a:r>
+            <a:endParaRPr lang="en-US" dirty="0"/>
+          </a:p>
+          <a:p>
+            <a:pPr lvl="2"/>
+            <a:r>
+              <a:rPr lang="en-US" dirty="0" smtClean="0"/>
+              <a:t>50k </a:t>
+            </a:r>
+            <a:r>
+              <a:rPr lang="en-US" dirty="0"/>
+              <a:t>directions request / </a:t>
+            </a:r>
+            <a:r>
+              <a:rPr lang="en-US" dirty="0" smtClean="0"/>
+              <a:t>month</a:t>
+            </a:r>
+            <a:endParaRPr lang="en-US" dirty="0"/>
+          </a:p>
+          <a:p>
+            <a:pPr lvl="2"/>
+            <a:r>
+              <a:rPr lang="en-US" dirty="0" smtClean="0"/>
+              <a:t>50k </a:t>
+            </a:r>
+            <a:r>
+              <a:rPr lang="en-US" dirty="0"/>
+              <a:t>matrix elements / </a:t>
+            </a:r>
+            <a:r>
+              <a:rPr lang="en-US" dirty="0" smtClean="0"/>
+              <a:t>month</a:t>
+            </a:r>
+          </a:p>
+          <a:p>
+            <a:pPr lvl="1"/>
+            <a:r>
+              <a:rPr lang="en-US" dirty="0" smtClean="0"/>
+              <a:t>More beyond that point</a:t>
+            </a:r>
+            <a:endParaRPr lang="en-US" dirty="0"/>
+          </a:p>
+          <a:p>
+            <a:r>
+              <a:rPr lang="en-US" dirty="0" smtClean="0"/>
+              <a:t>Built in online maps</a:t>
+            </a:r>
+          </a:p>
+          <a:p>
+            <a:pPr lvl="1"/>
+            <a:r>
+              <a:rPr lang="en-US" dirty="0" smtClean="0"/>
+              <a:t>Points of Interest</a:t>
+            </a:r>
+            <a:endParaRPr lang="en-US" dirty="0"/>
           </a:p>
         </p:txBody>
       </p:sp>
     </p:spTree>
     <p:extLst>
       <p:ext uri="{BB962C8B-B14F-4D97-AF65-F5344CB8AC3E}">
-        <p14:creationId xmlns:p14="http://schemas.microsoft.com/office/powerpoint/2010/main" val="4091944108"/>
+        <p14:creationId xmlns:p14="http://schemas.microsoft.com/office/powerpoint/2010/main" val="2872609314"/>
       </p:ext>
     </p:extLst>
   </p:cSld>
@@ -7779,14 +8097,31 @@
             <p:ph type="title"/>
           </p:nvPr>
         </p:nvSpPr>
-        <p:spPr/>
+        <p:spPr>
+          <a:xfrm>
+            <a:off x="674246" y="452718"/>
+            <a:ext cx="9404723" cy="1400530"/>
+          </a:xfrm>
+        </p:spPr>
         <p:txBody>
           <a:bodyPr/>
           <a:lstStyle/>
           <a:p>
             <a:r>
               <a:rPr lang="en-US" sz="4800" dirty="0"/>
-              <a:t>As Gina the historian, I want some historical information about the landmark.</a:t>
+              <a:t>As Jimmy the user, I want some visual representations to appear on the screen as </a:t>
+            </a:r>
+            <a:r>
+              <a:rPr lang="en-US" sz="4800" dirty="0"/>
+              <a:t>I</a:t>
+            </a:r>
+            <a:r>
+              <a:rPr lang="en-US" sz="4800" dirty="0" smtClean="0"/>
+              <a:t> </a:t>
+            </a:r>
+            <a:r>
+              <a:rPr lang="en-US" sz="4800" dirty="0"/>
+              <a:t>dial in to a landmark</a:t>
             </a:r>
           </a:p>
         </p:txBody>
@@ -7819,7 +8154,7 @@
     </p:spTree>
     <p:extLst>
       <p:ext uri="{BB962C8B-B14F-4D97-AF65-F5344CB8AC3E}">
-        <p14:creationId xmlns:p14="http://schemas.microsoft.com/office/powerpoint/2010/main" val="3607745468"/>
+        <p14:creationId xmlns:p14="http://schemas.microsoft.com/office/powerpoint/2010/main" val="1983123783"/>
       </p:ext>
     </p:extLst>
   </p:cSld>
@@ -7851,7 +8186,7 @@
           <p:cNvPr id="2" name="Title 1">
             <a:extLst>
               <a:ext uri="{FF2B5EF4-FFF2-40B4-BE49-F238E27FC236}">
-                <a16:creationId xmlns:a16="http://schemas.microsoft.com/office/drawing/2014/main" id="{E66C612F-2F3A-4260-BDBF-80671B0DF2ED}"/>
+                <a16:creationId xmlns:a16="http://schemas.microsoft.com/office/drawing/2014/main" id="{BA35D0AB-9A37-479C-9406-C70EC5D04068}"/>
               </a:ext>
             </a:extLst>
           </p:cNvPr>
@@ -7868,9 +8203,14 @@
           <a:lstStyle/>
           <a:p>
             <a:r>
-              <a:rPr lang="en-US" dirty="0"/>
-              <a:t>[Historical Information]</a:t>
-            </a:r>
+              <a:rPr lang="en-US" dirty="0" smtClean="0"/>
+              <a:t>WPF Form/</a:t>
+            </a:r>
+            <a:r>
+              <a:rPr lang="en-US" dirty="0" err="1" smtClean="0"/>
+              <a:t>xaml</a:t>
+            </a:r>
+            <a:endParaRPr lang="en-US" dirty="0"/>
           </a:p>
         </p:txBody>
       </p:sp>
@@ -7879,7 +8219,7 @@
           <p:cNvPr id="3" name="Content Placeholder 2">
             <a:extLst>
               <a:ext uri="{FF2B5EF4-FFF2-40B4-BE49-F238E27FC236}">
-                <a16:creationId xmlns:a16="http://schemas.microsoft.com/office/drawing/2014/main" id="{6C61B333-EC15-417A-92E3-D6641D0F3741}"/>
+                <a16:creationId xmlns:a16="http://schemas.microsoft.com/office/drawing/2014/main" id="{C53C1AAE-D52E-4865-94E5-9A746F2B6603}"/>
               </a:ext>
             </a:extLst>
           </p:cNvPr>
@@ -7895,14 +8235,75 @@
           <a:bodyPr/>
           <a:lstStyle/>
           <a:p>
-            <a:endParaRPr lang="en-US"/>
+            <a:pPr marL="0" indent="0">
+              <a:buNone/>
+            </a:pPr>
+            <a:r>
+              <a:rPr lang="en-US" dirty="0" smtClean="0"/>
+              <a:t>Language: C#</a:t>
+            </a:r>
+          </a:p>
+          <a:p>
+            <a:pPr marL="0" indent="0">
+              <a:buNone/>
+            </a:pPr>
+            <a:endParaRPr lang="en-US" dirty="0"/>
+          </a:p>
+          <a:p>
+            <a:pPr marL="0" indent="0">
+              <a:buNone/>
+            </a:pPr>
+            <a:r>
+              <a:rPr lang="en-US" dirty="0" smtClean="0"/>
+              <a:t>Pros</a:t>
+            </a:r>
+            <a:endParaRPr lang="en-US" dirty="0"/>
+          </a:p>
+          <a:p>
+            <a:r>
+              <a:rPr lang="en-US" dirty="0"/>
+              <a:t>W</a:t>
+            </a:r>
+            <a:r>
+              <a:rPr lang="en-US" dirty="0" smtClean="0"/>
+              <a:t>ell documented</a:t>
+            </a:r>
+          </a:p>
+          <a:p>
+            <a:r>
+              <a:rPr lang="en-US" dirty="0" smtClean="0"/>
+              <a:t>Free for us</a:t>
+            </a:r>
+            <a:endParaRPr lang="en-US" dirty="0"/>
+          </a:p>
+          <a:p>
+            <a:pPr marL="0" indent="0">
+              <a:buNone/>
+            </a:pPr>
+            <a:endParaRPr lang="en-US" dirty="0"/>
+          </a:p>
+          <a:p>
+            <a:pPr marL="0" indent="0">
+              <a:buNone/>
+            </a:pPr>
+            <a:r>
+              <a:rPr lang="en-US" dirty="0"/>
+              <a:t>Cons</a:t>
+            </a:r>
+          </a:p>
+          <a:p>
+            <a:r>
+              <a:rPr lang="en-US" dirty="0" smtClean="0"/>
+              <a:t>Customizing controls would take a long time</a:t>
+            </a:r>
+            <a:endParaRPr lang="en-US" dirty="0"/>
           </a:p>
         </p:txBody>
       </p:sp>
     </p:spTree>
     <p:extLst>
       <p:ext uri="{BB962C8B-B14F-4D97-AF65-F5344CB8AC3E}">
-        <p14:creationId xmlns:p14="http://schemas.microsoft.com/office/powerpoint/2010/main" val="4091944108"/>
+        <p14:creationId xmlns:p14="http://schemas.microsoft.com/office/powerpoint/2010/main" val="3528907060"/>
       </p:ext>
     </p:extLst>
   </p:cSld>
@@ -7951,13 +8352,14 @@
           <a:lstStyle/>
           <a:p>
             <a:r>
-              <a:rPr lang="en-US" dirty="0" err="1"/>
-              <a:t>MediaWiki</a:t>
-            </a:r>
-            <a:r>
               <a:rPr lang="en-US" dirty="0"/>
-              <a:t> API</a:t>
-            </a:r>
+              <a:t>J</a:t>
+            </a:r>
+            <a:r>
+              <a:rPr lang="en-US" dirty="0" smtClean="0"/>
+              <a:t>ava GUI</a:t>
+            </a:r>
+            <a:endParaRPr lang="en-US" dirty="0"/>
           </a:p>
         </p:txBody>
       </p:sp>
@@ -7986,23 +8388,37 @@
               <a:buNone/>
             </a:pPr>
             <a:r>
-              <a:rPr lang="en-US" dirty="0"/>
+              <a:rPr lang="en-US" dirty="0" smtClean="0"/>
+              <a:t>Language: Java</a:t>
+            </a:r>
+          </a:p>
+          <a:p>
+            <a:pPr marL="0" indent="0">
+              <a:buNone/>
+            </a:pPr>
+            <a:endParaRPr lang="en-US" dirty="0" smtClean="0"/>
+          </a:p>
+          <a:p>
+            <a:pPr marL="0" indent="0">
+              <a:buNone/>
+            </a:pPr>
+            <a:r>
+              <a:rPr lang="en-US" dirty="0" smtClean="0"/>
               <a:t>Pros</a:t>
             </a:r>
-          </a:p>
-          <a:p>
-            <a:r>
-              <a:rPr lang="en-US" dirty="0"/>
-              <a:t>Able to pull information from Wikipedia</a:t>
-            </a:r>
-          </a:p>
-          <a:p>
-            <a:r>
-              <a:rPr lang="en-US" dirty="0"/>
-              <a:t>Easy to use and well documented</a:t>
-            </a:r>
-          </a:p>
-          <a:p>
+            <a:endParaRPr lang="en-US" dirty="0"/>
+          </a:p>
+          <a:p>
+            <a:r>
+              <a:rPr lang="en-US" dirty="0" smtClean="0"/>
+              <a:t>Easy to get started</a:t>
+            </a:r>
+            <a:endParaRPr lang="en-US" dirty="0" smtClean="0"/>
+          </a:p>
+          <a:p>
+            <a:pPr marL="0" indent="0">
+              <a:buNone/>
+            </a:pPr>
             <a:endParaRPr lang="en-US" dirty="0"/>
           </a:p>
           <a:p>
@@ -8016,22 +8432,23 @@
           </a:p>
           <a:p>
             <a:r>
-              <a:rPr lang="en-US" dirty="0"/>
-              <a:t>Not directly from Wikipedia, but the platform they are built on.</a:t>
-            </a:r>
-          </a:p>
-          <a:p>
-            <a:r>
-              <a:rPr lang="en-US" dirty="0"/>
-              <a:t>Requires a pre-fetch or internet access to function properly.</a:t>
-            </a:r>
+              <a:rPr lang="en-US" dirty="0" smtClean="0"/>
+              <a:t>Will have to integrate into other languages</a:t>
+            </a:r>
+          </a:p>
+          <a:p>
+            <a:r>
+              <a:rPr lang="en-US" dirty="0" smtClean="0"/>
+              <a:t>Harder to fine tune UI as the project gets bigger</a:t>
+            </a:r>
+            <a:endParaRPr lang="en-US" dirty="0"/>
           </a:p>
         </p:txBody>
       </p:sp>
     </p:spTree>
     <p:extLst>
       <p:ext uri="{BB962C8B-B14F-4D97-AF65-F5344CB8AC3E}">
-        <p14:creationId xmlns:p14="http://schemas.microsoft.com/office/powerpoint/2010/main" val="2797289848"/>
+        <p14:creationId xmlns:p14="http://schemas.microsoft.com/office/powerpoint/2010/main" val="3375300104"/>
       </p:ext>
     </p:extLst>
   </p:cSld>
@@ -8074,14 +8491,19 @@
             <p:ph type="title"/>
           </p:nvPr>
         </p:nvSpPr>
-        <p:spPr/>
+        <p:spPr>
+          <a:xfrm>
+            <a:off x="674246" y="452718"/>
+            <a:ext cx="9404723" cy="1400530"/>
+          </a:xfrm>
+        </p:spPr>
         <p:txBody>
           <a:bodyPr/>
           <a:lstStyle/>
           <a:p>
             <a:r>
               <a:rPr lang="en-US" sz="4800" dirty="0"/>
-              <a:t>As Timmy the user, I want to point my phone at a landmark and find information about it.</a:t>
+              <a:t>As Billy the new user, I want to log into an account for this app.</a:t>
             </a:r>
           </a:p>
         </p:txBody>
@@ -8102,12 +8524,7 @@
             <p:ph idx="1"/>
           </p:nvPr>
         </p:nvSpPr>
-        <p:spPr>
-          <a:xfrm>
-            <a:off x="1103312" y="3559126"/>
-            <a:ext cx="8946541" cy="2689273"/>
-          </a:xfrm>
-        </p:spPr>
+        <p:spPr/>
         <p:txBody>
           <a:bodyPr/>
           <a:lstStyle/>
@@ -8119,7 +8536,7 @@
     </p:spTree>
     <p:extLst>
       <p:ext uri="{BB962C8B-B14F-4D97-AF65-F5344CB8AC3E}">
-        <p14:creationId xmlns:p14="http://schemas.microsoft.com/office/powerpoint/2010/main" val="2684567444"/>
+        <p14:creationId xmlns:p14="http://schemas.microsoft.com/office/powerpoint/2010/main" val="2229278952"/>
       </p:ext>
     </p:extLst>
   </p:cSld>
@@ -8151,7 +8568,7 @@
           <p:cNvPr id="2" name="Title 1">
             <a:extLst>
               <a:ext uri="{FF2B5EF4-FFF2-40B4-BE49-F238E27FC236}">
-                <a16:creationId xmlns:a16="http://schemas.microsoft.com/office/drawing/2014/main" id="{33182361-C770-430C-97A0-B9298FA3FE50}"/>
+                <a16:creationId xmlns:a16="http://schemas.microsoft.com/office/drawing/2014/main" id="{BA35D0AB-9A37-479C-9406-C70EC5D04068}"/>
               </a:ext>
             </a:extLst>
           </p:cNvPr>
@@ -8168,9 +8585,10 @@
           <a:lstStyle/>
           <a:p>
             <a:r>
-              <a:rPr lang="en-US" dirty="0"/>
-              <a:t>[Chosen Technology]</a:t>
-            </a:r>
+              <a:rPr lang="en-US" dirty="0" smtClean="0"/>
+              <a:t>UX App</a:t>
+            </a:r>
+            <a:endParaRPr lang="en-US" dirty="0"/>
           </a:p>
         </p:txBody>
       </p:sp>
@@ -8179,7 +8597,7 @@
           <p:cNvPr id="3" name="Content Placeholder 2">
             <a:extLst>
               <a:ext uri="{FF2B5EF4-FFF2-40B4-BE49-F238E27FC236}">
-                <a16:creationId xmlns:a16="http://schemas.microsoft.com/office/drawing/2014/main" id="{6457FBD9-768E-4864-B576-83C1D02FB7F8}"/>
+                <a16:creationId xmlns:a16="http://schemas.microsoft.com/office/drawing/2014/main" id="{C53C1AAE-D52E-4865-94E5-9A746F2B6603}"/>
               </a:ext>
             </a:extLst>
           </p:cNvPr>
@@ -8195,23 +8613,77 @@
           <a:bodyPr/>
           <a:lstStyle/>
           <a:p>
+            <a:pPr marL="0" indent="0">
+              <a:buNone/>
+            </a:pPr>
+            <a:r>
+              <a:rPr lang="en-US" dirty="0" smtClean="0"/>
+              <a:t>Language: HTML and CSS</a:t>
+            </a:r>
+          </a:p>
+          <a:p>
+            <a:pPr marL="0" indent="0">
+              <a:buNone/>
+            </a:pPr>
+            <a:endParaRPr lang="en-US" dirty="0"/>
+          </a:p>
+          <a:p>
+            <a:pPr marL="0" indent="0">
+              <a:buNone/>
+            </a:pPr>
+            <a:r>
+              <a:rPr lang="en-US" dirty="0" smtClean="0"/>
+              <a:t>Pros</a:t>
+            </a:r>
+            <a:endParaRPr lang="en-US" dirty="0"/>
+          </a:p>
+          <a:p>
+            <a:r>
+              <a:rPr lang="en-US" dirty="0" smtClean="0"/>
+              <a:t>Compatible with Photoshop</a:t>
+            </a:r>
+          </a:p>
+          <a:p>
+            <a:r>
+              <a:rPr lang="en-US" dirty="0" smtClean="0"/>
+              <a:t>Gives user data to developers</a:t>
+            </a:r>
+            <a:endParaRPr lang="en-US" dirty="0"/>
+          </a:p>
+          <a:p>
+            <a:pPr marL="0" indent="0">
+              <a:buNone/>
+            </a:pPr>
+            <a:endParaRPr lang="en-US" dirty="0"/>
+          </a:p>
+          <a:p>
+            <a:pPr marL="0" indent="0">
+              <a:buNone/>
+            </a:pPr>
             <a:r>
               <a:rPr lang="en-US" dirty="0"/>
-              <a:t>[Reason]</a:t>
-            </a:r>
-          </a:p>
-          <a:p>
-            <a:r>
-              <a:rPr lang="en-US" dirty="0"/>
-              <a:t>[Reason]</a:t>
-            </a:r>
+              <a:t>Cons</a:t>
+            </a:r>
+          </a:p>
+          <a:p>
+            <a:r>
+              <a:rPr lang="en-US" dirty="0" smtClean="0"/>
+              <a:t>Seems more for graphic designers than programmers</a:t>
+            </a:r>
+          </a:p>
+          <a:p>
+            <a:r>
+              <a:rPr lang="en-US" dirty="0" smtClean="0"/>
+              <a:t>$$$</a:t>
+            </a:r>
+            <a:endParaRPr lang="en-US" dirty="0"/>
           </a:p>
         </p:txBody>
       </p:sp>
     </p:spTree>
     <p:extLst>
       <p:ext uri="{BB962C8B-B14F-4D97-AF65-F5344CB8AC3E}">
-        <p14:creationId xmlns:p14="http://schemas.microsoft.com/office/powerpoint/2010/main" val="3688776126"/>
+        <p14:creationId xmlns:p14="http://schemas.microsoft.com/office/powerpoint/2010/main" val="3182512238"/>
       </p:ext>
     </p:extLst>
   </p:cSld>
@@ -8243,480 +8715,6 @@
           <p:cNvPr id="2" name="Title 1">
             <a:extLst>
               <a:ext uri="{FF2B5EF4-FFF2-40B4-BE49-F238E27FC236}">
-                <a16:creationId xmlns:a16="http://schemas.microsoft.com/office/drawing/2014/main" id="{ABFE9964-2DD0-4B8C-9324-5C9218DC5DF7}"/>
-              </a:ext>
-            </a:extLst>
-          </p:cNvPr>
-          <p:cNvSpPr>
-            <a:spLocks noGrp="1"/>
-          </p:cNvSpPr>
-          <p:nvPr>
-            <p:ph type="title"/>
-          </p:nvPr>
-        </p:nvSpPr>
-        <p:spPr/>
-        <p:txBody>
-          <a:bodyPr/>
-          <a:lstStyle/>
-          <a:p>
-            <a:r>
-              <a:rPr lang="en-US" sz="4800" dirty="0"/>
-              <a:t>As Nancy the frequent user, I want to have a list of all the landmarks I’ve visited.</a:t>
-            </a:r>
-          </a:p>
-        </p:txBody>
-      </p:sp>
-      <p:sp>
-        <p:nvSpPr>
-          <p:cNvPr id="3" name="Content Placeholder 2">
-            <a:extLst>
-              <a:ext uri="{FF2B5EF4-FFF2-40B4-BE49-F238E27FC236}">
-                <a16:creationId xmlns:a16="http://schemas.microsoft.com/office/drawing/2014/main" id="{361D3B48-B632-4E60-8736-F1558045DB59}"/>
-              </a:ext>
-            </a:extLst>
-          </p:cNvPr>
-          <p:cNvSpPr>
-            <a:spLocks noGrp="1"/>
-          </p:cNvSpPr>
-          <p:nvPr>
-            <p:ph idx="1"/>
-          </p:nvPr>
-        </p:nvSpPr>
-        <p:spPr/>
-        <p:txBody>
-          <a:bodyPr/>
-          <a:lstStyle/>
-          <a:p>
-            <a:endParaRPr lang="en-US" dirty="0"/>
-          </a:p>
-        </p:txBody>
-      </p:sp>
-    </p:spTree>
-    <p:extLst>
-      <p:ext uri="{BB962C8B-B14F-4D97-AF65-F5344CB8AC3E}">
-        <p14:creationId xmlns:p14="http://schemas.microsoft.com/office/powerpoint/2010/main" val="3607745468"/>
-      </p:ext>
-    </p:extLst>
-  </p:cSld>
-  <p:clrMapOvr>
-    <a:masterClrMapping/>
-  </p:clrMapOvr>
-</p:sld>
-</file>
-
-<file path=ppt/slides/slide32.xml><?xml version="1.0" encoding="utf-8"?>
-<p:sld xmlns:a="http://schemas.openxmlformats.org/drawingml/2006/main" xmlns:r="http://schemas.openxmlformats.org/officeDocument/2006/relationships" xmlns:p="http://schemas.openxmlformats.org/presentationml/2006/main">
-  <p:cSld>
-    <p:spTree>
-      <p:nvGrpSpPr>
-        <p:cNvPr id="1" name=""/>
-        <p:cNvGrpSpPr/>
-        <p:nvPr/>
-      </p:nvGrpSpPr>
-      <p:grpSpPr>
-        <a:xfrm>
-          <a:off x="0" y="0"/>
-          <a:ext cx="0" cy="0"/>
-          <a:chOff x="0" y="0"/>
-          <a:chExt cx="0" cy="0"/>
-        </a:xfrm>
-      </p:grpSpPr>
-      <p:sp>
-        <p:nvSpPr>
-          <p:cNvPr id="2" name="Title 1">
-            <a:extLst>
-              <a:ext uri="{FF2B5EF4-FFF2-40B4-BE49-F238E27FC236}">
-                <a16:creationId xmlns:a16="http://schemas.microsoft.com/office/drawing/2014/main" id="{E66C612F-2F3A-4260-BDBF-80671B0DF2ED}"/>
-              </a:ext>
-            </a:extLst>
-          </p:cNvPr>
-          <p:cNvSpPr>
-            <a:spLocks noGrp="1"/>
-          </p:cNvSpPr>
-          <p:nvPr>
-            <p:ph type="title"/>
-          </p:nvPr>
-        </p:nvSpPr>
-        <p:spPr/>
-        <p:txBody>
-          <a:bodyPr/>
-          <a:lstStyle/>
-          <a:p>
-            <a:r>
-              <a:rPr lang="en-US" dirty="0"/>
-              <a:t>[Landmark History]</a:t>
-            </a:r>
-          </a:p>
-        </p:txBody>
-      </p:sp>
-      <p:sp>
-        <p:nvSpPr>
-          <p:cNvPr id="3" name="Content Placeholder 2">
-            <a:extLst>
-              <a:ext uri="{FF2B5EF4-FFF2-40B4-BE49-F238E27FC236}">
-                <a16:creationId xmlns:a16="http://schemas.microsoft.com/office/drawing/2014/main" id="{6C61B333-EC15-417A-92E3-D6641D0F3741}"/>
-              </a:ext>
-            </a:extLst>
-          </p:cNvPr>
-          <p:cNvSpPr>
-            <a:spLocks noGrp="1"/>
-          </p:cNvSpPr>
-          <p:nvPr>
-            <p:ph idx="1"/>
-          </p:nvPr>
-        </p:nvSpPr>
-        <p:spPr/>
-        <p:txBody>
-          <a:bodyPr/>
-          <a:lstStyle/>
-          <a:p>
-            <a:endParaRPr lang="en-US"/>
-          </a:p>
-        </p:txBody>
-      </p:sp>
-    </p:spTree>
-    <p:extLst>
-      <p:ext uri="{BB962C8B-B14F-4D97-AF65-F5344CB8AC3E}">
-        <p14:creationId xmlns:p14="http://schemas.microsoft.com/office/powerpoint/2010/main" val="4091944108"/>
-      </p:ext>
-    </p:extLst>
-  </p:cSld>
-  <p:clrMapOvr>
-    <a:masterClrMapping/>
-  </p:clrMapOvr>
-</p:sld>
-</file>
-
-<file path=ppt/slides/slide33.xml><?xml version="1.0" encoding="utf-8"?>
-<p:sld xmlns:a="http://schemas.openxmlformats.org/drawingml/2006/main" xmlns:r="http://schemas.openxmlformats.org/officeDocument/2006/relationships" xmlns:p="http://schemas.openxmlformats.org/presentationml/2006/main">
-  <p:cSld>
-    <p:spTree>
-      <p:nvGrpSpPr>
-        <p:cNvPr id="1" name=""/>
-        <p:cNvGrpSpPr/>
-        <p:nvPr/>
-      </p:nvGrpSpPr>
-      <p:grpSpPr>
-        <a:xfrm>
-          <a:off x="0" y="0"/>
-          <a:ext cx="0" cy="0"/>
-          <a:chOff x="0" y="0"/>
-          <a:chExt cx="0" cy="0"/>
-        </a:xfrm>
-      </p:grpSpPr>
-      <p:sp>
-        <p:nvSpPr>
-          <p:cNvPr id="2" name="Title 1">
-            <a:extLst>
-              <a:ext uri="{FF2B5EF4-FFF2-40B4-BE49-F238E27FC236}">
-                <a16:creationId xmlns:a16="http://schemas.microsoft.com/office/drawing/2014/main" id="{ABFE9964-2DD0-4B8C-9324-5C9218DC5DF7}"/>
-              </a:ext>
-            </a:extLst>
-          </p:cNvPr>
-          <p:cNvSpPr>
-            <a:spLocks noGrp="1"/>
-          </p:cNvSpPr>
-          <p:nvPr>
-            <p:ph type="title"/>
-          </p:nvPr>
-        </p:nvSpPr>
-        <p:spPr>
-          <a:xfrm>
-            <a:off x="674246" y="452718"/>
-            <a:ext cx="9404723" cy="1400530"/>
-          </a:xfrm>
-        </p:spPr>
-        <p:txBody>
-          <a:bodyPr/>
-          <a:lstStyle/>
-          <a:p>
-            <a:r>
-              <a:rPr lang="en-US" sz="4800" dirty="0"/>
-              <a:t>As Jimmy the user, I want some visual representations to appear on the screen as </a:t>
-            </a:r>
-            <a:r>
-              <a:rPr lang="en-US" sz="4800" dirty="0" err="1"/>
-              <a:t>i</a:t>
-            </a:r>
-            <a:r>
-              <a:rPr lang="en-US" sz="4800" dirty="0"/>
-              <a:t> dial in to a landmark</a:t>
-            </a:r>
-          </a:p>
-        </p:txBody>
-      </p:sp>
-      <p:sp>
-        <p:nvSpPr>
-          <p:cNvPr id="3" name="Content Placeholder 2">
-            <a:extLst>
-              <a:ext uri="{FF2B5EF4-FFF2-40B4-BE49-F238E27FC236}">
-                <a16:creationId xmlns:a16="http://schemas.microsoft.com/office/drawing/2014/main" id="{361D3B48-B632-4E60-8736-F1558045DB59}"/>
-              </a:ext>
-            </a:extLst>
-          </p:cNvPr>
-          <p:cNvSpPr>
-            <a:spLocks noGrp="1"/>
-          </p:cNvSpPr>
-          <p:nvPr>
-            <p:ph idx="1"/>
-          </p:nvPr>
-        </p:nvSpPr>
-        <p:spPr/>
-        <p:txBody>
-          <a:bodyPr/>
-          <a:lstStyle/>
-          <a:p>
-            <a:endParaRPr lang="en-US" dirty="0"/>
-          </a:p>
-        </p:txBody>
-      </p:sp>
-    </p:spTree>
-    <p:extLst>
-      <p:ext uri="{BB962C8B-B14F-4D97-AF65-F5344CB8AC3E}">
-        <p14:creationId xmlns:p14="http://schemas.microsoft.com/office/powerpoint/2010/main" val="3607745468"/>
-      </p:ext>
-    </p:extLst>
-  </p:cSld>
-  <p:clrMapOvr>
-    <a:masterClrMapping/>
-  </p:clrMapOvr>
-</p:sld>
-</file>
-
-<file path=ppt/slides/slide34.xml><?xml version="1.0" encoding="utf-8"?>
-<p:sld xmlns:a="http://schemas.openxmlformats.org/drawingml/2006/main" xmlns:r="http://schemas.openxmlformats.org/officeDocument/2006/relationships" xmlns:p="http://schemas.openxmlformats.org/presentationml/2006/main">
-  <p:cSld>
-    <p:spTree>
-      <p:nvGrpSpPr>
-        <p:cNvPr id="1" name=""/>
-        <p:cNvGrpSpPr/>
-        <p:nvPr/>
-      </p:nvGrpSpPr>
-      <p:grpSpPr>
-        <a:xfrm>
-          <a:off x="0" y="0"/>
-          <a:ext cx="0" cy="0"/>
-          <a:chOff x="0" y="0"/>
-          <a:chExt cx="0" cy="0"/>
-        </a:xfrm>
-      </p:grpSpPr>
-      <p:sp>
-        <p:nvSpPr>
-          <p:cNvPr id="2" name="Title 1">
-            <a:extLst>
-              <a:ext uri="{FF2B5EF4-FFF2-40B4-BE49-F238E27FC236}">
-                <a16:creationId xmlns:a16="http://schemas.microsoft.com/office/drawing/2014/main" id="{E66C612F-2F3A-4260-BDBF-80671B0DF2ED}"/>
-              </a:ext>
-            </a:extLst>
-          </p:cNvPr>
-          <p:cNvSpPr>
-            <a:spLocks noGrp="1"/>
-          </p:cNvSpPr>
-          <p:nvPr>
-            <p:ph type="title"/>
-          </p:nvPr>
-        </p:nvSpPr>
-        <p:spPr/>
-        <p:txBody>
-          <a:bodyPr/>
-          <a:lstStyle/>
-          <a:p>
-            <a:r>
-              <a:rPr lang="en-US" dirty="0"/>
-              <a:t>[Augmented Landmarks]</a:t>
-            </a:r>
-          </a:p>
-        </p:txBody>
-      </p:sp>
-      <p:sp>
-        <p:nvSpPr>
-          <p:cNvPr id="3" name="Content Placeholder 2">
-            <a:extLst>
-              <a:ext uri="{FF2B5EF4-FFF2-40B4-BE49-F238E27FC236}">
-                <a16:creationId xmlns:a16="http://schemas.microsoft.com/office/drawing/2014/main" id="{6C61B333-EC15-417A-92E3-D6641D0F3741}"/>
-              </a:ext>
-            </a:extLst>
-          </p:cNvPr>
-          <p:cNvSpPr>
-            <a:spLocks noGrp="1"/>
-          </p:cNvSpPr>
-          <p:nvPr>
-            <p:ph idx="1"/>
-          </p:nvPr>
-        </p:nvSpPr>
-        <p:spPr/>
-        <p:txBody>
-          <a:bodyPr/>
-          <a:lstStyle/>
-          <a:p>
-            <a:endParaRPr lang="en-US"/>
-          </a:p>
-        </p:txBody>
-      </p:sp>
-    </p:spTree>
-    <p:extLst>
-      <p:ext uri="{BB962C8B-B14F-4D97-AF65-F5344CB8AC3E}">
-        <p14:creationId xmlns:p14="http://schemas.microsoft.com/office/powerpoint/2010/main" val="4091944108"/>
-      </p:ext>
-    </p:extLst>
-  </p:cSld>
-  <p:clrMapOvr>
-    <a:masterClrMapping/>
-  </p:clrMapOvr>
-</p:sld>
-</file>
-
-<file path=ppt/slides/slide35.xml><?xml version="1.0" encoding="utf-8"?>
-<p:sld xmlns:a="http://schemas.openxmlformats.org/drawingml/2006/main" xmlns:r="http://schemas.openxmlformats.org/officeDocument/2006/relationships" xmlns:p="http://schemas.openxmlformats.org/presentationml/2006/main">
-  <p:cSld>
-    <p:spTree>
-      <p:nvGrpSpPr>
-        <p:cNvPr id="1" name=""/>
-        <p:cNvGrpSpPr/>
-        <p:nvPr/>
-      </p:nvGrpSpPr>
-      <p:grpSpPr>
-        <a:xfrm>
-          <a:off x="0" y="0"/>
-          <a:ext cx="0" cy="0"/>
-          <a:chOff x="0" y="0"/>
-          <a:chExt cx="0" cy="0"/>
-        </a:xfrm>
-      </p:grpSpPr>
-      <p:sp>
-        <p:nvSpPr>
-          <p:cNvPr id="2" name="Title 1">
-            <a:extLst>
-              <a:ext uri="{FF2B5EF4-FFF2-40B4-BE49-F238E27FC236}">
-                <a16:creationId xmlns:a16="http://schemas.microsoft.com/office/drawing/2014/main" id="{BA35D0AB-9A37-479C-9406-C70EC5D04068}"/>
-              </a:ext>
-            </a:extLst>
-          </p:cNvPr>
-          <p:cNvSpPr>
-            <a:spLocks noGrp="1"/>
-          </p:cNvSpPr>
-          <p:nvPr>
-            <p:ph type="title"/>
-          </p:nvPr>
-        </p:nvSpPr>
-        <p:spPr/>
-        <p:txBody>
-          <a:bodyPr/>
-          <a:lstStyle/>
-          <a:p>
-            <a:r>
-              <a:rPr lang="en-US" dirty="0" err="1"/>
-              <a:t>MapBox</a:t>
-            </a:r>
-            <a:r>
-              <a:rPr lang="en-US" dirty="0"/>
-              <a:t> AR API</a:t>
-            </a:r>
-          </a:p>
-        </p:txBody>
-      </p:sp>
-      <p:sp>
-        <p:nvSpPr>
-          <p:cNvPr id="3" name="Content Placeholder 2">
-            <a:extLst>
-              <a:ext uri="{FF2B5EF4-FFF2-40B4-BE49-F238E27FC236}">
-                <a16:creationId xmlns:a16="http://schemas.microsoft.com/office/drawing/2014/main" id="{C53C1AAE-D52E-4865-94E5-9A746F2B6603}"/>
-              </a:ext>
-            </a:extLst>
-          </p:cNvPr>
-          <p:cNvSpPr>
-            <a:spLocks noGrp="1"/>
-          </p:cNvSpPr>
-          <p:nvPr>
-            <p:ph idx="1"/>
-          </p:nvPr>
-        </p:nvSpPr>
-        <p:spPr/>
-        <p:txBody>
-          <a:bodyPr/>
-          <a:lstStyle/>
-          <a:p>
-            <a:pPr marL="0" indent="0">
-              <a:buNone/>
-            </a:pPr>
-            <a:r>
-              <a:rPr lang="en-US" dirty="0"/>
-              <a:t>Pros</a:t>
-            </a:r>
-          </a:p>
-          <a:p>
-            <a:r>
-              <a:rPr lang="en-US" dirty="0"/>
-              <a:t>Built into our map data and display system.</a:t>
-            </a:r>
-          </a:p>
-          <a:p>
-            <a:r>
-              <a:rPr lang="en-US" dirty="0"/>
-              <a:t>Well documented and priced.</a:t>
-            </a:r>
-          </a:p>
-          <a:p>
-            <a:endParaRPr lang="en-US" dirty="0"/>
-          </a:p>
-          <a:p>
-            <a:pPr marL="0" indent="0">
-              <a:buNone/>
-            </a:pPr>
-            <a:r>
-              <a:rPr lang="en-US" dirty="0"/>
-              <a:t>Cons</a:t>
-            </a:r>
-          </a:p>
-          <a:p>
-            <a:r>
-              <a:rPr lang="en-US" dirty="0"/>
-              <a:t>Difficult to implement.</a:t>
-            </a:r>
-          </a:p>
-          <a:p>
-            <a:r>
-              <a:rPr lang="en-US" dirty="0"/>
-              <a:t>Significant resource overhead.,</a:t>
-            </a:r>
-          </a:p>
-        </p:txBody>
-      </p:sp>
-    </p:spTree>
-    <p:extLst>
-      <p:ext uri="{BB962C8B-B14F-4D97-AF65-F5344CB8AC3E}">
-        <p14:creationId xmlns:p14="http://schemas.microsoft.com/office/powerpoint/2010/main" val="2797289848"/>
-      </p:ext>
-    </p:extLst>
-  </p:cSld>
-  <p:clrMapOvr>
-    <a:masterClrMapping/>
-  </p:clrMapOvr>
-</p:sld>
-</file>
-
-<file path=ppt/slides/slide36.xml><?xml version="1.0" encoding="utf-8"?>
-<p:sld xmlns:a="http://schemas.openxmlformats.org/drawingml/2006/main" xmlns:r="http://schemas.openxmlformats.org/officeDocument/2006/relationships" xmlns:p="http://schemas.openxmlformats.org/presentationml/2006/main">
-  <p:cSld>
-    <p:spTree>
-      <p:nvGrpSpPr>
-        <p:cNvPr id="1" name=""/>
-        <p:cNvGrpSpPr/>
-        <p:nvPr/>
-      </p:nvGrpSpPr>
-      <p:grpSpPr>
-        <a:xfrm>
-          <a:off x="0" y="0"/>
-          <a:ext cx="0" cy="0"/>
-          <a:chOff x="0" y="0"/>
-          <a:chExt cx="0" cy="0"/>
-        </a:xfrm>
-      </p:grpSpPr>
-      <p:sp>
-        <p:nvSpPr>
-          <p:cNvPr id="2" name="Title 1">
-            <a:extLst>
-              <a:ext uri="{FF2B5EF4-FFF2-40B4-BE49-F238E27FC236}">
                 <a16:creationId xmlns:a16="http://schemas.microsoft.com/office/drawing/2014/main" id="{33182361-C770-430C-97A0-B9298FA3FE50}"/>
               </a:ext>
             </a:extLst>
@@ -8734,9 +8732,21 @@
           <a:lstStyle/>
           <a:p>
             <a:r>
-              <a:rPr lang="en-US" dirty="0"/>
-              <a:t>[Chosen Technology]</a:t>
-            </a:r>
+              <a:rPr lang="en-US" dirty="0" smtClean="0"/>
+              <a:t>Chosen Technology:</a:t>
+            </a:r>
+            <a:br>
+              <a:rPr lang="en-US" dirty="0" smtClean="0"/>
+            </a:br>
+            <a:r>
+              <a:rPr lang="en-US" dirty="0" smtClean="0"/>
+              <a:t>WPF Form/</a:t>
+            </a:r>
+            <a:r>
+              <a:rPr lang="en-US" dirty="0" err="1" smtClean="0"/>
+              <a:t>xaml</a:t>
+            </a:r>
+            <a:endParaRPr lang="en-US" dirty="0"/>
           </a:p>
         </p:txBody>
       </p:sp>
@@ -8762,282 +8772,29 @@
           <a:lstStyle/>
           <a:p>
             <a:r>
-              <a:rPr lang="en-US" dirty="0"/>
-              <a:t>[Reason]</a:t>
-            </a:r>
-          </a:p>
-          <a:p>
-            <a:r>
-              <a:rPr lang="en-US" dirty="0"/>
-              <a:t>[Reason]</a:t>
-            </a:r>
+              <a:rPr lang="en-US" dirty="0" smtClean="0"/>
+              <a:t>Easily expandable over time</a:t>
+            </a:r>
+          </a:p>
+          <a:p>
+            <a:r>
+              <a:rPr lang="en-US" dirty="0" smtClean="0"/>
+              <a:t>No cost for us</a:t>
+            </a:r>
+          </a:p>
+          <a:p>
+            <a:r>
+              <a:rPr lang="en-US" dirty="0" smtClean="0"/>
+              <a:t>Can easily integrate calls to other languages such as JavaScript for API calls</a:t>
+            </a:r>
+            <a:endParaRPr lang="en-US" dirty="0"/>
           </a:p>
         </p:txBody>
       </p:sp>
     </p:spTree>
     <p:extLst>
       <p:ext uri="{BB962C8B-B14F-4D97-AF65-F5344CB8AC3E}">
-        <p14:creationId xmlns:p14="http://schemas.microsoft.com/office/powerpoint/2010/main" val="3688776126"/>
-      </p:ext>
-    </p:extLst>
-  </p:cSld>
-  <p:clrMapOvr>
-    <a:masterClrMapping/>
-  </p:clrMapOvr>
-</p:sld>
-</file>
-
-<file path=ppt/slides/slide37.xml><?xml version="1.0" encoding="utf-8"?>
-<p:sld xmlns:a="http://schemas.openxmlformats.org/drawingml/2006/main" xmlns:r="http://schemas.openxmlformats.org/officeDocument/2006/relationships" xmlns:p="http://schemas.openxmlformats.org/presentationml/2006/main">
-  <p:cSld>
-    <p:spTree>
-      <p:nvGrpSpPr>
-        <p:cNvPr id="1" name=""/>
-        <p:cNvGrpSpPr/>
-        <p:nvPr/>
-      </p:nvGrpSpPr>
-      <p:grpSpPr>
-        <a:xfrm>
-          <a:off x="0" y="0"/>
-          <a:ext cx="0" cy="0"/>
-          <a:chOff x="0" y="0"/>
-          <a:chExt cx="0" cy="0"/>
-        </a:xfrm>
-      </p:grpSpPr>
-      <p:sp>
-        <p:nvSpPr>
-          <p:cNvPr id="2" name="Title 1">
-            <a:extLst>
-              <a:ext uri="{FF2B5EF4-FFF2-40B4-BE49-F238E27FC236}">
-                <a16:creationId xmlns:a16="http://schemas.microsoft.com/office/drawing/2014/main" id="{ABFE9964-2DD0-4B8C-9324-5C9218DC5DF7}"/>
-              </a:ext>
-            </a:extLst>
-          </p:cNvPr>
-          <p:cNvSpPr>
-            <a:spLocks noGrp="1"/>
-          </p:cNvSpPr>
-          <p:nvPr>
-            <p:ph type="title"/>
-          </p:nvPr>
-        </p:nvSpPr>
-        <p:spPr>
-          <a:xfrm>
-            <a:off x="674246" y="452718"/>
-            <a:ext cx="9404723" cy="1400530"/>
-          </a:xfrm>
-        </p:spPr>
-        <p:txBody>
-          <a:bodyPr/>
-          <a:lstStyle/>
-          <a:p>
-            <a:r>
-              <a:rPr lang="en-US" sz="4800" dirty="0"/>
-              <a:t>As Billy the new user, I want to log into an account for this app.</a:t>
-            </a:r>
-          </a:p>
-        </p:txBody>
-      </p:sp>
-      <p:sp>
-        <p:nvSpPr>
-          <p:cNvPr id="3" name="Content Placeholder 2">
-            <a:extLst>
-              <a:ext uri="{FF2B5EF4-FFF2-40B4-BE49-F238E27FC236}">
-                <a16:creationId xmlns:a16="http://schemas.microsoft.com/office/drawing/2014/main" id="{361D3B48-B632-4E60-8736-F1558045DB59}"/>
-              </a:ext>
-            </a:extLst>
-          </p:cNvPr>
-          <p:cNvSpPr>
-            <a:spLocks noGrp="1"/>
-          </p:cNvSpPr>
-          <p:nvPr>
-            <p:ph idx="1"/>
-          </p:nvPr>
-        </p:nvSpPr>
-        <p:spPr/>
-        <p:txBody>
-          <a:bodyPr/>
-          <a:lstStyle/>
-          <a:p>
-            <a:endParaRPr lang="en-US" dirty="0"/>
-          </a:p>
-        </p:txBody>
-      </p:sp>
-    </p:spTree>
-    <p:extLst>
-      <p:ext uri="{BB962C8B-B14F-4D97-AF65-F5344CB8AC3E}">
-        <p14:creationId xmlns:p14="http://schemas.microsoft.com/office/powerpoint/2010/main" val="3999603580"/>
-      </p:ext>
-    </p:extLst>
-  </p:cSld>
-  <p:clrMapOvr>
-    <a:masterClrMapping/>
-  </p:clrMapOvr>
-</p:sld>
-</file>
-
-<file path=ppt/slides/slide38.xml><?xml version="1.0" encoding="utf-8"?>
-<p:sld xmlns:a="http://schemas.openxmlformats.org/drawingml/2006/main" xmlns:r="http://schemas.openxmlformats.org/officeDocument/2006/relationships" xmlns:p="http://schemas.openxmlformats.org/presentationml/2006/main">
-  <p:cSld>
-    <p:spTree>
-      <p:nvGrpSpPr>
-        <p:cNvPr id="1" name=""/>
-        <p:cNvGrpSpPr/>
-        <p:nvPr/>
-      </p:nvGrpSpPr>
-      <p:grpSpPr>
-        <a:xfrm>
-          <a:off x="0" y="0"/>
-          <a:ext cx="0" cy="0"/>
-          <a:chOff x="0" y="0"/>
-          <a:chExt cx="0" cy="0"/>
-        </a:xfrm>
-      </p:grpSpPr>
-      <p:sp>
-        <p:nvSpPr>
-          <p:cNvPr id="2" name="Title 1">
-            <a:extLst>
-              <a:ext uri="{FF2B5EF4-FFF2-40B4-BE49-F238E27FC236}">
-                <a16:creationId xmlns:a16="http://schemas.microsoft.com/office/drawing/2014/main" id="{E66C612F-2F3A-4260-BDBF-80671B0DF2ED}"/>
-              </a:ext>
-            </a:extLst>
-          </p:cNvPr>
-          <p:cNvSpPr>
-            <a:spLocks noGrp="1"/>
-          </p:cNvSpPr>
-          <p:nvPr>
-            <p:ph type="title"/>
-          </p:nvPr>
-        </p:nvSpPr>
-        <p:spPr/>
-        <p:txBody>
-          <a:bodyPr/>
-          <a:lstStyle/>
-          <a:p>
-            <a:r>
-              <a:rPr lang="en-US" dirty="0"/>
-              <a:t>[User Accounts]</a:t>
-            </a:r>
-          </a:p>
-        </p:txBody>
-      </p:sp>
-      <p:sp>
-        <p:nvSpPr>
-          <p:cNvPr id="3" name="Content Placeholder 2">
-            <a:extLst>
-              <a:ext uri="{FF2B5EF4-FFF2-40B4-BE49-F238E27FC236}">
-                <a16:creationId xmlns:a16="http://schemas.microsoft.com/office/drawing/2014/main" id="{6C61B333-EC15-417A-92E3-D6641D0F3741}"/>
-              </a:ext>
-            </a:extLst>
-          </p:cNvPr>
-          <p:cNvSpPr>
-            <a:spLocks noGrp="1"/>
-          </p:cNvSpPr>
-          <p:nvPr>
-            <p:ph idx="1"/>
-          </p:nvPr>
-        </p:nvSpPr>
-        <p:spPr/>
-        <p:txBody>
-          <a:bodyPr/>
-          <a:lstStyle/>
-          <a:p>
-            <a:endParaRPr lang="en-US"/>
-          </a:p>
-        </p:txBody>
-      </p:sp>
-    </p:spTree>
-    <p:extLst>
-      <p:ext uri="{BB962C8B-B14F-4D97-AF65-F5344CB8AC3E}">
-        <p14:creationId xmlns:p14="http://schemas.microsoft.com/office/powerpoint/2010/main" val="2596080019"/>
-      </p:ext>
-    </p:extLst>
-  </p:cSld>
-  <p:clrMapOvr>
-    <a:masterClrMapping/>
-  </p:clrMapOvr>
-</p:sld>
-</file>
-
-<file path=ppt/slides/slide39.xml><?xml version="1.0" encoding="utf-8"?>
-<p:sld xmlns:a="http://schemas.openxmlformats.org/drawingml/2006/main" xmlns:r="http://schemas.openxmlformats.org/officeDocument/2006/relationships" xmlns:p="http://schemas.openxmlformats.org/presentationml/2006/main">
-  <p:cSld>
-    <p:spTree>
-      <p:nvGrpSpPr>
-        <p:cNvPr id="1" name=""/>
-        <p:cNvGrpSpPr/>
-        <p:nvPr/>
-      </p:nvGrpSpPr>
-      <p:grpSpPr>
-        <a:xfrm>
-          <a:off x="0" y="0"/>
-          <a:ext cx="0" cy="0"/>
-          <a:chOff x="0" y="0"/>
-          <a:chExt cx="0" cy="0"/>
-        </a:xfrm>
-      </p:grpSpPr>
-      <p:sp>
-        <p:nvSpPr>
-          <p:cNvPr id="2" name="Title 1">
-            <a:extLst>
-              <a:ext uri="{FF2B5EF4-FFF2-40B4-BE49-F238E27FC236}">
-                <a16:creationId xmlns:a16="http://schemas.microsoft.com/office/drawing/2014/main" id="{ABFE9964-2DD0-4B8C-9324-5C9218DC5DF7}"/>
-              </a:ext>
-            </a:extLst>
-          </p:cNvPr>
-          <p:cNvSpPr>
-            <a:spLocks noGrp="1"/>
-          </p:cNvSpPr>
-          <p:nvPr>
-            <p:ph type="title"/>
-          </p:nvPr>
-        </p:nvSpPr>
-        <p:spPr>
-          <a:xfrm>
-            <a:off x="674246" y="452718"/>
-            <a:ext cx="9404723" cy="1400530"/>
-          </a:xfrm>
-        </p:spPr>
-        <p:txBody>
-          <a:bodyPr/>
-          <a:lstStyle/>
-          <a:p>
-            <a:r>
-              <a:rPr lang="en-US" dirty="0"/>
-              <a:t>As Kara the dedicated user, I want to save my landmarks online so I can access them from another device.</a:t>
-            </a:r>
-            <a:endParaRPr lang="en-US" sz="4800" dirty="0"/>
-          </a:p>
-        </p:txBody>
-      </p:sp>
-      <p:sp>
-        <p:nvSpPr>
-          <p:cNvPr id="3" name="Content Placeholder 2">
-            <a:extLst>
-              <a:ext uri="{FF2B5EF4-FFF2-40B4-BE49-F238E27FC236}">
-                <a16:creationId xmlns:a16="http://schemas.microsoft.com/office/drawing/2014/main" id="{361D3B48-B632-4E60-8736-F1558045DB59}"/>
-              </a:ext>
-            </a:extLst>
-          </p:cNvPr>
-          <p:cNvSpPr>
-            <a:spLocks noGrp="1"/>
-          </p:cNvSpPr>
-          <p:nvPr>
-            <p:ph idx="1"/>
-          </p:nvPr>
-        </p:nvSpPr>
-        <p:spPr/>
-        <p:txBody>
-          <a:bodyPr/>
-          <a:lstStyle/>
-          <a:p>
-            <a:endParaRPr lang="en-US" dirty="0"/>
-          </a:p>
-        </p:txBody>
-      </p:sp>
-    </p:spTree>
-    <p:extLst>
-      <p:ext uri="{BB962C8B-B14F-4D97-AF65-F5344CB8AC3E}">
-        <p14:creationId xmlns:p14="http://schemas.microsoft.com/office/powerpoint/2010/main" val="4265448321"/>
+        <p14:creationId xmlns:p14="http://schemas.microsoft.com/office/powerpoint/2010/main" val="3395378749"/>
       </p:ext>
     </p:extLst>
   </p:cSld>
@@ -9069,7 +8826,7 @@
           <p:cNvPr id="2" name="Title 1">
             <a:extLst>
               <a:ext uri="{FF2B5EF4-FFF2-40B4-BE49-F238E27FC236}">
-                <a16:creationId xmlns:a16="http://schemas.microsoft.com/office/drawing/2014/main" id="{E66C612F-2F3A-4260-BDBF-80671B0DF2ED}"/>
+                <a16:creationId xmlns:a16="http://schemas.microsoft.com/office/drawing/2014/main" id="{ABFE9964-2DD0-4B8C-9324-5C9218DC5DF7}"/>
               </a:ext>
             </a:extLst>
           </p:cNvPr>
@@ -9086,8 +8843,8 @@
           <a:lstStyle/>
           <a:p>
             <a:r>
-              <a:rPr lang="en-US" dirty="0"/>
-              <a:t>[Mobile App]</a:t>
+              <a:rPr lang="en-US" sz="4800" dirty="0"/>
+              <a:t>As Timmy the user, I want to point my phone at a landmark and find information about it.</a:t>
             </a:r>
           </a:p>
         </p:txBody>
@@ -9097,7 +8854,7 @@
           <p:cNvPr id="3" name="Content Placeholder 2">
             <a:extLst>
               <a:ext uri="{FF2B5EF4-FFF2-40B4-BE49-F238E27FC236}">
-                <a16:creationId xmlns:a16="http://schemas.microsoft.com/office/drawing/2014/main" id="{6C61B333-EC15-417A-92E3-D6641D0F3741}"/>
+                <a16:creationId xmlns:a16="http://schemas.microsoft.com/office/drawing/2014/main" id="{361D3B48-B632-4E60-8736-F1558045DB59}"/>
               </a:ext>
             </a:extLst>
           </p:cNvPr>
@@ -9108,102 +8865,24 @@
             <p:ph idx="1"/>
           </p:nvPr>
         </p:nvSpPr>
-        <p:spPr/>
-        <p:txBody>
-          <a:bodyPr/>
-          <a:lstStyle/>
-          <a:p>
-            <a:endParaRPr lang="en-US"/>
+        <p:spPr>
+          <a:xfrm>
+            <a:off x="1103312" y="3559126"/>
+            <a:ext cx="8946541" cy="2689273"/>
+          </a:xfrm>
+        </p:spPr>
+        <p:txBody>
+          <a:bodyPr/>
+          <a:lstStyle/>
+          <a:p>
+            <a:endParaRPr lang="en-US" dirty="0"/>
           </a:p>
         </p:txBody>
       </p:sp>
     </p:spTree>
     <p:extLst>
       <p:ext uri="{BB962C8B-B14F-4D97-AF65-F5344CB8AC3E}">
-        <p14:creationId xmlns:p14="http://schemas.microsoft.com/office/powerpoint/2010/main" val="4277202190"/>
-      </p:ext>
-    </p:extLst>
-  </p:cSld>
-  <p:clrMapOvr>
-    <a:masterClrMapping/>
-  </p:clrMapOvr>
-</p:sld>
-</file>
-
-<file path=ppt/slides/slide40.xml><?xml version="1.0" encoding="utf-8"?>
-<p:sld xmlns:a="http://schemas.openxmlformats.org/drawingml/2006/main" xmlns:r="http://schemas.openxmlformats.org/officeDocument/2006/relationships" xmlns:p="http://schemas.openxmlformats.org/presentationml/2006/main">
-  <p:cSld>
-    <p:spTree>
-      <p:nvGrpSpPr>
-        <p:cNvPr id="1" name=""/>
-        <p:cNvGrpSpPr/>
-        <p:nvPr/>
-      </p:nvGrpSpPr>
-      <p:grpSpPr>
-        <a:xfrm>
-          <a:off x="0" y="0"/>
-          <a:ext cx="0" cy="0"/>
-          <a:chOff x="0" y="0"/>
-          <a:chExt cx="0" cy="0"/>
-        </a:xfrm>
-      </p:grpSpPr>
-      <p:sp>
-        <p:nvSpPr>
-          <p:cNvPr id="2" name="Title 1">
-            <a:extLst>
-              <a:ext uri="{FF2B5EF4-FFF2-40B4-BE49-F238E27FC236}">
-                <a16:creationId xmlns:a16="http://schemas.microsoft.com/office/drawing/2014/main" id="{E66C612F-2F3A-4260-BDBF-80671B0DF2ED}"/>
-              </a:ext>
-            </a:extLst>
-          </p:cNvPr>
-          <p:cNvSpPr>
-            <a:spLocks noGrp="1"/>
-          </p:cNvSpPr>
-          <p:nvPr>
-            <p:ph type="title"/>
-          </p:nvPr>
-        </p:nvSpPr>
-        <p:spPr/>
-        <p:txBody>
-          <a:bodyPr/>
-          <a:lstStyle/>
-          <a:p>
-            <a:r>
-              <a:rPr lang="en-US" dirty="0"/>
-              <a:t>[User Accounts]</a:t>
-            </a:r>
-          </a:p>
-        </p:txBody>
-      </p:sp>
-      <p:sp>
-        <p:nvSpPr>
-          <p:cNvPr id="3" name="Content Placeholder 2">
-            <a:extLst>
-              <a:ext uri="{FF2B5EF4-FFF2-40B4-BE49-F238E27FC236}">
-                <a16:creationId xmlns:a16="http://schemas.microsoft.com/office/drawing/2014/main" id="{6C61B333-EC15-417A-92E3-D6641D0F3741}"/>
-              </a:ext>
-            </a:extLst>
-          </p:cNvPr>
-          <p:cNvSpPr>
-            <a:spLocks noGrp="1"/>
-          </p:cNvSpPr>
-          <p:nvPr>
-            <p:ph idx="1"/>
-          </p:nvPr>
-        </p:nvSpPr>
-        <p:spPr/>
-        <p:txBody>
-          <a:bodyPr/>
-          <a:lstStyle/>
-          <a:p>
-            <a:endParaRPr lang="en-US"/>
-          </a:p>
-        </p:txBody>
-      </p:sp>
-    </p:spTree>
-    <p:extLst>
-      <p:ext uri="{BB962C8B-B14F-4D97-AF65-F5344CB8AC3E}">
-        <p14:creationId xmlns:p14="http://schemas.microsoft.com/office/powerpoint/2010/main" val="1435937211"/>
+        <p14:creationId xmlns:p14="http://schemas.microsoft.com/office/powerpoint/2010/main" val="1891361890"/>
       </p:ext>
     </p:extLst>
   </p:cSld>
@@ -9252,9 +8931,10 @@
           <a:lstStyle/>
           <a:p>
             <a:r>
-              <a:rPr lang="en-US" dirty="0"/>
-              <a:t>Google Maps Platform</a:t>
-            </a:r>
+              <a:rPr lang="en-US" dirty="0" err="1" smtClean="0"/>
+              <a:t>Xamarin</a:t>
+            </a:r>
+            <a:endParaRPr lang="en-US" dirty="0"/>
           </a:p>
         </p:txBody>
       </p:sp>
@@ -9283,44 +8963,54 @@
               <a:buNone/>
             </a:pPr>
             <a:r>
-              <a:rPr lang="en-US" dirty="0"/>
+              <a:rPr lang="en-US" dirty="0" smtClean="0"/>
+              <a:t>Language: C#</a:t>
+            </a:r>
+          </a:p>
+          <a:p>
+            <a:pPr marL="0" indent="0">
+              <a:buNone/>
+            </a:pPr>
+            <a:endParaRPr lang="en-US" dirty="0" smtClean="0"/>
+          </a:p>
+          <a:p>
+            <a:pPr marL="0" indent="0">
+              <a:buNone/>
+            </a:pPr>
+            <a:r>
+              <a:rPr lang="en-US" dirty="0" smtClean="0"/>
               <a:t>Pros</a:t>
             </a:r>
-          </a:p>
-          <a:p>
-            <a:r>
-              <a:rPr lang="en-US" dirty="0"/>
-              <a:t>Extensive information available</a:t>
-            </a:r>
-          </a:p>
-          <a:p>
-            <a:r>
-              <a:rPr lang="en-US" dirty="0"/>
-              <a:t>Most complete platform</a:t>
-            </a:r>
-          </a:p>
-          <a:p>
             <a:endParaRPr lang="en-US" dirty="0"/>
           </a:p>
           <a:p>
+            <a:r>
+              <a:rPr lang="en-US" dirty="0" smtClean="0"/>
+              <a:t>Lots of documentation</a:t>
+            </a:r>
+          </a:p>
+          <a:p>
+            <a:r>
+              <a:rPr lang="en-US" dirty="0" smtClean="0"/>
+              <a:t>Free to us</a:t>
+            </a:r>
+          </a:p>
+          <a:p>
+            <a:endParaRPr lang="en-US" dirty="0"/>
+          </a:p>
+          <a:p>
             <a:pPr marL="0" indent="0">
               <a:buNone/>
             </a:pPr>
             <a:r>
-              <a:rPr lang="en-US" dirty="0"/>
+              <a:rPr lang="en-US" dirty="0" smtClean="0"/>
               <a:t>Cons</a:t>
             </a:r>
           </a:p>
           <a:p>
             <a:r>
-              <a:rPr lang="en-US" dirty="0"/>
-              <a:t>Heavy cost</a:t>
-            </a:r>
-          </a:p>
-          <a:p>
-            <a:r>
-              <a:rPr lang="en-US" dirty="0"/>
-              <a:t>Might need to interact with multiple, separate APIs to obtain elevation data. This may increase overhead.</a:t>
+              <a:rPr lang="en-US" dirty="0" smtClean="0"/>
+              <a:t>Still has trouble getting it to work right</a:t>
             </a:r>
           </a:p>
         </p:txBody>
@@ -9328,7 +9018,7 @@
     </p:spTree>
     <p:extLst>
       <p:ext uri="{BB962C8B-B14F-4D97-AF65-F5344CB8AC3E}">
-        <p14:creationId xmlns:p14="http://schemas.microsoft.com/office/powerpoint/2010/main" val="1956119296"/>
+        <p14:creationId xmlns:p14="http://schemas.microsoft.com/office/powerpoint/2010/main" val="3016141690"/>
       </p:ext>
     </p:extLst>
   </p:cSld>
@@ -9360,7 +9050,7 @@
           <p:cNvPr id="2" name="Title 1">
             <a:extLst>
               <a:ext uri="{FF2B5EF4-FFF2-40B4-BE49-F238E27FC236}">
-                <a16:creationId xmlns:a16="http://schemas.microsoft.com/office/drawing/2014/main" id="{33182361-C770-430C-97A0-B9298FA3FE50}"/>
+                <a16:creationId xmlns:a16="http://schemas.microsoft.com/office/drawing/2014/main" id="{BA35D0AB-9A37-479C-9406-C70EC5D04068}"/>
               </a:ext>
             </a:extLst>
           </p:cNvPr>
@@ -9377,9 +9067,10 @@
           <a:lstStyle/>
           <a:p>
             <a:r>
-              <a:rPr lang="en-US" dirty="0"/>
-              <a:t>[Chosen Technology]</a:t>
-            </a:r>
+              <a:rPr lang="en-US" dirty="0" smtClean="0"/>
+              <a:t>Unity</a:t>
+            </a:r>
+            <a:endParaRPr lang="en-US" dirty="0"/>
           </a:p>
         </p:txBody>
       </p:sp>
@@ -9388,7 +9079,7 @@
           <p:cNvPr id="3" name="Content Placeholder 2">
             <a:extLst>
               <a:ext uri="{FF2B5EF4-FFF2-40B4-BE49-F238E27FC236}">
-                <a16:creationId xmlns:a16="http://schemas.microsoft.com/office/drawing/2014/main" id="{6457FBD9-768E-4864-B576-83C1D02FB7F8}"/>
+                <a16:creationId xmlns:a16="http://schemas.microsoft.com/office/drawing/2014/main" id="{C53C1AAE-D52E-4865-94E5-9A746F2B6603}"/>
               </a:ext>
             </a:extLst>
           </p:cNvPr>
@@ -9404,23 +9095,73 @@
           <a:bodyPr/>
           <a:lstStyle/>
           <a:p>
-            <a:r>
-              <a:rPr lang="en-US" dirty="0"/>
-              <a:t>[Reason]</a:t>
-            </a:r>
-          </a:p>
-          <a:p>
-            <a:r>
-              <a:rPr lang="en-US" dirty="0"/>
-              <a:t>[Reason]</a:t>
-            </a:r>
+            <a:pPr marL="0" indent="0">
+              <a:buNone/>
+            </a:pPr>
+            <a:r>
+              <a:rPr lang="en-US" dirty="0" smtClean="0"/>
+              <a:t>Language: C#</a:t>
+            </a:r>
+          </a:p>
+          <a:p>
+            <a:pPr marL="0" indent="0">
+              <a:buNone/>
+            </a:pPr>
+            <a:endParaRPr lang="en-US" dirty="0" smtClean="0"/>
+          </a:p>
+          <a:p>
+            <a:pPr marL="0" indent="0">
+              <a:buNone/>
+            </a:pPr>
+            <a:r>
+              <a:rPr lang="en-US" dirty="0" smtClean="0"/>
+              <a:t>Pros</a:t>
+            </a:r>
+            <a:endParaRPr lang="en-US" dirty="0"/>
+          </a:p>
+          <a:p>
+            <a:r>
+              <a:rPr lang="en-US" dirty="0" smtClean="0"/>
+              <a:t>Readily available</a:t>
+            </a:r>
+          </a:p>
+          <a:p>
+            <a:r>
+              <a:rPr lang="en-US" dirty="0" smtClean="0"/>
+              <a:t>Free version</a:t>
+            </a:r>
+          </a:p>
+          <a:p>
+            <a:endParaRPr lang="en-US" dirty="0"/>
+          </a:p>
+          <a:p>
+            <a:pPr marL="0" indent="0">
+              <a:buNone/>
+            </a:pPr>
+            <a:r>
+              <a:rPr lang="en-US" dirty="0" smtClean="0"/>
+              <a:t>Cons</a:t>
+            </a:r>
+          </a:p>
+          <a:p>
+            <a:r>
+              <a:rPr lang="en-US" dirty="0" smtClean="0"/>
+              <a:t>Used more for games</a:t>
+            </a:r>
+          </a:p>
+          <a:p>
+            <a:r>
+              <a:rPr lang="en-US" dirty="0" smtClean="0"/>
+              <a:t>Very resource intensive</a:t>
+            </a:r>
+            <a:endParaRPr lang="en-US" dirty="0" smtClean="0"/>
           </a:p>
         </p:txBody>
       </p:sp>
     </p:spTree>
     <p:extLst>
       <p:ext uri="{BB962C8B-B14F-4D97-AF65-F5344CB8AC3E}">
-        <p14:creationId xmlns:p14="http://schemas.microsoft.com/office/powerpoint/2010/main" val="1370581020"/>
+        <p14:creationId xmlns:p14="http://schemas.microsoft.com/office/powerpoint/2010/main" val="3724892284"/>
       </p:ext>
     </p:extLst>
   </p:cSld>
@@ -9452,7 +9193,7 @@
           <p:cNvPr id="2" name="Title 1">
             <a:extLst>
               <a:ext uri="{FF2B5EF4-FFF2-40B4-BE49-F238E27FC236}">
-                <a16:creationId xmlns:a16="http://schemas.microsoft.com/office/drawing/2014/main" id="{ABFE9964-2DD0-4B8C-9324-5C9218DC5DF7}"/>
+                <a16:creationId xmlns:a16="http://schemas.microsoft.com/office/drawing/2014/main" id="{BA35D0AB-9A37-479C-9406-C70EC5D04068}"/>
               </a:ext>
             </a:extLst>
           </p:cNvPr>
@@ -9469,9 +9210,10 @@
           <a:lstStyle/>
           <a:p>
             <a:r>
-              <a:rPr lang="en-US" sz="5400" dirty="0"/>
-              <a:t>As Rick the user, I’d like a nice measuring tool on the screen to help me pinpoint my target.</a:t>
-            </a:r>
+              <a:rPr lang="en-US" dirty="0" smtClean="0"/>
+              <a:t>Android Studio</a:t>
+            </a:r>
+            <a:endParaRPr lang="en-US" dirty="0"/>
           </a:p>
         </p:txBody>
       </p:sp>
@@ -9480,7 +9222,7 @@
           <p:cNvPr id="3" name="Content Placeholder 2">
             <a:extLst>
               <a:ext uri="{FF2B5EF4-FFF2-40B4-BE49-F238E27FC236}">
-                <a16:creationId xmlns:a16="http://schemas.microsoft.com/office/drawing/2014/main" id="{361D3B48-B632-4E60-8736-F1558045DB59}"/>
+                <a16:creationId xmlns:a16="http://schemas.microsoft.com/office/drawing/2014/main" id="{C53C1AAE-D52E-4865-94E5-9A746F2B6603}"/>
               </a:ext>
             </a:extLst>
           </p:cNvPr>
@@ -9496,14 +9238,73 @@
           <a:bodyPr/>
           <a:lstStyle/>
           <a:p>
+            <a:pPr marL="0" indent="0">
+              <a:buNone/>
+            </a:pPr>
+            <a:r>
+              <a:rPr lang="en-US" dirty="0" smtClean="0"/>
+              <a:t>Language: Java, C#, C++, etc.</a:t>
+            </a:r>
+          </a:p>
+          <a:p>
+            <a:pPr marL="0" indent="0">
+              <a:buNone/>
+            </a:pPr>
+            <a:endParaRPr lang="en-US" dirty="0" smtClean="0"/>
+          </a:p>
+          <a:p>
+            <a:pPr marL="0" indent="0">
+              <a:buNone/>
+            </a:pPr>
+            <a:r>
+              <a:rPr lang="en-US" dirty="0" smtClean="0"/>
+              <a:t>Pros</a:t>
+            </a:r>
             <a:endParaRPr lang="en-US" dirty="0"/>
+          </a:p>
+          <a:p>
+            <a:r>
+              <a:rPr lang="en-US" dirty="0" smtClean="0"/>
+              <a:t>Built-in emulator</a:t>
+            </a:r>
+          </a:p>
+          <a:p>
+            <a:r>
+              <a:rPr lang="en-US" dirty="0" smtClean="0"/>
+              <a:t>Made by the android developers</a:t>
+            </a:r>
+          </a:p>
+          <a:p>
+            <a:endParaRPr lang="en-US" dirty="0"/>
+          </a:p>
+          <a:p>
+            <a:pPr marL="0" indent="0">
+              <a:buNone/>
+            </a:pPr>
+            <a:r>
+              <a:rPr lang="en-US" dirty="0" smtClean="0"/>
+              <a:t>Cons</a:t>
+            </a:r>
+          </a:p>
+          <a:p>
+            <a:r>
+              <a:rPr lang="en-US" dirty="0" smtClean="0"/>
+              <a:t>Still will need to run on a real physical phone</a:t>
+            </a:r>
+          </a:p>
+          <a:p>
+            <a:r>
+              <a:rPr lang="en-US" dirty="0" smtClean="0"/>
+              <a:t>Alienates going to IOS</a:t>
+            </a:r>
+            <a:endParaRPr lang="en-US" dirty="0" smtClean="0"/>
           </a:p>
         </p:txBody>
       </p:sp>
     </p:spTree>
     <p:extLst>
       <p:ext uri="{BB962C8B-B14F-4D97-AF65-F5344CB8AC3E}">
-        <p14:creationId xmlns:p14="http://schemas.microsoft.com/office/powerpoint/2010/main" val="178948568"/>
+        <p14:creationId xmlns:p14="http://schemas.microsoft.com/office/powerpoint/2010/main" val="2969171093"/>
       </p:ext>
     </p:extLst>
   </p:cSld>
@@ -9535,7 +9336,7 @@
           <p:cNvPr id="2" name="Title 1">
             <a:extLst>
               <a:ext uri="{FF2B5EF4-FFF2-40B4-BE49-F238E27FC236}">
-                <a16:creationId xmlns:a16="http://schemas.microsoft.com/office/drawing/2014/main" id="{E66C612F-2F3A-4260-BDBF-80671B0DF2ED}"/>
+                <a16:creationId xmlns:a16="http://schemas.microsoft.com/office/drawing/2014/main" id="{33182361-C770-430C-97A0-B9298FA3FE50}"/>
               </a:ext>
             </a:extLst>
           </p:cNvPr>
@@ -9552,9 +9353,17 @@
           <a:lstStyle/>
           <a:p>
             <a:r>
-              <a:rPr lang="en-US" dirty="0"/>
-              <a:t>[Measurement Tool]</a:t>
-            </a:r>
+              <a:rPr lang="en-US" dirty="0" smtClean="0"/>
+              <a:t>Chosen Technology:</a:t>
+            </a:r>
+            <a:br>
+              <a:rPr lang="en-US" dirty="0" smtClean="0"/>
+            </a:br>
+            <a:r>
+              <a:rPr lang="en-US" dirty="0" smtClean="0"/>
+              <a:t>Android Studio</a:t>
+            </a:r>
+            <a:endParaRPr lang="en-US" dirty="0"/>
           </a:p>
         </p:txBody>
       </p:sp>
@@ -9563,7 +9372,7 @@
           <p:cNvPr id="3" name="Content Placeholder 2">
             <a:extLst>
               <a:ext uri="{FF2B5EF4-FFF2-40B4-BE49-F238E27FC236}">
-                <a16:creationId xmlns:a16="http://schemas.microsoft.com/office/drawing/2014/main" id="{6C61B333-EC15-417A-92E3-D6641D0F3741}"/>
+                <a16:creationId xmlns:a16="http://schemas.microsoft.com/office/drawing/2014/main" id="{6457FBD9-768E-4864-B576-83C1D02FB7F8}"/>
               </a:ext>
             </a:extLst>
           </p:cNvPr>
@@ -9579,14 +9388,38 @@
           <a:bodyPr/>
           <a:lstStyle/>
           <a:p>
-            <a:endParaRPr lang="en-US"/>
+            <a:r>
+              <a:rPr lang="en-US" dirty="0" smtClean="0"/>
+              <a:t>Built-in phone emulator helps with running quick compilation and UI tests</a:t>
+            </a:r>
+          </a:p>
+          <a:p>
+            <a:r>
+              <a:rPr lang="en-US" dirty="0" smtClean="0"/>
+              <a:t>Does favor Java but is still compatible with C languages and </a:t>
+            </a:r>
+            <a:r>
+              <a:rPr lang="en-US" dirty="0" err="1" smtClean="0"/>
+              <a:t>Kotlin</a:t>
+            </a:r>
+            <a:endParaRPr lang="en-US" dirty="0" smtClean="0"/>
+          </a:p>
+          <a:p>
+            <a:r>
+              <a:rPr lang="en-US" dirty="0" smtClean="0"/>
+              <a:t>Reliable documentation by the </a:t>
+            </a:r>
+            <a:r>
+              <a:rPr lang="en-US" smtClean="0"/>
+              <a:t>Android developers</a:t>
+            </a:r>
           </a:p>
         </p:txBody>
       </p:sp>
     </p:spTree>
     <p:extLst>
       <p:ext uri="{BB962C8B-B14F-4D97-AF65-F5344CB8AC3E}">
-        <p14:creationId xmlns:p14="http://schemas.microsoft.com/office/powerpoint/2010/main" val="3112083759"/>
+        <p14:creationId xmlns:p14="http://schemas.microsoft.com/office/powerpoint/2010/main" val="3183227633"/>
       </p:ext>
     </p:extLst>
   </p:cSld>
@@ -9635,8 +9468,8 @@
           <a:lstStyle/>
           <a:p>
             <a:r>
-              <a:rPr lang="en-US" sz="5400" dirty="0"/>
-              <a:t>As Tommy the mountain hermit, I want to still be able to use the app even if I go months without internet access.</a:t>
+              <a:rPr lang="en-US" sz="4800" dirty="0"/>
+              <a:t>As George the photographer, I want all the pictures taken at each location to be associated with the location they were taken at.</a:t>
             </a:r>
           </a:p>
         </p:txBody>
@@ -9669,7 +9502,7 @@
     </p:spTree>
     <p:extLst>
       <p:ext uri="{BB962C8B-B14F-4D97-AF65-F5344CB8AC3E}">
-        <p14:creationId xmlns:p14="http://schemas.microsoft.com/office/powerpoint/2010/main" val="178948568"/>
+        <p14:creationId xmlns:p14="http://schemas.microsoft.com/office/powerpoint/2010/main" val="2127297725"/>
       </p:ext>
     </p:extLst>
   </p:cSld>

--- a/Technology Presentation.pptx
+++ b/Technology Presentation.pptx
@@ -7,12 +7,12 @@
   <p:sldIdLst>
     <p:sldId id="257" r:id="rId2"/>
     <p:sldId id="258" r:id="rId3"/>
-    <p:sldId id="272" r:id="rId4"/>
-    <p:sldId id="259" r:id="rId5"/>
-    <p:sldId id="283" r:id="rId6"/>
-    <p:sldId id="285" r:id="rId7"/>
-    <p:sldId id="286" r:id="rId8"/>
-    <p:sldId id="287" r:id="rId9"/>
+    <p:sldId id="259" r:id="rId4"/>
+    <p:sldId id="283" r:id="rId5"/>
+    <p:sldId id="285" r:id="rId6"/>
+    <p:sldId id="286" r:id="rId7"/>
+    <p:sldId id="287" r:id="rId8"/>
+    <p:sldId id="272" r:id="rId9"/>
     <p:sldId id="266" r:id="rId10"/>
     <p:sldId id="264" r:id="rId11"/>
     <p:sldId id="262" r:id="rId12"/>
@@ -145,7 +145,6 @@
         </p14:section>
         <p14:section name="Mobile App" id="{3506C4E0-A1CE-4403-AB2F-A6A518FA48E8}">
           <p14:sldIdLst>
-            <p14:sldId id="272"/>
             <p14:sldId id="259"/>
             <p14:sldId id="283"/>
             <p14:sldId id="285"/>
@@ -155,6 +154,7 @@
         </p14:section>
         <p14:section name="Database" id="{776900BF-56F2-4C74-9E07-51E0CCFB0B9A}">
           <p14:sldIdLst>
+            <p14:sldId id="272"/>
             <p14:sldId id="266"/>
             <p14:sldId id="264"/>
             <p14:sldId id="262"/>
@@ -6282,33 +6282,42 @@
           <a:p>
             <a:r>
               <a:rPr lang="en-US" sz="5400" dirty="0"/>
-              <a:t>As Tina the fisherman I want to privately save a great spot I found that so I can get back to it in the future.</a:t>
-            </a:r>
-          </a:p>
-        </p:txBody>
-      </p:sp>
-      <p:sp>
-        <p:nvSpPr>
-          <p:cNvPr id="3" name="Content Placeholder 2">
-            <a:extLst>
-              <a:ext uri="{FF2B5EF4-FFF2-40B4-BE49-F238E27FC236}">
-                <a16:creationId xmlns:a16="http://schemas.microsoft.com/office/drawing/2014/main" id="{361D3B48-B632-4E60-8736-F1558045DB59}"/>
-              </a:ext>
-            </a:extLst>
-          </p:cNvPr>
-          <p:cNvSpPr>
-            <a:spLocks noGrp="1"/>
-          </p:cNvSpPr>
-          <p:nvPr>
-            <p:ph idx="1"/>
-          </p:nvPr>
-        </p:nvSpPr>
-        <p:spPr/>
-        <p:txBody>
-          <a:bodyPr/>
-          <a:lstStyle/>
-          <a:p>
-            <a:endParaRPr lang="en-US" dirty="0"/>
+              <a:t>As Tina the fisherman I want to privately save a great spot I found that so I can get back to it in the future</a:t>
+            </a:r>
+            <a:r>
+              <a:rPr lang="en-US" sz="5400" dirty="0" smtClean="0"/>
+              <a:t>.</a:t>
+            </a:r>
+            <a:br>
+              <a:rPr lang="en-US" sz="5400" dirty="0" smtClean="0"/>
+            </a:br>
+            <a:r>
+              <a:rPr lang="en-US" sz="5400" dirty="0"/>
+              <a:t/>
+            </a:r>
+            <a:br>
+              <a:rPr lang="en-US" sz="5400" dirty="0"/>
+            </a:br>
+            <a:r>
+              <a:rPr lang="en-US" sz="5400" dirty="0" smtClean="0"/>
+              <a:t/>
+            </a:r>
+            <a:br>
+              <a:rPr lang="en-US" sz="5400" dirty="0" smtClean="0"/>
+            </a:br>
+            <a:r>
+              <a:rPr lang="en-US" sz="5400" dirty="0" smtClean="0"/>
+              <a:t>-</a:t>
+            </a:r>
+            <a:r>
+              <a:rPr lang="en-US" sz="4000" dirty="0" smtClean="0"/>
+              <a:t>[</a:t>
+            </a:r>
+            <a:r>
+              <a:rPr lang="en-US" sz="4000" dirty="0"/>
+              <a:t>Custom Landmarks]</a:t>
+            </a:r>
+            <a:endParaRPr lang="en-US" sz="4000" dirty="0"/>
           </a:p>
         </p:txBody>
       </p:sp>
@@ -6373,8 +6382,31 @@
             </a:r>
             <a:r>
               <a:rPr lang="en-US" sz="5400" dirty="0"/>
-              <a:t>I want to easily show my friends a quick slideshow style summary of all the places I’ve been.</a:t>
-            </a:r>
+              <a:t>I want to easily show my friends a quick slideshow style summary of all the places I’ve been</a:t>
+            </a:r>
+            <a:r>
+              <a:rPr lang="en-US" sz="5400" dirty="0" smtClean="0"/>
+              <a:t>.</a:t>
+            </a:r>
+            <a:br>
+              <a:rPr lang="en-US" sz="5400" dirty="0" smtClean="0"/>
+            </a:br>
+            <a:r>
+              <a:rPr lang="en-US" sz="5400" dirty="0"/>
+              <a:t/>
+            </a:r>
+            <a:br>
+              <a:rPr lang="en-US" sz="5400" dirty="0"/>
+            </a:br>
+            <a:r>
+              <a:rPr lang="en-US" sz="4000" dirty="0" smtClean="0"/>
+              <a:t>-</a:t>
+            </a:r>
+            <a:r>
+              <a:rPr lang="en-US" sz="4000" dirty="0"/>
+              <a:t>[Slideshow Summary]</a:t>
+            </a:r>
+            <a:endParaRPr lang="en-US" sz="4000" dirty="0"/>
           </a:p>
         </p:txBody>
       </p:sp>
@@ -6431,33 +6463,38 @@
           <a:p>
             <a:r>
               <a:rPr lang="en-US" sz="5400" dirty="0"/>
-              <a:t>As Dora the explorer, I want to save personal notes about my trips to landmarks.</a:t>
-            </a:r>
-          </a:p>
-        </p:txBody>
-      </p:sp>
-      <p:sp>
-        <p:nvSpPr>
-          <p:cNvPr id="3" name="Content Placeholder 2">
-            <a:extLst>
-              <a:ext uri="{FF2B5EF4-FFF2-40B4-BE49-F238E27FC236}">
-                <a16:creationId xmlns:a16="http://schemas.microsoft.com/office/drawing/2014/main" id="{361D3B48-B632-4E60-8736-F1558045DB59}"/>
-              </a:ext>
-            </a:extLst>
-          </p:cNvPr>
-          <p:cNvSpPr>
-            <a:spLocks noGrp="1"/>
-          </p:cNvSpPr>
-          <p:nvPr>
-            <p:ph idx="1"/>
-          </p:nvPr>
-        </p:nvSpPr>
-        <p:spPr/>
-        <p:txBody>
-          <a:bodyPr/>
-          <a:lstStyle/>
-          <a:p>
-            <a:endParaRPr lang="en-US" dirty="0"/>
+              <a:t>As Dora the explorer, I want to save personal notes about my trips to landmarks</a:t>
+            </a:r>
+            <a:r>
+              <a:rPr lang="en-US" sz="5400" dirty="0" smtClean="0"/>
+              <a:t>.</a:t>
+            </a:r>
+            <a:br>
+              <a:rPr lang="en-US" sz="5400" dirty="0" smtClean="0"/>
+            </a:br>
+            <a:r>
+              <a:rPr lang="en-US" sz="5400" dirty="0"/>
+              <a:t/>
+            </a:r>
+            <a:br>
+              <a:rPr lang="en-US" sz="5400" dirty="0"/>
+            </a:br>
+            <a:r>
+              <a:rPr lang="en-US" sz="5400" dirty="0" smtClean="0"/>
+              <a:t/>
+            </a:r>
+            <a:br>
+              <a:rPr lang="en-US" sz="5400" dirty="0" smtClean="0"/>
+            </a:br>
+            <a:r>
+              <a:rPr lang="en-US" sz="4000" dirty="0" smtClean="0"/>
+              <a:t>-[</a:t>
+            </a:r>
+            <a:r>
+              <a:rPr lang="en-US" sz="4000" dirty="0"/>
+              <a:t>Saved Notes]</a:t>
+            </a:r>
+            <a:endParaRPr lang="en-US" sz="4000" dirty="0"/>
           </a:p>
         </p:txBody>
       </p:sp>
@@ -6521,31 +6558,43 @@
               <a:rPr lang="en-US" sz="4800" dirty="0"/>
               <a:t>As Hannah the avid hiker, I want to rate locations so that newcomers to the area know where to go. </a:t>
             </a:r>
-          </a:p>
-        </p:txBody>
-      </p:sp>
-      <p:sp>
-        <p:nvSpPr>
-          <p:cNvPr id="3" name="Content Placeholder 2">
-            <a:extLst>
-              <a:ext uri="{FF2B5EF4-FFF2-40B4-BE49-F238E27FC236}">
-                <a16:creationId xmlns:a16="http://schemas.microsoft.com/office/drawing/2014/main" id="{361D3B48-B632-4E60-8736-F1558045DB59}"/>
-              </a:ext>
-            </a:extLst>
-          </p:cNvPr>
-          <p:cNvSpPr>
-            <a:spLocks noGrp="1"/>
-          </p:cNvSpPr>
-          <p:nvPr>
-            <p:ph idx="1"/>
-          </p:nvPr>
-        </p:nvSpPr>
-        <p:spPr/>
-        <p:txBody>
-          <a:bodyPr/>
-          <a:lstStyle/>
-          <a:p>
-            <a:endParaRPr lang="en-US" dirty="0"/>
+            <a:r>
+              <a:rPr lang="en-US" sz="4800" dirty="0" smtClean="0"/>
+              <a:t/>
+            </a:r>
+            <a:br>
+              <a:rPr lang="en-US" sz="4800" dirty="0" smtClean="0"/>
+            </a:br>
+            <a:r>
+              <a:rPr lang="en-US" sz="4800" dirty="0"/>
+              <a:t/>
+            </a:r>
+            <a:br>
+              <a:rPr lang="en-US" sz="4800" dirty="0"/>
+            </a:br>
+            <a:r>
+              <a:rPr lang="en-US" sz="4800" dirty="0" smtClean="0"/>
+              <a:t/>
+            </a:r>
+            <a:br>
+              <a:rPr lang="en-US" sz="4800" dirty="0" smtClean="0"/>
+            </a:br>
+            <a:r>
+              <a:rPr lang="en-US" sz="4800" dirty="0"/>
+              <a:t/>
+            </a:r>
+            <a:br>
+              <a:rPr lang="en-US" sz="4800" dirty="0"/>
+            </a:br>
+            <a:r>
+              <a:rPr lang="en-US" sz="4000" dirty="0" smtClean="0"/>
+              <a:t>-[</a:t>
+            </a:r>
+            <a:r>
+              <a:rPr lang="en-US" sz="4000" dirty="0"/>
+              <a:t>Rating System]</a:t>
+            </a:r>
+            <a:endParaRPr lang="en-US" sz="4000" dirty="0"/>
           </a:p>
         </p:txBody>
       </p:sp>
@@ -6602,33 +6651,52 @@
           <a:p>
             <a:r>
               <a:rPr lang="en-US" sz="4800" dirty="0"/>
-              <a:t>As Nancy the frequent user, I want to have a list of all the landmarks I’ve visited.</a:t>
-            </a:r>
-          </a:p>
-        </p:txBody>
-      </p:sp>
-      <p:sp>
-        <p:nvSpPr>
-          <p:cNvPr id="3" name="Content Placeholder 2">
-            <a:extLst>
-              <a:ext uri="{FF2B5EF4-FFF2-40B4-BE49-F238E27FC236}">
-                <a16:creationId xmlns:a16="http://schemas.microsoft.com/office/drawing/2014/main" id="{361D3B48-B632-4E60-8736-F1558045DB59}"/>
-              </a:ext>
-            </a:extLst>
-          </p:cNvPr>
-          <p:cNvSpPr>
-            <a:spLocks noGrp="1"/>
-          </p:cNvSpPr>
-          <p:nvPr>
-            <p:ph idx="1"/>
-          </p:nvPr>
-        </p:nvSpPr>
-        <p:spPr/>
-        <p:txBody>
-          <a:bodyPr/>
-          <a:lstStyle/>
-          <a:p>
-            <a:endParaRPr lang="en-US" dirty="0"/>
+              <a:t>As Nancy the frequent user, I want to have a list of all the landmarks I’ve visited</a:t>
+            </a:r>
+            <a:r>
+              <a:rPr lang="en-US" sz="4800" dirty="0" smtClean="0"/>
+              <a:t>.</a:t>
+            </a:r>
+            <a:br>
+              <a:rPr lang="en-US" sz="4800" dirty="0" smtClean="0"/>
+            </a:br>
+            <a:r>
+              <a:rPr lang="en-US" sz="4800" dirty="0"/>
+              <a:t/>
+            </a:r>
+            <a:br>
+              <a:rPr lang="en-US" sz="4800" dirty="0"/>
+            </a:br>
+            <a:r>
+              <a:rPr lang="en-US" sz="4800" dirty="0" smtClean="0"/>
+              <a:t/>
+            </a:r>
+            <a:br>
+              <a:rPr lang="en-US" sz="4800" dirty="0" smtClean="0"/>
+            </a:br>
+            <a:r>
+              <a:rPr lang="en-US" sz="4800" dirty="0"/>
+              <a:t/>
+            </a:r>
+            <a:br>
+              <a:rPr lang="en-US" sz="4800" dirty="0"/>
+            </a:br>
+            <a:r>
+              <a:rPr lang="en-US" sz="4800" dirty="0" smtClean="0"/>
+              <a:t/>
+            </a:r>
+            <a:br>
+              <a:rPr lang="en-US" sz="4800" dirty="0" smtClean="0"/>
+            </a:br>
+            <a:r>
+              <a:rPr lang="en-US" sz="4000" dirty="0" smtClean="0"/>
+              <a:t>-</a:t>
+            </a:r>
+            <a:r>
+              <a:rPr lang="en-US" sz="4000" dirty="0"/>
+              <a:t>[Landmark History]</a:t>
+            </a:r>
+            <a:endParaRPr lang="en-US" sz="4000" dirty="0"/>
           </a:p>
         </p:txBody>
       </p:sp>
@@ -6685,33 +6753,45 @@
           <a:p>
             <a:r>
               <a:rPr lang="en-US" sz="4800" dirty="0"/>
-              <a:t>As Dan the introverted hiker, I want to know the traffic of a landmark so that I can avoid busy places.</a:t>
-            </a:r>
-          </a:p>
-        </p:txBody>
-      </p:sp>
-      <p:sp>
-        <p:nvSpPr>
-          <p:cNvPr id="3" name="Content Placeholder 2">
-            <a:extLst>
-              <a:ext uri="{FF2B5EF4-FFF2-40B4-BE49-F238E27FC236}">
-                <a16:creationId xmlns:a16="http://schemas.microsoft.com/office/drawing/2014/main" id="{361D3B48-B632-4E60-8736-F1558045DB59}"/>
-              </a:ext>
-            </a:extLst>
-          </p:cNvPr>
-          <p:cNvSpPr>
-            <a:spLocks noGrp="1"/>
-          </p:cNvSpPr>
-          <p:nvPr>
-            <p:ph idx="1"/>
-          </p:nvPr>
-        </p:nvSpPr>
-        <p:spPr/>
-        <p:txBody>
-          <a:bodyPr/>
-          <a:lstStyle/>
-          <a:p>
-            <a:endParaRPr lang="en-US" dirty="0"/>
+              <a:t>As Dan the introverted hiker, I want to know the traffic of a landmark so that I can avoid busy places</a:t>
+            </a:r>
+            <a:r>
+              <a:rPr lang="en-US" sz="4800" dirty="0" smtClean="0"/>
+              <a:t>.</a:t>
+            </a:r>
+            <a:br>
+              <a:rPr lang="en-US" sz="4800" dirty="0" smtClean="0"/>
+            </a:br>
+            <a:r>
+              <a:rPr lang="en-US" sz="4800" dirty="0"/>
+              <a:t/>
+            </a:r>
+            <a:br>
+              <a:rPr lang="en-US" sz="4800" dirty="0"/>
+            </a:br>
+            <a:r>
+              <a:rPr lang="en-US" sz="4800" dirty="0" smtClean="0"/>
+              <a:t/>
+            </a:r>
+            <a:br>
+              <a:rPr lang="en-US" sz="4800" dirty="0" smtClean="0"/>
+            </a:br>
+            <a:r>
+              <a:rPr lang="en-US" sz="4800" dirty="0"/>
+              <a:t/>
+            </a:r>
+            <a:br>
+              <a:rPr lang="en-US" sz="4800" dirty="0"/>
+            </a:br>
+            <a:r>
+              <a:rPr lang="en-US" sz="4000" dirty="0" smtClean="0"/>
+              <a:t>-</a:t>
+            </a:r>
+            <a:r>
+              <a:rPr lang="en-US" sz="4000" dirty="0"/>
+              <a:t>[Popularity System]</a:t>
+            </a:r>
+            <a:endParaRPr lang="en-US" sz="4000" dirty="0"/>
           </a:p>
         </p:txBody>
       </p:sp>
@@ -6773,34 +6853,52 @@
           <a:p>
             <a:r>
               <a:rPr lang="en-US" dirty="0"/>
-              <a:t>As Kara the dedicated user, I want to save my landmarks online so I can access them from another device.</a:t>
-            </a:r>
-            <a:endParaRPr lang="en-US" sz="4800" dirty="0"/>
-          </a:p>
-        </p:txBody>
-      </p:sp>
-      <p:sp>
-        <p:nvSpPr>
-          <p:cNvPr id="3" name="Content Placeholder 2">
-            <a:extLst>
-              <a:ext uri="{FF2B5EF4-FFF2-40B4-BE49-F238E27FC236}">
-                <a16:creationId xmlns:a16="http://schemas.microsoft.com/office/drawing/2014/main" id="{361D3B48-B632-4E60-8736-F1558045DB59}"/>
-              </a:ext>
-            </a:extLst>
-          </p:cNvPr>
-          <p:cNvSpPr>
-            <a:spLocks noGrp="1"/>
-          </p:cNvSpPr>
-          <p:nvPr>
-            <p:ph idx="1"/>
-          </p:nvPr>
-        </p:nvSpPr>
-        <p:spPr/>
-        <p:txBody>
-          <a:bodyPr/>
-          <a:lstStyle/>
-          <a:p>
-            <a:endParaRPr lang="en-US" dirty="0"/>
+              <a:t>As Kara the dedicated user, I want to save my landmarks online so I can access them from another device</a:t>
+            </a:r>
+            <a:r>
+              <a:rPr lang="en-US" dirty="0" smtClean="0"/>
+              <a:t>.</a:t>
+            </a:r>
+            <a:br>
+              <a:rPr lang="en-US" dirty="0" smtClean="0"/>
+            </a:br>
+            <a:r>
+              <a:rPr lang="en-US" dirty="0"/>
+              <a:t/>
+            </a:r>
+            <a:br>
+              <a:rPr lang="en-US" dirty="0"/>
+            </a:br>
+            <a:r>
+              <a:rPr lang="en-US" dirty="0" smtClean="0"/>
+              <a:t/>
+            </a:r>
+            <a:br>
+              <a:rPr lang="en-US" dirty="0" smtClean="0"/>
+            </a:br>
+            <a:r>
+              <a:rPr lang="en-US" dirty="0"/>
+              <a:t/>
+            </a:r>
+            <a:br>
+              <a:rPr lang="en-US" dirty="0"/>
+            </a:br>
+            <a:r>
+              <a:rPr lang="en-US" dirty="0" smtClean="0"/>
+              <a:t/>
+            </a:r>
+            <a:br>
+              <a:rPr lang="en-US" dirty="0" smtClean="0"/>
+            </a:br>
+            <a:r>
+              <a:rPr lang="en-US" sz="4000" dirty="0" smtClean="0"/>
+              <a:t>-</a:t>
+            </a:r>
+            <a:r>
+              <a:rPr lang="en-US" sz="4000" dirty="0"/>
+              <a:t>[User Accounts]</a:t>
+            </a:r>
+            <a:endParaRPr lang="en-US" sz="4000" dirty="0"/>
           </a:p>
         </p:txBody>
       </p:sp>
@@ -6985,33 +7083,38 @@
           <a:p>
             <a:r>
               <a:rPr lang="en-US" sz="5400" dirty="0"/>
-              <a:t>As Rick the user, I’d like a nice measuring tool on the screen to help me pinpoint my target.</a:t>
-            </a:r>
-          </a:p>
-        </p:txBody>
-      </p:sp>
-      <p:sp>
-        <p:nvSpPr>
-          <p:cNvPr id="3" name="Content Placeholder 2">
-            <a:extLst>
-              <a:ext uri="{FF2B5EF4-FFF2-40B4-BE49-F238E27FC236}">
-                <a16:creationId xmlns:a16="http://schemas.microsoft.com/office/drawing/2014/main" id="{361D3B48-B632-4E60-8736-F1558045DB59}"/>
-              </a:ext>
-            </a:extLst>
-          </p:cNvPr>
-          <p:cNvSpPr>
-            <a:spLocks noGrp="1"/>
-          </p:cNvSpPr>
-          <p:nvPr>
-            <p:ph idx="1"/>
-          </p:nvPr>
-        </p:nvSpPr>
-        <p:spPr/>
-        <p:txBody>
-          <a:bodyPr/>
-          <a:lstStyle/>
-          <a:p>
-            <a:endParaRPr lang="en-US" dirty="0"/>
+              <a:t>As Rick the user, I’d like a nice measuring tool on the screen to help me pinpoint my target</a:t>
+            </a:r>
+            <a:r>
+              <a:rPr lang="en-US" sz="5400" dirty="0" smtClean="0"/>
+              <a:t>.</a:t>
+            </a:r>
+            <a:br>
+              <a:rPr lang="en-US" sz="5400" dirty="0" smtClean="0"/>
+            </a:br>
+            <a:r>
+              <a:rPr lang="en-US" sz="5400" dirty="0"/>
+              <a:t/>
+            </a:r>
+            <a:br>
+              <a:rPr lang="en-US" sz="5400" dirty="0"/>
+            </a:br>
+            <a:r>
+              <a:rPr lang="en-US" sz="5400" dirty="0" smtClean="0"/>
+              <a:t/>
+            </a:r>
+            <a:br>
+              <a:rPr lang="en-US" sz="5400" dirty="0" smtClean="0"/>
+            </a:br>
+            <a:r>
+              <a:rPr lang="en-US" sz="4000" dirty="0" smtClean="0"/>
+              <a:t>-</a:t>
+            </a:r>
+            <a:r>
+              <a:rPr lang="en-US" sz="4000" dirty="0"/>
+              <a:t>[Measurement Tool]</a:t>
+            </a:r>
+            <a:endParaRPr lang="en-US" sz="4000" dirty="0"/>
           </a:p>
         </p:txBody>
       </p:sp>
@@ -7068,33 +7171,38 @@
           <a:p>
             <a:r>
               <a:rPr lang="en-US" sz="5400" dirty="0"/>
-              <a:t>As Jane the college aged woman I want to social media blast this location to everyone in my circle.</a:t>
-            </a:r>
-          </a:p>
-        </p:txBody>
-      </p:sp>
-      <p:sp>
-        <p:nvSpPr>
-          <p:cNvPr id="3" name="Content Placeholder 2">
-            <a:extLst>
-              <a:ext uri="{FF2B5EF4-FFF2-40B4-BE49-F238E27FC236}">
-                <a16:creationId xmlns:a16="http://schemas.microsoft.com/office/drawing/2014/main" id="{361D3B48-B632-4E60-8736-F1558045DB59}"/>
-              </a:ext>
-            </a:extLst>
-          </p:cNvPr>
-          <p:cNvSpPr>
-            <a:spLocks noGrp="1"/>
-          </p:cNvSpPr>
-          <p:nvPr>
-            <p:ph idx="1"/>
-          </p:nvPr>
-        </p:nvSpPr>
-        <p:spPr/>
-        <p:txBody>
-          <a:bodyPr/>
-          <a:lstStyle/>
-          <a:p>
-            <a:endParaRPr lang="en-US" dirty="0"/>
+              <a:t>As Jane the college aged woman I want to social media blast this location to everyone in my circle</a:t>
+            </a:r>
+            <a:r>
+              <a:rPr lang="en-US" sz="5400" dirty="0" smtClean="0"/>
+              <a:t>.</a:t>
+            </a:r>
+            <a:br>
+              <a:rPr lang="en-US" sz="5400" dirty="0" smtClean="0"/>
+            </a:br>
+            <a:r>
+              <a:rPr lang="en-US" sz="5400" dirty="0"/>
+              <a:t/>
+            </a:r>
+            <a:br>
+              <a:rPr lang="en-US" sz="5400" dirty="0"/>
+            </a:br>
+            <a:r>
+              <a:rPr lang="en-US" sz="5400" dirty="0" smtClean="0"/>
+              <a:t/>
+            </a:r>
+            <a:br>
+              <a:rPr lang="en-US" sz="5400" dirty="0" smtClean="0"/>
+            </a:br>
+            <a:r>
+              <a:rPr lang="en-US" sz="4000" dirty="0" smtClean="0"/>
+              <a:t>-</a:t>
+            </a:r>
+            <a:r>
+              <a:rPr lang="en-US" sz="4000" dirty="0"/>
+              <a:t>[Social Media Integration]</a:t>
+            </a:r>
+            <a:endParaRPr lang="en-US" sz="4000" dirty="0"/>
           </a:p>
         </p:txBody>
       </p:sp>
@@ -7234,33 +7342,31 @@
           <a:p>
             <a:r>
               <a:rPr lang="en-US" sz="5400" dirty="0"/>
-              <a:t>As Tommy the mountain hermit, I want to still be able to use the app even if I go months without internet access.</a:t>
-            </a:r>
-          </a:p>
-        </p:txBody>
-      </p:sp>
-      <p:sp>
-        <p:nvSpPr>
-          <p:cNvPr id="3" name="Content Placeholder 2">
-            <a:extLst>
-              <a:ext uri="{FF2B5EF4-FFF2-40B4-BE49-F238E27FC236}">
-                <a16:creationId xmlns:a16="http://schemas.microsoft.com/office/drawing/2014/main" id="{361D3B48-B632-4E60-8736-F1558045DB59}"/>
-              </a:ext>
-            </a:extLst>
-          </p:cNvPr>
-          <p:cNvSpPr>
-            <a:spLocks noGrp="1"/>
-          </p:cNvSpPr>
-          <p:nvPr>
-            <p:ph idx="1"/>
-          </p:nvPr>
-        </p:nvSpPr>
-        <p:spPr/>
-        <p:txBody>
-          <a:bodyPr/>
-          <a:lstStyle/>
-          <a:p>
-            <a:endParaRPr lang="en-US" dirty="0"/>
+              <a:t>As Tommy the mountain hermit, I want to still be able to use the app even if I go months without internet access</a:t>
+            </a:r>
+            <a:r>
+              <a:rPr lang="en-US" sz="5400" dirty="0" smtClean="0"/>
+              <a:t>.</a:t>
+            </a:r>
+            <a:br>
+              <a:rPr lang="en-US" sz="5400" dirty="0" smtClean="0"/>
+            </a:br>
+            <a:r>
+              <a:rPr lang="en-US" sz="5400" dirty="0"/>
+              <a:t/>
+            </a:r>
+            <a:br>
+              <a:rPr lang="en-US" sz="5400" dirty="0"/>
+            </a:br>
+            <a:r>
+              <a:rPr lang="en-US" sz="4000" dirty="0" smtClean="0"/>
+              <a:t>-</a:t>
+            </a:r>
+            <a:r>
+              <a:rPr lang="en-US" sz="4000" dirty="0"/>
+              <a:t>[Local Storage]</a:t>
+            </a:r>
+            <a:endParaRPr lang="en-US" sz="4000" dirty="0"/>
           </a:p>
         </p:txBody>
       </p:sp>
@@ -7317,33 +7423,52 @@
           <a:p>
             <a:r>
               <a:rPr lang="en-US" sz="4800" dirty="0"/>
-              <a:t>As Gina the historian, I want some historical information about the landmark.</a:t>
-            </a:r>
-          </a:p>
-        </p:txBody>
-      </p:sp>
-      <p:sp>
-        <p:nvSpPr>
-          <p:cNvPr id="3" name="Content Placeholder 2">
-            <a:extLst>
-              <a:ext uri="{FF2B5EF4-FFF2-40B4-BE49-F238E27FC236}">
-                <a16:creationId xmlns:a16="http://schemas.microsoft.com/office/drawing/2014/main" id="{361D3B48-B632-4E60-8736-F1558045DB59}"/>
-              </a:ext>
-            </a:extLst>
-          </p:cNvPr>
-          <p:cNvSpPr>
-            <a:spLocks noGrp="1"/>
-          </p:cNvSpPr>
-          <p:nvPr>
-            <p:ph idx="1"/>
-          </p:nvPr>
-        </p:nvSpPr>
-        <p:spPr/>
-        <p:txBody>
-          <a:bodyPr/>
-          <a:lstStyle/>
-          <a:p>
-            <a:endParaRPr lang="en-US" dirty="0"/>
+              <a:t>As Gina the historian, I want some historical information about the landmark</a:t>
+            </a:r>
+            <a:r>
+              <a:rPr lang="en-US" sz="4800" dirty="0" smtClean="0"/>
+              <a:t>.</a:t>
+            </a:r>
+            <a:br>
+              <a:rPr lang="en-US" sz="4800" dirty="0" smtClean="0"/>
+            </a:br>
+            <a:r>
+              <a:rPr lang="en-US" sz="4800" dirty="0"/>
+              <a:t/>
+            </a:r>
+            <a:br>
+              <a:rPr lang="en-US" sz="4800" dirty="0"/>
+            </a:br>
+            <a:r>
+              <a:rPr lang="en-US" sz="4800" dirty="0" smtClean="0"/>
+              <a:t/>
+            </a:r>
+            <a:br>
+              <a:rPr lang="en-US" sz="4800" dirty="0" smtClean="0"/>
+            </a:br>
+            <a:r>
+              <a:rPr lang="en-US" sz="4800" dirty="0"/>
+              <a:t/>
+            </a:r>
+            <a:br>
+              <a:rPr lang="en-US" sz="4800" dirty="0"/>
+            </a:br>
+            <a:r>
+              <a:rPr lang="en-US" sz="4800" dirty="0" smtClean="0"/>
+              <a:t/>
+            </a:r>
+            <a:br>
+              <a:rPr lang="en-US" sz="4800" dirty="0" smtClean="0"/>
+            </a:br>
+            <a:r>
+              <a:rPr lang="en-US" sz="4000" dirty="0" smtClean="0"/>
+              <a:t>-</a:t>
+            </a:r>
+            <a:r>
+              <a:rPr lang="en-US" sz="4000" dirty="0"/>
+              <a:t>[Historical Information]</a:t>
+            </a:r>
+            <a:endParaRPr lang="en-US" sz="4000" dirty="0"/>
           </a:p>
         </p:txBody>
       </p:sp>
@@ -8121,33 +8246,45 @@
             </a:r>
             <a:r>
               <a:rPr lang="en-US" sz="4800" dirty="0"/>
-              <a:t>dial in to a landmark</a:t>
-            </a:r>
-          </a:p>
-        </p:txBody>
-      </p:sp>
-      <p:sp>
-        <p:nvSpPr>
-          <p:cNvPr id="3" name="Content Placeholder 2">
-            <a:extLst>
-              <a:ext uri="{FF2B5EF4-FFF2-40B4-BE49-F238E27FC236}">
-                <a16:creationId xmlns:a16="http://schemas.microsoft.com/office/drawing/2014/main" id="{361D3B48-B632-4E60-8736-F1558045DB59}"/>
-              </a:ext>
-            </a:extLst>
-          </p:cNvPr>
-          <p:cNvSpPr>
-            <a:spLocks noGrp="1"/>
-          </p:cNvSpPr>
-          <p:nvPr>
-            <p:ph idx="1"/>
-          </p:nvPr>
-        </p:nvSpPr>
-        <p:spPr/>
-        <p:txBody>
-          <a:bodyPr/>
-          <a:lstStyle/>
-          <a:p>
-            <a:endParaRPr lang="en-US" dirty="0"/>
+              <a:t>dial in to a </a:t>
+            </a:r>
+            <a:r>
+              <a:rPr lang="en-US" sz="4800" dirty="0" smtClean="0"/>
+              <a:t>landmark</a:t>
+            </a:r>
+            <a:br>
+              <a:rPr lang="en-US" sz="4800" dirty="0" smtClean="0"/>
+            </a:br>
+            <a:r>
+              <a:rPr lang="en-US" sz="4800" dirty="0"/>
+              <a:t/>
+            </a:r>
+            <a:br>
+              <a:rPr lang="en-US" sz="4800" dirty="0"/>
+            </a:br>
+            <a:r>
+              <a:rPr lang="en-US" sz="4800" dirty="0" smtClean="0"/>
+              <a:t/>
+            </a:r>
+            <a:br>
+              <a:rPr lang="en-US" sz="4800" dirty="0" smtClean="0"/>
+            </a:br>
+            <a:r>
+              <a:rPr lang="en-US" sz="4800" dirty="0"/>
+              <a:t/>
+            </a:r>
+            <a:br>
+              <a:rPr lang="en-US" sz="4800" dirty="0"/>
+            </a:br>
+            <a:r>
+              <a:rPr lang="en-US" sz="4000" dirty="0" smtClean="0"/>
+              <a:t>-[</a:t>
+            </a:r>
+            <a:r>
+              <a:rPr lang="en-US" sz="4000" dirty="0"/>
+              <a:t>Augmented Landmarks]</a:t>
+            </a:r>
+            <a:endParaRPr lang="en-US" sz="4000" dirty="0"/>
           </a:p>
         </p:txBody>
       </p:sp>
@@ -8491,52 +8628,59 @@
             <p:ph type="title"/>
           </p:nvPr>
         </p:nvSpPr>
-        <p:spPr>
-          <a:xfrm>
-            <a:off x="674246" y="452718"/>
-            <a:ext cx="9404723" cy="1400530"/>
-          </a:xfrm>
-        </p:spPr>
+        <p:spPr/>
         <p:txBody>
           <a:bodyPr/>
           <a:lstStyle/>
           <a:p>
             <a:r>
               <a:rPr lang="en-US" sz="4800" dirty="0"/>
-              <a:t>As Billy the new user, I want to log into an account for this app.</a:t>
-            </a:r>
-          </a:p>
-        </p:txBody>
-      </p:sp>
-      <p:sp>
-        <p:nvSpPr>
-          <p:cNvPr id="3" name="Content Placeholder 2">
-            <a:extLst>
-              <a:ext uri="{FF2B5EF4-FFF2-40B4-BE49-F238E27FC236}">
-                <a16:creationId xmlns:a16="http://schemas.microsoft.com/office/drawing/2014/main" id="{361D3B48-B632-4E60-8736-F1558045DB59}"/>
-              </a:ext>
-            </a:extLst>
-          </p:cNvPr>
-          <p:cNvSpPr>
-            <a:spLocks noGrp="1"/>
-          </p:cNvSpPr>
-          <p:nvPr>
-            <p:ph idx="1"/>
-          </p:nvPr>
-        </p:nvSpPr>
-        <p:spPr/>
-        <p:txBody>
-          <a:bodyPr/>
-          <a:lstStyle/>
-          <a:p>
-            <a:endParaRPr lang="en-US" dirty="0"/>
+              <a:t>As Timmy the user, I want to point my phone at a landmark and find information about it</a:t>
+            </a:r>
+            <a:r>
+              <a:rPr lang="en-US" sz="4800" dirty="0" smtClean="0"/>
+              <a:t>.</a:t>
+            </a:r>
+            <a:br>
+              <a:rPr lang="en-US" sz="4800" dirty="0" smtClean="0"/>
+            </a:br>
+            <a:r>
+              <a:rPr lang="en-US" sz="4800" dirty="0"/>
+              <a:t/>
+            </a:r>
+            <a:br>
+              <a:rPr lang="en-US" sz="4800" dirty="0"/>
+            </a:br>
+            <a:r>
+              <a:rPr lang="en-US" sz="4800" dirty="0" smtClean="0"/>
+              <a:t/>
+            </a:r>
+            <a:br>
+              <a:rPr lang="en-US" sz="4800" dirty="0" smtClean="0"/>
+            </a:br>
+            <a:r>
+              <a:rPr lang="en-US" sz="4800" dirty="0"/>
+              <a:t/>
+            </a:r>
+            <a:br>
+              <a:rPr lang="en-US" sz="4800" dirty="0"/>
+            </a:br>
+            <a:r>
+              <a:rPr lang="en-US" sz="4000" dirty="0" smtClean="0"/>
+              <a:t>-</a:t>
+            </a:r>
+            <a:r>
+              <a:rPr lang="en-US" sz="4000" dirty="0"/>
+              <a:t>[Mobile App]</a:t>
+            </a:r>
+            <a:endParaRPr lang="en-US" sz="4000" dirty="0"/>
           </a:p>
         </p:txBody>
       </p:sp>
     </p:spTree>
     <p:extLst>
       <p:ext uri="{BB962C8B-B14F-4D97-AF65-F5344CB8AC3E}">
-        <p14:creationId xmlns:p14="http://schemas.microsoft.com/office/powerpoint/2010/main" val="2229278952"/>
+        <p14:creationId xmlns:p14="http://schemas.microsoft.com/office/powerpoint/2010/main" val="1891361890"/>
       </p:ext>
     </p:extLst>
   </p:cSld>
@@ -8826,7 +8970,7 @@
           <p:cNvPr id="2" name="Title 1">
             <a:extLst>
               <a:ext uri="{FF2B5EF4-FFF2-40B4-BE49-F238E27FC236}">
-                <a16:creationId xmlns:a16="http://schemas.microsoft.com/office/drawing/2014/main" id="{ABFE9964-2DD0-4B8C-9324-5C9218DC5DF7}"/>
+                <a16:creationId xmlns:a16="http://schemas.microsoft.com/office/drawing/2014/main" id="{BA35D0AB-9A37-479C-9406-C70EC5D04068}"/>
               </a:ext>
             </a:extLst>
           </p:cNvPr>
@@ -8843,9 +8987,10 @@
           <a:lstStyle/>
           <a:p>
             <a:r>
-              <a:rPr lang="en-US" sz="4800" dirty="0"/>
-              <a:t>As Timmy the user, I want to point my phone at a landmark and find information about it.</a:t>
-            </a:r>
+              <a:rPr lang="en-US" dirty="0" err="1" smtClean="0"/>
+              <a:t>Xamarin</a:t>
+            </a:r>
+            <a:endParaRPr lang="en-US" dirty="0"/>
           </a:p>
         </p:txBody>
       </p:sp>
@@ -8854,7 +8999,7 @@
           <p:cNvPr id="3" name="Content Placeholder 2">
             <a:extLst>
               <a:ext uri="{FF2B5EF4-FFF2-40B4-BE49-F238E27FC236}">
-                <a16:creationId xmlns:a16="http://schemas.microsoft.com/office/drawing/2014/main" id="{361D3B48-B632-4E60-8736-F1558045DB59}"/>
+                <a16:creationId xmlns:a16="http://schemas.microsoft.com/office/drawing/2014/main" id="{C53C1AAE-D52E-4865-94E5-9A746F2B6603}"/>
               </a:ext>
             </a:extLst>
           </p:cNvPr>
@@ -8865,24 +9010,71 @@
             <p:ph idx="1"/>
           </p:nvPr>
         </p:nvSpPr>
-        <p:spPr>
-          <a:xfrm>
-            <a:off x="1103312" y="3559126"/>
-            <a:ext cx="8946541" cy="2689273"/>
-          </a:xfrm>
-        </p:spPr>
-        <p:txBody>
-          <a:bodyPr/>
-          <a:lstStyle/>
-          <a:p>
+        <p:spPr/>
+        <p:txBody>
+          <a:bodyPr/>
+          <a:lstStyle/>
+          <a:p>
+            <a:pPr marL="0" indent="0">
+              <a:buNone/>
+            </a:pPr>
+            <a:r>
+              <a:rPr lang="en-US" dirty="0" smtClean="0"/>
+              <a:t>Language: C#</a:t>
+            </a:r>
+          </a:p>
+          <a:p>
+            <a:pPr marL="0" indent="0">
+              <a:buNone/>
+            </a:pPr>
+            <a:endParaRPr lang="en-US" dirty="0" smtClean="0"/>
+          </a:p>
+          <a:p>
+            <a:pPr marL="0" indent="0">
+              <a:buNone/>
+            </a:pPr>
+            <a:r>
+              <a:rPr lang="en-US" dirty="0" smtClean="0"/>
+              <a:t>Pros</a:t>
+            </a:r>
             <a:endParaRPr lang="en-US" dirty="0"/>
+          </a:p>
+          <a:p>
+            <a:r>
+              <a:rPr lang="en-US" dirty="0" smtClean="0"/>
+              <a:t>Lots of documentation</a:t>
+            </a:r>
+          </a:p>
+          <a:p>
+            <a:r>
+              <a:rPr lang="en-US" dirty="0" smtClean="0"/>
+              <a:t>Free to us</a:t>
+            </a:r>
+          </a:p>
+          <a:p>
+            <a:endParaRPr lang="en-US" dirty="0"/>
+          </a:p>
+          <a:p>
+            <a:pPr marL="0" indent="0">
+              <a:buNone/>
+            </a:pPr>
+            <a:r>
+              <a:rPr lang="en-US" dirty="0" smtClean="0"/>
+              <a:t>Cons</a:t>
+            </a:r>
+          </a:p>
+          <a:p>
+            <a:r>
+              <a:rPr lang="en-US" dirty="0" smtClean="0"/>
+              <a:t>Still has trouble getting it to work right</a:t>
+            </a:r>
           </a:p>
         </p:txBody>
       </p:sp>
     </p:spTree>
     <p:extLst>
       <p:ext uri="{BB962C8B-B14F-4D97-AF65-F5344CB8AC3E}">
-        <p14:creationId xmlns:p14="http://schemas.microsoft.com/office/powerpoint/2010/main" val="1891361890"/>
+        <p14:creationId xmlns:p14="http://schemas.microsoft.com/office/powerpoint/2010/main" val="3016141690"/>
       </p:ext>
     </p:extLst>
   </p:cSld>
@@ -8931,8 +9123,8 @@
           <a:lstStyle/>
           <a:p>
             <a:r>
-              <a:rPr lang="en-US" dirty="0" err="1" smtClean="0"/>
-              <a:t>Xamarin</a:t>
+              <a:rPr lang="en-US" dirty="0" smtClean="0"/>
+              <a:t>Unity</a:t>
             </a:r>
             <a:endParaRPr lang="en-US" dirty="0"/>
           </a:p>
@@ -8986,13 +9178,13 @@
           <a:p>
             <a:r>
               <a:rPr lang="en-US" dirty="0" smtClean="0"/>
-              <a:t>Lots of documentation</a:t>
+              <a:t>Readily available</a:t>
             </a:r>
           </a:p>
           <a:p>
             <a:r>
               <a:rPr lang="en-US" dirty="0" smtClean="0"/>
-              <a:t>Free to us</a:t>
+              <a:t>Free version</a:t>
             </a:r>
           </a:p>
           <a:p>
@@ -9010,15 +9202,22 @@
           <a:p>
             <a:r>
               <a:rPr lang="en-US" dirty="0" smtClean="0"/>
-              <a:t>Still has trouble getting it to work right</a:t>
-            </a:r>
+              <a:t>Used more for games</a:t>
+            </a:r>
+          </a:p>
+          <a:p>
+            <a:r>
+              <a:rPr lang="en-US" dirty="0" smtClean="0"/>
+              <a:t>Very resource intensive</a:t>
+            </a:r>
+            <a:endParaRPr lang="en-US" dirty="0" smtClean="0"/>
           </a:p>
         </p:txBody>
       </p:sp>
     </p:spTree>
     <p:extLst>
       <p:ext uri="{BB962C8B-B14F-4D97-AF65-F5344CB8AC3E}">
-        <p14:creationId xmlns:p14="http://schemas.microsoft.com/office/powerpoint/2010/main" val="3016141690"/>
+        <p14:creationId xmlns:p14="http://schemas.microsoft.com/office/powerpoint/2010/main" val="3724892284"/>
       </p:ext>
     </p:extLst>
   </p:cSld>
@@ -9068,7 +9267,7 @@
           <a:p>
             <a:r>
               <a:rPr lang="en-US" dirty="0" smtClean="0"/>
-              <a:t>Unity</a:t>
+              <a:t>Android Studio</a:t>
             </a:r>
             <a:endParaRPr lang="en-US" dirty="0"/>
           </a:p>
@@ -9100,7 +9299,7 @@
             </a:pPr>
             <a:r>
               <a:rPr lang="en-US" dirty="0" smtClean="0"/>
-              <a:t>Language: C#</a:t>
+              <a:t>Language: Java, C#, C++, etc.</a:t>
             </a:r>
           </a:p>
           <a:p>
@@ -9122,13 +9321,13 @@
           <a:p>
             <a:r>
               <a:rPr lang="en-US" dirty="0" smtClean="0"/>
-              <a:t>Readily available</a:t>
+              <a:t>Built-in emulator</a:t>
             </a:r>
           </a:p>
           <a:p>
             <a:r>
               <a:rPr lang="en-US" dirty="0" smtClean="0"/>
-              <a:t>Free version</a:t>
+              <a:t>Made by the android developers</a:t>
             </a:r>
           </a:p>
           <a:p>
@@ -9146,13 +9345,13 @@
           <a:p>
             <a:r>
               <a:rPr lang="en-US" dirty="0" smtClean="0"/>
-              <a:t>Used more for games</a:t>
+              <a:t>Still will need to run on a real physical phone</a:t>
             </a:r>
           </a:p>
           <a:p>
             <a:r>
               <a:rPr lang="en-US" dirty="0" smtClean="0"/>
-              <a:t>Very resource intensive</a:t>
+              <a:t>Alienates going to IOS</a:t>
             </a:r>
             <a:endParaRPr lang="en-US" dirty="0" smtClean="0"/>
           </a:p>
@@ -9161,7 +9360,7 @@
     </p:spTree>
     <p:extLst>
       <p:ext uri="{BB962C8B-B14F-4D97-AF65-F5344CB8AC3E}">
-        <p14:creationId xmlns:p14="http://schemas.microsoft.com/office/powerpoint/2010/main" val="3724892284"/>
+        <p14:creationId xmlns:p14="http://schemas.microsoft.com/office/powerpoint/2010/main" val="2969171093"/>
       </p:ext>
     </p:extLst>
   </p:cSld>
@@ -9193,7 +9392,7 @@
           <p:cNvPr id="2" name="Title 1">
             <a:extLst>
               <a:ext uri="{FF2B5EF4-FFF2-40B4-BE49-F238E27FC236}">
-                <a16:creationId xmlns:a16="http://schemas.microsoft.com/office/drawing/2014/main" id="{BA35D0AB-9A37-479C-9406-C70EC5D04068}"/>
+                <a16:creationId xmlns:a16="http://schemas.microsoft.com/office/drawing/2014/main" id="{33182361-C770-430C-97A0-B9298FA3FE50}"/>
               </a:ext>
             </a:extLst>
           </p:cNvPr>
@@ -9211,6 +9410,13 @@
           <a:p>
             <a:r>
               <a:rPr lang="en-US" dirty="0" smtClean="0"/>
+              <a:t>Chosen Technology:</a:t>
+            </a:r>
+            <a:br>
+              <a:rPr lang="en-US" dirty="0" smtClean="0"/>
+            </a:br>
+            <a:r>
+              <a:rPr lang="en-US" dirty="0" smtClean="0"/>
               <a:t>Android Studio</a:t>
             </a:r>
             <a:endParaRPr lang="en-US" dirty="0"/>
@@ -9222,7 +9428,7 @@
           <p:cNvPr id="3" name="Content Placeholder 2">
             <a:extLst>
               <a:ext uri="{FF2B5EF4-FFF2-40B4-BE49-F238E27FC236}">
-                <a16:creationId xmlns:a16="http://schemas.microsoft.com/office/drawing/2014/main" id="{C53C1AAE-D52E-4865-94E5-9A746F2B6603}"/>
+                <a16:creationId xmlns:a16="http://schemas.microsoft.com/office/drawing/2014/main" id="{6457FBD9-768E-4864-B576-83C1D02FB7F8}"/>
               </a:ext>
             </a:extLst>
           </p:cNvPr>
@@ -9238,73 +9444,34 @@
           <a:bodyPr/>
           <a:lstStyle/>
           <a:p>
-            <a:pPr marL="0" indent="0">
-              <a:buNone/>
-            </a:pPr>
             <a:r>
               <a:rPr lang="en-US" dirty="0" smtClean="0"/>
-              <a:t>Language: Java, C#, C++, etc.</a:t>
-            </a:r>
-          </a:p>
-          <a:p>
-            <a:pPr marL="0" indent="0">
-              <a:buNone/>
-            </a:pPr>
+              <a:t>Built-in phone emulator helps with running quick compilation and UI tests</a:t>
+            </a:r>
+          </a:p>
+          <a:p>
+            <a:r>
+              <a:rPr lang="en-US" dirty="0" smtClean="0"/>
+              <a:t>Does favor Java but is still compatible with C languages and </a:t>
+            </a:r>
+            <a:r>
+              <a:rPr lang="en-US" dirty="0" err="1" smtClean="0"/>
+              <a:t>Kotlin</a:t>
+            </a:r>
             <a:endParaRPr lang="en-US" dirty="0" smtClean="0"/>
           </a:p>
           <a:p>
-            <a:pPr marL="0" indent="0">
-              <a:buNone/>
-            </a:pPr>
             <a:r>
               <a:rPr lang="en-US" dirty="0" smtClean="0"/>
-              <a:t>Pros</a:t>
-            </a:r>
-            <a:endParaRPr lang="en-US" dirty="0"/>
-          </a:p>
-          <a:p>
-            <a:r>
-              <a:rPr lang="en-US" dirty="0" smtClean="0"/>
-              <a:t>Built-in emulator</a:t>
-            </a:r>
-          </a:p>
-          <a:p>
-            <a:r>
-              <a:rPr lang="en-US" dirty="0" smtClean="0"/>
-              <a:t>Made by the android developers</a:t>
-            </a:r>
-          </a:p>
-          <a:p>
-            <a:endParaRPr lang="en-US" dirty="0"/>
-          </a:p>
-          <a:p>
-            <a:pPr marL="0" indent="0">
-              <a:buNone/>
-            </a:pPr>
-            <a:r>
-              <a:rPr lang="en-US" dirty="0" smtClean="0"/>
-              <a:t>Cons</a:t>
-            </a:r>
-          </a:p>
-          <a:p>
-            <a:r>
-              <a:rPr lang="en-US" dirty="0" smtClean="0"/>
-              <a:t>Still will need to run on a real physical phone</a:t>
-            </a:r>
-          </a:p>
-          <a:p>
-            <a:r>
-              <a:rPr lang="en-US" dirty="0" smtClean="0"/>
-              <a:t>Alienates going to IOS</a:t>
-            </a:r>
-            <a:endParaRPr lang="en-US" dirty="0" smtClean="0"/>
+              <a:t>Reliable documentation by the Android developers</a:t>
+            </a:r>
           </a:p>
         </p:txBody>
       </p:sp>
     </p:spTree>
     <p:extLst>
       <p:ext uri="{BB962C8B-B14F-4D97-AF65-F5344CB8AC3E}">
-        <p14:creationId xmlns:p14="http://schemas.microsoft.com/office/powerpoint/2010/main" val="2969171093"/>
+        <p14:creationId xmlns:p14="http://schemas.microsoft.com/office/powerpoint/2010/main" val="3183227633"/>
       </p:ext>
     </p:extLst>
   </p:cSld>
@@ -9336,7 +9503,7 @@
           <p:cNvPr id="2" name="Title 1">
             <a:extLst>
               <a:ext uri="{FF2B5EF4-FFF2-40B4-BE49-F238E27FC236}">
-                <a16:creationId xmlns:a16="http://schemas.microsoft.com/office/drawing/2014/main" id="{33182361-C770-430C-97A0-B9298FA3FE50}"/>
+                <a16:creationId xmlns:a16="http://schemas.microsoft.com/office/drawing/2014/main" id="{ABFE9964-2DD0-4B8C-9324-5C9218DC5DF7}"/>
               </a:ext>
             </a:extLst>
           </p:cNvPr>
@@ -9347,79 +9514,64 @@
             <p:ph type="title"/>
           </p:nvPr>
         </p:nvSpPr>
-        <p:spPr/>
-        <p:txBody>
-          <a:bodyPr/>
-          <a:lstStyle/>
-          <a:p>
-            <a:r>
-              <a:rPr lang="en-US" dirty="0" smtClean="0"/>
-              <a:t>Chosen Technology:</a:t>
+        <p:spPr>
+          <a:xfrm>
+            <a:off x="674246" y="452718"/>
+            <a:ext cx="9404723" cy="1400530"/>
+          </a:xfrm>
+        </p:spPr>
+        <p:txBody>
+          <a:bodyPr/>
+          <a:lstStyle/>
+          <a:p>
+            <a:r>
+              <a:rPr lang="en-US" sz="4800" dirty="0"/>
+              <a:t>As Billy the new user, I want to log into an account for this app</a:t>
+            </a:r>
+            <a:r>
+              <a:rPr lang="en-US" sz="4800" dirty="0" smtClean="0"/>
+              <a:t>.</a:t>
             </a:r>
             <a:br>
-              <a:rPr lang="en-US" dirty="0" smtClean="0"/>
+              <a:rPr lang="en-US" sz="4800" dirty="0" smtClean="0"/>
             </a:br>
             <a:r>
-              <a:rPr lang="en-US" dirty="0" smtClean="0"/>
-              <a:t>Android Studio</a:t>
-            </a:r>
-            <a:endParaRPr lang="en-US" dirty="0"/>
-          </a:p>
-        </p:txBody>
-      </p:sp>
-      <p:sp>
-        <p:nvSpPr>
-          <p:cNvPr id="3" name="Content Placeholder 2">
-            <a:extLst>
-              <a:ext uri="{FF2B5EF4-FFF2-40B4-BE49-F238E27FC236}">
-                <a16:creationId xmlns:a16="http://schemas.microsoft.com/office/drawing/2014/main" id="{6457FBD9-768E-4864-B576-83C1D02FB7F8}"/>
-              </a:ext>
-            </a:extLst>
-          </p:cNvPr>
-          <p:cNvSpPr>
-            <a:spLocks noGrp="1"/>
-          </p:cNvSpPr>
-          <p:nvPr>
-            <p:ph idx="1"/>
-          </p:nvPr>
-        </p:nvSpPr>
-        <p:spPr/>
-        <p:txBody>
-          <a:bodyPr/>
-          <a:lstStyle/>
-          <a:p>
-            <a:r>
-              <a:rPr lang="en-US" dirty="0" smtClean="0"/>
-              <a:t>Built-in phone emulator helps with running quick compilation and UI tests</a:t>
-            </a:r>
-          </a:p>
-          <a:p>
-            <a:r>
-              <a:rPr lang="en-US" dirty="0" smtClean="0"/>
-              <a:t>Does favor Java but is still compatible with C languages and </a:t>
-            </a:r>
-            <a:r>
-              <a:rPr lang="en-US" dirty="0" err="1" smtClean="0"/>
-              <a:t>Kotlin</a:t>
-            </a:r>
-            <a:endParaRPr lang="en-US" dirty="0" smtClean="0"/>
-          </a:p>
-          <a:p>
-            <a:r>
-              <a:rPr lang="en-US" dirty="0" smtClean="0"/>
-              <a:t>Reliable documentation by the </a:t>
-            </a:r>
-            <a:r>
-              <a:rPr lang="en-US" smtClean="0"/>
-              <a:t>Android developers</a:t>
-            </a:r>
+              <a:rPr lang="en-US" sz="4800" dirty="0"/>
+              <a:t/>
+            </a:r>
+            <a:br>
+              <a:rPr lang="en-US" sz="4800" dirty="0"/>
+            </a:br>
+            <a:r>
+              <a:rPr lang="en-US" sz="4800" dirty="0" smtClean="0"/>
+              <a:t/>
+            </a:r>
+            <a:br>
+              <a:rPr lang="en-US" sz="4800" dirty="0" smtClean="0"/>
+            </a:br>
+            <a:r>
+              <a:rPr lang="en-US" sz="4800" dirty="0" smtClean="0"/>
+              <a:t/>
+            </a:r>
+            <a:br>
+              <a:rPr lang="en-US" sz="4800" dirty="0" smtClean="0"/>
+            </a:br>
+            <a:r>
+              <a:rPr lang="en-US" sz="4800" dirty="0" smtClean="0"/>
+              <a:t>-</a:t>
+            </a:r>
+            <a:r>
+              <a:rPr lang="en-US" sz="4000" dirty="0"/>
+              <a:t>[User Accounts]</a:t>
+            </a:r>
+            <a:endParaRPr lang="en-US" sz="4000" dirty="0"/>
           </a:p>
         </p:txBody>
       </p:sp>
     </p:spTree>
     <p:extLst>
       <p:ext uri="{BB962C8B-B14F-4D97-AF65-F5344CB8AC3E}">
-        <p14:creationId xmlns:p14="http://schemas.microsoft.com/office/powerpoint/2010/main" val="3183227633"/>
+        <p14:creationId xmlns:p14="http://schemas.microsoft.com/office/powerpoint/2010/main" val="2229278952"/>
       </p:ext>
     </p:extLst>
   </p:cSld>
@@ -9469,33 +9621,35 @@
           <a:p>
             <a:r>
               <a:rPr lang="en-US" sz="4800" dirty="0"/>
-              <a:t>As George the photographer, I want all the pictures taken at each location to be associated with the location they were taken at.</a:t>
-            </a:r>
-          </a:p>
-        </p:txBody>
-      </p:sp>
-      <p:sp>
-        <p:nvSpPr>
-          <p:cNvPr id="3" name="Content Placeholder 2">
-            <a:extLst>
-              <a:ext uri="{FF2B5EF4-FFF2-40B4-BE49-F238E27FC236}">
-                <a16:creationId xmlns:a16="http://schemas.microsoft.com/office/drawing/2014/main" id="{361D3B48-B632-4E60-8736-F1558045DB59}"/>
-              </a:ext>
-            </a:extLst>
-          </p:cNvPr>
-          <p:cNvSpPr>
-            <a:spLocks noGrp="1"/>
-          </p:cNvSpPr>
-          <p:nvPr>
-            <p:ph idx="1"/>
-          </p:nvPr>
-        </p:nvSpPr>
-        <p:spPr/>
-        <p:txBody>
-          <a:bodyPr/>
-          <a:lstStyle/>
-          <a:p>
-            <a:endParaRPr lang="en-US" dirty="0"/>
+              <a:t>As George the photographer, I want all the pictures taken at each location to be associated with the location they were taken at</a:t>
+            </a:r>
+            <a:r>
+              <a:rPr lang="en-US" sz="4800" dirty="0" smtClean="0"/>
+              <a:t>.</a:t>
+            </a:r>
+            <a:br>
+              <a:rPr lang="en-US" sz="4800" dirty="0" smtClean="0"/>
+            </a:br>
+            <a:r>
+              <a:rPr lang="en-US" sz="4800" dirty="0"/>
+              <a:t/>
+            </a:r>
+            <a:br>
+              <a:rPr lang="en-US" sz="4800" dirty="0"/>
+            </a:br>
+            <a:r>
+              <a:rPr lang="en-US" sz="4800" dirty="0" smtClean="0"/>
+              <a:t>-</a:t>
+            </a:r>
+            <a:r>
+              <a:rPr lang="en-US" sz="4000" dirty="0" smtClean="0"/>
+              <a:t>[</a:t>
+            </a:r>
+            <a:r>
+              <a:rPr lang="en-US" sz="4000" dirty="0"/>
+              <a:t>Associated Photos]</a:t>
+            </a:r>
+            <a:endParaRPr lang="en-US" sz="4000" dirty="0"/>
           </a:p>
         </p:txBody>
       </p:sp>

--- a/Technology Presentation.pptx
+++ b/Technology Presentation.pptx
@@ -190,6 +190,9 @@
         </p14:section>
       </p14:sectionLst>
     </p:ext>
+    <p:ext uri="{EFAFB233-063F-42B5-8137-9DF3F51BA10A}">
+      <p15:sldGuideLst xmlns:p15="http://schemas.microsoft.com/office/powerpoint/2012/main"/>
+    </p:ext>
   </p:extLst>
 </p:presentation>
 </file>
@@ -380,7 +383,7 @@
           <a:p>
             <a:fld id="{4FACE682-7757-4F60-9924-7C54F945BCEE}" type="datetimeFigureOut">
               <a:rPr lang="en-US" smtClean="0"/>
-              <a:t>11/5/2018</a:t>
+              <a:t>5/11/2018</a:t>
             </a:fld>
             <a:endParaRPr lang="en-US"/>
           </a:p>
@@ -655,7 +658,7 @@
           <a:p>
             <a:fld id="{4FACE682-7757-4F60-9924-7C54F945BCEE}" type="datetimeFigureOut">
               <a:rPr lang="en-US" smtClean="0"/>
-              <a:t>11/5/2018</a:t>
+              <a:t>5/11/2018</a:t>
             </a:fld>
             <a:endParaRPr lang="en-US"/>
           </a:p>
@@ -849,7 +852,7 @@
           <a:p>
             <a:fld id="{4FACE682-7757-4F60-9924-7C54F945BCEE}" type="datetimeFigureOut">
               <a:rPr lang="en-US" smtClean="0"/>
-              <a:t>11/5/2018</a:t>
+              <a:t>5/11/2018</a:t>
             </a:fld>
             <a:endParaRPr lang="en-US"/>
           </a:p>
@@ -1122,7 +1125,7 @@
           <a:p>
             <a:fld id="{4FACE682-7757-4F60-9924-7C54F945BCEE}" type="datetimeFigureOut">
               <a:rPr lang="en-US" smtClean="0"/>
-              <a:t>11/5/2018</a:t>
+              <a:t>5/11/2018</a:t>
             </a:fld>
             <a:endParaRPr lang="en-US"/>
           </a:p>
@@ -1463,7 +1466,7 @@
           <a:p>
             <a:fld id="{4FACE682-7757-4F60-9924-7C54F945BCEE}" type="datetimeFigureOut">
               <a:rPr lang="en-US" smtClean="0"/>
-              <a:t>11/5/2018</a:t>
+              <a:t>5/11/2018</a:t>
             </a:fld>
             <a:endParaRPr lang="en-US"/>
           </a:p>
@@ -2086,7 +2089,7 @@
           <a:p>
             <a:fld id="{4FACE682-7757-4F60-9924-7C54F945BCEE}" type="datetimeFigureOut">
               <a:rPr lang="en-US" smtClean="0"/>
-              <a:t>11/5/2018</a:t>
+              <a:t>5/11/2018</a:t>
             </a:fld>
             <a:endParaRPr lang="en-US"/>
           </a:p>
@@ -2946,7 +2949,7 @@
           <a:p>
             <a:fld id="{4FACE682-7757-4F60-9924-7C54F945BCEE}" type="datetimeFigureOut">
               <a:rPr lang="en-US" smtClean="0"/>
-              <a:t>11/5/2018</a:t>
+              <a:t>5/11/2018</a:t>
             </a:fld>
             <a:endParaRPr lang="en-US"/>
           </a:p>
@@ -3116,7 +3119,7 @@
           <a:p>
             <a:fld id="{4FACE682-7757-4F60-9924-7C54F945BCEE}" type="datetimeFigureOut">
               <a:rPr lang="en-US" smtClean="0"/>
-              <a:t>11/5/2018</a:t>
+              <a:t>5/11/2018</a:t>
             </a:fld>
             <a:endParaRPr lang="en-US"/>
           </a:p>
@@ -3296,7 +3299,7 @@
           <a:p>
             <a:fld id="{4FACE682-7757-4F60-9924-7C54F945BCEE}" type="datetimeFigureOut">
               <a:rPr lang="en-US" smtClean="0"/>
-              <a:t>11/5/2018</a:t>
+              <a:t>5/11/2018</a:t>
             </a:fld>
             <a:endParaRPr lang="en-US"/>
           </a:p>
@@ -3466,7 +3469,7 @@
           <a:p>
             <a:fld id="{4FACE682-7757-4F60-9924-7C54F945BCEE}" type="datetimeFigureOut">
               <a:rPr lang="en-US" smtClean="0"/>
-              <a:t>11/5/2018</a:t>
+              <a:t>5/11/2018</a:t>
             </a:fld>
             <a:endParaRPr lang="en-US"/>
           </a:p>
@@ -3713,7 +3716,7 @@
           <a:p>
             <a:fld id="{4FACE682-7757-4F60-9924-7C54F945BCEE}" type="datetimeFigureOut">
               <a:rPr lang="en-US" smtClean="0"/>
-              <a:t>11/5/2018</a:t>
+              <a:t>5/11/2018</a:t>
             </a:fld>
             <a:endParaRPr lang="en-US"/>
           </a:p>
@@ -4005,7 +4008,7 @@
           <a:p>
             <a:fld id="{4FACE682-7757-4F60-9924-7C54F945BCEE}" type="datetimeFigureOut">
               <a:rPr lang="en-US" smtClean="0"/>
-              <a:t>11/5/2018</a:t>
+              <a:t>5/11/2018</a:t>
             </a:fld>
             <a:endParaRPr lang="en-US"/>
           </a:p>
@@ -4449,7 +4452,7 @@
           <a:p>
             <a:fld id="{4FACE682-7757-4F60-9924-7C54F945BCEE}" type="datetimeFigureOut">
               <a:rPr lang="en-US" smtClean="0"/>
-              <a:t>11/5/2018</a:t>
+              <a:t>5/11/2018</a:t>
             </a:fld>
             <a:endParaRPr lang="en-US"/>
           </a:p>
@@ -4567,7 +4570,7 @@
           <a:p>
             <a:fld id="{4FACE682-7757-4F60-9924-7C54F945BCEE}" type="datetimeFigureOut">
               <a:rPr lang="en-US" smtClean="0"/>
-              <a:t>11/5/2018</a:t>
+              <a:t>5/11/2018</a:t>
             </a:fld>
             <a:endParaRPr lang="en-US"/>
           </a:p>
@@ -4662,7 +4665,7 @@
           <a:p>
             <a:fld id="{4FACE682-7757-4F60-9924-7C54F945BCEE}" type="datetimeFigureOut">
               <a:rPr lang="en-US" smtClean="0"/>
-              <a:t>11/5/2018</a:t>
+              <a:t>5/11/2018</a:t>
             </a:fld>
             <a:endParaRPr lang="en-US"/>
           </a:p>
@@ -4941,7 +4944,7 @@
           <a:p>
             <a:fld id="{4FACE682-7757-4F60-9924-7C54F945BCEE}" type="datetimeFigureOut">
               <a:rPr lang="en-US" smtClean="0"/>
-              <a:t>11/5/2018</a:t>
+              <a:t>5/11/2018</a:t>
             </a:fld>
             <a:endParaRPr lang="en-US"/>
           </a:p>
@@ -5216,7 +5219,7 @@
           <a:p>
             <a:fld id="{4FACE682-7757-4F60-9924-7C54F945BCEE}" type="datetimeFigureOut">
               <a:rPr lang="en-US" smtClean="0"/>
-              <a:t>11/5/2018</a:t>
+              <a:t>5/11/2018</a:t>
             </a:fld>
             <a:endParaRPr lang="en-US"/>
           </a:p>
@@ -5645,7 +5648,7 @@
           <a:p>
             <a:fld id="{4FACE682-7757-4F60-9924-7C54F945BCEE}" type="datetimeFigureOut">
               <a:rPr lang="en-US" smtClean="0"/>
-              <a:t>11/5/2018</a:t>
+              <a:t>5/11/2018</a:t>
             </a:fld>
             <a:endParaRPr lang="en-US"/>
           </a:p>
@@ -6282,42 +6285,25 @@
           <a:p>
             <a:r>
               <a:rPr lang="en-US" sz="5400" dirty="0"/>
-              <a:t>As Tina the fisherman I want to privately save a great spot I found that so I can get back to it in the future</a:t>
-            </a:r>
-            <a:r>
-              <a:rPr lang="en-US" sz="5400" dirty="0" smtClean="0"/>
-              <a:t>.</a:t>
-            </a:r>
-            <a:br>
-              <a:rPr lang="en-US" sz="5400" dirty="0" smtClean="0"/>
-            </a:br>
-            <a:r>
-              <a:rPr lang="en-US" sz="5400" dirty="0"/>
-              <a:t/>
+              <a:t>As Tina the fisherman I want to privately save a great spot I found that so I can get back to it in the future.</a:t>
             </a:r>
             <a:br>
               <a:rPr lang="en-US" sz="5400" dirty="0"/>
             </a:br>
-            <a:r>
-              <a:rPr lang="en-US" sz="5400" dirty="0" smtClean="0"/>
-              <a:t/>
-            </a:r>
             <a:br>
-              <a:rPr lang="en-US" sz="5400" dirty="0" smtClean="0"/>
+              <a:rPr lang="en-US" sz="5400" dirty="0"/>
             </a:br>
-            <a:r>
-              <a:rPr lang="en-US" sz="5400" dirty="0" smtClean="0"/>
+            <a:br>
+              <a:rPr lang="en-US" sz="5400" dirty="0"/>
+            </a:br>
+            <a:r>
+              <a:rPr lang="en-US" sz="5400" dirty="0"/>
               <a:t>-</a:t>
             </a:r>
             <a:r>
-              <a:rPr lang="en-US" sz="4000" dirty="0" smtClean="0"/>
-              <a:t>[</a:t>
-            </a:r>
-            <a:r>
               <a:rPr lang="en-US" sz="4000" dirty="0"/>
-              <a:t>Custom Landmarks]</a:t>
-            </a:r>
-            <a:endParaRPr lang="en-US" sz="4000" dirty="0"/>
+              <a:t>[Custom Landmarks]</a:t>
+            </a:r>
           </a:p>
         </p:txBody>
       </p:sp>
@@ -6374,39 +6360,18 @@
           <a:p>
             <a:r>
               <a:rPr lang="en-US" sz="5400" dirty="0"/>
-              <a:t>As Francine the world </a:t>
-            </a:r>
-            <a:r>
-              <a:rPr lang="en-US" sz="5400" dirty="0" smtClean="0"/>
-              <a:t>traveler, </a:t>
-            </a:r>
-            <a:r>
-              <a:rPr lang="en-US" sz="5400" dirty="0"/>
-              <a:t>I want to easily show my friends a quick slideshow style summary of all the places I’ve been</a:t>
-            </a:r>
-            <a:r>
-              <a:rPr lang="en-US" sz="5400" dirty="0" smtClean="0"/>
-              <a:t>.</a:t>
-            </a:r>
-            <a:br>
-              <a:rPr lang="en-US" sz="5400" dirty="0" smtClean="0"/>
-            </a:br>
-            <a:r>
-              <a:rPr lang="en-US" sz="5400" dirty="0"/>
-              <a:t/>
+              <a:t>As Francine the world traveler, I want to easily show my friends a quick slideshow style summary of all the places I’ve been.</a:t>
             </a:r>
             <a:br>
               <a:rPr lang="en-US" sz="5400" dirty="0"/>
             </a:br>
-            <a:r>
-              <a:rPr lang="en-US" sz="4000" dirty="0" smtClean="0"/>
-              <a:t>-</a:t>
-            </a:r>
+            <a:br>
+              <a:rPr lang="en-US" sz="5400" dirty="0"/>
+            </a:br>
             <a:r>
               <a:rPr lang="en-US" sz="4000" dirty="0"/>
-              <a:t>[Slideshow Summary]</a:t>
-            </a:r>
-            <a:endParaRPr lang="en-US" sz="4000" dirty="0"/>
+              <a:t>-[Slideshow Summary]</a:t>
+            </a:r>
           </a:p>
         </p:txBody>
       </p:sp>
@@ -6463,38 +6428,18 @@
           <a:p>
             <a:r>
               <a:rPr lang="en-US" sz="5400" dirty="0"/>
-              <a:t>As Dora the explorer, I want to save personal notes about my trips to landmarks</a:t>
-            </a:r>
-            <a:r>
-              <a:rPr lang="en-US" sz="5400" dirty="0" smtClean="0"/>
-              <a:t>.</a:t>
-            </a:r>
-            <a:br>
-              <a:rPr lang="en-US" sz="5400" dirty="0" smtClean="0"/>
-            </a:br>
-            <a:r>
-              <a:rPr lang="en-US" sz="5400" dirty="0"/>
-              <a:t/>
+              <a:t>As Dora the explorer, I want to save personal notes about my trips to landmarks so that Swiper doesn’t swipe them.</a:t>
             </a:r>
             <a:br>
               <a:rPr lang="en-US" sz="5400" dirty="0"/>
             </a:br>
-            <a:r>
-              <a:rPr lang="en-US" sz="5400" dirty="0" smtClean="0"/>
-              <a:t/>
-            </a:r>
             <a:br>
-              <a:rPr lang="en-US" sz="5400" dirty="0" smtClean="0"/>
+              <a:rPr lang="en-US" sz="5400" dirty="0"/>
             </a:br>
             <a:r>
-              <a:rPr lang="en-US" sz="4000" dirty="0" smtClean="0"/>
-              <a:t>-[</a:t>
-            </a:r>
-            <a:r>
               <a:rPr lang="en-US" sz="4000" dirty="0"/>
-              <a:t>Saved Notes]</a:t>
-            </a:r>
-            <a:endParaRPr lang="en-US" sz="4000" dirty="0"/>
+              <a:t>-[Saved Notes]</a:t>
+            </a:r>
           </a:p>
         </p:txBody>
       </p:sp>
@@ -6558,43 +6503,22 @@
               <a:rPr lang="en-US" sz="4800" dirty="0"/>
               <a:t>As Hannah the avid hiker, I want to rate locations so that newcomers to the area know where to go. </a:t>
             </a:r>
-            <a:r>
-              <a:rPr lang="en-US" sz="4800" dirty="0" smtClean="0"/>
-              <a:t/>
-            </a:r>
-            <a:br>
-              <a:rPr lang="en-US" sz="4800" dirty="0" smtClean="0"/>
-            </a:br>
-            <a:r>
-              <a:rPr lang="en-US" sz="4800" dirty="0"/>
-              <a:t/>
-            </a:r>
             <a:br>
               <a:rPr lang="en-US" sz="4800" dirty="0"/>
             </a:br>
-            <a:r>
-              <a:rPr lang="en-US" sz="4800" dirty="0" smtClean="0"/>
-              <a:t/>
-            </a:r>
-            <a:br>
-              <a:rPr lang="en-US" sz="4800" dirty="0" smtClean="0"/>
-            </a:br>
-            <a:r>
-              <a:rPr lang="en-US" sz="4800" dirty="0"/>
-              <a:t/>
-            </a:r>
             <a:br>
               <a:rPr lang="en-US" sz="4800" dirty="0"/>
             </a:br>
-            <a:r>
-              <a:rPr lang="en-US" sz="4000" dirty="0" smtClean="0"/>
-              <a:t>-[</a:t>
-            </a:r>
+            <a:br>
+              <a:rPr lang="en-US" sz="4800" dirty="0"/>
+            </a:br>
+            <a:br>
+              <a:rPr lang="en-US" sz="4800" dirty="0"/>
+            </a:br>
             <a:r>
               <a:rPr lang="en-US" sz="4000" dirty="0"/>
-              <a:t>Rating System]</a:t>
-            </a:r>
-            <a:endParaRPr lang="en-US" sz="4000" dirty="0"/>
+              <a:t>-[Rating System]</a:t>
+            </a:r>
           </a:p>
         </p:txBody>
       </p:sp>
@@ -6651,52 +6575,27 @@
           <a:p>
             <a:r>
               <a:rPr lang="en-US" sz="4800" dirty="0"/>
-              <a:t>As Nancy the frequent user, I want to have a list of all the landmarks I’ve visited</a:t>
-            </a:r>
-            <a:r>
-              <a:rPr lang="en-US" sz="4800" dirty="0" smtClean="0"/>
-              <a:t>.</a:t>
-            </a:r>
-            <a:br>
-              <a:rPr lang="en-US" sz="4800" dirty="0" smtClean="0"/>
-            </a:br>
-            <a:r>
-              <a:rPr lang="en-US" sz="4800" dirty="0"/>
-              <a:t/>
+              <a:t>As Nancy the frequent user, I want to have a list of all the landmarks I’ve visited.</a:t>
             </a:r>
             <a:br>
               <a:rPr lang="en-US" sz="4800" dirty="0"/>
             </a:br>
-            <a:r>
-              <a:rPr lang="en-US" sz="4800" dirty="0" smtClean="0"/>
-              <a:t/>
-            </a:r>
-            <a:br>
-              <a:rPr lang="en-US" sz="4800" dirty="0" smtClean="0"/>
-            </a:br>
-            <a:r>
-              <a:rPr lang="en-US" sz="4800" dirty="0"/>
-              <a:t/>
-            </a:r>
             <a:br>
               <a:rPr lang="en-US" sz="4800" dirty="0"/>
             </a:br>
-            <a:r>
-              <a:rPr lang="en-US" sz="4800" dirty="0" smtClean="0"/>
-              <a:t/>
-            </a:r>
             <a:br>
-              <a:rPr lang="en-US" sz="4800" dirty="0" smtClean="0"/>
+              <a:rPr lang="en-US" sz="4800" dirty="0"/>
             </a:br>
-            <a:r>
-              <a:rPr lang="en-US" sz="4000" dirty="0" smtClean="0"/>
-              <a:t>-</a:t>
-            </a:r>
+            <a:br>
+              <a:rPr lang="en-US" sz="4800" dirty="0"/>
+            </a:br>
+            <a:br>
+              <a:rPr lang="en-US" sz="4800" dirty="0"/>
+            </a:br>
             <a:r>
               <a:rPr lang="en-US" sz="4000" dirty="0"/>
-              <a:t>[Landmark History]</a:t>
-            </a:r>
-            <a:endParaRPr lang="en-US" sz="4000" dirty="0"/>
+              <a:t>-[Landmark History]</a:t>
+            </a:r>
           </a:p>
         </p:txBody>
       </p:sp>
@@ -6753,45 +6652,24 @@
           <a:p>
             <a:r>
               <a:rPr lang="en-US" sz="4800" dirty="0"/>
-              <a:t>As Dan the introverted hiker, I want to know the traffic of a landmark so that I can avoid busy places</a:t>
-            </a:r>
-            <a:r>
-              <a:rPr lang="en-US" sz="4800" dirty="0" smtClean="0"/>
-              <a:t>.</a:t>
-            </a:r>
-            <a:br>
-              <a:rPr lang="en-US" sz="4800" dirty="0" smtClean="0"/>
-            </a:br>
-            <a:r>
-              <a:rPr lang="en-US" sz="4800" dirty="0"/>
-              <a:t/>
+              <a:t>As Dan the introverted hiker, I want to know the traffic of a landmark so that I can avoid busy places.</a:t>
             </a:r>
             <a:br>
               <a:rPr lang="en-US" sz="4800" dirty="0"/>
             </a:br>
-            <a:r>
-              <a:rPr lang="en-US" sz="4800" dirty="0" smtClean="0"/>
-              <a:t/>
-            </a:r>
-            <a:br>
-              <a:rPr lang="en-US" sz="4800" dirty="0" smtClean="0"/>
-            </a:br>
-            <a:r>
-              <a:rPr lang="en-US" sz="4800" dirty="0"/>
-              <a:t/>
-            </a:r>
             <a:br>
               <a:rPr lang="en-US" sz="4800" dirty="0"/>
             </a:br>
-            <a:r>
-              <a:rPr lang="en-US" sz="4000" dirty="0" smtClean="0"/>
-              <a:t>-</a:t>
-            </a:r>
+            <a:br>
+              <a:rPr lang="en-US" sz="4800" dirty="0"/>
+            </a:br>
+            <a:br>
+              <a:rPr lang="en-US" sz="4800" dirty="0"/>
+            </a:br>
             <a:r>
               <a:rPr lang="en-US" sz="4000" dirty="0"/>
-              <a:t>[Popularity System]</a:t>
-            </a:r>
-            <a:endParaRPr lang="en-US" sz="4000" dirty="0"/>
+              <a:t>-[Popularity System]</a:t>
+            </a:r>
           </a:p>
         </p:txBody>
       </p:sp>
@@ -6853,52 +6731,27 @@
           <a:p>
             <a:r>
               <a:rPr lang="en-US" dirty="0"/>
-              <a:t>As Kara the dedicated user, I want to save my landmarks online so I can access them from another device</a:t>
-            </a:r>
-            <a:r>
-              <a:rPr lang="en-US" dirty="0" smtClean="0"/>
-              <a:t>.</a:t>
+              <a:t>As Kara the dedicated user, I want to save my landmarks online so I can access them from another device.</a:t>
             </a:r>
             <a:br>
-              <a:rPr lang="en-US" dirty="0" smtClean="0"/>
+              <a:rPr lang="en-US" dirty="0"/>
             </a:br>
-            <a:r>
-              <a:rPr lang="en-US" dirty="0"/>
-              <a:t/>
-            </a:r>
             <a:br>
               <a:rPr lang="en-US" dirty="0"/>
             </a:br>
-            <a:r>
-              <a:rPr lang="en-US" dirty="0" smtClean="0"/>
-              <a:t/>
-            </a:r>
             <a:br>
-              <a:rPr lang="en-US" dirty="0" smtClean="0"/>
+              <a:rPr lang="en-US" dirty="0"/>
             </a:br>
-            <a:r>
-              <a:rPr lang="en-US" dirty="0"/>
-              <a:t/>
-            </a:r>
             <a:br>
               <a:rPr lang="en-US" dirty="0"/>
             </a:br>
-            <a:r>
-              <a:rPr lang="en-US" dirty="0" smtClean="0"/>
-              <a:t/>
-            </a:r>
             <a:br>
-              <a:rPr lang="en-US" dirty="0" smtClean="0"/>
+              <a:rPr lang="en-US" dirty="0"/>
             </a:br>
             <a:r>
-              <a:rPr lang="en-US" sz="4000" dirty="0" smtClean="0"/>
-              <a:t>-</a:t>
-            </a:r>
-            <a:r>
               <a:rPr lang="en-US" sz="4000" dirty="0"/>
-              <a:t>[User Accounts]</a:t>
-            </a:r>
-            <a:endParaRPr lang="en-US" sz="4000" dirty="0"/>
+              <a:t>-[User Accounts]</a:t>
+            </a:r>
           </a:p>
         </p:txBody>
       </p:sp>
@@ -7083,38 +6936,21 @@
           <a:p>
             <a:r>
               <a:rPr lang="en-US" sz="5400" dirty="0"/>
-              <a:t>As Rick the user, I’d like a nice measuring tool on the screen to help me pinpoint my target</a:t>
-            </a:r>
-            <a:r>
-              <a:rPr lang="en-US" sz="5400" dirty="0" smtClean="0"/>
-              <a:t>.</a:t>
-            </a:r>
-            <a:br>
-              <a:rPr lang="en-US" sz="5400" dirty="0" smtClean="0"/>
-            </a:br>
-            <a:r>
-              <a:rPr lang="en-US" sz="5400" dirty="0"/>
-              <a:t/>
+              <a:t>As Rick the user, I’d like a nice measuring tool on the screen to help me pinpoint my target.</a:t>
             </a:r>
             <a:br>
               <a:rPr lang="en-US" sz="5400" dirty="0"/>
             </a:br>
-            <a:r>
-              <a:rPr lang="en-US" sz="5400" dirty="0" smtClean="0"/>
-              <a:t/>
-            </a:r>
             <a:br>
-              <a:rPr lang="en-US" sz="5400" dirty="0" smtClean="0"/>
+              <a:rPr lang="en-US" sz="5400" dirty="0"/>
             </a:br>
-            <a:r>
-              <a:rPr lang="en-US" sz="4000" dirty="0" smtClean="0"/>
-              <a:t>-</a:t>
-            </a:r>
+            <a:br>
+              <a:rPr lang="en-US" sz="5400" dirty="0"/>
+            </a:br>
             <a:r>
               <a:rPr lang="en-US" sz="4000" dirty="0"/>
-              <a:t>[Measurement Tool]</a:t>
-            </a:r>
-            <a:endParaRPr lang="en-US" sz="4000" dirty="0"/>
+              <a:t>-[Measurement Tool]</a:t>
+            </a:r>
           </a:p>
         </p:txBody>
       </p:sp>
@@ -7171,38 +7007,21 @@
           <a:p>
             <a:r>
               <a:rPr lang="en-US" sz="5400" dirty="0"/>
-              <a:t>As Jane the college aged woman I want to social media blast this location to everyone in my circle</a:t>
-            </a:r>
-            <a:r>
-              <a:rPr lang="en-US" sz="5400" dirty="0" smtClean="0"/>
-              <a:t>.</a:t>
-            </a:r>
-            <a:br>
-              <a:rPr lang="en-US" sz="5400" dirty="0" smtClean="0"/>
-            </a:br>
-            <a:r>
-              <a:rPr lang="en-US" sz="5400" dirty="0"/>
-              <a:t/>
+              <a:t>As Jane the college aged woman I want to social media blast this location to everyone in my circle.</a:t>
             </a:r>
             <a:br>
               <a:rPr lang="en-US" sz="5400" dirty="0"/>
             </a:br>
-            <a:r>
-              <a:rPr lang="en-US" sz="5400" dirty="0" smtClean="0"/>
-              <a:t/>
-            </a:r>
             <a:br>
-              <a:rPr lang="en-US" sz="5400" dirty="0" smtClean="0"/>
+              <a:rPr lang="en-US" sz="5400" dirty="0"/>
             </a:br>
-            <a:r>
-              <a:rPr lang="en-US" sz="4000" dirty="0" smtClean="0"/>
-              <a:t>-</a:t>
-            </a:r>
+            <a:br>
+              <a:rPr lang="en-US" sz="5400" dirty="0"/>
+            </a:br>
             <a:r>
               <a:rPr lang="en-US" sz="4000" dirty="0"/>
-              <a:t>[Social Media Integration]</a:t>
-            </a:r>
-            <a:endParaRPr lang="en-US" sz="4000" dirty="0"/>
+              <a:t>-[Social Media Integration]</a:t>
+            </a:r>
           </a:p>
         </p:txBody>
       </p:sp>
@@ -7285,7 +7104,37 @@
           <a:bodyPr/>
           <a:lstStyle/>
           <a:p>
-            <a:endParaRPr lang="en-US"/>
+            <a:r>
+              <a:rPr lang="en-US" dirty="0"/>
+              <a:t>Mobile application to identify landmarks</a:t>
+            </a:r>
+          </a:p>
+          <a:p>
+            <a:endParaRPr lang="en-US" dirty="0"/>
+          </a:p>
+          <a:p>
+            <a:r>
+              <a:rPr lang="en-US" dirty="0"/>
+              <a:t>Get landmark information by aiming phone at it</a:t>
+            </a:r>
+          </a:p>
+          <a:p>
+            <a:endParaRPr lang="en-US" dirty="0"/>
+          </a:p>
+          <a:p>
+            <a:r>
+              <a:rPr lang="en-US" dirty="0"/>
+              <a:t>Store custom landmarks with personal notes</a:t>
+            </a:r>
+          </a:p>
+          <a:p>
+            <a:endParaRPr lang="en-US" dirty="0"/>
+          </a:p>
+          <a:p>
+            <a:r>
+              <a:rPr lang="en-US" dirty="0"/>
+              <a:t>Track landmark history and popularity</a:t>
+            </a:r>
           </a:p>
         </p:txBody>
       </p:sp>
@@ -7342,31 +7191,18 @@
           <a:p>
             <a:r>
               <a:rPr lang="en-US" sz="5400" dirty="0"/>
-              <a:t>As Tommy the mountain hermit, I want to still be able to use the app even if I go months without internet access</a:t>
-            </a:r>
-            <a:r>
-              <a:rPr lang="en-US" sz="5400" dirty="0" smtClean="0"/>
-              <a:t>.</a:t>
-            </a:r>
-            <a:br>
-              <a:rPr lang="en-US" sz="5400" dirty="0" smtClean="0"/>
-            </a:br>
-            <a:r>
-              <a:rPr lang="en-US" sz="5400" dirty="0"/>
-              <a:t/>
+              <a:t>As Tommy the mountain hermit, I want to still be able to use the app even if I go months without internet access.</a:t>
             </a:r>
             <a:br>
               <a:rPr lang="en-US" sz="5400" dirty="0"/>
             </a:br>
-            <a:r>
-              <a:rPr lang="en-US" sz="4000" dirty="0" smtClean="0"/>
-              <a:t>-</a:t>
-            </a:r>
+            <a:br>
+              <a:rPr lang="en-US" sz="5400" dirty="0"/>
+            </a:br>
             <a:r>
               <a:rPr lang="en-US" sz="4000" dirty="0"/>
-              <a:t>[Local Storage]</a:t>
-            </a:r>
-            <a:endParaRPr lang="en-US" sz="4000" dirty="0"/>
+              <a:t>-[Local Storage]</a:t>
+            </a:r>
           </a:p>
         </p:txBody>
       </p:sp>
@@ -7423,52 +7259,27 @@
           <a:p>
             <a:r>
               <a:rPr lang="en-US" sz="4800" dirty="0"/>
-              <a:t>As Gina the historian, I want some historical information about the landmark</a:t>
-            </a:r>
-            <a:r>
-              <a:rPr lang="en-US" sz="4800" dirty="0" smtClean="0"/>
-              <a:t>.</a:t>
-            </a:r>
-            <a:br>
-              <a:rPr lang="en-US" sz="4800" dirty="0" smtClean="0"/>
-            </a:br>
-            <a:r>
-              <a:rPr lang="en-US" sz="4800" dirty="0"/>
-              <a:t/>
+              <a:t>As Gina the historian, I want some historical information about the landmark.</a:t>
             </a:r>
             <a:br>
               <a:rPr lang="en-US" sz="4800" dirty="0"/>
             </a:br>
-            <a:r>
-              <a:rPr lang="en-US" sz="4800" dirty="0" smtClean="0"/>
-              <a:t/>
-            </a:r>
-            <a:br>
-              <a:rPr lang="en-US" sz="4800" dirty="0" smtClean="0"/>
-            </a:br>
-            <a:r>
-              <a:rPr lang="en-US" sz="4800" dirty="0"/>
-              <a:t/>
-            </a:r>
             <a:br>
               <a:rPr lang="en-US" sz="4800" dirty="0"/>
             </a:br>
-            <a:r>
-              <a:rPr lang="en-US" sz="4800" dirty="0" smtClean="0"/>
-              <a:t/>
-            </a:r>
             <a:br>
-              <a:rPr lang="en-US" sz="4800" dirty="0" smtClean="0"/>
+              <a:rPr lang="en-US" sz="4800" dirty="0"/>
             </a:br>
-            <a:r>
-              <a:rPr lang="en-US" sz="4000" dirty="0" smtClean="0"/>
-              <a:t>-</a:t>
-            </a:r>
+            <a:br>
+              <a:rPr lang="en-US" sz="4800" dirty="0"/>
+            </a:br>
+            <a:br>
+              <a:rPr lang="en-US" sz="4800" dirty="0"/>
+            </a:br>
             <a:r>
               <a:rPr lang="en-US" sz="4000" dirty="0"/>
-              <a:t>[Historical Information]</a:t>
-            </a:r>
-            <a:endParaRPr lang="en-US" sz="4000" dirty="0"/>
+              <a:t>-[Historical Information]</a:t>
+            </a:r>
           </a:p>
         </p:txBody>
       </p:sp>
@@ -7649,10 +7460,9 @@
           <a:lstStyle/>
           <a:p>
             <a:r>
-              <a:rPr lang="en-US" dirty="0" smtClean="0"/>
+              <a:rPr lang="en-US" dirty="0"/>
               <a:t>Bing Maps</a:t>
             </a:r>
-            <a:endParaRPr lang="en-US" dirty="0"/>
           </a:p>
         </p:txBody>
       </p:sp>
@@ -7687,24 +7497,15 @@
           </a:p>
           <a:p>
             <a:r>
-              <a:rPr lang="en-US" dirty="0" smtClean="0"/>
+              <a:rPr lang="en-US" dirty="0"/>
               <a:t>Very well documented</a:t>
             </a:r>
           </a:p>
           <a:p>
             <a:r>
-              <a:rPr lang="en-US" dirty="0" smtClean="0"/>
-              <a:t>Not as expensive as </a:t>
-            </a:r>
-            <a:r>
-              <a:rPr lang="en-US" dirty="0" smtClean="0"/>
-              <a:t>G</a:t>
-            </a:r>
-            <a:r>
-              <a:rPr lang="en-US" dirty="0" smtClean="0"/>
-              <a:t>oogle</a:t>
-            </a:r>
-            <a:endParaRPr lang="en-US" dirty="0"/>
+              <a:rPr lang="en-US" dirty="0"/>
+              <a:t>Not as expensive as Google</a:t>
+            </a:r>
           </a:p>
           <a:p>
             <a:pPr marL="0" indent="0">
@@ -7723,22 +7524,21 @@
           </a:p>
           <a:p>
             <a:r>
-              <a:rPr lang="en-US" dirty="0" smtClean="0"/>
+              <a:rPr lang="en-US" dirty="0"/>
               <a:t>Still relatively expensive</a:t>
             </a:r>
           </a:p>
           <a:p>
             <a:r>
-              <a:rPr lang="en-US" dirty="0" smtClean="0"/>
+              <a:rPr lang="en-US" dirty="0"/>
               <a:t>Resource intensive</a:t>
             </a:r>
           </a:p>
           <a:p>
             <a:r>
-              <a:rPr lang="en-US" dirty="0" smtClean="0"/>
+              <a:rPr lang="en-US" dirty="0"/>
               <a:t>Not as customizable</a:t>
             </a:r>
-            <a:endParaRPr lang="en-US" dirty="0"/>
           </a:p>
         </p:txBody>
       </p:sp>
@@ -7794,10 +7594,9 @@
           <a:lstStyle/>
           <a:p>
             <a:r>
-              <a:rPr lang="en-US" dirty="0" smtClean="0"/>
+              <a:rPr lang="en-US" dirty="0"/>
               <a:t>TomTom</a:t>
             </a:r>
-            <a:endParaRPr lang="en-US" dirty="0"/>
           </a:p>
         </p:txBody>
       </p:sp>
@@ -7832,22 +7631,21 @@
           </a:p>
           <a:p>
             <a:r>
-              <a:rPr lang="en-US" dirty="0" smtClean="0"/>
+              <a:rPr lang="en-US" dirty="0"/>
               <a:t>Good cost structure (2500 free API calls/day)</a:t>
             </a:r>
           </a:p>
           <a:p>
             <a:r>
-              <a:rPr lang="en-US" dirty="0" smtClean="0"/>
+              <a:rPr lang="en-US" dirty="0"/>
               <a:t>Widely used</a:t>
             </a:r>
           </a:p>
           <a:p>
             <a:r>
-              <a:rPr lang="en-US" dirty="0" smtClean="0"/>
+              <a:rPr lang="en-US" dirty="0"/>
               <a:t>Has points of interest database</a:t>
             </a:r>
-            <a:endParaRPr lang="en-US" dirty="0" smtClean="0"/>
           </a:p>
           <a:p>
             <a:endParaRPr lang="en-US" dirty="0"/>
@@ -7857,19 +7655,19 @@
               <a:buNone/>
             </a:pPr>
             <a:r>
-              <a:rPr lang="en-US" dirty="0" smtClean="0"/>
+              <a:rPr lang="en-US" dirty="0"/>
               <a:t>Cons</a:t>
             </a:r>
           </a:p>
           <a:p>
             <a:r>
-              <a:rPr lang="en-US" dirty="0" smtClean="0"/>
+              <a:rPr lang="en-US" dirty="0"/>
               <a:t>Daily calls will limit how much we can test in one day</a:t>
             </a:r>
           </a:p>
           <a:p>
             <a:r>
-              <a:rPr lang="en-US" dirty="0" smtClean="0"/>
+              <a:rPr lang="en-US" dirty="0"/>
               <a:t>General downward trend in popularity</a:t>
             </a:r>
           </a:p>
@@ -7927,7 +7725,7 @@
           <a:lstStyle/>
           <a:p>
             <a:r>
-              <a:rPr lang="en-US" dirty="0" err="1" smtClean="0"/>
+              <a:rPr lang="en-US" dirty="0" err="1"/>
               <a:t>Mapbox</a:t>
             </a:r>
             <a:endParaRPr lang="en-US" dirty="0"/>
@@ -7959,19 +7757,19 @@
               <a:buNone/>
             </a:pPr>
             <a:r>
-              <a:rPr lang="en-US" dirty="0" smtClean="0"/>
+              <a:rPr lang="en-US" dirty="0"/>
               <a:t>Pros</a:t>
             </a:r>
           </a:p>
           <a:p>
             <a:r>
-              <a:rPr lang="en-US" dirty="0" smtClean="0"/>
+              <a:rPr lang="en-US" dirty="0"/>
               <a:t>Upward popularity trend</a:t>
             </a:r>
           </a:p>
           <a:p>
             <a:r>
-              <a:rPr lang="en-US" dirty="0" smtClean="0"/>
+              <a:rPr lang="en-US" dirty="0"/>
               <a:t>Cross-Platform</a:t>
             </a:r>
           </a:p>
@@ -7983,13 +7781,13 @@
               <a:buNone/>
             </a:pPr>
             <a:r>
-              <a:rPr lang="en-US" dirty="0" smtClean="0"/>
+              <a:rPr lang="en-US" dirty="0"/>
               <a:t>Cons</a:t>
             </a:r>
           </a:p>
           <a:p>
             <a:r>
-              <a:rPr lang="en-US" dirty="0" smtClean="0"/>
+              <a:rPr lang="en-US" dirty="0"/>
               <a:t>Rather resource intensive</a:t>
             </a:r>
           </a:p>
@@ -8047,14 +7845,14 @@
           <a:lstStyle/>
           <a:p>
             <a:r>
-              <a:rPr lang="en-US" dirty="0" smtClean="0"/>
+              <a:rPr lang="en-US" dirty="0"/>
               <a:t>Chosen Technology:</a:t>
             </a:r>
             <a:br>
-              <a:rPr lang="en-US" dirty="0" smtClean="0"/>
+              <a:rPr lang="en-US" dirty="0"/>
             </a:br>
             <a:r>
-              <a:rPr lang="en-US" dirty="0" err="1" smtClean="0"/>
+              <a:rPr lang="en-US" dirty="0" err="1"/>
               <a:t>Mapbox</a:t>
             </a:r>
             <a:endParaRPr lang="en-US" dirty="0"/>
@@ -8083,96 +7881,64 @@
           <a:lstStyle/>
           <a:p>
             <a:r>
-              <a:rPr lang="en-US" dirty="0" smtClean="0"/>
+              <a:rPr lang="en-US" dirty="0"/>
               <a:t>Not unreasonably expensive</a:t>
             </a:r>
           </a:p>
           <a:p>
             <a:pPr lvl="1"/>
             <a:r>
-              <a:rPr lang="en-US" dirty="0" smtClean="0"/>
+              <a:rPr lang="en-US" dirty="0"/>
               <a:t>Free Tier</a:t>
             </a:r>
           </a:p>
           <a:p>
             <a:pPr lvl="2"/>
             <a:r>
-              <a:rPr lang="en-US" dirty="0" smtClean="0"/>
-              <a:t>50k </a:t>
-            </a:r>
-            <a:r>
-              <a:rPr lang="en-US" dirty="0"/>
-              <a:t>monthly active users</a:t>
+              <a:rPr lang="en-US" dirty="0"/>
+              <a:t>50k monthly active users</a:t>
             </a:r>
           </a:p>
           <a:p>
             <a:pPr lvl="2"/>
             <a:r>
-              <a:rPr lang="en-US" dirty="0" smtClean="0"/>
-              <a:t>50k </a:t>
-            </a:r>
-            <a:r>
-              <a:rPr lang="en-US" dirty="0"/>
-              <a:t>geocode requests / </a:t>
-            </a:r>
-            <a:r>
-              <a:rPr lang="en-US" dirty="0" smtClean="0"/>
-              <a:t>month</a:t>
-            </a:r>
-            <a:endParaRPr lang="en-US" dirty="0"/>
+              <a:rPr lang="en-US" dirty="0"/>
+              <a:t>50k geocode requests / month</a:t>
+            </a:r>
           </a:p>
           <a:p>
             <a:pPr lvl="2"/>
             <a:r>
-              <a:rPr lang="en-US" dirty="0" smtClean="0"/>
-              <a:t>50k </a:t>
-            </a:r>
-            <a:r>
-              <a:rPr lang="en-US" dirty="0"/>
-              <a:t>directions request / </a:t>
-            </a:r>
-            <a:r>
-              <a:rPr lang="en-US" dirty="0" smtClean="0"/>
-              <a:t>month</a:t>
-            </a:r>
-            <a:endParaRPr lang="en-US" dirty="0"/>
+              <a:rPr lang="en-US" dirty="0"/>
+              <a:t>50k directions request / month</a:t>
+            </a:r>
           </a:p>
           <a:p>
             <a:pPr lvl="2"/>
             <a:r>
-              <a:rPr lang="en-US" dirty="0" smtClean="0"/>
-              <a:t>50k </a:t>
-            </a:r>
-            <a:r>
-              <a:rPr lang="en-US" dirty="0"/>
-              <a:t>matrix elements / </a:t>
-            </a:r>
-            <a:r>
-              <a:rPr lang="en-US" dirty="0" smtClean="0"/>
-              <a:t>month</a:t>
+              <a:rPr lang="en-US" dirty="0"/>
+              <a:t>50k matrix elements / month</a:t>
             </a:r>
           </a:p>
           <a:p>
             <a:pPr lvl="1"/>
             <a:r>
-              <a:rPr lang="en-US" dirty="0" smtClean="0"/>
+              <a:rPr lang="en-US" dirty="0"/>
               <a:t>More beyond that point</a:t>
             </a:r>
-            <a:endParaRPr lang="en-US" dirty="0"/>
-          </a:p>
-          <a:p>
-            <a:r>
-              <a:rPr lang="en-US" dirty="0" smtClean="0"/>
+          </a:p>
+          <a:p>
+            <a:r>
+              <a:rPr lang="en-US" dirty="0"/>
               <a:t>Built in online maps</a:t>
             </a:r>
           </a:p>
           <a:p>
             <a:pPr lvl="1"/>
             <a:r>
-              <a:rPr lang="en-US" dirty="0" smtClean="0"/>
+              <a:rPr lang="en-US" dirty="0"/>
               <a:t>Points of Interest</a:t>
             </a:r>
-            <a:endParaRPr lang="en-US" dirty="0"/>
           </a:p>
         </p:txBody>
       </p:sp>
@@ -8234,57 +8000,24 @@
           <a:p>
             <a:r>
               <a:rPr lang="en-US" sz="4800" dirty="0"/>
-              <a:t>As Jimmy the user, I want some visual representations to appear on the screen as </a:t>
-            </a:r>
-            <a:r>
-              <a:rPr lang="en-US" sz="4800" dirty="0"/>
-              <a:t>I</a:t>
-            </a:r>
-            <a:r>
-              <a:rPr lang="en-US" sz="4800" dirty="0" smtClean="0"/>
-              <a:t> </a:t>
-            </a:r>
-            <a:r>
-              <a:rPr lang="en-US" sz="4800" dirty="0"/>
-              <a:t>dial in to a </a:t>
-            </a:r>
-            <a:r>
-              <a:rPr lang="en-US" sz="4800" dirty="0" smtClean="0"/>
-              <a:t>landmark</a:t>
-            </a:r>
-            <a:br>
-              <a:rPr lang="en-US" sz="4800" dirty="0" smtClean="0"/>
-            </a:br>
-            <a:r>
-              <a:rPr lang="en-US" sz="4800" dirty="0"/>
-              <a:t/>
+              <a:t>As Jimmy the user, I want some visual representations to appear on the screen as I dial in to a landmark</a:t>
             </a:r>
             <a:br>
               <a:rPr lang="en-US" sz="4800" dirty="0"/>
             </a:br>
-            <a:r>
-              <a:rPr lang="en-US" sz="4800" dirty="0" smtClean="0"/>
-              <a:t/>
-            </a:r>
-            <a:br>
-              <a:rPr lang="en-US" sz="4800" dirty="0" smtClean="0"/>
-            </a:br>
-            <a:r>
-              <a:rPr lang="en-US" sz="4800" dirty="0"/>
-              <a:t/>
-            </a:r>
             <a:br>
               <a:rPr lang="en-US" sz="4800" dirty="0"/>
             </a:br>
-            <a:r>
-              <a:rPr lang="en-US" sz="4000" dirty="0" smtClean="0"/>
-              <a:t>-[</a:t>
-            </a:r>
+            <a:br>
+              <a:rPr lang="en-US" sz="4800" dirty="0"/>
+            </a:br>
+            <a:br>
+              <a:rPr lang="en-US" sz="4800" dirty="0"/>
+            </a:br>
             <a:r>
               <a:rPr lang="en-US" sz="4000" dirty="0"/>
-              <a:t>Augmented Landmarks]</a:t>
-            </a:r>
-            <a:endParaRPr lang="en-US" sz="4000" dirty="0"/>
+              <a:t>-[Augmented Landmarks]</a:t>
+            </a:r>
           </a:p>
         </p:txBody>
       </p:sp>
@@ -8340,11 +8073,11 @@
           <a:lstStyle/>
           <a:p>
             <a:r>
-              <a:rPr lang="en-US" dirty="0" smtClean="0"/>
+              <a:rPr lang="en-US" dirty="0"/>
               <a:t>WPF Form/</a:t>
             </a:r>
             <a:r>
-              <a:rPr lang="en-US" dirty="0" err="1" smtClean="0"/>
+              <a:rPr lang="en-US" dirty="0" err="1"/>
               <a:t>xaml</a:t>
             </a:r>
             <a:endParaRPr lang="en-US" dirty="0"/>
@@ -8376,7 +8109,7 @@
               <a:buNone/>
             </a:pPr>
             <a:r>
-              <a:rPr lang="en-US" dirty="0" smtClean="0"/>
+              <a:rPr lang="en-US" dirty="0"/>
               <a:t>Language: C#</a:t>
             </a:r>
           </a:p>
@@ -8391,27 +8124,21 @@
               <a:buNone/>
             </a:pPr>
             <a:r>
-              <a:rPr lang="en-US" dirty="0" smtClean="0"/>
+              <a:rPr lang="en-US" dirty="0"/>
               <a:t>Pros</a:t>
             </a:r>
-            <a:endParaRPr lang="en-US" dirty="0"/>
-          </a:p>
-          <a:p>
-            <a:r>
-              <a:rPr lang="en-US" dirty="0"/>
-              <a:t>W</a:t>
-            </a:r>
-            <a:r>
-              <a:rPr lang="en-US" dirty="0" smtClean="0"/>
-              <a:t>ell documented</a:t>
-            </a:r>
-          </a:p>
-          <a:p>
-            <a:r>
-              <a:rPr lang="en-US" dirty="0" smtClean="0"/>
+          </a:p>
+          <a:p>
+            <a:r>
+              <a:rPr lang="en-US" dirty="0"/>
+              <a:t>Well documented</a:t>
+            </a:r>
+          </a:p>
+          <a:p>
+            <a:r>
+              <a:rPr lang="en-US" dirty="0"/>
               <a:t>Free for us</a:t>
             </a:r>
-            <a:endParaRPr lang="en-US" dirty="0"/>
           </a:p>
           <a:p>
             <a:pPr marL="0" indent="0">
@@ -8430,10 +8157,9 @@
           </a:p>
           <a:p>
             <a:r>
-              <a:rPr lang="en-US" dirty="0" smtClean="0"/>
+              <a:rPr lang="en-US" dirty="0"/>
               <a:t>Customizing controls would take a long time</a:t>
             </a:r>
-            <a:endParaRPr lang="en-US" dirty="0"/>
           </a:p>
         </p:txBody>
       </p:sp>
@@ -8490,13 +8216,8 @@
           <a:p>
             <a:r>
               <a:rPr lang="en-US" dirty="0"/>
-              <a:t>J</a:t>
-            </a:r>
-            <a:r>
-              <a:rPr lang="en-US" dirty="0" smtClean="0"/>
-              <a:t>ava GUI</a:t>
-            </a:r>
-            <a:endParaRPr lang="en-US" dirty="0"/>
+              <a:t>Java GUI</a:t>
+            </a:r>
           </a:p>
         </p:txBody>
       </p:sp>
@@ -8525,32 +8246,9 @@
               <a:buNone/>
             </a:pPr>
             <a:r>
-              <a:rPr lang="en-US" dirty="0" smtClean="0"/>
+              <a:rPr lang="en-US" dirty="0"/>
               <a:t>Language: Java</a:t>
             </a:r>
-          </a:p>
-          <a:p>
-            <a:pPr marL="0" indent="0">
-              <a:buNone/>
-            </a:pPr>
-            <a:endParaRPr lang="en-US" dirty="0" smtClean="0"/>
-          </a:p>
-          <a:p>
-            <a:pPr marL="0" indent="0">
-              <a:buNone/>
-            </a:pPr>
-            <a:r>
-              <a:rPr lang="en-US" dirty="0" smtClean="0"/>
-              <a:t>Pros</a:t>
-            </a:r>
-            <a:endParaRPr lang="en-US" dirty="0"/>
-          </a:p>
-          <a:p>
-            <a:r>
-              <a:rPr lang="en-US" dirty="0" smtClean="0"/>
-              <a:t>Easy to get started</a:t>
-            </a:r>
-            <a:endParaRPr lang="en-US" dirty="0" smtClean="0"/>
           </a:p>
           <a:p>
             <a:pPr marL="0" indent="0">
@@ -8564,21 +8262,41 @@
             </a:pPr>
             <a:r>
               <a:rPr lang="en-US" dirty="0"/>
+              <a:t>Pros</a:t>
+            </a:r>
+          </a:p>
+          <a:p>
+            <a:r>
+              <a:rPr lang="en-US" dirty="0"/>
+              <a:t>Easy to get started</a:t>
+            </a:r>
+          </a:p>
+          <a:p>
+            <a:pPr marL="0" indent="0">
+              <a:buNone/>
+            </a:pPr>
+            <a:endParaRPr lang="en-US" dirty="0"/>
+          </a:p>
+          <a:p>
+            <a:pPr marL="0" indent="0">
+              <a:buNone/>
+            </a:pPr>
+            <a:r>
+              <a:rPr lang="en-US" dirty="0"/>
               <a:t>Cons</a:t>
             </a:r>
           </a:p>
           <a:p>
             <a:r>
-              <a:rPr lang="en-US" dirty="0" smtClean="0"/>
+              <a:rPr lang="en-US" dirty="0"/>
               <a:t>Will have to integrate into other languages</a:t>
             </a:r>
           </a:p>
           <a:p>
             <a:r>
-              <a:rPr lang="en-US" dirty="0" smtClean="0"/>
+              <a:rPr lang="en-US" dirty="0"/>
               <a:t>Harder to fine tune UI as the project gets bigger</a:t>
             </a:r>
-            <a:endParaRPr lang="en-US" dirty="0"/>
           </a:p>
         </p:txBody>
       </p:sp>
@@ -8635,45 +8353,24 @@
           <a:p>
             <a:r>
               <a:rPr lang="en-US" sz="4800" dirty="0"/>
-              <a:t>As Timmy the user, I want to point my phone at a landmark and find information about it</a:t>
-            </a:r>
-            <a:r>
-              <a:rPr lang="en-US" sz="4800" dirty="0" smtClean="0"/>
-              <a:t>.</a:t>
-            </a:r>
-            <a:br>
-              <a:rPr lang="en-US" sz="4800" dirty="0" smtClean="0"/>
-            </a:br>
-            <a:r>
-              <a:rPr lang="en-US" sz="4800" dirty="0"/>
-              <a:t/>
+              <a:t>As Timmy the user, I want to point my phone at a landmark and find information about it.</a:t>
             </a:r>
             <a:br>
               <a:rPr lang="en-US" sz="4800" dirty="0"/>
             </a:br>
-            <a:r>
-              <a:rPr lang="en-US" sz="4800" dirty="0" smtClean="0"/>
-              <a:t/>
-            </a:r>
-            <a:br>
-              <a:rPr lang="en-US" sz="4800" dirty="0" smtClean="0"/>
-            </a:br>
-            <a:r>
-              <a:rPr lang="en-US" sz="4800" dirty="0"/>
-              <a:t/>
-            </a:r>
             <a:br>
               <a:rPr lang="en-US" sz="4800" dirty="0"/>
             </a:br>
-            <a:r>
-              <a:rPr lang="en-US" sz="4000" dirty="0" smtClean="0"/>
-              <a:t>-</a:t>
-            </a:r>
+            <a:br>
+              <a:rPr lang="en-US" sz="4800" dirty="0"/>
+            </a:br>
+            <a:br>
+              <a:rPr lang="en-US" sz="4800" dirty="0"/>
+            </a:br>
             <a:r>
               <a:rPr lang="en-US" sz="4000" dirty="0"/>
-              <a:t>[Mobile App]</a:t>
-            </a:r>
-            <a:endParaRPr lang="en-US" sz="4000" dirty="0"/>
+              <a:t>-[Mobile App]</a:t>
+            </a:r>
           </a:p>
         </p:txBody>
       </p:sp>
@@ -8729,10 +8426,9 @@
           <a:lstStyle/>
           <a:p>
             <a:r>
-              <a:rPr lang="en-US" dirty="0" smtClean="0"/>
+              <a:rPr lang="en-US" dirty="0"/>
               <a:t>UX App</a:t>
             </a:r>
-            <a:endParaRPr lang="en-US" dirty="0"/>
           </a:p>
         </p:txBody>
       </p:sp>
@@ -8761,7 +8457,7 @@
               <a:buNone/>
             </a:pPr>
             <a:r>
-              <a:rPr lang="en-US" dirty="0" smtClean="0"/>
+              <a:rPr lang="en-US" dirty="0"/>
               <a:t>Language: HTML and CSS</a:t>
             </a:r>
           </a:p>
@@ -8776,23 +8472,21 @@
               <a:buNone/>
             </a:pPr>
             <a:r>
-              <a:rPr lang="en-US" dirty="0" smtClean="0"/>
+              <a:rPr lang="en-US" dirty="0"/>
               <a:t>Pros</a:t>
             </a:r>
-            <a:endParaRPr lang="en-US" dirty="0"/>
-          </a:p>
-          <a:p>
-            <a:r>
-              <a:rPr lang="en-US" dirty="0" smtClean="0"/>
+          </a:p>
+          <a:p>
+            <a:r>
+              <a:rPr lang="en-US" dirty="0"/>
               <a:t>Compatible with Photoshop</a:t>
             </a:r>
           </a:p>
           <a:p>
             <a:r>
-              <a:rPr lang="en-US" dirty="0" smtClean="0"/>
+              <a:rPr lang="en-US" dirty="0"/>
               <a:t>Gives user data to developers</a:t>
             </a:r>
-            <a:endParaRPr lang="en-US" dirty="0"/>
           </a:p>
           <a:p>
             <a:pPr marL="0" indent="0">
@@ -8811,16 +8505,15 @@
           </a:p>
           <a:p>
             <a:r>
-              <a:rPr lang="en-US" dirty="0" smtClean="0"/>
+              <a:rPr lang="en-US" dirty="0"/>
               <a:t>Seems more for graphic designers than programmers</a:t>
             </a:r>
           </a:p>
           <a:p>
             <a:r>
-              <a:rPr lang="en-US" dirty="0" smtClean="0"/>
+              <a:rPr lang="en-US" dirty="0"/>
               <a:t>$$$</a:t>
             </a:r>
-            <a:endParaRPr lang="en-US" dirty="0"/>
           </a:p>
         </p:txBody>
       </p:sp>
@@ -8876,18 +8569,18 @@
           <a:lstStyle/>
           <a:p>
             <a:r>
-              <a:rPr lang="en-US" dirty="0" smtClean="0"/>
+              <a:rPr lang="en-US" dirty="0"/>
               <a:t>Chosen Technology:</a:t>
             </a:r>
             <a:br>
-              <a:rPr lang="en-US" dirty="0" smtClean="0"/>
+              <a:rPr lang="en-US" dirty="0"/>
             </a:br>
             <a:r>
-              <a:rPr lang="en-US" dirty="0" smtClean="0"/>
+              <a:rPr lang="en-US" dirty="0"/>
               <a:t>WPF Form/</a:t>
             </a:r>
             <a:r>
-              <a:rPr lang="en-US" dirty="0" err="1" smtClean="0"/>
+              <a:rPr lang="en-US" dirty="0" err="1"/>
               <a:t>xaml</a:t>
             </a:r>
             <a:endParaRPr lang="en-US" dirty="0"/>
@@ -8916,22 +8609,21 @@
           <a:lstStyle/>
           <a:p>
             <a:r>
-              <a:rPr lang="en-US" dirty="0" smtClean="0"/>
+              <a:rPr lang="en-US" dirty="0"/>
               <a:t>Easily expandable over time</a:t>
             </a:r>
           </a:p>
           <a:p>
             <a:r>
-              <a:rPr lang="en-US" dirty="0" smtClean="0"/>
+              <a:rPr lang="en-US" dirty="0"/>
               <a:t>No cost for us</a:t>
             </a:r>
           </a:p>
           <a:p>
             <a:r>
-              <a:rPr lang="en-US" dirty="0" smtClean="0"/>
+              <a:rPr lang="en-US" dirty="0"/>
               <a:t>Can easily integrate calls to other languages such as JavaScript for API calls</a:t>
             </a:r>
-            <a:endParaRPr lang="en-US" dirty="0"/>
           </a:p>
         </p:txBody>
       </p:sp>
@@ -8987,7 +8679,7 @@
           <a:lstStyle/>
           <a:p>
             <a:r>
-              <a:rPr lang="en-US" dirty="0" err="1" smtClean="0"/>
+              <a:rPr lang="en-US" dirty="0" err="1"/>
               <a:t>Xamarin</a:t>
             </a:r>
             <a:endParaRPr lang="en-US" dirty="0"/>
@@ -9019,7 +8711,7 @@
               <a:buNone/>
             </a:pPr>
             <a:r>
-              <a:rPr lang="en-US" dirty="0" smtClean="0"/>
+              <a:rPr lang="en-US" dirty="0"/>
               <a:t>Language: C#</a:t>
             </a:r>
           </a:p>
@@ -9027,45 +8719,44 @@
             <a:pPr marL="0" indent="0">
               <a:buNone/>
             </a:pPr>
-            <a:endParaRPr lang="en-US" dirty="0" smtClean="0"/>
+            <a:endParaRPr lang="en-US" dirty="0"/>
           </a:p>
           <a:p>
             <a:pPr marL="0" indent="0">
               <a:buNone/>
             </a:pPr>
             <a:r>
-              <a:rPr lang="en-US" dirty="0" smtClean="0"/>
+              <a:rPr lang="en-US" dirty="0"/>
               <a:t>Pros</a:t>
             </a:r>
+          </a:p>
+          <a:p>
+            <a:r>
+              <a:rPr lang="en-US" dirty="0"/>
+              <a:t>Lots of documentation</a:t>
+            </a:r>
+          </a:p>
+          <a:p>
+            <a:r>
+              <a:rPr lang="en-US" dirty="0"/>
+              <a:t>Free to us</a:t>
+            </a:r>
+          </a:p>
+          <a:p>
             <a:endParaRPr lang="en-US" dirty="0"/>
           </a:p>
           <a:p>
-            <a:r>
-              <a:rPr lang="en-US" dirty="0" smtClean="0"/>
-              <a:t>Lots of documentation</a:t>
-            </a:r>
-          </a:p>
-          <a:p>
-            <a:r>
-              <a:rPr lang="en-US" dirty="0" smtClean="0"/>
-              <a:t>Free to us</a:t>
-            </a:r>
-          </a:p>
-          <a:p>
-            <a:endParaRPr lang="en-US" dirty="0"/>
-          </a:p>
-          <a:p>
             <a:pPr marL="0" indent="0">
               <a:buNone/>
             </a:pPr>
             <a:r>
-              <a:rPr lang="en-US" dirty="0" smtClean="0"/>
+              <a:rPr lang="en-US" dirty="0"/>
               <a:t>Cons</a:t>
             </a:r>
           </a:p>
           <a:p>
             <a:r>
-              <a:rPr lang="en-US" dirty="0" smtClean="0"/>
+              <a:rPr lang="en-US" dirty="0"/>
               <a:t>Still has trouble getting it to work right</a:t>
             </a:r>
           </a:p>
@@ -9123,10 +8814,9 @@
           <a:lstStyle/>
           <a:p>
             <a:r>
-              <a:rPr lang="en-US" dirty="0" smtClean="0"/>
+              <a:rPr lang="en-US" dirty="0"/>
               <a:t>Unity</a:t>
             </a:r>
-            <a:endParaRPr lang="en-US" dirty="0"/>
           </a:p>
         </p:txBody>
       </p:sp>
@@ -9155,7 +8845,7 @@
               <a:buNone/>
             </a:pPr>
             <a:r>
-              <a:rPr lang="en-US" dirty="0" smtClean="0"/>
+              <a:rPr lang="en-US" dirty="0"/>
               <a:t>Language: C#</a:t>
             </a:r>
           </a:p>
@@ -9163,54 +8853,52 @@
             <a:pPr marL="0" indent="0">
               <a:buNone/>
             </a:pPr>
-            <a:endParaRPr lang="en-US" dirty="0" smtClean="0"/>
+            <a:endParaRPr lang="en-US" dirty="0"/>
           </a:p>
           <a:p>
             <a:pPr marL="0" indent="0">
               <a:buNone/>
             </a:pPr>
             <a:r>
-              <a:rPr lang="en-US" dirty="0" smtClean="0"/>
+              <a:rPr lang="en-US" dirty="0"/>
               <a:t>Pros</a:t>
             </a:r>
+          </a:p>
+          <a:p>
+            <a:r>
+              <a:rPr lang="en-US" dirty="0"/>
+              <a:t>Readily available</a:t>
+            </a:r>
+          </a:p>
+          <a:p>
+            <a:r>
+              <a:rPr lang="en-US" dirty="0"/>
+              <a:t>Free version</a:t>
+            </a:r>
+          </a:p>
+          <a:p>
             <a:endParaRPr lang="en-US" dirty="0"/>
           </a:p>
           <a:p>
-            <a:r>
-              <a:rPr lang="en-US" dirty="0" smtClean="0"/>
-              <a:t>Readily available</a:t>
-            </a:r>
-          </a:p>
-          <a:p>
-            <a:r>
-              <a:rPr lang="en-US" dirty="0" smtClean="0"/>
-              <a:t>Free version</a:t>
-            </a:r>
-          </a:p>
-          <a:p>
-            <a:endParaRPr lang="en-US" dirty="0"/>
-          </a:p>
-          <a:p>
             <a:pPr marL="0" indent="0">
               <a:buNone/>
             </a:pPr>
             <a:r>
-              <a:rPr lang="en-US" dirty="0" smtClean="0"/>
+              <a:rPr lang="en-US" dirty="0"/>
               <a:t>Cons</a:t>
             </a:r>
           </a:p>
           <a:p>
             <a:r>
-              <a:rPr lang="en-US" dirty="0" smtClean="0"/>
+              <a:rPr lang="en-US" dirty="0"/>
               <a:t>Used more for games</a:t>
             </a:r>
           </a:p>
           <a:p>
             <a:r>
-              <a:rPr lang="en-US" dirty="0" smtClean="0"/>
+              <a:rPr lang="en-US" dirty="0"/>
               <a:t>Very resource intensive</a:t>
             </a:r>
-            <a:endParaRPr lang="en-US" dirty="0" smtClean="0"/>
           </a:p>
         </p:txBody>
       </p:sp>
@@ -9266,10 +8954,9 @@
           <a:lstStyle/>
           <a:p>
             <a:r>
-              <a:rPr lang="en-US" dirty="0" smtClean="0"/>
+              <a:rPr lang="en-US" dirty="0"/>
               <a:t>Android Studio</a:t>
             </a:r>
-            <a:endParaRPr lang="en-US" dirty="0"/>
           </a:p>
         </p:txBody>
       </p:sp>
@@ -9298,7 +8985,7 @@
               <a:buNone/>
             </a:pPr>
             <a:r>
-              <a:rPr lang="en-US" dirty="0" smtClean="0"/>
+              <a:rPr lang="en-US" dirty="0"/>
               <a:t>Language: Java, C#, C++, etc.</a:t>
             </a:r>
           </a:p>
@@ -9306,54 +8993,52 @@
             <a:pPr marL="0" indent="0">
               <a:buNone/>
             </a:pPr>
-            <a:endParaRPr lang="en-US" dirty="0" smtClean="0"/>
+            <a:endParaRPr lang="en-US" dirty="0"/>
           </a:p>
           <a:p>
             <a:pPr marL="0" indent="0">
               <a:buNone/>
             </a:pPr>
             <a:r>
-              <a:rPr lang="en-US" dirty="0" smtClean="0"/>
+              <a:rPr lang="en-US" dirty="0"/>
               <a:t>Pros</a:t>
             </a:r>
+          </a:p>
+          <a:p>
+            <a:r>
+              <a:rPr lang="en-US" dirty="0"/>
+              <a:t>Built-in emulator</a:t>
+            </a:r>
+          </a:p>
+          <a:p>
+            <a:r>
+              <a:rPr lang="en-US" dirty="0"/>
+              <a:t>Made by the android developers</a:t>
+            </a:r>
+          </a:p>
+          <a:p>
             <a:endParaRPr lang="en-US" dirty="0"/>
           </a:p>
           <a:p>
-            <a:r>
-              <a:rPr lang="en-US" dirty="0" smtClean="0"/>
-              <a:t>Built-in emulator</a:t>
-            </a:r>
-          </a:p>
-          <a:p>
-            <a:r>
-              <a:rPr lang="en-US" dirty="0" smtClean="0"/>
-              <a:t>Made by the android developers</a:t>
-            </a:r>
-          </a:p>
-          <a:p>
-            <a:endParaRPr lang="en-US" dirty="0"/>
-          </a:p>
-          <a:p>
             <a:pPr marL="0" indent="0">
               <a:buNone/>
             </a:pPr>
             <a:r>
-              <a:rPr lang="en-US" dirty="0" smtClean="0"/>
+              <a:rPr lang="en-US" dirty="0"/>
               <a:t>Cons</a:t>
             </a:r>
           </a:p>
           <a:p>
             <a:r>
-              <a:rPr lang="en-US" dirty="0" smtClean="0"/>
+              <a:rPr lang="en-US" dirty="0"/>
               <a:t>Still will need to run on a real physical phone</a:t>
             </a:r>
           </a:p>
           <a:p>
             <a:r>
-              <a:rPr lang="en-US" dirty="0" smtClean="0"/>
+              <a:rPr lang="en-US" dirty="0"/>
               <a:t>Alienates going to IOS</a:t>
             </a:r>
-            <a:endParaRPr lang="en-US" dirty="0" smtClean="0"/>
           </a:p>
         </p:txBody>
       </p:sp>
@@ -9409,17 +9094,16 @@
           <a:lstStyle/>
           <a:p>
             <a:r>
-              <a:rPr lang="en-US" dirty="0" smtClean="0"/>
+              <a:rPr lang="en-US" dirty="0"/>
               <a:t>Chosen Technology:</a:t>
             </a:r>
             <a:br>
-              <a:rPr lang="en-US" dirty="0" smtClean="0"/>
+              <a:rPr lang="en-US" dirty="0"/>
             </a:br>
             <a:r>
-              <a:rPr lang="en-US" dirty="0" smtClean="0"/>
+              <a:rPr lang="en-US" dirty="0"/>
               <a:t>Android Studio</a:t>
             </a:r>
-            <a:endParaRPr lang="en-US" dirty="0"/>
           </a:p>
         </p:txBody>
       </p:sp>
@@ -9445,24 +9129,24 @@
           <a:lstStyle/>
           <a:p>
             <a:r>
-              <a:rPr lang="en-US" dirty="0" smtClean="0"/>
+              <a:rPr lang="en-US" dirty="0"/>
               <a:t>Built-in phone emulator helps with running quick compilation and UI tests</a:t>
             </a:r>
           </a:p>
           <a:p>
             <a:r>
-              <a:rPr lang="en-US" dirty="0" smtClean="0"/>
+              <a:rPr lang="en-US" dirty="0"/>
               <a:t>Does favor Java but is still compatible with C languages and </a:t>
             </a:r>
             <a:r>
-              <a:rPr lang="en-US" dirty="0" err="1" smtClean="0"/>
+              <a:rPr lang="en-US" dirty="0" err="1"/>
               <a:t>Kotlin</a:t>
             </a:r>
-            <a:endParaRPr lang="en-US" dirty="0" smtClean="0"/>
-          </a:p>
-          <a:p>
-            <a:r>
-              <a:rPr lang="en-US" dirty="0" smtClean="0"/>
+            <a:endParaRPr lang="en-US" dirty="0"/>
+          </a:p>
+          <a:p>
+            <a:r>
+              <a:rPr lang="en-US" dirty="0"/>
               <a:t>Reliable documentation by the Android developers</a:t>
             </a:r>
           </a:p>
@@ -9526,45 +9210,28 @@
           <a:p>
             <a:r>
               <a:rPr lang="en-US" sz="4800" dirty="0"/>
-              <a:t>As Billy the new user, I want to log into an account for this app</a:t>
-            </a:r>
-            <a:r>
-              <a:rPr lang="en-US" sz="4800" dirty="0" smtClean="0"/>
-              <a:t>.</a:t>
-            </a:r>
-            <a:br>
-              <a:rPr lang="en-US" sz="4800" dirty="0" smtClean="0"/>
-            </a:br>
-            <a:r>
-              <a:rPr lang="en-US" sz="4800" dirty="0"/>
-              <a:t/>
+              <a:t>As Billy the new user, I want to log into an account for this app.</a:t>
             </a:r>
             <a:br>
               <a:rPr lang="en-US" sz="4800" dirty="0"/>
             </a:br>
-            <a:r>
-              <a:rPr lang="en-US" sz="4800" dirty="0" smtClean="0"/>
-              <a:t/>
-            </a:r>
             <a:br>
-              <a:rPr lang="en-US" sz="4800" dirty="0" smtClean="0"/>
+              <a:rPr lang="en-US" sz="4800" dirty="0"/>
             </a:br>
-            <a:r>
-              <a:rPr lang="en-US" sz="4800" dirty="0" smtClean="0"/>
-              <a:t/>
-            </a:r>
             <a:br>
-              <a:rPr lang="en-US" sz="4800" dirty="0" smtClean="0"/>
+              <a:rPr lang="en-US" sz="4800" dirty="0"/>
             </a:br>
-            <a:r>
-              <a:rPr lang="en-US" sz="4800" dirty="0" smtClean="0"/>
+            <a:br>
+              <a:rPr lang="en-US" sz="4800" dirty="0"/>
+            </a:br>
+            <a:r>
+              <a:rPr lang="en-US" sz="4800" dirty="0"/>
               <a:t>-</a:t>
             </a:r>
             <a:r>
               <a:rPr lang="en-US" sz="4000" dirty="0"/>
               <a:t>[User Accounts]</a:t>
             </a:r>
-            <a:endParaRPr lang="en-US" sz="4000" dirty="0"/>
           </a:p>
         </p:txBody>
       </p:sp>
@@ -9621,35 +9288,22 @@
           <a:p>
             <a:r>
               <a:rPr lang="en-US" sz="4800" dirty="0"/>
-              <a:t>As George the photographer, I want all the pictures taken at each location to be associated with the location they were taken at</a:t>
-            </a:r>
-            <a:r>
-              <a:rPr lang="en-US" sz="4800" dirty="0" smtClean="0"/>
-              <a:t>.</a:t>
-            </a:r>
-            <a:br>
-              <a:rPr lang="en-US" sz="4800" dirty="0" smtClean="0"/>
-            </a:br>
-            <a:r>
-              <a:rPr lang="en-US" sz="4800" dirty="0"/>
-              <a:t/>
+              <a:t>As George the photographer, I want all the pictures taken at each location to be associated with the location they were taken at.</a:t>
             </a:r>
             <a:br>
               <a:rPr lang="en-US" sz="4800" dirty="0"/>
             </a:br>
-            <a:r>
-              <a:rPr lang="en-US" sz="4800" dirty="0" smtClean="0"/>
+            <a:br>
+              <a:rPr lang="en-US" sz="4800" dirty="0"/>
+            </a:br>
+            <a:r>
+              <a:rPr lang="en-US" sz="4800" dirty="0"/>
               <a:t>-</a:t>
             </a:r>
             <a:r>
-              <a:rPr lang="en-US" sz="4000" dirty="0" smtClean="0"/>
-              <a:t>[</a:t>
-            </a:r>
-            <a:r>
               <a:rPr lang="en-US" sz="4000" dirty="0"/>
-              <a:t>Associated Photos]</a:t>
-            </a:r>
-            <a:endParaRPr lang="en-US" sz="4000" dirty="0"/>
+              <a:t>[Associated Photos]</a:t>
+            </a:r>
           </a:p>
         </p:txBody>
       </p:sp>

--- a/Technology Presentation.pptx
+++ b/Technology Presentation.pptx
@@ -383,7 +383,7 @@
           <a:p>
             <a:fld id="{4FACE682-7757-4F60-9924-7C54F945BCEE}" type="datetimeFigureOut">
               <a:rPr lang="en-US" smtClean="0"/>
-              <a:t>5/11/2018</a:t>
+              <a:t>6/11/2018</a:t>
             </a:fld>
             <a:endParaRPr lang="en-US"/>
           </a:p>
@@ -658,7 +658,7 @@
           <a:p>
             <a:fld id="{4FACE682-7757-4F60-9924-7C54F945BCEE}" type="datetimeFigureOut">
               <a:rPr lang="en-US" smtClean="0"/>
-              <a:t>5/11/2018</a:t>
+              <a:t>6/11/2018</a:t>
             </a:fld>
             <a:endParaRPr lang="en-US"/>
           </a:p>
@@ -852,7 +852,7 @@
           <a:p>
             <a:fld id="{4FACE682-7757-4F60-9924-7C54F945BCEE}" type="datetimeFigureOut">
               <a:rPr lang="en-US" smtClean="0"/>
-              <a:t>5/11/2018</a:t>
+              <a:t>6/11/2018</a:t>
             </a:fld>
             <a:endParaRPr lang="en-US"/>
           </a:p>
@@ -1125,7 +1125,7 @@
           <a:p>
             <a:fld id="{4FACE682-7757-4F60-9924-7C54F945BCEE}" type="datetimeFigureOut">
               <a:rPr lang="en-US" smtClean="0"/>
-              <a:t>5/11/2018</a:t>
+              <a:t>6/11/2018</a:t>
             </a:fld>
             <a:endParaRPr lang="en-US"/>
           </a:p>
@@ -1466,7 +1466,7 @@
           <a:p>
             <a:fld id="{4FACE682-7757-4F60-9924-7C54F945BCEE}" type="datetimeFigureOut">
               <a:rPr lang="en-US" smtClean="0"/>
-              <a:t>5/11/2018</a:t>
+              <a:t>6/11/2018</a:t>
             </a:fld>
             <a:endParaRPr lang="en-US"/>
           </a:p>
@@ -2089,7 +2089,7 @@
           <a:p>
             <a:fld id="{4FACE682-7757-4F60-9924-7C54F945BCEE}" type="datetimeFigureOut">
               <a:rPr lang="en-US" smtClean="0"/>
-              <a:t>5/11/2018</a:t>
+              <a:t>6/11/2018</a:t>
             </a:fld>
             <a:endParaRPr lang="en-US"/>
           </a:p>
@@ -2949,7 +2949,7 @@
           <a:p>
             <a:fld id="{4FACE682-7757-4F60-9924-7C54F945BCEE}" type="datetimeFigureOut">
               <a:rPr lang="en-US" smtClean="0"/>
-              <a:t>5/11/2018</a:t>
+              <a:t>6/11/2018</a:t>
             </a:fld>
             <a:endParaRPr lang="en-US"/>
           </a:p>
@@ -3119,7 +3119,7 @@
           <a:p>
             <a:fld id="{4FACE682-7757-4F60-9924-7C54F945BCEE}" type="datetimeFigureOut">
               <a:rPr lang="en-US" smtClean="0"/>
-              <a:t>5/11/2018</a:t>
+              <a:t>6/11/2018</a:t>
             </a:fld>
             <a:endParaRPr lang="en-US"/>
           </a:p>
@@ -3299,7 +3299,7 @@
           <a:p>
             <a:fld id="{4FACE682-7757-4F60-9924-7C54F945BCEE}" type="datetimeFigureOut">
               <a:rPr lang="en-US" smtClean="0"/>
-              <a:t>5/11/2018</a:t>
+              <a:t>6/11/2018</a:t>
             </a:fld>
             <a:endParaRPr lang="en-US"/>
           </a:p>
@@ -3469,7 +3469,7 @@
           <a:p>
             <a:fld id="{4FACE682-7757-4F60-9924-7C54F945BCEE}" type="datetimeFigureOut">
               <a:rPr lang="en-US" smtClean="0"/>
-              <a:t>5/11/2018</a:t>
+              <a:t>6/11/2018</a:t>
             </a:fld>
             <a:endParaRPr lang="en-US"/>
           </a:p>
@@ -3716,7 +3716,7 @@
           <a:p>
             <a:fld id="{4FACE682-7757-4F60-9924-7C54F945BCEE}" type="datetimeFigureOut">
               <a:rPr lang="en-US" smtClean="0"/>
-              <a:t>5/11/2018</a:t>
+              <a:t>6/11/2018</a:t>
             </a:fld>
             <a:endParaRPr lang="en-US"/>
           </a:p>
@@ -4008,7 +4008,7 @@
           <a:p>
             <a:fld id="{4FACE682-7757-4F60-9924-7C54F945BCEE}" type="datetimeFigureOut">
               <a:rPr lang="en-US" smtClean="0"/>
-              <a:t>5/11/2018</a:t>
+              <a:t>6/11/2018</a:t>
             </a:fld>
             <a:endParaRPr lang="en-US"/>
           </a:p>
@@ -4452,7 +4452,7 @@
           <a:p>
             <a:fld id="{4FACE682-7757-4F60-9924-7C54F945BCEE}" type="datetimeFigureOut">
               <a:rPr lang="en-US" smtClean="0"/>
-              <a:t>5/11/2018</a:t>
+              <a:t>6/11/2018</a:t>
             </a:fld>
             <a:endParaRPr lang="en-US"/>
           </a:p>
@@ -4570,7 +4570,7 @@
           <a:p>
             <a:fld id="{4FACE682-7757-4F60-9924-7C54F945BCEE}" type="datetimeFigureOut">
               <a:rPr lang="en-US" smtClean="0"/>
-              <a:t>5/11/2018</a:t>
+              <a:t>6/11/2018</a:t>
             </a:fld>
             <a:endParaRPr lang="en-US"/>
           </a:p>
@@ -4665,7 +4665,7 @@
           <a:p>
             <a:fld id="{4FACE682-7757-4F60-9924-7C54F945BCEE}" type="datetimeFigureOut">
               <a:rPr lang="en-US" smtClean="0"/>
-              <a:t>5/11/2018</a:t>
+              <a:t>6/11/2018</a:t>
             </a:fld>
             <a:endParaRPr lang="en-US"/>
           </a:p>
@@ -4944,7 +4944,7 @@
           <a:p>
             <a:fld id="{4FACE682-7757-4F60-9924-7C54F945BCEE}" type="datetimeFigureOut">
               <a:rPr lang="en-US" smtClean="0"/>
-              <a:t>5/11/2018</a:t>
+              <a:t>6/11/2018</a:t>
             </a:fld>
             <a:endParaRPr lang="en-US"/>
           </a:p>
@@ -5219,7 +5219,7 @@
           <a:p>
             <a:fld id="{4FACE682-7757-4F60-9924-7C54F945BCEE}" type="datetimeFigureOut">
               <a:rPr lang="en-US" smtClean="0"/>
-              <a:t>5/11/2018</a:t>
+              <a:t>6/11/2018</a:t>
             </a:fld>
             <a:endParaRPr lang="en-US"/>
           </a:p>
@@ -5648,7 +5648,7 @@
           <a:p>
             <a:fld id="{4FACE682-7757-4F60-9924-7C54F945BCEE}" type="datetimeFigureOut">
               <a:rPr lang="en-US" smtClean="0"/>
-              <a:t>5/11/2018</a:t>
+              <a:t>6/11/2018</a:t>
             </a:fld>
             <a:endParaRPr lang="en-US"/>
           </a:p>
@@ -6162,6 +6162,31 @@
 <file path=ppt/slides/slide1.xml><?xml version="1.0" encoding="utf-8"?>
 <p:sld xmlns:a="http://schemas.openxmlformats.org/drawingml/2006/main" xmlns:r="http://schemas.openxmlformats.org/officeDocument/2006/relationships" xmlns:p="http://schemas.openxmlformats.org/presentationml/2006/main">
   <p:cSld>
+    <p:bg>
+      <p:bgPr>
+        <a:blipFill rotWithShape="1">
+          <a:blip r:embed="rId2">
+            <a:duotone>
+              <a:schemeClr val="bg2">
+                <a:shade val="69000"/>
+                <a:hueMod val="108000"/>
+                <a:satMod val="164000"/>
+                <a:lumMod val="74000"/>
+              </a:schemeClr>
+              <a:schemeClr val="bg2">
+                <a:tint val="96000"/>
+                <a:hueMod val="88000"/>
+                <a:satMod val="140000"/>
+                <a:lumMod val="132000"/>
+              </a:schemeClr>
+            </a:duotone>
+            <a:extLst/>
+          </a:blip>
+          <a:stretch/>
+        </a:blipFill>
+        <a:effectLst/>
+      </p:bgPr>
+    </p:bg>
     <p:spTree>
       <p:nvGrpSpPr>
         <p:cNvPr id="1" name=""/>
@@ -6176,6 +6201,430 @@
           <a:chExt cx="0" cy="0"/>
         </a:xfrm>
       </p:grpSpPr>
+      <p:sp useBgFill="1">
+        <p:nvSpPr>
+          <p:cNvPr id="16" name="Rectangle 7">
+            <a:extLst>
+              <a:ext uri="{FF2B5EF4-FFF2-40B4-BE49-F238E27FC236}">
+                <a16:creationId xmlns:a16="http://schemas.microsoft.com/office/drawing/2014/main" id="{C28D0172-F2E0-4763-9C35-F022664959D8}"/>
+              </a:ext>
+              <a:ext uri="{C183D7F6-B498-43B3-948B-1728B52AA6E4}">
+                <adec:decorative xmlns:adec="http://schemas.microsoft.com/office/drawing/2017/decorative" val="1"/>
+              </a:ext>
+            </a:extLst>
+          </p:cNvPr>
+          <p:cNvSpPr>
+            <a:spLocks noGrp="1" noRot="1" noChangeAspect="1" noMove="1" noResize="1" noEditPoints="1" noAdjustHandles="1" noChangeArrowheads="1" noChangeShapeType="1" noTextEdit="1"/>
+          </p:cNvSpPr>
+          <p:nvPr>
+            <p:extLst>
+              <p:ext uri="{386F3935-93C4-4BCD-93E2-E3B085C9AB24}">
+                <p16:designElem xmlns:p16="http://schemas.microsoft.com/office/powerpoint/2015/main" val="1"/>
+              </p:ext>
+            </p:extLst>
+          </p:nvPr>
+        </p:nvSpPr>
+        <p:spPr>
+          <a:xfrm>
+            <a:off x="0" y="-5"/>
+            <a:ext cx="12191695" cy="4730744"/>
+          </a:xfrm>
+          <a:prstGeom prst="rect">
+            <a:avLst/>
+          </a:prstGeom>
+          <a:ln>
+            <a:noFill/>
+          </a:ln>
+        </p:spPr>
+        <p:style>
+          <a:lnRef idx="2">
+            <a:schemeClr val="accent1">
+              <a:shade val="50000"/>
+            </a:schemeClr>
+          </a:lnRef>
+          <a:fillRef idx="1">
+            <a:schemeClr val="accent1"/>
+          </a:fillRef>
+          <a:effectRef idx="0">
+            <a:schemeClr val="accent1"/>
+          </a:effectRef>
+          <a:fontRef idx="minor">
+            <a:schemeClr val="lt1"/>
+          </a:fontRef>
+        </p:style>
+        <p:txBody>
+          <a:bodyPr rtlCol="0" anchor="ctr"/>
+          <a:lstStyle/>
+          <a:p>
+            <a:pPr algn="ctr"/>
+            <a:endParaRPr lang="en-US"/>
+          </a:p>
+        </p:txBody>
+      </p:sp>
+      <p:sp>
+        <p:nvSpPr>
+          <p:cNvPr id="17" name="Freeform 16">
+            <a:extLst>
+              <a:ext uri="{FF2B5EF4-FFF2-40B4-BE49-F238E27FC236}">
+                <a16:creationId xmlns:a16="http://schemas.microsoft.com/office/drawing/2014/main" id="{9F2851FB-E841-4509-8A6D-A416376EA380}"/>
+              </a:ext>
+              <a:ext uri="{C183D7F6-B498-43B3-948B-1728B52AA6E4}">
+                <adec:decorative xmlns:adec="http://schemas.microsoft.com/office/drawing/2017/decorative" val="1"/>
+              </a:ext>
+            </a:extLst>
+          </p:cNvPr>
+          <p:cNvSpPr>
+            <a:spLocks noGrp="1" noRot="1" noChangeAspect="1" noMove="1" noResize="1" noEditPoints="1" noAdjustHandles="1" noChangeArrowheads="1" noChangeShapeType="1" noTextEdit="1"/>
+          </p:cNvSpPr>
+          <p:nvPr>
+            <p:extLst>
+              <p:ext uri="{386F3935-93C4-4BCD-93E2-E3B085C9AB24}">
+                <p16:designElem xmlns:p16="http://schemas.microsoft.com/office/powerpoint/2015/main" val="1"/>
+              </p:ext>
+            </p:extLst>
+          </p:nvPr>
+        </p:nvSpPr>
+        <p:spPr>
+          <a:xfrm>
+            <a:off x="8719939" y="3753695"/>
+            <a:ext cx="3472060" cy="825932"/>
+          </a:xfrm>
+          <a:custGeom>
+            <a:avLst/>
+            <a:gdLst>
+              <a:gd name="connsiteX0" fmla="*/ 3470310 w 3472060"/>
+              <a:gd name="connsiteY0" fmla="*/ 0 h 825932"/>
+              <a:gd name="connsiteX1" fmla="*/ 3472060 w 3472060"/>
+              <a:gd name="connsiteY1" fmla="*/ 12850 h 825932"/>
+              <a:gd name="connsiteX2" fmla="*/ 3472060 w 3472060"/>
+              <a:gd name="connsiteY2" fmla="*/ 480529 h 825932"/>
+              <a:gd name="connsiteX3" fmla="*/ 3363699 w 3472060"/>
+              <a:gd name="connsiteY3" fmla="*/ 498471 h 825932"/>
+              <a:gd name="connsiteX4" fmla="*/ 42060 w 3472060"/>
+              <a:gd name="connsiteY4" fmla="*/ 824486 h 825932"/>
+              <a:gd name="connsiteX5" fmla="*/ 0 w 3472060"/>
+              <a:gd name="connsiteY5" fmla="*/ 758452 h 825932"/>
+              <a:gd name="connsiteX6" fmla="*/ 188014 w 3472060"/>
+              <a:gd name="connsiteY6" fmla="*/ 735602 h 825932"/>
+              <a:gd name="connsiteX7" fmla="*/ 284087 w 3472060"/>
+              <a:gd name="connsiteY7" fmla="*/ 722590 h 825932"/>
+              <a:gd name="connsiteX8" fmla="*/ 382288 w 3472060"/>
+              <a:gd name="connsiteY8" fmla="*/ 709392 h 825932"/>
+              <a:gd name="connsiteX9" fmla="*/ 481858 w 3472060"/>
+              <a:gd name="connsiteY9" fmla="*/ 695774 h 825932"/>
+              <a:gd name="connsiteX10" fmla="*/ 581897 w 3472060"/>
+              <a:gd name="connsiteY10" fmla="*/ 680711 h 825932"/>
+              <a:gd name="connsiteX11" fmla="*/ 683670 w 3472060"/>
+              <a:gd name="connsiteY11" fmla="*/ 665256 h 825932"/>
+              <a:gd name="connsiteX12" fmla="*/ 787206 w 3472060"/>
+              <a:gd name="connsiteY12" fmla="*/ 649587 h 825932"/>
+              <a:gd name="connsiteX13" fmla="*/ 892019 w 3472060"/>
+              <a:gd name="connsiteY13" fmla="*/ 632968 h 825932"/>
+              <a:gd name="connsiteX14" fmla="*/ 997620 w 3472060"/>
+              <a:gd name="connsiteY14" fmla="*/ 614667 h 825932"/>
+              <a:gd name="connsiteX15" fmla="*/ 1104727 w 3472060"/>
+              <a:gd name="connsiteY15" fmla="*/ 596741 h 825932"/>
+              <a:gd name="connsiteX16" fmla="*/ 1212669 w 3472060"/>
+              <a:gd name="connsiteY16" fmla="*/ 577397 h 825932"/>
+              <a:gd name="connsiteX17" fmla="*/ 1321506 w 3472060"/>
+              <a:gd name="connsiteY17" fmla="*/ 556988 h 825932"/>
+              <a:gd name="connsiteX18" fmla="*/ 1430709 w 3472060"/>
+              <a:gd name="connsiteY18" fmla="*/ 536607 h 825932"/>
+              <a:gd name="connsiteX19" fmla="*/ 1541050 w 3472060"/>
+              <a:gd name="connsiteY19" fmla="*/ 514481 h 825932"/>
+              <a:gd name="connsiteX20" fmla="*/ 1652805 w 3472060"/>
+              <a:gd name="connsiteY20" fmla="*/ 492202 h 825932"/>
+              <a:gd name="connsiteX21" fmla="*/ 1763708 w 3472060"/>
+              <a:gd name="connsiteY21" fmla="*/ 469161 h 825932"/>
+              <a:gd name="connsiteX22" fmla="*/ 1875795 w 3472060"/>
+              <a:gd name="connsiteY22" fmla="*/ 444641 h 825932"/>
+              <a:gd name="connsiteX23" fmla="*/ 1989128 w 3472060"/>
+              <a:gd name="connsiteY23" fmla="*/ 418995 h 825932"/>
+              <a:gd name="connsiteX24" fmla="*/ 2102476 w 3472060"/>
+              <a:gd name="connsiteY24" fmla="*/ 393438 h 825932"/>
+              <a:gd name="connsiteX25" fmla="*/ 2215549 w 3472060"/>
+              <a:gd name="connsiteY25" fmla="*/ 366291 h 825932"/>
+              <a:gd name="connsiteX26" fmla="*/ 2330490 w 3472060"/>
+              <a:gd name="connsiteY26" fmla="*/ 337455 h 825932"/>
+              <a:gd name="connsiteX27" fmla="*/ 2443333 w 3472060"/>
+              <a:gd name="connsiteY27" fmla="*/ 308983 h 825932"/>
+              <a:gd name="connsiteX28" fmla="*/ 2558014 w 3472060"/>
+              <a:gd name="connsiteY28" fmla="*/ 278646 h 825932"/>
+              <a:gd name="connsiteX29" fmla="*/ 2673621 w 3472060"/>
+              <a:gd name="connsiteY29" fmla="*/ 247421 h 825932"/>
+              <a:gd name="connsiteX30" fmla="*/ 2787008 w 3472060"/>
+              <a:gd name="connsiteY30" fmla="*/ 215853 h 825932"/>
+              <a:gd name="connsiteX31" fmla="*/ 2901442 w 3472060"/>
+              <a:gd name="connsiteY31" fmla="*/ 182011 h 825932"/>
+              <a:gd name="connsiteX32" fmla="*/ 3015722 w 3472060"/>
+              <a:gd name="connsiteY32" fmla="*/ 147286 h 825932"/>
+              <a:gd name="connsiteX33" fmla="*/ 3130018 w 3472060"/>
+              <a:gd name="connsiteY33" fmla="*/ 112649 h 825932"/>
+              <a:gd name="connsiteX34" fmla="*/ 3243551 w 3472060"/>
+              <a:gd name="connsiteY34" fmla="*/ 75688 h 825932"/>
+              <a:gd name="connsiteX35" fmla="*/ 3356992 w 3472060"/>
+              <a:gd name="connsiteY35" fmla="*/ 38197 h 825932"/>
+              <a:gd name="connsiteX36" fmla="*/ 3470310 w 3472060"/>
+              <a:gd name="connsiteY36" fmla="*/ 0 h 825932"/>
+            </a:gdLst>
+            <a:ahLst/>
+            <a:cxnLst>
+              <a:cxn ang="0">
+                <a:pos x="connsiteX0" y="connsiteY0"/>
+              </a:cxn>
+              <a:cxn ang="0">
+                <a:pos x="connsiteX1" y="connsiteY1"/>
+              </a:cxn>
+              <a:cxn ang="0">
+                <a:pos x="connsiteX2" y="connsiteY2"/>
+              </a:cxn>
+              <a:cxn ang="0">
+                <a:pos x="connsiteX3" y="connsiteY3"/>
+              </a:cxn>
+              <a:cxn ang="0">
+                <a:pos x="connsiteX4" y="connsiteY4"/>
+              </a:cxn>
+              <a:cxn ang="0">
+                <a:pos x="connsiteX5" y="connsiteY5"/>
+              </a:cxn>
+              <a:cxn ang="0">
+                <a:pos x="connsiteX6" y="connsiteY6"/>
+              </a:cxn>
+              <a:cxn ang="0">
+                <a:pos x="connsiteX7" y="connsiteY7"/>
+              </a:cxn>
+              <a:cxn ang="0">
+                <a:pos x="connsiteX8" y="connsiteY8"/>
+              </a:cxn>
+              <a:cxn ang="0">
+                <a:pos x="connsiteX9" y="connsiteY9"/>
+              </a:cxn>
+              <a:cxn ang="0">
+                <a:pos x="connsiteX10" y="connsiteY10"/>
+              </a:cxn>
+              <a:cxn ang="0">
+                <a:pos x="connsiteX11" y="connsiteY11"/>
+              </a:cxn>
+              <a:cxn ang="0">
+                <a:pos x="connsiteX12" y="connsiteY12"/>
+              </a:cxn>
+              <a:cxn ang="0">
+                <a:pos x="connsiteX13" y="connsiteY13"/>
+              </a:cxn>
+              <a:cxn ang="0">
+                <a:pos x="connsiteX14" y="connsiteY14"/>
+              </a:cxn>
+              <a:cxn ang="0">
+                <a:pos x="connsiteX15" y="connsiteY15"/>
+              </a:cxn>
+              <a:cxn ang="0">
+                <a:pos x="connsiteX16" y="connsiteY16"/>
+              </a:cxn>
+              <a:cxn ang="0">
+                <a:pos x="connsiteX17" y="connsiteY17"/>
+              </a:cxn>
+              <a:cxn ang="0">
+                <a:pos x="connsiteX18" y="connsiteY18"/>
+              </a:cxn>
+              <a:cxn ang="0">
+                <a:pos x="connsiteX19" y="connsiteY19"/>
+              </a:cxn>
+              <a:cxn ang="0">
+                <a:pos x="connsiteX20" y="connsiteY20"/>
+              </a:cxn>
+              <a:cxn ang="0">
+                <a:pos x="connsiteX21" y="connsiteY21"/>
+              </a:cxn>
+              <a:cxn ang="0">
+                <a:pos x="connsiteX22" y="connsiteY22"/>
+              </a:cxn>
+              <a:cxn ang="0">
+                <a:pos x="connsiteX23" y="connsiteY23"/>
+              </a:cxn>
+              <a:cxn ang="0">
+                <a:pos x="connsiteX24" y="connsiteY24"/>
+              </a:cxn>
+              <a:cxn ang="0">
+                <a:pos x="connsiteX25" y="connsiteY25"/>
+              </a:cxn>
+              <a:cxn ang="0">
+                <a:pos x="connsiteX26" y="connsiteY26"/>
+              </a:cxn>
+              <a:cxn ang="0">
+                <a:pos x="connsiteX27" y="connsiteY27"/>
+              </a:cxn>
+              <a:cxn ang="0">
+                <a:pos x="connsiteX28" y="connsiteY28"/>
+              </a:cxn>
+              <a:cxn ang="0">
+                <a:pos x="connsiteX29" y="connsiteY29"/>
+              </a:cxn>
+              <a:cxn ang="0">
+                <a:pos x="connsiteX30" y="connsiteY30"/>
+              </a:cxn>
+              <a:cxn ang="0">
+                <a:pos x="connsiteX31" y="connsiteY31"/>
+              </a:cxn>
+              <a:cxn ang="0">
+                <a:pos x="connsiteX32" y="connsiteY32"/>
+              </a:cxn>
+              <a:cxn ang="0">
+                <a:pos x="connsiteX33" y="connsiteY33"/>
+              </a:cxn>
+              <a:cxn ang="0">
+                <a:pos x="connsiteX34" y="connsiteY34"/>
+              </a:cxn>
+              <a:cxn ang="0">
+                <a:pos x="connsiteX35" y="connsiteY35"/>
+              </a:cxn>
+              <a:cxn ang="0">
+                <a:pos x="connsiteX36" y="connsiteY36"/>
+              </a:cxn>
+            </a:cxnLst>
+            <a:rect l="l" t="t" r="r" b="b"/>
+            <a:pathLst>
+              <a:path w="3472060" h="825932">
+                <a:moveTo>
+                  <a:pt x="3470310" y="0"/>
+                </a:moveTo>
+                <a:lnTo>
+                  <a:pt x="3472060" y="12850"/>
+                </a:lnTo>
+                <a:lnTo>
+                  <a:pt x="3472060" y="480529"/>
+                </a:lnTo>
+                <a:lnTo>
+                  <a:pt x="3363699" y="498471"/>
+                </a:lnTo>
+                <a:cubicBezTo>
+                  <a:pt x="2435623" y="645518"/>
+                  <a:pt x="603076" y="844866"/>
+                  <a:pt x="42060" y="824486"/>
+                </a:cubicBezTo>
+                <a:cubicBezTo>
+                  <a:pt x="28151" y="802425"/>
+                  <a:pt x="13909" y="780513"/>
+                  <a:pt x="0" y="758452"/>
+                </a:cubicBezTo>
+                <a:lnTo>
+                  <a:pt x="188014" y="735602"/>
+                </a:lnTo>
+                <a:lnTo>
+                  <a:pt x="284087" y="722590"/>
+                </a:lnTo>
+                <a:lnTo>
+                  <a:pt x="382288" y="709392"/>
+                </a:lnTo>
+                <a:lnTo>
+                  <a:pt x="481858" y="695774"/>
+                </a:lnTo>
+                <a:lnTo>
+                  <a:pt x="581897" y="680711"/>
+                </a:lnTo>
+                <a:lnTo>
+                  <a:pt x="683670" y="665256"/>
+                </a:lnTo>
+                <a:lnTo>
+                  <a:pt x="787206" y="649587"/>
+                </a:lnTo>
+                <a:lnTo>
+                  <a:pt x="892019" y="632968"/>
+                </a:lnTo>
+                <a:lnTo>
+                  <a:pt x="997620" y="614667"/>
+                </a:lnTo>
+                <a:lnTo>
+                  <a:pt x="1104727" y="596741"/>
+                </a:lnTo>
+                <a:lnTo>
+                  <a:pt x="1212669" y="577397"/>
+                </a:lnTo>
+                <a:lnTo>
+                  <a:pt x="1321506" y="556988"/>
+                </a:lnTo>
+                <a:lnTo>
+                  <a:pt x="1430709" y="536607"/>
+                </a:lnTo>
+                <a:lnTo>
+                  <a:pt x="1541050" y="514481"/>
+                </a:lnTo>
+                <a:lnTo>
+                  <a:pt x="1652805" y="492202"/>
+                </a:lnTo>
+                <a:lnTo>
+                  <a:pt x="1763708" y="469161"/>
+                </a:lnTo>
+                <a:lnTo>
+                  <a:pt x="1875795" y="444641"/>
+                </a:lnTo>
+                <a:lnTo>
+                  <a:pt x="1989128" y="418995"/>
+                </a:lnTo>
+                <a:lnTo>
+                  <a:pt x="2102476" y="393438"/>
+                </a:lnTo>
+                <a:lnTo>
+                  <a:pt x="2215549" y="366291"/>
+                </a:lnTo>
+                <a:lnTo>
+                  <a:pt x="2330490" y="337455"/>
+                </a:lnTo>
+                <a:lnTo>
+                  <a:pt x="2443333" y="308983"/>
+                </a:lnTo>
+                <a:lnTo>
+                  <a:pt x="2558014" y="278646"/>
+                </a:lnTo>
+                <a:lnTo>
+                  <a:pt x="2673621" y="247421"/>
+                </a:lnTo>
+                <a:lnTo>
+                  <a:pt x="2787008" y="215853"/>
+                </a:lnTo>
+                <a:lnTo>
+                  <a:pt x="2901442" y="182011"/>
+                </a:lnTo>
+                <a:lnTo>
+                  <a:pt x="3015722" y="147286"/>
+                </a:lnTo>
+                <a:lnTo>
+                  <a:pt x="3130018" y="112649"/>
+                </a:lnTo>
+                <a:lnTo>
+                  <a:pt x="3243551" y="75688"/>
+                </a:lnTo>
+                <a:lnTo>
+                  <a:pt x="3356992" y="38197"/>
+                </a:lnTo>
+                <a:lnTo>
+                  <a:pt x="3470310" y="0"/>
+                </a:lnTo>
+                <a:close/>
+              </a:path>
+            </a:pathLst>
+          </a:custGeom>
+          <a:solidFill>
+            <a:schemeClr val="tx1">
+              <a:alpha val="20000"/>
+            </a:schemeClr>
+          </a:solidFill>
+          <a:ln>
+            <a:noFill/>
+          </a:ln>
+        </p:spPr>
+        <p:txBody>
+          <a:bodyPr rtlCol="0" anchor="ctr"/>
+          <a:lstStyle/>
+          <a:p>
+            <a:pPr algn="ctr"/>
+            <a:endParaRPr lang="en-US">
+              <a:solidFill>
+                <a:schemeClr val="tx1"/>
+              </a:solidFill>
+            </a:endParaRPr>
+          </a:p>
+        </p:txBody>
+      </p:sp>
       <p:sp>
         <p:nvSpPr>
           <p:cNvPr id="2" name="Title 1">
@@ -6192,15 +6641,521 @@
             <p:ph type="ctrTitle"/>
           </p:nvPr>
         </p:nvSpPr>
-        <p:spPr/>
-        <p:txBody>
-          <a:bodyPr/>
-          <a:lstStyle/>
-          <a:p>
-            <a:r>
-              <a:rPr lang="en-US" dirty="0"/>
+        <p:spPr>
+          <a:xfrm>
+            <a:off x="965505" y="623571"/>
+            <a:ext cx="10260990" cy="3523885"/>
+          </a:xfrm>
+        </p:spPr>
+        <p:txBody>
+          <a:bodyPr>
+            <a:normAutofit/>
+          </a:bodyPr>
+          <a:lstStyle/>
+          <a:p>
+            <a:pPr algn="ctr"/>
+            <a:r>
+              <a:rPr lang="en-US" sz="8000"/>
               <a:t>Landmarked</a:t>
             </a:r>
+          </a:p>
+        </p:txBody>
+      </p:sp>
+      <p:sp>
+        <p:nvSpPr>
+          <p:cNvPr id="18" name="Freeform: Shape 11">
+            <a:extLst>
+              <a:ext uri="{FF2B5EF4-FFF2-40B4-BE49-F238E27FC236}">
+                <a16:creationId xmlns:a16="http://schemas.microsoft.com/office/drawing/2014/main" id="{DF6FB2B2-CE21-407F-B22E-302DADC2C3D3}"/>
+              </a:ext>
+              <a:ext uri="{C183D7F6-B498-43B3-948B-1728B52AA6E4}">
+                <adec:decorative xmlns:adec="http://schemas.microsoft.com/office/drawing/2017/decorative" val="1"/>
+              </a:ext>
+            </a:extLst>
+          </p:cNvPr>
+          <p:cNvSpPr>
+            <a:spLocks noGrp="1" noRot="1" noChangeAspect="1" noMove="1" noResize="1" noEditPoints="1" noAdjustHandles="1" noChangeArrowheads="1" noChangeShapeType="1" noTextEdit="1"/>
+          </p:cNvSpPr>
+          <p:nvPr>
+            <p:extLst>
+              <p:ext uri="{386F3935-93C4-4BCD-93E2-E3B085C9AB24}">
+                <p16:designElem xmlns:p16="http://schemas.microsoft.com/office/powerpoint/2015/main" val="1"/>
+              </p:ext>
+            </p:extLst>
+          </p:nvPr>
+        </p:nvSpPr>
+        <p:spPr>
+          <a:xfrm>
+            <a:off x="0" y="4055533"/>
+            <a:ext cx="12192000" cy="2802467"/>
+          </a:xfrm>
+          <a:custGeom>
+            <a:avLst/>
+            <a:gdLst>
+              <a:gd name="connsiteX0" fmla="*/ 1 w 12192000"/>
+              <a:gd name="connsiteY0" fmla="*/ 0 h 2802467"/>
+              <a:gd name="connsiteX1" fmla="*/ 71932 w 12192000"/>
+              <a:gd name="connsiteY1" fmla="*/ 12261 h 2802467"/>
+              <a:gd name="connsiteX2" fmla="*/ 282848 w 12192000"/>
+              <a:gd name="connsiteY2" fmla="*/ 48342 h 2802467"/>
+              <a:gd name="connsiteX3" fmla="*/ 436464 w 12192000"/>
+              <a:gd name="connsiteY3" fmla="*/ 73565 h 2802467"/>
+              <a:gd name="connsiteX4" fmla="*/ 619339 w 12192000"/>
+              <a:gd name="connsiteY4" fmla="*/ 100188 h 2802467"/>
+              <a:gd name="connsiteX5" fmla="*/ 836351 w 12192000"/>
+              <a:gd name="connsiteY5" fmla="*/ 132066 h 2802467"/>
+              <a:gd name="connsiteX6" fmla="*/ 1076528 w 12192000"/>
+              <a:gd name="connsiteY6" fmla="*/ 165696 h 2802467"/>
+              <a:gd name="connsiteX7" fmla="*/ 1347183 w 12192000"/>
+              <a:gd name="connsiteY7" fmla="*/ 201077 h 2802467"/>
+              <a:gd name="connsiteX8" fmla="*/ 1642223 w 12192000"/>
+              <a:gd name="connsiteY8" fmla="*/ 238560 h 2802467"/>
+              <a:gd name="connsiteX9" fmla="*/ 1962864 w 12192000"/>
+              <a:gd name="connsiteY9" fmla="*/ 276043 h 2802467"/>
+              <a:gd name="connsiteX10" fmla="*/ 2304232 w 12192000"/>
+              <a:gd name="connsiteY10" fmla="*/ 314226 h 2802467"/>
+              <a:gd name="connsiteX11" fmla="*/ 2672421 w 12192000"/>
+              <a:gd name="connsiteY11" fmla="*/ 349608 h 2802467"/>
+              <a:gd name="connsiteX12" fmla="*/ 3057678 w 12192000"/>
+              <a:gd name="connsiteY12" fmla="*/ 383587 h 2802467"/>
+              <a:gd name="connsiteX13" fmla="*/ 3464881 w 12192000"/>
+              <a:gd name="connsiteY13" fmla="*/ 414415 h 2802467"/>
+              <a:gd name="connsiteX14" fmla="*/ 3889152 w 12192000"/>
+              <a:gd name="connsiteY14" fmla="*/ 443840 h 2802467"/>
+              <a:gd name="connsiteX15" fmla="*/ 4331710 w 12192000"/>
+              <a:gd name="connsiteY15" fmla="*/ 471515 h 2802467"/>
+              <a:gd name="connsiteX16" fmla="*/ 4558476 w 12192000"/>
+              <a:gd name="connsiteY16" fmla="*/ 481323 h 2802467"/>
+              <a:gd name="connsiteX17" fmla="*/ 4790118 w 12192000"/>
+              <a:gd name="connsiteY17" fmla="*/ 492183 h 2802467"/>
+              <a:gd name="connsiteX18" fmla="*/ 5025418 w 12192000"/>
+              <a:gd name="connsiteY18" fmla="*/ 502342 h 2802467"/>
+              <a:gd name="connsiteX19" fmla="*/ 5261937 w 12192000"/>
+              <a:gd name="connsiteY19" fmla="*/ 508998 h 2802467"/>
+              <a:gd name="connsiteX20" fmla="*/ 5503332 w 12192000"/>
+              <a:gd name="connsiteY20" fmla="*/ 514953 h 2802467"/>
+              <a:gd name="connsiteX21" fmla="*/ 5747166 w 12192000"/>
+              <a:gd name="connsiteY21" fmla="*/ 521259 h 2802467"/>
+              <a:gd name="connsiteX22" fmla="*/ 5995877 w 12192000"/>
+              <a:gd name="connsiteY22" fmla="*/ 525462 h 2802467"/>
+              <a:gd name="connsiteX23" fmla="*/ 6247026 w 12192000"/>
+              <a:gd name="connsiteY23" fmla="*/ 525462 h 2802467"/>
+              <a:gd name="connsiteX24" fmla="*/ 6500613 w 12192000"/>
+              <a:gd name="connsiteY24" fmla="*/ 527564 h 2802467"/>
+              <a:gd name="connsiteX25" fmla="*/ 6756639 w 12192000"/>
+              <a:gd name="connsiteY25" fmla="*/ 525462 h 2802467"/>
+              <a:gd name="connsiteX26" fmla="*/ 7016322 w 12192000"/>
+              <a:gd name="connsiteY26" fmla="*/ 521259 h 2802467"/>
+              <a:gd name="connsiteX27" fmla="*/ 7276005 w 12192000"/>
+              <a:gd name="connsiteY27" fmla="*/ 517405 h 2802467"/>
+              <a:gd name="connsiteX28" fmla="*/ 7539345 w 12192000"/>
+              <a:gd name="connsiteY28" fmla="*/ 508998 h 2802467"/>
+              <a:gd name="connsiteX29" fmla="*/ 7805124 w 12192000"/>
+              <a:gd name="connsiteY29" fmla="*/ 500240 h 2802467"/>
+              <a:gd name="connsiteX30" fmla="*/ 8070903 w 12192000"/>
+              <a:gd name="connsiteY30" fmla="*/ 490081 h 2802467"/>
+              <a:gd name="connsiteX31" fmla="*/ 8339121 w 12192000"/>
+              <a:gd name="connsiteY31" fmla="*/ 475719 h 2802467"/>
+              <a:gd name="connsiteX32" fmla="*/ 8609776 w 12192000"/>
+              <a:gd name="connsiteY32" fmla="*/ 458553 h 2802467"/>
+              <a:gd name="connsiteX33" fmla="*/ 8881651 w 12192000"/>
+              <a:gd name="connsiteY33" fmla="*/ 442089 h 2802467"/>
+              <a:gd name="connsiteX34" fmla="*/ 9153526 w 12192000"/>
+              <a:gd name="connsiteY34" fmla="*/ 421070 h 2802467"/>
+              <a:gd name="connsiteX35" fmla="*/ 9429058 w 12192000"/>
+              <a:gd name="connsiteY35" fmla="*/ 395848 h 2802467"/>
+              <a:gd name="connsiteX36" fmla="*/ 9700933 w 12192000"/>
+              <a:gd name="connsiteY36" fmla="*/ 370626 h 2802467"/>
+              <a:gd name="connsiteX37" fmla="*/ 9977684 w 12192000"/>
+              <a:gd name="connsiteY37" fmla="*/ 341550 h 2802467"/>
+              <a:gd name="connsiteX38" fmla="*/ 10255655 w 12192000"/>
+              <a:gd name="connsiteY38" fmla="*/ 309672 h 2802467"/>
+              <a:gd name="connsiteX39" fmla="*/ 10529968 w 12192000"/>
+              <a:gd name="connsiteY39" fmla="*/ 276043 h 2802467"/>
+              <a:gd name="connsiteX40" fmla="*/ 10807939 w 12192000"/>
+              <a:gd name="connsiteY40" fmla="*/ 236808 h 2802467"/>
+              <a:gd name="connsiteX41" fmla="*/ 11084690 w 12192000"/>
+              <a:gd name="connsiteY41" fmla="*/ 194771 h 2802467"/>
+              <a:gd name="connsiteX42" fmla="*/ 11362661 w 12192000"/>
+              <a:gd name="connsiteY42" fmla="*/ 153085 h 2802467"/>
+              <a:gd name="connsiteX43" fmla="*/ 11639412 w 12192000"/>
+              <a:gd name="connsiteY43" fmla="*/ 104392 h 2802467"/>
+              <a:gd name="connsiteX44" fmla="*/ 11914945 w 12192000"/>
+              <a:gd name="connsiteY44" fmla="*/ 54648 h 2802467"/>
+              <a:gd name="connsiteX45" fmla="*/ 12191696 w 12192000"/>
+              <a:gd name="connsiteY45" fmla="*/ 2452 h 2802467"/>
+              <a:gd name="connsiteX46" fmla="*/ 12191696 w 12192000"/>
+              <a:gd name="connsiteY46" fmla="*/ 2236410 h 2802467"/>
+              <a:gd name="connsiteX47" fmla="*/ 12192000 w 12192000"/>
+              <a:gd name="connsiteY47" fmla="*/ 2236410 h 2802467"/>
+              <a:gd name="connsiteX48" fmla="*/ 12192000 w 12192000"/>
+              <a:gd name="connsiteY48" fmla="*/ 2802467 h 2802467"/>
+              <a:gd name="connsiteX49" fmla="*/ 12191696 w 12192000"/>
+              <a:gd name="connsiteY49" fmla="*/ 2802467 h 2802467"/>
+              <a:gd name="connsiteX50" fmla="*/ 0 w 12192000"/>
+              <a:gd name="connsiteY50" fmla="*/ 2802467 h 2802467"/>
+              <a:gd name="connsiteX51" fmla="*/ 0 w 12192000"/>
+              <a:gd name="connsiteY51" fmla="*/ 2236410 h 2802467"/>
+              <a:gd name="connsiteX52" fmla="*/ 1 w 12192000"/>
+              <a:gd name="connsiteY52" fmla="*/ 2236410 h 2802467"/>
+            </a:gdLst>
+            <a:ahLst/>
+            <a:cxnLst>
+              <a:cxn ang="0">
+                <a:pos x="connsiteX0" y="connsiteY0"/>
+              </a:cxn>
+              <a:cxn ang="0">
+                <a:pos x="connsiteX1" y="connsiteY1"/>
+              </a:cxn>
+              <a:cxn ang="0">
+                <a:pos x="connsiteX2" y="connsiteY2"/>
+              </a:cxn>
+              <a:cxn ang="0">
+                <a:pos x="connsiteX3" y="connsiteY3"/>
+              </a:cxn>
+              <a:cxn ang="0">
+                <a:pos x="connsiteX4" y="connsiteY4"/>
+              </a:cxn>
+              <a:cxn ang="0">
+                <a:pos x="connsiteX5" y="connsiteY5"/>
+              </a:cxn>
+              <a:cxn ang="0">
+                <a:pos x="connsiteX6" y="connsiteY6"/>
+              </a:cxn>
+              <a:cxn ang="0">
+                <a:pos x="connsiteX7" y="connsiteY7"/>
+              </a:cxn>
+              <a:cxn ang="0">
+                <a:pos x="connsiteX8" y="connsiteY8"/>
+              </a:cxn>
+              <a:cxn ang="0">
+                <a:pos x="connsiteX9" y="connsiteY9"/>
+              </a:cxn>
+              <a:cxn ang="0">
+                <a:pos x="connsiteX10" y="connsiteY10"/>
+              </a:cxn>
+              <a:cxn ang="0">
+                <a:pos x="connsiteX11" y="connsiteY11"/>
+              </a:cxn>
+              <a:cxn ang="0">
+                <a:pos x="connsiteX12" y="connsiteY12"/>
+              </a:cxn>
+              <a:cxn ang="0">
+                <a:pos x="connsiteX13" y="connsiteY13"/>
+              </a:cxn>
+              <a:cxn ang="0">
+                <a:pos x="connsiteX14" y="connsiteY14"/>
+              </a:cxn>
+              <a:cxn ang="0">
+                <a:pos x="connsiteX15" y="connsiteY15"/>
+              </a:cxn>
+              <a:cxn ang="0">
+                <a:pos x="connsiteX16" y="connsiteY16"/>
+              </a:cxn>
+              <a:cxn ang="0">
+                <a:pos x="connsiteX17" y="connsiteY17"/>
+              </a:cxn>
+              <a:cxn ang="0">
+                <a:pos x="connsiteX18" y="connsiteY18"/>
+              </a:cxn>
+              <a:cxn ang="0">
+                <a:pos x="connsiteX19" y="connsiteY19"/>
+              </a:cxn>
+              <a:cxn ang="0">
+                <a:pos x="connsiteX20" y="connsiteY20"/>
+              </a:cxn>
+              <a:cxn ang="0">
+                <a:pos x="connsiteX21" y="connsiteY21"/>
+              </a:cxn>
+              <a:cxn ang="0">
+                <a:pos x="connsiteX22" y="connsiteY22"/>
+              </a:cxn>
+              <a:cxn ang="0">
+                <a:pos x="connsiteX23" y="connsiteY23"/>
+              </a:cxn>
+              <a:cxn ang="0">
+                <a:pos x="connsiteX24" y="connsiteY24"/>
+              </a:cxn>
+              <a:cxn ang="0">
+                <a:pos x="connsiteX25" y="connsiteY25"/>
+              </a:cxn>
+              <a:cxn ang="0">
+                <a:pos x="connsiteX26" y="connsiteY26"/>
+              </a:cxn>
+              <a:cxn ang="0">
+                <a:pos x="connsiteX27" y="connsiteY27"/>
+              </a:cxn>
+              <a:cxn ang="0">
+                <a:pos x="connsiteX28" y="connsiteY28"/>
+              </a:cxn>
+              <a:cxn ang="0">
+                <a:pos x="connsiteX29" y="connsiteY29"/>
+              </a:cxn>
+              <a:cxn ang="0">
+                <a:pos x="connsiteX30" y="connsiteY30"/>
+              </a:cxn>
+              <a:cxn ang="0">
+                <a:pos x="connsiteX31" y="connsiteY31"/>
+              </a:cxn>
+              <a:cxn ang="0">
+                <a:pos x="connsiteX32" y="connsiteY32"/>
+              </a:cxn>
+              <a:cxn ang="0">
+                <a:pos x="connsiteX33" y="connsiteY33"/>
+              </a:cxn>
+              <a:cxn ang="0">
+                <a:pos x="connsiteX34" y="connsiteY34"/>
+              </a:cxn>
+              <a:cxn ang="0">
+                <a:pos x="connsiteX35" y="connsiteY35"/>
+              </a:cxn>
+              <a:cxn ang="0">
+                <a:pos x="connsiteX36" y="connsiteY36"/>
+              </a:cxn>
+              <a:cxn ang="0">
+                <a:pos x="connsiteX37" y="connsiteY37"/>
+              </a:cxn>
+              <a:cxn ang="0">
+                <a:pos x="connsiteX38" y="connsiteY38"/>
+              </a:cxn>
+              <a:cxn ang="0">
+                <a:pos x="connsiteX39" y="connsiteY39"/>
+              </a:cxn>
+              <a:cxn ang="0">
+                <a:pos x="connsiteX40" y="connsiteY40"/>
+              </a:cxn>
+              <a:cxn ang="0">
+                <a:pos x="connsiteX41" y="connsiteY41"/>
+              </a:cxn>
+              <a:cxn ang="0">
+                <a:pos x="connsiteX42" y="connsiteY42"/>
+              </a:cxn>
+              <a:cxn ang="0">
+                <a:pos x="connsiteX43" y="connsiteY43"/>
+              </a:cxn>
+              <a:cxn ang="0">
+                <a:pos x="connsiteX44" y="connsiteY44"/>
+              </a:cxn>
+              <a:cxn ang="0">
+                <a:pos x="connsiteX45" y="connsiteY45"/>
+              </a:cxn>
+              <a:cxn ang="0">
+                <a:pos x="connsiteX46" y="connsiteY46"/>
+              </a:cxn>
+              <a:cxn ang="0">
+                <a:pos x="connsiteX47" y="connsiteY47"/>
+              </a:cxn>
+              <a:cxn ang="0">
+                <a:pos x="connsiteX48" y="connsiteY48"/>
+              </a:cxn>
+              <a:cxn ang="0">
+                <a:pos x="connsiteX49" y="connsiteY49"/>
+              </a:cxn>
+              <a:cxn ang="0">
+                <a:pos x="connsiteX50" y="connsiteY50"/>
+              </a:cxn>
+              <a:cxn ang="0">
+                <a:pos x="connsiteX51" y="connsiteY51"/>
+              </a:cxn>
+              <a:cxn ang="0">
+                <a:pos x="connsiteX52" y="connsiteY52"/>
+              </a:cxn>
+            </a:cxnLst>
+            <a:rect l="l" t="t" r="r" b="b"/>
+            <a:pathLst>
+              <a:path w="12192000" h="2802467">
+                <a:moveTo>
+                  <a:pt x="1" y="0"/>
+                </a:moveTo>
+                <a:lnTo>
+                  <a:pt x="71932" y="12261"/>
+                </a:lnTo>
+                <a:lnTo>
+                  <a:pt x="282848" y="48342"/>
+                </a:lnTo>
+                <a:lnTo>
+                  <a:pt x="436464" y="73565"/>
+                </a:lnTo>
+                <a:lnTo>
+                  <a:pt x="619339" y="100188"/>
+                </a:lnTo>
+                <a:lnTo>
+                  <a:pt x="836351" y="132066"/>
+                </a:lnTo>
+                <a:lnTo>
+                  <a:pt x="1076528" y="165696"/>
+                </a:lnTo>
+                <a:lnTo>
+                  <a:pt x="1347183" y="201077"/>
+                </a:lnTo>
+                <a:lnTo>
+                  <a:pt x="1642223" y="238560"/>
+                </a:lnTo>
+                <a:lnTo>
+                  <a:pt x="1962864" y="276043"/>
+                </a:lnTo>
+                <a:lnTo>
+                  <a:pt x="2304232" y="314226"/>
+                </a:lnTo>
+                <a:lnTo>
+                  <a:pt x="2672421" y="349608"/>
+                </a:lnTo>
+                <a:lnTo>
+                  <a:pt x="3057678" y="383587"/>
+                </a:lnTo>
+                <a:lnTo>
+                  <a:pt x="3464881" y="414415"/>
+                </a:lnTo>
+                <a:lnTo>
+                  <a:pt x="3889152" y="443840"/>
+                </a:lnTo>
+                <a:lnTo>
+                  <a:pt x="4331710" y="471515"/>
+                </a:lnTo>
+                <a:lnTo>
+                  <a:pt x="4558476" y="481323"/>
+                </a:lnTo>
+                <a:lnTo>
+                  <a:pt x="4790118" y="492183"/>
+                </a:lnTo>
+                <a:lnTo>
+                  <a:pt x="5025418" y="502342"/>
+                </a:lnTo>
+                <a:lnTo>
+                  <a:pt x="5261937" y="508998"/>
+                </a:lnTo>
+                <a:lnTo>
+                  <a:pt x="5503332" y="514953"/>
+                </a:lnTo>
+                <a:lnTo>
+                  <a:pt x="5747166" y="521259"/>
+                </a:lnTo>
+                <a:lnTo>
+                  <a:pt x="5995877" y="525462"/>
+                </a:lnTo>
+                <a:lnTo>
+                  <a:pt x="6247026" y="525462"/>
+                </a:lnTo>
+                <a:lnTo>
+                  <a:pt x="6500613" y="527564"/>
+                </a:lnTo>
+                <a:lnTo>
+                  <a:pt x="6756639" y="525462"/>
+                </a:lnTo>
+                <a:lnTo>
+                  <a:pt x="7016322" y="521259"/>
+                </a:lnTo>
+                <a:lnTo>
+                  <a:pt x="7276005" y="517405"/>
+                </a:lnTo>
+                <a:lnTo>
+                  <a:pt x="7539345" y="508998"/>
+                </a:lnTo>
+                <a:lnTo>
+                  <a:pt x="7805124" y="500240"/>
+                </a:lnTo>
+                <a:lnTo>
+                  <a:pt x="8070903" y="490081"/>
+                </a:lnTo>
+                <a:lnTo>
+                  <a:pt x="8339121" y="475719"/>
+                </a:lnTo>
+                <a:lnTo>
+                  <a:pt x="8609776" y="458553"/>
+                </a:lnTo>
+                <a:lnTo>
+                  <a:pt x="8881651" y="442089"/>
+                </a:lnTo>
+                <a:lnTo>
+                  <a:pt x="9153526" y="421070"/>
+                </a:lnTo>
+                <a:lnTo>
+                  <a:pt x="9429058" y="395848"/>
+                </a:lnTo>
+                <a:lnTo>
+                  <a:pt x="9700933" y="370626"/>
+                </a:lnTo>
+                <a:lnTo>
+                  <a:pt x="9977684" y="341550"/>
+                </a:lnTo>
+                <a:lnTo>
+                  <a:pt x="10255655" y="309672"/>
+                </a:lnTo>
+                <a:lnTo>
+                  <a:pt x="10529968" y="276043"/>
+                </a:lnTo>
+                <a:lnTo>
+                  <a:pt x="10807939" y="236808"/>
+                </a:lnTo>
+                <a:lnTo>
+                  <a:pt x="11084690" y="194771"/>
+                </a:lnTo>
+                <a:lnTo>
+                  <a:pt x="11362661" y="153085"/>
+                </a:lnTo>
+                <a:lnTo>
+                  <a:pt x="11639412" y="104392"/>
+                </a:lnTo>
+                <a:lnTo>
+                  <a:pt x="11914945" y="54648"/>
+                </a:lnTo>
+                <a:lnTo>
+                  <a:pt x="12191696" y="2452"/>
+                </a:lnTo>
+                <a:lnTo>
+                  <a:pt x="12191696" y="2236410"/>
+                </a:lnTo>
+                <a:lnTo>
+                  <a:pt x="12192000" y="2236410"/>
+                </a:lnTo>
+                <a:lnTo>
+                  <a:pt x="12192000" y="2802467"/>
+                </a:lnTo>
+                <a:lnTo>
+                  <a:pt x="12191696" y="2802467"/>
+                </a:lnTo>
+                <a:lnTo>
+                  <a:pt x="0" y="2802467"/>
+                </a:lnTo>
+                <a:lnTo>
+                  <a:pt x="0" y="2236410"/>
+                </a:lnTo>
+                <a:lnTo>
+                  <a:pt x="1" y="2236410"/>
+                </a:lnTo>
+                <a:close/>
+              </a:path>
+            </a:pathLst>
+          </a:custGeom>
+          <a:solidFill>
+            <a:schemeClr val="tx2"/>
+          </a:solidFill>
+          <a:ln>
+            <a:noFill/>
+          </a:ln>
+        </p:spPr>
+        <p:style>
+          <a:lnRef idx="2">
+            <a:schemeClr val="accent1">
+              <a:shade val="50000"/>
+            </a:schemeClr>
+          </a:lnRef>
+          <a:fillRef idx="1003">
+            <a:schemeClr val="dk2"/>
+          </a:fillRef>
+          <a:effectRef idx="0">
+            <a:schemeClr val="accent1"/>
+          </a:effectRef>
+          <a:fontRef idx="minor">
+            <a:schemeClr val="lt1"/>
+          </a:fontRef>
+        </p:style>
+        <p:txBody>
+          <a:bodyPr rtlCol="0" anchor="ctr"/>
+          <a:lstStyle/>
+          <a:p>
+            <a:pPr algn="ctr"/>
+            <a:endParaRPr lang="en-US"/>
           </a:p>
         </p:txBody>
       </p:sp>
@@ -6220,18 +7175,75 @@
             <p:ph type="subTitle" idx="1"/>
           </p:nvPr>
         </p:nvSpPr>
-        <p:spPr/>
-        <p:txBody>
-          <a:bodyPr/>
-          <a:lstStyle/>
-          <a:p>
-            <a:r>
-              <a:rPr lang="en-US" dirty="0"/>
+        <p:spPr>
+          <a:xfrm>
+            <a:off x="965505" y="4777380"/>
+            <a:ext cx="10260990" cy="1209763"/>
+          </a:xfrm>
+        </p:spPr>
+        <p:txBody>
+          <a:bodyPr>
+            <a:normAutofit/>
+          </a:bodyPr>
+          <a:lstStyle/>
+          <a:p>
+            <a:pPr algn="ctr"/>
+            <a:r>
+              <a:rPr lang="en-US" sz="2400">
+                <a:solidFill>
+                  <a:schemeClr val="bg2"/>
+                </a:solidFill>
+              </a:rPr>
               <a:t>Kelly, Logan, Garrett, Junmin</a:t>
             </a:r>
           </a:p>
         </p:txBody>
       </p:sp>
+      <p:pic>
+        <p:nvPicPr>
+          <p:cNvPr id="7" name="Picture 6" descr="A drawing of a person&#10;&#10;Description automatically generated">
+            <a:extLst>
+              <a:ext uri="{FF2B5EF4-FFF2-40B4-BE49-F238E27FC236}">
+                <a16:creationId xmlns:a16="http://schemas.microsoft.com/office/drawing/2014/main" id="{387B6D7B-9E36-41B2-9086-DE3E1318E73A}"/>
+              </a:ext>
+            </a:extLst>
+          </p:cNvPr>
+          <p:cNvPicPr>
+            <a:picLocks noChangeAspect="1"/>
+          </p:cNvPicPr>
+          <p:nvPr/>
+        </p:nvPicPr>
+        <p:blipFill rotWithShape="1">
+          <a:blip r:embed="rId3">
+            <a:clrChange>
+              <a:clrFrom>
+                <a:srgbClr val="FFFFFF"/>
+              </a:clrFrom>
+              <a:clrTo>
+                <a:srgbClr val="FFFFFF">
+                  <a:alpha val="0"/>
+                </a:srgbClr>
+              </a:clrTo>
+            </a:clrChange>
+            <a:extLst>
+              <a:ext uri="{28A0092B-C50C-407E-A947-70E740481C1C}">
+                <a14:useLocalDpi xmlns:a14="http://schemas.microsoft.com/office/drawing/2010/main" val="0"/>
+              </a:ext>
+            </a:extLst>
+          </a:blip>
+          <a:srcRect t="36247"/>
+          <a:stretch/>
+        </p:blipFill>
+        <p:spPr>
+          <a:xfrm>
+            <a:off x="3457422" y="4881465"/>
+            <a:ext cx="5276850" cy="2052479"/>
+          </a:xfrm>
+          <a:prstGeom prst="rect">
+            <a:avLst/>
+          </a:prstGeom>
+        </p:spPr>
+      </p:pic>
     </p:spTree>
     <p:extLst>
       <p:ext uri="{BB962C8B-B14F-4D97-AF65-F5344CB8AC3E}">

--- a/Technology Presentation.pptx
+++ b/Technology Presentation.pptx
@@ -12,25 +12,25 @@
     <p:sldId id="285" r:id="rId6"/>
     <p:sldId id="286" r:id="rId7"/>
     <p:sldId id="287" r:id="rId8"/>
-    <p:sldId id="272" r:id="rId9"/>
-    <p:sldId id="266" r:id="rId10"/>
-    <p:sldId id="264" r:id="rId11"/>
-    <p:sldId id="262" r:id="rId12"/>
-    <p:sldId id="263" r:id="rId13"/>
-    <p:sldId id="267" r:id="rId14"/>
-    <p:sldId id="270" r:id="rId15"/>
-    <p:sldId id="268" r:id="rId16"/>
-    <p:sldId id="273" r:id="rId17"/>
-    <p:sldId id="284" r:id="rId18"/>
-    <p:sldId id="260" r:id="rId19"/>
-    <p:sldId id="265" r:id="rId20"/>
-    <p:sldId id="261" r:id="rId21"/>
-    <p:sldId id="269" r:id="rId22"/>
-    <p:sldId id="274" r:id="rId23"/>
-    <p:sldId id="278" r:id="rId24"/>
-    <p:sldId id="277" r:id="rId25"/>
-    <p:sldId id="276" r:id="rId26"/>
-    <p:sldId id="275" r:id="rId27"/>
+    <p:sldId id="261" r:id="rId9"/>
+    <p:sldId id="269" r:id="rId10"/>
+    <p:sldId id="265" r:id="rId11"/>
+    <p:sldId id="260" r:id="rId12"/>
+    <p:sldId id="274" r:id="rId13"/>
+    <p:sldId id="278" r:id="rId14"/>
+    <p:sldId id="277" r:id="rId15"/>
+    <p:sldId id="276" r:id="rId16"/>
+    <p:sldId id="275" r:id="rId17"/>
+    <p:sldId id="272" r:id="rId18"/>
+    <p:sldId id="264" r:id="rId19"/>
+    <p:sldId id="273" r:id="rId20"/>
+    <p:sldId id="270" r:id="rId21"/>
+    <p:sldId id="263" r:id="rId22"/>
+    <p:sldId id="266" r:id="rId23"/>
+    <p:sldId id="262" r:id="rId24"/>
+    <p:sldId id="267" r:id="rId25"/>
+    <p:sldId id="268" r:id="rId26"/>
+    <p:sldId id="284" r:id="rId27"/>
     <p:sldId id="271" r:id="rId28"/>
     <p:sldId id="279" r:id="rId29"/>
     <p:sldId id="280" r:id="rId30"/>
@@ -152,31 +152,31 @@
             <p14:sldId id="287"/>
           </p14:sldIdLst>
         </p14:section>
-        <p14:section name="Database" id="{776900BF-56F2-4C74-9E07-51E0CCFB0B9A}">
-          <p14:sldIdLst>
-            <p14:sldId id="272"/>
-            <p14:sldId id="266"/>
-            <p14:sldId id="264"/>
-            <p14:sldId id="262"/>
-            <p14:sldId id="263"/>
-            <p14:sldId id="267"/>
-            <p14:sldId id="270"/>
-            <p14:sldId id="268"/>
-            <p14:sldId id="273"/>
-            <p14:sldId id="284"/>
-          </p14:sldIdLst>
-        </p14:section>
         <p14:section name="APIs" id="{6FAC944D-8EE9-4352-987A-586435CFB719}">
           <p14:sldIdLst>
-            <p14:sldId id="260"/>
-            <p14:sldId id="265"/>
             <p14:sldId id="261"/>
             <p14:sldId id="269"/>
+            <p14:sldId id="265"/>
+            <p14:sldId id="260"/>
             <p14:sldId id="274"/>
             <p14:sldId id="278"/>
             <p14:sldId id="277"/>
             <p14:sldId id="276"/>
             <p14:sldId id="275"/>
+          </p14:sldIdLst>
+        </p14:section>
+        <p14:section name="Database" id="{776900BF-56F2-4C74-9E07-51E0CCFB0B9A}">
+          <p14:sldIdLst>
+            <p14:sldId id="272"/>
+            <p14:sldId id="264"/>
+            <p14:sldId id="273"/>
+            <p14:sldId id="270"/>
+            <p14:sldId id="263"/>
+            <p14:sldId id="266"/>
+            <p14:sldId id="262"/>
+            <p14:sldId id="267"/>
+            <p14:sldId id="268"/>
+            <p14:sldId id="284"/>
           </p14:sldIdLst>
         </p14:section>
         <p14:section name="GUI" id="{E3EC1C53-F493-414C-AB58-186B1388D829}">
@@ -7297,7 +7297,7 @@
           <a:p>
             <a:r>
               <a:rPr lang="en-US" sz="5400" dirty="0"/>
-              <a:t>As Tina the fisherman I want to privately save a great spot I found that so I can get back to it in the future.</a:t>
+              <a:t>As Jane the college aged woman I want to social media blast this location to everyone in my circle.</a:t>
             </a:r>
             <a:br>
               <a:rPr lang="en-US" sz="5400" dirty="0"/>
@@ -7309,12 +7309,8 @@
               <a:rPr lang="en-US" sz="5400" dirty="0"/>
             </a:br>
             <a:r>
-              <a:rPr lang="en-US" sz="5400" dirty="0"/>
-              <a:t>-</a:t>
-            </a:r>
-            <a:r>
               <a:rPr lang="en-US" sz="4000" dirty="0"/>
-              <a:t>[Custom Landmarks]</a:t>
+              <a:t>-[Social Media Integration]</a:t>
             </a:r>
           </a:p>
         </p:txBody>
@@ -7322,7 +7318,7 @@
     </p:spTree>
     <p:extLst>
       <p:ext uri="{BB962C8B-B14F-4D97-AF65-F5344CB8AC3E}">
-        <p14:creationId xmlns:p14="http://schemas.microsoft.com/office/powerpoint/2010/main" val="2394297851"/>
+        <p14:creationId xmlns:p14="http://schemas.microsoft.com/office/powerpoint/2010/main" val="4231841049"/>
       </p:ext>
     </p:extLst>
   </p:cSld>
@@ -7372,7 +7368,7 @@
           <a:p>
             <a:r>
               <a:rPr lang="en-US" sz="5400" dirty="0"/>
-              <a:t>As Francine the world traveler, I want to easily show my friends a quick slideshow style summary of all the places I’ve been.</a:t>
+              <a:t>As Rick the user, I’d like a nice measuring tool on the screen to help me pinpoint my target.</a:t>
             </a:r>
             <a:br>
               <a:rPr lang="en-US" sz="5400" dirty="0"/>
@@ -7380,9 +7376,12 @@
             <a:br>
               <a:rPr lang="en-US" sz="5400" dirty="0"/>
             </a:br>
+            <a:br>
+              <a:rPr lang="en-US" sz="5400" dirty="0"/>
+            </a:br>
             <a:r>
               <a:rPr lang="en-US" sz="4000" dirty="0"/>
-              <a:t>-[Slideshow Summary]</a:t>
+              <a:t>-[Measurement Tool]</a:t>
             </a:r>
           </a:p>
         </p:txBody>
@@ -7390,7 +7389,7 @@
     </p:spTree>
     <p:extLst>
       <p:ext uri="{BB962C8B-B14F-4D97-AF65-F5344CB8AC3E}">
-        <p14:creationId xmlns:p14="http://schemas.microsoft.com/office/powerpoint/2010/main" val="83345420"/>
+        <p14:creationId xmlns:p14="http://schemas.microsoft.com/office/powerpoint/2010/main" val="1052882010"/>
       </p:ext>
     </p:extLst>
   </p:cSld>
@@ -7422,7 +7421,7 @@
           <p:cNvPr id="2" name="Title 1">
             <a:extLst>
               <a:ext uri="{FF2B5EF4-FFF2-40B4-BE49-F238E27FC236}">
-                <a16:creationId xmlns:a16="http://schemas.microsoft.com/office/drawing/2014/main" id="{ABFE9964-2DD0-4B8C-9324-5C9218DC5DF7}"/>
+                <a16:creationId xmlns:a16="http://schemas.microsoft.com/office/drawing/2014/main" id="{BA35D0AB-9A37-479C-9406-C70EC5D04068}"/>
               </a:ext>
             </a:extLst>
           </p:cNvPr>
@@ -7439,18 +7438,75 @@
           <a:lstStyle/>
           <a:p>
             <a:r>
-              <a:rPr lang="en-US" sz="5400" dirty="0"/>
-              <a:t>As Dora the explorer, I want to save personal notes about my trips to landmarks so that Swiper doesn’t swipe them.</a:t>
-            </a:r>
-            <a:br>
-              <a:rPr lang="en-US" sz="5400" dirty="0"/>
-            </a:br>
-            <a:br>
-              <a:rPr lang="en-US" sz="5400" dirty="0"/>
-            </a:br>
-            <a:r>
-              <a:rPr lang="en-US" sz="4000" dirty="0"/>
-              <a:t>-[Saved Notes]</a:t>
+              <a:rPr lang="en-US" dirty="0"/>
+              <a:t>Google Maps Platform</a:t>
+            </a:r>
+          </a:p>
+        </p:txBody>
+      </p:sp>
+      <p:sp>
+        <p:nvSpPr>
+          <p:cNvPr id="3" name="Content Placeholder 2">
+            <a:extLst>
+              <a:ext uri="{FF2B5EF4-FFF2-40B4-BE49-F238E27FC236}">
+                <a16:creationId xmlns:a16="http://schemas.microsoft.com/office/drawing/2014/main" id="{C53C1AAE-D52E-4865-94E5-9A746F2B6603}"/>
+              </a:ext>
+            </a:extLst>
+          </p:cNvPr>
+          <p:cNvSpPr>
+            <a:spLocks noGrp="1"/>
+          </p:cNvSpPr>
+          <p:nvPr>
+            <p:ph idx="1"/>
+          </p:nvPr>
+        </p:nvSpPr>
+        <p:spPr/>
+        <p:txBody>
+          <a:bodyPr/>
+          <a:lstStyle/>
+          <a:p>
+            <a:pPr marL="0" indent="0">
+              <a:buNone/>
+            </a:pPr>
+            <a:r>
+              <a:rPr lang="en-US" dirty="0"/>
+              <a:t>Pros</a:t>
+            </a:r>
+          </a:p>
+          <a:p>
+            <a:r>
+              <a:rPr lang="en-US" dirty="0"/>
+              <a:t>Extensive information available</a:t>
+            </a:r>
+          </a:p>
+          <a:p>
+            <a:r>
+              <a:rPr lang="en-US" dirty="0"/>
+              <a:t>Most complete platform</a:t>
+            </a:r>
+          </a:p>
+          <a:p>
+            <a:endParaRPr lang="en-US" dirty="0"/>
+          </a:p>
+          <a:p>
+            <a:pPr marL="0" indent="0">
+              <a:buNone/>
+            </a:pPr>
+            <a:r>
+              <a:rPr lang="en-US" dirty="0"/>
+              <a:t>Cons</a:t>
+            </a:r>
+          </a:p>
+          <a:p>
+            <a:r>
+              <a:rPr lang="en-US" dirty="0"/>
+              <a:t>Heavy cost</a:t>
+            </a:r>
+          </a:p>
+          <a:p>
+            <a:r>
+              <a:rPr lang="en-US" dirty="0"/>
+              <a:t>Might need to interact with multiple, separate APIs to obtain elevation data. This may increase overhead.</a:t>
             </a:r>
           </a:p>
         </p:txBody>
@@ -7458,7 +7514,7 @@
     </p:spTree>
     <p:extLst>
       <p:ext uri="{BB962C8B-B14F-4D97-AF65-F5344CB8AC3E}">
-        <p14:creationId xmlns:p14="http://schemas.microsoft.com/office/powerpoint/2010/main" val="1860043813"/>
+        <p14:creationId xmlns:p14="http://schemas.microsoft.com/office/powerpoint/2010/main" val="2611106842"/>
       </p:ext>
     </p:extLst>
   </p:cSld>
@@ -7490,7 +7546,7 @@
           <p:cNvPr id="2" name="Title 1">
             <a:extLst>
               <a:ext uri="{FF2B5EF4-FFF2-40B4-BE49-F238E27FC236}">
-                <a16:creationId xmlns:a16="http://schemas.microsoft.com/office/drawing/2014/main" id="{ABFE9964-2DD0-4B8C-9324-5C9218DC5DF7}"/>
+                <a16:creationId xmlns:a16="http://schemas.microsoft.com/office/drawing/2014/main" id="{BA35D0AB-9A37-479C-9406-C70EC5D04068}"/>
               </a:ext>
             </a:extLst>
           </p:cNvPr>
@@ -7501,35 +7557,90 @@
             <p:ph type="title"/>
           </p:nvPr>
         </p:nvSpPr>
-        <p:spPr>
-          <a:xfrm>
-            <a:off x="716449" y="452718"/>
-            <a:ext cx="9404723" cy="1400530"/>
-          </a:xfrm>
-        </p:spPr>
-        <p:txBody>
-          <a:bodyPr/>
-          <a:lstStyle/>
-          <a:p>
-            <a:r>
-              <a:rPr lang="en-US" sz="4800" dirty="0"/>
-              <a:t>As Hannah the avid hiker, I want to rate locations so that newcomers to the area know where to go. </a:t>
-            </a:r>
-            <a:br>
-              <a:rPr lang="en-US" sz="4800" dirty="0"/>
-            </a:br>
-            <a:br>
-              <a:rPr lang="en-US" sz="4800" dirty="0"/>
-            </a:br>
-            <a:br>
-              <a:rPr lang="en-US" sz="4800" dirty="0"/>
-            </a:br>
-            <a:br>
-              <a:rPr lang="en-US" sz="4800" dirty="0"/>
-            </a:br>
-            <a:r>
-              <a:rPr lang="en-US" sz="4000" dirty="0"/>
-              <a:t>-[Rating System]</a:t>
+        <p:spPr/>
+        <p:txBody>
+          <a:bodyPr/>
+          <a:lstStyle/>
+          <a:p>
+            <a:r>
+              <a:rPr lang="en-US" dirty="0"/>
+              <a:t>Bing Maps</a:t>
+            </a:r>
+          </a:p>
+        </p:txBody>
+      </p:sp>
+      <p:sp>
+        <p:nvSpPr>
+          <p:cNvPr id="3" name="Content Placeholder 2">
+            <a:extLst>
+              <a:ext uri="{FF2B5EF4-FFF2-40B4-BE49-F238E27FC236}">
+                <a16:creationId xmlns:a16="http://schemas.microsoft.com/office/drawing/2014/main" id="{C53C1AAE-D52E-4865-94E5-9A746F2B6603}"/>
+              </a:ext>
+            </a:extLst>
+          </p:cNvPr>
+          <p:cNvSpPr>
+            <a:spLocks noGrp="1"/>
+          </p:cNvSpPr>
+          <p:nvPr>
+            <p:ph idx="1"/>
+          </p:nvPr>
+        </p:nvSpPr>
+        <p:spPr/>
+        <p:txBody>
+          <a:bodyPr/>
+          <a:lstStyle/>
+          <a:p>
+            <a:pPr marL="0" indent="0">
+              <a:buNone/>
+            </a:pPr>
+            <a:r>
+              <a:rPr lang="en-US" dirty="0"/>
+              <a:t>Pros</a:t>
+            </a:r>
+          </a:p>
+          <a:p>
+            <a:r>
+              <a:rPr lang="en-US" dirty="0"/>
+              <a:t>Very well documented</a:t>
+            </a:r>
+          </a:p>
+          <a:p>
+            <a:r>
+              <a:rPr lang="en-US" dirty="0"/>
+              <a:t>Not as expensive as Google</a:t>
+            </a:r>
+          </a:p>
+          <a:p>
+            <a:pPr marL="0" indent="0">
+              <a:buNone/>
+            </a:pPr>
+            <a:endParaRPr lang="en-US" dirty="0"/>
+          </a:p>
+          <a:p>
+            <a:pPr marL="0" indent="0">
+              <a:buNone/>
+            </a:pPr>
+            <a:r>
+              <a:rPr lang="en-US" dirty="0"/>
+              <a:t>Cons</a:t>
+            </a:r>
+          </a:p>
+          <a:p>
+            <a:r>
+              <a:rPr lang="en-US" dirty="0"/>
+              <a:t>Still relatively expensive</a:t>
+            </a:r>
+          </a:p>
+          <a:p>
+            <a:r>
+              <a:rPr lang="en-US" dirty="0"/>
+              <a:t>Resource intensive</a:t>
+            </a:r>
+          </a:p>
+          <a:p>
+            <a:r>
+              <a:rPr lang="en-US" dirty="0"/>
+              <a:t>Not as customizable</a:t>
             </a:r>
           </a:p>
         </p:txBody>
@@ -7537,7 +7648,7 @@
     </p:spTree>
     <p:extLst>
       <p:ext uri="{BB962C8B-B14F-4D97-AF65-F5344CB8AC3E}">
-        <p14:creationId xmlns:p14="http://schemas.microsoft.com/office/powerpoint/2010/main" val="371364707"/>
+        <p14:creationId xmlns:p14="http://schemas.microsoft.com/office/powerpoint/2010/main" val="2646868906"/>
       </p:ext>
     </p:extLst>
   </p:cSld>
@@ -7569,7 +7680,7 @@
           <p:cNvPr id="2" name="Title 1">
             <a:extLst>
               <a:ext uri="{FF2B5EF4-FFF2-40B4-BE49-F238E27FC236}">
-                <a16:creationId xmlns:a16="http://schemas.microsoft.com/office/drawing/2014/main" id="{ABFE9964-2DD0-4B8C-9324-5C9218DC5DF7}"/>
+                <a16:creationId xmlns:a16="http://schemas.microsoft.com/office/drawing/2014/main" id="{BA35D0AB-9A37-479C-9406-C70EC5D04068}"/>
               </a:ext>
             </a:extLst>
           </p:cNvPr>
@@ -7586,27 +7697,81 @@
           <a:lstStyle/>
           <a:p>
             <a:r>
-              <a:rPr lang="en-US" sz="4800" dirty="0"/>
-              <a:t>As Nancy the frequent user, I want to have a list of all the landmarks I’ve visited.</a:t>
-            </a:r>
-            <a:br>
-              <a:rPr lang="en-US" sz="4800" dirty="0"/>
-            </a:br>
-            <a:br>
-              <a:rPr lang="en-US" sz="4800" dirty="0"/>
-            </a:br>
-            <a:br>
-              <a:rPr lang="en-US" sz="4800" dirty="0"/>
-            </a:br>
-            <a:br>
-              <a:rPr lang="en-US" sz="4800" dirty="0"/>
-            </a:br>
-            <a:br>
-              <a:rPr lang="en-US" sz="4800" dirty="0"/>
-            </a:br>
-            <a:r>
-              <a:rPr lang="en-US" sz="4000" dirty="0"/>
-              <a:t>-[Landmark History]</a:t>
+              <a:rPr lang="en-US" dirty="0"/>
+              <a:t>TomTom</a:t>
+            </a:r>
+          </a:p>
+        </p:txBody>
+      </p:sp>
+      <p:sp>
+        <p:nvSpPr>
+          <p:cNvPr id="3" name="Content Placeholder 2">
+            <a:extLst>
+              <a:ext uri="{FF2B5EF4-FFF2-40B4-BE49-F238E27FC236}">
+                <a16:creationId xmlns:a16="http://schemas.microsoft.com/office/drawing/2014/main" id="{C53C1AAE-D52E-4865-94E5-9A746F2B6603}"/>
+              </a:ext>
+            </a:extLst>
+          </p:cNvPr>
+          <p:cNvSpPr>
+            <a:spLocks noGrp="1"/>
+          </p:cNvSpPr>
+          <p:nvPr>
+            <p:ph idx="1"/>
+          </p:nvPr>
+        </p:nvSpPr>
+        <p:spPr/>
+        <p:txBody>
+          <a:bodyPr/>
+          <a:lstStyle/>
+          <a:p>
+            <a:pPr marL="0" indent="0">
+              <a:buNone/>
+            </a:pPr>
+            <a:r>
+              <a:rPr lang="en-US" dirty="0"/>
+              <a:t>Pros</a:t>
+            </a:r>
+          </a:p>
+          <a:p>
+            <a:r>
+              <a:rPr lang="en-US" dirty="0"/>
+              <a:t>Good cost structure (2500 free API calls/day)</a:t>
+            </a:r>
+          </a:p>
+          <a:p>
+            <a:r>
+              <a:rPr lang="en-US" dirty="0"/>
+              <a:t>Widely used</a:t>
+            </a:r>
+          </a:p>
+          <a:p>
+            <a:r>
+              <a:rPr lang="en-US" dirty="0"/>
+              <a:t>Has points of interest database</a:t>
+            </a:r>
+          </a:p>
+          <a:p>
+            <a:endParaRPr lang="en-US" dirty="0"/>
+          </a:p>
+          <a:p>
+            <a:pPr marL="0" indent="0">
+              <a:buNone/>
+            </a:pPr>
+            <a:r>
+              <a:rPr lang="en-US" dirty="0"/>
+              <a:t>Cons</a:t>
+            </a:r>
+          </a:p>
+          <a:p>
+            <a:r>
+              <a:rPr lang="en-US" dirty="0"/>
+              <a:t>Daily calls will limit how much we can test in one day</a:t>
+            </a:r>
+          </a:p>
+          <a:p>
+            <a:r>
+              <a:rPr lang="en-US" dirty="0"/>
+              <a:t>General downward trend in popularity</a:t>
             </a:r>
           </a:p>
         </p:txBody>
@@ -7614,7 +7779,7 @@
     </p:spTree>
     <p:extLst>
       <p:ext uri="{BB962C8B-B14F-4D97-AF65-F5344CB8AC3E}">
-        <p14:creationId xmlns:p14="http://schemas.microsoft.com/office/powerpoint/2010/main" val="2401975838"/>
+        <p14:creationId xmlns:p14="http://schemas.microsoft.com/office/powerpoint/2010/main" val="848853006"/>
       </p:ext>
     </p:extLst>
   </p:cSld>
@@ -7646,7 +7811,7 @@
           <p:cNvPr id="2" name="Title 1">
             <a:extLst>
               <a:ext uri="{FF2B5EF4-FFF2-40B4-BE49-F238E27FC236}">
-                <a16:creationId xmlns:a16="http://schemas.microsoft.com/office/drawing/2014/main" id="{ABFE9964-2DD0-4B8C-9324-5C9218DC5DF7}"/>
+                <a16:creationId xmlns:a16="http://schemas.microsoft.com/office/drawing/2014/main" id="{BA35D0AB-9A37-479C-9406-C70EC5D04068}"/>
               </a:ext>
             </a:extLst>
           </p:cNvPr>
@@ -7663,24 +7828,70 @@
           <a:lstStyle/>
           <a:p>
             <a:r>
-              <a:rPr lang="en-US" sz="4800" dirty="0"/>
-              <a:t>As Dan the introverted hiker, I want to know the traffic of a landmark so that I can avoid busy places.</a:t>
-            </a:r>
-            <a:br>
-              <a:rPr lang="en-US" sz="4800" dirty="0"/>
-            </a:br>
-            <a:br>
-              <a:rPr lang="en-US" sz="4800" dirty="0"/>
-            </a:br>
-            <a:br>
-              <a:rPr lang="en-US" sz="4800" dirty="0"/>
-            </a:br>
-            <a:br>
-              <a:rPr lang="en-US" sz="4800" dirty="0"/>
-            </a:br>
-            <a:r>
-              <a:rPr lang="en-US" sz="4000" dirty="0"/>
-              <a:t>-[Popularity System]</a:t>
+              <a:rPr lang="en-US" dirty="0" err="1"/>
+              <a:t>Mapbox</a:t>
+            </a:r>
+            <a:endParaRPr lang="en-US" dirty="0"/>
+          </a:p>
+        </p:txBody>
+      </p:sp>
+      <p:sp>
+        <p:nvSpPr>
+          <p:cNvPr id="3" name="Content Placeholder 2">
+            <a:extLst>
+              <a:ext uri="{FF2B5EF4-FFF2-40B4-BE49-F238E27FC236}">
+                <a16:creationId xmlns:a16="http://schemas.microsoft.com/office/drawing/2014/main" id="{C53C1AAE-D52E-4865-94E5-9A746F2B6603}"/>
+              </a:ext>
+            </a:extLst>
+          </p:cNvPr>
+          <p:cNvSpPr>
+            <a:spLocks noGrp="1"/>
+          </p:cNvSpPr>
+          <p:nvPr>
+            <p:ph idx="1"/>
+          </p:nvPr>
+        </p:nvSpPr>
+        <p:spPr/>
+        <p:txBody>
+          <a:bodyPr/>
+          <a:lstStyle/>
+          <a:p>
+            <a:pPr marL="0" indent="0">
+              <a:buNone/>
+            </a:pPr>
+            <a:r>
+              <a:rPr lang="en-US" dirty="0"/>
+              <a:t>Pros</a:t>
+            </a:r>
+          </a:p>
+          <a:p>
+            <a:r>
+              <a:rPr lang="en-US" dirty="0"/>
+              <a:t>Upward popularity trend</a:t>
+            </a:r>
+          </a:p>
+          <a:p>
+            <a:r>
+              <a:rPr lang="en-US" dirty="0"/>
+              <a:t>Cross-Platform</a:t>
+            </a:r>
+          </a:p>
+          <a:p>
+            <a:endParaRPr lang="en-US" dirty="0"/>
+          </a:p>
+          <a:p>
+            <a:pPr marL="0" indent="0">
+              <a:buNone/>
+            </a:pPr>
+            <a:r>
+              <a:rPr lang="en-US" dirty="0"/>
+              <a:t>Cons</a:t>
+            </a:r>
+          </a:p>
+          <a:p>
+            <a:r>
+              <a:rPr lang="en-US" dirty="0"/>
+              <a:t>Rather resource intensive</a:t>
             </a:r>
           </a:p>
         </p:txBody>
@@ -7688,7 +7899,7 @@
     </p:spTree>
     <p:extLst>
       <p:ext uri="{BB962C8B-B14F-4D97-AF65-F5344CB8AC3E}">
-        <p14:creationId xmlns:p14="http://schemas.microsoft.com/office/powerpoint/2010/main" val="2379561662"/>
+        <p14:creationId xmlns:p14="http://schemas.microsoft.com/office/powerpoint/2010/main" val="1549002469"/>
       </p:ext>
     </p:extLst>
   </p:cSld>
@@ -7720,7 +7931,7 @@
           <p:cNvPr id="2" name="Title 1">
             <a:extLst>
               <a:ext uri="{FF2B5EF4-FFF2-40B4-BE49-F238E27FC236}">
-                <a16:creationId xmlns:a16="http://schemas.microsoft.com/office/drawing/2014/main" id="{ABFE9964-2DD0-4B8C-9324-5C9218DC5DF7}"/>
+                <a16:creationId xmlns:a16="http://schemas.microsoft.com/office/drawing/2014/main" id="{33182361-C770-430C-97A0-B9298FA3FE50}"/>
               </a:ext>
             </a:extLst>
           </p:cNvPr>
@@ -7731,38 +7942,105 @@
             <p:ph type="title"/>
           </p:nvPr>
         </p:nvSpPr>
-        <p:spPr>
-          <a:xfrm>
-            <a:off x="674246" y="452718"/>
-            <a:ext cx="9404723" cy="1400530"/>
-          </a:xfrm>
-        </p:spPr>
-        <p:txBody>
-          <a:bodyPr/>
-          <a:lstStyle/>
-          <a:p>
-            <a:r>
-              <a:rPr lang="en-US" dirty="0"/>
-              <a:t>As Kara the dedicated user, I want to save my landmarks online so I can access them from another device.</a:t>
+        <p:spPr/>
+        <p:txBody>
+          <a:bodyPr/>
+          <a:lstStyle/>
+          <a:p>
+            <a:r>
+              <a:rPr lang="en-US" dirty="0"/>
+              <a:t>Chosen Technology:</a:t>
             </a:r>
             <a:br>
               <a:rPr lang="en-US" dirty="0"/>
             </a:br>
-            <a:br>
-              <a:rPr lang="en-US" dirty="0"/>
-            </a:br>
-            <a:br>
-              <a:rPr lang="en-US" dirty="0"/>
-            </a:br>
-            <a:br>
-              <a:rPr lang="en-US" dirty="0"/>
-            </a:br>
-            <a:br>
-              <a:rPr lang="en-US" dirty="0"/>
-            </a:br>
-            <a:r>
-              <a:rPr lang="en-US" sz="4000" dirty="0"/>
-              <a:t>-[User Accounts]</a:t>
+            <a:r>
+              <a:rPr lang="en-US" dirty="0" err="1"/>
+              <a:t>Mapbox</a:t>
+            </a:r>
+            <a:endParaRPr lang="en-US" dirty="0"/>
+          </a:p>
+        </p:txBody>
+      </p:sp>
+      <p:sp>
+        <p:nvSpPr>
+          <p:cNvPr id="3" name="Content Placeholder 2">
+            <a:extLst>
+              <a:ext uri="{FF2B5EF4-FFF2-40B4-BE49-F238E27FC236}">
+                <a16:creationId xmlns:a16="http://schemas.microsoft.com/office/drawing/2014/main" id="{6457FBD9-768E-4864-B576-83C1D02FB7F8}"/>
+              </a:ext>
+            </a:extLst>
+          </p:cNvPr>
+          <p:cNvSpPr>
+            <a:spLocks noGrp="1"/>
+          </p:cNvSpPr>
+          <p:nvPr>
+            <p:ph idx="1"/>
+          </p:nvPr>
+        </p:nvSpPr>
+        <p:spPr/>
+        <p:txBody>
+          <a:bodyPr/>
+          <a:lstStyle/>
+          <a:p>
+            <a:r>
+              <a:rPr lang="en-US" dirty="0"/>
+              <a:t>Not unreasonably expensive</a:t>
+            </a:r>
+          </a:p>
+          <a:p>
+            <a:pPr lvl="1"/>
+            <a:r>
+              <a:rPr lang="en-US" dirty="0"/>
+              <a:t>Free Tier</a:t>
+            </a:r>
+          </a:p>
+          <a:p>
+            <a:pPr lvl="2"/>
+            <a:r>
+              <a:rPr lang="en-US" dirty="0"/>
+              <a:t>50k monthly active users</a:t>
+            </a:r>
+          </a:p>
+          <a:p>
+            <a:pPr lvl="2"/>
+            <a:r>
+              <a:rPr lang="en-US" dirty="0"/>
+              <a:t>50k geocode requests / month</a:t>
+            </a:r>
+          </a:p>
+          <a:p>
+            <a:pPr lvl="2"/>
+            <a:r>
+              <a:rPr lang="en-US" dirty="0"/>
+              <a:t>50k directions request / month</a:t>
+            </a:r>
+          </a:p>
+          <a:p>
+            <a:pPr lvl="2"/>
+            <a:r>
+              <a:rPr lang="en-US" dirty="0"/>
+              <a:t>50k matrix elements / month</a:t>
+            </a:r>
+          </a:p>
+          <a:p>
+            <a:pPr lvl="1"/>
+            <a:r>
+              <a:rPr lang="en-US" dirty="0"/>
+              <a:t>More beyond that point</a:t>
+            </a:r>
+          </a:p>
+          <a:p>
+            <a:r>
+              <a:rPr lang="en-US" dirty="0"/>
+              <a:t>Built in online maps</a:t>
+            </a:r>
+          </a:p>
+          <a:p>
+            <a:pPr lvl="1"/>
+            <a:r>
+              <a:rPr lang="en-US" dirty="0"/>
+              <a:t>Points of Interest</a:t>
             </a:r>
           </a:p>
         </p:txBody>
@@ -7770,7 +8048,7 @@
     </p:spTree>
     <p:extLst>
       <p:ext uri="{BB962C8B-B14F-4D97-AF65-F5344CB8AC3E}">
-        <p14:creationId xmlns:p14="http://schemas.microsoft.com/office/powerpoint/2010/main" val="2994192456"/>
+        <p14:creationId xmlns:p14="http://schemas.microsoft.com/office/powerpoint/2010/main" val="2872609314"/>
       </p:ext>
     </p:extLst>
   </p:cSld>
@@ -7802,7 +8080,7 @@
           <p:cNvPr id="2" name="Title 1">
             <a:extLst>
               <a:ext uri="{FF2B5EF4-FFF2-40B4-BE49-F238E27FC236}">
-                <a16:creationId xmlns:a16="http://schemas.microsoft.com/office/drawing/2014/main" id="{BA35D0AB-9A37-479C-9406-C70EC5D04068}"/>
+                <a16:creationId xmlns:a16="http://schemas.microsoft.com/office/drawing/2014/main" id="{ABFE9964-2DD0-4B8C-9324-5C9218DC5DF7}"/>
               </a:ext>
             </a:extLst>
           </p:cNvPr>
@@ -7813,92 +8091,47 @@
             <p:ph type="title"/>
           </p:nvPr>
         </p:nvSpPr>
-        <p:spPr/>
-        <p:txBody>
-          <a:bodyPr/>
-          <a:lstStyle/>
-          <a:p>
-            <a:r>
-              <a:rPr lang="en-US" dirty="0"/>
-              <a:t>SQL Server</a:t>
-            </a:r>
-          </a:p>
-        </p:txBody>
-      </p:sp>
-      <p:sp>
-        <p:nvSpPr>
-          <p:cNvPr id="3" name="Content Placeholder 2">
-            <a:extLst>
-              <a:ext uri="{FF2B5EF4-FFF2-40B4-BE49-F238E27FC236}">
-                <a16:creationId xmlns:a16="http://schemas.microsoft.com/office/drawing/2014/main" id="{C53C1AAE-D52E-4865-94E5-9A746F2B6603}"/>
-              </a:ext>
-            </a:extLst>
-          </p:cNvPr>
-          <p:cNvSpPr>
-            <a:spLocks noGrp="1"/>
-          </p:cNvSpPr>
-          <p:nvPr>
-            <p:ph idx="1"/>
-          </p:nvPr>
-        </p:nvSpPr>
-        <p:spPr/>
-        <p:txBody>
-          <a:bodyPr/>
-          <a:lstStyle/>
-          <a:p>
-            <a:pPr marL="0" indent="0">
-              <a:buNone/>
-            </a:pPr>
-            <a:r>
-              <a:rPr lang="en-US" dirty="0"/>
-              <a:t>Pros</a:t>
-            </a:r>
-          </a:p>
-          <a:p>
-            <a:r>
-              <a:rPr lang="en-US" dirty="0"/>
-              <a:t>Free Edition</a:t>
-            </a:r>
-          </a:p>
-          <a:p>
-            <a:r>
-              <a:rPr lang="en-US" dirty="0"/>
-              <a:t>Widely supported</a:t>
-            </a:r>
-          </a:p>
-          <a:p>
-            <a:endParaRPr lang="en-US" dirty="0"/>
-          </a:p>
-          <a:p>
-            <a:pPr marL="0" indent="0">
-              <a:buNone/>
-            </a:pPr>
-            <a:r>
-              <a:rPr lang="en-US" dirty="0"/>
-              <a:t>Cons</a:t>
-            </a:r>
-          </a:p>
-          <a:p>
-            <a:r>
-              <a:rPr lang="en-US" dirty="0"/>
-              <a:t>Windows-Only</a:t>
-            </a:r>
-          </a:p>
-          <a:p>
-            <a:r>
-              <a:rPr lang="en-US" dirty="0"/>
-              <a:t>Requires Windows machine for deployment</a:t>
-            </a:r>
-          </a:p>
-          <a:p>
-            <a:endParaRPr lang="en-US" dirty="0"/>
+        <p:spPr>
+          <a:xfrm>
+            <a:off x="674246" y="452718"/>
+            <a:ext cx="9404723" cy="1400530"/>
+          </a:xfrm>
+        </p:spPr>
+        <p:txBody>
+          <a:bodyPr/>
+          <a:lstStyle/>
+          <a:p>
+            <a:r>
+              <a:rPr lang="en-US" sz="4800" dirty="0"/>
+              <a:t>As Billy the new user, I want to log into an account for this app.</a:t>
+            </a:r>
+            <a:br>
+              <a:rPr lang="en-US" sz="4800" dirty="0"/>
+            </a:br>
+            <a:br>
+              <a:rPr lang="en-US" sz="4800" dirty="0"/>
+            </a:br>
+            <a:br>
+              <a:rPr lang="en-US" sz="4800" dirty="0"/>
+            </a:br>
+            <a:br>
+              <a:rPr lang="en-US" sz="4800" dirty="0"/>
+            </a:br>
+            <a:r>
+              <a:rPr lang="en-US" sz="4800" dirty="0"/>
+              <a:t>-</a:t>
+            </a:r>
+            <a:r>
+              <a:rPr lang="en-US" sz="4000" dirty="0"/>
+              <a:t>[User Accounts]</a:t>
+            </a:r>
           </a:p>
         </p:txBody>
       </p:sp>
     </p:spTree>
     <p:extLst>
       <p:ext uri="{BB962C8B-B14F-4D97-AF65-F5344CB8AC3E}">
-        <p14:creationId xmlns:p14="http://schemas.microsoft.com/office/powerpoint/2010/main" val="2936361029"/>
+        <p14:creationId xmlns:p14="http://schemas.microsoft.com/office/powerpoint/2010/main" val="2229278952"/>
       </p:ext>
     </p:extLst>
   </p:cSld>
@@ -7948,7 +8181,7 @@
           <a:p>
             <a:r>
               <a:rPr lang="en-US" sz="5400" dirty="0"/>
-              <a:t>As Rick the user, I’d like a nice measuring tool on the screen to help me pinpoint my target.</a:t>
+              <a:t>As Tina the fisherman I want to privately save a great spot I found that so I can get back to it in the future.</a:t>
             </a:r>
             <a:br>
               <a:rPr lang="en-US" sz="5400" dirty="0"/>
@@ -7960,8 +8193,12 @@
               <a:rPr lang="en-US" sz="5400" dirty="0"/>
             </a:br>
             <a:r>
+              <a:rPr lang="en-US" sz="5400" dirty="0"/>
+              <a:t>-</a:t>
+            </a:r>
+            <a:r>
               <a:rPr lang="en-US" sz="4000" dirty="0"/>
-              <a:t>-[Measurement Tool]</a:t>
+              <a:t>[Custom Landmarks]</a:t>
             </a:r>
           </a:p>
         </p:txBody>
@@ -7969,7 +8206,7 @@
     </p:spTree>
     <p:extLst>
       <p:ext uri="{BB962C8B-B14F-4D97-AF65-F5344CB8AC3E}">
-        <p14:creationId xmlns:p14="http://schemas.microsoft.com/office/powerpoint/2010/main" val="1052882010"/>
+        <p14:creationId xmlns:p14="http://schemas.microsoft.com/office/powerpoint/2010/main" val="2394297851"/>
       </p:ext>
     </p:extLst>
   </p:cSld>
@@ -8012,27 +8249,38 @@
             <p:ph type="title"/>
           </p:nvPr>
         </p:nvSpPr>
-        <p:spPr/>
-        <p:txBody>
-          <a:bodyPr/>
-          <a:lstStyle/>
-          <a:p>
-            <a:r>
-              <a:rPr lang="en-US" sz="5400" dirty="0"/>
-              <a:t>As Jane the college aged woman I want to social media blast this location to everyone in my circle.</a:t>
+        <p:spPr>
+          <a:xfrm>
+            <a:off x="674246" y="452718"/>
+            <a:ext cx="9404723" cy="1400530"/>
+          </a:xfrm>
+        </p:spPr>
+        <p:txBody>
+          <a:bodyPr/>
+          <a:lstStyle/>
+          <a:p>
+            <a:r>
+              <a:rPr lang="en-US" dirty="0"/>
+              <a:t>As Kara the dedicated user, I want to save my landmarks online so I can access them from another device.</a:t>
             </a:r>
             <a:br>
-              <a:rPr lang="en-US" sz="5400" dirty="0"/>
+              <a:rPr lang="en-US" dirty="0"/>
             </a:br>
             <a:br>
-              <a:rPr lang="en-US" sz="5400" dirty="0"/>
+              <a:rPr lang="en-US" dirty="0"/>
             </a:br>
             <a:br>
-              <a:rPr lang="en-US" sz="5400" dirty="0"/>
+              <a:rPr lang="en-US" dirty="0"/>
             </a:br>
+            <a:br>
+              <a:rPr lang="en-US" dirty="0"/>
+            </a:br>
+            <a:br>
+              <a:rPr lang="en-US" dirty="0"/>
+            </a:br>
             <a:r>
               <a:rPr lang="en-US" sz="4000" dirty="0"/>
-              <a:t>-[Social Media Integration]</a:t>
+              <a:t>-[Saved Landmarks]</a:t>
             </a:r>
           </a:p>
         </p:txBody>
@@ -8040,7 +8288,7 @@
     </p:spTree>
     <p:extLst>
       <p:ext uri="{BB962C8B-B14F-4D97-AF65-F5344CB8AC3E}">
-        <p14:creationId xmlns:p14="http://schemas.microsoft.com/office/powerpoint/2010/main" val="4231841049"/>
+        <p14:creationId xmlns:p14="http://schemas.microsoft.com/office/powerpoint/2010/main" val="2994192456"/>
       </p:ext>
     </p:extLst>
   </p:cSld>
@@ -8202,18 +8450,27 @@
           <a:lstStyle/>
           <a:p>
             <a:r>
-              <a:rPr lang="en-US" sz="5400" dirty="0"/>
-              <a:t>As Tommy the mountain hermit, I want to still be able to use the app even if I go months without internet access.</a:t>
+              <a:rPr lang="en-US" sz="4800" dirty="0"/>
+              <a:t>As Nancy the frequent user, I want to have a list of all the landmarks I’ve visited.</a:t>
             </a:r>
             <a:br>
-              <a:rPr lang="en-US" sz="5400" dirty="0"/>
+              <a:rPr lang="en-US" sz="4800" dirty="0"/>
             </a:br>
             <a:br>
-              <a:rPr lang="en-US" sz="5400" dirty="0"/>
+              <a:rPr lang="en-US" sz="4800" dirty="0"/>
             </a:br>
+            <a:br>
+              <a:rPr lang="en-US" sz="4800" dirty="0"/>
+            </a:br>
+            <a:br>
+              <a:rPr lang="en-US" sz="4800" dirty="0"/>
+            </a:br>
+            <a:br>
+              <a:rPr lang="en-US" sz="4800" dirty="0"/>
+            </a:br>
             <a:r>
               <a:rPr lang="en-US" sz="4000" dirty="0"/>
-              <a:t>-[Local Storage]</a:t>
+              <a:t>-[Landmark History]</a:t>
             </a:r>
           </a:p>
         </p:txBody>
@@ -8221,7 +8478,7 @@
     </p:spTree>
     <p:extLst>
       <p:ext uri="{BB962C8B-B14F-4D97-AF65-F5344CB8AC3E}">
-        <p14:creationId xmlns:p14="http://schemas.microsoft.com/office/powerpoint/2010/main" val="3951988803"/>
+        <p14:creationId xmlns:p14="http://schemas.microsoft.com/office/powerpoint/2010/main" val="2401975838"/>
       </p:ext>
     </p:extLst>
   </p:cSld>
@@ -8270,27 +8527,18 @@
           <a:lstStyle/>
           <a:p>
             <a:r>
-              <a:rPr lang="en-US" sz="4800" dirty="0"/>
-              <a:t>As Gina the historian, I want some historical information about the landmark.</a:t>
+              <a:rPr lang="en-US" sz="5400" dirty="0"/>
+              <a:t>As Dora the explorer, I want to save personal notes about my trips to landmarks so that Swiper doesn’t swipe them.</a:t>
             </a:r>
             <a:br>
-              <a:rPr lang="en-US" sz="4800" dirty="0"/>
+              <a:rPr lang="en-US" sz="5400" dirty="0"/>
             </a:br>
             <a:br>
-              <a:rPr lang="en-US" sz="4800" dirty="0"/>
+              <a:rPr lang="en-US" sz="5400" dirty="0"/>
             </a:br>
-            <a:br>
-              <a:rPr lang="en-US" sz="4800" dirty="0"/>
-            </a:br>
-            <a:br>
-              <a:rPr lang="en-US" sz="4800" dirty="0"/>
-            </a:br>
-            <a:br>
-              <a:rPr lang="en-US" sz="4800" dirty="0"/>
-            </a:br>
             <a:r>
               <a:rPr lang="en-US" sz="4000" dirty="0"/>
-              <a:t>-[Historical Information]</a:t>
+              <a:t>-[Saved Notes]</a:t>
             </a:r>
           </a:p>
         </p:txBody>
@@ -8298,7 +8546,7 @@
     </p:spTree>
     <p:extLst>
       <p:ext uri="{BB962C8B-B14F-4D97-AF65-F5344CB8AC3E}">
-        <p14:creationId xmlns:p14="http://schemas.microsoft.com/office/powerpoint/2010/main" val="611718315"/>
+        <p14:creationId xmlns:p14="http://schemas.microsoft.com/office/powerpoint/2010/main" val="1860043813"/>
       </p:ext>
     </p:extLst>
   </p:cSld>
@@ -8330,7 +8578,7 @@
           <p:cNvPr id="2" name="Title 1">
             <a:extLst>
               <a:ext uri="{FF2B5EF4-FFF2-40B4-BE49-F238E27FC236}">
-                <a16:creationId xmlns:a16="http://schemas.microsoft.com/office/drawing/2014/main" id="{BA35D0AB-9A37-479C-9406-C70EC5D04068}"/>
+                <a16:creationId xmlns:a16="http://schemas.microsoft.com/office/drawing/2014/main" id="{ABFE9964-2DD0-4B8C-9324-5C9218DC5DF7}"/>
               </a:ext>
             </a:extLst>
           </p:cNvPr>
@@ -8347,75 +8595,22 @@
           <a:lstStyle/>
           <a:p>
             <a:r>
-              <a:rPr lang="en-US" dirty="0"/>
-              <a:t>Google Maps Platform</a:t>
-            </a:r>
-          </a:p>
-        </p:txBody>
-      </p:sp>
-      <p:sp>
-        <p:nvSpPr>
-          <p:cNvPr id="3" name="Content Placeholder 2">
-            <a:extLst>
-              <a:ext uri="{FF2B5EF4-FFF2-40B4-BE49-F238E27FC236}">
-                <a16:creationId xmlns:a16="http://schemas.microsoft.com/office/drawing/2014/main" id="{C53C1AAE-D52E-4865-94E5-9A746F2B6603}"/>
-              </a:ext>
-            </a:extLst>
-          </p:cNvPr>
-          <p:cNvSpPr>
-            <a:spLocks noGrp="1"/>
-          </p:cNvSpPr>
-          <p:nvPr>
-            <p:ph idx="1"/>
-          </p:nvPr>
-        </p:nvSpPr>
-        <p:spPr/>
-        <p:txBody>
-          <a:bodyPr/>
-          <a:lstStyle/>
-          <a:p>
-            <a:pPr marL="0" indent="0">
-              <a:buNone/>
-            </a:pPr>
-            <a:r>
-              <a:rPr lang="en-US" dirty="0"/>
-              <a:t>Pros</a:t>
-            </a:r>
-          </a:p>
-          <a:p>
-            <a:r>
-              <a:rPr lang="en-US" dirty="0"/>
-              <a:t>Extensive information available</a:t>
-            </a:r>
-          </a:p>
-          <a:p>
-            <a:r>
-              <a:rPr lang="en-US" dirty="0"/>
-              <a:t>Most complete platform</a:t>
-            </a:r>
-          </a:p>
-          <a:p>
-            <a:endParaRPr lang="en-US" dirty="0"/>
-          </a:p>
-          <a:p>
-            <a:pPr marL="0" indent="0">
-              <a:buNone/>
-            </a:pPr>
-            <a:r>
-              <a:rPr lang="en-US" dirty="0"/>
-              <a:t>Cons</a:t>
-            </a:r>
-          </a:p>
-          <a:p>
-            <a:r>
-              <a:rPr lang="en-US" dirty="0"/>
-              <a:t>Heavy cost</a:t>
-            </a:r>
-          </a:p>
-          <a:p>
-            <a:r>
-              <a:rPr lang="en-US" dirty="0"/>
-              <a:t>Might need to interact with multiple, separate APIs to obtain elevation data. This may increase overhead.</a:t>
+              <a:rPr lang="en-US" sz="4800" dirty="0"/>
+              <a:t>As George the photographer, I want all the pictures taken at each location to be associated with the location they were taken at.</a:t>
+            </a:r>
+            <a:br>
+              <a:rPr lang="en-US" sz="4800" dirty="0"/>
+            </a:br>
+            <a:br>
+              <a:rPr lang="en-US" sz="4800" dirty="0"/>
+            </a:br>
+            <a:r>
+              <a:rPr lang="en-US" sz="4800" dirty="0"/>
+              <a:t>-</a:t>
+            </a:r>
+            <a:r>
+              <a:rPr lang="en-US" sz="4000" dirty="0"/>
+              <a:t>[Associated Photos]</a:t>
             </a:r>
           </a:p>
         </p:txBody>
@@ -8423,7 +8618,7 @@
     </p:spTree>
     <p:extLst>
       <p:ext uri="{BB962C8B-B14F-4D97-AF65-F5344CB8AC3E}">
-        <p14:creationId xmlns:p14="http://schemas.microsoft.com/office/powerpoint/2010/main" val="2611106842"/>
+        <p14:creationId xmlns:p14="http://schemas.microsoft.com/office/powerpoint/2010/main" val="2127297725"/>
       </p:ext>
     </p:extLst>
   </p:cSld>
@@ -8455,7 +8650,7 @@
           <p:cNvPr id="2" name="Title 1">
             <a:extLst>
               <a:ext uri="{FF2B5EF4-FFF2-40B4-BE49-F238E27FC236}">
-                <a16:creationId xmlns:a16="http://schemas.microsoft.com/office/drawing/2014/main" id="{BA35D0AB-9A37-479C-9406-C70EC5D04068}"/>
+                <a16:creationId xmlns:a16="http://schemas.microsoft.com/office/drawing/2014/main" id="{ABFE9964-2DD0-4B8C-9324-5C9218DC5DF7}"/>
               </a:ext>
             </a:extLst>
           </p:cNvPr>
@@ -8472,84 +8667,18 @@
           <a:lstStyle/>
           <a:p>
             <a:r>
-              <a:rPr lang="en-US" dirty="0"/>
-              <a:t>Bing Maps</a:t>
-            </a:r>
-          </a:p>
-        </p:txBody>
-      </p:sp>
-      <p:sp>
-        <p:nvSpPr>
-          <p:cNvPr id="3" name="Content Placeholder 2">
-            <a:extLst>
-              <a:ext uri="{FF2B5EF4-FFF2-40B4-BE49-F238E27FC236}">
-                <a16:creationId xmlns:a16="http://schemas.microsoft.com/office/drawing/2014/main" id="{C53C1AAE-D52E-4865-94E5-9A746F2B6603}"/>
-              </a:ext>
-            </a:extLst>
-          </p:cNvPr>
-          <p:cNvSpPr>
-            <a:spLocks noGrp="1"/>
-          </p:cNvSpPr>
-          <p:nvPr>
-            <p:ph idx="1"/>
-          </p:nvPr>
-        </p:nvSpPr>
-        <p:spPr/>
-        <p:txBody>
-          <a:bodyPr/>
-          <a:lstStyle/>
-          <a:p>
-            <a:pPr marL="0" indent="0">
-              <a:buNone/>
-            </a:pPr>
-            <a:r>
-              <a:rPr lang="en-US" dirty="0"/>
-              <a:t>Pros</a:t>
-            </a:r>
-          </a:p>
-          <a:p>
-            <a:r>
-              <a:rPr lang="en-US" dirty="0"/>
-              <a:t>Very well documented</a:t>
-            </a:r>
-          </a:p>
-          <a:p>
-            <a:r>
-              <a:rPr lang="en-US" dirty="0"/>
-              <a:t>Not as expensive as Google</a:t>
-            </a:r>
-          </a:p>
-          <a:p>
-            <a:pPr marL="0" indent="0">
-              <a:buNone/>
-            </a:pPr>
-            <a:endParaRPr lang="en-US" dirty="0"/>
-          </a:p>
-          <a:p>
-            <a:pPr marL="0" indent="0">
-              <a:buNone/>
-            </a:pPr>
-            <a:r>
-              <a:rPr lang="en-US" dirty="0"/>
-              <a:t>Cons</a:t>
-            </a:r>
-          </a:p>
-          <a:p>
-            <a:r>
-              <a:rPr lang="en-US" dirty="0"/>
-              <a:t>Still relatively expensive</a:t>
-            </a:r>
-          </a:p>
-          <a:p>
-            <a:r>
-              <a:rPr lang="en-US" dirty="0"/>
-              <a:t>Resource intensive</a:t>
-            </a:r>
-          </a:p>
-          <a:p>
-            <a:r>
-              <a:rPr lang="en-US" dirty="0"/>
-              <a:t>Not as customizable</a:t>
+              <a:rPr lang="en-US" sz="5400" dirty="0"/>
+              <a:t>As Francine the world traveler, I want to easily show my friends a quick slideshow style summary of all the places I’ve been.</a:t>
+            </a:r>
+            <a:br>
+              <a:rPr lang="en-US" sz="5400" dirty="0"/>
+            </a:br>
+            <a:br>
+              <a:rPr lang="en-US" sz="5400" dirty="0"/>
+            </a:br>
+            <a:r>
+              <a:rPr lang="en-US" sz="4000" dirty="0"/>
+              <a:t>-[Slideshow Summary]</a:t>
             </a:r>
           </a:p>
         </p:txBody>
@@ -8557,7 +8686,7 @@
     </p:spTree>
     <p:extLst>
       <p:ext uri="{BB962C8B-B14F-4D97-AF65-F5344CB8AC3E}">
-        <p14:creationId xmlns:p14="http://schemas.microsoft.com/office/powerpoint/2010/main" val="2646868906"/>
+        <p14:creationId xmlns:p14="http://schemas.microsoft.com/office/powerpoint/2010/main" val="83345420"/>
       </p:ext>
     </p:extLst>
   </p:cSld>
@@ -8589,7 +8718,7 @@
           <p:cNvPr id="2" name="Title 1">
             <a:extLst>
               <a:ext uri="{FF2B5EF4-FFF2-40B4-BE49-F238E27FC236}">
-                <a16:creationId xmlns:a16="http://schemas.microsoft.com/office/drawing/2014/main" id="{BA35D0AB-9A37-479C-9406-C70EC5D04068}"/>
+                <a16:creationId xmlns:a16="http://schemas.microsoft.com/office/drawing/2014/main" id="{ABFE9964-2DD0-4B8C-9324-5C9218DC5DF7}"/>
               </a:ext>
             </a:extLst>
           </p:cNvPr>
@@ -8600,87 +8729,35 @@
             <p:ph type="title"/>
           </p:nvPr>
         </p:nvSpPr>
-        <p:spPr/>
-        <p:txBody>
-          <a:bodyPr/>
-          <a:lstStyle/>
-          <a:p>
-            <a:r>
-              <a:rPr lang="en-US" dirty="0"/>
-              <a:t>TomTom</a:t>
-            </a:r>
-          </a:p>
-        </p:txBody>
-      </p:sp>
-      <p:sp>
-        <p:nvSpPr>
-          <p:cNvPr id="3" name="Content Placeholder 2">
-            <a:extLst>
-              <a:ext uri="{FF2B5EF4-FFF2-40B4-BE49-F238E27FC236}">
-                <a16:creationId xmlns:a16="http://schemas.microsoft.com/office/drawing/2014/main" id="{C53C1AAE-D52E-4865-94E5-9A746F2B6603}"/>
-              </a:ext>
-            </a:extLst>
-          </p:cNvPr>
-          <p:cNvSpPr>
-            <a:spLocks noGrp="1"/>
-          </p:cNvSpPr>
-          <p:nvPr>
-            <p:ph idx="1"/>
-          </p:nvPr>
-        </p:nvSpPr>
-        <p:spPr/>
-        <p:txBody>
-          <a:bodyPr/>
-          <a:lstStyle/>
-          <a:p>
-            <a:pPr marL="0" indent="0">
-              <a:buNone/>
-            </a:pPr>
-            <a:r>
-              <a:rPr lang="en-US" dirty="0"/>
-              <a:t>Pros</a:t>
-            </a:r>
-          </a:p>
-          <a:p>
-            <a:r>
-              <a:rPr lang="en-US" dirty="0"/>
-              <a:t>Good cost structure (2500 free API calls/day)</a:t>
-            </a:r>
-          </a:p>
-          <a:p>
-            <a:r>
-              <a:rPr lang="en-US" dirty="0"/>
-              <a:t>Widely used</a:t>
-            </a:r>
-          </a:p>
-          <a:p>
-            <a:r>
-              <a:rPr lang="en-US" dirty="0"/>
-              <a:t>Has points of interest database</a:t>
-            </a:r>
-          </a:p>
-          <a:p>
-            <a:endParaRPr lang="en-US" dirty="0"/>
-          </a:p>
-          <a:p>
-            <a:pPr marL="0" indent="0">
-              <a:buNone/>
-            </a:pPr>
-            <a:r>
-              <a:rPr lang="en-US" dirty="0"/>
-              <a:t>Cons</a:t>
-            </a:r>
-          </a:p>
-          <a:p>
-            <a:r>
-              <a:rPr lang="en-US" dirty="0"/>
-              <a:t>Daily calls will limit how much we can test in one day</a:t>
-            </a:r>
-          </a:p>
-          <a:p>
-            <a:r>
-              <a:rPr lang="en-US" dirty="0"/>
-              <a:t>General downward trend in popularity</a:t>
+        <p:spPr>
+          <a:xfrm>
+            <a:off x="716449" y="452718"/>
+            <a:ext cx="9404723" cy="1400530"/>
+          </a:xfrm>
+        </p:spPr>
+        <p:txBody>
+          <a:bodyPr/>
+          <a:lstStyle/>
+          <a:p>
+            <a:r>
+              <a:rPr lang="en-US" sz="4800" dirty="0"/>
+              <a:t>As Hannah the avid hiker, I want to rate locations so that newcomers to the area know where to go. </a:t>
+            </a:r>
+            <a:br>
+              <a:rPr lang="en-US" sz="4800" dirty="0"/>
+            </a:br>
+            <a:br>
+              <a:rPr lang="en-US" sz="4800" dirty="0"/>
+            </a:br>
+            <a:br>
+              <a:rPr lang="en-US" sz="4800" dirty="0"/>
+            </a:br>
+            <a:br>
+              <a:rPr lang="en-US" sz="4800" dirty="0"/>
+            </a:br>
+            <a:r>
+              <a:rPr lang="en-US" sz="4000" dirty="0"/>
+              <a:t>-[Rating System]</a:t>
             </a:r>
           </a:p>
         </p:txBody>
@@ -8688,7 +8765,7 @@
     </p:spTree>
     <p:extLst>
       <p:ext uri="{BB962C8B-B14F-4D97-AF65-F5344CB8AC3E}">
-        <p14:creationId xmlns:p14="http://schemas.microsoft.com/office/powerpoint/2010/main" val="848853006"/>
+        <p14:creationId xmlns:p14="http://schemas.microsoft.com/office/powerpoint/2010/main" val="371364707"/>
       </p:ext>
     </p:extLst>
   </p:cSld>
@@ -8720,7 +8797,7 @@
           <p:cNvPr id="2" name="Title 1">
             <a:extLst>
               <a:ext uri="{FF2B5EF4-FFF2-40B4-BE49-F238E27FC236}">
-                <a16:creationId xmlns:a16="http://schemas.microsoft.com/office/drawing/2014/main" id="{BA35D0AB-9A37-479C-9406-C70EC5D04068}"/>
+                <a16:creationId xmlns:a16="http://schemas.microsoft.com/office/drawing/2014/main" id="{ABFE9964-2DD0-4B8C-9324-5C9218DC5DF7}"/>
               </a:ext>
             </a:extLst>
           </p:cNvPr>
@@ -8737,70 +8814,24 @@
           <a:lstStyle/>
           <a:p>
             <a:r>
-              <a:rPr lang="en-US" dirty="0" err="1"/>
-              <a:t>Mapbox</a:t>
-            </a:r>
-            <a:endParaRPr lang="en-US" dirty="0"/>
-          </a:p>
-        </p:txBody>
-      </p:sp>
-      <p:sp>
-        <p:nvSpPr>
-          <p:cNvPr id="3" name="Content Placeholder 2">
-            <a:extLst>
-              <a:ext uri="{FF2B5EF4-FFF2-40B4-BE49-F238E27FC236}">
-                <a16:creationId xmlns:a16="http://schemas.microsoft.com/office/drawing/2014/main" id="{C53C1AAE-D52E-4865-94E5-9A746F2B6603}"/>
-              </a:ext>
-            </a:extLst>
-          </p:cNvPr>
-          <p:cNvSpPr>
-            <a:spLocks noGrp="1"/>
-          </p:cNvSpPr>
-          <p:nvPr>
-            <p:ph idx="1"/>
-          </p:nvPr>
-        </p:nvSpPr>
-        <p:spPr/>
-        <p:txBody>
-          <a:bodyPr/>
-          <a:lstStyle/>
-          <a:p>
-            <a:pPr marL="0" indent="0">
-              <a:buNone/>
-            </a:pPr>
-            <a:r>
-              <a:rPr lang="en-US" dirty="0"/>
-              <a:t>Pros</a:t>
-            </a:r>
-          </a:p>
-          <a:p>
-            <a:r>
-              <a:rPr lang="en-US" dirty="0"/>
-              <a:t>Upward popularity trend</a:t>
-            </a:r>
-          </a:p>
-          <a:p>
-            <a:r>
-              <a:rPr lang="en-US" dirty="0"/>
-              <a:t>Cross-Platform</a:t>
-            </a:r>
-          </a:p>
-          <a:p>
-            <a:endParaRPr lang="en-US" dirty="0"/>
-          </a:p>
-          <a:p>
-            <a:pPr marL="0" indent="0">
-              <a:buNone/>
-            </a:pPr>
-            <a:r>
-              <a:rPr lang="en-US" dirty="0"/>
-              <a:t>Cons</a:t>
-            </a:r>
-          </a:p>
-          <a:p>
-            <a:r>
-              <a:rPr lang="en-US" dirty="0"/>
-              <a:t>Rather resource intensive</a:t>
+              <a:rPr lang="en-US" sz="4800" dirty="0"/>
+              <a:t>As Dan the introverted hiker, I want to know the traffic of a landmark so that I can avoid busy places.</a:t>
+            </a:r>
+            <a:br>
+              <a:rPr lang="en-US" sz="4800" dirty="0"/>
+            </a:br>
+            <a:br>
+              <a:rPr lang="en-US" sz="4800" dirty="0"/>
+            </a:br>
+            <a:br>
+              <a:rPr lang="en-US" sz="4800" dirty="0"/>
+            </a:br>
+            <a:br>
+              <a:rPr lang="en-US" sz="4800" dirty="0"/>
+            </a:br>
+            <a:r>
+              <a:rPr lang="en-US" sz="4000" dirty="0"/>
+              <a:t>-[Popularity System]</a:t>
             </a:r>
           </a:p>
         </p:txBody>
@@ -8808,7 +8839,7 @@
     </p:spTree>
     <p:extLst>
       <p:ext uri="{BB962C8B-B14F-4D97-AF65-F5344CB8AC3E}">
-        <p14:creationId xmlns:p14="http://schemas.microsoft.com/office/powerpoint/2010/main" val="1549002469"/>
+        <p14:creationId xmlns:p14="http://schemas.microsoft.com/office/powerpoint/2010/main" val="2379561662"/>
       </p:ext>
     </p:extLst>
   </p:cSld>
@@ -8840,7 +8871,7 @@
           <p:cNvPr id="2" name="Title 1">
             <a:extLst>
               <a:ext uri="{FF2B5EF4-FFF2-40B4-BE49-F238E27FC236}">
-                <a16:creationId xmlns:a16="http://schemas.microsoft.com/office/drawing/2014/main" id="{33182361-C770-430C-97A0-B9298FA3FE50}"/>
+                <a16:creationId xmlns:a16="http://schemas.microsoft.com/office/drawing/2014/main" id="{BA35D0AB-9A37-479C-9406-C70EC5D04068}"/>
               </a:ext>
             </a:extLst>
           </p:cNvPr>
@@ -8858,16 +8889,8 @@
           <a:p>
             <a:r>
               <a:rPr lang="en-US" dirty="0"/>
-              <a:t>Chosen Technology:</a:t>
-            </a:r>
-            <a:br>
-              <a:rPr lang="en-US" dirty="0"/>
-            </a:br>
-            <a:r>
-              <a:rPr lang="en-US" dirty="0" err="1"/>
-              <a:t>Mapbox</a:t>
-            </a:r>
-            <a:endParaRPr lang="en-US" dirty="0"/>
+              <a:t>SQL Server</a:t>
+            </a:r>
           </a:p>
         </p:txBody>
       </p:sp>
@@ -8876,7 +8899,7 @@
           <p:cNvPr id="3" name="Content Placeholder 2">
             <a:extLst>
               <a:ext uri="{FF2B5EF4-FFF2-40B4-BE49-F238E27FC236}">
-                <a16:creationId xmlns:a16="http://schemas.microsoft.com/office/drawing/2014/main" id="{6457FBD9-768E-4864-B576-83C1D02FB7F8}"/>
+                <a16:creationId xmlns:a16="http://schemas.microsoft.com/office/drawing/2014/main" id="{C53C1AAE-D52E-4865-94E5-9A746F2B6603}"/>
               </a:ext>
             </a:extLst>
           </p:cNvPr>
@@ -8892,72 +8915,59 @@
           <a:bodyPr/>
           <a:lstStyle/>
           <a:p>
-            <a:r>
-              <a:rPr lang="en-US" dirty="0"/>
-              <a:t>Not unreasonably expensive</a:t>
-            </a:r>
-          </a:p>
-          <a:p>
-            <a:pPr lvl="1"/>
-            <a:r>
-              <a:rPr lang="en-US" dirty="0"/>
-              <a:t>Free Tier</a:t>
-            </a:r>
-          </a:p>
-          <a:p>
-            <a:pPr lvl="2"/>
-            <a:r>
-              <a:rPr lang="en-US" dirty="0"/>
-              <a:t>50k monthly active users</a:t>
-            </a:r>
-          </a:p>
-          <a:p>
-            <a:pPr lvl="2"/>
-            <a:r>
-              <a:rPr lang="en-US" dirty="0"/>
-              <a:t>50k geocode requests / month</a:t>
-            </a:r>
-          </a:p>
-          <a:p>
-            <a:pPr lvl="2"/>
-            <a:r>
-              <a:rPr lang="en-US" dirty="0"/>
-              <a:t>50k directions request / month</a:t>
-            </a:r>
-          </a:p>
-          <a:p>
-            <a:pPr lvl="2"/>
-            <a:r>
-              <a:rPr lang="en-US" dirty="0"/>
-              <a:t>50k matrix elements / month</a:t>
-            </a:r>
-          </a:p>
-          <a:p>
-            <a:pPr lvl="1"/>
-            <a:r>
-              <a:rPr lang="en-US" dirty="0"/>
-              <a:t>More beyond that point</a:t>
-            </a:r>
-          </a:p>
-          <a:p>
-            <a:r>
-              <a:rPr lang="en-US" dirty="0"/>
-              <a:t>Built in online maps</a:t>
-            </a:r>
-          </a:p>
-          <a:p>
-            <a:pPr lvl="1"/>
-            <a:r>
-              <a:rPr lang="en-US" dirty="0"/>
-              <a:t>Points of Interest</a:t>
-            </a:r>
+            <a:pPr marL="0" indent="0">
+              <a:buNone/>
+            </a:pPr>
+            <a:r>
+              <a:rPr lang="en-US" dirty="0"/>
+              <a:t>Pros</a:t>
+            </a:r>
+          </a:p>
+          <a:p>
+            <a:r>
+              <a:rPr lang="en-US" dirty="0"/>
+              <a:t>Free Edition</a:t>
+            </a:r>
+          </a:p>
+          <a:p>
+            <a:r>
+              <a:rPr lang="en-US" dirty="0"/>
+              <a:t>Widely supported</a:t>
+            </a:r>
+          </a:p>
+          <a:p>
+            <a:endParaRPr lang="en-US" dirty="0"/>
+          </a:p>
+          <a:p>
+            <a:pPr marL="0" indent="0">
+              <a:buNone/>
+            </a:pPr>
+            <a:r>
+              <a:rPr lang="en-US" dirty="0"/>
+              <a:t>Cons</a:t>
+            </a:r>
+          </a:p>
+          <a:p>
+            <a:r>
+              <a:rPr lang="en-US" dirty="0"/>
+              <a:t>Windows-Only</a:t>
+            </a:r>
+          </a:p>
+          <a:p>
+            <a:r>
+              <a:rPr lang="en-US" dirty="0"/>
+              <a:t>Requires Windows machine for deployment</a:t>
+            </a:r>
+          </a:p>
+          <a:p>
+            <a:endParaRPr lang="en-US" dirty="0"/>
           </a:p>
         </p:txBody>
       </p:sp>
     </p:spTree>
     <p:extLst>
       <p:ext uri="{BB962C8B-B14F-4D97-AF65-F5344CB8AC3E}">
-        <p14:creationId xmlns:p14="http://schemas.microsoft.com/office/powerpoint/2010/main" val="2872609314"/>
+        <p14:creationId xmlns:p14="http://schemas.microsoft.com/office/powerpoint/2010/main" val="2936361029"/>
       </p:ext>
     </p:extLst>
   </p:cSld>
@@ -10210,39 +10220,24 @@
             <p:ph type="title"/>
           </p:nvPr>
         </p:nvSpPr>
-        <p:spPr>
-          <a:xfrm>
-            <a:off x="674246" y="452718"/>
-            <a:ext cx="9404723" cy="1400530"/>
-          </a:xfrm>
-        </p:spPr>
-        <p:txBody>
-          <a:bodyPr/>
-          <a:lstStyle/>
-          <a:p>
-            <a:r>
-              <a:rPr lang="en-US" sz="4800" dirty="0"/>
-              <a:t>As Billy the new user, I want to log into an account for this app.</a:t>
+        <p:spPr/>
+        <p:txBody>
+          <a:bodyPr/>
+          <a:lstStyle/>
+          <a:p>
+            <a:r>
+              <a:rPr lang="en-US" sz="5400" dirty="0"/>
+              <a:t>As Tommy the mountain hermit, I want to still be able to use the app even if I go months without internet access.</a:t>
             </a:r>
             <a:br>
-              <a:rPr lang="en-US" sz="4800" dirty="0"/>
+              <a:rPr lang="en-US" sz="5400" dirty="0"/>
             </a:br>
             <a:br>
-              <a:rPr lang="en-US" sz="4800" dirty="0"/>
+              <a:rPr lang="en-US" sz="5400" dirty="0"/>
             </a:br>
-            <a:br>
-              <a:rPr lang="en-US" sz="4800" dirty="0"/>
-            </a:br>
-            <a:br>
-              <a:rPr lang="en-US" sz="4800" dirty="0"/>
-            </a:br>
-            <a:r>
-              <a:rPr lang="en-US" sz="4800" dirty="0"/>
-              <a:t>-</a:t>
-            </a:r>
             <a:r>
               <a:rPr lang="en-US" sz="4000" dirty="0"/>
-              <a:t>[User Accounts]</a:t>
+              <a:t>-[Local Storage]</a:t>
             </a:r>
           </a:p>
         </p:txBody>
@@ -10250,7 +10245,7 @@
     </p:spTree>
     <p:extLst>
       <p:ext uri="{BB962C8B-B14F-4D97-AF65-F5344CB8AC3E}">
-        <p14:creationId xmlns:p14="http://schemas.microsoft.com/office/powerpoint/2010/main" val="2229278952"/>
+        <p14:creationId xmlns:p14="http://schemas.microsoft.com/office/powerpoint/2010/main" val="3951988803"/>
       </p:ext>
     </p:extLst>
   </p:cSld>
@@ -10300,7 +10295,7 @@
           <a:p>
             <a:r>
               <a:rPr lang="en-US" sz="4800" dirty="0"/>
-              <a:t>As George the photographer, I want all the pictures taken at each location to be associated with the location they were taken at.</a:t>
+              <a:t>As Gina the historian, I want some historical information about the landmark.</a:t>
             </a:r>
             <a:br>
               <a:rPr lang="en-US" sz="4800" dirty="0"/>
@@ -10308,13 +10303,18 @@
             <a:br>
               <a:rPr lang="en-US" sz="4800" dirty="0"/>
             </a:br>
-            <a:r>
+            <a:br>
               <a:rPr lang="en-US" sz="4800" dirty="0"/>
-              <a:t>-</a:t>
-            </a:r>
+            </a:br>
+            <a:br>
+              <a:rPr lang="en-US" sz="4800" dirty="0"/>
+            </a:br>
+            <a:br>
+              <a:rPr lang="en-US" sz="4800" dirty="0"/>
+            </a:br>
             <a:r>
               <a:rPr lang="en-US" sz="4000" dirty="0"/>
-              <a:t>[Associated Photos]</a:t>
+              <a:t>-[Historical Information]</a:t>
             </a:r>
           </a:p>
         </p:txBody>
@@ -10322,7 +10322,7 @@
     </p:spTree>
     <p:extLst>
       <p:ext uri="{BB962C8B-B14F-4D97-AF65-F5344CB8AC3E}">
-        <p14:creationId xmlns:p14="http://schemas.microsoft.com/office/powerpoint/2010/main" val="2127297725"/>
+        <p14:creationId xmlns:p14="http://schemas.microsoft.com/office/powerpoint/2010/main" val="611718315"/>
       </p:ext>
     </p:extLst>
   </p:cSld>

--- a/Technology Presentation.pptx
+++ b/Technology Presentation.pptx
@@ -12,30 +12,39 @@
     <p:sldId id="285" r:id="rId6"/>
     <p:sldId id="286" r:id="rId7"/>
     <p:sldId id="287" r:id="rId8"/>
-    <p:sldId id="261" r:id="rId9"/>
-    <p:sldId id="269" r:id="rId10"/>
-    <p:sldId id="265" r:id="rId11"/>
-    <p:sldId id="260" r:id="rId12"/>
-    <p:sldId id="274" r:id="rId13"/>
-    <p:sldId id="278" r:id="rId14"/>
-    <p:sldId id="277" r:id="rId15"/>
-    <p:sldId id="276" r:id="rId16"/>
-    <p:sldId id="275" r:id="rId17"/>
-    <p:sldId id="272" r:id="rId18"/>
-    <p:sldId id="264" r:id="rId19"/>
-    <p:sldId id="273" r:id="rId20"/>
-    <p:sldId id="270" r:id="rId21"/>
-    <p:sldId id="263" r:id="rId22"/>
-    <p:sldId id="266" r:id="rId23"/>
-    <p:sldId id="262" r:id="rId24"/>
-    <p:sldId id="267" r:id="rId25"/>
-    <p:sldId id="268" r:id="rId26"/>
-    <p:sldId id="284" r:id="rId27"/>
-    <p:sldId id="271" r:id="rId28"/>
-    <p:sldId id="279" r:id="rId29"/>
-    <p:sldId id="280" r:id="rId30"/>
-    <p:sldId id="281" r:id="rId31"/>
-    <p:sldId id="282" r:id="rId32"/>
+    <p:sldId id="292" r:id="rId9"/>
+    <p:sldId id="261" r:id="rId10"/>
+    <p:sldId id="269" r:id="rId11"/>
+    <p:sldId id="265" r:id="rId12"/>
+    <p:sldId id="260" r:id="rId13"/>
+    <p:sldId id="274" r:id="rId14"/>
+    <p:sldId id="278" r:id="rId15"/>
+    <p:sldId id="277" r:id="rId16"/>
+    <p:sldId id="276" r:id="rId17"/>
+    <p:sldId id="275" r:id="rId18"/>
+    <p:sldId id="293" r:id="rId19"/>
+    <p:sldId id="271" r:id="rId20"/>
+    <p:sldId id="279" r:id="rId21"/>
+    <p:sldId id="280" r:id="rId22"/>
+    <p:sldId id="281" r:id="rId23"/>
+    <p:sldId id="282" r:id="rId24"/>
+    <p:sldId id="294" r:id="rId25"/>
+    <p:sldId id="272" r:id="rId26"/>
+    <p:sldId id="264" r:id="rId27"/>
+    <p:sldId id="273" r:id="rId28"/>
+    <p:sldId id="270" r:id="rId29"/>
+    <p:sldId id="263" r:id="rId30"/>
+    <p:sldId id="266" r:id="rId31"/>
+    <p:sldId id="262" r:id="rId32"/>
+    <p:sldId id="267" r:id="rId33"/>
+    <p:sldId id="268" r:id="rId34"/>
+    <p:sldId id="284" r:id="rId35"/>
+    <p:sldId id="288" r:id="rId36"/>
+    <p:sldId id="289" r:id="rId37"/>
+    <p:sldId id="290" r:id="rId38"/>
+    <p:sldId id="291" r:id="rId39"/>
+    <p:sldId id="295" r:id="rId40"/>
+    <p:sldId id="296" r:id="rId41"/>
   </p:sldIdLst>
   <p:sldSz cx="12192000" cy="6858000"/>
   <p:notesSz cx="6858000" cy="9144000"/>
@@ -150,6 +159,7 @@
             <p14:sldId id="285"/>
             <p14:sldId id="286"/>
             <p14:sldId id="287"/>
+            <p14:sldId id="292"/>
           </p14:sldIdLst>
         </p14:section>
         <p14:section name="APIs" id="{6FAC944D-8EE9-4352-987A-586435CFB719}">
@@ -163,6 +173,17 @@
             <p14:sldId id="277"/>
             <p14:sldId id="276"/>
             <p14:sldId id="275"/>
+            <p14:sldId id="293"/>
+          </p14:sldIdLst>
+        </p14:section>
+        <p14:section name="GUI" id="{E3EC1C53-F493-414C-AB58-186B1388D829}">
+          <p14:sldIdLst>
+            <p14:sldId id="271"/>
+            <p14:sldId id="279"/>
+            <p14:sldId id="280"/>
+            <p14:sldId id="281"/>
+            <p14:sldId id="282"/>
+            <p14:sldId id="294"/>
           </p14:sldIdLst>
         </p14:section>
         <p14:section name="Database" id="{776900BF-56F2-4C74-9E07-51E0CCFB0B9A}">
@@ -177,15 +198,12 @@
             <p14:sldId id="267"/>
             <p14:sldId id="268"/>
             <p14:sldId id="284"/>
-          </p14:sldIdLst>
-        </p14:section>
-        <p14:section name="GUI" id="{E3EC1C53-F493-414C-AB58-186B1388D829}">
-          <p14:sldIdLst>
-            <p14:sldId id="271"/>
-            <p14:sldId id="279"/>
-            <p14:sldId id="280"/>
-            <p14:sldId id="281"/>
-            <p14:sldId id="282"/>
+            <p14:sldId id="288"/>
+            <p14:sldId id="289"/>
+            <p14:sldId id="290"/>
+            <p14:sldId id="291"/>
+            <p14:sldId id="295"/>
+            <p14:sldId id="296"/>
           </p14:sldIdLst>
         </p14:section>
       </p14:sectionLst>
@@ -7296,21 +7314,27 @@
           <a:lstStyle/>
           <a:p>
             <a:r>
-              <a:rPr lang="en-US" sz="5400" dirty="0"/>
-              <a:t>As Jane the college aged woman I want to social media blast this location to everyone in my circle.</a:t>
+              <a:rPr lang="en-US" sz="4800" dirty="0"/>
+              <a:t>As Gina the historian, I want some historical information about the landmark.</a:t>
             </a:r>
             <a:br>
-              <a:rPr lang="en-US" sz="5400" dirty="0"/>
+              <a:rPr lang="en-US" sz="4800" dirty="0"/>
             </a:br>
             <a:br>
-              <a:rPr lang="en-US" sz="5400" dirty="0"/>
+              <a:rPr lang="en-US" sz="4800" dirty="0"/>
             </a:br>
             <a:br>
-              <a:rPr lang="en-US" sz="5400" dirty="0"/>
+              <a:rPr lang="en-US" sz="4800" dirty="0"/>
             </a:br>
+            <a:br>
+              <a:rPr lang="en-US" sz="4800" dirty="0"/>
+            </a:br>
+            <a:br>
+              <a:rPr lang="en-US" sz="4800" dirty="0"/>
+            </a:br>
             <a:r>
               <a:rPr lang="en-US" sz="4000" dirty="0"/>
-              <a:t>-[Social Media Integration]</a:t>
+              <a:t>-[Historical Information]</a:t>
             </a:r>
           </a:p>
         </p:txBody>
@@ -7318,7 +7342,7 @@
     </p:spTree>
     <p:extLst>
       <p:ext uri="{BB962C8B-B14F-4D97-AF65-F5344CB8AC3E}">
-        <p14:creationId xmlns:p14="http://schemas.microsoft.com/office/powerpoint/2010/main" val="4231841049"/>
+        <p14:creationId xmlns:p14="http://schemas.microsoft.com/office/powerpoint/2010/main" val="611718315"/>
       </p:ext>
     </p:extLst>
   </p:cSld>
@@ -7368,7 +7392,7 @@
           <a:p>
             <a:r>
               <a:rPr lang="en-US" sz="5400" dirty="0"/>
-              <a:t>As Rick the user, I’d like a nice measuring tool on the screen to help me pinpoint my target.</a:t>
+              <a:t>As Jane the college aged woman I want to social media blast this location to everyone in my circle.</a:t>
             </a:r>
             <a:br>
               <a:rPr lang="en-US" sz="5400" dirty="0"/>
@@ -7381,7 +7405,7 @@
             </a:br>
             <a:r>
               <a:rPr lang="en-US" sz="4000" dirty="0"/>
-              <a:t>-[Measurement Tool]</a:t>
+              <a:t>-[Social Media Integration]</a:t>
             </a:r>
           </a:p>
         </p:txBody>
@@ -7389,7 +7413,7 @@
     </p:spTree>
     <p:extLst>
       <p:ext uri="{BB962C8B-B14F-4D97-AF65-F5344CB8AC3E}">
-        <p14:creationId xmlns:p14="http://schemas.microsoft.com/office/powerpoint/2010/main" val="1052882010"/>
+        <p14:creationId xmlns:p14="http://schemas.microsoft.com/office/powerpoint/2010/main" val="4231841049"/>
       </p:ext>
     </p:extLst>
   </p:cSld>
@@ -7421,7 +7445,7 @@
           <p:cNvPr id="2" name="Title 1">
             <a:extLst>
               <a:ext uri="{FF2B5EF4-FFF2-40B4-BE49-F238E27FC236}">
-                <a16:creationId xmlns:a16="http://schemas.microsoft.com/office/drawing/2014/main" id="{BA35D0AB-9A37-479C-9406-C70EC5D04068}"/>
+                <a16:creationId xmlns:a16="http://schemas.microsoft.com/office/drawing/2014/main" id="{ABFE9964-2DD0-4B8C-9324-5C9218DC5DF7}"/>
               </a:ext>
             </a:extLst>
           </p:cNvPr>
@@ -7438,75 +7462,21 @@
           <a:lstStyle/>
           <a:p>
             <a:r>
-              <a:rPr lang="en-US" dirty="0"/>
-              <a:t>Google Maps Platform</a:t>
-            </a:r>
-          </a:p>
-        </p:txBody>
-      </p:sp>
-      <p:sp>
-        <p:nvSpPr>
-          <p:cNvPr id="3" name="Content Placeholder 2">
-            <a:extLst>
-              <a:ext uri="{FF2B5EF4-FFF2-40B4-BE49-F238E27FC236}">
-                <a16:creationId xmlns:a16="http://schemas.microsoft.com/office/drawing/2014/main" id="{C53C1AAE-D52E-4865-94E5-9A746F2B6603}"/>
-              </a:ext>
-            </a:extLst>
-          </p:cNvPr>
-          <p:cNvSpPr>
-            <a:spLocks noGrp="1"/>
-          </p:cNvSpPr>
-          <p:nvPr>
-            <p:ph idx="1"/>
-          </p:nvPr>
-        </p:nvSpPr>
-        <p:spPr/>
-        <p:txBody>
-          <a:bodyPr/>
-          <a:lstStyle/>
-          <a:p>
-            <a:pPr marL="0" indent="0">
-              <a:buNone/>
-            </a:pPr>
-            <a:r>
-              <a:rPr lang="en-US" dirty="0"/>
-              <a:t>Pros</a:t>
-            </a:r>
-          </a:p>
-          <a:p>
-            <a:r>
-              <a:rPr lang="en-US" dirty="0"/>
-              <a:t>Extensive information available</a:t>
-            </a:r>
-          </a:p>
-          <a:p>
-            <a:r>
-              <a:rPr lang="en-US" dirty="0"/>
-              <a:t>Most complete platform</a:t>
-            </a:r>
-          </a:p>
-          <a:p>
-            <a:endParaRPr lang="en-US" dirty="0"/>
-          </a:p>
-          <a:p>
-            <a:pPr marL="0" indent="0">
-              <a:buNone/>
-            </a:pPr>
-            <a:r>
-              <a:rPr lang="en-US" dirty="0"/>
-              <a:t>Cons</a:t>
-            </a:r>
-          </a:p>
-          <a:p>
-            <a:r>
-              <a:rPr lang="en-US" dirty="0"/>
-              <a:t>Heavy cost</a:t>
-            </a:r>
-          </a:p>
-          <a:p>
-            <a:r>
-              <a:rPr lang="en-US" dirty="0"/>
-              <a:t>Might need to interact with multiple, separate APIs to obtain elevation data. This may increase overhead.</a:t>
+              <a:rPr lang="en-US" sz="5400" dirty="0"/>
+              <a:t>As Rick the user, I’d like a nice measuring tool on the screen to help me pinpoint my target.</a:t>
+            </a:r>
+            <a:br>
+              <a:rPr lang="en-US" sz="5400" dirty="0"/>
+            </a:br>
+            <a:br>
+              <a:rPr lang="en-US" sz="5400" dirty="0"/>
+            </a:br>
+            <a:br>
+              <a:rPr lang="en-US" sz="5400" dirty="0"/>
+            </a:br>
+            <a:r>
+              <a:rPr lang="en-US" sz="4000" dirty="0"/>
+              <a:t>-[Measurement Tool]</a:t>
             </a:r>
           </a:p>
         </p:txBody>
@@ -7514,7 +7484,7 @@
     </p:spTree>
     <p:extLst>
       <p:ext uri="{BB962C8B-B14F-4D97-AF65-F5344CB8AC3E}">
-        <p14:creationId xmlns:p14="http://schemas.microsoft.com/office/powerpoint/2010/main" val="2611106842"/>
+        <p14:creationId xmlns:p14="http://schemas.microsoft.com/office/powerpoint/2010/main" val="1052882010"/>
       </p:ext>
     </p:extLst>
   </p:cSld>
@@ -7564,7 +7534,7 @@
           <a:p>
             <a:r>
               <a:rPr lang="en-US" dirty="0"/>
-              <a:t>Bing Maps</a:t>
+              <a:t>Google Maps Platform</a:t>
             </a:r>
           </a:p>
         </p:txBody>
@@ -7601,25 +7571,22 @@
           <a:p>
             <a:r>
               <a:rPr lang="en-US" dirty="0"/>
-              <a:t>Very well documented</a:t>
-            </a:r>
-          </a:p>
-          <a:p>
-            <a:r>
-              <a:rPr lang="en-US" dirty="0"/>
-              <a:t>Not as expensive as Google</a:t>
-            </a:r>
+              <a:t>Extensive information available</a:t>
+            </a:r>
+          </a:p>
+          <a:p>
+            <a:r>
+              <a:rPr lang="en-US" dirty="0"/>
+              <a:t>Most complete platform</a:t>
+            </a:r>
+          </a:p>
+          <a:p>
+            <a:endParaRPr lang="en-US" dirty="0"/>
           </a:p>
           <a:p>
             <a:pPr marL="0" indent="0">
               <a:buNone/>
             </a:pPr>
-            <a:endParaRPr lang="en-US" dirty="0"/>
-          </a:p>
-          <a:p>
-            <a:pPr marL="0" indent="0">
-              <a:buNone/>
-            </a:pPr>
             <a:r>
               <a:rPr lang="en-US" dirty="0"/>
               <a:t>Cons</a:t>
@@ -7628,19 +7595,13 @@
           <a:p>
             <a:r>
               <a:rPr lang="en-US" dirty="0"/>
-              <a:t>Still relatively expensive</a:t>
-            </a:r>
-          </a:p>
-          <a:p>
-            <a:r>
-              <a:rPr lang="en-US" dirty="0"/>
-              <a:t>Resource intensive</a:t>
-            </a:r>
-          </a:p>
-          <a:p>
-            <a:r>
-              <a:rPr lang="en-US" dirty="0"/>
-              <a:t>Not as customizable</a:t>
+              <a:t>Heavy cost</a:t>
+            </a:r>
+          </a:p>
+          <a:p>
+            <a:r>
+              <a:rPr lang="en-US" dirty="0"/>
+              <a:t>Might need to interact with multiple, separate APIs to obtain elevation data. This may increase overhead.</a:t>
             </a:r>
           </a:p>
         </p:txBody>
@@ -7648,7 +7609,7 @@
     </p:spTree>
     <p:extLst>
       <p:ext uri="{BB962C8B-B14F-4D97-AF65-F5344CB8AC3E}">
-        <p14:creationId xmlns:p14="http://schemas.microsoft.com/office/powerpoint/2010/main" val="2646868906"/>
+        <p14:creationId xmlns:p14="http://schemas.microsoft.com/office/powerpoint/2010/main" val="2611106842"/>
       </p:ext>
     </p:extLst>
   </p:cSld>
@@ -7698,7 +7659,7 @@
           <a:p>
             <a:r>
               <a:rPr lang="en-US" dirty="0"/>
-              <a:t>TomTom</a:t>
+              <a:t>Bing Maps</a:t>
             </a:r>
           </a:p>
         </p:txBody>
@@ -7735,22 +7696,19 @@
           <a:p>
             <a:r>
               <a:rPr lang="en-US" dirty="0"/>
-              <a:t>Good cost structure (2500 free API calls/day)</a:t>
-            </a:r>
-          </a:p>
-          <a:p>
-            <a:r>
-              <a:rPr lang="en-US" dirty="0"/>
-              <a:t>Widely used</a:t>
-            </a:r>
-          </a:p>
-          <a:p>
-            <a:r>
-              <a:rPr lang="en-US" dirty="0"/>
-              <a:t>Has points of interest database</a:t>
-            </a:r>
-          </a:p>
-          <a:p>
+              <a:t>Very well documented</a:t>
+            </a:r>
+          </a:p>
+          <a:p>
+            <a:r>
+              <a:rPr lang="en-US" dirty="0"/>
+              <a:t>Not as expensive as Google</a:t>
+            </a:r>
+          </a:p>
+          <a:p>
+            <a:pPr marL="0" indent="0">
+              <a:buNone/>
+            </a:pPr>
             <a:endParaRPr lang="en-US" dirty="0"/>
           </a:p>
           <a:p>
@@ -7765,13 +7723,19 @@
           <a:p>
             <a:r>
               <a:rPr lang="en-US" dirty="0"/>
-              <a:t>Daily calls will limit how much we can test in one day</a:t>
-            </a:r>
-          </a:p>
-          <a:p>
-            <a:r>
-              <a:rPr lang="en-US" dirty="0"/>
-              <a:t>General downward trend in popularity</a:t>
+              <a:t>Still relatively expensive</a:t>
+            </a:r>
+          </a:p>
+          <a:p>
+            <a:r>
+              <a:rPr lang="en-US" dirty="0"/>
+              <a:t>Resource intensive</a:t>
+            </a:r>
+          </a:p>
+          <a:p>
+            <a:r>
+              <a:rPr lang="en-US" dirty="0"/>
+              <a:t>Not as customizable</a:t>
             </a:r>
           </a:p>
         </p:txBody>
@@ -7779,7 +7743,7 @@
     </p:spTree>
     <p:extLst>
       <p:ext uri="{BB962C8B-B14F-4D97-AF65-F5344CB8AC3E}">
-        <p14:creationId xmlns:p14="http://schemas.microsoft.com/office/powerpoint/2010/main" val="848853006"/>
+        <p14:creationId xmlns:p14="http://schemas.microsoft.com/office/powerpoint/2010/main" val="2646868906"/>
       </p:ext>
     </p:extLst>
   </p:cSld>
@@ -7828,10 +7792,9 @@
           <a:lstStyle/>
           <a:p>
             <a:r>
-              <a:rPr lang="en-US" dirty="0" err="1"/>
-              <a:t>Mapbox</a:t>
-            </a:r>
-            <a:endParaRPr lang="en-US" dirty="0"/>
+              <a:rPr lang="en-US" dirty="0"/>
+              <a:t>TomTom</a:t>
+            </a:r>
           </a:p>
         </p:txBody>
       </p:sp>
@@ -7867,13 +7830,19 @@
           <a:p>
             <a:r>
               <a:rPr lang="en-US" dirty="0"/>
-              <a:t>Upward popularity trend</a:t>
-            </a:r>
-          </a:p>
-          <a:p>
-            <a:r>
-              <a:rPr lang="en-US" dirty="0"/>
-              <a:t>Cross-Platform</a:t>
+              <a:t>Good cost structure (2500 free API calls/day)</a:t>
+            </a:r>
+          </a:p>
+          <a:p>
+            <a:r>
+              <a:rPr lang="en-US" dirty="0"/>
+              <a:t>Widely used</a:t>
+            </a:r>
+          </a:p>
+          <a:p>
+            <a:r>
+              <a:rPr lang="en-US" dirty="0"/>
+              <a:t>Has points of interest database</a:t>
             </a:r>
           </a:p>
           <a:p>
@@ -7891,7 +7860,13 @@
           <a:p>
             <a:r>
               <a:rPr lang="en-US" dirty="0"/>
-              <a:t>Rather resource intensive</a:t>
+              <a:t>Daily calls will limit how much we can test in one day</a:t>
+            </a:r>
+          </a:p>
+          <a:p>
+            <a:r>
+              <a:rPr lang="en-US" dirty="0"/>
+              <a:t>General downward trend in popularity</a:t>
             </a:r>
           </a:p>
         </p:txBody>
@@ -7899,7 +7874,7 @@
     </p:spTree>
     <p:extLst>
       <p:ext uri="{BB962C8B-B14F-4D97-AF65-F5344CB8AC3E}">
-        <p14:creationId xmlns:p14="http://schemas.microsoft.com/office/powerpoint/2010/main" val="1549002469"/>
+        <p14:creationId xmlns:p14="http://schemas.microsoft.com/office/powerpoint/2010/main" val="848853006"/>
       </p:ext>
     </p:extLst>
   </p:cSld>
@@ -7931,7 +7906,7 @@
           <p:cNvPr id="2" name="Title 1">
             <a:extLst>
               <a:ext uri="{FF2B5EF4-FFF2-40B4-BE49-F238E27FC236}">
-                <a16:creationId xmlns:a16="http://schemas.microsoft.com/office/drawing/2014/main" id="{33182361-C770-430C-97A0-B9298FA3FE50}"/>
+                <a16:creationId xmlns:a16="http://schemas.microsoft.com/office/drawing/2014/main" id="{BA35D0AB-9A37-479C-9406-C70EC5D04068}"/>
               </a:ext>
             </a:extLst>
           </p:cNvPr>
@@ -7948,13 +7923,6 @@
           <a:lstStyle/>
           <a:p>
             <a:r>
-              <a:rPr lang="en-US" dirty="0"/>
-              <a:t>Chosen Technology:</a:t>
-            </a:r>
-            <a:br>
-              <a:rPr lang="en-US" dirty="0"/>
-            </a:br>
-            <a:r>
               <a:rPr lang="en-US" dirty="0" err="1"/>
               <a:t>Mapbox</a:t>
             </a:r>
@@ -7967,7 +7935,7 @@
           <p:cNvPr id="3" name="Content Placeholder 2">
             <a:extLst>
               <a:ext uri="{FF2B5EF4-FFF2-40B4-BE49-F238E27FC236}">
-                <a16:creationId xmlns:a16="http://schemas.microsoft.com/office/drawing/2014/main" id="{6457FBD9-768E-4864-B576-83C1D02FB7F8}"/>
+                <a16:creationId xmlns:a16="http://schemas.microsoft.com/office/drawing/2014/main" id="{C53C1AAE-D52E-4865-94E5-9A746F2B6603}"/>
               </a:ext>
             </a:extLst>
           </p:cNvPr>
@@ -7983,64 +7951,42 @@
           <a:bodyPr/>
           <a:lstStyle/>
           <a:p>
-            <a:r>
-              <a:rPr lang="en-US" dirty="0"/>
-              <a:t>Not unreasonably expensive</a:t>
-            </a:r>
-          </a:p>
-          <a:p>
-            <a:pPr lvl="1"/>
-            <a:r>
-              <a:rPr lang="en-US" dirty="0"/>
-              <a:t>Free Tier</a:t>
-            </a:r>
-          </a:p>
-          <a:p>
-            <a:pPr lvl="2"/>
-            <a:r>
-              <a:rPr lang="en-US" dirty="0"/>
-              <a:t>50k monthly active users</a:t>
-            </a:r>
-          </a:p>
-          <a:p>
-            <a:pPr lvl="2"/>
-            <a:r>
-              <a:rPr lang="en-US" dirty="0"/>
-              <a:t>50k geocode requests / month</a:t>
-            </a:r>
-          </a:p>
-          <a:p>
-            <a:pPr lvl="2"/>
-            <a:r>
-              <a:rPr lang="en-US" dirty="0"/>
-              <a:t>50k directions request / month</a:t>
-            </a:r>
-          </a:p>
-          <a:p>
-            <a:pPr lvl="2"/>
-            <a:r>
-              <a:rPr lang="en-US" dirty="0"/>
-              <a:t>50k matrix elements / month</a:t>
-            </a:r>
-          </a:p>
-          <a:p>
-            <a:pPr lvl="1"/>
-            <a:r>
-              <a:rPr lang="en-US" dirty="0"/>
-              <a:t>More beyond that point</a:t>
-            </a:r>
-          </a:p>
-          <a:p>
-            <a:r>
-              <a:rPr lang="en-US" dirty="0"/>
-              <a:t>Built in online maps</a:t>
-            </a:r>
-          </a:p>
-          <a:p>
-            <a:pPr lvl="1"/>
-            <a:r>
-              <a:rPr lang="en-US" dirty="0"/>
-              <a:t>Points of Interest</a:t>
+            <a:pPr marL="0" indent="0">
+              <a:buNone/>
+            </a:pPr>
+            <a:r>
+              <a:rPr lang="en-US" dirty="0"/>
+              <a:t>Pros</a:t>
+            </a:r>
+          </a:p>
+          <a:p>
+            <a:r>
+              <a:rPr lang="en-US" dirty="0"/>
+              <a:t>Upward popularity trend</a:t>
+            </a:r>
+          </a:p>
+          <a:p>
+            <a:r>
+              <a:rPr lang="en-US" dirty="0"/>
+              <a:t>Cross-Platform</a:t>
+            </a:r>
+          </a:p>
+          <a:p>
+            <a:endParaRPr lang="en-US" dirty="0"/>
+          </a:p>
+          <a:p>
+            <a:pPr marL="0" indent="0">
+              <a:buNone/>
+            </a:pPr>
+            <a:r>
+              <a:rPr lang="en-US" dirty="0"/>
+              <a:t>Cons</a:t>
+            </a:r>
+          </a:p>
+          <a:p>
+            <a:r>
+              <a:rPr lang="en-US" dirty="0"/>
+              <a:t>Rather resource intensive</a:t>
             </a:r>
           </a:p>
         </p:txBody>
@@ -8048,7 +7994,7 @@
     </p:spTree>
     <p:extLst>
       <p:ext uri="{BB962C8B-B14F-4D97-AF65-F5344CB8AC3E}">
-        <p14:creationId xmlns:p14="http://schemas.microsoft.com/office/powerpoint/2010/main" val="2872609314"/>
+        <p14:creationId xmlns:p14="http://schemas.microsoft.com/office/powerpoint/2010/main" val="1549002469"/>
       </p:ext>
     </p:extLst>
   </p:cSld>
@@ -8080,7 +8026,7 @@
           <p:cNvPr id="2" name="Title 1">
             <a:extLst>
               <a:ext uri="{FF2B5EF4-FFF2-40B4-BE49-F238E27FC236}">
-                <a16:creationId xmlns:a16="http://schemas.microsoft.com/office/drawing/2014/main" id="{ABFE9964-2DD0-4B8C-9324-5C9218DC5DF7}"/>
+                <a16:creationId xmlns:a16="http://schemas.microsoft.com/office/drawing/2014/main" id="{33182361-C770-430C-97A0-B9298FA3FE50}"/>
               </a:ext>
             </a:extLst>
           </p:cNvPr>
@@ -8091,39 +8037,105 @@
             <p:ph type="title"/>
           </p:nvPr>
         </p:nvSpPr>
-        <p:spPr>
-          <a:xfrm>
-            <a:off x="674246" y="452718"/>
-            <a:ext cx="9404723" cy="1400530"/>
-          </a:xfrm>
-        </p:spPr>
-        <p:txBody>
-          <a:bodyPr/>
-          <a:lstStyle/>
-          <a:p>
-            <a:r>
-              <a:rPr lang="en-US" sz="4800" dirty="0"/>
-              <a:t>As Billy the new user, I want to log into an account for this app.</a:t>
+        <p:spPr/>
+        <p:txBody>
+          <a:bodyPr/>
+          <a:lstStyle/>
+          <a:p>
+            <a:r>
+              <a:rPr lang="en-US" dirty="0"/>
+              <a:t>Chosen Technology:</a:t>
             </a:r>
             <a:br>
-              <a:rPr lang="en-US" sz="4800" dirty="0"/>
+              <a:rPr lang="en-US" dirty="0"/>
             </a:br>
-            <a:br>
-              <a:rPr lang="en-US" sz="4800" dirty="0"/>
-            </a:br>
-            <a:br>
-              <a:rPr lang="en-US" sz="4800" dirty="0"/>
-            </a:br>
-            <a:br>
-              <a:rPr lang="en-US" sz="4800" dirty="0"/>
-            </a:br>
-            <a:r>
-              <a:rPr lang="en-US" sz="4800" dirty="0"/>
-              <a:t>-</a:t>
-            </a:r>
-            <a:r>
-              <a:rPr lang="en-US" sz="4000" dirty="0"/>
-              <a:t>[User Accounts]</a:t>
+            <a:r>
+              <a:rPr lang="en-US" dirty="0" err="1"/>
+              <a:t>Mapbox</a:t>
+            </a:r>
+            <a:endParaRPr lang="en-US" dirty="0"/>
+          </a:p>
+        </p:txBody>
+      </p:sp>
+      <p:sp>
+        <p:nvSpPr>
+          <p:cNvPr id="3" name="Content Placeholder 2">
+            <a:extLst>
+              <a:ext uri="{FF2B5EF4-FFF2-40B4-BE49-F238E27FC236}">
+                <a16:creationId xmlns:a16="http://schemas.microsoft.com/office/drawing/2014/main" id="{6457FBD9-768E-4864-B576-83C1D02FB7F8}"/>
+              </a:ext>
+            </a:extLst>
+          </p:cNvPr>
+          <p:cNvSpPr>
+            <a:spLocks noGrp="1"/>
+          </p:cNvSpPr>
+          <p:nvPr>
+            <p:ph idx="1"/>
+          </p:nvPr>
+        </p:nvSpPr>
+        <p:spPr/>
+        <p:txBody>
+          <a:bodyPr/>
+          <a:lstStyle/>
+          <a:p>
+            <a:r>
+              <a:rPr lang="en-US" dirty="0"/>
+              <a:t>Not unreasonably expensive</a:t>
+            </a:r>
+          </a:p>
+          <a:p>
+            <a:pPr lvl="1"/>
+            <a:r>
+              <a:rPr lang="en-US" dirty="0"/>
+              <a:t>Free Tier</a:t>
+            </a:r>
+          </a:p>
+          <a:p>
+            <a:pPr lvl="2"/>
+            <a:r>
+              <a:rPr lang="en-US" dirty="0"/>
+              <a:t>50k monthly active users</a:t>
+            </a:r>
+          </a:p>
+          <a:p>
+            <a:pPr lvl="2"/>
+            <a:r>
+              <a:rPr lang="en-US" dirty="0"/>
+              <a:t>50k geocode requests / month</a:t>
+            </a:r>
+          </a:p>
+          <a:p>
+            <a:pPr lvl="2"/>
+            <a:r>
+              <a:rPr lang="en-US" dirty="0"/>
+              <a:t>50k directions request / month</a:t>
+            </a:r>
+          </a:p>
+          <a:p>
+            <a:pPr lvl="2"/>
+            <a:r>
+              <a:rPr lang="en-US" dirty="0"/>
+              <a:t>50k matrix elements / month</a:t>
+            </a:r>
+          </a:p>
+          <a:p>
+            <a:pPr lvl="1"/>
+            <a:r>
+              <a:rPr lang="en-US" dirty="0"/>
+              <a:t>More beyond that point</a:t>
+            </a:r>
+          </a:p>
+          <a:p>
+            <a:r>
+              <a:rPr lang="en-US" dirty="0"/>
+              <a:t>Built in online maps</a:t>
+            </a:r>
+          </a:p>
+          <a:p>
+            <a:pPr lvl="1"/>
+            <a:r>
+              <a:rPr lang="en-US" dirty="0"/>
+              <a:t>Points of Interest</a:t>
             </a:r>
           </a:p>
         </p:txBody>
@@ -8131,7 +8143,7 @@
     </p:spTree>
     <p:extLst>
       <p:ext uri="{BB962C8B-B14F-4D97-AF65-F5344CB8AC3E}">
-        <p14:creationId xmlns:p14="http://schemas.microsoft.com/office/powerpoint/2010/main" val="2229278952"/>
+        <p14:creationId xmlns:p14="http://schemas.microsoft.com/office/powerpoint/2010/main" val="2872609314"/>
       </p:ext>
     </p:extLst>
   </p:cSld>
@@ -8163,7 +8175,7 @@
           <p:cNvPr id="2" name="Title 1">
             <a:extLst>
               <a:ext uri="{FF2B5EF4-FFF2-40B4-BE49-F238E27FC236}">
-                <a16:creationId xmlns:a16="http://schemas.microsoft.com/office/drawing/2014/main" id="{ABFE9964-2DD0-4B8C-9324-5C9218DC5DF7}"/>
+                <a16:creationId xmlns:a16="http://schemas.microsoft.com/office/drawing/2014/main" id="{5168C9A3-0FEC-407D-8D80-9D769729C42A}"/>
               </a:ext>
             </a:extLst>
           </p:cNvPr>
@@ -8174,31 +8186,20 @@
             <p:ph type="title"/>
           </p:nvPr>
         </p:nvSpPr>
-        <p:spPr/>
-        <p:txBody>
-          <a:bodyPr/>
-          <a:lstStyle/>
-          <a:p>
-            <a:r>
-              <a:rPr lang="en-US" sz="5400" dirty="0"/>
-              <a:t>As Tina the fisherman I want to privately save a great spot I found that so I can get back to it in the future.</a:t>
-            </a:r>
-            <a:br>
-              <a:rPr lang="en-US" sz="5400" dirty="0"/>
-            </a:br>
-            <a:br>
-              <a:rPr lang="en-US" sz="5400" dirty="0"/>
-            </a:br>
-            <a:br>
-              <a:rPr lang="en-US" sz="5400" dirty="0"/>
-            </a:br>
-            <a:r>
-              <a:rPr lang="en-US" sz="5400" dirty="0"/>
-              <a:t>-</a:t>
-            </a:r>
-            <a:r>
-              <a:rPr lang="en-US" sz="4000" dirty="0"/>
-              <a:t>[Custom Landmarks]</a:t>
+        <p:spPr>
+          <a:xfrm>
+            <a:off x="2510769" y="2585299"/>
+            <a:ext cx="7090431" cy="3551042"/>
+          </a:xfrm>
+        </p:spPr>
+        <p:txBody>
+          <a:bodyPr/>
+          <a:lstStyle/>
+          <a:p>
+            <a:pPr algn="ctr"/>
+            <a:r>
+              <a:rPr lang="en-US" sz="9600" dirty="0"/>
+              <a:t>Questions?</a:t>
             </a:r>
           </a:p>
         </p:txBody>
@@ -8206,7 +8207,7 @@
     </p:spTree>
     <p:extLst>
       <p:ext uri="{BB962C8B-B14F-4D97-AF65-F5344CB8AC3E}">
-        <p14:creationId xmlns:p14="http://schemas.microsoft.com/office/powerpoint/2010/main" val="2394297851"/>
+        <p14:creationId xmlns:p14="http://schemas.microsoft.com/office/powerpoint/2010/main" val="2745381394"/>
       </p:ext>
     </p:extLst>
   </p:cSld>
@@ -8260,27 +8261,24 @@
           <a:lstStyle/>
           <a:p>
             <a:r>
-              <a:rPr lang="en-US" dirty="0"/>
-              <a:t>As Kara the dedicated user, I want to save my landmarks online so I can access them from another device.</a:t>
+              <a:rPr lang="en-US" sz="4800" dirty="0"/>
+              <a:t>As Jimmy the user, I want some visual representations to appear on the screen as I dial in to a landmark</a:t>
             </a:r>
             <a:br>
-              <a:rPr lang="en-US" dirty="0"/>
+              <a:rPr lang="en-US" sz="4800" dirty="0"/>
             </a:br>
             <a:br>
-              <a:rPr lang="en-US" dirty="0"/>
+              <a:rPr lang="en-US" sz="4800" dirty="0"/>
             </a:br>
             <a:br>
-              <a:rPr lang="en-US" dirty="0"/>
+              <a:rPr lang="en-US" sz="4800" dirty="0"/>
             </a:br>
             <a:br>
-              <a:rPr lang="en-US" dirty="0"/>
+              <a:rPr lang="en-US" sz="4800" dirty="0"/>
             </a:br>
-            <a:br>
-              <a:rPr lang="en-US" dirty="0"/>
-            </a:br>
             <a:r>
               <a:rPr lang="en-US" sz="4000" dirty="0"/>
-              <a:t>-[Saved Landmarks]</a:t>
+              <a:t>-[Augmented Landmarks]</a:t>
             </a:r>
           </a:p>
         </p:txBody>
@@ -8288,7 +8286,7 @@
     </p:spTree>
     <p:extLst>
       <p:ext uri="{BB962C8B-B14F-4D97-AF65-F5344CB8AC3E}">
-        <p14:creationId xmlns:p14="http://schemas.microsoft.com/office/powerpoint/2010/main" val="2994192456"/>
+        <p14:creationId xmlns:p14="http://schemas.microsoft.com/office/powerpoint/2010/main" val="1983123783"/>
       </p:ext>
     </p:extLst>
   </p:cSld>
@@ -8433,7 +8431,7 @@
           <p:cNvPr id="2" name="Title 1">
             <a:extLst>
               <a:ext uri="{FF2B5EF4-FFF2-40B4-BE49-F238E27FC236}">
-                <a16:creationId xmlns:a16="http://schemas.microsoft.com/office/drawing/2014/main" id="{ABFE9964-2DD0-4B8C-9324-5C9218DC5DF7}"/>
+                <a16:creationId xmlns:a16="http://schemas.microsoft.com/office/drawing/2014/main" id="{BA35D0AB-9A37-479C-9406-C70EC5D04068}"/>
               </a:ext>
             </a:extLst>
           </p:cNvPr>
@@ -8450,27 +8448,92 @@
           <a:lstStyle/>
           <a:p>
             <a:r>
-              <a:rPr lang="en-US" sz="4800" dirty="0"/>
-              <a:t>As Nancy the frequent user, I want to have a list of all the landmarks I’ve visited.</a:t>
-            </a:r>
-            <a:br>
-              <a:rPr lang="en-US" sz="4800" dirty="0"/>
-            </a:br>
-            <a:br>
-              <a:rPr lang="en-US" sz="4800" dirty="0"/>
-            </a:br>
-            <a:br>
-              <a:rPr lang="en-US" sz="4800" dirty="0"/>
-            </a:br>
-            <a:br>
-              <a:rPr lang="en-US" sz="4800" dirty="0"/>
-            </a:br>
-            <a:br>
-              <a:rPr lang="en-US" sz="4800" dirty="0"/>
-            </a:br>
-            <a:r>
-              <a:rPr lang="en-US" sz="4000" dirty="0"/>
-              <a:t>-[Landmark History]</a:t>
+              <a:rPr lang="en-US" dirty="0"/>
+              <a:t>WPF/</a:t>
+            </a:r>
+            <a:r>
+              <a:rPr lang="en-US" dirty="0" err="1"/>
+              <a:t>xaml</a:t>
+            </a:r>
+            <a:endParaRPr lang="en-US" dirty="0"/>
+          </a:p>
+        </p:txBody>
+      </p:sp>
+      <p:sp>
+        <p:nvSpPr>
+          <p:cNvPr id="3" name="Content Placeholder 2">
+            <a:extLst>
+              <a:ext uri="{FF2B5EF4-FFF2-40B4-BE49-F238E27FC236}">
+                <a16:creationId xmlns:a16="http://schemas.microsoft.com/office/drawing/2014/main" id="{C53C1AAE-D52E-4865-94E5-9A746F2B6603}"/>
+              </a:ext>
+            </a:extLst>
+          </p:cNvPr>
+          <p:cNvSpPr>
+            <a:spLocks noGrp="1"/>
+          </p:cNvSpPr>
+          <p:nvPr>
+            <p:ph idx="1"/>
+          </p:nvPr>
+        </p:nvSpPr>
+        <p:spPr/>
+        <p:txBody>
+          <a:bodyPr/>
+          <a:lstStyle/>
+          <a:p>
+            <a:pPr marL="0" indent="0">
+              <a:buNone/>
+            </a:pPr>
+            <a:r>
+              <a:rPr lang="en-US" dirty="0"/>
+              <a:t>Language: C#</a:t>
+            </a:r>
+          </a:p>
+          <a:p>
+            <a:pPr marL="0" indent="0">
+              <a:buNone/>
+            </a:pPr>
+            <a:endParaRPr lang="en-US" dirty="0"/>
+          </a:p>
+          <a:p>
+            <a:pPr marL="0" indent="0">
+              <a:buNone/>
+            </a:pPr>
+            <a:r>
+              <a:rPr lang="en-US" dirty="0"/>
+              <a:t>Pros</a:t>
+            </a:r>
+          </a:p>
+          <a:p>
+            <a:r>
+              <a:rPr lang="en-US" dirty="0"/>
+              <a:t>Well documented</a:t>
+            </a:r>
+          </a:p>
+          <a:p>
+            <a:r>
+              <a:rPr lang="en-US" dirty="0"/>
+              <a:t>Free for us</a:t>
+            </a:r>
+          </a:p>
+          <a:p>
+            <a:pPr marL="0" indent="0">
+              <a:buNone/>
+            </a:pPr>
+            <a:endParaRPr lang="en-US" dirty="0"/>
+          </a:p>
+          <a:p>
+            <a:pPr marL="0" indent="0">
+              <a:buNone/>
+            </a:pPr>
+            <a:r>
+              <a:rPr lang="en-US" dirty="0"/>
+              <a:t>Cons</a:t>
+            </a:r>
+          </a:p>
+          <a:p>
+            <a:r>
+              <a:rPr lang="en-US" dirty="0"/>
+              <a:t>Customizing controls would take a long time</a:t>
             </a:r>
           </a:p>
         </p:txBody>
@@ -8478,7 +8541,7 @@
     </p:spTree>
     <p:extLst>
       <p:ext uri="{BB962C8B-B14F-4D97-AF65-F5344CB8AC3E}">
-        <p14:creationId xmlns:p14="http://schemas.microsoft.com/office/powerpoint/2010/main" val="2401975838"/>
+        <p14:creationId xmlns:p14="http://schemas.microsoft.com/office/powerpoint/2010/main" val="3528907060"/>
       </p:ext>
     </p:extLst>
   </p:cSld>
@@ -8510,7 +8573,7 @@
           <p:cNvPr id="2" name="Title 1">
             <a:extLst>
               <a:ext uri="{FF2B5EF4-FFF2-40B4-BE49-F238E27FC236}">
-                <a16:creationId xmlns:a16="http://schemas.microsoft.com/office/drawing/2014/main" id="{ABFE9964-2DD0-4B8C-9324-5C9218DC5DF7}"/>
+                <a16:creationId xmlns:a16="http://schemas.microsoft.com/office/drawing/2014/main" id="{BA35D0AB-9A37-479C-9406-C70EC5D04068}"/>
               </a:ext>
             </a:extLst>
           </p:cNvPr>
@@ -8527,18 +8590,87 @@
           <a:lstStyle/>
           <a:p>
             <a:r>
-              <a:rPr lang="en-US" sz="5400" dirty="0"/>
-              <a:t>As Dora the explorer, I want to save personal notes about my trips to landmarks so that Swiper doesn’t swipe them.</a:t>
-            </a:r>
-            <a:br>
-              <a:rPr lang="en-US" sz="5400" dirty="0"/>
-            </a:br>
-            <a:br>
-              <a:rPr lang="en-US" sz="5400" dirty="0"/>
-            </a:br>
-            <a:r>
-              <a:rPr lang="en-US" sz="4000" dirty="0"/>
-              <a:t>-[Saved Notes]</a:t>
+              <a:rPr lang="en-US" dirty="0"/>
+              <a:t>Java GUI</a:t>
+            </a:r>
+          </a:p>
+        </p:txBody>
+      </p:sp>
+      <p:sp>
+        <p:nvSpPr>
+          <p:cNvPr id="3" name="Content Placeholder 2">
+            <a:extLst>
+              <a:ext uri="{FF2B5EF4-FFF2-40B4-BE49-F238E27FC236}">
+                <a16:creationId xmlns:a16="http://schemas.microsoft.com/office/drawing/2014/main" id="{C53C1AAE-D52E-4865-94E5-9A746F2B6603}"/>
+              </a:ext>
+            </a:extLst>
+          </p:cNvPr>
+          <p:cNvSpPr>
+            <a:spLocks noGrp="1"/>
+          </p:cNvSpPr>
+          <p:nvPr>
+            <p:ph idx="1"/>
+          </p:nvPr>
+        </p:nvSpPr>
+        <p:spPr/>
+        <p:txBody>
+          <a:bodyPr/>
+          <a:lstStyle/>
+          <a:p>
+            <a:pPr marL="0" indent="0">
+              <a:buNone/>
+            </a:pPr>
+            <a:r>
+              <a:rPr lang="en-US" dirty="0"/>
+              <a:t>Language: Java</a:t>
+            </a:r>
+          </a:p>
+          <a:p>
+            <a:pPr marL="0" indent="0">
+              <a:buNone/>
+            </a:pPr>
+            <a:endParaRPr lang="en-US" dirty="0"/>
+          </a:p>
+          <a:p>
+            <a:pPr marL="0" indent="0">
+              <a:buNone/>
+            </a:pPr>
+            <a:r>
+              <a:rPr lang="en-US" dirty="0"/>
+              <a:t>Pros</a:t>
+            </a:r>
+          </a:p>
+          <a:p>
+            <a:r>
+              <a:rPr lang="en-US" dirty="0"/>
+              <a:t>Easy to get started</a:t>
+            </a:r>
+          </a:p>
+          <a:p>
+            <a:pPr marL="0" indent="0">
+              <a:buNone/>
+            </a:pPr>
+            <a:endParaRPr lang="en-US" dirty="0"/>
+          </a:p>
+          <a:p>
+            <a:pPr marL="0" indent="0">
+              <a:buNone/>
+            </a:pPr>
+            <a:r>
+              <a:rPr lang="en-US" dirty="0"/>
+              <a:t>Cons</a:t>
+            </a:r>
+          </a:p>
+          <a:p>
+            <a:r>
+              <a:rPr lang="en-US" dirty="0"/>
+              <a:t>Will have to integrate into other languages</a:t>
+            </a:r>
+          </a:p>
+          <a:p>
+            <a:r>
+              <a:rPr lang="en-US" dirty="0"/>
+              <a:t>Harder to fine tune UI as the project gets bigger</a:t>
             </a:r>
           </a:p>
         </p:txBody>
@@ -8546,7 +8678,7 @@
     </p:spTree>
     <p:extLst>
       <p:ext uri="{BB962C8B-B14F-4D97-AF65-F5344CB8AC3E}">
-        <p14:creationId xmlns:p14="http://schemas.microsoft.com/office/powerpoint/2010/main" val="1860043813"/>
+        <p14:creationId xmlns:p14="http://schemas.microsoft.com/office/powerpoint/2010/main" val="3375300104"/>
       </p:ext>
     </p:extLst>
   </p:cSld>
@@ -8578,7 +8710,7 @@
           <p:cNvPr id="2" name="Title 1">
             <a:extLst>
               <a:ext uri="{FF2B5EF4-FFF2-40B4-BE49-F238E27FC236}">
-                <a16:creationId xmlns:a16="http://schemas.microsoft.com/office/drawing/2014/main" id="{ABFE9964-2DD0-4B8C-9324-5C9218DC5DF7}"/>
+                <a16:creationId xmlns:a16="http://schemas.microsoft.com/office/drawing/2014/main" id="{BA35D0AB-9A37-479C-9406-C70EC5D04068}"/>
               </a:ext>
             </a:extLst>
           </p:cNvPr>
@@ -8595,22 +8727,93 @@
           <a:lstStyle/>
           <a:p>
             <a:r>
-              <a:rPr lang="en-US" sz="4800" dirty="0"/>
-              <a:t>As George the photographer, I want all the pictures taken at each location to be associated with the location they were taken at.</a:t>
-            </a:r>
-            <a:br>
-              <a:rPr lang="en-US" sz="4800" dirty="0"/>
-            </a:br>
-            <a:br>
-              <a:rPr lang="en-US" sz="4800" dirty="0"/>
-            </a:br>
-            <a:r>
-              <a:rPr lang="en-US" sz="4800" dirty="0"/>
-              <a:t>-</a:t>
-            </a:r>
-            <a:r>
-              <a:rPr lang="en-US" sz="4000" dirty="0"/>
-              <a:t>[Associated Photos]</a:t>
+              <a:rPr lang="en-US" dirty="0"/>
+              <a:t>UX App</a:t>
+            </a:r>
+          </a:p>
+        </p:txBody>
+      </p:sp>
+      <p:sp>
+        <p:nvSpPr>
+          <p:cNvPr id="3" name="Content Placeholder 2">
+            <a:extLst>
+              <a:ext uri="{FF2B5EF4-FFF2-40B4-BE49-F238E27FC236}">
+                <a16:creationId xmlns:a16="http://schemas.microsoft.com/office/drawing/2014/main" id="{C53C1AAE-D52E-4865-94E5-9A746F2B6603}"/>
+              </a:ext>
+            </a:extLst>
+          </p:cNvPr>
+          <p:cNvSpPr>
+            <a:spLocks noGrp="1"/>
+          </p:cNvSpPr>
+          <p:nvPr>
+            <p:ph idx="1"/>
+          </p:nvPr>
+        </p:nvSpPr>
+        <p:spPr/>
+        <p:txBody>
+          <a:bodyPr/>
+          <a:lstStyle/>
+          <a:p>
+            <a:pPr marL="0" indent="0">
+              <a:buNone/>
+            </a:pPr>
+            <a:r>
+              <a:rPr lang="en-US" dirty="0"/>
+              <a:t>Language: HTML and CSS</a:t>
+            </a:r>
+          </a:p>
+          <a:p>
+            <a:pPr marL="0" indent="0">
+              <a:buNone/>
+            </a:pPr>
+            <a:endParaRPr lang="en-US" dirty="0"/>
+          </a:p>
+          <a:p>
+            <a:pPr marL="0" indent="0">
+              <a:buNone/>
+            </a:pPr>
+            <a:r>
+              <a:rPr lang="en-US" dirty="0"/>
+              <a:t>Pros</a:t>
+            </a:r>
+          </a:p>
+          <a:p>
+            <a:r>
+              <a:rPr lang="en-US" dirty="0"/>
+              <a:t>Compatible with Photoshop</a:t>
+            </a:r>
+          </a:p>
+          <a:p>
+            <a:r>
+              <a:rPr lang="en-US" dirty="0"/>
+              <a:t>Gives user data to developers</a:t>
+            </a:r>
+          </a:p>
+          <a:p>
+            <a:pPr marL="0" indent="0">
+              <a:buNone/>
+            </a:pPr>
+            <a:endParaRPr lang="en-US" dirty="0"/>
+          </a:p>
+          <a:p>
+            <a:pPr marL="0" indent="0">
+              <a:buNone/>
+            </a:pPr>
+            <a:r>
+              <a:rPr lang="en-US" dirty="0"/>
+              <a:t>Cons</a:t>
+            </a:r>
+          </a:p>
+          <a:p>
+            <a:r>
+              <a:rPr lang="en-US" dirty="0"/>
+              <a:t>Seems more for graphic designers than programmers</a:t>
+            </a:r>
+          </a:p>
+          <a:p>
+            <a:r>
+              <a:rPr lang="en-US" dirty="0"/>
+              <a:t>$$$</a:t>
             </a:r>
           </a:p>
         </p:txBody>
@@ -8618,7 +8821,7 @@
     </p:spTree>
     <p:extLst>
       <p:ext uri="{BB962C8B-B14F-4D97-AF65-F5344CB8AC3E}">
-        <p14:creationId xmlns:p14="http://schemas.microsoft.com/office/powerpoint/2010/main" val="2127297725"/>
+        <p14:creationId xmlns:p14="http://schemas.microsoft.com/office/powerpoint/2010/main" val="3182512238"/>
       </p:ext>
     </p:extLst>
   </p:cSld>
@@ -8650,7 +8853,7 @@
           <p:cNvPr id="2" name="Title 1">
             <a:extLst>
               <a:ext uri="{FF2B5EF4-FFF2-40B4-BE49-F238E27FC236}">
-                <a16:creationId xmlns:a16="http://schemas.microsoft.com/office/drawing/2014/main" id="{ABFE9964-2DD0-4B8C-9324-5C9218DC5DF7}"/>
+                <a16:creationId xmlns:a16="http://schemas.microsoft.com/office/drawing/2014/main" id="{33182361-C770-430C-97A0-B9298FA3FE50}"/>
               </a:ext>
             </a:extLst>
           </p:cNvPr>
@@ -8667,18 +8870,66 @@
           <a:lstStyle/>
           <a:p>
             <a:r>
-              <a:rPr lang="en-US" sz="5400" dirty="0"/>
-              <a:t>As Francine the world traveler, I want to easily show my friends a quick slideshow style summary of all the places I’ve been.</a:t>
+              <a:rPr lang="en-US" dirty="0"/>
+              <a:t>Chosen Technology:</a:t>
             </a:r>
             <a:br>
-              <a:rPr lang="en-US" sz="5400" dirty="0"/>
+              <a:rPr lang="en-US" dirty="0"/>
             </a:br>
-            <a:br>
-              <a:rPr lang="en-US" sz="5400" dirty="0"/>
-            </a:br>
-            <a:r>
-              <a:rPr lang="en-US" sz="4000" dirty="0"/>
-              <a:t>-[Slideshow Summary]</a:t>
+            <a:r>
+              <a:rPr lang="en-US" dirty="0"/>
+              <a:t>WPF/</a:t>
+            </a:r>
+            <a:r>
+              <a:rPr lang="en-US" dirty="0" err="1"/>
+              <a:t>xaml</a:t>
+            </a:r>
+            <a:endParaRPr lang="en-US" dirty="0"/>
+          </a:p>
+        </p:txBody>
+      </p:sp>
+      <p:sp>
+        <p:nvSpPr>
+          <p:cNvPr id="3" name="Content Placeholder 2">
+            <a:extLst>
+              <a:ext uri="{FF2B5EF4-FFF2-40B4-BE49-F238E27FC236}">
+                <a16:creationId xmlns:a16="http://schemas.microsoft.com/office/drawing/2014/main" id="{6457FBD9-768E-4864-B576-83C1D02FB7F8}"/>
+              </a:ext>
+            </a:extLst>
+          </p:cNvPr>
+          <p:cNvSpPr>
+            <a:spLocks noGrp="1"/>
+          </p:cNvSpPr>
+          <p:nvPr>
+            <p:ph idx="1"/>
+          </p:nvPr>
+        </p:nvSpPr>
+        <p:spPr/>
+        <p:txBody>
+          <a:bodyPr/>
+          <a:lstStyle/>
+          <a:p>
+            <a:r>
+              <a:rPr lang="en-US" dirty="0"/>
+              <a:t>Easily expandable over time</a:t>
+            </a:r>
+          </a:p>
+          <a:p>
+            <a:endParaRPr lang="en-US" dirty="0"/>
+          </a:p>
+          <a:p>
+            <a:r>
+              <a:rPr lang="en-US" dirty="0"/>
+              <a:t>No cost for us</a:t>
+            </a:r>
+          </a:p>
+          <a:p>
+            <a:endParaRPr lang="en-US" dirty="0"/>
+          </a:p>
+          <a:p>
+            <a:r>
+              <a:rPr lang="en-US" dirty="0"/>
+              <a:t>Can easily integrate calls to other languages such as JavaScript for API calls</a:t>
             </a:r>
           </a:p>
         </p:txBody>
@@ -8686,7 +8937,7 @@
     </p:spTree>
     <p:extLst>
       <p:ext uri="{BB962C8B-B14F-4D97-AF65-F5344CB8AC3E}">
-        <p14:creationId xmlns:p14="http://schemas.microsoft.com/office/powerpoint/2010/main" val="83345420"/>
+        <p14:creationId xmlns:p14="http://schemas.microsoft.com/office/powerpoint/2010/main" val="3395378749"/>
       </p:ext>
     </p:extLst>
   </p:cSld>
@@ -8718,7 +8969,7 @@
           <p:cNvPr id="2" name="Title 1">
             <a:extLst>
               <a:ext uri="{FF2B5EF4-FFF2-40B4-BE49-F238E27FC236}">
-                <a16:creationId xmlns:a16="http://schemas.microsoft.com/office/drawing/2014/main" id="{ABFE9964-2DD0-4B8C-9324-5C9218DC5DF7}"/>
+                <a16:creationId xmlns:a16="http://schemas.microsoft.com/office/drawing/2014/main" id="{5168C9A3-0FEC-407D-8D80-9D769729C42A}"/>
               </a:ext>
             </a:extLst>
           </p:cNvPr>
@@ -8731,33 +8982,18 @@
         </p:nvSpPr>
         <p:spPr>
           <a:xfrm>
-            <a:off x="716449" y="452718"/>
-            <a:ext cx="9404723" cy="1400530"/>
+            <a:off x="2510769" y="2585299"/>
+            <a:ext cx="7090431" cy="3551042"/>
           </a:xfrm>
         </p:spPr>
         <p:txBody>
           <a:bodyPr/>
           <a:lstStyle/>
           <a:p>
-            <a:r>
-              <a:rPr lang="en-US" sz="4800" dirty="0"/>
-              <a:t>As Hannah the avid hiker, I want to rate locations so that newcomers to the area know where to go. </a:t>
-            </a:r>
-            <a:br>
-              <a:rPr lang="en-US" sz="4800" dirty="0"/>
-            </a:br>
-            <a:br>
-              <a:rPr lang="en-US" sz="4800" dirty="0"/>
-            </a:br>
-            <a:br>
-              <a:rPr lang="en-US" sz="4800" dirty="0"/>
-            </a:br>
-            <a:br>
-              <a:rPr lang="en-US" sz="4800" dirty="0"/>
-            </a:br>
-            <a:r>
-              <a:rPr lang="en-US" sz="4000" dirty="0"/>
-              <a:t>-[Rating System]</a:t>
+            <a:pPr algn="ctr"/>
+            <a:r>
+              <a:rPr lang="en-US" sz="9600" dirty="0"/>
+              <a:t>Questions?</a:t>
             </a:r>
           </a:p>
         </p:txBody>
@@ -8765,7 +9001,7 @@
     </p:spTree>
     <p:extLst>
       <p:ext uri="{BB962C8B-B14F-4D97-AF65-F5344CB8AC3E}">
-        <p14:creationId xmlns:p14="http://schemas.microsoft.com/office/powerpoint/2010/main" val="371364707"/>
+        <p14:creationId xmlns:p14="http://schemas.microsoft.com/office/powerpoint/2010/main" val="1457892687"/>
       </p:ext>
     </p:extLst>
   </p:cSld>
@@ -8808,14 +9044,19 @@
             <p:ph type="title"/>
           </p:nvPr>
         </p:nvSpPr>
-        <p:spPr/>
+        <p:spPr>
+          <a:xfrm>
+            <a:off x="674246" y="452718"/>
+            <a:ext cx="9404723" cy="1400530"/>
+          </a:xfrm>
+        </p:spPr>
         <p:txBody>
           <a:bodyPr/>
           <a:lstStyle/>
           <a:p>
             <a:r>
               <a:rPr lang="en-US" sz="4800" dirty="0"/>
-              <a:t>As Dan the introverted hiker, I want to know the traffic of a landmark so that I can avoid busy places.</a:t>
+              <a:t>As Billy the new user, I want to log into an account for this app.</a:t>
             </a:r>
             <a:br>
               <a:rPr lang="en-US" sz="4800" dirty="0"/>
@@ -8830,8 +9071,12 @@
               <a:rPr lang="en-US" sz="4800" dirty="0"/>
             </a:br>
             <a:r>
+              <a:rPr lang="en-US" sz="4800" dirty="0"/>
+              <a:t>-</a:t>
+            </a:r>
+            <a:r>
               <a:rPr lang="en-US" sz="4000" dirty="0"/>
-              <a:t>-[Popularity System]</a:t>
+              <a:t>[User Accounts]</a:t>
             </a:r>
           </a:p>
         </p:txBody>
@@ -8839,7 +9084,7 @@
     </p:spTree>
     <p:extLst>
       <p:ext uri="{BB962C8B-B14F-4D97-AF65-F5344CB8AC3E}">
-        <p14:creationId xmlns:p14="http://schemas.microsoft.com/office/powerpoint/2010/main" val="2379561662"/>
+        <p14:creationId xmlns:p14="http://schemas.microsoft.com/office/powerpoint/2010/main" val="2229278952"/>
       </p:ext>
     </p:extLst>
   </p:cSld>
@@ -8871,7 +9116,7 @@
           <p:cNvPr id="2" name="Title 1">
             <a:extLst>
               <a:ext uri="{FF2B5EF4-FFF2-40B4-BE49-F238E27FC236}">
-                <a16:creationId xmlns:a16="http://schemas.microsoft.com/office/drawing/2014/main" id="{BA35D0AB-9A37-479C-9406-C70EC5D04068}"/>
+                <a16:creationId xmlns:a16="http://schemas.microsoft.com/office/drawing/2014/main" id="{ABFE9964-2DD0-4B8C-9324-5C9218DC5DF7}"/>
               </a:ext>
             </a:extLst>
           </p:cNvPr>
@@ -8888,86 +9133,33 @@
           <a:lstStyle/>
           <a:p>
             <a:r>
-              <a:rPr lang="en-US" dirty="0"/>
-              <a:t>SQL Server</a:t>
-            </a:r>
-          </a:p>
-        </p:txBody>
-      </p:sp>
-      <p:sp>
-        <p:nvSpPr>
-          <p:cNvPr id="3" name="Content Placeholder 2">
-            <a:extLst>
-              <a:ext uri="{FF2B5EF4-FFF2-40B4-BE49-F238E27FC236}">
-                <a16:creationId xmlns:a16="http://schemas.microsoft.com/office/drawing/2014/main" id="{C53C1AAE-D52E-4865-94E5-9A746F2B6603}"/>
-              </a:ext>
-            </a:extLst>
-          </p:cNvPr>
-          <p:cNvSpPr>
-            <a:spLocks noGrp="1"/>
-          </p:cNvSpPr>
-          <p:nvPr>
-            <p:ph idx="1"/>
-          </p:nvPr>
-        </p:nvSpPr>
-        <p:spPr/>
-        <p:txBody>
-          <a:bodyPr/>
-          <a:lstStyle/>
-          <a:p>
-            <a:pPr marL="0" indent="0">
-              <a:buNone/>
-            </a:pPr>
-            <a:r>
-              <a:rPr lang="en-US" dirty="0"/>
-              <a:t>Pros</a:t>
-            </a:r>
-          </a:p>
-          <a:p>
-            <a:r>
-              <a:rPr lang="en-US" dirty="0"/>
-              <a:t>Free Edition</a:t>
-            </a:r>
-          </a:p>
-          <a:p>
-            <a:r>
-              <a:rPr lang="en-US" dirty="0"/>
-              <a:t>Widely supported</a:t>
-            </a:r>
-          </a:p>
-          <a:p>
-            <a:endParaRPr lang="en-US" dirty="0"/>
-          </a:p>
-          <a:p>
-            <a:pPr marL="0" indent="0">
-              <a:buNone/>
-            </a:pPr>
-            <a:r>
-              <a:rPr lang="en-US" dirty="0"/>
-              <a:t>Cons</a:t>
-            </a:r>
-          </a:p>
-          <a:p>
-            <a:r>
-              <a:rPr lang="en-US" dirty="0"/>
-              <a:t>Windows-Only</a:t>
-            </a:r>
-          </a:p>
-          <a:p>
-            <a:r>
-              <a:rPr lang="en-US" dirty="0"/>
-              <a:t>Requires Windows machine for deployment</a:t>
-            </a:r>
-          </a:p>
-          <a:p>
-            <a:endParaRPr lang="en-US" dirty="0"/>
+              <a:rPr lang="en-US" sz="5400" dirty="0"/>
+              <a:t>As Tina the fisherman I want to privately save a great spot I found that so I can get back to it in the future.</a:t>
+            </a:r>
+            <a:br>
+              <a:rPr lang="en-US" sz="5400" dirty="0"/>
+            </a:br>
+            <a:br>
+              <a:rPr lang="en-US" sz="5400" dirty="0"/>
+            </a:br>
+            <a:br>
+              <a:rPr lang="en-US" sz="5400" dirty="0"/>
+            </a:br>
+            <a:r>
+              <a:rPr lang="en-US" sz="5400" dirty="0"/>
+              <a:t>-</a:t>
+            </a:r>
+            <a:r>
+              <a:rPr lang="en-US" sz="4000" dirty="0"/>
+              <a:t>[Custom Landmarks]</a:t>
+            </a:r>
           </a:p>
         </p:txBody>
       </p:sp>
     </p:spTree>
     <p:extLst>
       <p:ext uri="{BB962C8B-B14F-4D97-AF65-F5344CB8AC3E}">
-        <p14:creationId xmlns:p14="http://schemas.microsoft.com/office/powerpoint/2010/main" val="2936361029"/>
+        <p14:creationId xmlns:p14="http://schemas.microsoft.com/office/powerpoint/2010/main" val="2394297851"/>
       </p:ext>
     </p:extLst>
   </p:cSld>
@@ -9021,24 +9213,27 @@
           <a:lstStyle/>
           <a:p>
             <a:r>
-              <a:rPr lang="en-US" sz="4800" dirty="0"/>
-              <a:t>As Jimmy the user, I want some visual representations to appear on the screen as I dial in to a landmark</a:t>
+              <a:rPr lang="en-US" dirty="0"/>
+              <a:t>As Kara the dedicated user, I want to save my landmarks online so I can access them from another device.</a:t>
             </a:r>
             <a:br>
-              <a:rPr lang="en-US" sz="4800" dirty="0"/>
+              <a:rPr lang="en-US" dirty="0"/>
             </a:br>
             <a:br>
-              <a:rPr lang="en-US" sz="4800" dirty="0"/>
+              <a:rPr lang="en-US" dirty="0"/>
             </a:br>
             <a:br>
-              <a:rPr lang="en-US" sz="4800" dirty="0"/>
+              <a:rPr lang="en-US" dirty="0"/>
             </a:br>
             <a:br>
-              <a:rPr lang="en-US" sz="4800" dirty="0"/>
+              <a:rPr lang="en-US" dirty="0"/>
             </a:br>
+            <a:br>
+              <a:rPr lang="en-US" dirty="0"/>
+            </a:br>
             <a:r>
               <a:rPr lang="en-US" sz="4000" dirty="0"/>
-              <a:t>-[Augmented Landmarks]</a:t>
+              <a:t>-[Saved Landmarks]</a:t>
             </a:r>
           </a:p>
         </p:txBody>
@@ -9046,7 +9241,7 @@
     </p:spTree>
     <p:extLst>
       <p:ext uri="{BB962C8B-B14F-4D97-AF65-F5344CB8AC3E}">
-        <p14:creationId xmlns:p14="http://schemas.microsoft.com/office/powerpoint/2010/main" val="1983123783"/>
+        <p14:creationId xmlns:p14="http://schemas.microsoft.com/office/powerpoint/2010/main" val="2994192456"/>
       </p:ext>
     </p:extLst>
   </p:cSld>
@@ -9078,7 +9273,7 @@
           <p:cNvPr id="2" name="Title 1">
             <a:extLst>
               <a:ext uri="{FF2B5EF4-FFF2-40B4-BE49-F238E27FC236}">
-                <a16:creationId xmlns:a16="http://schemas.microsoft.com/office/drawing/2014/main" id="{BA35D0AB-9A37-479C-9406-C70EC5D04068}"/>
+                <a16:creationId xmlns:a16="http://schemas.microsoft.com/office/drawing/2014/main" id="{ABFE9964-2DD0-4B8C-9324-5C9218DC5DF7}"/>
               </a:ext>
             </a:extLst>
           </p:cNvPr>
@@ -9095,92 +9290,27 @@
           <a:lstStyle/>
           <a:p>
             <a:r>
-              <a:rPr lang="en-US" dirty="0"/>
-              <a:t>WPF Form/</a:t>
-            </a:r>
-            <a:r>
-              <a:rPr lang="en-US" dirty="0" err="1"/>
-              <a:t>xaml</a:t>
-            </a:r>
-            <a:endParaRPr lang="en-US" dirty="0"/>
-          </a:p>
-        </p:txBody>
-      </p:sp>
-      <p:sp>
-        <p:nvSpPr>
-          <p:cNvPr id="3" name="Content Placeholder 2">
-            <a:extLst>
-              <a:ext uri="{FF2B5EF4-FFF2-40B4-BE49-F238E27FC236}">
-                <a16:creationId xmlns:a16="http://schemas.microsoft.com/office/drawing/2014/main" id="{C53C1AAE-D52E-4865-94E5-9A746F2B6603}"/>
-              </a:ext>
-            </a:extLst>
-          </p:cNvPr>
-          <p:cNvSpPr>
-            <a:spLocks noGrp="1"/>
-          </p:cNvSpPr>
-          <p:nvPr>
-            <p:ph idx="1"/>
-          </p:nvPr>
-        </p:nvSpPr>
-        <p:spPr/>
-        <p:txBody>
-          <a:bodyPr/>
-          <a:lstStyle/>
-          <a:p>
-            <a:pPr marL="0" indent="0">
-              <a:buNone/>
-            </a:pPr>
-            <a:r>
-              <a:rPr lang="en-US" dirty="0"/>
-              <a:t>Language: C#</a:t>
-            </a:r>
-          </a:p>
-          <a:p>
-            <a:pPr marL="0" indent="0">
-              <a:buNone/>
-            </a:pPr>
-            <a:endParaRPr lang="en-US" dirty="0"/>
-          </a:p>
-          <a:p>
-            <a:pPr marL="0" indent="0">
-              <a:buNone/>
-            </a:pPr>
-            <a:r>
-              <a:rPr lang="en-US" dirty="0"/>
-              <a:t>Pros</a:t>
-            </a:r>
-          </a:p>
-          <a:p>
-            <a:r>
-              <a:rPr lang="en-US" dirty="0"/>
-              <a:t>Well documented</a:t>
-            </a:r>
-          </a:p>
-          <a:p>
-            <a:r>
-              <a:rPr lang="en-US" dirty="0"/>
-              <a:t>Free for us</a:t>
-            </a:r>
-          </a:p>
-          <a:p>
-            <a:pPr marL="0" indent="0">
-              <a:buNone/>
-            </a:pPr>
-            <a:endParaRPr lang="en-US" dirty="0"/>
-          </a:p>
-          <a:p>
-            <a:pPr marL="0" indent="0">
-              <a:buNone/>
-            </a:pPr>
-            <a:r>
-              <a:rPr lang="en-US" dirty="0"/>
-              <a:t>Cons</a:t>
-            </a:r>
-          </a:p>
-          <a:p>
-            <a:r>
-              <a:rPr lang="en-US" dirty="0"/>
-              <a:t>Customizing controls would take a long time</a:t>
+              <a:rPr lang="en-US" sz="4800" dirty="0"/>
+              <a:t>As Nancy the frequent user, I want to have a list of all the landmarks I’ve visited.</a:t>
+            </a:r>
+            <a:br>
+              <a:rPr lang="en-US" sz="4800" dirty="0"/>
+            </a:br>
+            <a:br>
+              <a:rPr lang="en-US" sz="4800" dirty="0"/>
+            </a:br>
+            <a:br>
+              <a:rPr lang="en-US" sz="4800" dirty="0"/>
+            </a:br>
+            <a:br>
+              <a:rPr lang="en-US" sz="4800" dirty="0"/>
+            </a:br>
+            <a:br>
+              <a:rPr lang="en-US" sz="4800" dirty="0"/>
+            </a:br>
+            <a:r>
+              <a:rPr lang="en-US" sz="4000" dirty="0"/>
+              <a:t>-[Landmark History]</a:t>
             </a:r>
           </a:p>
         </p:txBody>
@@ -9188,7 +9318,7 @@
     </p:spTree>
     <p:extLst>
       <p:ext uri="{BB962C8B-B14F-4D97-AF65-F5344CB8AC3E}">
-        <p14:creationId xmlns:p14="http://schemas.microsoft.com/office/powerpoint/2010/main" val="3528907060"/>
+        <p14:creationId xmlns:p14="http://schemas.microsoft.com/office/powerpoint/2010/main" val="2401975838"/>
       </p:ext>
     </p:extLst>
   </p:cSld>
@@ -9220,7 +9350,7 @@
           <p:cNvPr id="2" name="Title 1">
             <a:extLst>
               <a:ext uri="{FF2B5EF4-FFF2-40B4-BE49-F238E27FC236}">
-                <a16:creationId xmlns:a16="http://schemas.microsoft.com/office/drawing/2014/main" id="{BA35D0AB-9A37-479C-9406-C70EC5D04068}"/>
+                <a16:creationId xmlns:a16="http://schemas.microsoft.com/office/drawing/2014/main" id="{ABFE9964-2DD0-4B8C-9324-5C9218DC5DF7}"/>
               </a:ext>
             </a:extLst>
           </p:cNvPr>
@@ -9237,87 +9367,18 @@
           <a:lstStyle/>
           <a:p>
             <a:r>
-              <a:rPr lang="en-US" dirty="0"/>
-              <a:t>Java GUI</a:t>
-            </a:r>
-          </a:p>
-        </p:txBody>
-      </p:sp>
-      <p:sp>
-        <p:nvSpPr>
-          <p:cNvPr id="3" name="Content Placeholder 2">
-            <a:extLst>
-              <a:ext uri="{FF2B5EF4-FFF2-40B4-BE49-F238E27FC236}">
-                <a16:creationId xmlns:a16="http://schemas.microsoft.com/office/drawing/2014/main" id="{C53C1AAE-D52E-4865-94E5-9A746F2B6603}"/>
-              </a:ext>
-            </a:extLst>
-          </p:cNvPr>
-          <p:cNvSpPr>
-            <a:spLocks noGrp="1"/>
-          </p:cNvSpPr>
-          <p:nvPr>
-            <p:ph idx="1"/>
-          </p:nvPr>
-        </p:nvSpPr>
-        <p:spPr/>
-        <p:txBody>
-          <a:bodyPr/>
-          <a:lstStyle/>
-          <a:p>
-            <a:pPr marL="0" indent="0">
-              <a:buNone/>
-            </a:pPr>
-            <a:r>
-              <a:rPr lang="en-US" dirty="0"/>
-              <a:t>Language: Java</a:t>
-            </a:r>
-          </a:p>
-          <a:p>
-            <a:pPr marL="0" indent="0">
-              <a:buNone/>
-            </a:pPr>
-            <a:endParaRPr lang="en-US" dirty="0"/>
-          </a:p>
-          <a:p>
-            <a:pPr marL="0" indent="0">
-              <a:buNone/>
-            </a:pPr>
-            <a:r>
-              <a:rPr lang="en-US" dirty="0"/>
-              <a:t>Pros</a:t>
-            </a:r>
-          </a:p>
-          <a:p>
-            <a:r>
-              <a:rPr lang="en-US" dirty="0"/>
-              <a:t>Easy to get started</a:t>
-            </a:r>
-          </a:p>
-          <a:p>
-            <a:pPr marL="0" indent="0">
-              <a:buNone/>
-            </a:pPr>
-            <a:endParaRPr lang="en-US" dirty="0"/>
-          </a:p>
-          <a:p>
-            <a:pPr marL="0" indent="0">
-              <a:buNone/>
-            </a:pPr>
-            <a:r>
-              <a:rPr lang="en-US" dirty="0"/>
-              <a:t>Cons</a:t>
-            </a:r>
-          </a:p>
-          <a:p>
-            <a:r>
-              <a:rPr lang="en-US" dirty="0"/>
-              <a:t>Will have to integrate into other languages</a:t>
-            </a:r>
-          </a:p>
-          <a:p>
-            <a:r>
-              <a:rPr lang="en-US" dirty="0"/>
-              <a:t>Harder to fine tune UI as the project gets bigger</a:t>
+              <a:rPr lang="en-US" sz="5400" dirty="0"/>
+              <a:t>As Dora the explorer, I want to save personal notes about my trips to landmarks so that Swiper doesn’t swipe them.</a:t>
+            </a:r>
+            <a:br>
+              <a:rPr lang="en-US" sz="5400" dirty="0"/>
+            </a:br>
+            <a:br>
+              <a:rPr lang="en-US" sz="5400" dirty="0"/>
+            </a:br>
+            <a:r>
+              <a:rPr lang="en-US" sz="4000" dirty="0"/>
+              <a:t>-[Saved Notes]</a:t>
             </a:r>
           </a:p>
         </p:txBody>
@@ -9325,7 +9386,7 @@
     </p:spTree>
     <p:extLst>
       <p:ext uri="{BB962C8B-B14F-4D97-AF65-F5344CB8AC3E}">
-        <p14:creationId xmlns:p14="http://schemas.microsoft.com/office/powerpoint/2010/main" val="3375300104"/>
+        <p14:creationId xmlns:p14="http://schemas.microsoft.com/office/powerpoint/2010/main" val="1860043813"/>
       </p:ext>
     </p:extLst>
   </p:cSld>
@@ -9431,7 +9492,7 @@
           <p:cNvPr id="2" name="Title 1">
             <a:extLst>
               <a:ext uri="{FF2B5EF4-FFF2-40B4-BE49-F238E27FC236}">
-                <a16:creationId xmlns:a16="http://schemas.microsoft.com/office/drawing/2014/main" id="{BA35D0AB-9A37-479C-9406-C70EC5D04068}"/>
+                <a16:creationId xmlns:a16="http://schemas.microsoft.com/office/drawing/2014/main" id="{ABFE9964-2DD0-4B8C-9324-5C9218DC5DF7}"/>
               </a:ext>
             </a:extLst>
           </p:cNvPr>
@@ -9448,93 +9509,22 @@
           <a:lstStyle/>
           <a:p>
             <a:r>
-              <a:rPr lang="en-US" dirty="0"/>
-              <a:t>UX App</a:t>
-            </a:r>
-          </a:p>
-        </p:txBody>
-      </p:sp>
-      <p:sp>
-        <p:nvSpPr>
-          <p:cNvPr id="3" name="Content Placeholder 2">
-            <a:extLst>
-              <a:ext uri="{FF2B5EF4-FFF2-40B4-BE49-F238E27FC236}">
-                <a16:creationId xmlns:a16="http://schemas.microsoft.com/office/drawing/2014/main" id="{C53C1AAE-D52E-4865-94E5-9A746F2B6603}"/>
-              </a:ext>
-            </a:extLst>
-          </p:cNvPr>
-          <p:cNvSpPr>
-            <a:spLocks noGrp="1"/>
-          </p:cNvSpPr>
-          <p:nvPr>
-            <p:ph idx="1"/>
-          </p:nvPr>
-        </p:nvSpPr>
-        <p:spPr/>
-        <p:txBody>
-          <a:bodyPr/>
-          <a:lstStyle/>
-          <a:p>
-            <a:pPr marL="0" indent="0">
-              <a:buNone/>
-            </a:pPr>
-            <a:r>
-              <a:rPr lang="en-US" dirty="0"/>
-              <a:t>Language: HTML and CSS</a:t>
-            </a:r>
-          </a:p>
-          <a:p>
-            <a:pPr marL="0" indent="0">
-              <a:buNone/>
-            </a:pPr>
-            <a:endParaRPr lang="en-US" dirty="0"/>
-          </a:p>
-          <a:p>
-            <a:pPr marL="0" indent="0">
-              <a:buNone/>
-            </a:pPr>
-            <a:r>
-              <a:rPr lang="en-US" dirty="0"/>
-              <a:t>Pros</a:t>
-            </a:r>
-          </a:p>
-          <a:p>
-            <a:r>
-              <a:rPr lang="en-US" dirty="0"/>
-              <a:t>Compatible with Photoshop</a:t>
-            </a:r>
-          </a:p>
-          <a:p>
-            <a:r>
-              <a:rPr lang="en-US" dirty="0"/>
-              <a:t>Gives user data to developers</a:t>
-            </a:r>
-          </a:p>
-          <a:p>
-            <a:pPr marL="0" indent="0">
-              <a:buNone/>
-            </a:pPr>
-            <a:endParaRPr lang="en-US" dirty="0"/>
-          </a:p>
-          <a:p>
-            <a:pPr marL="0" indent="0">
-              <a:buNone/>
-            </a:pPr>
-            <a:r>
-              <a:rPr lang="en-US" dirty="0"/>
-              <a:t>Cons</a:t>
-            </a:r>
-          </a:p>
-          <a:p>
-            <a:r>
-              <a:rPr lang="en-US" dirty="0"/>
-              <a:t>Seems more for graphic designers than programmers</a:t>
-            </a:r>
-          </a:p>
-          <a:p>
-            <a:r>
-              <a:rPr lang="en-US" dirty="0"/>
-              <a:t>$$$</a:t>
+              <a:rPr lang="en-US" sz="4800" dirty="0"/>
+              <a:t>As George the photographer, I want all the pictures taken at each location to be associated with the location they were taken at.</a:t>
+            </a:r>
+            <a:br>
+              <a:rPr lang="en-US" sz="4800" dirty="0"/>
+            </a:br>
+            <a:br>
+              <a:rPr lang="en-US" sz="4800" dirty="0"/>
+            </a:br>
+            <a:r>
+              <a:rPr lang="en-US" sz="4800" dirty="0"/>
+              <a:t>-</a:t>
+            </a:r>
+            <a:r>
+              <a:rPr lang="en-US" sz="4000" dirty="0"/>
+              <a:t>[Associated Photos]</a:t>
             </a:r>
           </a:p>
         </p:txBody>
@@ -9542,7 +9532,7 @@
     </p:spTree>
     <p:extLst>
       <p:ext uri="{BB962C8B-B14F-4D97-AF65-F5344CB8AC3E}">
-        <p14:creationId xmlns:p14="http://schemas.microsoft.com/office/powerpoint/2010/main" val="3182512238"/>
+        <p14:creationId xmlns:p14="http://schemas.microsoft.com/office/powerpoint/2010/main" val="2127297725"/>
       </p:ext>
     </p:extLst>
   </p:cSld>
@@ -9574,6 +9564,745 @@
           <p:cNvPr id="2" name="Title 1">
             <a:extLst>
               <a:ext uri="{FF2B5EF4-FFF2-40B4-BE49-F238E27FC236}">
+                <a16:creationId xmlns:a16="http://schemas.microsoft.com/office/drawing/2014/main" id="{ABFE9964-2DD0-4B8C-9324-5C9218DC5DF7}"/>
+              </a:ext>
+            </a:extLst>
+          </p:cNvPr>
+          <p:cNvSpPr>
+            <a:spLocks noGrp="1"/>
+          </p:cNvSpPr>
+          <p:nvPr>
+            <p:ph type="title"/>
+          </p:nvPr>
+        </p:nvSpPr>
+        <p:spPr/>
+        <p:txBody>
+          <a:bodyPr/>
+          <a:lstStyle/>
+          <a:p>
+            <a:r>
+              <a:rPr lang="en-US" sz="5400" dirty="0"/>
+              <a:t>As Francine the world traveler, I want to easily show my friends a quick slideshow style summary of all the places I’ve been.</a:t>
+            </a:r>
+            <a:br>
+              <a:rPr lang="en-US" sz="5400" dirty="0"/>
+            </a:br>
+            <a:br>
+              <a:rPr lang="en-US" sz="5400" dirty="0"/>
+            </a:br>
+            <a:r>
+              <a:rPr lang="en-US" sz="4000" dirty="0"/>
+              <a:t>-[Slideshow Summary]</a:t>
+            </a:r>
+          </a:p>
+        </p:txBody>
+      </p:sp>
+    </p:spTree>
+    <p:extLst>
+      <p:ext uri="{BB962C8B-B14F-4D97-AF65-F5344CB8AC3E}">
+        <p14:creationId xmlns:p14="http://schemas.microsoft.com/office/powerpoint/2010/main" val="83345420"/>
+      </p:ext>
+    </p:extLst>
+  </p:cSld>
+  <p:clrMapOvr>
+    <a:masterClrMapping/>
+  </p:clrMapOvr>
+</p:sld>
+</file>
+
+<file path=ppt/slides/slide32.xml><?xml version="1.0" encoding="utf-8"?>
+<p:sld xmlns:a="http://schemas.openxmlformats.org/drawingml/2006/main" xmlns:r="http://schemas.openxmlformats.org/officeDocument/2006/relationships" xmlns:p="http://schemas.openxmlformats.org/presentationml/2006/main">
+  <p:cSld>
+    <p:spTree>
+      <p:nvGrpSpPr>
+        <p:cNvPr id="1" name=""/>
+        <p:cNvGrpSpPr/>
+        <p:nvPr/>
+      </p:nvGrpSpPr>
+      <p:grpSpPr>
+        <a:xfrm>
+          <a:off x="0" y="0"/>
+          <a:ext cx="0" cy="0"/>
+          <a:chOff x="0" y="0"/>
+          <a:chExt cx="0" cy="0"/>
+        </a:xfrm>
+      </p:grpSpPr>
+      <p:sp>
+        <p:nvSpPr>
+          <p:cNvPr id="2" name="Title 1">
+            <a:extLst>
+              <a:ext uri="{FF2B5EF4-FFF2-40B4-BE49-F238E27FC236}">
+                <a16:creationId xmlns:a16="http://schemas.microsoft.com/office/drawing/2014/main" id="{ABFE9964-2DD0-4B8C-9324-5C9218DC5DF7}"/>
+              </a:ext>
+            </a:extLst>
+          </p:cNvPr>
+          <p:cNvSpPr>
+            <a:spLocks noGrp="1"/>
+          </p:cNvSpPr>
+          <p:nvPr>
+            <p:ph type="title"/>
+          </p:nvPr>
+        </p:nvSpPr>
+        <p:spPr>
+          <a:xfrm>
+            <a:off x="716449" y="452718"/>
+            <a:ext cx="9404723" cy="1400530"/>
+          </a:xfrm>
+        </p:spPr>
+        <p:txBody>
+          <a:bodyPr/>
+          <a:lstStyle/>
+          <a:p>
+            <a:r>
+              <a:rPr lang="en-US" sz="4800" dirty="0"/>
+              <a:t>As Hannah the avid hiker, I want to rate locations so that newcomers to the area know where to go. </a:t>
+            </a:r>
+            <a:br>
+              <a:rPr lang="en-US" sz="4800" dirty="0"/>
+            </a:br>
+            <a:br>
+              <a:rPr lang="en-US" sz="4800" dirty="0"/>
+            </a:br>
+            <a:br>
+              <a:rPr lang="en-US" sz="4800" dirty="0"/>
+            </a:br>
+            <a:br>
+              <a:rPr lang="en-US" sz="4800" dirty="0"/>
+            </a:br>
+            <a:r>
+              <a:rPr lang="en-US" sz="4000" dirty="0"/>
+              <a:t>-[Rating System]</a:t>
+            </a:r>
+          </a:p>
+        </p:txBody>
+      </p:sp>
+    </p:spTree>
+    <p:extLst>
+      <p:ext uri="{BB962C8B-B14F-4D97-AF65-F5344CB8AC3E}">
+        <p14:creationId xmlns:p14="http://schemas.microsoft.com/office/powerpoint/2010/main" val="371364707"/>
+      </p:ext>
+    </p:extLst>
+  </p:cSld>
+  <p:clrMapOvr>
+    <a:masterClrMapping/>
+  </p:clrMapOvr>
+</p:sld>
+</file>
+
+<file path=ppt/slides/slide33.xml><?xml version="1.0" encoding="utf-8"?>
+<p:sld xmlns:a="http://schemas.openxmlformats.org/drawingml/2006/main" xmlns:r="http://schemas.openxmlformats.org/officeDocument/2006/relationships" xmlns:p="http://schemas.openxmlformats.org/presentationml/2006/main">
+  <p:cSld>
+    <p:spTree>
+      <p:nvGrpSpPr>
+        <p:cNvPr id="1" name=""/>
+        <p:cNvGrpSpPr/>
+        <p:nvPr/>
+      </p:nvGrpSpPr>
+      <p:grpSpPr>
+        <a:xfrm>
+          <a:off x="0" y="0"/>
+          <a:ext cx="0" cy="0"/>
+          <a:chOff x="0" y="0"/>
+          <a:chExt cx="0" cy="0"/>
+        </a:xfrm>
+      </p:grpSpPr>
+      <p:sp>
+        <p:nvSpPr>
+          <p:cNvPr id="2" name="Title 1">
+            <a:extLst>
+              <a:ext uri="{FF2B5EF4-FFF2-40B4-BE49-F238E27FC236}">
+                <a16:creationId xmlns:a16="http://schemas.microsoft.com/office/drawing/2014/main" id="{ABFE9964-2DD0-4B8C-9324-5C9218DC5DF7}"/>
+              </a:ext>
+            </a:extLst>
+          </p:cNvPr>
+          <p:cNvSpPr>
+            <a:spLocks noGrp="1"/>
+          </p:cNvSpPr>
+          <p:nvPr>
+            <p:ph type="title"/>
+          </p:nvPr>
+        </p:nvSpPr>
+        <p:spPr/>
+        <p:txBody>
+          <a:bodyPr/>
+          <a:lstStyle/>
+          <a:p>
+            <a:r>
+              <a:rPr lang="en-US" sz="4800" dirty="0"/>
+              <a:t>As Dan the introverted hiker, I want to know the traffic of a landmark so that I can avoid busy places.</a:t>
+            </a:r>
+            <a:br>
+              <a:rPr lang="en-US" sz="4800" dirty="0"/>
+            </a:br>
+            <a:br>
+              <a:rPr lang="en-US" sz="4800" dirty="0"/>
+            </a:br>
+            <a:br>
+              <a:rPr lang="en-US" sz="4800" dirty="0"/>
+            </a:br>
+            <a:br>
+              <a:rPr lang="en-US" sz="4800" dirty="0"/>
+            </a:br>
+            <a:r>
+              <a:rPr lang="en-US" sz="4000" dirty="0"/>
+              <a:t>-[Popularity System]</a:t>
+            </a:r>
+          </a:p>
+        </p:txBody>
+      </p:sp>
+    </p:spTree>
+    <p:extLst>
+      <p:ext uri="{BB962C8B-B14F-4D97-AF65-F5344CB8AC3E}">
+        <p14:creationId xmlns:p14="http://schemas.microsoft.com/office/powerpoint/2010/main" val="2379561662"/>
+      </p:ext>
+    </p:extLst>
+  </p:cSld>
+  <p:clrMapOvr>
+    <a:masterClrMapping/>
+  </p:clrMapOvr>
+</p:sld>
+</file>
+
+<file path=ppt/slides/slide34.xml><?xml version="1.0" encoding="utf-8"?>
+<p:sld xmlns:a="http://schemas.openxmlformats.org/drawingml/2006/main" xmlns:r="http://schemas.openxmlformats.org/officeDocument/2006/relationships" xmlns:p="http://schemas.openxmlformats.org/presentationml/2006/main">
+  <p:cSld>
+    <p:spTree>
+      <p:nvGrpSpPr>
+        <p:cNvPr id="1" name=""/>
+        <p:cNvGrpSpPr/>
+        <p:nvPr/>
+      </p:nvGrpSpPr>
+      <p:grpSpPr>
+        <a:xfrm>
+          <a:off x="0" y="0"/>
+          <a:ext cx="0" cy="0"/>
+          <a:chOff x="0" y="0"/>
+          <a:chExt cx="0" cy="0"/>
+        </a:xfrm>
+      </p:grpSpPr>
+      <p:sp>
+        <p:nvSpPr>
+          <p:cNvPr id="2" name="Title 1">
+            <a:extLst>
+              <a:ext uri="{FF2B5EF4-FFF2-40B4-BE49-F238E27FC236}">
+                <a16:creationId xmlns:a16="http://schemas.microsoft.com/office/drawing/2014/main" id="{BA35D0AB-9A37-479C-9406-C70EC5D04068}"/>
+              </a:ext>
+            </a:extLst>
+          </p:cNvPr>
+          <p:cNvSpPr>
+            <a:spLocks noGrp="1"/>
+          </p:cNvSpPr>
+          <p:nvPr>
+            <p:ph type="title"/>
+          </p:nvPr>
+        </p:nvSpPr>
+        <p:spPr/>
+        <p:txBody>
+          <a:bodyPr/>
+          <a:lstStyle/>
+          <a:p>
+            <a:r>
+              <a:rPr lang="en-US" dirty="0"/>
+              <a:t>Oracle Database</a:t>
+            </a:r>
+          </a:p>
+        </p:txBody>
+      </p:sp>
+      <p:sp>
+        <p:nvSpPr>
+          <p:cNvPr id="3" name="Content Placeholder 2">
+            <a:extLst>
+              <a:ext uri="{FF2B5EF4-FFF2-40B4-BE49-F238E27FC236}">
+                <a16:creationId xmlns:a16="http://schemas.microsoft.com/office/drawing/2014/main" id="{C53C1AAE-D52E-4865-94E5-9A746F2B6603}"/>
+              </a:ext>
+            </a:extLst>
+          </p:cNvPr>
+          <p:cNvSpPr>
+            <a:spLocks noGrp="1"/>
+          </p:cNvSpPr>
+          <p:nvPr>
+            <p:ph idx="1"/>
+          </p:nvPr>
+        </p:nvSpPr>
+        <p:spPr/>
+        <p:txBody>
+          <a:bodyPr/>
+          <a:lstStyle/>
+          <a:p>
+            <a:pPr marL="0" indent="0">
+              <a:buNone/>
+            </a:pPr>
+            <a:r>
+              <a:rPr lang="en-US" dirty="0"/>
+              <a:t>Pros</a:t>
+            </a:r>
+          </a:p>
+          <a:p>
+            <a:r>
+              <a:rPr lang="en-US" dirty="0"/>
+              <a:t>Modern/Latest Features</a:t>
+            </a:r>
+          </a:p>
+          <a:p>
+            <a:r>
+              <a:rPr lang="en-US" dirty="0"/>
+              <a:t>Versatile</a:t>
+            </a:r>
+          </a:p>
+          <a:p>
+            <a:endParaRPr lang="en-US" dirty="0"/>
+          </a:p>
+          <a:p>
+            <a:pPr marL="0" indent="0">
+              <a:buNone/>
+            </a:pPr>
+            <a:r>
+              <a:rPr lang="en-US" dirty="0"/>
+              <a:t>Cons</a:t>
+            </a:r>
+          </a:p>
+          <a:p>
+            <a:r>
+              <a:rPr lang="en-US" dirty="0"/>
+              <a:t>Requires significant resources</a:t>
+            </a:r>
+          </a:p>
+          <a:p>
+            <a:r>
+              <a:rPr lang="en-US" dirty="0"/>
+              <a:t>$$$$$</a:t>
+            </a:r>
+          </a:p>
+          <a:p>
+            <a:endParaRPr lang="en-US" dirty="0"/>
+          </a:p>
+        </p:txBody>
+      </p:sp>
+    </p:spTree>
+    <p:extLst>
+      <p:ext uri="{BB962C8B-B14F-4D97-AF65-F5344CB8AC3E}">
+        <p14:creationId xmlns:p14="http://schemas.microsoft.com/office/powerpoint/2010/main" val="2936361029"/>
+      </p:ext>
+    </p:extLst>
+  </p:cSld>
+  <p:clrMapOvr>
+    <a:masterClrMapping/>
+  </p:clrMapOvr>
+</p:sld>
+</file>
+
+<file path=ppt/slides/slide35.xml><?xml version="1.0" encoding="utf-8"?>
+<p:sld xmlns:a="http://schemas.openxmlformats.org/drawingml/2006/main" xmlns:r="http://schemas.openxmlformats.org/officeDocument/2006/relationships" xmlns:p="http://schemas.openxmlformats.org/presentationml/2006/main">
+  <p:cSld>
+    <p:spTree>
+      <p:nvGrpSpPr>
+        <p:cNvPr id="1" name=""/>
+        <p:cNvGrpSpPr/>
+        <p:nvPr/>
+      </p:nvGrpSpPr>
+      <p:grpSpPr>
+        <a:xfrm>
+          <a:off x="0" y="0"/>
+          <a:ext cx="0" cy="0"/>
+          <a:chOff x="0" y="0"/>
+          <a:chExt cx="0" cy="0"/>
+        </a:xfrm>
+      </p:grpSpPr>
+      <p:sp>
+        <p:nvSpPr>
+          <p:cNvPr id="2" name="Title 1">
+            <a:extLst>
+              <a:ext uri="{FF2B5EF4-FFF2-40B4-BE49-F238E27FC236}">
+                <a16:creationId xmlns:a16="http://schemas.microsoft.com/office/drawing/2014/main" id="{BA35D0AB-9A37-479C-9406-C70EC5D04068}"/>
+              </a:ext>
+            </a:extLst>
+          </p:cNvPr>
+          <p:cNvSpPr>
+            <a:spLocks noGrp="1"/>
+          </p:cNvSpPr>
+          <p:nvPr>
+            <p:ph type="title"/>
+          </p:nvPr>
+        </p:nvSpPr>
+        <p:spPr/>
+        <p:txBody>
+          <a:bodyPr/>
+          <a:lstStyle/>
+          <a:p>
+            <a:r>
+              <a:rPr lang="en-US" dirty="0"/>
+              <a:t>MS SQL Server</a:t>
+            </a:r>
+          </a:p>
+        </p:txBody>
+      </p:sp>
+      <p:sp>
+        <p:nvSpPr>
+          <p:cNvPr id="3" name="Content Placeholder 2">
+            <a:extLst>
+              <a:ext uri="{FF2B5EF4-FFF2-40B4-BE49-F238E27FC236}">
+                <a16:creationId xmlns:a16="http://schemas.microsoft.com/office/drawing/2014/main" id="{C53C1AAE-D52E-4865-94E5-9A746F2B6603}"/>
+              </a:ext>
+            </a:extLst>
+          </p:cNvPr>
+          <p:cNvSpPr>
+            <a:spLocks noGrp="1"/>
+          </p:cNvSpPr>
+          <p:nvPr>
+            <p:ph idx="1"/>
+          </p:nvPr>
+        </p:nvSpPr>
+        <p:spPr/>
+        <p:txBody>
+          <a:bodyPr/>
+          <a:lstStyle/>
+          <a:p>
+            <a:pPr marL="0" indent="0">
+              <a:buNone/>
+            </a:pPr>
+            <a:r>
+              <a:rPr lang="en-US" dirty="0"/>
+              <a:t>Pros</a:t>
+            </a:r>
+          </a:p>
+          <a:p>
+            <a:r>
+              <a:rPr lang="en-US" dirty="0"/>
+              <a:t>Free Edition</a:t>
+            </a:r>
+          </a:p>
+          <a:p>
+            <a:r>
+              <a:rPr lang="en-US" dirty="0"/>
+              <a:t>Widely supported</a:t>
+            </a:r>
+          </a:p>
+          <a:p>
+            <a:r>
+              <a:rPr lang="en-US" dirty="0"/>
+              <a:t>Secure </a:t>
+            </a:r>
+          </a:p>
+          <a:p>
+            <a:endParaRPr lang="en-US" dirty="0"/>
+          </a:p>
+          <a:p>
+            <a:pPr marL="0" indent="0">
+              <a:buNone/>
+            </a:pPr>
+            <a:r>
+              <a:rPr lang="en-US" dirty="0"/>
+              <a:t>Cons</a:t>
+            </a:r>
+          </a:p>
+          <a:p>
+            <a:r>
+              <a:rPr lang="en-US" dirty="0"/>
+              <a:t>Windows-Only</a:t>
+            </a:r>
+          </a:p>
+          <a:p>
+            <a:r>
+              <a:rPr lang="en-US" dirty="0"/>
+              <a:t>Requires Windows machine for deployment</a:t>
+            </a:r>
+          </a:p>
+          <a:p>
+            <a:endParaRPr lang="en-US" dirty="0"/>
+          </a:p>
+        </p:txBody>
+      </p:sp>
+    </p:spTree>
+    <p:extLst>
+      <p:ext uri="{BB962C8B-B14F-4D97-AF65-F5344CB8AC3E}">
+        <p14:creationId xmlns:p14="http://schemas.microsoft.com/office/powerpoint/2010/main" val="28746744"/>
+      </p:ext>
+    </p:extLst>
+  </p:cSld>
+  <p:clrMapOvr>
+    <a:masterClrMapping/>
+  </p:clrMapOvr>
+</p:sld>
+</file>
+
+<file path=ppt/slides/slide36.xml><?xml version="1.0" encoding="utf-8"?>
+<p:sld xmlns:a="http://schemas.openxmlformats.org/drawingml/2006/main" xmlns:r="http://schemas.openxmlformats.org/officeDocument/2006/relationships" xmlns:p="http://schemas.openxmlformats.org/presentationml/2006/main">
+  <p:cSld>
+    <p:spTree>
+      <p:nvGrpSpPr>
+        <p:cNvPr id="1" name=""/>
+        <p:cNvGrpSpPr/>
+        <p:nvPr/>
+      </p:nvGrpSpPr>
+      <p:grpSpPr>
+        <a:xfrm>
+          <a:off x="0" y="0"/>
+          <a:ext cx="0" cy="0"/>
+          <a:chOff x="0" y="0"/>
+          <a:chExt cx="0" cy="0"/>
+        </a:xfrm>
+      </p:grpSpPr>
+      <p:sp>
+        <p:nvSpPr>
+          <p:cNvPr id="2" name="Title 1">
+            <a:extLst>
+              <a:ext uri="{FF2B5EF4-FFF2-40B4-BE49-F238E27FC236}">
+                <a16:creationId xmlns:a16="http://schemas.microsoft.com/office/drawing/2014/main" id="{BA35D0AB-9A37-479C-9406-C70EC5D04068}"/>
+              </a:ext>
+            </a:extLst>
+          </p:cNvPr>
+          <p:cNvSpPr>
+            <a:spLocks noGrp="1"/>
+          </p:cNvSpPr>
+          <p:nvPr>
+            <p:ph type="title"/>
+          </p:nvPr>
+        </p:nvSpPr>
+        <p:spPr/>
+        <p:txBody>
+          <a:bodyPr/>
+          <a:lstStyle/>
+          <a:p>
+            <a:r>
+              <a:rPr lang="en-US" dirty="0"/>
+              <a:t>MySQL</a:t>
+            </a:r>
+          </a:p>
+        </p:txBody>
+      </p:sp>
+      <p:sp>
+        <p:nvSpPr>
+          <p:cNvPr id="3" name="Content Placeholder 2">
+            <a:extLst>
+              <a:ext uri="{FF2B5EF4-FFF2-40B4-BE49-F238E27FC236}">
+                <a16:creationId xmlns:a16="http://schemas.microsoft.com/office/drawing/2014/main" id="{C53C1AAE-D52E-4865-94E5-9A746F2B6603}"/>
+              </a:ext>
+            </a:extLst>
+          </p:cNvPr>
+          <p:cNvSpPr>
+            <a:spLocks noGrp="1"/>
+          </p:cNvSpPr>
+          <p:nvPr>
+            <p:ph idx="1"/>
+          </p:nvPr>
+        </p:nvSpPr>
+        <p:spPr/>
+        <p:txBody>
+          <a:bodyPr/>
+          <a:lstStyle/>
+          <a:p>
+            <a:pPr marL="0" indent="0">
+              <a:buNone/>
+            </a:pPr>
+            <a:r>
+              <a:rPr lang="en-US" dirty="0"/>
+              <a:t>Pros</a:t>
+            </a:r>
+          </a:p>
+          <a:p>
+            <a:r>
+              <a:rPr lang="en-US" dirty="0"/>
+              <a:t>Free </a:t>
+            </a:r>
+          </a:p>
+          <a:p>
+            <a:r>
+              <a:rPr lang="en-US" dirty="0"/>
+              <a:t>Functional</a:t>
+            </a:r>
+          </a:p>
+          <a:p>
+            <a:endParaRPr lang="en-US" dirty="0"/>
+          </a:p>
+          <a:p>
+            <a:pPr marL="0" indent="0">
+              <a:buNone/>
+            </a:pPr>
+            <a:r>
+              <a:rPr lang="en-US" dirty="0"/>
+              <a:t>Cons</a:t>
+            </a:r>
+          </a:p>
+          <a:p>
+            <a:r>
+              <a:rPr lang="en-US" dirty="0"/>
+              <a:t>Takes longer to implement</a:t>
+            </a:r>
+          </a:p>
+          <a:p>
+            <a:endParaRPr lang="en-US" dirty="0"/>
+          </a:p>
+        </p:txBody>
+      </p:sp>
+    </p:spTree>
+    <p:extLst>
+      <p:ext uri="{BB962C8B-B14F-4D97-AF65-F5344CB8AC3E}">
+        <p14:creationId xmlns:p14="http://schemas.microsoft.com/office/powerpoint/2010/main" val="487070971"/>
+      </p:ext>
+    </p:extLst>
+  </p:cSld>
+  <p:clrMapOvr>
+    <a:masterClrMapping/>
+  </p:clrMapOvr>
+</p:sld>
+</file>
+
+<file path=ppt/slides/slide37.xml><?xml version="1.0" encoding="utf-8"?>
+<p:sld xmlns:a="http://schemas.openxmlformats.org/drawingml/2006/main" xmlns:r="http://schemas.openxmlformats.org/officeDocument/2006/relationships" xmlns:p="http://schemas.openxmlformats.org/presentationml/2006/main">
+  <p:cSld>
+    <p:spTree>
+      <p:nvGrpSpPr>
+        <p:cNvPr id="1" name=""/>
+        <p:cNvGrpSpPr/>
+        <p:nvPr/>
+      </p:nvGrpSpPr>
+      <p:grpSpPr>
+        <a:xfrm>
+          <a:off x="0" y="0"/>
+          <a:ext cx="0" cy="0"/>
+          <a:chOff x="0" y="0"/>
+          <a:chExt cx="0" cy="0"/>
+        </a:xfrm>
+      </p:grpSpPr>
+      <p:sp>
+        <p:nvSpPr>
+          <p:cNvPr id="2" name="Title 1">
+            <a:extLst>
+              <a:ext uri="{FF2B5EF4-FFF2-40B4-BE49-F238E27FC236}">
+                <a16:creationId xmlns:a16="http://schemas.microsoft.com/office/drawing/2014/main" id="{BA35D0AB-9A37-479C-9406-C70EC5D04068}"/>
+              </a:ext>
+            </a:extLst>
+          </p:cNvPr>
+          <p:cNvSpPr>
+            <a:spLocks noGrp="1"/>
+          </p:cNvSpPr>
+          <p:nvPr>
+            <p:ph type="title"/>
+          </p:nvPr>
+        </p:nvSpPr>
+        <p:spPr/>
+        <p:txBody>
+          <a:bodyPr/>
+          <a:lstStyle/>
+          <a:p>
+            <a:r>
+              <a:rPr lang="en-US" dirty="0"/>
+              <a:t>PostgreSQL</a:t>
+            </a:r>
+          </a:p>
+        </p:txBody>
+      </p:sp>
+      <p:sp>
+        <p:nvSpPr>
+          <p:cNvPr id="3" name="Content Placeholder 2">
+            <a:extLst>
+              <a:ext uri="{FF2B5EF4-FFF2-40B4-BE49-F238E27FC236}">
+                <a16:creationId xmlns:a16="http://schemas.microsoft.com/office/drawing/2014/main" id="{C53C1AAE-D52E-4865-94E5-9A746F2B6603}"/>
+              </a:ext>
+            </a:extLst>
+          </p:cNvPr>
+          <p:cNvSpPr>
+            <a:spLocks noGrp="1"/>
+          </p:cNvSpPr>
+          <p:nvPr>
+            <p:ph idx="1"/>
+          </p:nvPr>
+        </p:nvSpPr>
+        <p:spPr/>
+        <p:txBody>
+          <a:bodyPr/>
+          <a:lstStyle/>
+          <a:p>
+            <a:pPr marL="0" indent="0">
+              <a:buNone/>
+            </a:pPr>
+            <a:r>
+              <a:rPr lang="en-US" dirty="0"/>
+              <a:t>Pros</a:t>
+            </a:r>
+          </a:p>
+          <a:p>
+            <a:r>
+              <a:rPr lang="en-US" dirty="0"/>
+              <a:t>Supports JSON</a:t>
+            </a:r>
+          </a:p>
+          <a:p>
+            <a:r>
+              <a:rPr lang="en-US" dirty="0"/>
+              <a:t>Database management can handle TBs of data</a:t>
+            </a:r>
+          </a:p>
+          <a:p>
+            <a:endParaRPr lang="en-US" dirty="0"/>
+          </a:p>
+          <a:p>
+            <a:pPr marL="0" indent="0">
+              <a:buNone/>
+            </a:pPr>
+            <a:r>
+              <a:rPr lang="en-US" dirty="0"/>
+              <a:t>Cons</a:t>
+            </a:r>
+          </a:p>
+          <a:p>
+            <a:r>
+              <a:rPr lang="en-US" dirty="0"/>
+              <a:t>Lack of documentation</a:t>
+            </a:r>
+          </a:p>
+          <a:p>
+            <a:r>
+              <a:rPr lang="en-US" dirty="0"/>
+              <a:t>Confusing configuration</a:t>
+            </a:r>
+          </a:p>
+          <a:p>
+            <a:r>
+              <a:rPr lang="en-US" dirty="0"/>
+              <a:t>Slower speed during bulk operations</a:t>
+            </a:r>
+          </a:p>
+          <a:p>
+            <a:endParaRPr lang="en-US" dirty="0"/>
+          </a:p>
+        </p:txBody>
+      </p:sp>
+    </p:spTree>
+    <p:extLst>
+      <p:ext uri="{BB962C8B-B14F-4D97-AF65-F5344CB8AC3E}">
+        <p14:creationId xmlns:p14="http://schemas.microsoft.com/office/powerpoint/2010/main" val="4263355903"/>
+      </p:ext>
+    </p:extLst>
+  </p:cSld>
+  <p:clrMapOvr>
+    <a:masterClrMapping/>
+  </p:clrMapOvr>
+</p:sld>
+</file>
+
+<file path=ppt/slides/slide38.xml><?xml version="1.0" encoding="utf-8"?>
+<p:sld xmlns:a="http://schemas.openxmlformats.org/drawingml/2006/main" xmlns:r="http://schemas.openxmlformats.org/officeDocument/2006/relationships" xmlns:p="http://schemas.openxmlformats.org/presentationml/2006/main">
+  <p:cSld>
+    <p:spTree>
+      <p:nvGrpSpPr>
+        <p:cNvPr id="1" name=""/>
+        <p:cNvGrpSpPr/>
+        <p:nvPr/>
+      </p:nvGrpSpPr>
+      <p:grpSpPr>
+        <a:xfrm>
+          <a:off x="0" y="0"/>
+          <a:ext cx="0" cy="0"/>
+          <a:chOff x="0" y="0"/>
+          <a:chExt cx="0" cy="0"/>
+        </a:xfrm>
+      </p:grpSpPr>
+      <p:sp>
+        <p:nvSpPr>
+          <p:cNvPr id="2" name="Title 1">
+            <a:extLst>
+              <a:ext uri="{FF2B5EF4-FFF2-40B4-BE49-F238E27FC236}">
                 <a16:creationId xmlns:a16="http://schemas.microsoft.com/office/drawing/2014/main" id="{33182361-C770-430C-97A0-B9298FA3FE50}"/>
               </a:ext>
             </a:extLst>
@@ -9599,13 +10328,8 @@
             </a:br>
             <a:r>
               <a:rPr lang="en-US" dirty="0"/>
-              <a:t>WPF Form/</a:t>
-            </a:r>
-            <a:r>
-              <a:rPr lang="en-US" dirty="0" err="1"/>
-              <a:t>xaml</a:t>
-            </a:r>
-            <a:endParaRPr lang="en-US" dirty="0"/>
+              <a:t>MS SQL Server</a:t>
+            </a:r>
           </a:p>
         </p:txBody>
       </p:sp>
@@ -9632,19 +10356,25 @@
           <a:p>
             <a:r>
               <a:rPr lang="en-US" dirty="0"/>
-              <a:t>Easily expandable over time</a:t>
-            </a:r>
-          </a:p>
-          <a:p>
-            <a:r>
-              <a:rPr lang="en-US" dirty="0"/>
-              <a:t>No cost for us</a:t>
-            </a:r>
-          </a:p>
-          <a:p>
-            <a:r>
-              <a:rPr lang="en-US" dirty="0"/>
-              <a:t>Can easily integrate calls to other languages such as JavaScript for API calls</a:t>
+              <a:t>No cost!</a:t>
+            </a:r>
+          </a:p>
+          <a:p>
+            <a:endParaRPr lang="en-US" dirty="0"/>
+          </a:p>
+          <a:p>
+            <a:r>
+              <a:rPr lang="en-US" dirty="0"/>
+              <a:t>Secure for accounts</a:t>
+            </a:r>
+          </a:p>
+          <a:p>
+            <a:endParaRPr lang="en-US" dirty="0"/>
+          </a:p>
+          <a:p>
+            <a:r>
+              <a:rPr lang="en-US" dirty="0"/>
+              <a:t>Enhanced performance</a:t>
             </a:r>
           </a:p>
         </p:txBody>
@@ -9652,7 +10382,71 @@
     </p:spTree>
     <p:extLst>
       <p:ext uri="{BB962C8B-B14F-4D97-AF65-F5344CB8AC3E}">
-        <p14:creationId xmlns:p14="http://schemas.microsoft.com/office/powerpoint/2010/main" val="3395378749"/>
+        <p14:creationId xmlns:p14="http://schemas.microsoft.com/office/powerpoint/2010/main" val="135618748"/>
+      </p:ext>
+    </p:extLst>
+  </p:cSld>
+  <p:clrMapOvr>
+    <a:masterClrMapping/>
+  </p:clrMapOvr>
+</p:sld>
+</file>
+
+<file path=ppt/slides/slide39.xml><?xml version="1.0" encoding="utf-8"?>
+<p:sld xmlns:a="http://schemas.openxmlformats.org/drawingml/2006/main" xmlns:r="http://schemas.openxmlformats.org/officeDocument/2006/relationships" xmlns:p="http://schemas.openxmlformats.org/presentationml/2006/main">
+  <p:cSld>
+    <p:spTree>
+      <p:nvGrpSpPr>
+        <p:cNvPr id="1" name=""/>
+        <p:cNvGrpSpPr/>
+        <p:nvPr/>
+      </p:nvGrpSpPr>
+      <p:grpSpPr>
+        <a:xfrm>
+          <a:off x="0" y="0"/>
+          <a:ext cx="0" cy="0"/>
+          <a:chOff x="0" y="0"/>
+          <a:chExt cx="0" cy="0"/>
+        </a:xfrm>
+      </p:grpSpPr>
+      <p:sp>
+        <p:nvSpPr>
+          <p:cNvPr id="2" name="Title 1">
+            <a:extLst>
+              <a:ext uri="{FF2B5EF4-FFF2-40B4-BE49-F238E27FC236}">
+                <a16:creationId xmlns:a16="http://schemas.microsoft.com/office/drawing/2014/main" id="{5168C9A3-0FEC-407D-8D80-9D769729C42A}"/>
+              </a:ext>
+            </a:extLst>
+          </p:cNvPr>
+          <p:cNvSpPr>
+            <a:spLocks noGrp="1"/>
+          </p:cNvSpPr>
+          <p:nvPr>
+            <p:ph type="title"/>
+          </p:nvPr>
+        </p:nvSpPr>
+        <p:spPr>
+          <a:xfrm>
+            <a:off x="2510769" y="2585299"/>
+            <a:ext cx="7090431" cy="3551042"/>
+          </a:xfrm>
+        </p:spPr>
+        <p:txBody>
+          <a:bodyPr/>
+          <a:lstStyle/>
+          <a:p>
+            <a:pPr algn="ctr"/>
+            <a:r>
+              <a:rPr lang="en-US" sz="9600" dirty="0"/>
+              <a:t>Questions?</a:t>
+            </a:r>
+          </a:p>
+        </p:txBody>
+      </p:sp>
+    </p:spTree>
+    <p:extLst>
+      <p:ext uri="{BB962C8B-B14F-4D97-AF65-F5344CB8AC3E}">
+        <p14:creationId xmlns:p14="http://schemas.microsoft.com/office/powerpoint/2010/main" val="3014221580"/>
       </p:ext>
     </p:extLst>
   </p:cSld>
@@ -9788,6 +10582,70 @@
     <p:extLst>
       <p:ext uri="{BB962C8B-B14F-4D97-AF65-F5344CB8AC3E}">
         <p14:creationId xmlns:p14="http://schemas.microsoft.com/office/powerpoint/2010/main" val="3016141690"/>
+      </p:ext>
+    </p:extLst>
+  </p:cSld>
+  <p:clrMapOvr>
+    <a:masterClrMapping/>
+  </p:clrMapOvr>
+</p:sld>
+</file>
+
+<file path=ppt/slides/slide40.xml><?xml version="1.0" encoding="utf-8"?>
+<p:sld xmlns:a="http://schemas.openxmlformats.org/drawingml/2006/main" xmlns:r="http://schemas.openxmlformats.org/officeDocument/2006/relationships" xmlns:p="http://schemas.openxmlformats.org/presentationml/2006/main">
+  <p:cSld>
+    <p:spTree>
+      <p:nvGrpSpPr>
+        <p:cNvPr id="1" name=""/>
+        <p:cNvGrpSpPr/>
+        <p:nvPr/>
+      </p:nvGrpSpPr>
+      <p:grpSpPr>
+        <a:xfrm>
+          <a:off x="0" y="0"/>
+          <a:ext cx="0" cy="0"/>
+          <a:chOff x="0" y="0"/>
+          <a:chExt cx="0" cy="0"/>
+        </a:xfrm>
+      </p:grpSpPr>
+      <p:sp>
+        <p:nvSpPr>
+          <p:cNvPr id="2" name="Title 1">
+            <a:extLst>
+              <a:ext uri="{FF2B5EF4-FFF2-40B4-BE49-F238E27FC236}">
+                <a16:creationId xmlns:a16="http://schemas.microsoft.com/office/drawing/2014/main" id="{5168C9A3-0FEC-407D-8D80-9D769729C42A}"/>
+              </a:ext>
+            </a:extLst>
+          </p:cNvPr>
+          <p:cNvSpPr>
+            <a:spLocks noGrp="1"/>
+          </p:cNvSpPr>
+          <p:nvPr>
+            <p:ph type="title"/>
+          </p:nvPr>
+        </p:nvSpPr>
+        <p:spPr>
+          <a:xfrm>
+            <a:off x="2510769" y="2585299"/>
+            <a:ext cx="7090431" cy="3551042"/>
+          </a:xfrm>
+        </p:spPr>
+        <p:txBody>
+          <a:bodyPr/>
+          <a:lstStyle/>
+          <a:p>
+            <a:pPr algn="ctr"/>
+            <a:r>
+              <a:rPr lang="en-US" sz="9600" dirty="0"/>
+              <a:t>Thank you!</a:t>
+            </a:r>
+          </a:p>
+        </p:txBody>
+      </p:sp>
+    </p:spTree>
+    <p:extLst>
+      <p:ext uri="{BB962C8B-B14F-4D97-AF65-F5344CB8AC3E}">
+        <p14:creationId xmlns:p14="http://schemas.microsoft.com/office/powerpoint/2010/main" val="713216841"/>
       </p:ext>
     </p:extLst>
   </p:cSld>
@@ -10209,7 +11067,7 @@
           <p:cNvPr id="2" name="Title 1">
             <a:extLst>
               <a:ext uri="{FF2B5EF4-FFF2-40B4-BE49-F238E27FC236}">
-                <a16:creationId xmlns:a16="http://schemas.microsoft.com/office/drawing/2014/main" id="{ABFE9964-2DD0-4B8C-9324-5C9218DC5DF7}"/>
+                <a16:creationId xmlns:a16="http://schemas.microsoft.com/office/drawing/2014/main" id="{5168C9A3-0FEC-407D-8D80-9D769729C42A}"/>
               </a:ext>
             </a:extLst>
           </p:cNvPr>
@@ -10220,24 +11078,20 @@
             <p:ph type="title"/>
           </p:nvPr>
         </p:nvSpPr>
-        <p:spPr/>
-        <p:txBody>
-          <a:bodyPr/>
-          <a:lstStyle/>
-          <a:p>
-            <a:r>
-              <a:rPr lang="en-US" sz="5400" dirty="0"/>
-              <a:t>As Tommy the mountain hermit, I want to still be able to use the app even if I go months without internet access.</a:t>
-            </a:r>
-            <a:br>
-              <a:rPr lang="en-US" sz="5400" dirty="0"/>
-            </a:br>
-            <a:br>
-              <a:rPr lang="en-US" sz="5400" dirty="0"/>
-            </a:br>
-            <a:r>
-              <a:rPr lang="en-US" sz="4000" dirty="0"/>
-              <a:t>-[Local Storage]</a:t>
+        <p:spPr>
+          <a:xfrm>
+            <a:off x="2510769" y="2585299"/>
+            <a:ext cx="7090431" cy="3551042"/>
+          </a:xfrm>
+        </p:spPr>
+        <p:txBody>
+          <a:bodyPr/>
+          <a:lstStyle/>
+          <a:p>
+            <a:pPr algn="ctr"/>
+            <a:r>
+              <a:rPr lang="en-US" sz="9600" dirty="0"/>
+              <a:t>Questions?</a:t>
             </a:r>
           </a:p>
         </p:txBody>
@@ -10245,7 +11099,7 @@
     </p:spTree>
     <p:extLst>
       <p:ext uri="{BB962C8B-B14F-4D97-AF65-F5344CB8AC3E}">
-        <p14:creationId xmlns:p14="http://schemas.microsoft.com/office/powerpoint/2010/main" val="3951988803"/>
+        <p14:creationId xmlns:p14="http://schemas.microsoft.com/office/powerpoint/2010/main" val="819601458"/>
       </p:ext>
     </p:extLst>
   </p:cSld>
@@ -10294,27 +11148,18 @@
           <a:lstStyle/>
           <a:p>
             <a:r>
-              <a:rPr lang="en-US" sz="4800" dirty="0"/>
-              <a:t>As Gina the historian, I want some historical information about the landmark.</a:t>
+              <a:rPr lang="en-US" sz="5400" dirty="0"/>
+              <a:t>As Tommy the mountain hermit, I want to still be able to use the app even if I go months without internet access.</a:t>
             </a:r>
             <a:br>
-              <a:rPr lang="en-US" sz="4800" dirty="0"/>
+              <a:rPr lang="en-US" sz="5400" dirty="0"/>
             </a:br>
             <a:br>
-              <a:rPr lang="en-US" sz="4800" dirty="0"/>
+              <a:rPr lang="en-US" sz="5400" dirty="0"/>
             </a:br>
-            <a:br>
-              <a:rPr lang="en-US" sz="4800" dirty="0"/>
-            </a:br>
-            <a:br>
-              <a:rPr lang="en-US" sz="4800" dirty="0"/>
-            </a:br>
-            <a:br>
-              <a:rPr lang="en-US" sz="4800" dirty="0"/>
-            </a:br>
             <a:r>
               <a:rPr lang="en-US" sz="4000" dirty="0"/>
-              <a:t>-[Historical Information]</a:t>
+              <a:t>-[Local Storage]</a:t>
             </a:r>
           </a:p>
         </p:txBody>
@@ -10322,7 +11167,7 @@
     </p:spTree>
     <p:extLst>
       <p:ext uri="{BB962C8B-B14F-4D97-AF65-F5344CB8AC3E}">
-        <p14:creationId xmlns:p14="http://schemas.microsoft.com/office/powerpoint/2010/main" val="611718315"/>
+        <p14:creationId xmlns:p14="http://schemas.microsoft.com/office/powerpoint/2010/main" val="3951988803"/>
       </p:ext>
     </p:extLst>
   </p:cSld>

--- a/Technology Presentation.pptx
+++ b/Technology Presentation.pptx
@@ -15,36 +15,37 @@
     <p:sldId id="292" r:id="rId9"/>
     <p:sldId id="261" r:id="rId10"/>
     <p:sldId id="269" r:id="rId11"/>
-    <p:sldId id="265" r:id="rId12"/>
-    <p:sldId id="260" r:id="rId13"/>
-    <p:sldId id="274" r:id="rId14"/>
-    <p:sldId id="278" r:id="rId15"/>
-    <p:sldId id="277" r:id="rId16"/>
-    <p:sldId id="276" r:id="rId17"/>
-    <p:sldId id="275" r:id="rId18"/>
-    <p:sldId id="293" r:id="rId19"/>
-    <p:sldId id="271" r:id="rId20"/>
-    <p:sldId id="279" r:id="rId21"/>
-    <p:sldId id="280" r:id="rId22"/>
-    <p:sldId id="281" r:id="rId23"/>
-    <p:sldId id="282" r:id="rId24"/>
-    <p:sldId id="294" r:id="rId25"/>
-    <p:sldId id="272" r:id="rId26"/>
-    <p:sldId id="264" r:id="rId27"/>
-    <p:sldId id="273" r:id="rId28"/>
-    <p:sldId id="270" r:id="rId29"/>
-    <p:sldId id="263" r:id="rId30"/>
-    <p:sldId id="266" r:id="rId31"/>
-    <p:sldId id="262" r:id="rId32"/>
-    <p:sldId id="267" r:id="rId33"/>
-    <p:sldId id="268" r:id="rId34"/>
-    <p:sldId id="284" r:id="rId35"/>
-    <p:sldId id="288" r:id="rId36"/>
-    <p:sldId id="289" r:id="rId37"/>
-    <p:sldId id="290" r:id="rId38"/>
-    <p:sldId id="291" r:id="rId39"/>
-    <p:sldId id="295" r:id="rId40"/>
-    <p:sldId id="296" r:id="rId41"/>
+    <p:sldId id="297" r:id="rId12"/>
+    <p:sldId id="265" r:id="rId13"/>
+    <p:sldId id="260" r:id="rId14"/>
+    <p:sldId id="274" r:id="rId15"/>
+    <p:sldId id="278" r:id="rId16"/>
+    <p:sldId id="277" r:id="rId17"/>
+    <p:sldId id="276" r:id="rId18"/>
+    <p:sldId id="275" r:id="rId19"/>
+    <p:sldId id="293" r:id="rId20"/>
+    <p:sldId id="271" r:id="rId21"/>
+    <p:sldId id="279" r:id="rId22"/>
+    <p:sldId id="280" r:id="rId23"/>
+    <p:sldId id="281" r:id="rId24"/>
+    <p:sldId id="282" r:id="rId25"/>
+    <p:sldId id="294" r:id="rId26"/>
+    <p:sldId id="272" r:id="rId27"/>
+    <p:sldId id="264" r:id="rId28"/>
+    <p:sldId id="273" r:id="rId29"/>
+    <p:sldId id="270" r:id="rId30"/>
+    <p:sldId id="263" r:id="rId31"/>
+    <p:sldId id="266" r:id="rId32"/>
+    <p:sldId id="262" r:id="rId33"/>
+    <p:sldId id="267" r:id="rId34"/>
+    <p:sldId id="268" r:id="rId35"/>
+    <p:sldId id="284" r:id="rId36"/>
+    <p:sldId id="288" r:id="rId37"/>
+    <p:sldId id="289" r:id="rId38"/>
+    <p:sldId id="290" r:id="rId39"/>
+    <p:sldId id="291" r:id="rId40"/>
+    <p:sldId id="295" r:id="rId41"/>
+    <p:sldId id="296" r:id="rId42"/>
   </p:sldIdLst>
   <p:sldSz cx="12192000" cy="6858000"/>
   <p:notesSz cx="6858000" cy="9144000"/>
@@ -166,6 +167,7 @@
           <p14:sldIdLst>
             <p14:sldId id="261"/>
             <p14:sldId id="269"/>
+            <p14:sldId id="297"/>
             <p14:sldId id="265"/>
             <p14:sldId id="260"/>
             <p14:sldId id="274"/>
@@ -401,7 +403,7 @@
           <a:p>
             <a:fld id="{4FACE682-7757-4F60-9924-7C54F945BCEE}" type="datetimeFigureOut">
               <a:rPr lang="en-US" smtClean="0"/>
-              <a:t>6/11/2018</a:t>
+              <a:t>11/6/2018</a:t>
             </a:fld>
             <a:endParaRPr lang="en-US"/>
           </a:p>
@@ -676,7 +678,7 @@
           <a:p>
             <a:fld id="{4FACE682-7757-4F60-9924-7C54F945BCEE}" type="datetimeFigureOut">
               <a:rPr lang="en-US" smtClean="0"/>
-              <a:t>6/11/2018</a:t>
+              <a:t>11/6/2018</a:t>
             </a:fld>
             <a:endParaRPr lang="en-US"/>
           </a:p>
@@ -870,7 +872,7 @@
           <a:p>
             <a:fld id="{4FACE682-7757-4F60-9924-7C54F945BCEE}" type="datetimeFigureOut">
               <a:rPr lang="en-US" smtClean="0"/>
-              <a:t>6/11/2018</a:t>
+              <a:t>11/6/2018</a:t>
             </a:fld>
             <a:endParaRPr lang="en-US"/>
           </a:p>
@@ -1143,7 +1145,7 @@
           <a:p>
             <a:fld id="{4FACE682-7757-4F60-9924-7C54F945BCEE}" type="datetimeFigureOut">
               <a:rPr lang="en-US" smtClean="0"/>
-              <a:t>6/11/2018</a:t>
+              <a:t>11/6/2018</a:t>
             </a:fld>
             <a:endParaRPr lang="en-US"/>
           </a:p>
@@ -1484,7 +1486,7 @@
           <a:p>
             <a:fld id="{4FACE682-7757-4F60-9924-7C54F945BCEE}" type="datetimeFigureOut">
               <a:rPr lang="en-US" smtClean="0"/>
-              <a:t>6/11/2018</a:t>
+              <a:t>11/6/2018</a:t>
             </a:fld>
             <a:endParaRPr lang="en-US"/>
           </a:p>
@@ -2107,7 +2109,7 @@
           <a:p>
             <a:fld id="{4FACE682-7757-4F60-9924-7C54F945BCEE}" type="datetimeFigureOut">
               <a:rPr lang="en-US" smtClean="0"/>
-              <a:t>6/11/2018</a:t>
+              <a:t>11/6/2018</a:t>
             </a:fld>
             <a:endParaRPr lang="en-US"/>
           </a:p>
@@ -2967,7 +2969,7 @@
           <a:p>
             <a:fld id="{4FACE682-7757-4F60-9924-7C54F945BCEE}" type="datetimeFigureOut">
               <a:rPr lang="en-US" smtClean="0"/>
-              <a:t>6/11/2018</a:t>
+              <a:t>11/6/2018</a:t>
             </a:fld>
             <a:endParaRPr lang="en-US"/>
           </a:p>
@@ -3137,7 +3139,7 @@
           <a:p>
             <a:fld id="{4FACE682-7757-4F60-9924-7C54F945BCEE}" type="datetimeFigureOut">
               <a:rPr lang="en-US" smtClean="0"/>
-              <a:t>6/11/2018</a:t>
+              <a:t>11/6/2018</a:t>
             </a:fld>
             <a:endParaRPr lang="en-US"/>
           </a:p>
@@ -3317,7 +3319,7 @@
           <a:p>
             <a:fld id="{4FACE682-7757-4F60-9924-7C54F945BCEE}" type="datetimeFigureOut">
               <a:rPr lang="en-US" smtClean="0"/>
-              <a:t>6/11/2018</a:t>
+              <a:t>11/6/2018</a:t>
             </a:fld>
             <a:endParaRPr lang="en-US"/>
           </a:p>
@@ -3487,7 +3489,7 @@
           <a:p>
             <a:fld id="{4FACE682-7757-4F60-9924-7C54F945BCEE}" type="datetimeFigureOut">
               <a:rPr lang="en-US" smtClean="0"/>
-              <a:t>6/11/2018</a:t>
+              <a:t>11/6/2018</a:t>
             </a:fld>
             <a:endParaRPr lang="en-US"/>
           </a:p>
@@ -3734,7 +3736,7 @@
           <a:p>
             <a:fld id="{4FACE682-7757-4F60-9924-7C54F945BCEE}" type="datetimeFigureOut">
               <a:rPr lang="en-US" smtClean="0"/>
-              <a:t>6/11/2018</a:t>
+              <a:t>11/6/2018</a:t>
             </a:fld>
             <a:endParaRPr lang="en-US"/>
           </a:p>
@@ -4026,7 +4028,7 @@
           <a:p>
             <a:fld id="{4FACE682-7757-4F60-9924-7C54F945BCEE}" type="datetimeFigureOut">
               <a:rPr lang="en-US" smtClean="0"/>
-              <a:t>6/11/2018</a:t>
+              <a:t>11/6/2018</a:t>
             </a:fld>
             <a:endParaRPr lang="en-US"/>
           </a:p>
@@ -4470,7 +4472,7 @@
           <a:p>
             <a:fld id="{4FACE682-7757-4F60-9924-7C54F945BCEE}" type="datetimeFigureOut">
               <a:rPr lang="en-US" smtClean="0"/>
-              <a:t>6/11/2018</a:t>
+              <a:t>11/6/2018</a:t>
             </a:fld>
             <a:endParaRPr lang="en-US"/>
           </a:p>
@@ -4588,7 +4590,7 @@
           <a:p>
             <a:fld id="{4FACE682-7757-4F60-9924-7C54F945BCEE}" type="datetimeFigureOut">
               <a:rPr lang="en-US" smtClean="0"/>
-              <a:t>6/11/2018</a:t>
+              <a:t>11/6/2018</a:t>
             </a:fld>
             <a:endParaRPr lang="en-US"/>
           </a:p>
@@ -4683,7 +4685,7 @@
           <a:p>
             <a:fld id="{4FACE682-7757-4F60-9924-7C54F945BCEE}" type="datetimeFigureOut">
               <a:rPr lang="en-US" smtClean="0"/>
-              <a:t>6/11/2018</a:t>
+              <a:t>11/6/2018</a:t>
             </a:fld>
             <a:endParaRPr lang="en-US"/>
           </a:p>
@@ -4962,7 +4964,7 @@
           <a:p>
             <a:fld id="{4FACE682-7757-4F60-9924-7C54F945BCEE}" type="datetimeFigureOut">
               <a:rPr lang="en-US" smtClean="0"/>
-              <a:t>6/11/2018</a:t>
+              <a:t>11/6/2018</a:t>
             </a:fld>
             <a:endParaRPr lang="en-US"/>
           </a:p>
@@ -5237,7 +5239,7 @@
           <a:p>
             <a:fld id="{4FACE682-7757-4F60-9924-7C54F945BCEE}" type="datetimeFigureOut">
               <a:rPr lang="en-US" smtClean="0"/>
-              <a:t>6/11/2018</a:t>
+              <a:t>11/6/2018</a:t>
             </a:fld>
             <a:endParaRPr lang="en-US"/>
           </a:p>
@@ -5666,7 +5668,7 @@
           <a:p>
             <a:fld id="{4FACE682-7757-4F60-9924-7C54F945BCEE}" type="datetimeFigureOut">
               <a:rPr lang="en-US" smtClean="0"/>
-              <a:t>6/11/2018</a:t>
+              <a:t>11/6/2018</a:t>
             </a:fld>
             <a:endParaRPr lang="en-US"/>
           </a:p>
@@ -6227,7 +6229,7 @@
                 <a16:creationId xmlns:a16="http://schemas.microsoft.com/office/drawing/2014/main" id="{C28D0172-F2E0-4763-9C35-F022664959D8}"/>
               </a:ext>
               <a:ext uri="{C183D7F6-B498-43B3-948B-1728B52AA6E4}">
-                <adec:decorative xmlns:adec="http://schemas.microsoft.com/office/drawing/2017/decorative" val="1"/>
+                <adec:decorative xmlns:adec="http://schemas.microsoft.com/office/drawing/2017/decorative" xmlns="" val="1"/>
               </a:ext>
             </a:extLst>
           </p:cNvPr>
@@ -6287,7 +6289,7 @@
                 <a16:creationId xmlns:a16="http://schemas.microsoft.com/office/drawing/2014/main" id="{9F2851FB-E841-4509-8A6D-A416376EA380}"/>
               </a:ext>
               <a:ext uri="{C183D7F6-B498-43B3-948B-1728B52AA6E4}">
-                <adec:decorative xmlns:adec="http://schemas.microsoft.com/office/drawing/2017/decorative" val="1"/>
+                <adec:decorative xmlns:adec="http://schemas.microsoft.com/office/drawing/2017/decorative" xmlns="" val="1"/>
               </a:ext>
             </a:extLst>
           </p:cNvPr>
@@ -6687,7 +6689,7 @@
                 <a16:creationId xmlns:a16="http://schemas.microsoft.com/office/drawing/2014/main" id="{DF6FB2B2-CE21-407F-B22E-302DADC2C3D3}"/>
               </a:ext>
               <a:ext uri="{C183D7F6-B498-43B3-948B-1728B52AA6E4}">
-                <adec:decorative xmlns:adec="http://schemas.microsoft.com/office/drawing/2017/decorative" val="1"/>
+                <adec:decorative xmlns:adec="http://schemas.microsoft.com/office/drawing/2017/decorative" xmlns="" val="1"/>
               </a:ext>
             </a:extLst>
           </p:cNvPr>
@@ -7320,15 +7322,31 @@
             <a:br>
               <a:rPr lang="en-US" sz="4800" dirty="0"/>
             </a:br>
+            <a:r>
+              <a:rPr lang="en-US" sz="4800" dirty="0"/>
+              <a:t/>
+            </a:r>
             <a:br>
               <a:rPr lang="en-US" sz="4800" dirty="0"/>
             </a:br>
+            <a:r>
+              <a:rPr lang="en-US" sz="4800" dirty="0"/>
+              <a:t/>
+            </a:r>
             <a:br>
               <a:rPr lang="en-US" sz="4800" dirty="0"/>
             </a:br>
+            <a:r>
+              <a:rPr lang="en-US" sz="4800" dirty="0"/>
+              <a:t/>
+            </a:r>
             <a:br>
               <a:rPr lang="en-US" sz="4800" dirty="0"/>
             </a:br>
+            <a:r>
+              <a:rPr lang="en-US" sz="4800" dirty="0"/>
+              <a:t/>
+            </a:r>
             <a:br>
               <a:rPr lang="en-US" sz="4800" dirty="0"/>
             </a:br>
@@ -7374,7 +7392,7 @@
           <p:cNvPr id="2" name="Title 1">
             <a:extLst>
               <a:ext uri="{FF2B5EF4-FFF2-40B4-BE49-F238E27FC236}">
-                <a16:creationId xmlns:a16="http://schemas.microsoft.com/office/drawing/2014/main" id="{ABFE9964-2DD0-4B8C-9324-5C9218DC5DF7}"/>
+                <a16:creationId xmlns:a16="http://schemas.microsoft.com/office/drawing/2014/main" id="{BA35D0AB-9A37-479C-9406-C70EC5D04068}"/>
               </a:ext>
             </a:extLst>
           </p:cNvPr>
@@ -7391,21 +7409,79 @@
           <a:lstStyle/>
           <a:p>
             <a:r>
-              <a:rPr lang="en-US" sz="5400" dirty="0"/>
-              <a:t>As Jane the college aged woman I want to social media blast this location to everyone in my circle.</a:t>
-            </a:r>
-            <a:br>
-              <a:rPr lang="en-US" sz="5400" dirty="0"/>
-            </a:br>
-            <a:br>
-              <a:rPr lang="en-US" sz="5400" dirty="0"/>
-            </a:br>
-            <a:br>
-              <a:rPr lang="en-US" sz="5400" dirty="0"/>
-            </a:br>
-            <a:r>
-              <a:rPr lang="en-US" sz="4000" dirty="0"/>
-              <a:t>-[Social Media Integration]</a:t>
+              <a:rPr lang="en-US" dirty="0" err="1"/>
+              <a:t>MediaWiki</a:t>
+            </a:r>
+            <a:r>
+              <a:rPr lang="en-US" dirty="0"/>
+              <a:t> API</a:t>
+            </a:r>
+          </a:p>
+        </p:txBody>
+      </p:sp>
+      <p:sp>
+        <p:nvSpPr>
+          <p:cNvPr id="3" name="Content Placeholder 2">
+            <a:extLst>
+              <a:ext uri="{FF2B5EF4-FFF2-40B4-BE49-F238E27FC236}">
+                <a16:creationId xmlns:a16="http://schemas.microsoft.com/office/drawing/2014/main" id="{C53C1AAE-D52E-4865-94E5-9A746F2B6603}"/>
+              </a:ext>
+            </a:extLst>
+          </p:cNvPr>
+          <p:cNvSpPr>
+            <a:spLocks noGrp="1"/>
+          </p:cNvSpPr>
+          <p:nvPr>
+            <p:ph idx="1"/>
+          </p:nvPr>
+        </p:nvSpPr>
+        <p:spPr/>
+        <p:txBody>
+          <a:bodyPr/>
+          <a:lstStyle/>
+          <a:p>
+            <a:pPr marL="0" indent="0">
+              <a:buNone/>
+            </a:pPr>
+            <a:r>
+              <a:rPr lang="en-US" dirty="0"/>
+              <a:t>Pros</a:t>
+            </a:r>
+          </a:p>
+          <a:p>
+            <a:r>
+              <a:rPr lang="en-US" dirty="0"/>
+              <a:t>Able to pull information from Wikipedia</a:t>
+            </a:r>
+          </a:p>
+          <a:p>
+            <a:r>
+              <a:rPr lang="en-US" dirty="0"/>
+              <a:t>Easy to use and well documented</a:t>
+            </a:r>
+          </a:p>
+          <a:p>
+            <a:endParaRPr lang="en-US" dirty="0"/>
+          </a:p>
+          <a:p>
+            <a:pPr marL="0" indent="0">
+              <a:buNone/>
+            </a:pPr>
+            <a:r>
+              <a:rPr lang="en-US" dirty="0"/>
+              <a:t>Cons</a:t>
+            </a:r>
+          </a:p>
+          <a:p>
+            <a:r>
+              <a:rPr lang="en-US" dirty="0"/>
+              <a:t>Not directly from Wikipedia, but the platform they are built on.</a:t>
+            </a:r>
+          </a:p>
+          <a:p>
+            <a:r>
+              <a:rPr lang="en-US" dirty="0"/>
+              <a:t>Requires a pre-fetch or internet access to function properly.</a:t>
             </a:r>
           </a:p>
         </p:txBody>
@@ -7413,7 +7489,7 @@
     </p:spTree>
     <p:extLst>
       <p:ext uri="{BB962C8B-B14F-4D97-AF65-F5344CB8AC3E}">
-        <p14:creationId xmlns:p14="http://schemas.microsoft.com/office/powerpoint/2010/main" val="4231841049"/>
+        <p14:creationId xmlns:p14="http://schemas.microsoft.com/office/powerpoint/2010/main" val="1151971957"/>
       </p:ext>
     </p:extLst>
   </p:cSld>
@@ -7463,20 +7539,28 @@
           <a:p>
             <a:r>
               <a:rPr lang="en-US" sz="5400" dirty="0"/>
-              <a:t>As Rick the user, I’d like a nice measuring tool on the screen to help me pinpoint my target.</a:t>
+              <a:t>As Jane the college aged woman I want to social media blast this location to everyone in my circle.</a:t>
             </a:r>
             <a:br>
               <a:rPr lang="en-US" sz="5400" dirty="0"/>
             </a:br>
+            <a:r>
+              <a:rPr lang="en-US" sz="5400" dirty="0"/>
+              <a:t/>
+            </a:r>
             <a:br>
               <a:rPr lang="en-US" sz="5400" dirty="0"/>
             </a:br>
+            <a:r>
+              <a:rPr lang="en-US" sz="5400" dirty="0"/>
+              <a:t/>
+            </a:r>
             <a:br>
               <a:rPr lang="en-US" sz="5400" dirty="0"/>
             </a:br>
             <a:r>
               <a:rPr lang="en-US" sz="4000" dirty="0"/>
-              <a:t>-[Measurement Tool]</a:t>
+              <a:t>-[Social Media Integration]</a:t>
             </a:r>
           </a:p>
         </p:txBody>
@@ -7484,7 +7568,7 @@
     </p:spTree>
     <p:extLst>
       <p:ext uri="{BB962C8B-B14F-4D97-AF65-F5344CB8AC3E}">
-        <p14:creationId xmlns:p14="http://schemas.microsoft.com/office/powerpoint/2010/main" val="1052882010"/>
+        <p14:creationId xmlns:p14="http://schemas.microsoft.com/office/powerpoint/2010/main" val="4231841049"/>
       </p:ext>
     </p:extLst>
   </p:cSld>
@@ -7516,7 +7600,7 @@
           <p:cNvPr id="2" name="Title 1">
             <a:extLst>
               <a:ext uri="{FF2B5EF4-FFF2-40B4-BE49-F238E27FC236}">
-                <a16:creationId xmlns:a16="http://schemas.microsoft.com/office/drawing/2014/main" id="{BA35D0AB-9A37-479C-9406-C70EC5D04068}"/>
+                <a16:creationId xmlns:a16="http://schemas.microsoft.com/office/drawing/2014/main" id="{ABFE9964-2DD0-4B8C-9324-5C9218DC5DF7}"/>
               </a:ext>
             </a:extLst>
           </p:cNvPr>
@@ -7533,75 +7617,29 @@
           <a:lstStyle/>
           <a:p>
             <a:r>
-              <a:rPr lang="en-US" dirty="0"/>
-              <a:t>Google Maps Platform</a:t>
-            </a:r>
-          </a:p>
-        </p:txBody>
-      </p:sp>
-      <p:sp>
-        <p:nvSpPr>
-          <p:cNvPr id="3" name="Content Placeholder 2">
-            <a:extLst>
-              <a:ext uri="{FF2B5EF4-FFF2-40B4-BE49-F238E27FC236}">
-                <a16:creationId xmlns:a16="http://schemas.microsoft.com/office/drawing/2014/main" id="{C53C1AAE-D52E-4865-94E5-9A746F2B6603}"/>
-              </a:ext>
-            </a:extLst>
-          </p:cNvPr>
-          <p:cNvSpPr>
-            <a:spLocks noGrp="1"/>
-          </p:cNvSpPr>
-          <p:nvPr>
-            <p:ph idx="1"/>
-          </p:nvPr>
-        </p:nvSpPr>
-        <p:spPr/>
-        <p:txBody>
-          <a:bodyPr/>
-          <a:lstStyle/>
-          <a:p>
-            <a:pPr marL="0" indent="0">
-              <a:buNone/>
-            </a:pPr>
-            <a:r>
-              <a:rPr lang="en-US" dirty="0"/>
-              <a:t>Pros</a:t>
-            </a:r>
-          </a:p>
-          <a:p>
-            <a:r>
-              <a:rPr lang="en-US" dirty="0"/>
-              <a:t>Extensive information available</a:t>
-            </a:r>
-          </a:p>
-          <a:p>
-            <a:r>
-              <a:rPr lang="en-US" dirty="0"/>
-              <a:t>Most complete platform</a:t>
-            </a:r>
-          </a:p>
-          <a:p>
-            <a:endParaRPr lang="en-US" dirty="0"/>
-          </a:p>
-          <a:p>
-            <a:pPr marL="0" indent="0">
-              <a:buNone/>
-            </a:pPr>
-            <a:r>
-              <a:rPr lang="en-US" dirty="0"/>
-              <a:t>Cons</a:t>
-            </a:r>
-          </a:p>
-          <a:p>
-            <a:r>
-              <a:rPr lang="en-US" dirty="0"/>
-              <a:t>Heavy cost</a:t>
-            </a:r>
-          </a:p>
-          <a:p>
-            <a:r>
-              <a:rPr lang="en-US" dirty="0"/>
-              <a:t>Might need to interact with multiple, separate APIs to obtain elevation data. This may increase overhead.</a:t>
+              <a:rPr lang="en-US" sz="5400" dirty="0"/>
+              <a:t>As Rick the user, I’d like a nice measuring tool on the screen to help me pinpoint my target.</a:t>
+            </a:r>
+            <a:br>
+              <a:rPr lang="en-US" sz="5400" dirty="0"/>
+            </a:br>
+            <a:r>
+              <a:rPr lang="en-US" sz="5400" dirty="0"/>
+              <a:t/>
+            </a:r>
+            <a:br>
+              <a:rPr lang="en-US" sz="5400" dirty="0"/>
+            </a:br>
+            <a:r>
+              <a:rPr lang="en-US" sz="5400" dirty="0"/>
+              <a:t/>
+            </a:r>
+            <a:br>
+              <a:rPr lang="en-US" sz="5400" dirty="0"/>
+            </a:br>
+            <a:r>
+              <a:rPr lang="en-US" sz="4000" dirty="0"/>
+              <a:t>-[Measurement Tool]</a:t>
             </a:r>
           </a:p>
         </p:txBody>
@@ -7609,7 +7647,7 @@
     </p:spTree>
     <p:extLst>
       <p:ext uri="{BB962C8B-B14F-4D97-AF65-F5344CB8AC3E}">
-        <p14:creationId xmlns:p14="http://schemas.microsoft.com/office/powerpoint/2010/main" val="2611106842"/>
+        <p14:creationId xmlns:p14="http://schemas.microsoft.com/office/powerpoint/2010/main" val="1052882010"/>
       </p:ext>
     </p:extLst>
   </p:cSld>
@@ -7659,7 +7697,7 @@
           <a:p>
             <a:r>
               <a:rPr lang="en-US" dirty="0"/>
-              <a:t>Bing Maps</a:t>
+              <a:t>Google Maps Platform</a:t>
             </a:r>
           </a:p>
         </p:txBody>
@@ -7696,25 +7734,22 @@
           <a:p>
             <a:r>
               <a:rPr lang="en-US" dirty="0"/>
-              <a:t>Very well documented</a:t>
-            </a:r>
-          </a:p>
-          <a:p>
-            <a:r>
-              <a:rPr lang="en-US" dirty="0"/>
-              <a:t>Not as expensive as Google</a:t>
-            </a:r>
+              <a:t>Extensive information available</a:t>
+            </a:r>
+          </a:p>
+          <a:p>
+            <a:r>
+              <a:rPr lang="en-US" dirty="0"/>
+              <a:t>Most complete platform</a:t>
+            </a:r>
+          </a:p>
+          <a:p>
+            <a:endParaRPr lang="en-US" dirty="0"/>
           </a:p>
           <a:p>
             <a:pPr marL="0" indent="0">
               <a:buNone/>
             </a:pPr>
-            <a:endParaRPr lang="en-US" dirty="0"/>
-          </a:p>
-          <a:p>
-            <a:pPr marL="0" indent="0">
-              <a:buNone/>
-            </a:pPr>
             <a:r>
               <a:rPr lang="en-US" dirty="0"/>
               <a:t>Cons</a:t>
@@ -7723,19 +7758,13 @@
           <a:p>
             <a:r>
               <a:rPr lang="en-US" dirty="0"/>
-              <a:t>Still relatively expensive</a:t>
-            </a:r>
-          </a:p>
-          <a:p>
-            <a:r>
-              <a:rPr lang="en-US" dirty="0"/>
-              <a:t>Resource intensive</a:t>
-            </a:r>
-          </a:p>
-          <a:p>
-            <a:r>
-              <a:rPr lang="en-US" dirty="0"/>
-              <a:t>Not as customizable</a:t>
+              <a:t>Heavy cost</a:t>
+            </a:r>
+          </a:p>
+          <a:p>
+            <a:r>
+              <a:rPr lang="en-US" dirty="0"/>
+              <a:t>Might need to interact with multiple, separate APIs to obtain elevation data. This may increase overhead.</a:t>
             </a:r>
           </a:p>
         </p:txBody>
@@ -7743,7 +7772,7 @@
     </p:spTree>
     <p:extLst>
       <p:ext uri="{BB962C8B-B14F-4D97-AF65-F5344CB8AC3E}">
-        <p14:creationId xmlns:p14="http://schemas.microsoft.com/office/powerpoint/2010/main" val="2646868906"/>
+        <p14:creationId xmlns:p14="http://schemas.microsoft.com/office/powerpoint/2010/main" val="2611106842"/>
       </p:ext>
     </p:extLst>
   </p:cSld>
@@ -7793,7 +7822,7 @@
           <a:p>
             <a:r>
               <a:rPr lang="en-US" dirty="0"/>
-              <a:t>TomTom</a:t>
+              <a:t>Bing Maps</a:t>
             </a:r>
           </a:p>
         </p:txBody>
@@ -7830,22 +7859,19 @@
           <a:p>
             <a:r>
               <a:rPr lang="en-US" dirty="0"/>
-              <a:t>Good cost structure (2500 free API calls/day)</a:t>
-            </a:r>
-          </a:p>
-          <a:p>
-            <a:r>
-              <a:rPr lang="en-US" dirty="0"/>
-              <a:t>Widely used</a:t>
-            </a:r>
-          </a:p>
-          <a:p>
-            <a:r>
-              <a:rPr lang="en-US" dirty="0"/>
-              <a:t>Has points of interest database</a:t>
-            </a:r>
-          </a:p>
-          <a:p>
+              <a:t>Very well documented</a:t>
+            </a:r>
+          </a:p>
+          <a:p>
+            <a:r>
+              <a:rPr lang="en-US" dirty="0"/>
+              <a:t>Not as expensive as Google</a:t>
+            </a:r>
+          </a:p>
+          <a:p>
+            <a:pPr marL="0" indent="0">
+              <a:buNone/>
+            </a:pPr>
             <a:endParaRPr lang="en-US" dirty="0"/>
           </a:p>
           <a:p>
@@ -7860,13 +7886,19 @@
           <a:p>
             <a:r>
               <a:rPr lang="en-US" dirty="0"/>
-              <a:t>Daily calls will limit how much we can test in one day</a:t>
-            </a:r>
-          </a:p>
-          <a:p>
-            <a:r>
-              <a:rPr lang="en-US" dirty="0"/>
-              <a:t>General downward trend in popularity</a:t>
+              <a:t>Still relatively expensive</a:t>
+            </a:r>
+          </a:p>
+          <a:p>
+            <a:r>
+              <a:rPr lang="en-US" dirty="0"/>
+              <a:t>Resource intensive</a:t>
+            </a:r>
+          </a:p>
+          <a:p>
+            <a:r>
+              <a:rPr lang="en-US" dirty="0"/>
+              <a:t>Not as customizable</a:t>
             </a:r>
           </a:p>
         </p:txBody>
@@ -7874,7 +7906,7 @@
     </p:spTree>
     <p:extLst>
       <p:ext uri="{BB962C8B-B14F-4D97-AF65-F5344CB8AC3E}">
-        <p14:creationId xmlns:p14="http://schemas.microsoft.com/office/powerpoint/2010/main" val="848853006"/>
+        <p14:creationId xmlns:p14="http://schemas.microsoft.com/office/powerpoint/2010/main" val="2646868906"/>
       </p:ext>
     </p:extLst>
   </p:cSld>
@@ -7923,10 +7955,9 @@
           <a:lstStyle/>
           <a:p>
             <a:r>
-              <a:rPr lang="en-US" dirty="0" err="1"/>
-              <a:t>Mapbox</a:t>
-            </a:r>
-            <a:endParaRPr lang="en-US" dirty="0"/>
+              <a:rPr lang="en-US" dirty="0"/>
+              <a:t>TomTom</a:t>
+            </a:r>
           </a:p>
         </p:txBody>
       </p:sp>
@@ -7962,13 +7993,19 @@
           <a:p>
             <a:r>
               <a:rPr lang="en-US" dirty="0"/>
-              <a:t>Upward popularity trend</a:t>
-            </a:r>
-          </a:p>
-          <a:p>
-            <a:r>
-              <a:rPr lang="en-US" dirty="0"/>
-              <a:t>Cross-Platform</a:t>
+              <a:t>Good cost structure (2500 free API calls/day)</a:t>
+            </a:r>
+          </a:p>
+          <a:p>
+            <a:r>
+              <a:rPr lang="en-US" dirty="0"/>
+              <a:t>Widely used</a:t>
+            </a:r>
+          </a:p>
+          <a:p>
+            <a:r>
+              <a:rPr lang="en-US" dirty="0"/>
+              <a:t>Has points of interest database</a:t>
             </a:r>
           </a:p>
           <a:p>
@@ -7986,7 +8023,13 @@
           <a:p>
             <a:r>
               <a:rPr lang="en-US" dirty="0"/>
-              <a:t>Rather resource intensive</a:t>
+              <a:t>Daily calls will limit how much we can test in one day</a:t>
+            </a:r>
+          </a:p>
+          <a:p>
+            <a:r>
+              <a:rPr lang="en-US" dirty="0"/>
+              <a:t>General downward trend in popularity</a:t>
             </a:r>
           </a:p>
         </p:txBody>
@@ -7994,7 +8037,7 @@
     </p:spTree>
     <p:extLst>
       <p:ext uri="{BB962C8B-B14F-4D97-AF65-F5344CB8AC3E}">
-        <p14:creationId xmlns:p14="http://schemas.microsoft.com/office/powerpoint/2010/main" val="1549002469"/>
+        <p14:creationId xmlns:p14="http://schemas.microsoft.com/office/powerpoint/2010/main" val="848853006"/>
       </p:ext>
     </p:extLst>
   </p:cSld>
@@ -8026,7 +8069,7 @@
           <p:cNvPr id="2" name="Title 1">
             <a:extLst>
               <a:ext uri="{FF2B5EF4-FFF2-40B4-BE49-F238E27FC236}">
-                <a16:creationId xmlns:a16="http://schemas.microsoft.com/office/drawing/2014/main" id="{33182361-C770-430C-97A0-B9298FA3FE50}"/>
+                <a16:creationId xmlns:a16="http://schemas.microsoft.com/office/drawing/2014/main" id="{BA35D0AB-9A37-479C-9406-C70EC5D04068}"/>
               </a:ext>
             </a:extLst>
           </p:cNvPr>
@@ -8043,13 +8086,6 @@
           <a:lstStyle/>
           <a:p>
             <a:r>
-              <a:rPr lang="en-US" dirty="0"/>
-              <a:t>Chosen Technology:</a:t>
-            </a:r>
-            <a:br>
-              <a:rPr lang="en-US" dirty="0"/>
-            </a:br>
-            <a:r>
               <a:rPr lang="en-US" dirty="0" err="1"/>
               <a:t>Mapbox</a:t>
             </a:r>
@@ -8062,7 +8098,7 @@
           <p:cNvPr id="3" name="Content Placeholder 2">
             <a:extLst>
               <a:ext uri="{FF2B5EF4-FFF2-40B4-BE49-F238E27FC236}">
-                <a16:creationId xmlns:a16="http://schemas.microsoft.com/office/drawing/2014/main" id="{6457FBD9-768E-4864-B576-83C1D02FB7F8}"/>
+                <a16:creationId xmlns:a16="http://schemas.microsoft.com/office/drawing/2014/main" id="{C53C1AAE-D52E-4865-94E5-9A746F2B6603}"/>
               </a:ext>
             </a:extLst>
           </p:cNvPr>
@@ -8078,64 +8114,42 @@
           <a:bodyPr/>
           <a:lstStyle/>
           <a:p>
-            <a:r>
-              <a:rPr lang="en-US" dirty="0"/>
-              <a:t>Not unreasonably expensive</a:t>
-            </a:r>
-          </a:p>
-          <a:p>
-            <a:pPr lvl="1"/>
-            <a:r>
-              <a:rPr lang="en-US" dirty="0"/>
-              <a:t>Free Tier</a:t>
-            </a:r>
-          </a:p>
-          <a:p>
-            <a:pPr lvl="2"/>
-            <a:r>
-              <a:rPr lang="en-US" dirty="0"/>
-              <a:t>50k monthly active users</a:t>
-            </a:r>
-          </a:p>
-          <a:p>
-            <a:pPr lvl="2"/>
-            <a:r>
-              <a:rPr lang="en-US" dirty="0"/>
-              <a:t>50k geocode requests / month</a:t>
-            </a:r>
-          </a:p>
-          <a:p>
-            <a:pPr lvl="2"/>
-            <a:r>
-              <a:rPr lang="en-US" dirty="0"/>
-              <a:t>50k directions request / month</a:t>
-            </a:r>
-          </a:p>
-          <a:p>
-            <a:pPr lvl="2"/>
-            <a:r>
-              <a:rPr lang="en-US" dirty="0"/>
-              <a:t>50k matrix elements / month</a:t>
-            </a:r>
-          </a:p>
-          <a:p>
-            <a:pPr lvl="1"/>
-            <a:r>
-              <a:rPr lang="en-US" dirty="0"/>
-              <a:t>More beyond that point</a:t>
-            </a:r>
-          </a:p>
-          <a:p>
-            <a:r>
-              <a:rPr lang="en-US" dirty="0"/>
-              <a:t>Built in online maps</a:t>
-            </a:r>
-          </a:p>
-          <a:p>
-            <a:pPr lvl="1"/>
-            <a:r>
-              <a:rPr lang="en-US" dirty="0"/>
-              <a:t>Points of Interest</a:t>
+            <a:pPr marL="0" indent="0">
+              <a:buNone/>
+            </a:pPr>
+            <a:r>
+              <a:rPr lang="en-US" dirty="0"/>
+              <a:t>Pros</a:t>
+            </a:r>
+          </a:p>
+          <a:p>
+            <a:r>
+              <a:rPr lang="en-US" dirty="0"/>
+              <a:t>Upward popularity trend</a:t>
+            </a:r>
+          </a:p>
+          <a:p>
+            <a:r>
+              <a:rPr lang="en-US" dirty="0"/>
+              <a:t>Cross-Platform</a:t>
+            </a:r>
+          </a:p>
+          <a:p>
+            <a:endParaRPr lang="en-US" dirty="0"/>
+          </a:p>
+          <a:p>
+            <a:pPr marL="0" indent="0">
+              <a:buNone/>
+            </a:pPr>
+            <a:r>
+              <a:rPr lang="en-US" dirty="0"/>
+              <a:t>Cons</a:t>
+            </a:r>
+          </a:p>
+          <a:p>
+            <a:r>
+              <a:rPr lang="en-US" dirty="0"/>
+              <a:t>Rather resource intensive</a:t>
             </a:r>
           </a:p>
         </p:txBody>
@@ -8143,7 +8157,7 @@
     </p:spTree>
     <p:extLst>
       <p:ext uri="{BB962C8B-B14F-4D97-AF65-F5344CB8AC3E}">
-        <p14:creationId xmlns:p14="http://schemas.microsoft.com/office/powerpoint/2010/main" val="2872609314"/>
+        <p14:creationId xmlns:p14="http://schemas.microsoft.com/office/powerpoint/2010/main" val="1549002469"/>
       </p:ext>
     </p:extLst>
   </p:cSld>
@@ -8175,7 +8189,7 @@
           <p:cNvPr id="2" name="Title 1">
             <a:extLst>
               <a:ext uri="{FF2B5EF4-FFF2-40B4-BE49-F238E27FC236}">
-                <a16:creationId xmlns:a16="http://schemas.microsoft.com/office/drawing/2014/main" id="{5168C9A3-0FEC-407D-8D80-9D769729C42A}"/>
+                <a16:creationId xmlns:a16="http://schemas.microsoft.com/office/drawing/2014/main" id="{33182361-C770-430C-97A0-B9298FA3FE50}"/>
               </a:ext>
             </a:extLst>
           </p:cNvPr>
@@ -8186,20 +8200,105 @@
             <p:ph type="title"/>
           </p:nvPr>
         </p:nvSpPr>
-        <p:spPr>
-          <a:xfrm>
-            <a:off x="2510769" y="2585299"/>
-            <a:ext cx="7090431" cy="3551042"/>
-          </a:xfrm>
-        </p:spPr>
-        <p:txBody>
-          <a:bodyPr/>
-          <a:lstStyle/>
-          <a:p>
-            <a:pPr algn="ctr"/>
-            <a:r>
-              <a:rPr lang="en-US" sz="9600" dirty="0"/>
-              <a:t>Questions?</a:t>
+        <p:spPr/>
+        <p:txBody>
+          <a:bodyPr/>
+          <a:lstStyle/>
+          <a:p>
+            <a:r>
+              <a:rPr lang="en-US" dirty="0"/>
+              <a:t>Chosen Technology:</a:t>
+            </a:r>
+            <a:br>
+              <a:rPr lang="en-US" dirty="0"/>
+            </a:br>
+            <a:r>
+              <a:rPr lang="en-US" dirty="0" err="1"/>
+              <a:t>Mapbox</a:t>
+            </a:r>
+            <a:endParaRPr lang="en-US" dirty="0"/>
+          </a:p>
+        </p:txBody>
+      </p:sp>
+      <p:sp>
+        <p:nvSpPr>
+          <p:cNvPr id="3" name="Content Placeholder 2">
+            <a:extLst>
+              <a:ext uri="{FF2B5EF4-FFF2-40B4-BE49-F238E27FC236}">
+                <a16:creationId xmlns:a16="http://schemas.microsoft.com/office/drawing/2014/main" id="{6457FBD9-768E-4864-B576-83C1D02FB7F8}"/>
+              </a:ext>
+            </a:extLst>
+          </p:cNvPr>
+          <p:cNvSpPr>
+            <a:spLocks noGrp="1"/>
+          </p:cNvSpPr>
+          <p:nvPr>
+            <p:ph idx="1"/>
+          </p:nvPr>
+        </p:nvSpPr>
+        <p:spPr/>
+        <p:txBody>
+          <a:bodyPr/>
+          <a:lstStyle/>
+          <a:p>
+            <a:r>
+              <a:rPr lang="en-US" dirty="0"/>
+              <a:t>Not unreasonably expensive</a:t>
+            </a:r>
+          </a:p>
+          <a:p>
+            <a:pPr lvl="1"/>
+            <a:r>
+              <a:rPr lang="en-US" dirty="0"/>
+              <a:t>Free Tier</a:t>
+            </a:r>
+          </a:p>
+          <a:p>
+            <a:pPr lvl="2"/>
+            <a:r>
+              <a:rPr lang="en-US" dirty="0"/>
+              <a:t>50k monthly active users</a:t>
+            </a:r>
+          </a:p>
+          <a:p>
+            <a:pPr lvl="2"/>
+            <a:r>
+              <a:rPr lang="en-US" dirty="0"/>
+              <a:t>50k geocode requests / month</a:t>
+            </a:r>
+          </a:p>
+          <a:p>
+            <a:pPr lvl="2"/>
+            <a:r>
+              <a:rPr lang="en-US" dirty="0"/>
+              <a:t>50k directions request / month</a:t>
+            </a:r>
+          </a:p>
+          <a:p>
+            <a:pPr lvl="2"/>
+            <a:r>
+              <a:rPr lang="en-US" dirty="0"/>
+              <a:t>50k matrix elements / month</a:t>
+            </a:r>
+          </a:p>
+          <a:p>
+            <a:pPr lvl="1"/>
+            <a:r>
+              <a:rPr lang="en-US" dirty="0"/>
+              <a:t>More beyond that point</a:t>
+            </a:r>
+          </a:p>
+          <a:p>
+            <a:r>
+              <a:rPr lang="en-US" dirty="0"/>
+              <a:t>Built in online maps</a:t>
+            </a:r>
+          </a:p>
+          <a:p>
+            <a:pPr lvl="1"/>
+            <a:r>
+              <a:rPr lang="en-US" dirty="0"/>
+              <a:t>Points of Interest</a:t>
             </a:r>
           </a:p>
         </p:txBody>
@@ -8207,7 +8306,7 @@
     </p:spTree>
     <p:extLst>
       <p:ext uri="{BB962C8B-B14F-4D97-AF65-F5344CB8AC3E}">
-        <p14:creationId xmlns:p14="http://schemas.microsoft.com/office/powerpoint/2010/main" val="2745381394"/>
+        <p14:creationId xmlns:p14="http://schemas.microsoft.com/office/powerpoint/2010/main" val="2872609314"/>
       </p:ext>
     </p:extLst>
   </p:cSld>
@@ -8239,7 +8338,7 @@
           <p:cNvPr id="2" name="Title 1">
             <a:extLst>
               <a:ext uri="{FF2B5EF4-FFF2-40B4-BE49-F238E27FC236}">
-                <a16:creationId xmlns:a16="http://schemas.microsoft.com/office/drawing/2014/main" id="{ABFE9964-2DD0-4B8C-9324-5C9218DC5DF7}"/>
+                <a16:creationId xmlns:a16="http://schemas.microsoft.com/office/drawing/2014/main" id="{5168C9A3-0FEC-407D-8D80-9D769729C42A}"/>
               </a:ext>
             </a:extLst>
           </p:cNvPr>
@@ -8252,33 +8351,18 @@
         </p:nvSpPr>
         <p:spPr>
           <a:xfrm>
-            <a:off x="674246" y="452718"/>
-            <a:ext cx="9404723" cy="1400530"/>
+            <a:off x="2510769" y="2585299"/>
+            <a:ext cx="7090431" cy="3551042"/>
           </a:xfrm>
         </p:spPr>
         <p:txBody>
           <a:bodyPr/>
           <a:lstStyle/>
           <a:p>
-            <a:r>
-              <a:rPr lang="en-US" sz="4800" dirty="0"/>
-              <a:t>As Jimmy the user, I want some visual representations to appear on the screen as I dial in to a landmark</a:t>
-            </a:r>
-            <a:br>
-              <a:rPr lang="en-US" sz="4800" dirty="0"/>
-            </a:br>
-            <a:br>
-              <a:rPr lang="en-US" sz="4800" dirty="0"/>
-            </a:br>
-            <a:br>
-              <a:rPr lang="en-US" sz="4800" dirty="0"/>
-            </a:br>
-            <a:br>
-              <a:rPr lang="en-US" sz="4800" dirty="0"/>
-            </a:br>
-            <a:r>
-              <a:rPr lang="en-US" sz="4000" dirty="0"/>
-              <a:t>-[Augmented Landmarks]</a:t>
+            <a:pPr algn="ctr"/>
+            <a:r>
+              <a:rPr lang="en-US" sz="9600" dirty="0"/>
+              <a:t>Questions?</a:t>
             </a:r>
           </a:p>
         </p:txBody>
@@ -8286,7 +8370,7 @@
     </p:spTree>
     <p:extLst>
       <p:ext uri="{BB962C8B-B14F-4D97-AF65-F5344CB8AC3E}">
-        <p14:creationId xmlns:p14="http://schemas.microsoft.com/office/powerpoint/2010/main" val="1983123783"/>
+        <p14:creationId xmlns:p14="http://schemas.microsoft.com/office/powerpoint/2010/main" val="2745381394"/>
       </p:ext>
     </p:extLst>
   </p:cSld>
@@ -8431,7 +8515,7 @@
           <p:cNvPr id="2" name="Title 1">
             <a:extLst>
               <a:ext uri="{FF2B5EF4-FFF2-40B4-BE49-F238E27FC236}">
-                <a16:creationId xmlns:a16="http://schemas.microsoft.com/office/drawing/2014/main" id="{BA35D0AB-9A37-479C-9406-C70EC5D04068}"/>
+                <a16:creationId xmlns:a16="http://schemas.microsoft.com/office/drawing/2014/main" id="{ABFE9964-2DD0-4B8C-9324-5C9218DC5DF7}"/>
               </a:ext>
             </a:extLst>
           </p:cNvPr>
@@ -8442,98 +8526,47 @@
             <p:ph type="title"/>
           </p:nvPr>
         </p:nvSpPr>
-        <p:spPr/>
-        <p:txBody>
-          <a:bodyPr/>
-          <a:lstStyle/>
-          <a:p>
-            <a:r>
-              <a:rPr lang="en-US" dirty="0"/>
-              <a:t>WPF/</a:t>
-            </a:r>
-            <a:r>
-              <a:rPr lang="en-US" dirty="0" err="1"/>
-              <a:t>xaml</a:t>
-            </a:r>
-            <a:endParaRPr lang="en-US" dirty="0"/>
-          </a:p>
-        </p:txBody>
-      </p:sp>
-      <p:sp>
-        <p:nvSpPr>
-          <p:cNvPr id="3" name="Content Placeholder 2">
-            <a:extLst>
-              <a:ext uri="{FF2B5EF4-FFF2-40B4-BE49-F238E27FC236}">
-                <a16:creationId xmlns:a16="http://schemas.microsoft.com/office/drawing/2014/main" id="{C53C1AAE-D52E-4865-94E5-9A746F2B6603}"/>
-              </a:ext>
-            </a:extLst>
-          </p:cNvPr>
-          <p:cNvSpPr>
-            <a:spLocks noGrp="1"/>
-          </p:cNvSpPr>
-          <p:nvPr>
-            <p:ph idx="1"/>
-          </p:nvPr>
-        </p:nvSpPr>
-        <p:spPr/>
-        <p:txBody>
-          <a:bodyPr/>
-          <a:lstStyle/>
-          <a:p>
-            <a:pPr marL="0" indent="0">
-              <a:buNone/>
-            </a:pPr>
-            <a:r>
-              <a:rPr lang="en-US" dirty="0"/>
-              <a:t>Language: C#</a:t>
-            </a:r>
-          </a:p>
-          <a:p>
-            <a:pPr marL="0" indent="0">
-              <a:buNone/>
-            </a:pPr>
-            <a:endParaRPr lang="en-US" dirty="0"/>
-          </a:p>
-          <a:p>
-            <a:pPr marL="0" indent="0">
-              <a:buNone/>
-            </a:pPr>
-            <a:r>
-              <a:rPr lang="en-US" dirty="0"/>
-              <a:t>Pros</a:t>
-            </a:r>
-          </a:p>
-          <a:p>
-            <a:r>
-              <a:rPr lang="en-US" dirty="0"/>
-              <a:t>Well documented</a:t>
-            </a:r>
-          </a:p>
-          <a:p>
-            <a:r>
-              <a:rPr lang="en-US" dirty="0"/>
-              <a:t>Free for us</a:t>
-            </a:r>
-          </a:p>
-          <a:p>
-            <a:pPr marL="0" indent="0">
-              <a:buNone/>
-            </a:pPr>
-            <a:endParaRPr lang="en-US" dirty="0"/>
-          </a:p>
-          <a:p>
-            <a:pPr marL="0" indent="0">
-              <a:buNone/>
-            </a:pPr>
-            <a:r>
-              <a:rPr lang="en-US" dirty="0"/>
-              <a:t>Cons</a:t>
-            </a:r>
-          </a:p>
-          <a:p>
-            <a:r>
-              <a:rPr lang="en-US" dirty="0"/>
-              <a:t>Customizing controls would take a long time</a:t>
+        <p:spPr>
+          <a:xfrm>
+            <a:off x="674246" y="452718"/>
+            <a:ext cx="9404723" cy="1400530"/>
+          </a:xfrm>
+        </p:spPr>
+        <p:txBody>
+          <a:bodyPr/>
+          <a:lstStyle/>
+          <a:p>
+            <a:r>
+              <a:rPr lang="en-US" sz="4800" dirty="0"/>
+              <a:t>As Jimmy the user, I want some visual representations to appear on the screen as I dial in to a landmark</a:t>
+            </a:r>
+            <a:br>
+              <a:rPr lang="en-US" sz="4800" dirty="0"/>
+            </a:br>
+            <a:r>
+              <a:rPr lang="en-US" sz="4800" dirty="0"/>
+              <a:t/>
+            </a:r>
+            <a:br>
+              <a:rPr lang="en-US" sz="4800" dirty="0"/>
+            </a:br>
+            <a:r>
+              <a:rPr lang="en-US" sz="4800" dirty="0"/>
+              <a:t/>
+            </a:r>
+            <a:br>
+              <a:rPr lang="en-US" sz="4800" dirty="0"/>
+            </a:br>
+            <a:r>
+              <a:rPr lang="en-US" sz="4800" dirty="0"/>
+              <a:t/>
+            </a:r>
+            <a:br>
+              <a:rPr lang="en-US" sz="4800" dirty="0"/>
+            </a:br>
+            <a:r>
+              <a:rPr lang="en-US" sz="4000" dirty="0"/>
+              <a:t>-[Augmented Landmarks]</a:t>
             </a:r>
           </a:p>
         </p:txBody>
@@ -8541,7 +8574,7 @@
     </p:spTree>
     <p:extLst>
       <p:ext uri="{BB962C8B-B14F-4D97-AF65-F5344CB8AC3E}">
-        <p14:creationId xmlns:p14="http://schemas.microsoft.com/office/powerpoint/2010/main" val="3528907060"/>
+        <p14:creationId xmlns:p14="http://schemas.microsoft.com/office/powerpoint/2010/main" val="1983123783"/>
       </p:ext>
     </p:extLst>
   </p:cSld>
@@ -8591,8 +8624,13 @@
           <a:p>
             <a:r>
               <a:rPr lang="en-US" dirty="0"/>
-              <a:t>Java GUI</a:t>
-            </a:r>
+              <a:t>WPF/</a:t>
+            </a:r>
+            <a:r>
+              <a:rPr lang="en-US" dirty="0" err="1"/>
+              <a:t>xaml</a:t>
+            </a:r>
+            <a:endParaRPr lang="en-US" dirty="0"/>
           </a:p>
         </p:txBody>
       </p:sp>
@@ -8622,7 +8660,7 @@
             </a:pPr>
             <a:r>
               <a:rPr lang="en-US" dirty="0"/>
-              <a:t>Language: Java</a:t>
+              <a:t>Language: C#</a:t>
             </a:r>
           </a:p>
           <a:p>
@@ -8643,7 +8681,13 @@
           <a:p>
             <a:r>
               <a:rPr lang="en-US" dirty="0"/>
-              <a:t>Easy to get started</a:t>
+              <a:t>Well documented</a:t>
+            </a:r>
+          </a:p>
+          <a:p>
+            <a:r>
+              <a:rPr lang="en-US" dirty="0"/>
+              <a:t>Free for us</a:t>
             </a:r>
           </a:p>
           <a:p>
@@ -8664,13 +8708,7 @@
           <a:p>
             <a:r>
               <a:rPr lang="en-US" dirty="0"/>
-              <a:t>Will have to integrate into other languages</a:t>
-            </a:r>
-          </a:p>
-          <a:p>
-            <a:r>
-              <a:rPr lang="en-US" dirty="0"/>
-              <a:t>Harder to fine tune UI as the project gets bigger</a:t>
+              <a:t>Customizing controls would take a long time</a:t>
             </a:r>
           </a:p>
         </p:txBody>
@@ -8678,7 +8716,7 @@
     </p:spTree>
     <p:extLst>
       <p:ext uri="{BB962C8B-B14F-4D97-AF65-F5344CB8AC3E}">
-        <p14:creationId xmlns:p14="http://schemas.microsoft.com/office/powerpoint/2010/main" val="3375300104"/>
+        <p14:creationId xmlns:p14="http://schemas.microsoft.com/office/powerpoint/2010/main" val="3528907060"/>
       </p:ext>
     </p:extLst>
   </p:cSld>
@@ -8728,7 +8766,7 @@
           <a:p>
             <a:r>
               <a:rPr lang="en-US" dirty="0"/>
-              <a:t>UX App</a:t>
+              <a:t>Java GUI</a:t>
             </a:r>
           </a:p>
         </p:txBody>
@@ -8759,7 +8797,7 @@
             </a:pPr>
             <a:r>
               <a:rPr lang="en-US" dirty="0"/>
-              <a:t>Language: HTML and CSS</a:t>
+              <a:t>Language: Java</a:t>
             </a:r>
           </a:p>
           <a:p>
@@ -8780,13 +8818,7 @@
           <a:p>
             <a:r>
               <a:rPr lang="en-US" dirty="0"/>
-              <a:t>Compatible with Photoshop</a:t>
-            </a:r>
-          </a:p>
-          <a:p>
-            <a:r>
-              <a:rPr lang="en-US" dirty="0"/>
-              <a:t>Gives user data to developers</a:t>
+              <a:t>Easy to get started</a:t>
             </a:r>
           </a:p>
           <a:p>
@@ -8807,13 +8839,13 @@
           <a:p>
             <a:r>
               <a:rPr lang="en-US" dirty="0"/>
-              <a:t>Seems more for graphic designers than programmers</a:t>
-            </a:r>
-          </a:p>
-          <a:p>
-            <a:r>
-              <a:rPr lang="en-US" dirty="0"/>
-              <a:t>$$$</a:t>
+              <a:t>Will have to integrate into other languages</a:t>
+            </a:r>
+          </a:p>
+          <a:p>
+            <a:r>
+              <a:rPr lang="en-US" dirty="0"/>
+              <a:t>Harder to fine tune UI as the project gets bigger</a:t>
             </a:r>
           </a:p>
         </p:txBody>
@@ -8821,7 +8853,7 @@
     </p:spTree>
     <p:extLst>
       <p:ext uri="{BB962C8B-B14F-4D97-AF65-F5344CB8AC3E}">
-        <p14:creationId xmlns:p14="http://schemas.microsoft.com/office/powerpoint/2010/main" val="3182512238"/>
+        <p14:creationId xmlns:p14="http://schemas.microsoft.com/office/powerpoint/2010/main" val="3375300104"/>
       </p:ext>
     </p:extLst>
   </p:cSld>
@@ -8853,7 +8885,7 @@
           <p:cNvPr id="2" name="Title 1">
             <a:extLst>
               <a:ext uri="{FF2B5EF4-FFF2-40B4-BE49-F238E27FC236}">
-                <a16:creationId xmlns:a16="http://schemas.microsoft.com/office/drawing/2014/main" id="{33182361-C770-430C-97A0-B9298FA3FE50}"/>
+                <a16:creationId xmlns:a16="http://schemas.microsoft.com/office/drawing/2014/main" id="{BA35D0AB-9A37-479C-9406-C70EC5D04068}"/>
               </a:ext>
             </a:extLst>
           </p:cNvPr>
@@ -8871,20 +8903,8 @@
           <a:p>
             <a:r>
               <a:rPr lang="en-US" dirty="0"/>
-              <a:t>Chosen Technology:</a:t>
-            </a:r>
-            <a:br>
-              <a:rPr lang="en-US" dirty="0"/>
-            </a:br>
-            <a:r>
-              <a:rPr lang="en-US" dirty="0"/>
-              <a:t>WPF/</a:t>
-            </a:r>
-            <a:r>
-              <a:rPr lang="en-US" dirty="0" err="1"/>
-              <a:t>xaml</a:t>
-            </a:r>
-            <a:endParaRPr lang="en-US" dirty="0"/>
+              <a:t>UX App</a:t>
+            </a:r>
           </a:p>
         </p:txBody>
       </p:sp>
@@ -8893,7 +8913,7 @@
           <p:cNvPr id="3" name="Content Placeholder 2">
             <a:extLst>
               <a:ext uri="{FF2B5EF4-FFF2-40B4-BE49-F238E27FC236}">
-                <a16:creationId xmlns:a16="http://schemas.microsoft.com/office/drawing/2014/main" id="{6457FBD9-768E-4864-B576-83C1D02FB7F8}"/>
+                <a16:creationId xmlns:a16="http://schemas.microsoft.com/office/drawing/2014/main" id="{C53C1AAE-D52E-4865-94E5-9A746F2B6603}"/>
               </a:ext>
             </a:extLst>
           </p:cNvPr>
@@ -8909,27 +8929,66 @@
           <a:bodyPr/>
           <a:lstStyle/>
           <a:p>
-            <a:r>
-              <a:rPr lang="en-US" dirty="0"/>
-              <a:t>Easily expandable over time</a:t>
-            </a:r>
-          </a:p>
-          <a:p>
+            <a:pPr marL="0" indent="0">
+              <a:buNone/>
+            </a:pPr>
+            <a:r>
+              <a:rPr lang="en-US" dirty="0"/>
+              <a:t>Language: HTML and CSS</a:t>
+            </a:r>
+          </a:p>
+          <a:p>
+            <a:pPr marL="0" indent="0">
+              <a:buNone/>
+            </a:pPr>
             <a:endParaRPr lang="en-US" dirty="0"/>
           </a:p>
           <a:p>
-            <a:r>
-              <a:rPr lang="en-US" dirty="0"/>
-              <a:t>No cost for us</a:t>
-            </a:r>
-          </a:p>
-          <a:p>
+            <a:pPr marL="0" indent="0">
+              <a:buNone/>
+            </a:pPr>
+            <a:r>
+              <a:rPr lang="en-US" dirty="0"/>
+              <a:t>Pros</a:t>
+            </a:r>
+          </a:p>
+          <a:p>
+            <a:r>
+              <a:rPr lang="en-US" dirty="0"/>
+              <a:t>Compatible with Photoshop</a:t>
+            </a:r>
+          </a:p>
+          <a:p>
+            <a:r>
+              <a:rPr lang="en-US" dirty="0"/>
+              <a:t>Gives user data to developers</a:t>
+            </a:r>
+          </a:p>
+          <a:p>
+            <a:pPr marL="0" indent="0">
+              <a:buNone/>
+            </a:pPr>
             <a:endParaRPr lang="en-US" dirty="0"/>
           </a:p>
           <a:p>
-            <a:r>
-              <a:rPr lang="en-US" dirty="0"/>
-              <a:t>Can easily integrate calls to other languages such as JavaScript for API calls</a:t>
+            <a:pPr marL="0" indent="0">
+              <a:buNone/>
+            </a:pPr>
+            <a:r>
+              <a:rPr lang="en-US" dirty="0"/>
+              <a:t>Cons</a:t>
+            </a:r>
+          </a:p>
+          <a:p>
+            <a:r>
+              <a:rPr lang="en-US" dirty="0"/>
+              <a:t>Seems more for graphic designers than programmers</a:t>
+            </a:r>
+          </a:p>
+          <a:p>
+            <a:r>
+              <a:rPr lang="en-US" dirty="0"/>
+              <a:t>$$$</a:t>
             </a:r>
           </a:p>
         </p:txBody>
@@ -8937,7 +8996,7 @@
     </p:spTree>
     <p:extLst>
       <p:ext uri="{BB962C8B-B14F-4D97-AF65-F5344CB8AC3E}">
-        <p14:creationId xmlns:p14="http://schemas.microsoft.com/office/powerpoint/2010/main" val="3395378749"/>
+        <p14:creationId xmlns:p14="http://schemas.microsoft.com/office/powerpoint/2010/main" val="3182512238"/>
       </p:ext>
     </p:extLst>
   </p:cSld>
@@ -8969,7 +9028,7 @@
           <p:cNvPr id="2" name="Title 1">
             <a:extLst>
               <a:ext uri="{FF2B5EF4-FFF2-40B4-BE49-F238E27FC236}">
-                <a16:creationId xmlns:a16="http://schemas.microsoft.com/office/drawing/2014/main" id="{5168C9A3-0FEC-407D-8D80-9D769729C42A}"/>
+                <a16:creationId xmlns:a16="http://schemas.microsoft.com/office/drawing/2014/main" id="{33182361-C770-430C-97A0-B9298FA3FE50}"/>
               </a:ext>
             </a:extLst>
           </p:cNvPr>
@@ -8980,20 +9039,72 @@
             <p:ph type="title"/>
           </p:nvPr>
         </p:nvSpPr>
-        <p:spPr>
-          <a:xfrm>
-            <a:off x="2510769" y="2585299"/>
-            <a:ext cx="7090431" cy="3551042"/>
-          </a:xfrm>
-        </p:spPr>
-        <p:txBody>
-          <a:bodyPr/>
-          <a:lstStyle/>
-          <a:p>
-            <a:pPr algn="ctr"/>
-            <a:r>
-              <a:rPr lang="en-US" sz="9600" dirty="0"/>
-              <a:t>Questions?</a:t>
+        <p:spPr/>
+        <p:txBody>
+          <a:bodyPr/>
+          <a:lstStyle/>
+          <a:p>
+            <a:r>
+              <a:rPr lang="en-US" dirty="0"/>
+              <a:t>Chosen Technology:</a:t>
+            </a:r>
+            <a:br>
+              <a:rPr lang="en-US" dirty="0"/>
+            </a:br>
+            <a:r>
+              <a:rPr lang="en-US" dirty="0"/>
+              <a:t>WPF/</a:t>
+            </a:r>
+            <a:r>
+              <a:rPr lang="en-US" dirty="0" err="1"/>
+              <a:t>xaml</a:t>
+            </a:r>
+            <a:endParaRPr lang="en-US" dirty="0"/>
+          </a:p>
+        </p:txBody>
+      </p:sp>
+      <p:sp>
+        <p:nvSpPr>
+          <p:cNvPr id="3" name="Content Placeholder 2">
+            <a:extLst>
+              <a:ext uri="{FF2B5EF4-FFF2-40B4-BE49-F238E27FC236}">
+                <a16:creationId xmlns:a16="http://schemas.microsoft.com/office/drawing/2014/main" id="{6457FBD9-768E-4864-B576-83C1D02FB7F8}"/>
+              </a:ext>
+            </a:extLst>
+          </p:cNvPr>
+          <p:cNvSpPr>
+            <a:spLocks noGrp="1"/>
+          </p:cNvSpPr>
+          <p:nvPr>
+            <p:ph idx="1"/>
+          </p:nvPr>
+        </p:nvSpPr>
+        <p:spPr/>
+        <p:txBody>
+          <a:bodyPr/>
+          <a:lstStyle/>
+          <a:p>
+            <a:r>
+              <a:rPr lang="en-US" dirty="0"/>
+              <a:t>Easily expandable over time</a:t>
+            </a:r>
+          </a:p>
+          <a:p>
+            <a:endParaRPr lang="en-US" dirty="0"/>
+          </a:p>
+          <a:p>
+            <a:r>
+              <a:rPr lang="en-US" dirty="0"/>
+              <a:t>No cost for us</a:t>
+            </a:r>
+          </a:p>
+          <a:p>
+            <a:endParaRPr lang="en-US" dirty="0"/>
+          </a:p>
+          <a:p>
+            <a:r>
+              <a:rPr lang="en-US" dirty="0"/>
+              <a:t>Can easily integrate calls to other languages such as JavaScript for API calls</a:t>
             </a:r>
           </a:p>
         </p:txBody>
@@ -9001,7 +9112,7 @@
     </p:spTree>
     <p:extLst>
       <p:ext uri="{BB962C8B-B14F-4D97-AF65-F5344CB8AC3E}">
-        <p14:creationId xmlns:p14="http://schemas.microsoft.com/office/powerpoint/2010/main" val="1457892687"/>
+        <p14:creationId xmlns:p14="http://schemas.microsoft.com/office/powerpoint/2010/main" val="3395378749"/>
       </p:ext>
     </p:extLst>
   </p:cSld>
@@ -9033,7 +9144,7 @@
           <p:cNvPr id="2" name="Title 1">
             <a:extLst>
               <a:ext uri="{FF2B5EF4-FFF2-40B4-BE49-F238E27FC236}">
-                <a16:creationId xmlns:a16="http://schemas.microsoft.com/office/drawing/2014/main" id="{ABFE9964-2DD0-4B8C-9324-5C9218DC5DF7}"/>
+                <a16:creationId xmlns:a16="http://schemas.microsoft.com/office/drawing/2014/main" id="{5168C9A3-0FEC-407D-8D80-9D769729C42A}"/>
               </a:ext>
             </a:extLst>
           </p:cNvPr>
@@ -9046,37 +9157,18 @@
         </p:nvSpPr>
         <p:spPr>
           <a:xfrm>
-            <a:off x="674246" y="452718"/>
-            <a:ext cx="9404723" cy="1400530"/>
+            <a:off x="2510769" y="2585299"/>
+            <a:ext cx="7090431" cy="3551042"/>
           </a:xfrm>
         </p:spPr>
         <p:txBody>
           <a:bodyPr/>
           <a:lstStyle/>
           <a:p>
-            <a:r>
-              <a:rPr lang="en-US" sz="4800" dirty="0"/>
-              <a:t>As Billy the new user, I want to log into an account for this app.</a:t>
-            </a:r>
-            <a:br>
-              <a:rPr lang="en-US" sz="4800" dirty="0"/>
-            </a:br>
-            <a:br>
-              <a:rPr lang="en-US" sz="4800" dirty="0"/>
-            </a:br>
-            <a:br>
-              <a:rPr lang="en-US" sz="4800" dirty="0"/>
-            </a:br>
-            <a:br>
-              <a:rPr lang="en-US" sz="4800" dirty="0"/>
-            </a:br>
-            <a:r>
-              <a:rPr lang="en-US" sz="4800" dirty="0"/>
-              <a:t>-</a:t>
-            </a:r>
-            <a:r>
-              <a:rPr lang="en-US" sz="4000" dirty="0"/>
-              <a:t>[User Accounts]</a:t>
+            <a:pPr algn="ctr"/>
+            <a:r>
+              <a:rPr lang="en-US" sz="9600" dirty="0"/>
+              <a:t>Questions?</a:t>
             </a:r>
           </a:p>
         </p:txBody>
@@ -9084,7 +9176,7 @@
     </p:spTree>
     <p:extLst>
       <p:ext uri="{BB962C8B-B14F-4D97-AF65-F5344CB8AC3E}">
-        <p14:creationId xmlns:p14="http://schemas.microsoft.com/office/powerpoint/2010/main" val="2229278952"/>
+        <p14:creationId xmlns:p14="http://schemas.microsoft.com/office/powerpoint/2010/main" val="1457892687"/>
       </p:ext>
     </p:extLst>
   </p:cSld>
@@ -9127,31 +9219,51 @@
             <p:ph type="title"/>
           </p:nvPr>
         </p:nvSpPr>
-        <p:spPr/>
-        <p:txBody>
-          <a:bodyPr/>
-          <a:lstStyle/>
-          <a:p>
-            <a:r>
-              <a:rPr lang="en-US" sz="5400" dirty="0"/>
-              <a:t>As Tina the fisherman I want to privately save a great spot I found that so I can get back to it in the future.</a:t>
+        <p:spPr>
+          <a:xfrm>
+            <a:off x="674246" y="452718"/>
+            <a:ext cx="9404723" cy="1400530"/>
+          </a:xfrm>
+        </p:spPr>
+        <p:txBody>
+          <a:bodyPr/>
+          <a:lstStyle/>
+          <a:p>
+            <a:r>
+              <a:rPr lang="en-US" sz="4800" dirty="0"/>
+              <a:t>As Billy the new user, I want to log into an account for this app.</a:t>
             </a:r>
             <a:br>
-              <a:rPr lang="en-US" sz="5400" dirty="0"/>
+              <a:rPr lang="en-US" sz="4800" dirty="0"/>
             </a:br>
+            <a:r>
+              <a:rPr lang="en-US" sz="4800" dirty="0"/>
+              <a:t/>
+            </a:r>
             <a:br>
-              <a:rPr lang="en-US" sz="5400" dirty="0"/>
+              <a:rPr lang="en-US" sz="4800" dirty="0"/>
             </a:br>
+            <a:r>
+              <a:rPr lang="en-US" sz="4800" dirty="0"/>
+              <a:t/>
+            </a:r>
             <a:br>
-              <a:rPr lang="en-US" sz="5400" dirty="0"/>
+              <a:rPr lang="en-US" sz="4800" dirty="0"/>
             </a:br>
             <a:r>
-              <a:rPr lang="en-US" sz="5400" dirty="0"/>
+              <a:rPr lang="en-US" sz="4800" dirty="0"/>
+              <a:t/>
+            </a:r>
+            <a:br>
+              <a:rPr lang="en-US" sz="4800" dirty="0"/>
+            </a:br>
+            <a:r>
+              <a:rPr lang="en-US" sz="4800" dirty="0"/>
               <a:t>-</a:t>
             </a:r>
             <a:r>
               <a:rPr lang="en-US" sz="4000" dirty="0"/>
-              <a:t>[Custom Landmarks]</a:t>
+              <a:t>[User Accounts]</a:t>
             </a:r>
           </a:p>
         </p:txBody>
@@ -9159,7 +9271,7 @@
     </p:spTree>
     <p:extLst>
       <p:ext uri="{BB962C8B-B14F-4D97-AF65-F5344CB8AC3E}">
-        <p14:creationId xmlns:p14="http://schemas.microsoft.com/office/powerpoint/2010/main" val="2394297851"/>
+        <p14:creationId xmlns:p14="http://schemas.microsoft.com/office/powerpoint/2010/main" val="2229278952"/>
       </p:ext>
     </p:extLst>
   </p:cSld>
@@ -9202,38 +9314,39 @@
             <p:ph type="title"/>
           </p:nvPr>
         </p:nvSpPr>
-        <p:spPr>
-          <a:xfrm>
-            <a:off x="674246" y="452718"/>
-            <a:ext cx="9404723" cy="1400530"/>
-          </a:xfrm>
-        </p:spPr>
-        <p:txBody>
-          <a:bodyPr/>
-          <a:lstStyle/>
-          <a:p>
-            <a:r>
-              <a:rPr lang="en-US" dirty="0"/>
-              <a:t>As Kara the dedicated user, I want to save my landmarks online so I can access them from another device.</a:t>
+        <p:spPr/>
+        <p:txBody>
+          <a:bodyPr/>
+          <a:lstStyle/>
+          <a:p>
+            <a:r>
+              <a:rPr lang="en-US" sz="5400" dirty="0"/>
+              <a:t>As Tina the fisherman I want to privately save a great spot I found that so I can get back to it in the future.</a:t>
             </a:r>
             <a:br>
-              <a:rPr lang="en-US" dirty="0"/>
+              <a:rPr lang="en-US" sz="5400" dirty="0"/>
             </a:br>
+            <a:r>
+              <a:rPr lang="en-US" sz="5400" dirty="0"/>
+              <a:t/>
+            </a:r>
             <a:br>
-              <a:rPr lang="en-US" dirty="0"/>
+              <a:rPr lang="en-US" sz="5400" dirty="0"/>
             </a:br>
+            <a:r>
+              <a:rPr lang="en-US" sz="5400" dirty="0"/>
+              <a:t/>
+            </a:r>
             <a:br>
-              <a:rPr lang="en-US" dirty="0"/>
+              <a:rPr lang="en-US" sz="5400" dirty="0"/>
             </a:br>
-            <a:br>
-              <a:rPr lang="en-US" dirty="0"/>
-            </a:br>
-            <a:br>
-              <a:rPr lang="en-US" dirty="0"/>
-            </a:br>
+            <a:r>
+              <a:rPr lang="en-US" sz="5400" dirty="0"/>
+              <a:t>-</a:t>
+            </a:r>
             <a:r>
               <a:rPr lang="en-US" sz="4000" dirty="0"/>
-              <a:t>-[Saved Landmarks]</a:t>
+              <a:t>[Custom Landmarks]</a:t>
             </a:r>
           </a:p>
         </p:txBody>
@@ -9241,7 +9354,7 @@
     </p:spTree>
     <p:extLst>
       <p:ext uri="{BB962C8B-B14F-4D97-AF65-F5344CB8AC3E}">
-        <p14:creationId xmlns:p14="http://schemas.microsoft.com/office/powerpoint/2010/main" val="2994192456"/>
+        <p14:creationId xmlns:p14="http://schemas.microsoft.com/office/powerpoint/2010/main" val="2394297851"/>
       </p:ext>
     </p:extLst>
   </p:cSld>
@@ -9284,33 +9397,54 @@
             <p:ph type="title"/>
           </p:nvPr>
         </p:nvSpPr>
-        <p:spPr/>
-        <p:txBody>
-          <a:bodyPr/>
-          <a:lstStyle/>
-          <a:p>
-            <a:r>
-              <a:rPr lang="en-US" sz="4800" dirty="0"/>
-              <a:t>As Nancy the frequent user, I want to have a list of all the landmarks I’ve visited.</a:t>
+        <p:spPr>
+          <a:xfrm>
+            <a:off x="674246" y="452718"/>
+            <a:ext cx="9404723" cy="1400530"/>
+          </a:xfrm>
+        </p:spPr>
+        <p:txBody>
+          <a:bodyPr/>
+          <a:lstStyle/>
+          <a:p>
+            <a:r>
+              <a:rPr lang="en-US" dirty="0"/>
+              <a:t>As Kara the dedicated user, I want to save my landmarks online so I can access them from another device.</a:t>
             </a:r>
             <a:br>
-              <a:rPr lang="en-US" sz="4800" dirty="0"/>
+              <a:rPr lang="en-US" dirty="0"/>
             </a:br>
+            <a:r>
+              <a:rPr lang="en-US" dirty="0"/>
+              <a:t/>
+            </a:r>
             <a:br>
-              <a:rPr lang="en-US" sz="4800" dirty="0"/>
+              <a:rPr lang="en-US" dirty="0"/>
             </a:br>
+            <a:r>
+              <a:rPr lang="en-US" dirty="0"/>
+              <a:t/>
+            </a:r>
             <a:br>
-              <a:rPr lang="en-US" sz="4800" dirty="0"/>
+              <a:rPr lang="en-US" dirty="0"/>
             </a:br>
+            <a:r>
+              <a:rPr lang="en-US" dirty="0"/>
+              <a:t/>
+            </a:r>
             <a:br>
-              <a:rPr lang="en-US" sz="4800" dirty="0"/>
+              <a:rPr lang="en-US" dirty="0"/>
             </a:br>
+            <a:r>
+              <a:rPr lang="en-US" dirty="0"/>
+              <a:t/>
+            </a:r>
             <a:br>
-              <a:rPr lang="en-US" sz="4800" dirty="0"/>
+              <a:rPr lang="en-US" dirty="0"/>
             </a:br>
             <a:r>
               <a:rPr lang="en-US" sz="4000" dirty="0"/>
-              <a:t>-[Landmark History]</a:t>
+              <a:t>-[Saved Landmarks]</a:t>
             </a:r>
           </a:p>
         </p:txBody>
@@ -9318,7 +9452,7 @@
     </p:spTree>
     <p:extLst>
       <p:ext uri="{BB962C8B-B14F-4D97-AF65-F5344CB8AC3E}">
-        <p14:creationId xmlns:p14="http://schemas.microsoft.com/office/powerpoint/2010/main" val="2401975838"/>
+        <p14:creationId xmlns:p14="http://schemas.microsoft.com/office/powerpoint/2010/main" val="2994192456"/>
       </p:ext>
     </p:extLst>
   </p:cSld>
@@ -9367,18 +9501,43 @@
           <a:lstStyle/>
           <a:p>
             <a:r>
-              <a:rPr lang="en-US" sz="5400" dirty="0"/>
-              <a:t>As Dora the explorer, I want to save personal notes about my trips to landmarks so that Swiper doesn’t swipe them.</a:t>
+              <a:rPr lang="en-US" sz="4800" dirty="0"/>
+              <a:t>As Nancy the frequent user, I want to have a list of all the landmarks I’ve visited.</a:t>
             </a:r>
             <a:br>
-              <a:rPr lang="en-US" sz="5400" dirty="0"/>
+              <a:rPr lang="en-US" sz="4800" dirty="0"/>
             </a:br>
+            <a:r>
+              <a:rPr lang="en-US" sz="4800" dirty="0"/>
+              <a:t/>
+            </a:r>
             <a:br>
-              <a:rPr lang="en-US" sz="5400" dirty="0"/>
+              <a:rPr lang="en-US" sz="4800" dirty="0"/>
             </a:br>
             <a:r>
+              <a:rPr lang="en-US" sz="4800" dirty="0"/>
+              <a:t/>
+            </a:r>
+            <a:br>
+              <a:rPr lang="en-US" sz="4800" dirty="0"/>
+            </a:br>
+            <a:r>
+              <a:rPr lang="en-US" sz="4800" dirty="0"/>
+              <a:t/>
+            </a:r>
+            <a:br>
+              <a:rPr lang="en-US" sz="4800" dirty="0"/>
+            </a:br>
+            <a:r>
+              <a:rPr lang="en-US" sz="4800" dirty="0"/>
+              <a:t/>
+            </a:r>
+            <a:br>
+              <a:rPr lang="en-US" sz="4800" dirty="0"/>
+            </a:br>
+            <a:r>
               <a:rPr lang="en-US" sz="4000" dirty="0"/>
-              <a:t>-[Saved Notes]</a:t>
+              <a:t>-[Landmark History]</a:t>
             </a:r>
           </a:p>
         </p:txBody>
@@ -9386,7 +9545,7 @@
     </p:spTree>
     <p:extLst>
       <p:ext uri="{BB962C8B-B14F-4D97-AF65-F5344CB8AC3E}">
-        <p14:creationId xmlns:p14="http://schemas.microsoft.com/office/powerpoint/2010/main" val="1860043813"/>
+        <p14:creationId xmlns:p14="http://schemas.microsoft.com/office/powerpoint/2010/main" val="2401975838"/>
       </p:ext>
     </p:extLst>
   </p:cSld>
@@ -9441,12 +9600,24 @@
             <a:br>
               <a:rPr lang="en-US" sz="4800" dirty="0"/>
             </a:br>
+            <a:r>
+              <a:rPr lang="en-US" sz="4800" dirty="0"/>
+              <a:t/>
+            </a:r>
             <a:br>
               <a:rPr lang="en-US" sz="4800" dirty="0"/>
             </a:br>
+            <a:r>
+              <a:rPr lang="en-US" sz="4800" dirty="0"/>
+              <a:t/>
+            </a:r>
             <a:br>
               <a:rPr lang="en-US" sz="4800" dirty="0"/>
             </a:br>
+            <a:r>
+              <a:rPr lang="en-US" sz="4800" dirty="0"/>
+              <a:t/>
+            </a:r>
             <a:br>
               <a:rPr lang="en-US" sz="4800" dirty="0"/>
             </a:br>
@@ -9509,22 +9680,22 @@
           <a:lstStyle/>
           <a:p>
             <a:r>
-              <a:rPr lang="en-US" sz="4800" dirty="0"/>
-              <a:t>As George the photographer, I want all the pictures taken at each location to be associated with the location they were taken at.</a:t>
+              <a:rPr lang="en-US" sz="5400" dirty="0"/>
+              <a:t>As Dora the explorer, I want to save personal notes about my trips to landmarks so that Swiper doesn’t swipe them.</a:t>
             </a:r>
             <a:br>
-              <a:rPr lang="en-US" sz="4800" dirty="0"/>
+              <a:rPr lang="en-US" sz="5400" dirty="0"/>
             </a:br>
+            <a:r>
+              <a:rPr lang="en-US" sz="5400" dirty="0"/>
+              <a:t/>
+            </a:r>
             <a:br>
-              <a:rPr lang="en-US" sz="4800" dirty="0"/>
+              <a:rPr lang="en-US" sz="5400" dirty="0"/>
             </a:br>
             <a:r>
-              <a:rPr lang="en-US" sz="4800" dirty="0"/>
-              <a:t>-</a:t>
-            </a:r>
-            <a:r>
               <a:rPr lang="en-US" sz="4000" dirty="0"/>
-              <a:t>[Associated Photos]</a:t>
+              <a:t>-[Saved Notes]</a:t>
             </a:r>
           </a:p>
         </p:txBody>
@@ -9532,7 +9703,7 @@
     </p:spTree>
     <p:extLst>
       <p:ext uri="{BB962C8B-B14F-4D97-AF65-F5344CB8AC3E}">
-        <p14:creationId xmlns:p14="http://schemas.microsoft.com/office/powerpoint/2010/main" val="2127297725"/>
+        <p14:creationId xmlns:p14="http://schemas.microsoft.com/office/powerpoint/2010/main" val="1860043813"/>
       </p:ext>
     </p:extLst>
   </p:cSld>
@@ -9581,18 +9752,26 @@
           <a:lstStyle/>
           <a:p>
             <a:r>
-              <a:rPr lang="en-US" sz="5400" dirty="0"/>
-              <a:t>As Francine the world traveler, I want to easily show my friends a quick slideshow style summary of all the places I’ve been.</a:t>
+              <a:rPr lang="en-US" sz="4800" dirty="0"/>
+              <a:t>As George the photographer, I want all the pictures taken at each location to be associated with the location they were taken at.</a:t>
             </a:r>
             <a:br>
-              <a:rPr lang="en-US" sz="5400" dirty="0"/>
+              <a:rPr lang="en-US" sz="4800" dirty="0"/>
             </a:br>
+            <a:r>
+              <a:rPr lang="en-US" sz="4800" dirty="0"/>
+              <a:t/>
+            </a:r>
             <a:br>
-              <a:rPr lang="en-US" sz="5400" dirty="0"/>
+              <a:rPr lang="en-US" sz="4800" dirty="0"/>
             </a:br>
             <a:r>
+              <a:rPr lang="en-US" sz="4800" dirty="0"/>
+              <a:t>-</a:t>
+            </a:r>
+            <a:r>
               <a:rPr lang="en-US" sz="4000" dirty="0"/>
-              <a:t>-[Slideshow Summary]</a:t>
+              <a:t>[Associated Photos]</a:t>
             </a:r>
           </a:p>
         </p:txBody>
@@ -9600,7 +9779,7 @@
     </p:spTree>
     <p:extLst>
       <p:ext uri="{BB962C8B-B14F-4D97-AF65-F5344CB8AC3E}">
-        <p14:creationId xmlns:p14="http://schemas.microsoft.com/office/powerpoint/2010/main" val="83345420"/>
+        <p14:creationId xmlns:p14="http://schemas.microsoft.com/office/powerpoint/2010/main" val="2127297725"/>
       </p:ext>
     </p:extLst>
   </p:cSld>
@@ -9643,35 +9822,28 @@
             <p:ph type="title"/>
           </p:nvPr>
         </p:nvSpPr>
-        <p:spPr>
-          <a:xfrm>
-            <a:off x="716449" y="452718"/>
-            <a:ext cx="9404723" cy="1400530"/>
-          </a:xfrm>
-        </p:spPr>
-        <p:txBody>
-          <a:bodyPr/>
-          <a:lstStyle/>
-          <a:p>
-            <a:r>
-              <a:rPr lang="en-US" sz="4800" dirty="0"/>
-              <a:t>As Hannah the avid hiker, I want to rate locations so that newcomers to the area know where to go. </a:t>
+        <p:spPr/>
+        <p:txBody>
+          <a:bodyPr/>
+          <a:lstStyle/>
+          <a:p>
+            <a:r>
+              <a:rPr lang="en-US" sz="5400" dirty="0"/>
+              <a:t>As Francine the world traveler, I want to easily show my friends a quick slideshow style summary of all the places I’ve been.</a:t>
             </a:r>
             <a:br>
-              <a:rPr lang="en-US" sz="4800" dirty="0"/>
+              <a:rPr lang="en-US" sz="5400" dirty="0"/>
             </a:br>
+            <a:r>
+              <a:rPr lang="en-US" sz="5400" dirty="0"/>
+              <a:t/>
+            </a:r>
             <a:br>
-              <a:rPr lang="en-US" sz="4800" dirty="0"/>
+              <a:rPr lang="en-US" sz="5400" dirty="0"/>
             </a:br>
-            <a:br>
-              <a:rPr lang="en-US" sz="4800" dirty="0"/>
-            </a:br>
-            <a:br>
-              <a:rPr lang="en-US" sz="4800" dirty="0"/>
-            </a:br>
             <a:r>
               <a:rPr lang="en-US" sz="4000" dirty="0"/>
-              <a:t>-[Rating System]</a:t>
+              <a:t>-[Slideshow Summary]</a:t>
             </a:r>
           </a:p>
         </p:txBody>
@@ -9679,7 +9851,7 @@
     </p:spTree>
     <p:extLst>
       <p:ext uri="{BB962C8B-B14F-4D97-AF65-F5344CB8AC3E}">
-        <p14:creationId xmlns:p14="http://schemas.microsoft.com/office/powerpoint/2010/main" val="371364707"/>
+        <p14:creationId xmlns:p14="http://schemas.microsoft.com/office/powerpoint/2010/main" val="83345420"/>
       </p:ext>
     </p:extLst>
   </p:cSld>
@@ -9722,30 +9894,47 @@
             <p:ph type="title"/>
           </p:nvPr>
         </p:nvSpPr>
-        <p:spPr/>
+        <p:spPr>
+          <a:xfrm>
+            <a:off x="716449" y="452718"/>
+            <a:ext cx="9404723" cy="1400530"/>
+          </a:xfrm>
+        </p:spPr>
         <p:txBody>
           <a:bodyPr/>
           <a:lstStyle/>
           <a:p>
             <a:r>
               <a:rPr lang="en-US" sz="4800" dirty="0"/>
-              <a:t>As Dan the introverted hiker, I want to know the traffic of a landmark so that I can avoid busy places.</a:t>
+              <a:t>As Hannah the avid hiker, I want to rate locations so that newcomers to the area know where to go. </a:t>
             </a:r>
             <a:br>
               <a:rPr lang="en-US" sz="4800" dirty="0"/>
             </a:br>
+            <a:r>
+              <a:rPr lang="en-US" sz="4800" dirty="0"/>
+              <a:t/>
+            </a:r>
             <a:br>
               <a:rPr lang="en-US" sz="4800" dirty="0"/>
             </a:br>
+            <a:r>
+              <a:rPr lang="en-US" sz="4800" dirty="0"/>
+              <a:t/>
+            </a:r>
             <a:br>
               <a:rPr lang="en-US" sz="4800" dirty="0"/>
             </a:br>
+            <a:r>
+              <a:rPr lang="en-US" sz="4800" dirty="0"/>
+              <a:t/>
+            </a:r>
             <a:br>
               <a:rPr lang="en-US" sz="4800" dirty="0"/>
             </a:br>
             <a:r>
               <a:rPr lang="en-US" sz="4000" dirty="0"/>
-              <a:t>-[Popularity System]</a:t>
+              <a:t>-[Rating System]</a:t>
             </a:r>
           </a:p>
         </p:txBody>
@@ -9753,7 +9942,7 @@
     </p:spTree>
     <p:extLst>
       <p:ext uri="{BB962C8B-B14F-4D97-AF65-F5344CB8AC3E}">
-        <p14:creationId xmlns:p14="http://schemas.microsoft.com/office/powerpoint/2010/main" val="2379561662"/>
+        <p14:creationId xmlns:p14="http://schemas.microsoft.com/office/powerpoint/2010/main" val="371364707"/>
       </p:ext>
     </p:extLst>
   </p:cSld>
@@ -9785,7 +9974,7 @@
           <p:cNvPr id="2" name="Title 1">
             <a:extLst>
               <a:ext uri="{FF2B5EF4-FFF2-40B4-BE49-F238E27FC236}">
-                <a16:creationId xmlns:a16="http://schemas.microsoft.com/office/drawing/2014/main" id="{BA35D0AB-9A37-479C-9406-C70EC5D04068}"/>
+                <a16:creationId xmlns:a16="http://schemas.microsoft.com/office/drawing/2014/main" id="{ABFE9964-2DD0-4B8C-9324-5C9218DC5DF7}"/>
               </a:ext>
             </a:extLst>
           </p:cNvPr>
@@ -9802,86 +9991,44 @@
           <a:lstStyle/>
           <a:p>
             <a:r>
-              <a:rPr lang="en-US" dirty="0"/>
-              <a:t>Oracle Database</a:t>
-            </a:r>
-          </a:p>
-        </p:txBody>
-      </p:sp>
-      <p:sp>
-        <p:nvSpPr>
-          <p:cNvPr id="3" name="Content Placeholder 2">
-            <a:extLst>
-              <a:ext uri="{FF2B5EF4-FFF2-40B4-BE49-F238E27FC236}">
-                <a16:creationId xmlns:a16="http://schemas.microsoft.com/office/drawing/2014/main" id="{C53C1AAE-D52E-4865-94E5-9A746F2B6603}"/>
-              </a:ext>
-            </a:extLst>
-          </p:cNvPr>
-          <p:cNvSpPr>
-            <a:spLocks noGrp="1"/>
-          </p:cNvSpPr>
-          <p:nvPr>
-            <p:ph idx="1"/>
-          </p:nvPr>
-        </p:nvSpPr>
-        <p:spPr/>
-        <p:txBody>
-          <a:bodyPr/>
-          <a:lstStyle/>
-          <a:p>
-            <a:pPr marL="0" indent="0">
-              <a:buNone/>
-            </a:pPr>
-            <a:r>
-              <a:rPr lang="en-US" dirty="0"/>
-              <a:t>Pros</a:t>
-            </a:r>
-          </a:p>
-          <a:p>
-            <a:r>
-              <a:rPr lang="en-US" dirty="0"/>
-              <a:t>Modern/Latest Features</a:t>
-            </a:r>
-          </a:p>
-          <a:p>
-            <a:r>
-              <a:rPr lang="en-US" dirty="0"/>
-              <a:t>Versatile</a:t>
-            </a:r>
-          </a:p>
-          <a:p>
-            <a:endParaRPr lang="en-US" dirty="0"/>
-          </a:p>
-          <a:p>
-            <a:pPr marL="0" indent="0">
-              <a:buNone/>
-            </a:pPr>
-            <a:r>
-              <a:rPr lang="en-US" dirty="0"/>
-              <a:t>Cons</a:t>
-            </a:r>
-          </a:p>
-          <a:p>
-            <a:r>
-              <a:rPr lang="en-US" dirty="0"/>
-              <a:t>Requires significant resources</a:t>
-            </a:r>
-          </a:p>
-          <a:p>
-            <a:r>
-              <a:rPr lang="en-US" dirty="0"/>
-              <a:t>$$$$$</a:t>
-            </a:r>
-          </a:p>
-          <a:p>
-            <a:endParaRPr lang="en-US" dirty="0"/>
+              <a:rPr lang="en-US" sz="4800" dirty="0"/>
+              <a:t>As Dan the introverted hiker, I want to know the traffic of a landmark so that I can avoid busy places.</a:t>
+            </a:r>
+            <a:br>
+              <a:rPr lang="en-US" sz="4800" dirty="0"/>
+            </a:br>
+            <a:r>
+              <a:rPr lang="en-US" sz="4800" dirty="0"/>
+              <a:t/>
+            </a:r>
+            <a:br>
+              <a:rPr lang="en-US" sz="4800" dirty="0"/>
+            </a:br>
+            <a:r>
+              <a:rPr lang="en-US" sz="4800" dirty="0"/>
+              <a:t/>
+            </a:r>
+            <a:br>
+              <a:rPr lang="en-US" sz="4800" dirty="0"/>
+            </a:br>
+            <a:r>
+              <a:rPr lang="en-US" sz="4800" dirty="0"/>
+              <a:t/>
+            </a:r>
+            <a:br>
+              <a:rPr lang="en-US" sz="4800" dirty="0"/>
+            </a:br>
+            <a:r>
+              <a:rPr lang="en-US" sz="4000" dirty="0"/>
+              <a:t>-[Popularity System]</a:t>
+            </a:r>
           </a:p>
         </p:txBody>
       </p:sp>
     </p:spTree>
     <p:extLst>
       <p:ext uri="{BB962C8B-B14F-4D97-AF65-F5344CB8AC3E}">
-        <p14:creationId xmlns:p14="http://schemas.microsoft.com/office/powerpoint/2010/main" val="2936361029"/>
+        <p14:creationId xmlns:p14="http://schemas.microsoft.com/office/powerpoint/2010/main" val="2379561662"/>
       </p:ext>
     </p:extLst>
   </p:cSld>
@@ -9931,7 +10078,7 @@
           <a:p>
             <a:r>
               <a:rPr lang="en-US" dirty="0"/>
-              <a:t>MS SQL Server</a:t>
+              <a:t>Oracle Database</a:t>
             </a:r>
           </a:p>
         </p:txBody>
@@ -9968,19 +10115,13 @@
           <a:p>
             <a:r>
               <a:rPr lang="en-US" dirty="0"/>
-              <a:t>Free Edition</a:t>
-            </a:r>
-          </a:p>
-          <a:p>
-            <a:r>
-              <a:rPr lang="en-US" dirty="0"/>
-              <a:t>Widely supported</a:t>
-            </a:r>
-          </a:p>
-          <a:p>
-            <a:r>
-              <a:rPr lang="en-US" dirty="0"/>
-              <a:t>Secure </a:t>
+              <a:t>Modern/Latest Features</a:t>
+            </a:r>
+          </a:p>
+          <a:p>
+            <a:r>
+              <a:rPr lang="en-US" dirty="0"/>
+              <a:t>Versatile</a:t>
             </a:r>
           </a:p>
           <a:p>
@@ -9998,13 +10139,13 @@
           <a:p>
             <a:r>
               <a:rPr lang="en-US" dirty="0"/>
-              <a:t>Windows-Only</a:t>
-            </a:r>
-          </a:p>
-          <a:p>
-            <a:r>
-              <a:rPr lang="en-US" dirty="0"/>
-              <a:t>Requires Windows machine for deployment</a:t>
+              <a:t>Requires significant resources</a:t>
+            </a:r>
+          </a:p>
+          <a:p>
+            <a:r>
+              <a:rPr lang="en-US" dirty="0"/>
+              <a:t>$$$$$</a:t>
             </a:r>
           </a:p>
           <a:p>
@@ -10015,7 +10156,7 @@
     </p:spTree>
     <p:extLst>
       <p:ext uri="{BB962C8B-B14F-4D97-AF65-F5344CB8AC3E}">
-        <p14:creationId xmlns:p14="http://schemas.microsoft.com/office/powerpoint/2010/main" val="28746744"/>
+        <p14:creationId xmlns:p14="http://schemas.microsoft.com/office/powerpoint/2010/main" val="2936361029"/>
       </p:ext>
     </p:extLst>
   </p:cSld>
@@ -10065,7 +10206,7 @@
           <a:p>
             <a:r>
               <a:rPr lang="en-US" dirty="0"/>
-              <a:t>MySQL</a:t>
+              <a:t>MS SQL Server</a:t>
             </a:r>
           </a:p>
         </p:txBody>
@@ -10102,13 +10243,19 @@
           <a:p>
             <a:r>
               <a:rPr lang="en-US" dirty="0"/>
-              <a:t>Free </a:t>
-            </a:r>
-          </a:p>
-          <a:p>
-            <a:r>
-              <a:rPr lang="en-US" dirty="0"/>
-              <a:t>Functional</a:t>
+              <a:t>Free Edition</a:t>
+            </a:r>
+          </a:p>
+          <a:p>
+            <a:r>
+              <a:rPr lang="en-US" dirty="0"/>
+              <a:t>Widely supported</a:t>
+            </a:r>
+          </a:p>
+          <a:p>
+            <a:r>
+              <a:rPr lang="en-US" dirty="0"/>
+              <a:t>Secure </a:t>
             </a:r>
           </a:p>
           <a:p>
@@ -10126,7 +10273,13 @@
           <a:p>
             <a:r>
               <a:rPr lang="en-US" dirty="0"/>
-              <a:t>Takes longer to implement</a:t>
+              <a:t>Windows-Only</a:t>
+            </a:r>
+          </a:p>
+          <a:p>
+            <a:r>
+              <a:rPr lang="en-US" dirty="0"/>
+              <a:t>Requires Windows machine for deployment</a:t>
             </a:r>
           </a:p>
           <a:p>
@@ -10137,7 +10290,7 @@
     </p:spTree>
     <p:extLst>
       <p:ext uri="{BB962C8B-B14F-4D97-AF65-F5344CB8AC3E}">
-        <p14:creationId xmlns:p14="http://schemas.microsoft.com/office/powerpoint/2010/main" val="487070971"/>
+        <p14:creationId xmlns:p14="http://schemas.microsoft.com/office/powerpoint/2010/main" val="28746744"/>
       </p:ext>
     </p:extLst>
   </p:cSld>
@@ -10187,7 +10340,7 @@
           <a:p>
             <a:r>
               <a:rPr lang="en-US" dirty="0"/>
-              <a:t>PostgreSQL</a:t>
+              <a:t>MySQL</a:t>
             </a:r>
           </a:p>
         </p:txBody>
@@ -10224,13 +10377,13 @@
           <a:p>
             <a:r>
               <a:rPr lang="en-US" dirty="0"/>
-              <a:t>Supports JSON</a:t>
-            </a:r>
-          </a:p>
-          <a:p>
-            <a:r>
-              <a:rPr lang="en-US" dirty="0"/>
-              <a:t>Database management can handle TBs of data</a:t>
+              <a:t>Free </a:t>
+            </a:r>
+          </a:p>
+          <a:p>
+            <a:r>
+              <a:rPr lang="en-US" dirty="0"/>
+              <a:t>Functional</a:t>
             </a:r>
           </a:p>
           <a:p>
@@ -10248,19 +10401,7 @@
           <a:p>
             <a:r>
               <a:rPr lang="en-US" dirty="0"/>
-              <a:t>Lack of documentation</a:t>
-            </a:r>
-          </a:p>
-          <a:p>
-            <a:r>
-              <a:rPr lang="en-US" dirty="0"/>
-              <a:t>Confusing configuration</a:t>
-            </a:r>
-          </a:p>
-          <a:p>
-            <a:r>
-              <a:rPr lang="en-US" dirty="0"/>
-              <a:t>Slower speed during bulk operations</a:t>
+              <a:t>Takes longer to implement</a:t>
             </a:r>
           </a:p>
           <a:p>
@@ -10271,7 +10412,7 @@
     </p:spTree>
     <p:extLst>
       <p:ext uri="{BB962C8B-B14F-4D97-AF65-F5344CB8AC3E}">
-        <p14:creationId xmlns:p14="http://schemas.microsoft.com/office/powerpoint/2010/main" val="4263355903"/>
+        <p14:creationId xmlns:p14="http://schemas.microsoft.com/office/powerpoint/2010/main" val="487070971"/>
       </p:ext>
     </p:extLst>
   </p:cSld>
@@ -10303,7 +10444,7 @@
           <p:cNvPr id="2" name="Title 1">
             <a:extLst>
               <a:ext uri="{FF2B5EF4-FFF2-40B4-BE49-F238E27FC236}">
-                <a16:creationId xmlns:a16="http://schemas.microsoft.com/office/drawing/2014/main" id="{33182361-C770-430C-97A0-B9298FA3FE50}"/>
+                <a16:creationId xmlns:a16="http://schemas.microsoft.com/office/drawing/2014/main" id="{BA35D0AB-9A37-479C-9406-C70EC5D04068}"/>
               </a:ext>
             </a:extLst>
           </p:cNvPr>
@@ -10321,14 +10462,7 @@
           <a:p>
             <a:r>
               <a:rPr lang="en-US" dirty="0"/>
-              <a:t>Chosen Technology:</a:t>
-            </a:r>
-            <a:br>
-              <a:rPr lang="en-US" dirty="0"/>
-            </a:br>
-            <a:r>
-              <a:rPr lang="en-US" dirty="0"/>
-              <a:t>MS SQL Server</a:t>
+              <a:t>PostgreSQL</a:t>
             </a:r>
           </a:p>
         </p:txBody>
@@ -10338,7 +10472,7 @@
           <p:cNvPr id="3" name="Content Placeholder 2">
             <a:extLst>
               <a:ext uri="{FF2B5EF4-FFF2-40B4-BE49-F238E27FC236}">
-                <a16:creationId xmlns:a16="http://schemas.microsoft.com/office/drawing/2014/main" id="{6457FBD9-768E-4864-B576-83C1D02FB7F8}"/>
+                <a16:creationId xmlns:a16="http://schemas.microsoft.com/office/drawing/2014/main" id="{C53C1AAE-D52E-4865-94E5-9A746F2B6603}"/>
               </a:ext>
             </a:extLst>
           </p:cNvPr>
@@ -10354,35 +10488,65 @@
           <a:bodyPr/>
           <a:lstStyle/>
           <a:p>
-            <a:r>
-              <a:rPr lang="en-US" dirty="0"/>
-              <a:t>No cost!</a:t>
+            <a:pPr marL="0" indent="0">
+              <a:buNone/>
+            </a:pPr>
+            <a:r>
+              <a:rPr lang="en-US" dirty="0"/>
+              <a:t>Pros</a:t>
+            </a:r>
+          </a:p>
+          <a:p>
+            <a:r>
+              <a:rPr lang="en-US" dirty="0"/>
+              <a:t>Supports JSON</a:t>
+            </a:r>
+          </a:p>
+          <a:p>
+            <a:r>
+              <a:rPr lang="en-US" dirty="0"/>
+              <a:t>Database management can handle TBs of data</a:t>
             </a:r>
           </a:p>
           <a:p>
             <a:endParaRPr lang="en-US" dirty="0"/>
           </a:p>
           <a:p>
-            <a:r>
-              <a:rPr lang="en-US" dirty="0"/>
-              <a:t>Secure for accounts</a:t>
+            <a:pPr marL="0" indent="0">
+              <a:buNone/>
+            </a:pPr>
+            <a:r>
+              <a:rPr lang="en-US" dirty="0"/>
+              <a:t>Cons</a:t>
+            </a:r>
+          </a:p>
+          <a:p>
+            <a:r>
+              <a:rPr lang="en-US" dirty="0"/>
+              <a:t>Lack of documentation</a:t>
+            </a:r>
+          </a:p>
+          <a:p>
+            <a:r>
+              <a:rPr lang="en-US" dirty="0"/>
+              <a:t>Confusing configuration</a:t>
+            </a:r>
+          </a:p>
+          <a:p>
+            <a:r>
+              <a:rPr lang="en-US" dirty="0"/>
+              <a:t>Slower speed during bulk operations</a:t>
             </a:r>
           </a:p>
           <a:p>
             <a:endParaRPr lang="en-US" dirty="0"/>
-          </a:p>
-          <a:p>
-            <a:r>
-              <a:rPr lang="en-US" dirty="0"/>
-              <a:t>Enhanced performance</a:t>
-            </a:r>
           </a:p>
         </p:txBody>
       </p:sp>
     </p:spTree>
     <p:extLst>
       <p:ext uri="{BB962C8B-B14F-4D97-AF65-F5344CB8AC3E}">
-        <p14:creationId xmlns:p14="http://schemas.microsoft.com/office/powerpoint/2010/main" val="135618748"/>
+        <p14:creationId xmlns:p14="http://schemas.microsoft.com/office/powerpoint/2010/main" val="4263355903"/>
       </p:ext>
     </p:extLst>
   </p:cSld>
@@ -10414,7 +10578,7 @@
           <p:cNvPr id="2" name="Title 1">
             <a:extLst>
               <a:ext uri="{FF2B5EF4-FFF2-40B4-BE49-F238E27FC236}">
-                <a16:creationId xmlns:a16="http://schemas.microsoft.com/office/drawing/2014/main" id="{5168C9A3-0FEC-407D-8D80-9D769729C42A}"/>
+                <a16:creationId xmlns:a16="http://schemas.microsoft.com/office/drawing/2014/main" id="{33182361-C770-430C-97A0-B9298FA3FE50}"/>
               </a:ext>
             </a:extLst>
           </p:cNvPr>
@@ -10425,20 +10589,67 @@
             <p:ph type="title"/>
           </p:nvPr>
         </p:nvSpPr>
-        <p:spPr>
-          <a:xfrm>
-            <a:off x="2510769" y="2585299"/>
-            <a:ext cx="7090431" cy="3551042"/>
-          </a:xfrm>
-        </p:spPr>
-        <p:txBody>
-          <a:bodyPr/>
-          <a:lstStyle/>
-          <a:p>
-            <a:pPr algn="ctr"/>
-            <a:r>
-              <a:rPr lang="en-US" sz="9600" dirty="0"/>
-              <a:t>Questions?</a:t>
+        <p:spPr/>
+        <p:txBody>
+          <a:bodyPr/>
+          <a:lstStyle/>
+          <a:p>
+            <a:r>
+              <a:rPr lang="en-US" dirty="0"/>
+              <a:t>Chosen Technology:</a:t>
+            </a:r>
+            <a:br>
+              <a:rPr lang="en-US" dirty="0"/>
+            </a:br>
+            <a:r>
+              <a:rPr lang="en-US" dirty="0"/>
+              <a:t>MS SQL Server</a:t>
+            </a:r>
+          </a:p>
+        </p:txBody>
+      </p:sp>
+      <p:sp>
+        <p:nvSpPr>
+          <p:cNvPr id="3" name="Content Placeholder 2">
+            <a:extLst>
+              <a:ext uri="{FF2B5EF4-FFF2-40B4-BE49-F238E27FC236}">
+                <a16:creationId xmlns:a16="http://schemas.microsoft.com/office/drawing/2014/main" id="{6457FBD9-768E-4864-B576-83C1D02FB7F8}"/>
+              </a:ext>
+            </a:extLst>
+          </p:cNvPr>
+          <p:cNvSpPr>
+            <a:spLocks noGrp="1"/>
+          </p:cNvSpPr>
+          <p:nvPr>
+            <p:ph idx="1"/>
+          </p:nvPr>
+        </p:nvSpPr>
+        <p:spPr/>
+        <p:txBody>
+          <a:bodyPr/>
+          <a:lstStyle/>
+          <a:p>
+            <a:r>
+              <a:rPr lang="en-US" dirty="0"/>
+              <a:t>No cost!</a:t>
+            </a:r>
+          </a:p>
+          <a:p>
+            <a:endParaRPr lang="en-US" dirty="0"/>
+          </a:p>
+          <a:p>
+            <a:r>
+              <a:rPr lang="en-US" dirty="0"/>
+              <a:t>Secure for accounts</a:t>
+            </a:r>
+          </a:p>
+          <a:p>
+            <a:endParaRPr lang="en-US" dirty="0"/>
+          </a:p>
+          <a:p>
+            <a:r>
+              <a:rPr lang="en-US" dirty="0"/>
+              <a:t>Enhanced performance</a:t>
             </a:r>
           </a:p>
         </p:txBody>
@@ -10446,7 +10657,7 @@
     </p:spTree>
     <p:extLst>
       <p:ext uri="{BB962C8B-B14F-4D97-AF65-F5344CB8AC3E}">
-        <p14:creationId xmlns:p14="http://schemas.microsoft.com/office/powerpoint/2010/main" val="3014221580"/>
+        <p14:creationId xmlns:p14="http://schemas.microsoft.com/office/powerpoint/2010/main" val="135618748"/>
       </p:ext>
     </p:extLst>
   </p:cSld>
@@ -10637,6 +10848,70 @@
             <a:pPr algn="ctr"/>
             <a:r>
               <a:rPr lang="en-US" sz="9600" dirty="0"/>
+              <a:t>Questions?</a:t>
+            </a:r>
+          </a:p>
+        </p:txBody>
+      </p:sp>
+    </p:spTree>
+    <p:extLst>
+      <p:ext uri="{BB962C8B-B14F-4D97-AF65-F5344CB8AC3E}">
+        <p14:creationId xmlns:p14="http://schemas.microsoft.com/office/powerpoint/2010/main" val="3014221580"/>
+      </p:ext>
+    </p:extLst>
+  </p:cSld>
+  <p:clrMapOvr>
+    <a:masterClrMapping/>
+  </p:clrMapOvr>
+</p:sld>
+</file>
+
+<file path=ppt/slides/slide41.xml><?xml version="1.0" encoding="utf-8"?>
+<p:sld xmlns:a="http://schemas.openxmlformats.org/drawingml/2006/main" xmlns:r="http://schemas.openxmlformats.org/officeDocument/2006/relationships" xmlns:p="http://schemas.openxmlformats.org/presentationml/2006/main">
+  <p:cSld>
+    <p:spTree>
+      <p:nvGrpSpPr>
+        <p:cNvPr id="1" name=""/>
+        <p:cNvGrpSpPr/>
+        <p:nvPr/>
+      </p:nvGrpSpPr>
+      <p:grpSpPr>
+        <a:xfrm>
+          <a:off x="0" y="0"/>
+          <a:ext cx="0" cy="0"/>
+          <a:chOff x="0" y="0"/>
+          <a:chExt cx="0" cy="0"/>
+        </a:xfrm>
+      </p:grpSpPr>
+      <p:sp>
+        <p:nvSpPr>
+          <p:cNvPr id="2" name="Title 1">
+            <a:extLst>
+              <a:ext uri="{FF2B5EF4-FFF2-40B4-BE49-F238E27FC236}">
+                <a16:creationId xmlns:a16="http://schemas.microsoft.com/office/drawing/2014/main" id="{5168C9A3-0FEC-407D-8D80-9D769729C42A}"/>
+              </a:ext>
+            </a:extLst>
+          </p:cNvPr>
+          <p:cNvSpPr>
+            <a:spLocks noGrp="1"/>
+          </p:cNvSpPr>
+          <p:nvPr>
+            <p:ph type="title"/>
+          </p:nvPr>
+        </p:nvSpPr>
+        <p:spPr>
+          <a:xfrm>
+            <a:off x="2510769" y="2585299"/>
+            <a:ext cx="7090431" cy="3551042"/>
+          </a:xfrm>
+        </p:spPr>
+        <p:txBody>
+          <a:bodyPr/>
+          <a:lstStyle/>
+          <a:p>
+            <a:pPr algn="ctr"/>
+            <a:r>
+              <a:rPr lang="en-US" sz="9600" dirty="0"/>
               <a:t>Thank you!</a:t>
             </a:r>
           </a:p>
@@ -11154,6 +11429,10 @@
             <a:br>
               <a:rPr lang="en-US" sz="5400" dirty="0"/>
             </a:br>
+            <a:r>
+              <a:rPr lang="en-US" sz="5400" dirty="0"/>
+              <a:t/>
+            </a:r>
             <a:br>
               <a:rPr lang="en-US" sz="5400" dirty="0"/>
             </a:br>

--- a/Technology Presentation.pptx
+++ b/Technology Presentation.pptx
@@ -4,16 +4,19 @@
   <p:sldMasterIdLst>
     <p:sldMasterId id="2147483660" r:id="rId1"/>
   </p:sldMasterIdLst>
+  <p:notesMasterIdLst>
+    <p:notesMasterId r:id="rId43"/>
+  </p:notesMasterIdLst>
   <p:sldIdLst>
     <p:sldId id="257" r:id="rId2"/>
     <p:sldId id="258" r:id="rId3"/>
     <p:sldId id="259" r:id="rId4"/>
-    <p:sldId id="283" r:id="rId5"/>
-    <p:sldId id="285" r:id="rId6"/>
-    <p:sldId id="286" r:id="rId7"/>
-    <p:sldId id="287" r:id="rId8"/>
-    <p:sldId id="292" r:id="rId9"/>
-    <p:sldId id="261" r:id="rId10"/>
+    <p:sldId id="261" r:id="rId5"/>
+    <p:sldId id="283" r:id="rId6"/>
+    <p:sldId id="285" r:id="rId7"/>
+    <p:sldId id="286" r:id="rId8"/>
+    <p:sldId id="287" r:id="rId9"/>
+    <p:sldId id="292" r:id="rId10"/>
     <p:sldId id="269" r:id="rId11"/>
     <p:sldId id="297" r:id="rId12"/>
     <p:sldId id="265" r:id="rId13"/>
@@ -156,6 +159,7 @@
         <p14:section name="Mobile App" id="{3506C4E0-A1CE-4403-AB2F-A6A518FA48E8}">
           <p14:sldIdLst>
             <p14:sldId id="259"/>
+            <p14:sldId id="261"/>
             <p14:sldId id="283"/>
             <p14:sldId id="285"/>
             <p14:sldId id="286"/>
@@ -165,7 +169,6 @@
         </p14:section>
         <p14:section name="APIs" id="{6FAC944D-8EE9-4352-987A-586435CFB719}">
           <p14:sldIdLst>
-            <p14:sldId id="261"/>
             <p14:sldId id="269"/>
             <p14:sldId id="297"/>
             <p14:sldId id="265"/>
@@ -217,6 +220,356 @@
 </p:presentation>
 </file>
 
+<file path=ppt/notesMasters/notesMaster1.xml><?xml version="1.0" encoding="utf-8"?>
+<p:notesMaster xmlns:a="http://schemas.openxmlformats.org/drawingml/2006/main" xmlns:r="http://schemas.openxmlformats.org/officeDocument/2006/relationships" xmlns:p="http://schemas.openxmlformats.org/presentationml/2006/main">
+  <p:cSld>
+    <p:bg>
+      <p:bgRef idx="1001">
+        <a:schemeClr val="bg1"/>
+      </p:bgRef>
+    </p:bg>
+    <p:spTree>
+      <p:nvGrpSpPr>
+        <p:cNvPr id="1" name=""/>
+        <p:cNvGrpSpPr/>
+        <p:nvPr/>
+      </p:nvGrpSpPr>
+      <p:grpSpPr>
+        <a:xfrm>
+          <a:off x="0" y="0"/>
+          <a:ext cx="0" cy="0"/>
+          <a:chOff x="0" y="0"/>
+          <a:chExt cx="0" cy="0"/>
+        </a:xfrm>
+      </p:grpSpPr>
+      <p:sp>
+        <p:nvSpPr>
+          <p:cNvPr id="2" name="Header Placeholder 1"/>
+          <p:cNvSpPr>
+            <a:spLocks noGrp="1"/>
+          </p:cNvSpPr>
+          <p:nvPr>
+            <p:ph type="hdr" sz="quarter"/>
+          </p:nvPr>
+        </p:nvSpPr>
+        <p:spPr>
+          <a:xfrm>
+            <a:off x="0" y="0"/>
+            <a:ext cx="2971800" cy="458788"/>
+          </a:xfrm>
+          <a:prstGeom prst="rect">
+            <a:avLst/>
+          </a:prstGeom>
+        </p:spPr>
+        <p:txBody>
+          <a:bodyPr vert="horz" lIns="91440" tIns="45720" rIns="91440" bIns="45720" rtlCol="0"/>
+          <a:lstStyle>
+            <a:lvl1pPr algn="l">
+              <a:defRPr sz="1200"/>
+            </a:lvl1pPr>
+          </a:lstStyle>
+          <a:p>
+            <a:endParaRPr lang="en-US"/>
+          </a:p>
+        </p:txBody>
+      </p:sp>
+      <p:sp>
+        <p:nvSpPr>
+          <p:cNvPr id="3" name="Date Placeholder 2"/>
+          <p:cNvSpPr>
+            <a:spLocks noGrp="1"/>
+          </p:cNvSpPr>
+          <p:nvPr>
+            <p:ph type="dt" idx="1"/>
+          </p:nvPr>
+        </p:nvSpPr>
+        <p:spPr>
+          <a:xfrm>
+            <a:off x="3884613" y="0"/>
+            <a:ext cx="2971800" cy="458788"/>
+          </a:xfrm>
+          <a:prstGeom prst="rect">
+            <a:avLst/>
+          </a:prstGeom>
+        </p:spPr>
+        <p:txBody>
+          <a:bodyPr vert="horz" lIns="91440" tIns="45720" rIns="91440" bIns="45720" rtlCol="0"/>
+          <a:lstStyle>
+            <a:lvl1pPr algn="r">
+              <a:defRPr sz="1200"/>
+            </a:lvl1pPr>
+          </a:lstStyle>
+          <a:p>
+            <a:fld id="{A7EEA1DD-FB07-44FA-9387-9076E96EF56E}" type="datetimeFigureOut">
+              <a:rPr lang="en-US" smtClean="0"/>
+              <a:t>11/6/2018</a:t>
+            </a:fld>
+            <a:endParaRPr lang="en-US"/>
+          </a:p>
+        </p:txBody>
+      </p:sp>
+      <p:sp>
+        <p:nvSpPr>
+          <p:cNvPr id="4" name="Slide Image Placeholder 3"/>
+          <p:cNvSpPr>
+            <a:spLocks noGrp="1" noRot="1" noChangeAspect="1"/>
+          </p:cNvSpPr>
+          <p:nvPr>
+            <p:ph type="sldImg" idx="2"/>
+          </p:nvPr>
+        </p:nvSpPr>
+        <p:spPr>
+          <a:xfrm>
+            <a:off x="685800" y="1143000"/>
+            <a:ext cx="5486400" cy="3086100"/>
+          </a:xfrm>
+          <a:prstGeom prst="rect">
+            <a:avLst/>
+          </a:prstGeom>
+          <a:noFill/>
+          <a:ln w="12700">
+            <a:solidFill>
+              <a:prstClr val="black"/>
+            </a:solidFill>
+          </a:ln>
+        </p:spPr>
+        <p:txBody>
+          <a:bodyPr vert="horz" lIns="91440" tIns="45720" rIns="91440" bIns="45720" rtlCol="0" anchor="ctr"/>
+          <a:lstStyle/>
+          <a:p>
+            <a:endParaRPr lang="en-US"/>
+          </a:p>
+        </p:txBody>
+      </p:sp>
+      <p:sp>
+        <p:nvSpPr>
+          <p:cNvPr id="5" name="Notes Placeholder 4"/>
+          <p:cNvSpPr>
+            <a:spLocks noGrp="1"/>
+          </p:cNvSpPr>
+          <p:nvPr>
+            <p:ph type="body" sz="quarter" idx="3"/>
+          </p:nvPr>
+        </p:nvSpPr>
+        <p:spPr>
+          <a:xfrm>
+            <a:off x="685800" y="4400550"/>
+            <a:ext cx="5486400" cy="3600450"/>
+          </a:xfrm>
+          <a:prstGeom prst="rect">
+            <a:avLst/>
+          </a:prstGeom>
+        </p:spPr>
+        <p:txBody>
+          <a:bodyPr vert="horz" lIns="91440" tIns="45720" rIns="91440" bIns="45720" rtlCol="0"/>
+          <a:lstStyle/>
+          <a:p>
+            <a:pPr lvl="0"/>
+            <a:r>
+              <a:rPr lang="en-US" smtClean="0"/>
+              <a:t>Edit Master text styles</a:t>
+            </a:r>
+          </a:p>
+          <a:p>
+            <a:pPr lvl="1"/>
+            <a:r>
+              <a:rPr lang="en-US" smtClean="0"/>
+              <a:t>Second level</a:t>
+            </a:r>
+          </a:p>
+          <a:p>
+            <a:pPr lvl="2"/>
+            <a:r>
+              <a:rPr lang="en-US" smtClean="0"/>
+              <a:t>Third level</a:t>
+            </a:r>
+          </a:p>
+          <a:p>
+            <a:pPr lvl="3"/>
+            <a:r>
+              <a:rPr lang="en-US" smtClean="0"/>
+              <a:t>Fourth level</a:t>
+            </a:r>
+          </a:p>
+          <a:p>
+            <a:pPr lvl="4"/>
+            <a:r>
+              <a:rPr lang="en-US" smtClean="0"/>
+              <a:t>Fifth level</a:t>
+            </a:r>
+            <a:endParaRPr lang="en-US"/>
+          </a:p>
+        </p:txBody>
+      </p:sp>
+      <p:sp>
+        <p:nvSpPr>
+          <p:cNvPr id="6" name="Footer Placeholder 5"/>
+          <p:cNvSpPr>
+            <a:spLocks noGrp="1"/>
+          </p:cNvSpPr>
+          <p:nvPr>
+            <p:ph type="ftr" sz="quarter" idx="4"/>
+          </p:nvPr>
+        </p:nvSpPr>
+        <p:spPr>
+          <a:xfrm>
+            <a:off x="0" y="8685213"/>
+            <a:ext cx="2971800" cy="458787"/>
+          </a:xfrm>
+          <a:prstGeom prst="rect">
+            <a:avLst/>
+          </a:prstGeom>
+        </p:spPr>
+        <p:txBody>
+          <a:bodyPr vert="horz" lIns="91440" tIns="45720" rIns="91440" bIns="45720" rtlCol="0" anchor="b"/>
+          <a:lstStyle>
+            <a:lvl1pPr algn="l">
+              <a:defRPr sz="1200"/>
+            </a:lvl1pPr>
+          </a:lstStyle>
+          <a:p>
+            <a:endParaRPr lang="en-US"/>
+          </a:p>
+        </p:txBody>
+      </p:sp>
+      <p:sp>
+        <p:nvSpPr>
+          <p:cNvPr id="7" name="Slide Number Placeholder 6"/>
+          <p:cNvSpPr>
+            <a:spLocks noGrp="1"/>
+          </p:cNvSpPr>
+          <p:nvPr>
+            <p:ph type="sldNum" sz="quarter" idx="5"/>
+          </p:nvPr>
+        </p:nvSpPr>
+        <p:spPr>
+          <a:xfrm>
+            <a:off x="3884613" y="8685213"/>
+            <a:ext cx="2971800" cy="458787"/>
+          </a:xfrm>
+          <a:prstGeom prst="rect">
+            <a:avLst/>
+          </a:prstGeom>
+        </p:spPr>
+        <p:txBody>
+          <a:bodyPr vert="horz" lIns="91440" tIns="45720" rIns="91440" bIns="45720" rtlCol="0" anchor="b"/>
+          <a:lstStyle>
+            <a:lvl1pPr algn="r">
+              <a:defRPr sz="1200"/>
+            </a:lvl1pPr>
+          </a:lstStyle>
+          <a:p>
+            <a:fld id="{C51384E9-AF5D-43DE-9E85-0ED02AEA2243}" type="slidenum">
+              <a:rPr lang="en-US" smtClean="0"/>
+              <a:t>‹#›</a:t>
+            </a:fld>
+            <a:endParaRPr lang="en-US"/>
+          </a:p>
+        </p:txBody>
+      </p:sp>
+    </p:spTree>
+    <p:extLst>
+      <p:ext uri="{BB962C8B-B14F-4D97-AF65-F5344CB8AC3E}">
+        <p14:creationId xmlns:p14="http://schemas.microsoft.com/office/powerpoint/2010/main" val="510499461"/>
+      </p:ext>
+    </p:extLst>
+  </p:cSld>
+  <p:clrMap bg1="lt1" tx1="dk1" bg2="lt2" tx2="dk2" accent1="accent1" accent2="accent2" accent3="accent3" accent4="accent4" accent5="accent5" accent6="accent6" hlink="hlink" folHlink="folHlink"/>
+  <p:notesStyle>
+    <a:lvl1pPr marL="0" algn="l" defTabSz="914400" rtl="0" eaLnBrk="1" latinLnBrk="0" hangingPunct="1">
+      <a:defRPr sz="1200" kern="1200">
+        <a:solidFill>
+          <a:schemeClr val="tx1"/>
+        </a:solidFill>
+        <a:latin typeface="+mn-lt"/>
+        <a:ea typeface="+mn-ea"/>
+        <a:cs typeface="+mn-cs"/>
+      </a:defRPr>
+    </a:lvl1pPr>
+    <a:lvl2pPr marL="457200" algn="l" defTabSz="914400" rtl="0" eaLnBrk="1" latinLnBrk="0" hangingPunct="1">
+      <a:defRPr sz="1200" kern="1200">
+        <a:solidFill>
+          <a:schemeClr val="tx1"/>
+        </a:solidFill>
+        <a:latin typeface="+mn-lt"/>
+        <a:ea typeface="+mn-ea"/>
+        <a:cs typeface="+mn-cs"/>
+      </a:defRPr>
+    </a:lvl2pPr>
+    <a:lvl3pPr marL="914400" algn="l" defTabSz="914400" rtl="0" eaLnBrk="1" latinLnBrk="0" hangingPunct="1">
+      <a:defRPr sz="1200" kern="1200">
+        <a:solidFill>
+          <a:schemeClr val="tx1"/>
+        </a:solidFill>
+        <a:latin typeface="+mn-lt"/>
+        <a:ea typeface="+mn-ea"/>
+        <a:cs typeface="+mn-cs"/>
+      </a:defRPr>
+    </a:lvl3pPr>
+    <a:lvl4pPr marL="1371600" algn="l" defTabSz="914400" rtl="0" eaLnBrk="1" latinLnBrk="0" hangingPunct="1">
+      <a:defRPr sz="1200" kern="1200">
+        <a:solidFill>
+          <a:schemeClr val="tx1"/>
+        </a:solidFill>
+        <a:latin typeface="+mn-lt"/>
+        <a:ea typeface="+mn-ea"/>
+        <a:cs typeface="+mn-cs"/>
+      </a:defRPr>
+    </a:lvl4pPr>
+    <a:lvl5pPr marL="1828800" algn="l" defTabSz="914400" rtl="0" eaLnBrk="1" latinLnBrk="0" hangingPunct="1">
+      <a:defRPr sz="1200" kern="1200">
+        <a:solidFill>
+          <a:schemeClr val="tx1"/>
+        </a:solidFill>
+        <a:latin typeface="+mn-lt"/>
+        <a:ea typeface="+mn-ea"/>
+        <a:cs typeface="+mn-cs"/>
+      </a:defRPr>
+    </a:lvl5pPr>
+    <a:lvl6pPr marL="2286000" algn="l" defTabSz="914400" rtl="0" eaLnBrk="1" latinLnBrk="0" hangingPunct="1">
+      <a:defRPr sz="1200" kern="1200">
+        <a:solidFill>
+          <a:schemeClr val="tx1"/>
+        </a:solidFill>
+        <a:latin typeface="+mn-lt"/>
+        <a:ea typeface="+mn-ea"/>
+        <a:cs typeface="+mn-cs"/>
+      </a:defRPr>
+    </a:lvl6pPr>
+    <a:lvl7pPr marL="2743200" algn="l" defTabSz="914400" rtl="0" eaLnBrk="1" latinLnBrk="0" hangingPunct="1">
+      <a:defRPr sz="1200" kern="1200">
+        <a:solidFill>
+          <a:schemeClr val="tx1"/>
+        </a:solidFill>
+        <a:latin typeface="+mn-lt"/>
+        <a:ea typeface="+mn-ea"/>
+        <a:cs typeface="+mn-cs"/>
+      </a:defRPr>
+    </a:lvl7pPr>
+    <a:lvl8pPr marL="3200400" algn="l" defTabSz="914400" rtl="0" eaLnBrk="1" latinLnBrk="0" hangingPunct="1">
+      <a:defRPr sz="1200" kern="1200">
+        <a:solidFill>
+          <a:schemeClr val="tx1"/>
+        </a:solidFill>
+        <a:latin typeface="+mn-lt"/>
+        <a:ea typeface="+mn-ea"/>
+        <a:cs typeface="+mn-cs"/>
+      </a:defRPr>
+    </a:lvl8pPr>
+    <a:lvl9pPr marL="3657600" algn="l" defTabSz="914400" rtl="0" eaLnBrk="1" latinLnBrk="0" hangingPunct="1">
+      <a:defRPr sz="1200" kern="1200">
+        <a:solidFill>
+          <a:schemeClr val="tx1"/>
+        </a:solidFill>
+        <a:latin typeface="+mn-lt"/>
+        <a:ea typeface="+mn-ea"/>
+        <a:cs typeface="+mn-cs"/>
+      </a:defRPr>
+    </a:lvl9pPr>
+  </p:notesStyle>
+</p:notesMaster>
+</file>
+
 <file path=ppt/slideLayouts/slideLayout1.xml><?xml version="1.0" encoding="utf-8"?>
 <p:sldLayout xmlns:a="http://schemas.openxmlformats.org/drawingml/2006/main" xmlns:r="http://schemas.openxmlformats.org/officeDocument/2006/relationships" xmlns:p="http://schemas.openxmlformats.org/presentationml/2006/main" type="title" preserve="1">
   <p:cSld name="Title Slide">
@@ -401,7 +754,7 @@
           <a:bodyPr/>
           <a:lstStyle/>
           <a:p>
-            <a:fld id="{4FACE682-7757-4F60-9924-7C54F945BCEE}" type="datetimeFigureOut">
+            <a:fld id="{8779F02F-3116-461F-A0EE-B5AE76739559}" type="datetime1">
               <a:rPr lang="en-US" smtClean="0"/>
               <a:t>11/6/2018</a:t>
             </a:fld>
@@ -676,7 +1029,7 @@
           <a:bodyPr/>
           <a:lstStyle/>
           <a:p>
-            <a:fld id="{4FACE682-7757-4F60-9924-7C54F945BCEE}" type="datetimeFigureOut">
+            <a:fld id="{AD4EB62A-29C1-43CA-BE5D-238E56BC0745}" type="datetime1">
               <a:rPr lang="en-US" smtClean="0"/>
               <a:t>11/6/2018</a:t>
             </a:fld>
@@ -870,7 +1223,7 @@
           <a:bodyPr/>
           <a:lstStyle/>
           <a:p>
-            <a:fld id="{4FACE682-7757-4F60-9924-7C54F945BCEE}" type="datetimeFigureOut">
+            <a:fld id="{A9F5A234-1BC0-468F-B9FC-9A4CC78C344F}" type="datetime1">
               <a:rPr lang="en-US" smtClean="0"/>
               <a:t>11/6/2018</a:t>
             </a:fld>
@@ -1143,7 +1496,7 @@
           <a:bodyPr/>
           <a:lstStyle/>
           <a:p>
-            <a:fld id="{4FACE682-7757-4F60-9924-7C54F945BCEE}" type="datetimeFigureOut">
+            <a:fld id="{FBA05943-D628-4E99-AFF9-EFCCC25A2E61}" type="datetime1">
               <a:rPr lang="en-US" smtClean="0"/>
               <a:t>11/6/2018</a:t>
             </a:fld>
@@ -1484,7 +1837,7 @@
           <a:bodyPr/>
           <a:lstStyle/>
           <a:p>
-            <a:fld id="{4FACE682-7757-4F60-9924-7C54F945BCEE}" type="datetimeFigureOut">
+            <a:fld id="{57817921-5817-4C92-BE0D-786C7BA20379}" type="datetime1">
               <a:rPr lang="en-US" smtClean="0"/>
               <a:t>11/6/2018</a:t>
             </a:fld>
@@ -2107,7 +2460,7 @@
           <a:bodyPr/>
           <a:lstStyle/>
           <a:p>
-            <a:fld id="{4FACE682-7757-4F60-9924-7C54F945BCEE}" type="datetimeFigureOut">
+            <a:fld id="{1DB9B3F2-E3AB-454A-BA6D-DC32BBC71EBE}" type="datetime1">
               <a:rPr lang="en-US" smtClean="0"/>
               <a:t>11/6/2018</a:t>
             </a:fld>
@@ -2967,7 +3320,7 @@
           <a:bodyPr/>
           <a:lstStyle/>
           <a:p>
-            <a:fld id="{4FACE682-7757-4F60-9924-7C54F945BCEE}" type="datetimeFigureOut">
+            <a:fld id="{5A2534C7-41CA-4ED2-B55B-BE94E9E59571}" type="datetime1">
               <a:rPr lang="en-US" smtClean="0"/>
               <a:t>11/6/2018</a:t>
             </a:fld>
@@ -3137,7 +3490,7 @@
           <a:bodyPr/>
           <a:lstStyle/>
           <a:p>
-            <a:fld id="{4FACE682-7757-4F60-9924-7C54F945BCEE}" type="datetimeFigureOut">
+            <a:fld id="{DF4CF813-72F7-4951-8E93-8D29B9054601}" type="datetime1">
               <a:rPr lang="en-US" smtClean="0"/>
               <a:t>11/6/2018</a:t>
             </a:fld>
@@ -3317,7 +3670,7 @@
           <a:bodyPr/>
           <a:lstStyle/>
           <a:p>
-            <a:fld id="{4FACE682-7757-4F60-9924-7C54F945BCEE}" type="datetimeFigureOut">
+            <a:fld id="{42D03CC7-9324-4D4A-A5F1-B4159266449D}" type="datetime1">
               <a:rPr lang="en-US" smtClean="0"/>
               <a:t>11/6/2018</a:t>
             </a:fld>
@@ -3487,7 +3840,7 @@
           <a:bodyPr/>
           <a:lstStyle/>
           <a:p>
-            <a:fld id="{4FACE682-7757-4F60-9924-7C54F945BCEE}" type="datetimeFigureOut">
+            <a:fld id="{97A30B80-CB07-4D09-9F81-C73453D3C511}" type="datetime1">
               <a:rPr lang="en-US" smtClean="0"/>
               <a:t>11/6/2018</a:t>
             </a:fld>
@@ -3734,7 +4087,7 @@
           <a:bodyPr/>
           <a:lstStyle/>
           <a:p>
-            <a:fld id="{4FACE682-7757-4F60-9924-7C54F945BCEE}" type="datetimeFigureOut">
+            <a:fld id="{D39E9574-CAC5-44C5-AC27-EC26312906EC}" type="datetime1">
               <a:rPr lang="en-US" smtClean="0"/>
               <a:t>11/6/2018</a:t>
             </a:fld>
@@ -4026,7 +4379,7 @@
           <a:bodyPr/>
           <a:lstStyle/>
           <a:p>
-            <a:fld id="{4FACE682-7757-4F60-9924-7C54F945BCEE}" type="datetimeFigureOut">
+            <a:fld id="{2437C1CC-86A6-465A-B03B-2032DBA04659}" type="datetime1">
               <a:rPr lang="en-US" smtClean="0"/>
               <a:t>11/6/2018</a:t>
             </a:fld>
@@ -4470,7 +4823,7 @@
           <a:bodyPr/>
           <a:lstStyle/>
           <a:p>
-            <a:fld id="{4FACE682-7757-4F60-9924-7C54F945BCEE}" type="datetimeFigureOut">
+            <a:fld id="{4BB59F2B-01CE-4CCB-A913-1F06A4AB140B}" type="datetime1">
               <a:rPr lang="en-US" smtClean="0"/>
               <a:t>11/6/2018</a:t>
             </a:fld>
@@ -4588,7 +4941,7 @@
           <a:bodyPr/>
           <a:lstStyle/>
           <a:p>
-            <a:fld id="{4FACE682-7757-4F60-9924-7C54F945BCEE}" type="datetimeFigureOut">
+            <a:fld id="{76C4452F-E953-4819-AC46-4F6B52FFA96E}" type="datetime1">
               <a:rPr lang="en-US" smtClean="0"/>
               <a:t>11/6/2018</a:t>
             </a:fld>
@@ -4683,7 +5036,7 @@
           <a:bodyPr/>
           <a:lstStyle/>
           <a:p>
-            <a:fld id="{4FACE682-7757-4F60-9924-7C54F945BCEE}" type="datetimeFigureOut">
+            <a:fld id="{AA0D6E40-C100-478A-9A4F-F75AE32FC061}" type="datetime1">
               <a:rPr lang="en-US" smtClean="0"/>
               <a:t>11/6/2018</a:t>
             </a:fld>
@@ -4962,7 +5315,7 @@
           <a:bodyPr/>
           <a:lstStyle/>
           <a:p>
-            <a:fld id="{4FACE682-7757-4F60-9924-7C54F945BCEE}" type="datetimeFigureOut">
+            <a:fld id="{357FE67A-DF89-4257-B532-70CF9F4CF4A0}" type="datetime1">
               <a:rPr lang="en-US" smtClean="0"/>
               <a:t>11/6/2018</a:t>
             </a:fld>
@@ -5237,7 +5590,7 @@
           <a:bodyPr/>
           <a:lstStyle/>
           <a:p>
-            <a:fld id="{4FACE682-7757-4F60-9924-7C54F945BCEE}" type="datetimeFigureOut">
+            <a:fld id="{110199E0-A430-47B1-99C9-1D3630681181}" type="datetime1">
               <a:rPr lang="en-US" smtClean="0"/>
               <a:t>11/6/2018</a:t>
             </a:fld>
@@ -5666,7 +6019,7 @@
             </a:lvl1pPr>
           </a:lstStyle>
           <a:p>
-            <a:fld id="{4FACE682-7757-4F60-9924-7C54F945BCEE}" type="datetimeFigureOut">
+            <a:fld id="{B4109684-7EAD-42F4-B9C7-CC6313AF0016}" type="datetime1">
               <a:rPr lang="en-US" smtClean="0"/>
               <a:t>11/6/2018</a:t>
             </a:fld>
@@ -5780,6 +6133,7 @@
     <p:sldLayoutId id="2147483676" r:id="rId16"/>
     <p:sldLayoutId id="2147483677" r:id="rId17"/>
   </p:sldLayoutIdLst>
+  <p:hf hdr="0" ftr="0" dt="0"/>
   <p:txStyles>
     <p:titleStyle>
       <a:lvl1pPr algn="l" defTabSz="457200" rtl="0" eaLnBrk="1" latinLnBrk="0" hangingPunct="1">
@@ -6229,7 +6583,7 @@
                 <a16:creationId xmlns:a16="http://schemas.microsoft.com/office/drawing/2014/main" id="{C28D0172-F2E0-4763-9C35-F022664959D8}"/>
               </a:ext>
               <a:ext uri="{C183D7F6-B498-43B3-948B-1728B52AA6E4}">
-                <adec:decorative xmlns:adec="http://schemas.microsoft.com/office/drawing/2017/decorative" xmlns="" val="1"/>
+                <adec:decorative xmlns="" xmlns:adec="http://schemas.microsoft.com/office/drawing/2017/decorative" val="1"/>
               </a:ext>
             </a:extLst>
           </p:cNvPr>
@@ -6289,7 +6643,7 @@
                 <a16:creationId xmlns:a16="http://schemas.microsoft.com/office/drawing/2014/main" id="{9F2851FB-E841-4509-8A6D-A416376EA380}"/>
               </a:ext>
               <a:ext uri="{C183D7F6-B498-43B3-948B-1728B52AA6E4}">
-                <adec:decorative xmlns:adec="http://schemas.microsoft.com/office/drawing/2017/decorative" xmlns="" val="1"/>
+                <adec:decorative xmlns="" xmlns:adec="http://schemas.microsoft.com/office/drawing/2017/decorative" val="1"/>
               </a:ext>
             </a:extLst>
           </p:cNvPr>
@@ -6689,7 +7043,7 @@
                 <a16:creationId xmlns:a16="http://schemas.microsoft.com/office/drawing/2014/main" id="{DF6FB2B2-CE21-407F-B22E-302DADC2C3D3}"/>
               </a:ext>
               <a:ext uri="{C183D7F6-B498-43B3-948B-1728B52AA6E4}">
-                <adec:decorative xmlns:adec="http://schemas.microsoft.com/office/drawing/2017/decorative" xmlns="" val="1"/>
+                <adec:decorative xmlns="" xmlns:adec="http://schemas.microsoft.com/office/drawing/2017/decorative" val="1"/>
               </a:ext>
             </a:extLst>
           </p:cNvPr>
@@ -7264,6 +7618,29 @@
           </a:prstGeom>
         </p:spPr>
       </p:pic>
+      <p:sp>
+        <p:nvSpPr>
+          <p:cNvPr id="4" name="Slide Number Placeholder 3"/>
+          <p:cNvSpPr>
+            <a:spLocks noGrp="1"/>
+          </p:cNvSpPr>
+          <p:nvPr>
+            <p:ph type="sldNum" sz="quarter" idx="12"/>
+          </p:nvPr>
+        </p:nvSpPr>
+        <p:spPr/>
+        <p:txBody>
+          <a:bodyPr/>
+          <a:lstStyle/>
+          <a:p>
+            <a:fld id="{D15B03D6-0FCC-4A7A-A3EC-1C9E6C68D40D}" type="slidenum">
+              <a:rPr lang="en-US" smtClean="0"/>
+              <a:t>1</a:t>
+            </a:fld>
+            <a:endParaRPr lang="en-US"/>
+          </a:p>
+        </p:txBody>
+      </p:sp>
     </p:spTree>
     <p:extLst>
       <p:ext uri="{BB962C8B-B14F-4D97-AF65-F5344CB8AC3E}">
@@ -7357,6 +7734,29 @@
           </a:p>
         </p:txBody>
       </p:sp>
+      <p:sp>
+        <p:nvSpPr>
+          <p:cNvPr id="3" name="Slide Number Placeholder 2"/>
+          <p:cNvSpPr>
+            <a:spLocks noGrp="1"/>
+          </p:cNvSpPr>
+          <p:nvPr>
+            <p:ph type="sldNum" sz="quarter" idx="12"/>
+          </p:nvPr>
+        </p:nvSpPr>
+        <p:spPr/>
+        <p:txBody>
+          <a:bodyPr/>
+          <a:lstStyle/>
+          <a:p>
+            <a:fld id="{D15B03D6-0FCC-4A7A-A3EC-1C9E6C68D40D}" type="slidenum">
+              <a:rPr lang="en-US" smtClean="0"/>
+              <a:t>10</a:t>
+            </a:fld>
+            <a:endParaRPr lang="en-US"/>
+          </a:p>
+        </p:txBody>
+      </p:sp>
     </p:spTree>
     <p:extLst>
       <p:ext uri="{BB962C8B-B14F-4D97-AF65-F5344CB8AC3E}">
@@ -7486,6 +7886,70 @@
           </a:p>
         </p:txBody>
       </p:sp>
+      <p:sp>
+        <p:nvSpPr>
+          <p:cNvPr id="4" name="Slide Number Placeholder 3"/>
+          <p:cNvSpPr>
+            <a:spLocks noGrp="1"/>
+          </p:cNvSpPr>
+          <p:nvPr>
+            <p:ph type="sldNum" sz="quarter" idx="12"/>
+          </p:nvPr>
+        </p:nvSpPr>
+        <p:spPr/>
+        <p:txBody>
+          <a:bodyPr/>
+          <a:lstStyle/>
+          <a:p>
+            <a:fld id="{D15B03D6-0FCC-4A7A-A3EC-1C9E6C68D40D}" type="slidenum">
+              <a:rPr lang="en-US" smtClean="0"/>
+              <a:t>11</a:t>
+            </a:fld>
+            <a:endParaRPr lang="en-US"/>
+          </a:p>
+        </p:txBody>
+      </p:sp>
+      <p:pic>
+        <p:nvPicPr>
+          <p:cNvPr id="5124" name="Picture 4" descr="Image result for media wiki"/>
+          <p:cNvPicPr>
+            <a:picLocks noChangeAspect="1" noChangeArrowheads="1"/>
+          </p:cNvPicPr>
+          <p:nvPr/>
+        </p:nvPicPr>
+        <p:blipFill>
+          <a:blip r:embed="rId2" cstate="print">
+            <a:extLst>
+              <a:ext uri="{28A0092B-C50C-407E-A947-70E740481C1C}">
+                <a14:useLocalDpi xmlns:a14="http://schemas.microsoft.com/office/drawing/2010/main" val="0"/>
+              </a:ext>
+            </a:extLst>
+          </a:blip>
+          <a:srcRect/>
+          <a:stretch>
+            <a:fillRect/>
+          </a:stretch>
+        </p:blipFill>
+        <p:spPr bwMode="auto">
+          <a:xfrm>
+            <a:off x="6959128" y="-135933"/>
+            <a:ext cx="3090725" cy="2577832"/>
+          </a:xfrm>
+          <a:prstGeom prst="rect">
+            <a:avLst/>
+          </a:prstGeom>
+          <a:noFill/>
+          <a:extLst>
+            <a:ext uri="{909E8E84-426E-40DD-AFC4-6F175D3DCCD1}">
+              <a14:hiddenFill xmlns:a14="http://schemas.microsoft.com/office/drawing/2010/main">
+                <a:solidFill>
+                  <a:srgbClr val="FFFFFF"/>
+                </a:solidFill>
+              </a14:hiddenFill>
+            </a:ext>
+          </a:extLst>
+        </p:spPr>
+      </p:pic>
     </p:spTree>
     <p:extLst>
       <p:ext uri="{BB962C8B-B14F-4D97-AF65-F5344CB8AC3E}">
@@ -7565,6 +8029,29 @@
           </a:p>
         </p:txBody>
       </p:sp>
+      <p:sp>
+        <p:nvSpPr>
+          <p:cNvPr id="3" name="Slide Number Placeholder 2"/>
+          <p:cNvSpPr>
+            <a:spLocks noGrp="1"/>
+          </p:cNvSpPr>
+          <p:nvPr>
+            <p:ph type="sldNum" sz="quarter" idx="12"/>
+          </p:nvPr>
+        </p:nvSpPr>
+        <p:spPr/>
+        <p:txBody>
+          <a:bodyPr/>
+          <a:lstStyle/>
+          <a:p>
+            <a:fld id="{D15B03D6-0FCC-4A7A-A3EC-1C9E6C68D40D}" type="slidenum">
+              <a:rPr lang="en-US" smtClean="0"/>
+              <a:t>12</a:t>
+            </a:fld>
+            <a:endParaRPr lang="en-US"/>
+          </a:p>
+        </p:txBody>
+      </p:sp>
     </p:spTree>
     <p:extLst>
       <p:ext uri="{BB962C8B-B14F-4D97-AF65-F5344CB8AC3E}">
@@ -7644,6 +8131,29 @@
           </a:p>
         </p:txBody>
       </p:sp>
+      <p:sp>
+        <p:nvSpPr>
+          <p:cNvPr id="3" name="Slide Number Placeholder 2"/>
+          <p:cNvSpPr>
+            <a:spLocks noGrp="1"/>
+          </p:cNvSpPr>
+          <p:nvPr>
+            <p:ph type="sldNum" sz="quarter" idx="12"/>
+          </p:nvPr>
+        </p:nvSpPr>
+        <p:spPr/>
+        <p:txBody>
+          <a:bodyPr/>
+          <a:lstStyle/>
+          <a:p>
+            <a:fld id="{D15B03D6-0FCC-4A7A-A3EC-1C9E6C68D40D}" type="slidenum">
+              <a:rPr lang="en-US" smtClean="0"/>
+              <a:t>13</a:t>
+            </a:fld>
+            <a:endParaRPr lang="en-US"/>
+          </a:p>
+        </p:txBody>
+      </p:sp>
     </p:spTree>
     <p:extLst>
       <p:ext uri="{BB962C8B-B14F-4D97-AF65-F5344CB8AC3E}">
@@ -7769,6 +8279,70 @@
           </a:p>
         </p:txBody>
       </p:sp>
+      <p:sp>
+        <p:nvSpPr>
+          <p:cNvPr id="4" name="Slide Number Placeholder 3"/>
+          <p:cNvSpPr>
+            <a:spLocks noGrp="1"/>
+          </p:cNvSpPr>
+          <p:nvPr>
+            <p:ph type="sldNum" sz="quarter" idx="12"/>
+          </p:nvPr>
+        </p:nvSpPr>
+        <p:spPr/>
+        <p:txBody>
+          <a:bodyPr/>
+          <a:lstStyle/>
+          <a:p>
+            <a:fld id="{D15B03D6-0FCC-4A7A-A3EC-1C9E6C68D40D}" type="slidenum">
+              <a:rPr lang="en-US" smtClean="0"/>
+              <a:t>14</a:t>
+            </a:fld>
+            <a:endParaRPr lang="en-US"/>
+          </a:p>
+        </p:txBody>
+      </p:sp>
+      <p:pic>
+        <p:nvPicPr>
+          <p:cNvPr id="6146" name="Picture 2" descr="Image result for google maps"/>
+          <p:cNvPicPr>
+            <a:picLocks noChangeAspect="1" noChangeArrowheads="1"/>
+          </p:cNvPicPr>
+          <p:nvPr/>
+        </p:nvPicPr>
+        <p:blipFill>
+          <a:blip r:embed="rId2">
+            <a:extLst>
+              <a:ext uri="{28A0092B-C50C-407E-A947-70E740481C1C}">
+                <a14:useLocalDpi xmlns:a14="http://schemas.microsoft.com/office/drawing/2010/main" val="0"/>
+              </a:ext>
+            </a:extLst>
+          </a:blip>
+          <a:srcRect/>
+          <a:stretch>
+            <a:fillRect/>
+          </a:stretch>
+        </p:blipFill>
+        <p:spPr bwMode="auto">
+          <a:xfrm>
+            <a:off x="7502306" y="452718"/>
+            <a:ext cx="2438400" cy="2438400"/>
+          </a:xfrm>
+          <a:prstGeom prst="rect">
+            <a:avLst/>
+          </a:prstGeom>
+          <a:noFill/>
+          <a:extLst>
+            <a:ext uri="{909E8E84-426E-40DD-AFC4-6F175D3DCCD1}">
+              <a14:hiddenFill xmlns:a14="http://schemas.microsoft.com/office/drawing/2010/main">
+                <a:solidFill>
+                  <a:srgbClr val="FFFFFF"/>
+                </a:solidFill>
+              </a14:hiddenFill>
+            </a:ext>
+          </a:extLst>
+        </p:spPr>
+      </p:pic>
     </p:spTree>
     <p:extLst>
       <p:ext uri="{BB962C8B-B14F-4D97-AF65-F5344CB8AC3E}">
@@ -7903,6 +8477,70 @@
           </a:p>
         </p:txBody>
       </p:sp>
+      <p:sp>
+        <p:nvSpPr>
+          <p:cNvPr id="4" name="Slide Number Placeholder 3"/>
+          <p:cNvSpPr>
+            <a:spLocks noGrp="1"/>
+          </p:cNvSpPr>
+          <p:nvPr>
+            <p:ph type="sldNum" sz="quarter" idx="12"/>
+          </p:nvPr>
+        </p:nvSpPr>
+        <p:spPr/>
+        <p:txBody>
+          <a:bodyPr/>
+          <a:lstStyle/>
+          <a:p>
+            <a:fld id="{D15B03D6-0FCC-4A7A-A3EC-1C9E6C68D40D}" type="slidenum">
+              <a:rPr lang="en-US" smtClean="0"/>
+              <a:t>15</a:t>
+            </a:fld>
+            <a:endParaRPr lang="en-US"/>
+          </a:p>
+        </p:txBody>
+      </p:sp>
+      <p:pic>
+        <p:nvPicPr>
+          <p:cNvPr id="7170" name="Picture 2" descr="Image result for bing maps"/>
+          <p:cNvPicPr>
+            <a:picLocks noChangeAspect="1" noChangeArrowheads="1"/>
+          </p:cNvPicPr>
+          <p:nvPr/>
+        </p:nvPicPr>
+        <p:blipFill>
+          <a:blip r:embed="rId2">
+            <a:extLst>
+              <a:ext uri="{28A0092B-C50C-407E-A947-70E740481C1C}">
+                <a14:useLocalDpi xmlns:a14="http://schemas.microsoft.com/office/drawing/2010/main" val="0"/>
+              </a:ext>
+            </a:extLst>
+          </a:blip>
+          <a:srcRect/>
+          <a:stretch>
+            <a:fillRect/>
+          </a:stretch>
+        </p:blipFill>
+        <p:spPr bwMode="auto">
+          <a:xfrm>
+            <a:off x="7147033" y="669061"/>
+            <a:ext cx="2102070" cy="2102070"/>
+          </a:xfrm>
+          <a:prstGeom prst="rect">
+            <a:avLst/>
+          </a:prstGeom>
+          <a:noFill/>
+          <a:extLst>
+            <a:ext uri="{909E8E84-426E-40DD-AFC4-6F175D3DCCD1}">
+              <a14:hiddenFill xmlns:a14="http://schemas.microsoft.com/office/drawing/2010/main">
+                <a:solidFill>
+                  <a:srgbClr val="FFFFFF"/>
+                </a:solidFill>
+              </a14:hiddenFill>
+            </a:ext>
+          </a:extLst>
+        </p:spPr>
+      </p:pic>
     </p:spTree>
     <p:extLst>
       <p:ext uri="{BB962C8B-B14F-4D97-AF65-F5344CB8AC3E}">
@@ -8034,6 +8672,70 @@
           </a:p>
         </p:txBody>
       </p:sp>
+      <p:sp>
+        <p:nvSpPr>
+          <p:cNvPr id="4" name="Slide Number Placeholder 3"/>
+          <p:cNvSpPr>
+            <a:spLocks noGrp="1"/>
+          </p:cNvSpPr>
+          <p:nvPr>
+            <p:ph type="sldNum" sz="quarter" idx="12"/>
+          </p:nvPr>
+        </p:nvSpPr>
+        <p:spPr/>
+        <p:txBody>
+          <a:bodyPr/>
+          <a:lstStyle/>
+          <a:p>
+            <a:fld id="{D15B03D6-0FCC-4A7A-A3EC-1C9E6C68D40D}" type="slidenum">
+              <a:rPr lang="en-US" smtClean="0"/>
+              <a:t>16</a:t>
+            </a:fld>
+            <a:endParaRPr lang="en-US"/>
+          </a:p>
+        </p:txBody>
+      </p:sp>
+      <p:pic>
+        <p:nvPicPr>
+          <p:cNvPr id="8194" name="Picture 2" descr="Image result for tomtom"/>
+          <p:cNvPicPr>
+            <a:picLocks noChangeAspect="1" noChangeArrowheads="1"/>
+          </p:cNvPicPr>
+          <p:nvPr/>
+        </p:nvPicPr>
+        <p:blipFill>
+          <a:blip r:embed="rId2">
+            <a:extLst>
+              <a:ext uri="{28A0092B-C50C-407E-A947-70E740481C1C}">
+                <a14:useLocalDpi xmlns:a14="http://schemas.microsoft.com/office/drawing/2010/main" val="0"/>
+              </a:ext>
+            </a:extLst>
+          </a:blip>
+          <a:srcRect/>
+          <a:stretch>
+            <a:fillRect/>
+          </a:stretch>
+        </p:blipFill>
+        <p:spPr bwMode="auto">
+          <a:xfrm>
+            <a:off x="5915548" y="-355129"/>
+            <a:ext cx="4021632" cy="3016224"/>
+          </a:xfrm>
+          <a:prstGeom prst="rect">
+            <a:avLst/>
+          </a:prstGeom>
+          <a:noFill/>
+          <a:extLst>
+            <a:ext uri="{909E8E84-426E-40DD-AFC4-6F175D3DCCD1}">
+              <a14:hiddenFill xmlns:a14="http://schemas.microsoft.com/office/drawing/2010/main">
+                <a:solidFill>
+                  <a:srgbClr val="FFFFFF"/>
+                </a:solidFill>
+              </a14:hiddenFill>
+            </a:ext>
+          </a:extLst>
+        </p:spPr>
+      </p:pic>
     </p:spTree>
     <p:extLst>
       <p:ext uri="{BB962C8B-B14F-4D97-AF65-F5344CB8AC3E}">
@@ -8154,6 +8856,29 @@
           </a:p>
         </p:txBody>
       </p:sp>
+      <p:sp>
+        <p:nvSpPr>
+          <p:cNvPr id="4" name="Slide Number Placeholder 3"/>
+          <p:cNvSpPr>
+            <a:spLocks noGrp="1"/>
+          </p:cNvSpPr>
+          <p:nvPr>
+            <p:ph type="sldNum" sz="quarter" idx="12"/>
+          </p:nvPr>
+        </p:nvSpPr>
+        <p:spPr/>
+        <p:txBody>
+          <a:bodyPr/>
+          <a:lstStyle/>
+          <a:p>
+            <a:fld id="{D15B03D6-0FCC-4A7A-A3EC-1C9E6C68D40D}" type="slidenum">
+              <a:rPr lang="en-US" smtClean="0"/>
+              <a:t>17</a:t>
+            </a:fld>
+            <a:endParaRPr lang="en-US"/>
+          </a:p>
+        </p:txBody>
+      </p:sp>
     </p:spTree>
     <p:extLst>
       <p:ext uri="{BB962C8B-B14F-4D97-AF65-F5344CB8AC3E}">
@@ -8303,6 +9028,70 @@
           </a:p>
         </p:txBody>
       </p:sp>
+      <p:sp>
+        <p:nvSpPr>
+          <p:cNvPr id="4" name="Slide Number Placeholder 3"/>
+          <p:cNvSpPr>
+            <a:spLocks noGrp="1"/>
+          </p:cNvSpPr>
+          <p:nvPr>
+            <p:ph type="sldNum" sz="quarter" idx="12"/>
+          </p:nvPr>
+        </p:nvSpPr>
+        <p:spPr/>
+        <p:txBody>
+          <a:bodyPr/>
+          <a:lstStyle/>
+          <a:p>
+            <a:fld id="{D15B03D6-0FCC-4A7A-A3EC-1C9E6C68D40D}" type="slidenum">
+              <a:rPr lang="en-US" smtClean="0"/>
+              <a:t>18</a:t>
+            </a:fld>
+            <a:endParaRPr lang="en-US"/>
+          </a:p>
+        </p:txBody>
+      </p:sp>
+      <p:pic>
+        <p:nvPicPr>
+          <p:cNvPr id="10242" name="Picture 2" descr="Image result for mapbox"/>
+          <p:cNvPicPr>
+            <a:picLocks noChangeAspect="1" noChangeArrowheads="1"/>
+          </p:cNvPicPr>
+          <p:nvPr/>
+        </p:nvPicPr>
+        <p:blipFill>
+          <a:blip r:embed="rId2">
+            <a:extLst>
+              <a:ext uri="{28A0092B-C50C-407E-A947-70E740481C1C}">
+                <a14:useLocalDpi xmlns:a14="http://schemas.microsoft.com/office/drawing/2010/main" val="0"/>
+              </a:ext>
+            </a:extLst>
+          </a:blip>
+          <a:srcRect/>
+          <a:stretch>
+            <a:fillRect/>
+          </a:stretch>
+        </p:blipFill>
+        <p:spPr bwMode="auto">
+          <a:xfrm>
+            <a:off x="5906813" y="1432385"/>
+            <a:ext cx="5515851" cy="1241066"/>
+          </a:xfrm>
+          <a:prstGeom prst="rect">
+            <a:avLst/>
+          </a:prstGeom>
+          <a:noFill/>
+          <a:extLst>
+            <a:ext uri="{909E8E84-426E-40DD-AFC4-6F175D3DCCD1}">
+              <a14:hiddenFill xmlns:a14="http://schemas.microsoft.com/office/drawing/2010/main">
+                <a:solidFill>
+                  <a:srgbClr val="FFFFFF"/>
+                </a:solidFill>
+              </a14:hiddenFill>
+            </a:ext>
+          </a:extLst>
+        </p:spPr>
+      </p:pic>
     </p:spTree>
     <p:extLst>
       <p:ext uri="{BB962C8B-B14F-4D97-AF65-F5344CB8AC3E}">
@@ -8367,6 +9156,29 @@
           </a:p>
         </p:txBody>
       </p:sp>
+      <p:sp>
+        <p:nvSpPr>
+          <p:cNvPr id="3" name="Slide Number Placeholder 2"/>
+          <p:cNvSpPr>
+            <a:spLocks noGrp="1"/>
+          </p:cNvSpPr>
+          <p:nvPr>
+            <p:ph type="sldNum" sz="quarter" idx="12"/>
+          </p:nvPr>
+        </p:nvSpPr>
+        <p:spPr/>
+        <p:txBody>
+          <a:bodyPr/>
+          <a:lstStyle/>
+          <a:p>
+            <a:fld id="{D15B03D6-0FCC-4A7A-A3EC-1C9E6C68D40D}" type="slidenum">
+              <a:rPr lang="en-US" smtClean="0"/>
+              <a:t>19</a:t>
+            </a:fld>
+            <a:endParaRPr lang="en-US"/>
+          </a:p>
+        </p:txBody>
+      </p:sp>
     </p:spTree>
     <p:extLst>
       <p:ext uri="{BB962C8B-B14F-4D97-AF65-F5344CB8AC3E}">
@@ -8480,6 +9292,29 @@
           </a:p>
         </p:txBody>
       </p:sp>
+      <p:sp>
+        <p:nvSpPr>
+          <p:cNvPr id="4" name="Slide Number Placeholder 3"/>
+          <p:cNvSpPr>
+            <a:spLocks noGrp="1"/>
+          </p:cNvSpPr>
+          <p:nvPr>
+            <p:ph type="sldNum" sz="quarter" idx="12"/>
+          </p:nvPr>
+        </p:nvSpPr>
+        <p:spPr/>
+        <p:txBody>
+          <a:bodyPr/>
+          <a:lstStyle/>
+          <a:p>
+            <a:fld id="{D15B03D6-0FCC-4A7A-A3EC-1C9E6C68D40D}" type="slidenum">
+              <a:rPr lang="en-US" smtClean="0"/>
+              <a:t>2</a:t>
+            </a:fld>
+            <a:endParaRPr lang="en-US"/>
+          </a:p>
+        </p:txBody>
+      </p:sp>
     </p:spTree>
     <p:extLst>
       <p:ext uri="{BB962C8B-B14F-4D97-AF65-F5344CB8AC3E}">
@@ -8571,6 +9406,29 @@
           </a:p>
         </p:txBody>
       </p:sp>
+      <p:sp>
+        <p:nvSpPr>
+          <p:cNvPr id="3" name="Slide Number Placeholder 2"/>
+          <p:cNvSpPr>
+            <a:spLocks noGrp="1"/>
+          </p:cNvSpPr>
+          <p:nvPr>
+            <p:ph type="sldNum" sz="quarter" idx="12"/>
+          </p:nvPr>
+        </p:nvSpPr>
+        <p:spPr/>
+        <p:txBody>
+          <a:bodyPr/>
+          <a:lstStyle/>
+          <a:p>
+            <a:fld id="{D15B03D6-0FCC-4A7A-A3EC-1C9E6C68D40D}" type="slidenum">
+              <a:rPr lang="en-US" smtClean="0"/>
+              <a:t>20</a:t>
+            </a:fld>
+            <a:endParaRPr lang="en-US"/>
+          </a:p>
+        </p:txBody>
+      </p:sp>
     </p:spTree>
     <p:extLst>
       <p:ext uri="{BB962C8B-B14F-4D97-AF65-F5344CB8AC3E}">
@@ -8713,6 +9571,29 @@
           </a:p>
         </p:txBody>
       </p:sp>
+      <p:sp>
+        <p:nvSpPr>
+          <p:cNvPr id="4" name="Slide Number Placeholder 3"/>
+          <p:cNvSpPr>
+            <a:spLocks noGrp="1"/>
+          </p:cNvSpPr>
+          <p:nvPr>
+            <p:ph type="sldNum" sz="quarter" idx="12"/>
+          </p:nvPr>
+        </p:nvSpPr>
+        <p:spPr/>
+        <p:txBody>
+          <a:bodyPr/>
+          <a:lstStyle/>
+          <a:p>
+            <a:fld id="{D15B03D6-0FCC-4A7A-A3EC-1C9E6C68D40D}" type="slidenum">
+              <a:rPr lang="en-US" smtClean="0"/>
+              <a:t>21</a:t>
+            </a:fld>
+            <a:endParaRPr lang="en-US"/>
+          </a:p>
+        </p:txBody>
+      </p:sp>
     </p:spTree>
     <p:extLst>
       <p:ext uri="{BB962C8B-B14F-4D97-AF65-F5344CB8AC3E}">
@@ -8850,6 +9731,29 @@
           </a:p>
         </p:txBody>
       </p:sp>
+      <p:sp>
+        <p:nvSpPr>
+          <p:cNvPr id="4" name="Slide Number Placeholder 3"/>
+          <p:cNvSpPr>
+            <a:spLocks noGrp="1"/>
+          </p:cNvSpPr>
+          <p:nvPr>
+            <p:ph type="sldNum" sz="quarter" idx="12"/>
+          </p:nvPr>
+        </p:nvSpPr>
+        <p:spPr/>
+        <p:txBody>
+          <a:bodyPr/>
+          <a:lstStyle/>
+          <a:p>
+            <a:fld id="{D15B03D6-0FCC-4A7A-A3EC-1C9E6C68D40D}" type="slidenum">
+              <a:rPr lang="en-US" smtClean="0"/>
+              <a:t>22</a:t>
+            </a:fld>
+            <a:endParaRPr lang="en-US"/>
+          </a:p>
+        </p:txBody>
+      </p:sp>
     </p:spTree>
     <p:extLst>
       <p:ext uri="{BB962C8B-B14F-4D97-AF65-F5344CB8AC3E}">
@@ -8993,6 +9897,70 @@
           </a:p>
         </p:txBody>
       </p:sp>
+      <p:sp>
+        <p:nvSpPr>
+          <p:cNvPr id="4" name="Slide Number Placeholder 3"/>
+          <p:cNvSpPr>
+            <a:spLocks noGrp="1"/>
+          </p:cNvSpPr>
+          <p:nvPr>
+            <p:ph type="sldNum" sz="quarter" idx="12"/>
+          </p:nvPr>
+        </p:nvSpPr>
+        <p:spPr/>
+        <p:txBody>
+          <a:bodyPr/>
+          <a:lstStyle/>
+          <a:p>
+            <a:fld id="{D15B03D6-0FCC-4A7A-A3EC-1C9E6C68D40D}" type="slidenum">
+              <a:rPr lang="en-US" smtClean="0"/>
+              <a:t>23</a:t>
+            </a:fld>
+            <a:endParaRPr lang="en-US"/>
+          </a:p>
+        </p:txBody>
+      </p:sp>
+      <p:pic>
+        <p:nvPicPr>
+          <p:cNvPr id="11266" name="Picture 2" descr="Image result for UX app logo"/>
+          <p:cNvPicPr>
+            <a:picLocks noChangeAspect="1" noChangeArrowheads="1"/>
+          </p:cNvPicPr>
+          <p:nvPr/>
+        </p:nvPicPr>
+        <p:blipFill>
+          <a:blip r:embed="rId2">
+            <a:extLst>
+              <a:ext uri="{28A0092B-C50C-407E-A947-70E740481C1C}">
+                <a14:useLocalDpi xmlns:a14="http://schemas.microsoft.com/office/drawing/2010/main" val="0"/>
+              </a:ext>
+            </a:extLst>
+          </a:blip>
+          <a:srcRect/>
+          <a:stretch>
+            <a:fillRect/>
+          </a:stretch>
+        </p:blipFill>
+        <p:spPr bwMode="auto">
+          <a:xfrm>
+            <a:off x="7617919" y="295729"/>
+            <a:ext cx="2280745" cy="2280745"/>
+          </a:xfrm>
+          <a:prstGeom prst="rect">
+            <a:avLst/>
+          </a:prstGeom>
+          <a:noFill/>
+          <a:extLst>
+            <a:ext uri="{909E8E84-426E-40DD-AFC4-6F175D3DCCD1}">
+              <a14:hiddenFill xmlns:a14="http://schemas.microsoft.com/office/drawing/2010/main">
+                <a:solidFill>
+                  <a:srgbClr val="FFFFFF"/>
+                </a:solidFill>
+              </a14:hiddenFill>
+            </a:ext>
+          </a:extLst>
+        </p:spPr>
+      </p:pic>
     </p:spTree>
     <p:extLst>
       <p:ext uri="{BB962C8B-B14F-4D97-AF65-F5344CB8AC3E}">
@@ -9109,6 +10077,29 @@
           </a:p>
         </p:txBody>
       </p:sp>
+      <p:sp>
+        <p:nvSpPr>
+          <p:cNvPr id="4" name="Slide Number Placeholder 3"/>
+          <p:cNvSpPr>
+            <a:spLocks noGrp="1"/>
+          </p:cNvSpPr>
+          <p:nvPr>
+            <p:ph type="sldNum" sz="quarter" idx="12"/>
+          </p:nvPr>
+        </p:nvSpPr>
+        <p:spPr/>
+        <p:txBody>
+          <a:bodyPr/>
+          <a:lstStyle/>
+          <a:p>
+            <a:fld id="{D15B03D6-0FCC-4A7A-A3EC-1C9E6C68D40D}" type="slidenum">
+              <a:rPr lang="en-US" smtClean="0"/>
+              <a:t>24</a:t>
+            </a:fld>
+            <a:endParaRPr lang="en-US"/>
+          </a:p>
+        </p:txBody>
+      </p:sp>
     </p:spTree>
     <p:extLst>
       <p:ext uri="{BB962C8B-B14F-4D97-AF65-F5344CB8AC3E}">
@@ -9173,6 +10164,29 @@
           </a:p>
         </p:txBody>
       </p:sp>
+      <p:sp>
+        <p:nvSpPr>
+          <p:cNvPr id="3" name="Slide Number Placeholder 2"/>
+          <p:cNvSpPr>
+            <a:spLocks noGrp="1"/>
+          </p:cNvSpPr>
+          <p:nvPr>
+            <p:ph type="sldNum" sz="quarter" idx="12"/>
+          </p:nvPr>
+        </p:nvSpPr>
+        <p:spPr/>
+        <p:txBody>
+          <a:bodyPr/>
+          <a:lstStyle/>
+          <a:p>
+            <a:fld id="{D15B03D6-0FCC-4A7A-A3EC-1C9E6C68D40D}" type="slidenum">
+              <a:rPr lang="en-US" smtClean="0"/>
+              <a:t>25</a:t>
+            </a:fld>
+            <a:endParaRPr lang="en-US"/>
+          </a:p>
+        </p:txBody>
+      </p:sp>
     </p:spTree>
     <p:extLst>
       <p:ext uri="{BB962C8B-B14F-4D97-AF65-F5344CB8AC3E}">
@@ -9268,6 +10282,29 @@
           </a:p>
         </p:txBody>
       </p:sp>
+      <p:sp>
+        <p:nvSpPr>
+          <p:cNvPr id="3" name="Slide Number Placeholder 2"/>
+          <p:cNvSpPr>
+            <a:spLocks noGrp="1"/>
+          </p:cNvSpPr>
+          <p:nvPr>
+            <p:ph type="sldNum" sz="quarter" idx="12"/>
+          </p:nvPr>
+        </p:nvSpPr>
+        <p:spPr/>
+        <p:txBody>
+          <a:bodyPr/>
+          <a:lstStyle/>
+          <a:p>
+            <a:fld id="{D15B03D6-0FCC-4A7A-A3EC-1C9E6C68D40D}" type="slidenum">
+              <a:rPr lang="en-US" smtClean="0"/>
+              <a:t>26</a:t>
+            </a:fld>
+            <a:endParaRPr lang="en-US"/>
+          </a:p>
+        </p:txBody>
+      </p:sp>
     </p:spTree>
     <p:extLst>
       <p:ext uri="{BB962C8B-B14F-4D97-AF65-F5344CB8AC3E}">
@@ -9351,6 +10388,29 @@
           </a:p>
         </p:txBody>
       </p:sp>
+      <p:sp>
+        <p:nvSpPr>
+          <p:cNvPr id="3" name="Slide Number Placeholder 2"/>
+          <p:cNvSpPr>
+            <a:spLocks noGrp="1"/>
+          </p:cNvSpPr>
+          <p:nvPr>
+            <p:ph type="sldNum" sz="quarter" idx="12"/>
+          </p:nvPr>
+        </p:nvSpPr>
+        <p:spPr/>
+        <p:txBody>
+          <a:bodyPr/>
+          <a:lstStyle/>
+          <a:p>
+            <a:fld id="{D15B03D6-0FCC-4A7A-A3EC-1C9E6C68D40D}" type="slidenum">
+              <a:rPr lang="en-US" smtClean="0"/>
+              <a:t>27</a:t>
+            </a:fld>
+            <a:endParaRPr lang="en-US"/>
+          </a:p>
+        </p:txBody>
+      </p:sp>
     </p:spTree>
     <p:extLst>
       <p:ext uri="{BB962C8B-B14F-4D97-AF65-F5344CB8AC3E}">
@@ -9449,6 +10509,29 @@
           </a:p>
         </p:txBody>
       </p:sp>
+      <p:sp>
+        <p:nvSpPr>
+          <p:cNvPr id="3" name="Slide Number Placeholder 2"/>
+          <p:cNvSpPr>
+            <a:spLocks noGrp="1"/>
+          </p:cNvSpPr>
+          <p:nvPr>
+            <p:ph type="sldNum" sz="quarter" idx="12"/>
+          </p:nvPr>
+        </p:nvSpPr>
+        <p:spPr/>
+        <p:txBody>
+          <a:bodyPr/>
+          <a:lstStyle/>
+          <a:p>
+            <a:fld id="{D15B03D6-0FCC-4A7A-A3EC-1C9E6C68D40D}" type="slidenum">
+              <a:rPr lang="en-US" smtClean="0"/>
+              <a:t>28</a:t>
+            </a:fld>
+            <a:endParaRPr lang="en-US"/>
+          </a:p>
+        </p:txBody>
+      </p:sp>
     </p:spTree>
     <p:extLst>
       <p:ext uri="{BB962C8B-B14F-4D97-AF65-F5344CB8AC3E}">
@@ -9542,6 +10625,29 @@
           </a:p>
         </p:txBody>
       </p:sp>
+      <p:sp>
+        <p:nvSpPr>
+          <p:cNvPr id="3" name="Slide Number Placeholder 2"/>
+          <p:cNvSpPr>
+            <a:spLocks noGrp="1"/>
+          </p:cNvSpPr>
+          <p:nvPr>
+            <p:ph type="sldNum" sz="quarter" idx="12"/>
+          </p:nvPr>
+        </p:nvSpPr>
+        <p:spPr/>
+        <p:txBody>
+          <a:bodyPr/>
+          <a:lstStyle/>
+          <a:p>
+            <a:fld id="{D15B03D6-0FCC-4A7A-A3EC-1C9E6C68D40D}" type="slidenum">
+              <a:rPr lang="en-US" smtClean="0"/>
+              <a:t>29</a:t>
+            </a:fld>
+            <a:endParaRPr lang="en-US"/>
+          </a:p>
+        </p:txBody>
+      </p:sp>
     </p:spTree>
     <p:extLst>
       <p:ext uri="{BB962C8B-B14F-4D97-AF65-F5344CB8AC3E}">
@@ -9628,6 +10734,29 @@
           </a:p>
         </p:txBody>
       </p:sp>
+      <p:sp>
+        <p:nvSpPr>
+          <p:cNvPr id="3" name="Slide Number Placeholder 2"/>
+          <p:cNvSpPr>
+            <a:spLocks noGrp="1"/>
+          </p:cNvSpPr>
+          <p:nvPr>
+            <p:ph type="sldNum" sz="quarter" idx="12"/>
+          </p:nvPr>
+        </p:nvSpPr>
+        <p:spPr/>
+        <p:txBody>
+          <a:bodyPr/>
+          <a:lstStyle/>
+          <a:p>
+            <a:fld id="{D15B03D6-0FCC-4A7A-A3EC-1C9E6C68D40D}" type="slidenum">
+              <a:rPr lang="en-US" smtClean="0"/>
+              <a:t>3</a:t>
+            </a:fld>
+            <a:endParaRPr lang="en-US"/>
+          </a:p>
+        </p:txBody>
+      </p:sp>
     </p:spTree>
     <p:extLst>
       <p:ext uri="{BB962C8B-B14F-4D97-AF65-F5344CB8AC3E}">
@@ -9700,6 +10829,70 @@
           </a:p>
         </p:txBody>
       </p:sp>
+      <p:sp>
+        <p:nvSpPr>
+          <p:cNvPr id="3" name="Slide Number Placeholder 2"/>
+          <p:cNvSpPr>
+            <a:spLocks noGrp="1"/>
+          </p:cNvSpPr>
+          <p:nvPr>
+            <p:ph type="sldNum" sz="quarter" idx="12"/>
+          </p:nvPr>
+        </p:nvSpPr>
+        <p:spPr/>
+        <p:txBody>
+          <a:bodyPr/>
+          <a:lstStyle/>
+          <a:p>
+            <a:fld id="{D15B03D6-0FCC-4A7A-A3EC-1C9E6C68D40D}" type="slidenum">
+              <a:rPr lang="en-US" smtClean="0"/>
+              <a:t>30</a:t>
+            </a:fld>
+            <a:endParaRPr lang="en-US"/>
+          </a:p>
+        </p:txBody>
+      </p:sp>
+      <p:pic>
+        <p:nvPicPr>
+          <p:cNvPr id="16386" name="Picture 2" descr="Image result for dora the explorer png"/>
+          <p:cNvPicPr>
+            <a:picLocks noChangeAspect="1" noChangeArrowheads="1"/>
+          </p:cNvPicPr>
+          <p:nvPr/>
+        </p:nvPicPr>
+        <p:blipFill>
+          <a:blip r:embed="rId2">
+            <a:extLst>
+              <a:ext uri="{28A0092B-C50C-407E-A947-70E740481C1C}">
+                <a14:useLocalDpi xmlns:a14="http://schemas.microsoft.com/office/drawing/2010/main" val="0"/>
+              </a:ext>
+            </a:extLst>
+          </a:blip>
+          <a:srcRect/>
+          <a:stretch>
+            <a:fillRect/>
+          </a:stretch>
+        </p:blipFill>
+        <p:spPr bwMode="auto">
+          <a:xfrm>
+            <a:off x="9361950" y="3333219"/>
+            <a:ext cx="2453538" cy="3271384"/>
+          </a:xfrm>
+          <a:prstGeom prst="rect">
+            <a:avLst/>
+          </a:prstGeom>
+          <a:noFill/>
+          <a:extLst>
+            <a:ext uri="{909E8E84-426E-40DD-AFC4-6F175D3DCCD1}">
+              <a14:hiddenFill xmlns:a14="http://schemas.microsoft.com/office/drawing/2010/main">
+                <a:solidFill>
+                  <a:srgbClr val="FFFFFF"/>
+                </a:solidFill>
+              </a14:hiddenFill>
+            </a:ext>
+          </a:extLst>
+        </p:spPr>
+      </p:pic>
     </p:spTree>
     <p:extLst>
       <p:ext uri="{BB962C8B-B14F-4D97-AF65-F5344CB8AC3E}">
@@ -9776,6 +10969,29 @@
           </a:p>
         </p:txBody>
       </p:sp>
+      <p:sp>
+        <p:nvSpPr>
+          <p:cNvPr id="3" name="Slide Number Placeholder 2"/>
+          <p:cNvSpPr>
+            <a:spLocks noGrp="1"/>
+          </p:cNvSpPr>
+          <p:nvPr>
+            <p:ph type="sldNum" sz="quarter" idx="12"/>
+          </p:nvPr>
+        </p:nvSpPr>
+        <p:spPr/>
+        <p:txBody>
+          <a:bodyPr/>
+          <a:lstStyle/>
+          <a:p>
+            <a:fld id="{D15B03D6-0FCC-4A7A-A3EC-1C9E6C68D40D}" type="slidenum">
+              <a:rPr lang="en-US" smtClean="0"/>
+              <a:t>31</a:t>
+            </a:fld>
+            <a:endParaRPr lang="en-US"/>
+          </a:p>
+        </p:txBody>
+      </p:sp>
     </p:spTree>
     <p:extLst>
       <p:ext uri="{BB962C8B-B14F-4D97-AF65-F5344CB8AC3E}">
@@ -9848,6 +11064,29 @@
           </a:p>
         </p:txBody>
       </p:sp>
+      <p:sp>
+        <p:nvSpPr>
+          <p:cNvPr id="3" name="Slide Number Placeholder 2"/>
+          <p:cNvSpPr>
+            <a:spLocks noGrp="1"/>
+          </p:cNvSpPr>
+          <p:nvPr>
+            <p:ph type="sldNum" sz="quarter" idx="12"/>
+          </p:nvPr>
+        </p:nvSpPr>
+        <p:spPr/>
+        <p:txBody>
+          <a:bodyPr/>
+          <a:lstStyle/>
+          <a:p>
+            <a:fld id="{D15B03D6-0FCC-4A7A-A3EC-1C9E6C68D40D}" type="slidenum">
+              <a:rPr lang="en-US" smtClean="0"/>
+              <a:t>32</a:t>
+            </a:fld>
+            <a:endParaRPr lang="en-US"/>
+          </a:p>
+        </p:txBody>
+      </p:sp>
     </p:spTree>
     <p:extLst>
       <p:ext uri="{BB962C8B-B14F-4D97-AF65-F5344CB8AC3E}">
@@ -9939,6 +11178,29 @@
           </a:p>
         </p:txBody>
       </p:sp>
+      <p:sp>
+        <p:nvSpPr>
+          <p:cNvPr id="3" name="Slide Number Placeholder 2"/>
+          <p:cNvSpPr>
+            <a:spLocks noGrp="1"/>
+          </p:cNvSpPr>
+          <p:nvPr>
+            <p:ph type="sldNum" sz="quarter" idx="12"/>
+          </p:nvPr>
+        </p:nvSpPr>
+        <p:spPr/>
+        <p:txBody>
+          <a:bodyPr/>
+          <a:lstStyle/>
+          <a:p>
+            <a:fld id="{D15B03D6-0FCC-4A7A-A3EC-1C9E6C68D40D}" type="slidenum">
+              <a:rPr lang="en-US" smtClean="0"/>
+              <a:t>33</a:t>
+            </a:fld>
+            <a:endParaRPr lang="en-US"/>
+          </a:p>
+        </p:txBody>
+      </p:sp>
     </p:spTree>
     <p:extLst>
       <p:ext uri="{BB962C8B-B14F-4D97-AF65-F5344CB8AC3E}">
@@ -10025,6 +11287,29 @@
           </a:p>
         </p:txBody>
       </p:sp>
+      <p:sp>
+        <p:nvSpPr>
+          <p:cNvPr id="3" name="Slide Number Placeholder 2"/>
+          <p:cNvSpPr>
+            <a:spLocks noGrp="1"/>
+          </p:cNvSpPr>
+          <p:nvPr>
+            <p:ph type="sldNum" sz="quarter" idx="12"/>
+          </p:nvPr>
+        </p:nvSpPr>
+        <p:spPr/>
+        <p:txBody>
+          <a:bodyPr/>
+          <a:lstStyle/>
+          <a:p>
+            <a:fld id="{D15B03D6-0FCC-4A7A-A3EC-1C9E6C68D40D}" type="slidenum">
+              <a:rPr lang="en-US" smtClean="0"/>
+              <a:t>34</a:t>
+            </a:fld>
+            <a:endParaRPr lang="en-US"/>
+          </a:p>
+        </p:txBody>
+      </p:sp>
     </p:spTree>
     <p:extLst>
       <p:ext uri="{BB962C8B-B14F-4D97-AF65-F5344CB8AC3E}">
@@ -10153,6 +11438,70 @@
           </a:p>
         </p:txBody>
       </p:sp>
+      <p:sp>
+        <p:nvSpPr>
+          <p:cNvPr id="4" name="Slide Number Placeholder 3"/>
+          <p:cNvSpPr>
+            <a:spLocks noGrp="1"/>
+          </p:cNvSpPr>
+          <p:nvPr>
+            <p:ph type="sldNum" sz="quarter" idx="12"/>
+          </p:nvPr>
+        </p:nvSpPr>
+        <p:spPr/>
+        <p:txBody>
+          <a:bodyPr/>
+          <a:lstStyle/>
+          <a:p>
+            <a:fld id="{D15B03D6-0FCC-4A7A-A3EC-1C9E6C68D40D}" type="slidenum">
+              <a:rPr lang="en-US" smtClean="0"/>
+              <a:t>35</a:t>
+            </a:fld>
+            <a:endParaRPr lang="en-US"/>
+          </a:p>
+        </p:txBody>
+      </p:sp>
+      <p:pic>
+        <p:nvPicPr>
+          <p:cNvPr id="12290" name="Picture 2" descr="Image result for oracle logo"/>
+          <p:cNvPicPr>
+            <a:picLocks noChangeAspect="1" noChangeArrowheads="1"/>
+          </p:cNvPicPr>
+          <p:nvPr/>
+        </p:nvPicPr>
+        <p:blipFill>
+          <a:blip r:embed="rId2" cstate="print">
+            <a:extLst>
+              <a:ext uri="{28A0092B-C50C-407E-A947-70E740481C1C}">
+                <a14:useLocalDpi xmlns:a14="http://schemas.microsoft.com/office/drawing/2010/main" val="0"/>
+              </a:ext>
+            </a:extLst>
+          </a:blip>
+          <a:srcRect/>
+          <a:stretch>
+            <a:fillRect/>
+          </a:stretch>
+        </p:blipFill>
+        <p:spPr bwMode="auto">
+          <a:xfrm>
+            <a:off x="5905948" y="1263086"/>
+            <a:ext cx="5448561" cy="1401641"/>
+          </a:xfrm>
+          <a:prstGeom prst="rect">
+            <a:avLst/>
+          </a:prstGeom>
+          <a:noFill/>
+          <a:extLst>
+            <a:ext uri="{909E8E84-426E-40DD-AFC4-6F175D3DCCD1}">
+              <a14:hiddenFill xmlns:a14="http://schemas.microsoft.com/office/drawing/2010/main">
+                <a:solidFill>
+                  <a:srgbClr val="FFFFFF"/>
+                </a:solidFill>
+              </a14:hiddenFill>
+            </a:ext>
+          </a:extLst>
+        </p:spPr>
+      </p:pic>
     </p:spTree>
     <p:extLst>
       <p:ext uri="{BB962C8B-B14F-4D97-AF65-F5344CB8AC3E}">
@@ -10287,6 +11636,70 @@
           </a:p>
         </p:txBody>
       </p:sp>
+      <p:sp>
+        <p:nvSpPr>
+          <p:cNvPr id="4" name="Slide Number Placeholder 3"/>
+          <p:cNvSpPr>
+            <a:spLocks noGrp="1"/>
+          </p:cNvSpPr>
+          <p:nvPr>
+            <p:ph type="sldNum" sz="quarter" idx="12"/>
+          </p:nvPr>
+        </p:nvSpPr>
+        <p:spPr/>
+        <p:txBody>
+          <a:bodyPr/>
+          <a:lstStyle/>
+          <a:p>
+            <a:fld id="{D15B03D6-0FCC-4A7A-A3EC-1C9E6C68D40D}" type="slidenum">
+              <a:rPr lang="en-US" smtClean="0"/>
+              <a:t>36</a:t>
+            </a:fld>
+            <a:endParaRPr lang="en-US"/>
+          </a:p>
+        </p:txBody>
+      </p:sp>
+      <p:pic>
+        <p:nvPicPr>
+          <p:cNvPr id="13314" name="Picture 2" descr="Image result for ms sql"/>
+          <p:cNvPicPr>
+            <a:picLocks noChangeAspect="1" noChangeArrowheads="1"/>
+          </p:cNvPicPr>
+          <p:nvPr/>
+        </p:nvPicPr>
+        <p:blipFill>
+          <a:blip r:embed="rId2">
+            <a:extLst>
+              <a:ext uri="{28A0092B-C50C-407E-A947-70E740481C1C}">
+                <a14:useLocalDpi xmlns:a14="http://schemas.microsoft.com/office/drawing/2010/main" val="0"/>
+              </a:ext>
+            </a:extLst>
+          </a:blip>
+          <a:srcRect/>
+          <a:stretch>
+            <a:fillRect/>
+          </a:stretch>
+        </p:blipFill>
+        <p:spPr bwMode="auto">
+          <a:xfrm>
+            <a:off x="7109218" y="295729"/>
+            <a:ext cx="2940635" cy="2416874"/>
+          </a:xfrm>
+          <a:prstGeom prst="rect">
+            <a:avLst/>
+          </a:prstGeom>
+          <a:noFill/>
+          <a:extLst>
+            <a:ext uri="{909E8E84-426E-40DD-AFC4-6F175D3DCCD1}">
+              <a14:hiddenFill xmlns:a14="http://schemas.microsoft.com/office/drawing/2010/main">
+                <a:solidFill>
+                  <a:srgbClr val="FFFFFF"/>
+                </a:solidFill>
+              </a14:hiddenFill>
+            </a:ext>
+          </a:extLst>
+        </p:spPr>
+      </p:pic>
     </p:spTree>
     <p:extLst>
       <p:ext uri="{BB962C8B-B14F-4D97-AF65-F5344CB8AC3E}">
@@ -10409,6 +11822,70 @@
           </a:p>
         </p:txBody>
       </p:sp>
+      <p:sp>
+        <p:nvSpPr>
+          <p:cNvPr id="4" name="Slide Number Placeholder 3"/>
+          <p:cNvSpPr>
+            <a:spLocks noGrp="1"/>
+          </p:cNvSpPr>
+          <p:nvPr>
+            <p:ph type="sldNum" sz="quarter" idx="12"/>
+          </p:nvPr>
+        </p:nvSpPr>
+        <p:spPr/>
+        <p:txBody>
+          <a:bodyPr/>
+          <a:lstStyle/>
+          <a:p>
+            <a:fld id="{D15B03D6-0FCC-4A7A-A3EC-1C9E6C68D40D}" type="slidenum">
+              <a:rPr lang="en-US" smtClean="0"/>
+              <a:t>37</a:t>
+            </a:fld>
+            <a:endParaRPr lang="en-US"/>
+          </a:p>
+        </p:txBody>
+      </p:sp>
+      <p:pic>
+        <p:nvPicPr>
+          <p:cNvPr id="14338" name="Picture 2" descr="Image result for mysql"/>
+          <p:cNvPicPr>
+            <a:picLocks noChangeAspect="1" noChangeArrowheads="1"/>
+          </p:cNvPicPr>
+          <p:nvPr/>
+        </p:nvPicPr>
+        <p:blipFill>
+          <a:blip r:embed="rId2">
+            <a:extLst>
+              <a:ext uri="{28A0092B-C50C-407E-A947-70E740481C1C}">
+                <a14:useLocalDpi xmlns:a14="http://schemas.microsoft.com/office/drawing/2010/main" val="0"/>
+              </a:ext>
+            </a:extLst>
+          </a:blip>
+          <a:srcRect/>
+          <a:stretch>
+            <a:fillRect/>
+          </a:stretch>
+        </p:blipFill>
+        <p:spPr bwMode="auto">
+          <a:xfrm>
+            <a:off x="4771696" y="632108"/>
+            <a:ext cx="5121713" cy="2641951"/>
+          </a:xfrm>
+          <a:prstGeom prst="rect">
+            <a:avLst/>
+          </a:prstGeom>
+          <a:noFill/>
+          <a:extLst>
+            <a:ext uri="{909E8E84-426E-40DD-AFC4-6F175D3DCCD1}">
+              <a14:hiddenFill xmlns:a14="http://schemas.microsoft.com/office/drawing/2010/main">
+                <a:solidFill>
+                  <a:srgbClr val="FFFFFF"/>
+                </a:solidFill>
+              </a14:hiddenFill>
+            </a:ext>
+          </a:extLst>
+        </p:spPr>
+      </p:pic>
     </p:spTree>
     <p:extLst>
       <p:ext uri="{BB962C8B-B14F-4D97-AF65-F5344CB8AC3E}">
@@ -10543,6 +12020,70 @@
           </a:p>
         </p:txBody>
       </p:sp>
+      <p:sp>
+        <p:nvSpPr>
+          <p:cNvPr id="4" name="Slide Number Placeholder 3"/>
+          <p:cNvSpPr>
+            <a:spLocks noGrp="1"/>
+          </p:cNvSpPr>
+          <p:nvPr>
+            <p:ph type="sldNum" sz="quarter" idx="12"/>
+          </p:nvPr>
+        </p:nvSpPr>
+        <p:spPr/>
+        <p:txBody>
+          <a:bodyPr/>
+          <a:lstStyle/>
+          <a:p>
+            <a:fld id="{D15B03D6-0FCC-4A7A-A3EC-1C9E6C68D40D}" type="slidenum">
+              <a:rPr lang="en-US" smtClean="0"/>
+              <a:t>38</a:t>
+            </a:fld>
+            <a:endParaRPr lang="en-US"/>
+          </a:p>
+        </p:txBody>
+      </p:sp>
+      <p:pic>
+        <p:nvPicPr>
+          <p:cNvPr id="15362" name="Picture 2" descr="Image result for PostgreSQL"/>
+          <p:cNvPicPr>
+            <a:picLocks noChangeAspect="1" noChangeArrowheads="1"/>
+          </p:cNvPicPr>
+          <p:nvPr/>
+        </p:nvPicPr>
+        <p:blipFill>
+          <a:blip r:embed="rId2" cstate="print">
+            <a:extLst>
+              <a:ext uri="{28A0092B-C50C-407E-A947-70E740481C1C}">
+                <a14:useLocalDpi xmlns:a14="http://schemas.microsoft.com/office/drawing/2010/main" val="0"/>
+              </a:ext>
+            </a:extLst>
+          </a:blip>
+          <a:srcRect/>
+          <a:stretch>
+            <a:fillRect/>
+          </a:stretch>
+        </p:blipFill>
+        <p:spPr bwMode="auto">
+          <a:xfrm>
+            <a:off x="7024238" y="295729"/>
+            <a:ext cx="2354163" cy="2428711"/>
+          </a:xfrm>
+          <a:prstGeom prst="rect">
+            <a:avLst/>
+          </a:prstGeom>
+          <a:noFill/>
+          <a:extLst>
+            <a:ext uri="{909E8E84-426E-40DD-AFC4-6F175D3DCCD1}">
+              <a14:hiddenFill xmlns:a14="http://schemas.microsoft.com/office/drawing/2010/main">
+                <a:solidFill>
+                  <a:srgbClr val="FFFFFF"/>
+                </a:solidFill>
+              </a14:hiddenFill>
+            </a:ext>
+          </a:extLst>
+        </p:spPr>
+      </p:pic>
     </p:spTree>
     <p:extLst>
       <p:ext uri="{BB962C8B-B14F-4D97-AF65-F5344CB8AC3E}">
@@ -10654,6 +12195,29 @@
           </a:p>
         </p:txBody>
       </p:sp>
+      <p:sp>
+        <p:nvSpPr>
+          <p:cNvPr id="4" name="Slide Number Placeholder 3"/>
+          <p:cNvSpPr>
+            <a:spLocks noGrp="1"/>
+          </p:cNvSpPr>
+          <p:nvPr>
+            <p:ph type="sldNum" sz="quarter" idx="12"/>
+          </p:nvPr>
+        </p:nvSpPr>
+        <p:spPr/>
+        <p:txBody>
+          <a:bodyPr/>
+          <a:lstStyle/>
+          <a:p>
+            <a:fld id="{D15B03D6-0FCC-4A7A-A3EC-1C9E6C68D40D}" type="slidenum">
+              <a:rPr lang="en-US" smtClean="0"/>
+              <a:t>39</a:t>
+            </a:fld>
+            <a:endParaRPr lang="en-US"/>
+          </a:p>
+        </p:txBody>
+      </p:sp>
     </p:spTree>
     <p:extLst>
       <p:ext uri="{BB962C8B-B14F-4D97-AF65-F5344CB8AC3E}">
@@ -10689,7 +12253,7 @@
           <p:cNvPr id="2" name="Title 1">
             <a:extLst>
               <a:ext uri="{FF2B5EF4-FFF2-40B4-BE49-F238E27FC236}">
-                <a16:creationId xmlns:a16="http://schemas.microsoft.com/office/drawing/2014/main" id="{BA35D0AB-9A37-479C-9406-C70EC5D04068}"/>
+                <a16:creationId xmlns:a16="http://schemas.microsoft.com/office/drawing/2014/main" id="{ABFE9964-2DD0-4B8C-9324-5C9218DC5DF7}"/>
               </a:ext>
             </a:extLst>
           </p:cNvPr>
@@ -10706,93 +12270,53 @@
           <a:lstStyle/>
           <a:p>
             <a:r>
-              <a:rPr lang="en-US" dirty="0" err="1"/>
-              <a:t>Xamarin</a:t>
-            </a:r>
-            <a:endParaRPr lang="en-US" dirty="0"/>
-          </a:p>
-        </p:txBody>
-      </p:sp>
-      <p:sp>
-        <p:nvSpPr>
-          <p:cNvPr id="3" name="Content Placeholder 2">
-            <a:extLst>
-              <a:ext uri="{FF2B5EF4-FFF2-40B4-BE49-F238E27FC236}">
-                <a16:creationId xmlns:a16="http://schemas.microsoft.com/office/drawing/2014/main" id="{C53C1AAE-D52E-4865-94E5-9A746F2B6603}"/>
-              </a:ext>
-            </a:extLst>
-          </p:cNvPr>
-          <p:cNvSpPr>
-            <a:spLocks noGrp="1"/>
-          </p:cNvSpPr>
-          <p:nvPr>
-            <p:ph idx="1"/>
-          </p:nvPr>
-        </p:nvSpPr>
-        <p:spPr/>
-        <p:txBody>
-          <a:bodyPr/>
-          <a:lstStyle/>
-          <a:p>
-            <a:pPr marL="0" indent="0">
-              <a:buNone/>
-            </a:pPr>
-            <a:r>
-              <a:rPr lang="en-US" dirty="0"/>
-              <a:t>Language: C#</a:t>
-            </a:r>
-          </a:p>
-          <a:p>
-            <a:pPr marL="0" indent="0">
-              <a:buNone/>
-            </a:pPr>
-            <a:endParaRPr lang="en-US" dirty="0"/>
-          </a:p>
-          <a:p>
-            <a:pPr marL="0" indent="0">
-              <a:buNone/>
-            </a:pPr>
-            <a:r>
-              <a:rPr lang="en-US" dirty="0"/>
-              <a:t>Pros</a:t>
-            </a:r>
-          </a:p>
-          <a:p>
-            <a:r>
-              <a:rPr lang="en-US" dirty="0"/>
-              <a:t>Lots of documentation</a:t>
-            </a:r>
-          </a:p>
-          <a:p>
-            <a:r>
-              <a:rPr lang="en-US" dirty="0"/>
-              <a:t>Free to us</a:t>
-            </a:r>
-          </a:p>
-          <a:p>
-            <a:endParaRPr lang="en-US" dirty="0"/>
-          </a:p>
-          <a:p>
-            <a:pPr marL="0" indent="0">
-              <a:buNone/>
-            </a:pPr>
-            <a:r>
-              <a:rPr lang="en-US" dirty="0"/>
-              <a:t>Cons</a:t>
-            </a:r>
-          </a:p>
-          <a:p>
-            <a:r>
-              <a:rPr lang="en-US" dirty="0"/>
-              <a:t>Still has trouble getting it to work right</a:t>
-            </a:r>
+              <a:rPr lang="en-US" sz="5400" dirty="0"/>
+              <a:t>As Tommy the mountain hermit, I want to still be able to use the app even if I go months without internet access.</a:t>
+            </a:r>
+            <a:br>
+              <a:rPr lang="en-US" sz="5400" dirty="0"/>
+            </a:br>
+            <a:r>
+              <a:rPr lang="en-US" sz="5400" dirty="0"/>
+              <a:t/>
+            </a:r>
+            <a:br>
+              <a:rPr lang="en-US" sz="5400" dirty="0"/>
+            </a:br>
+            <a:r>
+              <a:rPr lang="en-US" sz="4000" dirty="0"/>
+              <a:t>-[Local Storage]</a:t>
+            </a:r>
+          </a:p>
+        </p:txBody>
+      </p:sp>
+      <p:sp>
+        <p:nvSpPr>
+          <p:cNvPr id="3" name="Slide Number Placeholder 2"/>
+          <p:cNvSpPr>
+            <a:spLocks noGrp="1"/>
+          </p:cNvSpPr>
+          <p:nvPr>
+            <p:ph type="sldNum" sz="quarter" idx="12"/>
+          </p:nvPr>
+        </p:nvSpPr>
+        <p:spPr/>
+        <p:txBody>
+          <a:bodyPr/>
+          <a:lstStyle/>
+          <a:p>
+            <a:fld id="{D15B03D6-0FCC-4A7A-A3EC-1C9E6C68D40D}" type="slidenum">
+              <a:rPr lang="en-US" smtClean="0"/>
+              <a:t>4</a:t>
+            </a:fld>
+            <a:endParaRPr lang="en-US"/>
           </a:p>
         </p:txBody>
       </p:sp>
     </p:spTree>
     <p:extLst>
       <p:ext uri="{BB962C8B-B14F-4D97-AF65-F5344CB8AC3E}">
-        <p14:creationId xmlns:p14="http://schemas.microsoft.com/office/powerpoint/2010/main" val="3016141690"/>
+        <p14:creationId xmlns:p14="http://schemas.microsoft.com/office/powerpoint/2010/main" val="3951988803"/>
       </p:ext>
     </p:extLst>
   </p:cSld>
@@ -10850,6 +12374,29 @@
               <a:rPr lang="en-US" sz="9600" dirty="0"/>
               <a:t>Questions?</a:t>
             </a:r>
+          </a:p>
+        </p:txBody>
+      </p:sp>
+      <p:sp>
+        <p:nvSpPr>
+          <p:cNvPr id="3" name="Slide Number Placeholder 2"/>
+          <p:cNvSpPr>
+            <a:spLocks noGrp="1"/>
+          </p:cNvSpPr>
+          <p:nvPr>
+            <p:ph type="sldNum" sz="quarter" idx="12"/>
+          </p:nvPr>
+        </p:nvSpPr>
+        <p:spPr/>
+        <p:txBody>
+          <a:bodyPr/>
+          <a:lstStyle/>
+          <a:p>
+            <a:fld id="{D15B03D6-0FCC-4A7A-A3EC-1C9E6C68D40D}" type="slidenum">
+              <a:rPr lang="en-US" smtClean="0"/>
+              <a:t>40</a:t>
+            </a:fld>
+            <a:endParaRPr lang="en-US"/>
           </a:p>
         </p:txBody>
       </p:sp>
@@ -10917,6 +12464,29 @@
           </a:p>
         </p:txBody>
       </p:sp>
+      <p:sp>
+        <p:nvSpPr>
+          <p:cNvPr id="3" name="Slide Number Placeholder 2"/>
+          <p:cNvSpPr>
+            <a:spLocks noGrp="1"/>
+          </p:cNvSpPr>
+          <p:nvPr>
+            <p:ph type="sldNum" sz="quarter" idx="12"/>
+          </p:nvPr>
+        </p:nvSpPr>
+        <p:spPr/>
+        <p:txBody>
+          <a:bodyPr/>
+          <a:lstStyle/>
+          <a:p>
+            <a:fld id="{D15B03D6-0FCC-4A7A-A3EC-1C9E6C68D40D}" type="slidenum">
+              <a:rPr lang="en-US" smtClean="0"/>
+              <a:t>41</a:t>
+            </a:fld>
+            <a:endParaRPr lang="en-US"/>
+          </a:p>
+        </p:txBody>
+      </p:sp>
     </p:spTree>
     <p:extLst>
       <p:ext uri="{BB962C8B-B14F-4D97-AF65-F5344CB8AC3E}">
@@ -10969,9 +12539,10 @@
           <a:lstStyle/>
           <a:p>
             <a:r>
-              <a:rPr lang="en-US" dirty="0"/>
-              <a:t>Unity</a:t>
-            </a:r>
+              <a:rPr lang="en-US" dirty="0" err="1"/>
+              <a:t>Xamarin</a:t>
+            </a:r>
+            <a:endParaRPr lang="en-US" dirty="0"/>
           </a:p>
         </p:txBody>
       </p:sp>
@@ -11022,13 +12593,13 @@
           <a:p>
             <a:r>
               <a:rPr lang="en-US" dirty="0"/>
-              <a:t>Readily available</a:t>
-            </a:r>
-          </a:p>
-          <a:p>
-            <a:r>
-              <a:rPr lang="en-US" dirty="0"/>
-              <a:t>Free version</a:t>
+              <a:t>Lots of documentation</a:t>
+            </a:r>
+          </a:p>
+          <a:p>
+            <a:r>
+              <a:rPr lang="en-US" dirty="0"/>
+              <a:t>Free to us</a:t>
             </a:r>
           </a:p>
           <a:p>
@@ -11046,21 +12617,79 @@
           <a:p>
             <a:r>
               <a:rPr lang="en-US" dirty="0"/>
-              <a:t>Used more for games</a:t>
-            </a:r>
-          </a:p>
-          <a:p>
-            <a:r>
-              <a:rPr lang="en-US" dirty="0"/>
-              <a:t>Very resource intensive</a:t>
-            </a:r>
-          </a:p>
-        </p:txBody>
-      </p:sp>
+              <a:t>Still has trouble getting it to work right</a:t>
+            </a:r>
+          </a:p>
+        </p:txBody>
+      </p:sp>
+      <p:sp>
+        <p:nvSpPr>
+          <p:cNvPr id="4" name="Slide Number Placeholder 3"/>
+          <p:cNvSpPr>
+            <a:spLocks noGrp="1"/>
+          </p:cNvSpPr>
+          <p:nvPr>
+            <p:ph type="sldNum" sz="quarter" idx="12"/>
+          </p:nvPr>
+        </p:nvSpPr>
+        <p:spPr/>
+        <p:txBody>
+          <a:bodyPr/>
+          <a:lstStyle/>
+          <a:p>
+            <a:fld id="{D15B03D6-0FCC-4A7A-A3EC-1C9E6C68D40D}" type="slidenum">
+              <a:rPr lang="en-US" smtClean="0"/>
+              <a:t>5</a:t>
+            </a:fld>
+            <a:endParaRPr lang="en-US"/>
+          </a:p>
+        </p:txBody>
+      </p:sp>
+      <p:pic>
+        <p:nvPicPr>
+          <p:cNvPr id="1026" name="Picture 2" descr="Image result for xamarin"/>
+          <p:cNvPicPr>
+            <a:picLocks noChangeAspect="1" noChangeArrowheads="1"/>
+          </p:cNvPicPr>
+          <p:nvPr/>
+        </p:nvPicPr>
+        <p:blipFill>
+          <a:blip r:embed="rId2">
+            <a:extLst>
+              <a:ext uri="{28A0092B-C50C-407E-A947-70E740481C1C}">
+                <a14:useLocalDpi xmlns:a14="http://schemas.microsoft.com/office/drawing/2010/main" val="0"/>
+              </a:ext>
+            </a:extLst>
+          </a:blip>
+          <a:srcRect/>
+          <a:stretch>
+            <a:fillRect/>
+          </a:stretch>
+        </p:blipFill>
+        <p:spPr bwMode="auto">
+          <a:xfrm>
+            <a:off x="4576556" y="-61257"/>
+            <a:ext cx="5366230" cy="2249345"/>
+          </a:xfrm>
+          <a:prstGeom prst="rect">
+            <a:avLst/>
+          </a:prstGeom>
+          <a:noFill/>
+          <a:extLst>
+            <a:ext uri="{909E8E84-426E-40DD-AFC4-6F175D3DCCD1}">
+              <a14:hiddenFill xmlns:a14="http://schemas.microsoft.com/office/drawing/2010/main">
+                <a:solidFill>
+                  <a:srgbClr val="FFFFFF"/>
+                </a:solidFill>
+              </a14:hiddenFill>
+            </a:ext>
+          </a:extLst>
+        </p:spPr>
+      </p:pic>
     </p:spTree>
     <p:extLst>
       <p:ext uri="{BB962C8B-B14F-4D97-AF65-F5344CB8AC3E}">
-        <p14:creationId xmlns:p14="http://schemas.microsoft.com/office/powerpoint/2010/main" val="3724892284"/>
+        <p14:creationId xmlns:p14="http://schemas.microsoft.com/office/powerpoint/2010/main" val="3016141690"/>
       </p:ext>
     </p:extLst>
   </p:cSld>
@@ -11110,7 +12739,7 @@
           <a:p>
             <a:r>
               <a:rPr lang="en-US" dirty="0"/>
-              <a:t>Android Studio</a:t>
+              <a:t>Unity</a:t>
             </a:r>
           </a:p>
         </p:txBody>
@@ -11141,7 +12770,7 @@
             </a:pPr>
             <a:r>
               <a:rPr lang="en-US" dirty="0"/>
-              <a:t>Language: Java, C#, C++, etc.</a:t>
+              <a:t>Language: C#</a:t>
             </a:r>
           </a:p>
           <a:p>
@@ -11162,13 +12791,13 @@
           <a:p>
             <a:r>
               <a:rPr lang="en-US" dirty="0"/>
-              <a:t>Built-in emulator</a:t>
-            </a:r>
-          </a:p>
-          <a:p>
-            <a:r>
-              <a:rPr lang="en-US" dirty="0"/>
-              <a:t>Made by the android developers</a:t>
+              <a:t>Readily available</a:t>
+            </a:r>
+          </a:p>
+          <a:p>
+            <a:r>
+              <a:rPr lang="en-US" dirty="0"/>
+              <a:t>Free version</a:t>
             </a:r>
           </a:p>
           <a:p>
@@ -11186,21 +12815,85 @@
           <a:p>
             <a:r>
               <a:rPr lang="en-US" dirty="0"/>
-              <a:t>Still will need to run on a real physical phone</a:t>
-            </a:r>
-          </a:p>
-          <a:p>
-            <a:r>
-              <a:rPr lang="en-US" dirty="0"/>
-              <a:t>Alienates going to IOS</a:t>
-            </a:r>
-          </a:p>
-        </p:txBody>
-      </p:sp>
+              <a:t>Used more for games</a:t>
+            </a:r>
+          </a:p>
+          <a:p>
+            <a:r>
+              <a:rPr lang="en-US" dirty="0"/>
+              <a:t>Very resource intensive</a:t>
+            </a:r>
+          </a:p>
+        </p:txBody>
+      </p:sp>
+      <p:sp>
+        <p:nvSpPr>
+          <p:cNvPr id="4" name="Slide Number Placeholder 3"/>
+          <p:cNvSpPr>
+            <a:spLocks noGrp="1"/>
+          </p:cNvSpPr>
+          <p:nvPr>
+            <p:ph type="sldNum" sz="quarter" idx="12"/>
+          </p:nvPr>
+        </p:nvSpPr>
+        <p:spPr/>
+        <p:txBody>
+          <a:bodyPr/>
+          <a:lstStyle/>
+          <a:p>
+            <a:fld id="{D15B03D6-0FCC-4A7A-A3EC-1C9E6C68D40D}" type="slidenum">
+              <a:rPr lang="en-US" smtClean="0"/>
+              <a:t>6</a:t>
+            </a:fld>
+            <a:endParaRPr lang="en-US"/>
+          </a:p>
+        </p:txBody>
+      </p:sp>
+      <p:pic>
+        <p:nvPicPr>
+          <p:cNvPr id="2050" name="Picture 2" descr="Image result for unity"/>
+          <p:cNvPicPr>
+            <a:picLocks noChangeAspect="1" noChangeArrowheads="1"/>
+          </p:cNvPicPr>
+          <p:nvPr/>
+        </p:nvPicPr>
+        <p:blipFill>
+          <a:blip r:embed="rId2" cstate="print">
+            <a:extLst>
+              <a:ext uri="{28A0092B-C50C-407E-A947-70E740481C1C}">
+                <a14:useLocalDpi xmlns:a14="http://schemas.microsoft.com/office/drawing/2010/main" val="0"/>
+              </a:ext>
+            </a:extLst>
+          </a:blip>
+          <a:srcRect/>
+          <a:stretch>
+            <a:fillRect/>
+          </a:stretch>
+        </p:blipFill>
+        <p:spPr bwMode="auto">
+          <a:xfrm>
+            <a:off x="3531476" y="164750"/>
+            <a:ext cx="4922016" cy="1788333"/>
+          </a:xfrm>
+          <a:prstGeom prst="rect">
+            <a:avLst/>
+          </a:prstGeom>
+          <a:noFill/>
+          <a:extLst>
+            <a:ext uri="{909E8E84-426E-40DD-AFC4-6F175D3DCCD1}">
+              <a14:hiddenFill xmlns:a14="http://schemas.microsoft.com/office/drawing/2010/main">
+                <a:solidFill>
+                  <a:srgbClr val="FFFFFF"/>
+                </a:solidFill>
+              </a14:hiddenFill>
+            </a:ext>
+          </a:extLst>
+        </p:spPr>
+      </p:pic>
     </p:spTree>
     <p:extLst>
       <p:ext uri="{BB962C8B-B14F-4D97-AF65-F5344CB8AC3E}">
-        <p14:creationId xmlns:p14="http://schemas.microsoft.com/office/powerpoint/2010/main" val="2969171093"/>
+        <p14:creationId xmlns:p14="http://schemas.microsoft.com/office/powerpoint/2010/main" val="3724892284"/>
       </p:ext>
     </p:extLst>
   </p:cSld>
@@ -11232,7 +12925,7 @@
           <p:cNvPr id="2" name="Title 1">
             <a:extLst>
               <a:ext uri="{FF2B5EF4-FFF2-40B4-BE49-F238E27FC236}">
-                <a16:creationId xmlns:a16="http://schemas.microsoft.com/office/drawing/2014/main" id="{33182361-C770-430C-97A0-B9298FA3FE50}"/>
+                <a16:creationId xmlns:a16="http://schemas.microsoft.com/office/drawing/2014/main" id="{BA35D0AB-9A37-479C-9406-C70EC5D04068}"/>
               </a:ext>
             </a:extLst>
           </p:cNvPr>
@@ -11250,13 +12943,6 @@
           <a:p>
             <a:r>
               <a:rPr lang="en-US" dirty="0"/>
-              <a:t>Chosen Technology:</a:t>
-            </a:r>
-            <a:br>
-              <a:rPr lang="en-US" dirty="0"/>
-            </a:br>
-            <a:r>
-              <a:rPr lang="en-US" dirty="0"/>
               <a:t>Android Studio</a:t>
             </a:r>
           </a:p>
@@ -11267,7 +12953,7 @@
           <p:cNvPr id="3" name="Content Placeholder 2">
             <a:extLst>
               <a:ext uri="{FF2B5EF4-FFF2-40B4-BE49-F238E27FC236}">
-                <a16:creationId xmlns:a16="http://schemas.microsoft.com/office/drawing/2014/main" id="{6457FBD9-768E-4864-B576-83C1D02FB7F8}"/>
+                <a16:creationId xmlns:a16="http://schemas.microsoft.com/office/drawing/2014/main" id="{C53C1AAE-D52E-4865-94E5-9A746F2B6603}"/>
               </a:ext>
             </a:extLst>
           </p:cNvPr>
@@ -11283,34 +12969,94 @@
           <a:bodyPr/>
           <a:lstStyle/>
           <a:p>
-            <a:r>
-              <a:rPr lang="en-US" dirty="0"/>
-              <a:t>Built-in phone emulator helps with running quick compilation and UI tests</a:t>
-            </a:r>
-          </a:p>
-          <a:p>
-            <a:r>
-              <a:rPr lang="en-US" dirty="0"/>
-              <a:t>Does favor Java but is still compatible with C languages and </a:t>
-            </a:r>
-            <a:r>
-              <a:rPr lang="en-US" dirty="0" err="1"/>
-              <a:t>Kotlin</a:t>
-            </a:r>
+            <a:pPr marL="0" indent="0">
+              <a:buNone/>
+            </a:pPr>
+            <a:r>
+              <a:rPr lang="en-US" dirty="0"/>
+              <a:t>Language: Java, C#, C++, etc.</a:t>
+            </a:r>
+          </a:p>
+          <a:p>
+            <a:pPr marL="0" indent="0">
+              <a:buNone/>
+            </a:pPr>
             <a:endParaRPr lang="en-US" dirty="0"/>
           </a:p>
           <a:p>
-            <a:r>
-              <a:rPr lang="en-US" dirty="0"/>
-              <a:t>Reliable documentation by the Android developers</a:t>
-            </a:r>
+            <a:pPr marL="0" indent="0">
+              <a:buNone/>
+            </a:pPr>
+            <a:r>
+              <a:rPr lang="en-US" dirty="0"/>
+              <a:t>Pros</a:t>
+            </a:r>
+          </a:p>
+          <a:p>
+            <a:r>
+              <a:rPr lang="en-US" dirty="0"/>
+              <a:t>Built-in emulator</a:t>
+            </a:r>
+          </a:p>
+          <a:p>
+            <a:r>
+              <a:rPr lang="en-US" dirty="0"/>
+              <a:t>Made by the android developers</a:t>
+            </a:r>
+          </a:p>
+          <a:p>
+            <a:endParaRPr lang="en-US" dirty="0"/>
+          </a:p>
+          <a:p>
+            <a:pPr marL="0" indent="0">
+              <a:buNone/>
+            </a:pPr>
+            <a:r>
+              <a:rPr lang="en-US" dirty="0"/>
+              <a:t>Cons</a:t>
+            </a:r>
+          </a:p>
+          <a:p>
+            <a:r>
+              <a:rPr lang="en-US" dirty="0"/>
+              <a:t>Still will need to run on a real physical phone</a:t>
+            </a:r>
+          </a:p>
+          <a:p>
+            <a:r>
+              <a:rPr lang="en-US" dirty="0"/>
+              <a:t>Alienates going to IOS</a:t>
+            </a:r>
+          </a:p>
+        </p:txBody>
+      </p:sp>
+      <p:sp>
+        <p:nvSpPr>
+          <p:cNvPr id="4" name="Slide Number Placeholder 3"/>
+          <p:cNvSpPr>
+            <a:spLocks noGrp="1"/>
+          </p:cNvSpPr>
+          <p:nvPr>
+            <p:ph type="sldNum" sz="quarter" idx="12"/>
+          </p:nvPr>
+        </p:nvSpPr>
+        <p:spPr/>
+        <p:txBody>
+          <a:bodyPr/>
+          <a:lstStyle/>
+          <a:p>
+            <a:fld id="{D15B03D6-0FCC-4A7A-A3EC-1C9E6C68D40D}" type="slidenum">
+              <a:rPr lang="en-US" smtClean="0"/>
+              <a:t>7</a:t>
+            </a:fld>
+            <a:endParaRPr lang="en-US"/>
           </a:p>
         </p:txBody>
       </p:sp>
     </p:spTree>
     <p:extLst>
       <p:ext uri="{BB962C8B-B14F-4D97-AF65-F5344CB8AC3E}">
-        <p14:creationId xmlns:p14="http://schemas.microsoft.com/office/powerpoint/2010/main" val="3183227633"/>
+        <p14:creationId xmlns:p14="http://schemas.microsoft.com/office/powerpoint/2010/main" val="2969171093"/>
       </p:ext>
     </p:extLst>
   </p:cSld>
@@ -11342,7 +13088,7 @@
           <p:cNvPr id="2" name="Title 1">
             <a:extLst>
               <a:ext uri="{FF2B5EF4-FFF2-40B4-BE49-F238E27FC236}">
-                <a16:creationId xmlns:a16="http://schemas.microsoft.com/office/drawing/2014/main" id="{5168C9A3-0FEC-407D-8D80-9D769729C42A}"/>
+                <a16:creationId xmlns:a16="http://schemas.microsoft.com/office/drawing/2014/main" id="{33182361-C770-430C-97A0-B9298FA3FE50}"/>
               </a:ext>
             </a:extLst>
           </p:cNvPr>
@@ -11353,28 +13099,138 @@
             <p:ph type="title"/>
           </p:nvPr>
         </p:nvSpPr>
-        <p:spPr>
+        <p:spPr/>
+        <p:txBody>
+          <a:bodyPr/>
+          <a:lstStyle/>
+          <a:p>
+            <a:r>
+              <a:rPr lang="en-US" dirty="0"/>
+              <a:t>Chosen Technology:</a:t>
+            </a:r>
+            <a:br>
+              <a:rPr lang="en-US" dirty="0"/>
+            </a:br>
+            <a:r>
+              <a:rPr lang="en-US" dirty="0"/>
+              <a:t>Android Studio</a:t>
+            </a:r>
+          </a:p>
+        </p:txBody>
+      </p:sp>
+      <p:sp>
+        <p:nvSpPr>
+          <p:cNvPr id="3" name="Content Placeholder 2">
+            <a:extLst>
+              <a:ext uri="{FF2B5EF4-FFF2-40B4-BE49-F238E27FC236}">
+                <a16:creationId xmlns:a16="http://schemas.microsoft.com/office/drawing/2014/main" id="{6457FBD9-768E-4864-B576-83C1D02FB7F8}"/>
+              </a:ext>
+            </a:extLst>
+          </p:cNvPr>
+          <p:cNvSpPr>
+            <a:spLocks noGrp="1"/>
+          </p:cNvSpPr>
+          <p:nvPr>
+            <p:ph idx="1"/>
+          </p:nvPr>
+        </p:nvSpPr>
+        <p:spPr/>
+        <p:txBody>
+          <a:bodyPr/>
+          <a:lstStyle/>
+          <a:p>
+            <a:r>
+              <a:rPr lang="en-US" dirty="0"/>
+              <a:t>Built-in phone emulator helps with running quick compilation and UI tests</a:t>
+            </a:r>
+          </a:p>
+          <a:p>
+            <a:r>
+              <a:rPr lang="en-US" dirty="0"/>
+              <a:t>Does favor Java but is still compatible with C languages and </a:t>
+            </a:r>
+            <a:r>
+              <a:rPr lang="en-US" dirty="0" err="1"/>
+              <a:t>Kotlin</a:t>
+            </a:r>
+            <a:endParaRPr lang="en-US" dirty="0"/>
+          </a:p>
+          <a:p>
+            <a:r>
+              <a:rPr lang="en-US" dirty="0"/>
+              <a:t>Reliable documentation by the Android developers</a:t>
+            </a:r>
+          </a:p>
+        </p:txBody>
+      </p:sp>
+      <p:sp>
+        <p:nvSpPr>
+          <p:cNvPr id="4" name="Slide Number Placeholder 3"/>
+          <p:cNvSpPr>
+            <a:spLocks noGrp="1"/>
+          </p:cNvSpPr>
+          <p:nvPr>
+            <p:ph type="sldNum" sz="quarter" idx="12"/>
+          </p:nvPr>
+        </p:nvSpPr>
+        <p:spPr/>
+        <p:txBody>
+          <a:bodyPr/>
+          <a:lstStyle/>
+          <a:p>
+            <a:fld id="{D15B03D6-0FCC-4A7A-A3EC-1C9E6C68D40D}" type="slidenum">
+              <a:rPr lang="en-US" smtClean="0"/>
+              <a:t>8</a:t>
+            </a:fld>
+            <a:endParaRPr lang="en-US"/>
+          </a:p>
+        </p:txBody>
+      </p:sp>
+      <p:pic>
+        <p:nvPicPr>
+          <p:cNvPr id="4098" name="Picture 2" descr="Image result for android studio"/>
+          <p:cNvPicPr>
+            <a:picLocks noChangeAspect="1" noChangeArrowheads="1"/>
+          </p:cNvPicPr>
+          <p:nvPr/>
+        </p:nvPicPr>
+        <p:blipFill>
+          <a:blip r:embed="rId2">
+            <a:extLst>
+              <a:ext uri="{28A0092B-C50C-407E-A947-70E740481C1C}">
+                <a14:useLocalDpi xmlns:a14="http://schemas.microsoft.com/office/drawing/2010/main" val="0"/>
+              </a:ext>
+            </a:extLst>
+          </a:blip>
+          <a:srcRect/>
+          <a:stretch>
+            <a:fillRect/>
+          </a:stretch>
+        </p:blipFill>
+        <p:spPr bwMode="auto">
           <a:xfrm>
-            <a:off x="2510769" y="2585299"/>
-            <a:ext cx="7090431" cy="3551042"/>
+            <a:off x="8753037" y="3506546"/>
+            <a:ext cx="3018549" cy="3018549"/>
           </a:xfrm>
+          <a:prstGeom prst="rect">
+            <a:avLst/>
+          </a:prstGeom>
+          <a:noFill/>
+          <a:extLst>
+            <a:ext uri="{909E8E84-426E-40DD-AFC4-6F175D3DCCD1}">
+              <a14:hiddenFill xmlns:a14="http://schemas.microsoft.com/office/drawing/2010/main">
+                <a:solidFill>
+                  <a:srgbClr val="FFFFFF"/>
+                </a:solidFill>
+              </a14:hiddenFill>
+            </a:ext>
+          </a:extLst>
         </p:spPr>
-        <p:txBody>
-          <a:bodyPr/>
-          <a:lstStyle/>
-          <a:p>
-            <a:pPr algn="ctr"/>
-            <a:r>
-              <a:rPr lang="en-US" sz="9600" dirty="0"/>
-              <a:t>Questions?</a:t>
-            </a:r>
-          </a:p>
-        </p:txBody>
-      </p:sp>
+      </p:pic>
     </p:spTree>
     <p:extLst>
       <p:ext uri="{BB962C8B-B14F-4D97-AF65-F5344CB8AC3E}">
-        <p14:creationId xmlns:p14="http://schemas.microsoft.com/office/powerpoint/2010/main" val="819601458"/>
+        <p14:creationId xmlns:p14="http://schemas.microsoft.com/office/powerpoint/2010/main" val="3183227633"/>
       </p:ext>
     </p:extLst>
   </p:cSld>
@@ -11406,7 +13262,7 @@
           <p:cNvPr id="2" name="Title 1">
             <a:extLst>
               <a:ext uri="{FF2B5EF4-FFF2-40B4-BE49-F238E27FC236}">
-                <a16:creationId xmlns:a16="http://schemas.microsoft.com/office/drawing/2014/main" id="{ABFE9964-2DD0-4B8C-9324-5C9218DC5DF7}"/>
+                <a16:creationId xmlns:a16="http://schemas.microsoft.com/office/drawing/2014/main" id="{5168C9A3-0FEC-407D-8D80-9D769729C42A}"/>
               </a:ext>
             </a:extLst>
           </p:cNvPr>
@@ -11417,36 +13273,51 @@
             <p:ph type="title"/>
           </p:nvPr>
         </p:nvSpPr>
-        <p:spPr/>
-        <p:txBody>
-          <a:bodyPr/>
-          <a:lstStyle/>
-          <a:p>
-            <a:r>
-              <a:rPr lang="en-US" sz="5400" dirty="0"/>
-              <a:t>As Tommy the mountain hermit, I want to still be able to use the app even if I go months without internet access.</a:t>
-            </a:r>
-            <a:br>
-              <a:rPr lang="en-US" sz="5400" dirty="0"/>
-            </a:br>
-            <a:r>
-              <a:rPr lang="en-US" sz="5400" dirty="0"/>
-              <a:t/>
-            </a:r>
-            <a:br>
-              <a:rPr lang="en-US" sz="5400" dirty="0"/>
-            </a:br>
-            <a:r>
-              <a:rPr lang="en-US" sz="4000" dirty="0"/>
-              <a:t>-[Local Storage]</a:t>
-            </a:r>
+        <p:spPr>
+          <a:xfrm>
+            <a:off x="2510769" y="2585299"/>
+            <a:ext cx="7090431" cy="3551042"/>
+          </a:xfrm>
+        </p:spPr>
+        <p:txBody>
+          <a:bodyPr/>
+          <a:lstStyle/>
+          <a:p>
+            <a:pPr algn="ctr"/>
+            <a:r>
+              <a:rPr lang="en-US" sz="9600" dirty="0"/>
+              <a:t>Questions?</a:t>
+            </a:r>
+          </a:p>
+        </p:txBody>
+      </p:sp>
+      <p:sp>
+        <p:nvSpPr>
+          <p:cNvPr id="3" name="Slide Number Placeholder 2"/>
+          <p:cNvSpPr>
+            <a:spLocks noGrp="1"/>
+          </p:cNvSpPr>
+          <p:nvPr>
+            <p:ph type="sldNum" sz="quarter" idx="12"/>
+          </p:nvPr>
+        </p:nvSpPr>
+        <p:spPr/>
+        <p:txBody>
+          <a:bodyPr/>
+          <a:lstStyle/>
+          <a:p>
+            <a:fld id="{D15B03D6-0FCC-4A7A-A3EC-1C9E6C68D40D}" type="slidenum">
+              <a:rPr lang="en-US" smtClean="0"/>
+              <a:t>9</a:t>
+            </a:fld>
+            <a:endParaRPr lang="en-US"/>
           </a:p>
         </p:txBody>
       </p:sp>
     </p:spTree>
     <p:extLst>
       <p:ext uri="{BB962C8B-B14F-4D97-AF65-F5344CB8AC3E}">
-        <p14:creationId xmlns:p14="http://schemas.microsoft.com/office/powerpoint/2010/main" val="3951988803"/>
+        <p14:creationId xmlns:p14="http://schemas.microsoft.com/office/powerpoint/2010/main" val="819601458"/>
       </p:ext>
     </p:extLst>
   </p:cSld>
@@ -11720,4 +13591,265 @@
     </a:ext>
   </a:extLst>
 </a:theme>
+</file>
+
+<file path=ppt/theme/theme2.xml><?xml version="1.0" encoding="utf-8"?>
+<a:theme xmlns:a="http://schemas.openxmlformats.org/drawingml/2006/main" name="Office Theme">
+  <a:themeElements>
+    <a:clrScheme name="Office">
+      <a:dk1>
+        <a:sysClr val="windowText" lastClr="000000"/>
+      </a:dk1>
+      <a:lt1>
+        <a:sysClr val="window" lastClr="FFFFFF"/>
+      </a:lt1>
+      <a:dk2>
+        <a:srgbClr val="44546A"/>
+      </a:dk2>
+      <a:lt2>
+        <a:srgbClr val="E7E6E6"/>
+      </a:lt2>
+      <a:accent1>
+        <a:srgbClr val="5B9BD5"/>
+      </a:accent1>
+      <a:accent2>
+        <a:srgbClr val="ED7D31"/>
+      </a:accent2>
+      <a:accent3>
+        <a:srgbClr val="A5A5A5"/>
+      </a:accent3>
+      <a:accent4>
+        <a:srgbClr val="FFC000"/>
+      </a:accent4>
+      <a:accent5>
+        <a:srgbClr val="4472C4"/>
+      </a:accent5>
+      <a:accent6>
+        <a:srgbClr val="70AD47"/>
+      </a:accent6>
+      <a:hlink>
+        <a:srgbClr val="0563C1"/>
+      </a:hlink>
+      <a:folHlink>
+        <a:srgbClr val="954F72"/>
+      </a:folHlink>
+    </a:clrScheme>
+    <a:fontScheme name="Office">
+      <a:majorFont>
+        <a:latin typeface="Calibri Light" panose="020F0302020204030204"/>
+        <a:ea typeface=""/>
+        <a:cs typeface=""/>
+        <a:font script="Jpan" typeface="游ゴシック Light"/>
+        <a:font script="Hang" typeface="맑은 고딕"/>
+        <a:font script="Hans" typeface="等线 Light"/>
+        <a:font script="Hant" typeface="新細明體"/>
+        <a:font script="Arab" typeface="Times New Roman"/>
+        <a:font script="Hebr" typeface="Times New Roman"/>
+        <a:font script="Thai" typeface="Angsana New"/>
+        <a:font script="Ethi" typeface="Nyala"/>
+        <a:font script="Beng" typeface="Vrinda"/>
+        <a:font script="Gujr" typeface="Shruti"/>
+        <a:font script="Khmr" typeface="MoolBoran"/>
+        <a:font script="Knda" typeface="Tunga"/>
+        <a:font script="Guru" typeface="Raavi"/>
+        <a:font script="Cans" typeface="Euphemia"/>
+        <a:font script="Cher" typeface="Plantagenet Cherokee"/>
+        <a:font script="Yiii" typeface="Microsoft Yi Baiti"/>
+        <a:font script="Tibt" typeface="Microsoft Himalaya"/>
+        <a:font script="Thaa" typeface="MV Boli"/>
+        <a:font script="Deva" typeface="Mangal"/>
+        <a:font script="Telu" typeface="Gautami"/>
+        <a:font script="Taml" typeface="Latha"/>
+        <a:font script="Syrc" typeface="Estrangelo Edessa"/>
+        <a:font script="Orya" typeface="Kalinga"/>
+        <a:font script="Mlym" typeface="Kartika"/>
+        <a:font script="Laoo" typeface="DokChampa"/>
+        <a:font script="Sinh" typeface="Iskoola Pota"/>
+        <a:font script="Mong" typeface="Mongolian Baiti"/>
+        <a:font script="Viet" typeface="Times New Roman"/>
+        <a:font script="Uigh" typeface="Microsoft Uighur"/>
+        <a:font script="Geor" typeface="Sylfaen"/>
+      </a:majorFont>
+      <a:minorFont>
+        <a:latin typeface="Calibri" panose="020F0502020204030204"/>
+        <a:ea typeface=""/>
+        <a:cs typeface=""/>
+        <a:font script="Jpan" typeface="游ゴシック"/>
+        <a:font script="Hang" typeface="맑은 고딕"/>
+        <a:font script="Hans" typeface="等线"/>
+        <a:font script="Hant" typeface="新細明體"/>
+        <a:font script="Arab" typeface="Arial"/>
+        <a:font script="Hebr" typeface="Arial"/>
+        <a:font script="Thai" typeface="Cordia New"/>
+        <a:font script="Ethi" typeface="Nyala"/>
+        <a:font script="Beng" typeface="Vrinda"/>
+        <a:font script="Gujr" typeface="Shruti"/>
+        <a:font script="Khmr" typeface="DaunPenh"/>
+        <a:font script="Knda" typeface="Tunga"/>
+        <a:font script="Guru" typeface="Raavi"/>
+        <a:font script="Cans" typeface="Euphemia"/>
+        <a:font script="Cher" typeface="Plantagenet Cherokee"/>
+        <a:font script="Yiii" typeface="Microsoft Yi Baiti"/>
+        <a:font script="Tibt" typeface="Microsoft Himalaya"/>
+        <a:font script="Thaa" typeface="MV Boli"/>
+        <a:font script="Deva" typeface="Mangal"/>
+        <a:font script="Telu" typeface="Gautami"/>
+        <a:font script="Taml" typeface="Latha"/>
+        <a:font script="Syrc" typeface="Estrangelo Edessa"/>
+        <a:font script="Orya" typeface="Kalinga"/>
+        <a:font script="Mlym" typeface="Kartika"/>
+        <a:font script="Laoo" typeface="DokChampa"/>
+        <a:font script="Sinh" typeface="Iskoola Pota"/>
+        <a:font script="Mong" typeface="Mongolian Baiti"/>
+        <a:font script="Viet" typeface="Arial"/>
+        <a:font script="Uigh" typeface="Microsoft Uighur"/>
+        <a:font script="Geor" typeface="Sylfaen"/>
+      </a:minorFont>
+    </a:fontScheme>
+    <a:fmtScheme name="Office">
+      <a:fillStyleLst>
+        <a:solidFill>
+          <a:schemeClr val="phClr"/>
+        </a:solidFill>
+        <a:gradFill rotWithShape="1">
+          <a:gsLst>
+            <a:gs pos="0">
+              <a:schemeClr val="phClr">
+                <a:lumMod val="110000"/>
+                <a:satMod val="105000"/>
+                <a:tint val="67000"/>
+              </a:schemeClr>
+            </a:gs>
+            <a:gs pos="50000">
+              <a:schemeClr val="phClr">
+                <a:lumMod val="105000"/>
+                <a:satMod val="103000"/>
+                <a:tint val="73000"/>
+              </a:schemeClr>
+            </a:gs>
+            <a:gs pos="100000">
+              <a:schemeClr val="phClr">
+                <a:lumMod val="105000"/>
+                <a:satMod val="109000"/>
+                <a:tint val="81000"/>
+              </a:schemeClr>
+            </a:gs>
+          </a:gsLst>
+          <a:lin ang="5400000" scaled="0"/>
+        </a:gradFill>
+        <a:gradFill rotWithShape="1">
+          <a:gsLst>
+            <a:gs pos="0">
+              <a:schemeClr val="phClr">
+                <a:satMod val="103000"/>
+                <a:lumMod val="102000"/>
+                <a:tint val="94000"/>
+              </a:schemeClr>
+            </a:gs>
+            <a:gs pos="50000">
+              <a:schemeClr val="phClr">
+                <a:satMod val="110000"/>
+                <a:lumMod val="100000"/>
+                <a:shade val="100000"/>
+              </a:schemeClr>
+            </a:gs>
+            <a:gs pos="100000">
+              <a:schemeClr val="phClr">
+                <a:lumMod val="99000"/>
+                <a:satMod val="120000"/>
+                <a:shade val="78000"/>
+              </a:schemeClr>
+            </a:gs>
+          </a:gsLst>
+          <a:lin ang="5400000" scaled="0"/>
+        </a:gradFill>
+      </a:fillStyleLst>
+      <a:lnStyleLst>
+        <a:ln w="6350" cap="flat" cmpd="sng" algn="ctr">
+          <a:solidFill>
+            <a:schemeClr val="phClr"/>
+          </a:solidFill>
+          <a:prstDash val="solid"/>
+          <a:miter lim="800000"/>
+        </a:ln>
+        <a:ln w="12700" cap="flat" cmpd="sng" algn="ctr">
+          <a:solidFill>
+            <a:schemeClr val="phClr"/>
+          </a:solidFill>
+          <a:prstDash val="solid"/>
+          <a:miter lim="800000"/>
+        </a:ln>
+        <a:ln w="19050" cap="flat" cmpd="sng" algn="ctr">
+          <a:solidFill>
+            <a:schemeClr val="phClr"/>
+          </a:solidFill>
+          <a:prstDash val="solid"/>
+          <a:miter lim="800000"/>
+        </a:ln>
+      </a:lnStyleLst>
+      <a:effectStyleLst>
+        <a:effectStyle>
+          <a:effectLst/>
+        </a:effectStyle>
+        <a:effectStyle>
+          <a:effectLst/>
+        </a:effectStyle>
+        <a:effectStyle>
+          <a:effectLst>
+            <a:outerShdw blurRad="57150" dist="19050" dir="5400000" algn="ctr" rotWithShape="0">
+              <a:srgbClr val="000000">
+                <a:alpha val="63000"/>
+              </a:srgbClr>
+            </a:outerShdw>
+          </a:effectLst>
+        </a:effectStyle>
+      </a:effectStyleLst>
+      <a:bgFillStyleLst>
+        <a:solidFill>
+          <a:schemeClr val="phClr"/>
+        </a:solidFill>
+        <a:solidFill>
+          <a:schemeClr val="phClr">
+            <a:tint val="95000"/>
+            <a:satMod val="170000"/>
+          </a:schemeClr>
+        </a:solidFill>
+        <a:gradFill rotWithShape="1">
+          <a:gsLst>
+            <a:gs pos="0">
+              <a:schemeClr val="phClr">
+                <a:tint val="93000"/>
+                <a:satMod val="150000"/>
+                <a:shade val="98000"/>
+                <a:lumMod val="102000"/>
+              </a:schemeClr>
+            </a:gs>
+            <a:gs pos="50000">
+              <a:schemeClr val="phClr">
+                <a:tint val="98000"/>
+                <a:satMod val="130000"/>
+                <a:shade val="90000"/>
+                <a:lumMod val="103000"/>
+              </a:schemeClr>
+            </a:gs>
+            <a:gs pos="100000">
+              <a:schemeClr val="phClr">
+                <a:shade val="63000"/>
+                <a:satMod val="120000"/>
+              </a:schemeClr>
+            </a:gs>
+          </a:gsLst>
+          <a:lin ang="5400000" scaled="0"/>
+        </a:gradFill>
+      </a:bgFillStyleLst>
+    </a:fmtScheme>
+  </a:themeElements>
+  <a:objectDefaults/>
+  <a:extraClrSchemeLst/>
+  <a:extLst>
+    <a:ext uri="{05A4C25C-085E-4340-85A3-A5531E510DB2}">
+      <thm15:themeFamily xmlns:thm15="http://schemas.microsoft.com/office/thememl/2012/main" name="Office Theme" id="{62F939B6-93AF-4DB8-9C6B-D6C7DFDC589F}" vid="{4A3C46E8-61CC-4603-A589-7422A47A8E4A}"/>
+    </a:ext>
+  </a:extLst>
+</a:theme>
 </file>
--- a/Technology Presentation.pptx
+++ b/Technology Presentation.pptx
@@ -302,7 +302,7 @@
           <a:p>
             <a:fld id="{A7EEA1DD-FB07-44FA-9387-9076E96EF56E}" type="datetimeFigureOut">
               <a:rPr lang="en-US" smtClean="0"/>
-              <a:t>11/6/2018</a:t>
+              <a:t>6/11/2018</a:t>
             </a:fld>
             <a:endParaRPr lang="en-US"/>
           </a:p>
@@ -366,38 +366,37 @@
           <a:p>
             <a:pPr lvl="0"/>
             <a:r>
-              <a:rPr lang="en-US" smtClean="0"/>
+              <a:rPr lang="en-US"/>
               <a:t>Edit Master text styles</a:t>
             </a:r>
           </a:p>
           <a:p>
             <a:pPr lvl="1"/>
             <a:r>
-              <a:rPr lang="en-US" smtClean="0"/>
+              <a:rPr lang="en-US"/>
               <a:t>Second level</a:t>
             </a:r>
           </a:p>
           <a:p>
             <a:pPr lvl="2"/>
             <a:r>
-              <a:rPr lang="en-US" smtClean="0"/>
+              <a:rPr lang="en-US"/>
               <a:t>Third level</a:t>
             </a:r>
           </a:p>
           <a:p>
             <a:pPr lvl="3"/>
             <a:r>
-              <a:rPr lang="en-US" smtClean="0"/>
+              <a:rPr lang="en-US"/>
               <a:t>Fourth level</a:t>
             </a:r>
           </a:p>
           <a:p>
             <a:pPr lvl="4"/>
             <a:r>
-              <a:rPr lang="en-US" smtClean="0"/>
+              <a:rPr lang="en-US"/>
               <a:t>Fifth level</a:t>
             </a:r>
-            <a:endParaRPr lang="en-US"/>
           </a:p>
         </p:txBody>
       </p:sp>
@@ -756,7 +755,7 @@
           <a:p>
             <a:fld id="{8779F02F-3116-461F-A0EE-B5AE76739559}" type="datetime1">
               <a:rPr lang="en-US" smtClean="0"/>
-              <a:t>11/6/2018</a:t>
+              <a:t>6/11/2018</a:t>
             </a:fld>
             <a:endParaRPr lang="en-US"/>
           </a:p>
@@ -1031,7 +1030,7 @@
           <a:p>
             <a:fld id="{AD4EB62A-29C1-43CA-BE5D-238E56BC0745}" type="datetime1">
               <a:rPr lang="en-US" smtClean="0"/>
-              <a:t>11/6/2018</a:t>
+              <a:t>6/11/2018</a:t>
             </a:fld>
             <a:endParaRPr lang="en-US"/>
           </a:p>
@@ -1225,7 +1224,7 @@
           <a:p>
             <a:fld id="{A9F5A234-1BC0-468F-B9FC-9A4CC78C344F}" type="datetime1">
               <a:rPr lang="en-US" smtClean="0"/>
-              <a:t>11/6/2018</a:t>
+              <a:t>6/11/2018</a:t>
             </a:fld>
             <a:endParaRPr lang="en-US"/>
           </a:p>
@@ -1498,7 +1497,7 @@
           <a:p>
             <a:fld id="{FBA05943-D628-4E99-AFF9-EFCCC25A2E61}" type="datetime1">
               <a:rPr lang="en-US" smtClean="0"/>
-              <a:t>11/6/2018</a:t>
+              <a:t>6/11/2018</a:t>
             </a:fld>
             <a:endParaRPr lang="en-US"/>
           </a:p>
@@ -1839,7 +1838,7 @@
           <a:p>
             <a:fld id="{57817921-5817-4C92-BE0D-786C7BA20379}" type="datetime1">
               <a:rPr lang="en-US" smtClean="0"/>
-              <a:t>11/6/2018</a:t>
+              <a:t>6/11/2018</a:t>
             </a:fld>
             <a:endParaRPr lang="en-US"/>
           </a:p>
@@ -2462,7 +2461,7 @@
           <a:p>
             <a:fld id="{1DB9B3F2-E3AB-454A-BA6D-DC32BBC71EBE}" type="datetime1">
               <a:rPr lang="en-US" smtClean="0"/>
-              <a:t>11/6/2018</a:t>
+              <a:t>6/11/2018</a:t>
             </a:fld>
             <a:endParaRPr lang="en-US"/>
           </a:p>
@@ -3322,7 +3321,7 @@
           <a:p>
             <a:fld id="{5A2534C7-41CA-4ED2-B55B-BE94E9E59571}" type="datetime1">
               <a:rPr lang="en-US" smtClean="0"/>
-              <a:t>11/6/2018</a:t>
+              <a:t>6/11/2018</a:t>
             </a:fld>
             <a:endParaRPr lang="en-US"/>
           </a:p>
@@ -3492,7 +3491,7 @@
           <a:p>
             <a:fld id="{DF4CF813-72F7-4951-8E93-8D29B9054601}" type="datetime1">
               <a:rPr lang="en-US" smtClean="0"/>
-              <a:t>11/6/2018</a:t>
+              <a:t>6/11/2018</a:t>
             </a:fld>
             <a:endParaRPr lang="en-US"/>
           </a:p>
@@ -3672,7 +3671,7 @@
           <a:p>
             <a:fld id="{42D03CC7-9324-4D4A-A5F1-B4159266449D}" type="datetime1">
               <a:rPr lang="en-US" smtClean="0"/>
-              <a:t>11/6/2018</a:t>
+              <a:t>6/11/2018</a:t>
             </a:fld>
             <a:endParaRPr lang="en-US"/>
           </a:p>
@@ -3842,7 +3841,7 @@
           <a:p>
             <a:fld id="{97A30B80-CB07-4D09-9F81-C73453D3C511}" type="datetime1">
               <a:rPr lang="en-US" smtClean="0"/>
-              <a:t>11/6/2018</a:t>
+              <a:t>6/11/2018</a:t>
             </a:fld>
             <a:endParaRPr lang="en-US"/>
           </a:p>
@@ -4089,7 +4088,7 @@
           <a:p>
             <a:fld id="{D39E9574-CAC5-44C5-AC27-EC26312906EC}" type="datetime1">
               <a:rPr lang="en-US" smtClean="0"/>
-              <a:t>11/6/2018</a:t>
+              <a:t>6/11/2018</a:t>
             </a:fld>
             <a:endParaRPr lang="en-US"/>
           </a:p>
@@ -4381,7 +4380,7 @@
           <a:p>
             <a:fld id="{2437C1CC-86A6-465A-B03B-2032DBA04659}" type="datetime1">
               <a:rPr lang="en-US" smtClean="0"/>
-              <a:t>11/6/2018</a:t>
+              <a:t>6/11/2018</a:t>
             </a:fld>
             <a:endParaRPr lang="en-US"/>
           </a:p>
@@ -4825,7 +4824,7 @@
           <a:p>
             <a:fld id="{4BB59F2B-01CE-4CCB-A913-1F06A4AB140B}" type="datetime1">
               <a:rPr lang="en-US" smtClean="0"/>
-              <a:t>11/6/2018</a:t>
+              <a:t>6/11/2018</a:t>
             </a:fld>
             <a:endParaRPr lang="en-US"/>
           </a:p>
@@ -4943,7 +4942,7 @@
           <a:p>
             <a:fld id="{76C4452F-E953-4819-AC46-4F6B52FFA96E}" type="datetime1">
               <a:rPr lang="en-US" smtClean="0"/>
-              <a:t>11/6/2018</a:t>
+              <a:t>6/11/2018</a:t>
             </a:fld>
             <a:endParaRPr lang="en-US"/>
           </a:p>
@@ -5038,7 +5037,7 @@
           <a:p>
             <a:fld id="{AA0D6E40-C100-478A-9A4F-F75AE32FC061}" type="datetime1">
               <a:rPr lang="en-US" smtClean="0"/>
-              <a:t>11/6/2018</a:t>
+              <a:t>6/11/2018</a:t>
             </a:fld>
             <a:endParaRPr lang="en-US"/>
           </a:p>
@@ -5317,7 +5316,7 @@
           <a:p>
             <a:fld id="{357FE67A-DF89-4257-B532-70CF9F4CF4A0}" type="datetime1">
               <a:rPr lang="en-US" smtClean="0"/>
-              <a:t>11/6/2018</a:t>
+              <a:t>6/11/2018</a:t>
             </a:fld>
             <a:endParaRPr lang="en-US"/>
           </a:p>
@@ -5592,7 +5591,7 @@
           <a:p>
             <a:fld id="{110199E0-A430-47B1-99C9-1D3630681181}" type="datetime1">
               <a:rPr lang="en-US" smtClean="0"/>
-              <a:t>11/6/2018</a:t>
+              <a:t>6/11/2018</a:t>
             </a:fld>
             <a:endParaRPr lang="en-US"/>
           </a:p>
@@ -6021,7 +6020,7 @@
           <a:p>
             <a:fld id="{B4109684-7EAD-42F4-B9C7-CC6313AF0016}" type="datetime1">
               <a:rPr lang="en-US" smtClean="0"/>
-              <a:t>11/6/2018</a:t>
+              <a:t>6/11/2018</a:t>
             </a:fld>
             <a:endParaRPr lang="en-US"/>
           </a:p>
@@ -6583,7 +6582,7 @@
                 <a16:creationId xmlns:a16="http://schemas.microsoft.com/office/drawing/2014/main" id="{C28D0172-F2E0-4763-9C35-F022664959D8}"/>
               </a:ext>
               <a:ext uri="{C183D7F6-B498-43B3-948B-1728B52AA6E4}">
-                <adec:decorative xmlns="" xmlns:adec="http://schemas.microsoft.com/office/drawing/2017/decorative" val="1"/>
+                <adec:decorative xmlns:adec="http://schemas.microsoft.com/office/drawing/2017/decorative" val="1"/>
               </a:ext>
             </a:extLst>
           </p:cNvPr>
@@ -6643,7 +6642,7 @@
                 <a16:creationId xmlns:a16="http://schemas.microsoft.com/office/drawing/2014/main" id="{9F2851FB-E841-4509-8A6D-A416376EA380}"/>
               </a:ext>
               <a:ext uri="{C183D7F6-B498-43B3-948B-1728B52AA6E4}">
-                <adec:decorative xmlns="" xmlns:adec="http://schemas.microsoft.com/office/drawing/2017/decorative" val="1"/>
+                <adec:decorative xmlns:adec="http://schemas.microsoft.com/office/drawing/2017/decorative" val="1"/>
               </a:ext>
             </a:extLst>
           </p:cNvPr>
@@ -7043,7 +7042,7 @@
                 <a16:creationId xmlns:a16="http://schemas.microsoft.com/office/drawing/2014/main" id="{DF6FB2B2-CE21-407F-B22E-302DADC2C3D3}"/>
               </a:ext>
               <a:ext uri="{C183D7F6-B498-43B3-948B-1728B52AA6E4}">
-                <adec:decorative xmlns="" xmlns:adec="http://schemas.microsoft.com/office/drawing/2017/decorative" val="1"/>
+                <adec:decorative xmlns:adec="http://schemas.microsoft.com/office/drawing/2017/decorative" val="1"/>
               </a:ext>
             </a:extLst>
           </p:cNvPr>
@@ -7699,31 +7698,15 @@
             <a:br>
               <a:rPr lang="en-US" sz="4800" dirty="0"/>
             </a:br>
-            <a:r>
-              <a:rPr lang="en-US" sz="4800" dirty="0"/>
-              <a:t/>
-            </a:r>
             <a:br>
               <a:rPr lang="en-US" sz="4800" dirty="0"/>
             </a:br>
-            <a:r>
-              <a:rPr lang="en-US" sz="4800" dirty="0"/>
-              <a:t/>
-            </a:r>
             <a:br>
               <a:rPr lang="en-US" sz="4800" dirty="0"/>
             </a:br>
-            <a:r>
-              <a:rPr lang="en-US" sz="4800" dirty="0"/>
-              <a:t/>
-            </a:r>
             <a:br>
               <a:rPr lang="en-US" sz="4800" dirty="0"/>
             </a:br>
-            <a:r>
-              <a:rPr lang="en-US" sz="4800" dirty="0"/>
-              <a:t/>
-            </a:r>
             <a:br>
               <a:rPr lang="en-US" sz="4800" dirty="0"/>
             </a:br>
@@ -8003,22 +7986,14 @@
           <a:p>
             <a:r>
               <a:rPr lang="en-US" sz="5400" dirty="0"/>
-              <a:t>As Jane the college aged woman I want to social media blast this location to everyone in my circle.</a:t>
+              <a:t>As Jane, a college aged woman, I want to share all my landmarks with my friends on social media.</a:t>
             </a:r>
             <a:br>
               <a:rPr lang="en-US" sz="5400" dirty="0"/>
             </a:br>
-            <a:r>
-              <a:rPr lang="en-US" sz="5400" dirty="0"/>
-              <a:t/>
-            </a:r>
             <a:br>
               <a:rPr lang="en-US" sz="5400" dirty="0"/>
             </a:br>
-            <a:r>
-              <a:rPr lang="en-US" sz="5400" dirty="0"/>
-              <a:t/>
-            </a:r>
             <a:br>
               <a:rPr lang="en-US" sz="5400" dirty="0"/>
             </a:br>
@@ -8110,17 +8085,9 @@
             <a:br>
               <a:rPr lang="en-US" sz="5400" dirty="0"/>
             </a:br>
-            <a:r>
-              <a:rPr lang="en-US" sz="5400" dirty="0"/>
-              <a:t/>
-            </a:r>
             <a:br>
               <a:rPr lang="en-US" sz="5400" dirty="0"/>
             </a:br>
-            <a:r>
-              <a:rPr lang="en-US" sz="5400" dirty="0"/>
-              <a:t/>
-            </a:r>
             <a:br>
               <a:rPr lang="en-US" sz="5400" dirty="0"/>
             </a:br>
@@ -9378,24 +9345,12 @@
             <a:br>
               <a:rPr lang="en-US" sz="4800" dirty="0"/>
             </a:br>
-            <a:r>
-              <a:rPr lang="en-US" sz="4800" dirty="0"/>
-              <a:t/>
-            </a:r>
             <a:br>
               <a:rPr lang="en-US" sz="4800" dirty="0"/>
             </a:br>
-            <a:r>
-              <a:rPr lang="en-US" sz="4800" dirty="0"/>
-              <a:t/>
-            </a:r>
             <a:br>
               <a:rPr lang="en-US" sz="4800" dirty="0"/>
             </a:br>
-            <a:r>
-              <a:rPr lang="en-US" sz="4800" dirty="0"/>
-              <a:t/>
-            </a:r>
             <a:br>
               <a:rPr lang="en-US" sz="4800" dirty="0"/>
             </a:br>
@@ -10250,24 +10205,12 @@
             <a:br>
               <a:rPr lang="en-US" sz="4800" dirty="0"/>
             </a:br>
-            <a:r>
-              <a:rPr lang="en-US" sz="4800" dirty="0"/>
-              <a:t/>
-            </a:r>
             <a:br>
               <a:rPr lang="en-US" sz="4800" dirty="0"/>
             </a:br>
-            <a:r>
-              <a:rPr lang="en-US" sz="4800" dirty="0"/>
-              <a:t/>
-            </a:r>
             <a:br>
               <a:rPr lang="en-US" sz="4800" dirty="0"/>
             </a:br>
-            <a:r>
-              <a:rPr lang="en-US" sz="4800" dirty="0"/>
-              <a:t/>
-            </a:r>
             <a:br>
               <a:rPr lang="en-US" sz="4800" dirty="0"/>
             </a:br>
@@ -10363,17 +10306,9 @@
             <a:br>
               <a:rPr lang="en-US" sz="5400" dirty="0"/>
             </a:br>
-            <a:r>
-              <a:rPr lang="en-US" sz="5400" dirty="0"/>
-              <a:t/>
-            </a:r>
             <a:br>
               <a:rPr lang="en-US" sz="5400" dirty="0"/>
             </a:br>
-            <a:r>
-              <a:rPr lang="en-US" sz="5400" dirty="0"/>
-              <a:t/>
-            </a:r>
             <a:br>
               <a:rPr lang="en-US" sz="5400" dirty="0"/>
             </a:br>
@@ -10474,31 +10409,15 @@
             <a:br>
               <a:rPr lang="en-US" dirty="0"/>
             </a:br>
-            <a:r>
-              <a:rPr lang="en-US" dirty="0"/>
-              <a:t/>
-            </a:r>
             <a:br>
               <a:rPr lang="en-US" dirty="0"/>
             </a:br>
-            <a:r>
-              <a:rPr lang="en-US" dirty="0"/>
-              <a:t/>
-            </a:r>
             <a:br>
               <a:rPr lang="en-US" dirty="0"/>
             </a:br>
-            <a:r>
-              <a:rPr lang="en-US" dirty="0"/>
-              <a:t/>
-            </a:r>
             <a:br>
               <a:rPr lang="en-US" dirty="0"/>
             </a:br>
-            <a:r>
-              <a:rPr lang="en-US" dirty="0"/>
-              <a:t/>
-            </a:r>
             <a:br>
               <a:rPr lang="en-US" dirty="0"/>
             </a:br>
@@ -10590,31 +10509,15 @@
             <a:br>
               <a:rPr lang="en-US" sz="4800" dirty="0"/>
             </a:br>
-            <a:r>
-              <a:rPr lang="en-US" sz="4800" dirty="0"/>
-              <a:t/>
-            </a:r>
             <a:br>
               <a:rPr lang="en-US" sz="4800" dirty="0"/>
             </a:br>
-            <a:r>
-              <a:rPr lang="en-US" sz="4800" dirty="0"/>
-              <a:t/>
-            </a:r>
             <a:br>
               <a:rPr lang="en-US" sz="4800" dirty="0"/>
             </a:br>
-            <a:r>
-              <a:rPr lang="en-US" sz="4800" dirty="0"/>
-              <a:t/>
-            </a:r>
             <a:br>
               <a:rPr lang="en-US" sz="4800" dirty="0"/>
             </a:br>
-            <a:r>
-              <a:rPr lang="en-US" sz="4800" dirty="0"/>
-              <a:t/>
-            </a:r>
             <a:br>
               <a:rPr lang="en-US" sz="4800" dirty="0"/>
             </a:br>
@@ -10706,24 +10609,12 @@
             <a:br>
               <a:rPr lang="en-US" sz="4800" dirty="0"/>
             </a:br>
-            <a:r>
-              <a:rPr lang="en-US" sz="4800" dirty="0"/>
-              <a:t/>
-            </a:r>
             <a:br>
               <a:rPr lang="en-US" sz="4800" dirty="0"/>
             </a:br>
-            <a:r>
-              <a:rPr lang="en-US" sz="4800" dirty="0"/>
-              <a:t/>
-            </a:r>
             <a:br>
               <a:rPr lang="en-US" sz="4800" dirty="0"/>
             </a:br>
-            <a:r>
-              <a:rPr lang="en-US" sz="4800" dirty="0"/>
-              <a:t/>
-            </a:r>
             <a:br>
               <a:rPr lang="en-US" sz="4800" dirty="0"/>
             </a:br>
@@ -10815,10 +10706,6 @@
             <a:br>
               <a:rPr lang="en-US" sz="5400" dirty="0"/>
             </a:br>
-            <a:r>
-              <a:rPr lang="en-US" sz="5400" dirty="0"/>
-              <a:t/>
-            </a:r>
             <a:br>
               <a:rPr lang="en-US" sz="5400" dirty="0"/>
             </a:br>
@@ -10951,10 +10838,6 @@
             <a:br>
               <a:rPr lang="en-US" sz="4800" dirty="0"/>
             </a:br>
-            <a:r>
-              <a:rPr lang="en-US" sz="4800" dirty="0"/>
-              <a:t/>
-            </a:r>
             <a:br>
               <a:rPr lang="en-US" sz="4800" dirty="0"/>
             </a:br>
@@ -11050,10 +10933,6 @@
             <a:br>
               <a:rPr lang="en-US" sz="5400" dirty="0"/>
             </a:br>
-            <a:r>
-              <a:rPr lang="en-US" sz="5400" dirty="0"/>
-              <a:t/>
-            </a:r>
             <a:br>
               <a:rPr lang="en-US" sz="5400" dirty="0"/>
             </a:br>
@@ -11150,24 +11029,12 @@
             <a:br>
               <a:rPr lang="en-US" sz="4800" dirty="0"/>
             </a:br>
-            <a:r>
-              <a:rPr lang="en-US" sz="4800" dirty="0"/>
-              <a:t/>
-            </a:r>
             <a:br>
               <a:rPr lang="en-US" sz="4800" dirty="0"/>
             </a:br>
-            <a:r>
-              <a:rPr lang="en-US" sz="4800" dirty="0"/>
-              <a:t/>
-            </a:r>
             <a:br>
               <a:rPr lang="en-US" sz="4800" dirty="0"/>
             </a:br>
-            <a:r>
-              <a:rPr lang="en-US" sz="4800" dirty="0"/>
-              <a:t/>
-            </a:r>
             <a:br>
               <a:rPr lang="en-US" sz="4800" dirty="0"/>
             </a:br>
@@ -11259,24 +11126,12 @@
             <a:br>
               <a:rPr lang="en-US" sz="4800" dirty="0"/>
             </a:br>
-            <a:r>
-              <a:rPr lang="en-US" sz="4800" dirty="0"/>
-              <a:t/>
-            </a:r>
             <a:br>
               <a:rPr lang="en-US" sz="4800" dirty="0"/>
             </a:br>
-            <a:r>
-              <a:rPr lang="en-US" sz="4800" dirty="0"/>
-              <a:t/>
-            </a:r>
             <a:br>
               <a:rPr lang="en-US" sz="4800" dirty="0"/>
             </a:br>
-            <a:r>
-              <a:rPr lang="en-US" sz="4800" dirty="0"/>
-              <a:t/>
-            </a:r>
             <a:br>
               <a:rPr lang="en-US" sz="4800" dirty="0"/>
             </a:br>
@@ -12276,10 +12131,6 @@
             <a:br>
               <a:rPr lang="en-US" sz="5400" dirty="0"/>
             </a:br>
-            <a:r>
-              <a:rPr lang="en-US" sz="5400" dirty="0"/>
-              <a:t/>
-            </a:r>
             <a:br>
               <a:rPr lang="en-US" sz="5400" dirty="0"/>
             </a:br>

--- a/Technology Presentation.pptx
+++ b/Technology Presentation.pptx
@@ -7028,7 +7028,7 @@
           <a:p>
             <a:pPr algn="ctr"/>
             <a:r>
-              <a:rPr lang="en-US" sz="8000"/>
+              <a:rPr lang="en-US" sz="8000" dirty="0"/>
               <a:t>Landmarked</a:t>
             </a:r>
           </a:p>
@@ -7637,6 +7637,51 @@
               <a:t>1</a:t>
             </a:fld>
             <a:endParaRPr lang="en-US"/>
+          </a:p>
+        </p:txBody>
+      </p:sp>
+      <p:sp>
+        <p:nvSpPr>
+          <p:cNvPr id="5" name="TextBox 4">
+            <a:extLst>
+              <a:ext uri="{FF2B5EF4-FFF2-40B4-BE49-F238E27FC236}">
+                <a16:creationId xmlns:a16="http://schemas.microsoft.com/office/drawing/2014/main" id="{02041A92-03F3-40DE-BE6A-784531D3D7D5}"/>
+              </a:ext>
+            </a:extLst>
+          </p:cNvPr>
+          <p:cNvSpPr txBox="1"/>
+          <p:nvPr/>
+        </p:nvSpPr>
+        <p:spPr>
+          <a:xfrm>
+            <a:off x="627528" y="569259"/>
+            <a:ext cx="9305365" cy="646331"/>
+          </a:xfrm>
+          <a:prstGeom prst="rect">
+            <a:avLst/>
+          </a:prstGeom>
+          <a:noFill/>
+        </p:spPr>
+        <p:txBody>
+          <a:bodyPr wrap="square" rtlCol="0">
+            <a:spAutoFit/>
+          </a:bodyPr>
+          <a:lstStyle/>
+          <a:p>
+            <a:r>
+              <a:rPr lang="en-US" b="1" dirty="0"/>
+              <a:t>Disclaimer:</a:t>
+            </a:r>
+            <a:r>
+              <a:rPr lang="en-US" dirty="0"/>
+              <a:t> We are not liable if you walk off a cliff or otherwise injure yourself.</a:t>
+            </a:r>
+          </a:p>
+          <a:p>
+            <a:r>
+              <a:rPr lang="en-US" dirty="0"/>
+              <a:t>User assumes all responsibility when using this application.</a:t>
+            </a:r>
           </a:p>
         </p:txBody>
       </p:sp>
